--- a/Trunk/Getting Started Material/DCAF Training/1 Introduction to DCAF.pptx
+++ b/Trunk/Getting Started Material/DCAF Training/1 Introduction to DCAF.pptx
@@ -5,7 +5,7 @@
     <p:sldMasterId id="2147483648" r:id="rId1"/>
   </p:sldMasterIdLst>
   <p:notesMasterIdLst>
-    <p:notesMasterId r:id="rId34"/>
+    <p:notesMasterId r:id="rId29"/>
   </p:notesMasterIdLst>
   <p:sldIdLst>
     <p:sldId id="259" r:id="rId2"/>
@@ -20,26 +20,21 @@
     <p:sldId id="318" r:id="rId11"/>
     <p:sldId id="338" r:id="rId12"/>
     <p:sldId id="337" r:id="rId13"/>
-    <p:sldId id="265" r:id="rId14"/>
-    <p:sldId id="294" r:id="rId15"/>
-    <p:sldId id="269" r:id="rId16"/>
-    <p:sldId id="281" r:id="rId17"/>
+    <p:sldId id="294" r:id="rId14"/>
+    <p:sldId id="265" r:id="rId15"/>
+    <p:sldId id="281" r:id="rId16"/>
+    <p:sldId id="357" r:id="rId17"/>
     <p:sldId id="364" r:id="rId18"/>
     <p:sldId id="341" r:id="rId19"/>
     <p:sldId id="340" r:id="rId20"/>
     <p:sldId id="347" r:id="rId21"/>
     <p:sldId id="271" r:id="rId22"/>
-    <p:sldId id="357" r:id="rId23"/>
-    <p:sldId id="362" r:id="rId24"/>
-    <p:sldId id="278" r:id="rId25"/>
-    <p:sldId id="291" r:id="rId26"/>
-    <p:sldId id="293" r:id="rId27"/>
-    <p:sldId id="280" r:id="rId28"/>
-    <p:sldId id="279" r:id="rId29"/>
-    <p:sldId id="284" r:id="rId30"/>
-    <p:sldId id="285" r:id="rId31"/>
-    <p:sldId id="359" r:id="rId32"/>
-    <p:sldId id="286" r:id="rId33"/>
+    <p:sldId id="362" r:id="rId23"/>
+    <p:sldId id="291" r:id="rId24"/>
+    <p:sldId id="300" r:id="rId25"/>
+    <p:sldId id="293" r:id="rId26"/>
+    <p:sldId id="278" r:id="rId27"/>
+    <p:sldId id="286" r:id="rId28"/>
   </p:sldIdLst>
   <p:sldSz cx="12192000" cy="6858000"/>
   <p:notesSz cx="6858000" cy="9144000"/>
@@ -3051,8 +3046,8 @@
       </dsp:nvSpPr>
       <dsp:spPr>
         <a:xfrm>
-          <a:off x="1354666" y="0"/>
-          <a:ext cx="5418667" cy="5418667"/>
+          <a:off x="1015614" y="0"/>
+          <a:ext cx="4332624" cy="4332624"/>
         </a:xfrm>
         <a:prstGeom prst="ellipse">
           <a:avLst/>
@@ -3094,12 +3089,12 @@
         </a:fontRef>
       </dsp:style>
       <dsp:txBody>
-        <a:bodyPr spcFirstLastPara="0" vert="horz" wrap="square" lIns="192024" tIns="192024" rIns="192024" bIns="192024" numCol="1" spcCol="1270" anchor="ctr" anchorCtr="0">
+        <a:bodyPr spcFirstLastPara="0" vert="horz" wrap="square" lIns="149352" tIns="149352" rIns="149352" bIns="149352" numCol="1" spcCol="1270" anchor="ctr" anchorCtr="0">
           <a:noAutofit/>
         </a:bodyPr>
         <a:lstStyle/>
         <a:p>
-          <a:pPr marL="0" lvl="0" indent="0" algn="ctr" defTabSz="1200150">
+          <a:pPr marL="0" lvl="0" indent="0" algn="ctr" defTabSz="933450">
             <a:lnSpc>
               <a:spcPct val="90000"/>
             </a:lnSpc>
@@ -3112,14 +3107,14 @@
             <a:buNone/>
           </a:pPr>
           <a:r>
-            <a:rPr lang="en-US" sz="2700" b="1" kern="1200" dirty="0"/>
+            <a:rPr lang="en-US" sz="2100" b="1" kern="1200" dirty="0"/>
             <a:t>Control</a:t>
           </a:r>
         </a:p>
       </dsp:txBody>
       <dsp:txXfrm>
-        <a:off x="3117087" y="270933"/>
-        <a:ext cx="1893824" cy="812800"/>
+        <a:off x="2424800" y="216631"/>
+        <a:ext cx="1514252" cy="649893"/>
       </dsp:txXfrm>
     </dsp:sp>
     <dsp:sp modelId="{7F7173C3-6BB0-4F29-81B1-16E19C035031}">
@@ -3129,8 +3124,8 @@
       </dsp:nvSpPr>
       <dsp:spPr>
         <a:xfrm>
-          <a:off x="2031999" y="1354666"/>
-          <a:ext cx="4064000" cy="4064000"/>
+          <a:off x="1557192" y="1083155"/>
+          <a:ext cx="3249468" cy="3249468"/>
         </a:xfrm>
         <a:prstGeom prst="ellipse">
           <a:avLst/>
@@ -3172,12 +3167,12 @@
         </a:fontRef>
       </dsp:style>
       <dsp:txBody>
-        <a:bodyPr spcFirstLastPara="0" vert="horz" wrap="square" lIns="192024" tIns="192024" rIns="192024" bIns="192024" numCol="1" spcCol="1270" anchor="ctr" anchorCtr="0">
+        <a:bodyPr spcFirstLastPara="0" vert="horz" wrap="square" lIns="149352" tIns="149352" rIns="149352" bIns="149352" numCol="1" spcCol="1270" anchor="ctr" anchorCtr="0">
           <a:noAutofit/>
         </a:bodyPr>
         <a:lstStyle/>
         <a:p>
-          <a:pPr marL="0" lvl="0" indent="0" algn="ctr" defTabSz="1200150">
+          <a:pPr marL="0" lvl="0" indent="0" algn="ctr" defTabSz="933450">
             <a:lnSpc>
               <a:spcPct val="90000"/>
             </a:lnSpc>
@@ -3190,14 +3185,14 @@
             <a:buNone/>
           </a:pPr>
           <a:r>
-            <a:rPr lang="en-US" sz="2700" b="1" kern="1200" dirty="0"/>
+            <a:rPr lang="en-US" sz="2100" b="1" kern="1200" dirty="0"/>
             <a:t>Solution</a:t>
           </a:r>
         </a:p>
       </dsp:txBody>
       <dsp:txXfrm>
-        <a:off x="3117087" y="1608666"/>
-        <a:ext cx="1893824" cy="762000"/>
+        <a:off x="2424800" y="1286247"/>
+        <a:ext cx="1514252" cy="609275"/>
       </dsp:txXfrm>
     </dsp:sp>
     <dsp:sp modelId="{A68EC899-ED64-4056-A5AF-D47DDFE2D518}">
@@ -3207,8 +3202,8 @@
       </dsp:nvSpPr>
       <dsp:spPr>
         <a:xfrm>
-          <a:off x="2709333" y="2709333"/>
-          <a:ext cx="2709333" cy="2709333"/>
+          <a:off x="2098770" y="2166312"/>
+          <a:ext cx="2166312" cy="2166312"/>
         </a:xfrm>
         <a:prstGeom prst="ellipse">
           <a:avLst/>
@@ -3250,12 +3245,12 @@
         </a:fontRef>
       </dsp:style>
       <dsp:txBody>
-        <a:bodyPr spcFirstLastPara="0" vert="horz" wrap="square" lIns="192024" tIns="192024" rIns="192024" bIns="192024" numCol="1" spcCol="1270" anchor="ctr" anchorCtr="0">
+        <a:bodyPr spcFirstLastPara="0" vert="horz" wrap="square" lIns="149352" tIns="149352" rIns="149352" bIns="149352" numCol="1" spcCol="1270" anchor="ctr" anchorCtr="0">
           <a:noAutofit/>
         </a:bodyPr>
         <a:lstStyle/>
         <a:p>
-          <a:pPr marL="0" lvl="0" indent="0" algn="ctr" defTabSz="1200150">
+          <a:pPr marL="0" lvl="0" indent="0" algn="ctr" defTabSz="933450">
             <a:lnSpc>
               <a:spcPct val="90000"/>
             </a:lnSpc>
@@ -3268,14 +3263,14 @@
             <a:buNone/>
           </a:pPr>
           <a:r>
-            <a:rPr lang="en-US" sz="2700" b="1" kern="1200" dirty="0"/>
+            <a:rPr lang="en-US" sz="2100" b="1" kern="1200" dirty="0"/>
             <a:t>LabVIEW</a:t>
           </a:r>
         </a:p>
       </dsp:txBody>
       <dsp:txXfrm>
-        <a:off x="3106105" y="3386666"/>
-        <a:ext cx="1915788" cy="1354666"/>
+        <a:off x="2416019" y="2707890"/>
+        <a:ext cx="1531813" cy="1083156"/>
       </dsp:txXfrm>
     </dsp:sp>
   </dsp:spTree>
@@ -3297,8 +3292,8 @@
       </dsp:nvSpPr>
       <dsp:spPr>
         <a:xfrm>
-          <a:off x="1718363" y="1626521"/>
-          <a:ext cx="1952306" cy="1947605"/>
+          <a:off x="1780207" y="1367028"/>
+          <a:ext cx="1621185" cy="1617281"/>
         </a:xfrm>
         <a:prstGeom prst="ellipse">
           <a:avLst/>
@@ -3363,8 +3358,8 @@
         </a:p>
       </dsp:txBody>
       <dsp:txXfrm>
-        <a:off x="2004272" y="1911741"/>
-        <a:ext cx="1380488" cy="1377165"/>
+        <a:off x="2017624" y="1603873"/>
+        <a:ext cx="1146351" cy="1143591"/>
       </dsp:txXfrm>
     </dsp:sp>
     <dsp:sp modelId="{0166608B-E1DA-4757-93A8-52DD79A8ABC4}">
@@ -3374,8 +3369,8 @@
       </dsp:nvSpPr>
       <dsp:spPr>
         <a:xfrm rot="13133394">
-          <a:off x="1403118" y="1776039"/>
-          <a:ext cx="598674" cy="48164"/>
+          <a:off x="1516523" y="1489713"/>
+          <a:ext cx="499280" cy="41596"/>
         </a:xfrm>
         <a:custGeom>
           <a:avLst/>
@@ -3386,10 +3381,10 @@
           <a:pathLst>
             <a:path>
               <a:moveTo>
-                <a:pt x="0" y="24082"/>
+                <a:pt x="0" y="20798"/>
               </a:moveTo>
               <a:lnTo>
-                <a:pt x="598674" y="24082"/>
+                <a:pt x="499280" y="20798"/>
               </a:lnTo>
             </a:path>
           </a:pathLst>
@@ -3440,8 +3435,8 @@
         </a:p>
       </dsp:txBody>
       <dsp:txXfrm rot="10800000">
-        <a:off x="1687489" y="1785154"/>
-        <a:ext cx="29933" cy="29933"/>
+        <a:off x="1753681" y="1498029"/>
+        <a:ext cx="24964" cy="24964"/>
       </dsp:txXfrm>
     </dsp:sp>
     <dsp:sp modelId="{D3C16A07-A1C9-4E4C-8052-AA74CDFB24BA}">
@@ -3451,8 +3446,8 @@
       </dsp:nvSpPr>
       <dsp:spPr>
         <a:xfrm>
-          <a:off x="187283" y="438537"/>
-          <a:ext cx="1441987" cy="1441987"/>
+          <a:off x="507138" y="379186"/>
+          <a:ext cx="1197418" cy="1197418"/>
         </a:xfrm>
         <a:prstGeom prst="ellipse">
           <a:avLst/>
@@ -3489,12 +3484,12 @@
         </a:fontRef>
       </dsp:style>
       <dsp:txBody>
-        <a:bodyPr spcFirstLastPara="0" vert="horz" wrap="square" lIns="13970" tIns="13970" rIns="13970" bIns="13970" numCol="1" spcCol="1270" anchor="ctr" anchorCtr="0">
+        <a:bodyPr spcFirstLastPara="0" vert="horz" wrap="square" lIns="11430" tIns="11430" rIns="11430" bIns="11430" numCol="1" spcCol="1270" anchor="ctr" anchorCtr="0">
           <a:noAutofit/>
         </a:bodyPr>
         <a:lstStyle/>
         <a:p>
-          <a:pPr marL="0" lvl="0" indent="0" algn="ctr" defTabSz="977900">
+          <a:pPr marL="0" lvl="0" indent="0" algn="ctr" defTabSz="800100">
             <a:lnSpc>
               <a:spcPct val="90000"/>
             </a:lnSpc>
@@ -3507,14 +3502,14 @@
             <a:buNone/>
           </a:pPr>
           <a:r>
-            <a:rPr lang="en-US" sz="2200" kern="1200" dirty="0"/>
+            <a:rPr lang="en-US" sz="1800" kern="1200" dirty="0"/>
             <a:t>Editor node</a:t>
           </a:r>
         </a:p>
       </dsp:txBody>
       <dsp:txXfrm>
-        <a:off x="398457" y="649711"/>
-        <a:ext cx="1019639" cy="1019639"/>
+        <a:off x="682496" y="554544"/>
+        <a:ext cx="846702" cy="846702"/>
       </dsp:txXfrm>
     </dsp:sp>
     <dsp:sp modelId="{BBE51696-74B1-4187-ACB5-946F0A10CE4E}">
@@ -3524,8 +3519,8 @@
       </dsp:nvSpPr>
       <dsp:spPr>
         <a:xfrm rot="19177722">
-          <a:off x="3374570" y="1773534"/>
-          <a:ext cx="528164" cy="48164"/>
+          <a:off x="3155266" y="1487633"/>
+          <a:ext cx="440662" cy="41596"/>
         </a:xfrm>
         <a:custGeom>
           <a:avLst/>
@@ -3536,10 +3531,10 @@
           <a:pathLst>
             <a:path>
               <a:moveTo>
-                <a:pt x="0" y="24082"/>
+                <a:pt x="0" y="20798"/>
               </a:moveTo>
               <a:lnTo>
-                <a:pt x="528164" y="24082"/>
+                <a:pt x="440662" y="20798"/>
               </a:lnTo>
             </a:path>
           </a:pathLst>
@@ -3589,8 +3584,8 @@
         </a:p>
       </dsp:txBody>
       <dsp:txXfrm>
-        <a:off x="3625448" y="1784412"/>
-        <a:ext cx="26408" cy="26408"/>
+        <a:off x="3364580" y="1497414"/>
+        <a:ext cx="22033" cy="22033"/>
       </dsp:txXfrm>
     </dsp:sp>
     <dsp:sp modelId="{457D17E5-CE98-4172-B3C8-B66DBCB6D706}">
@@ -3600,8 +3595,8 @@
       </dsp:nvSpPr>
       <dsp:spPr>
         <a:xfrm>
-          <a:off x="3668151" y="438551"/>
-          <a:ext cx="1441987" cy="1441987"/>
+          <a:off x="3400884" y="379198"/>
+          <a:ext cx="1197418" cy="1197418"/>
         </a:xfrm>
         <a:prstGeom prst="ellipse">
           <a:avLst/>
@@ -3643,12 +3638,12 @@
         </a:fontRef>
       </dsp:style>
       <dsp:txBody>
-        <a:bodyPr spcFirstLastPara="0" vert="horz" wrap="square" lIns="13970" tIns="13970" rIns="13970" bIns="13970" numCol="1" spcCol="1270" anchor="ctr" anchorCtr="0">
+        <a:bodyPr spcFirstLastPara="0" vert="horz" wrap="square" lIns="11430" tIns="11430" rIns="11430" bIns="11430" numCol="1" spcCol="1270" anchor="ctr" anchorCtr="0">
           <a:noAutofit/>
         </a:bodyPr>
         <a:lstStyle/>
         <a:p>
-          <a:pPr marL="0" lvl="0" indent="0" algn="ctr" defTabSz="977900">
+          <a:pPr marL="0" lvl="0" indent="0" algn="ctr" defTabSz="800100">
             <a:lnSpc>
               <a:spcPct val="90000"/>
             </a:lnSpc>
@@ -3661,14 +3656,14 @@
             <a:buNone/>
           </a:pPr>
           <a:r>
-            <a:rPr lang="en-US" sz="2200" kern="1200" dirty="0"/>
+            <a:rPr lang="en-US" sz="1800" kern="1200" dirty="0"/>
             <a:t>Runtime</a:t>
           </a:r>
         </a:p>
       </dsp:txBody>
       <dsp:txXfrm>
-        <a:off x="3879325" y="649725"/>
-        <a:ext cx="1019639" cy="1019639"/>
+        <a:off x="3576242" y="554556"/>
+        <a:ext cx="846702" cy="846702"/>
       </dsp:txXfrm>
     </dsp:sp>
   </dsp:spTree>
@@ -3690,8 +3685,8 @@
       </dsp:nvSpPr>
       <dsp:spPr>
         <a:xfrm>
-          <a:off x="1718363" y="1626521"/>
-          <a:ext cx="1952306" cy="1947605"/>
+          <a:off x="1780207" y="1367028"/>
+          <a:ext cx="1621185" cy="1617281"/>
         </a:xfrm>
         <a:prstGeom prst="ellipse">
           <a:avLst/>
@@ -3752,8 +3747,8 @@
         </a:p>
       </dsp:txBody>
       <dsp:txXfrm>
-        <a:off x="2004272" y="1911741"/>
-        <a:ext cx="1380488" cy="1377165"/>
+        <a:off x="2017624" y="1603873"/>
+        <a:ext cx="1146351" cy="1143591"/>
       </dsp:txXfrm>
     </dsp:sp>
     <dsp:sp modelId="{0166608B-E1DA-4757-93A8-52DD79A8ABC4}">
@@ -3763,8 +3758,8 @@
       </dsp:nvSpPr>
       <dsp:spPr>
         <a:xfrm rot="13133394">
-          <a:off x="1403118" y="1776039"/>
-          <a:ext cx="598674" cy="48164"/>
+          <a:off x="1516523" y="1489713"/>
+          <a:ext cx="499280" cy="41596"/>
         </a:xfrm>
         <a:custGeom>
           <a:avLst/>
@@ -3775,10 +3770,10 @@
           <a:pathLst>
             <a:path>
               <a:moveTo>
-                <a:pt x="0" y="24082"/>
+                <a:pt x="0" y="20798"/>
               </a:moveTo>
               <a:lnTo>
-                <a:pt x="598674" y="24082"/>
+                <a:pt x="499280" y="20798"/>
               </a:lnTo>
             </a:path>
           </a:pathLst>
@@ -3829,8 +3824,8 @@
         </a:p>
       </dsp:txBody>
       <dsp:txXfrm rot="10800000">
-        <a:off x="1687489" y="1785154"/>
-        <a:ext cx="29933" cy="29933"/>
+        <a:off x="1753681" y="1498029"/>
+        <a:ext cx="24964" cy="24964"/>
       </dsp:txXfrm>
     </dsp:sp>
     <dsp:sp modelId="{D3C16A07-A1C9-4E4C-8052-AA74CDFB24BA}">
@@ -3840,8 +3835,8 @@
       </dsp:nvSpPr>
       <dsp:spPr>
         <a:xfrm>
-          <a:off x="187283" y="438537"/>
-          <a:ext cx="1441987" cy="1441987"/>
+          <a:off x="507138" y="379186"/>
+          <a:ext cx="1197418" cy="1197418"/>
         </a:xfrm>
         <a:prstGeom prst="ellipse">
           <a:avLst/>
@@ -3878,12 +3873,12 @@
         </a:fontRef>
       </dsp:style>
       <dsp:txBody>
-        <a:bodyPr spcFirstLastPara="0" vert="horz" wrap="square" lIns="13970" tIns="13970" rIns="13970" bIns="13970" numCol="1" spcCol="1270" anchor="ctr" anchorCtr="0">
+        <a:bodyPr spcFirstLastPara="0" vert="horz" wrap="square" lIns="11430" tIns="11430" rIns="11430" bIns="11430" numCol="1" spcCol="1270" anchor="ctr" anchorCtr="0">
           <a:noAutofit/>
         </a:bodyPr>
         <a:lstStyle/>
         <a:p>
-          <a:pPr marL="0" lvl="0" indent="0" algn="ctr" defTabSz="977900">
+          <a:pPr marL="0" lvl="0" indent="0" algn="ctr" defTabSz="800100">
             <a:lnSpc>
               <a:spcPct val="90000"/>
             </a:lnSpc>
@@ -3896,14 +3891,14 @@
             <a:buNone/>
           </a:pPr>
           <a:r>
-            <a:rPr lang="en-US" sz="2200" kern="1200" dirty="0"/>
+            <a:rPr lang="en-US" sz="1800" kern="1200" dirty="0"/>
             <a:t>Editor node</a:t>
           </a:r>
         </a:p>
       </dsp:txBody>
       <dsp:txXfrm>
-        <a:off x="398457" y="649711"/>
-        <a:ext cx="1019639" cy="1019639"/>
+        <a:off x="682496" y="554544"/>
+        <a:ext cx="846702" cy="846702"/>
       </dsp:txXfrm>
     </dsp:sp>
     <dsp:sp modelId="{BBE51696-74B1-4187-ACB5-946F0A10CE4E}">
@@ -3913,8 +3908,8 @@
       </dsp:nvSpPr>
       <dsp:spPr>
         <a:xfrm rot="19177722">
-          <a:off x="3374570" y="1773534"/>
-          <a:ext cx="528164" cy="48164"/>
+          <a:off x="3155266" y="1487633"/>
+          <a:ext cx="440662" cy="41596"/>
         </a:xfrm>
         <a:custGeom>
           <a:avLst/>
@@ -3925,10 +3920,10 @@
           <a:pathLst>
             <a:path>
               <a:moveTo>
-                <a:pt x="0" y="24082"/>
+                <a:pt x="0" y="20798"/>
               </a:moveTo>
               <a:lnTo>
-                <a:pt x="528164" y="24082"/>
+                <a:pt x="440662" y="20798"/>
               </a:lnTo>
             </a:path>
           </a:pathLst>
@@ -3978,8 +3973,8 @@
         </a:p>
       </dsp:txBody>
       <dsp:txXfrm>
-        <a:off x="3625448" y="1784412"/>
-        <a:ext cx="26408" cy="26408"/>
+        <a:off x="3364580" y="1497414"/>
+        <a:ext cx="22033" cy="22033"/>
       </dsp:txXfrm>
     </dsp:sp>
     <dsp:sp modelId="{457D17E5-CE98-4172-B3C8-B66DBCB6D706}">
@@ -3989,8 +3984,8 @@
       </dsp:nvSpPr>
       <dsp:spPr>
         <a:xfrm>
-          <a:off x="3668151" y="438551"/>
-          <a:ext cx="1441987" cy="1441987"/>
+          <a:off x="3400884" y="379198"/>
+          <a:ext cx="1197418" cy="1197418"/>
         </a:xfrm>
         <a:prstGeom prst="ellipse">
           <a:avLst/>
@@ -4032,12 +4027,12 @@
         </a:fontRef>
       </dsp:style>
       <dsp:txBody>
-        <a:bodyPr spcFirstLastPara="0" vert="horz" wrap="square" lIns="13970" tIns="13970" rIns="13970" bIns="13970" numCol="1" spcCol="1270" anchor="ctr" anchorCtr="0">
+        <a:bodyPr spcFirstLastPara="0" vert="horz" wrap="square" lIns="11430" tIns="11430" rIns="11430" bIns="11430" numCol="1" spcCol="1270" anchor="ctr" anchorCtr="0">
           <a:noAutofit/>
         </a:bodyPr>
         <a:lstStyle/>
         <a:p>
-          <a:pPr marL="0" lvl="0" indent="0" algn="ctr" defTabSz="977900">
+          <a:pPr marL="0" lvl="0" indent="0" algn="ctr" defTabSz="800100">
             <a:lnSpc>
               <a:spcPct val="90000"/>
             </a:lnSpc>
@@ -4050,14 +4045,14 @@
             <a:buNone/>
           </a:pPr>
           <a:r>
-            <a:rPr lang="en-US" sz="2200" kern="1200" dirty="0"/>
+            <a:rPr lang="en-US" sz="1800" kern="1200" dirty="0"/>
             <a:t>Runtime</a:t>
           </a:r>
         </a:p>
       </dsp:txBody>
       <dsp:txXfrm>
-        <a:off x="3879325" y="649725"/>
-        <a:ext cx="1019639" cy="1019639"/>
+        <a:off x="3576242" y="554556"/>
+        <a:ext cx="846702" cy="846702"/>
       </dsp:txXfrm>
     </dsp:sp>
   </dsp:spTree>
@@ -8366,7 +8361,7 @@
           <a:p>
             <a:fld id="{A8975C80-FF7F-4140-B105-CF3FA3859277}" type="datetimeFigureOut">
               <a:rPr lang="en-US" smtClean="0"/>
-              <a:t>2018-06-08</a:t>
+              <a:t>2018-06-12</a:t>
             </a:fld>
             <a:endParaRPr lang="en-US"/>
           </a:p>
@@ -8823,26 +8818,187 @@
         </p:nvSpPr>
         <p:spPr/>
         <p:txBody>
-          <a:bodyPr/>
+          <a:bodyPr>
+            <a:normAutofit/>
+          </a:bodyPr>
           <a:lstStyle/>
           <a:p>
-            <a:r>
-              <a:rPr lang="en-US" dirty="0"/>
-              <a:t>Useful for navigating Tools Network packages and GitHub Repos</a:t>
-            </a:r>
-          </a:p>
-          <a:p>
-            <a:endParaRPr lang="en-US" dirty="0"/>
-          </a:p>
-          <a:p>
-            <a:r>
-              <a:rPr lang="en-US" dirty="0"/>
-              <a:t>May be the largest</a:t>
-            </a:r>
-            <a:r>
-              <a:rPr lang="en-US" baseline="0" dirty="0"/>
-              <a:t> open source LabVIEW development project</a:t>
-            </a:r>
+            <a:pPr marL="337185" indent="-285750">
+              <a:buFont typeface="Arial" panose="020B0604020202020204" pitchFamily="34" charset="0"/>
+              <a:buChar char="•"/>
+            </a:pPr>
+            <a:r>
+              <a:rPr lang="en-US" sz="1200" dirty="0">
+                <a:solidFill>
+                  <a:schemeClr val="bg2">
+                    <a:lumMod val="25000"/>
+                  </a:schemeClr>
+                </a:solidFill>
+              </a:rPr>
+              <a:t>State machine with a safe state</a:t>
+            </a:r>
+            <a:br>
+              <a:rPr lang="en-US" sz="1200" dirty="0">
+                <a:solidFill>
+                  <a:schemeClr val="bg2">
+                    <a:lumMod val="25000"/>
+                  </a:schemeClr>
+                </a:solidFill>
+              </a:rPr>
+            </a:br>
+            <a:endParaRPr lang="en-US" sz="1200" dirty="0">
+              <a:solidFill>
+                <a:schemeClr val="bg2">
+                  <a:lumMod val="25000"/>
+                </a:schemeClr>
+              </a:solidFill>
+            </a:endParaRPr>
+          </a:p>
+          <a:p>
+            <a:pPr marL="337185" indent="-285750">
+              <a:buFont typeface="Arial" panose="020B0604020202020204" pitchFamily="34" charset="0"/>
+              <a:buChar char="•"/>
+            </a:pPr>
+            <a:r>
+              <a:rPr lang="en-US" sz="1200" dirty="0">
+                <a:solidFill>
+                  <a:schemeClr val="bg2">
+                    <a:lumMod val="25000"/>
+                  </a:schemeClr>
+                </a:solidFill>
+              </a:rPr>
+              <a:t>Sequentially executes Input, Process, and Output methods of each plugin</a:t>
+            </a:r>
+          </a:p>
+          <a:p>
+            <a:pPr marL="51435"/>
+            <a:endParaRPr lang="en-US" sz="1200" dirty="0">
+              <a:solidFill>
+                <a:schemeClr val="bg2">
+                  <a:lumMod val="25000"/>
+                </a:schemeClr>
+              </a:solidFill>
+            </a:endParaRPr>
+          </a:p>
+          <a:p>
+            <a:pPr marL="337185" indent="-285750">
+              <a:buFont typeface="Arial" panose="020B0604020202020204" pitchFamily="34" charset="0"/>
+              <a:buChar char="•"/>
+            </a:pPr>
+            <a:r>
+              <a:rPr lang="en-US" sz="1200" dirty="0">
+                <a:solidFill>
+                  <a:schemeClr val="bg2">
+                    <a:lumMod val="25000"/>
+                  </a:schemeClr>
+                </a:solidFill>
+              </a:rPr>
+              <a:t>Passes latest value data between plugins</a:t>
+            </a:r>
+          </a:p>
+          <a:p>
+            <a:pPr marL="51435"/>
+            <a:endParaRPr lang="en-US" sz="1200" dirty="0">
+              <a:solidFill>
+                <a:schemeClr val="bg2">
+                  <a:lumMod val="25000"/>
+                </a:schemeClr>
+              </a:solidFill>
+            </a:endParaRPr>
+          </a:p>
+          <a:p>
+            <a:pPr marL="337185" indent="-285750">
+              <a:buFont typeface="Arial" panose="020B0604020202020204" pitchFamily="34" charset="0"/>
+              <a:buChar char="•"/>
+            </a:pPr>
+            <a:r>
+              <a:rPr lang="en-US" sz="1200" dirty="0">
+                <a:solidFill>
+                  <a:schemeClr val="bg2">
+                    <a:lumMod val="25000"/>
+                  </a:schemeClr>
+                </a:solidFill>
+              </a:rPr>
+              <a:t>Configurable execution timing</a:t>
+            </a:r>
+          </a:p>
+          <a:p>
+            <a:pPr marL="51435"/>
+            <a:endParaRPr lang="en-US" sz="1200" dirty="0">
+              <a:solidFill>
+                <a:schemeClr val="bg2">
+                  <a:lumMod val="25000"/>
+                </a:schemeClr>
+              </a:solidFill>
+            </a:endParaRPr>
+          </a:p>
+          <a:p>
+            <a:pPr marL="337185" indent="-285750">
+              <a:buFont typeface="Arial" panose="020B0604020202020204" pitchFamily="34" charset="0"/>
+              <a:buChar char="•"/>
+            </a:pPr>
+            <a:r>
+              <a:rPr lang="en-US" sz="1200" dirty="0">
+                <a:solidFill>
+                  <a:schemeClr val="bg2">
+                    <a:lumMod val="25000"/>
+                  </a:schemeClr>
+                </a:solidFill>
+              </a:rPr>
+              <a:t>Built-in error reporting and recovery</a:t>
+            </a:r>
+          </a:p>
+          <a:p>
+            <a:pPr marL="337185" indent="-285750">
+              <a:buFont typeface="Arial" panose="020B0604020202020204" pitchFamily="34" charset="0"/>
+              <a:buChar char="•"/>
+            </a:pPr>
+            <a:endParaRPr lang="en-US" sz="1200" dirty="0">
+              <a:solidFill>
+                <a:schemeClr val="bg2">
+                  <a:lumMod val="25000"/>
+                </a:schemeClr>
+              </a:solidFill>
+            </a:endParaRPr>
+          </a:p>
+          <a:p>
+            <a:pPr marL="337185" indent="-285750">
+              <a:buFont typeface="Arial" panose="020B0604020202020204" pitchFamily="34" charset="0"/>
+              <a:buChar char="•"/>
+            </a:pPr>
+            <a:r>
+              <a:rPr lang="en-US" sz="1200" dirty="0">
+                <a:solidFill>
+                  <a:schemeClr val="bg2">
+                    <a:lumMod val="25000"/>
+                  </a:schemeClr>
+                </a:solidFill>
+              </a:rPr>
+              <a:t>Prevent Race conditions, memory</a:t>
+            </a:r>
+            <a:r>
+              <a:rPr lang="en-US" sz="1200" baseline="0" dirty="0">
+                <a:solidFill>
+                  <a:schemeClr val="bg2">
+                    <a:lumMod val="25000"/>
+                  </a:schemeClr>
+                </a:solidFill>
+              </a:rPr>
+              <a:t> allocations, thread starvation, etc.</a:t>
+            </a:r>
+            <a:endParaRPr lang="en-US" sz="1200" dirty="0">
+              <a:solidFill>
+                <a:schemeClr val="bg2">
+                  <a:lumMod val="25000"/>
+                </a:schemeClr>
+              </a:solidFill>
+            </a:endParaRPr>
+          </a:p>
+          <a:p>
+            <a:pPr marL="51435" indent="0">
+              <a:buFont typeface="Arial" panose="020B0604020202020204" pitchFamily="34" charset="0"/>
+              <a:buNone/>
+            </a:pPr>
             <a:endParaRPr lang="en-US" dirty="0"/>
           </a:p>
         </p:txBody>
@@ -8862,18 +9018,27 @@
           <a:bodyPr/>
           <a:lstStyle/>
           <a:p>
-            <a:fld id="{29B424A6-7593-2C46-9CCA-8596FB18DBBE}" type="slidenum">
-              <a:rPr lang="en-US" smtClean="0"/>
-              <a:t>24</a:t>
+            <a:fld id="{415FA569-94E5-4539-9DDA-647D2D9DEE0B}" type="slidenum">
+              <a:rPr lang="en-US" smtClean="0">
+                <a:solidFill>
+                  <a:prstClr val="black"/>
+                </a:solidFill>
+              </a:rPr>
+              <a:pPr/>
+              <a:t>15</a:t>
             </a:fld>
-            <a:endParaRPr lang="en-US"/>
+            <a:endParaRPr lang="en-US" dirty="0">
+              <a:solidFill>
+                <a:prstClr val="black"/>
+              </a:solidFill>
+            </a:endParaRPr>
           </a:p>
         </p:txBody>
       </p:sp>
     </p:spTree>
     <p:extLst>
       <p:ext uri="{BB962C8B-B14F-4D97-AF65-F5344CB8AC3E}">
-        <p14:creationId xmlns:p14="http://schemas.microsoft.com/office/powerpoint/2010/main" val="3113426830"/>
+        <p14:creationId xmlns:p14="http://schemas.microsoft.com/office/powerpoint/2010/main" val="3021661987"/>
       </p:ext>
     </p:extLst>
   </p:cSld>
@@ -8929,12 +9094,72 @@
           <a:p>
             <a:r>
               <a:rPr lang="en-US" dirty="0"/>
-              <a:t>Application</a:t>
-            </a:r>
-            <a:r>
-              <a:rPr lang="en-US" baseline="0" dirty="0"/>
-              <a:t> templates exist in addition to the plugin templates.</a:t>
-            </a:r>
+              <a:t>DCAF was designed for systems in which the main data transfer is tags.</a:t>
+            </a:r>
+          </a:p>
+          <a:p>
+            <a:r>
+              <a:rPr lang="en-US" dirty="0"/>
+              <a:t>LabVIEW offers many options to manage tags. </a:t>
+            </a:r>
+          </a:p>
+          <a:p>
+            <a:endParaRPr lang="en-US" dirty="0"/>
+          </a:p>
+          <a:p>
+            <a:r>
+              <a:rPr lang="en-US" dirty="0"/>
+              <a:t>But for design we had 3 main guidelines and they could not be achieved with the current options. </a:t>
+            </a:r>
+          </a:p>
+          <a:p>
+            <a:endParaRPr lang="en-US" dirty="0"/>
+          </a:p>
+          <a:p>
+            <a:endParaRPr lang="en-US" dirty="0"/>
+          </a:p>
+          <a:p>
+            <a:endParaRPr lang="en-US" dirty="0"/>
+          </a:p>
+          <a:p>
+            <a:r>
+              <a:rPr lang="en-US" dirty="0"/>
+              <a:t>What's the need?</a:t>
+            </a:r>
+          </a:p>
+          <a:p>
+            <a:r>
+              <a:rPr lang="en-US" dirty="0"/>
+              <a:t>Limited Solutions:</a:t>
+            </a:r>
+          </a:p>
+          <a:p>
+            <a:pPr lvl="1"/>
+            <a:r>
+              <a:rPr lang="en-US" dirty="0"/>
+              <a:t>Variables</a:t>
+            </a:r>
+          </a:p>
+          <a:p>
+            <a:pPr lvl="1"/>
+            <a:r>
+              <a:rPr lang="en-US" dirty="0"/>
+              <a:t>CVT</a:t>
+            </a:r>
+          </a:p>
+          <a:p>
+            <a:r>
+              <a:rPr lang="en-US" dirty="0"/>
+              <a:t>Scope</a:t>
+            </a:r>
+          </a:p>
+          <a:p>
+            <a:r>
+              <a:rPr lang="en-US" dirty="0"/>
+              <a:t>Data Types</a:t>
+            </a:r>
+          </a:p>
+          <a:p>
             <a:endParaRPr lang="en-US" dirty="0"/>
           </a:p>
         </p:txBody>
@@ -8954,18 +9179,18 @@
           <a:bodyPr/>
           <a:lstStyle/>
           <a:p>
-            <a:fld id="{15F80049-26F3-4D89-A0B2-4E12138F92A1}" type="slidenum">
+            <a:fld id="{851B3976-BA5C-4172-B420-FFE6D6004C76}" type="slidenum">
               <a:rPr lang="en-US" smtClean="0"/>
-              <a:t>25</a:t>
+              <a:t>17</a:t>
             </a:fld>
-            <a:endParaRPr lang="en-US"/>
+            <a:endParaRPr lang="en-US" dirty="0"/>
           </a:p>
         </p:txBody>
       </p:sp>
     </p:spTree>
     <p:extLst>
       <p:ext uri="{BB962C8B-B14F-4D97-AF65-F5344CB8AC3E}">
-        <p14:creationId xmlns:p14="http://schemas.microsoft.com/office/powerpoint/2010/main" val="4270490914"/>
+        <p14:creationId xmlns:p14="http://schemas.microsoft.com/office/powerpoint/2010/main" val="831469265"/>
       </p:ext>
     </p:extLst>
   </p:cSld>
@@ -9021,7 +9246,31 @@
           <a:p>
             <a:r>
               <a:rPr lang="en-US" dirty="0"/>
-              <a:t>Add WIF</a:t>
+              <a:t>Major issue with clustersauruses: data copies of the cluster and accidentally stomping on data, especially if sending the whole cluster into every user of the cluster</a:t>
+            </a:r>
+          </a:p>
+          <a:p>
+            <a:r>
+              <a:rPr lang="en-US" dirty="0"/>
+              <a:t>Solution: break up the cluster such that each user of the cluster gets the minimum data set it needs and prevent useless data copies when getting/setting the values from the main cluster</a:t>
+            </a:r>
+          </a:p>
+          <a:p>
+            <a:endParaRPr lang="en-US" dirty="0"/>
+          </a:p>
+          <a:p>
+            <a:r>
+              <a:rPr lang="en-US" dirty="0"/>
+              <a:t>Each DCAF module gets a “mini” tag bus containing only the data used by that module.  Scripting templates take care of all data access operations on the mini-tag bus in the module for most common use cases.</a:t>
+            </a:r>
+          </a:p>
+          <a:p>
+            <a:endParaRPr lang="en-US" dirty="0"/>
+          </a:p>
+          <a:p>
+            <a:r>
+              <a:rPr lang="en-US" dirty="0"/>
+              <a:t>Use of in-place operations, plus never branching the main tag bus wire, prevent copies of the main cluster</a:t>
             </a:r>
           </a:p>
         </p:txBody>
@@ -9043,7 +9292,7 @@
           <a:p>
             <a:fld id="{851B3976-BA5C-4172-B420-FFE6D6004C76}" type="slidenum">
               <a:rPr lang="en-US" smtClean="0"/>
-              <a:t>31</a:t>
+              <a:t>20</a:t>
             </a:fld>
             <a:endParaRPr lang="en-US" dirty="0"/>
           </a:p>
@@ -9052,7 +9301,284 @@
     </p:spTree>
     <p:extLst>
       <p:ext uri="{BB962C8B-B14F-4D97-AF65-F5344CB8AC3E}">
-        <p14:creationId xmlns:p14="http://schemas.microsoft.com/office/powerpoint/2010/main" val="1391406842"/>
+        <p14:creationId xmlns:p14="http://schemas.microsoft.com/office/powerpoint/2010/main" val="1236117937"/>
+      </p:ext>
+    </p:extLst>
+  </p:cSld>
+  <p:clrMapOvr>
+    <a:masterClrMapping/>
+  </p:clrMapOvr>
+</p:notes>
+</file>
+
+<file path=ppt/notesSlides/notesSlide13.xml><?xml version="1.0" encoding="utf-8"?>
+<p:notes xmlns:a="http://schemas.openxmlformats.org/drawingml/2006/main" xmlns:r="http://schemas.openxmlformats.org/officeDocument/2006/relationships" xmlns:p="http://schemas.openxmlformats.org/presentationml/2006/main">
+  <p:cSld>
+    <p:spTree>
+      <p:nvGrpSpPr>
+        <p:cNvPr id="1" name=""/>
+        <p:cNvGrpSpPr/>
+        <p:nvPr/>
+      </p:nvGrpSpPr>
+      <p:grpSpPr>
+        <a:xfrm>
+          <a:off x="0" y="0"/>
+          <a:ext cx="0" cy="0"/>
+          <a:chOff x="0" y="0"/>
+          <a:chExt cx="0" cy="0"/>
+        </a:xfrm>
+      </p:grpSpPr>
+      <p:sp>
+        <p:nvSpPr>
+          <p:cNvPr id="2" name="Slide Image Placeholder 1"/>
+          <p:cNvSpPr>
+            <a:spLocks noGrp="1" noRot="1" noChangeAspect="1"/>
+          </p:cNvSpPr>
+          <p:nvPr>
+            <p:ph type="sldImg"/>
+          </p:nvPr>
+        </p:nvSpPr>
+        <p:spPr/>
+      </p:sp>
+      <p:sp>
+        <p:nvSpPr>
+          <p:cNvPr id="3" name="Notes Placeholder 2"/>
+          <p:cNvSpPr>
+            <a:spLocks noGrp="1"/>
+          </p:cNvSpPr>
+          <p:nvPr>
+            <p:ph type="body" idx="1"/>
+          </p:nvPr>
+        </p:nvSpPr>
+        <p:spPr/>
+        <p:txBody>
+          <a:bodyPr/>
+          <a:lstStyle/>
+          <a:p>
+            <a:endParaRPr lang="en-US" dirty="0"/>
+          </a:p>
+        </p:txBody>
+      </p:sp>
+      <p:sp>
+        <p:nvSpPr>
+          <p:cNvPr id="4" name="Slide Number Placeholder 3"/>
+          <p:cNvSpPr>
+            <a:spLocks noGrp="1"/>
+          </p:cNvSpPr>
+          <p:nvPr>
+            <p:ph type="sldNum" sz="quarter" idx="10"/>
+          </p:nvPr>
+        </p:nvSpPr>
+        <p:spPr/>
+        <p:txBody>
+          <a:bodyPr/>
+          <a:lstStyle/>
+          <a:p>
+            <a:fld id="{E78E71CD-9786-4621-AA97-B53C62C3E534}" type="slidenum">
+              <a:rPr lang="en-US" smtClean="0"/>
+              <a:t>22</a:t>
+            </a:fld>
+            <a:endParaRPr lang="en-US"/>
+          </a:p>
+        </p:txBody>
+      </p:sp>
+    </p:spTree>
+    <p:extLst>
+      <p:ext uri="{BB962C8B-B14F-4D97-AF65-F5344CB8AC3E}">
+        <p14:creationId xmlns:p14="http://schemas.microsoft.com/office/powerpoint/2010/main" val="3109932392"/>
+      </p:ext>
+    </p:extLst>
+  </p:cSld>
+  <p:clrMapOvr>
+    <a:masterClrMapping/>
+  </p:clrMapOvr>
+</p:notes>
+</file>
+
+<file path=ppt/notesSlides/notesSlide14.xml><?xml version="1.0" encoding="utf-8"?>
+<p:notes xmlns:a="http://schemas.openxmlformats.org/drawingml/2006/main" xmlns:r="http://schemas.openxmlformats.org/officeDocument/2006/relationships" xmlns:p="http://schemas.openxmlformats.org/presentationml/2006/main">
+  <p:cSld>
+    <p:spTree>
+      <p:nvGrpSpPr>
+        <p:cNvPr id="1" name=""/>
+        <p:cNvGrpSpPr/>
+        <p:nvPr/>
+      </p:nvGrpSpPr>
+      <p:grpSpPr>
+        <a:xfrm>
+          <a:off x="0" y="0"/>
+          <a:ext cx="0" cy="0"/>
+          <a:chOff x="0" y="0"/>
+          <a:chExt cx="0" cy="0"/>
+        </a:xfrm>
+      </p:grpSpPr>
+      <p:sp>
+        <p:nvSpPr>
+          <p:cNvPr id="2" name="Slide Image Placeholder 1"/>
+          <p:cNvSpPr>
+            <a:spLocks noGrp="1" noRot="1" noChangeAspect="1"/>
+          </p:cNvSpPr>
+          <p:nvPr>
+            <p:ph type="sldImg"/>
+          </p:nvPr>
+        </p:nvSpPr>
+        <p:spPr/>
+      </p:sp>
+      <p:sp>
+        <p:nvSpPr>
+          <p:cNvPr id="3" name="Notes Placeholder 2"/>
+          <p:cNvSpPr>
+            <a:spLocks noGrp="1"/>
+          </p:cNvSpPr>
+          <p:nvPr>
+            <p:ph type="body" idx="1"/>
+          </p:nvPr>
+        </p:nvSpPr>
+        <p:spPr/>
+        <p:txBody>
+          <a:bodyPr/>
+          <a:lstStyle/>
+          <a:p>
+            <a:r>
+              <a:rPr lang="en-US" dirty="0"/>
+              <a:t>Application</a:t>
+            </a:r>
+            <a:r>
+              <a:rPr lang="en-US" baseline="0" dirty="0"/>
+              <a:t> templates exist in addition to the plugin templates.</a:t>
+            </a:r>
+            <a:endParaRPr lang="en-US" dirty="0"/>
+          </a:p>
+        </p:txBody>
+      </p:sp>
+      <p:sp>
+        <p:nvSpPr>
+          <p:cNvPr id="4" name="Slide Number Placeholder 3"/>
+          <p:cNvSpPr>
+            <a:spLocks noGrp="1"/>
+          </p:cNvSpPr>
+          <p:nvPr>
+            <p:ph type="sldNum" sz="quarter" idx="10"/>
+          </p:nvPr>
+        </p:nvSpPr>
+        <p:spPr/>
+        <p:txBody>
+          <a:bodyPr/>
+          <a:lstStyle/>
+          <a:p>
+            <a:fld id="{15F80049-26F3-4D89-A0B2-4E12138F92A1}" type="slidenum">
+              <a:rPr lang="en-US" smtClean="0"/>
+              <a:t>23</a:t>
+            </a:fld>
+            <a:endParaRPr lang="en-US"/>
+          </a:p>
+        </p:txBody>
+      </p:sp>
+    </p:spTree>
+    <p:extLst>
+      <p:ext uri="{BB962C8B-B14F-4D97-AF65-F5344CB8AC3E}">
+        <p14:creationId xmlns:p14="http://schemas.microsoft.com/office/powerpoint/2010/main" val="4270490914"/>
+      </p:ext>
+    </p:extLst>
+  </p:cSld>
+  <p:clrMapOvr>
+    <a:masterClrMapping/>
+  </p:clrMapOvr>
+</p:notes>
+</file>
+
+<file path=ppt/notesSlides/notesSlide15.xml><?xml version="1.0" encoding="utf-8"?>
+<p:notes xmlns:a="http://schemas.openxmlformats.org/drawingml/2006/main" xmlns:r="http://schemas.openxmlformats.org/officeDocument/2006/relationships" xmlns:p="http://schemas.openxmlformats.org/presentationml/2006/main">
+  <p:cSld>
+    <p:spTree>
+      <p:nvGrpSpPr>
+        <p:cNvPr id="1" name=""/>
+        <p:cNvGrpSpPr/>
+        <p:nvPr/>
+      </p:nvGrpSpPr>
+      <p:grpSpPr>
+        <a:xfrm>
+          <a:off x="0" y="0"/>
+          <a:ext cx="0" cy="0"/>
+          <a:chOff x="0" y="0"/>
+          <a:chExt cx="0" cy="0"/>
+        </a:xfrm>
+      </p:grpSpPr>
+      <p:sp>
+        <p:nvSpPr>
+          <p:cNvPr id="2" name="Slide Image Placeholder 1"/>
+          <p:cNvSpPr>
+            <a:spLocks noGrp="1" noRot="1" noChangeAspect="1"/>
+          </p:cNvSpPr>
+          <p:nvPr>
+            <p:ph type="sldImg"/>
+          </p:nvPr>
+        </p:nvSpPr>
+        <p:spPr/>
+      </p:sp>
+      <p:sp>
+        <p:nvSpPr>
+          <p:cNvPr id="3" name="Notes Placeholder 2"/>
+          <p:cNvSpPr>
+            <a:spLocks noGrp="1"/>
+          </p:cNvSpPr>
+          <p:nvPr>
+            <p:ph type="body" idx="1"/>
+          </p:nvPr>
+        </p:nvSpPr>
+        <p:spPr/>
+        <p:txBody>
+          <a:bodyPr/>
+          <a:lstStyle/>
+          <a:p>
+            <a:r>
+              <a:rPr lang="en-US" dirty="0"/>
+              <a:t>Useful for navigating Tools Network packages and GitHub Repos</a:t>
+            </a:r>
+          </a:p>
+          <a:p>
+            <a:endParaRPr lang="en-US" dirty="0"/>
+          </a:p>
+          <a:p>
+            <a:r>
+              <a:rPr lang="en-US" dirty="0"/>
+              <a:t>May be the largest</a:t>
+            </a:r>
+            <a:r>
+              <a:rPr lang="en-US" baseline="0" dirty="0"/>
+              <a:t> open source LabVIEW development project</a:t>
+            </a:r>
+            <a:endParaRPr lang="en-US" dirty="0"/>
+          </a:p>
+        </p:txBody>
+      </p:sp>
+      <p:sp>
+        <p:nvSpPr>
+          <p:cNvPr id="4" name="Slide Number Placeholder 3"/>
+          <p:cNvSpPr>
+            <a:spLocks noGrp="1"/>
+          </p:cNvSpPr>
+          <p:nvPr>
+            <p:ph type="sldNum" sz="quarter" idx="10"/>
+          </p:nvPr>
+        </p:nvSpPr>
+        <p:spPr/>
+        <p:txBody>
+          <a:bodyPr/>
+          <a:lstStyle/>
+          <a:p>
+            <a:fld id="{29B424A6-7593-2C46-9CCA-8596FB18DBBE}" type="slidenum">
+              <a:rPr lang="en-US" smtClean="0"/>
+              <a:t>26</a:t>
+            </a:fld>
+            <a:endParaRPr lang="en-US"/>
+          </a:p>
+        </p:txBody>
+      </p:sp>
+    </p:spTree>
+    <p:extLst>
+      <p:ext uri="{BB962C8B-B14F-4D97-AF65-F5344CB8AC3E}">
+        <p14:creationId xmlns:p14="http://schemas.microsoft.com/office/powerpoint/2010/main" val="3113426830"/>
       </p:ext>
     </p:extLst>
   </p:cSld>
@@ -9366,7 +9892,42 @@
           <a:bodyPr/>
           <a:lstStyle/>
           <a:p>
+            <a:r>
+              <a:rPr lang="en-US" dirty="0"/>
+              <a:t>From </a:t>
+            </a:r>
+            <a:r>
+              <a:rPr lang="en-US" dirty="0" err="1"/>
+              <a:t>DevGuide</a:t>
+            </a:r>
             <a:endParaRPr lang="en-US" dirty="0"/>
+          </a:p>
+          <a:p>
+            <a:endParaRPr lang="en-US" dirty="0"/>
+          </a:p>
+          <a:p>
+            <a:r>
+              <a:rPr lang="en-US" dirty="0"/>
+              <a:t>**Engine**: State machine that executes *Modules* as defined in the *Configuration Editor* and provides a namespace for *Tags*. The Engine also passes data between its *Modules* according to its *Mappings*.</a:t>
+            </a:r>
+          </a:p>
+          <a:p>
+            <a:endParaRPr lang="en-US" dirty="0"/>
+          </a:p>
+          <a:p>
+            <a:r>
+              <a:rPr lang="en-US" dirty="0"/>
+              <a:t>**Module**: A collection of code of varying functionality that executes within an *Engine* and that can interact with the *Tags* of that *Engine*. Some standard *Modules* are installed with DCAF, but users can also create their own.</a:t>
+            </a:r>
+          </a:p>
+          <a:p>
+            <a:endParaRPr lang="en-US" dirty="0"/>
+          </a:p>
+          <a:p>
+            <a:r>
+              <a:rPr lang="en-US" dirty="0"/>
+              <a:t>**Configuration Editor**: A LabVIEW program used to visually define the functionality of each *Engine* and *Module* in DCAF.</a:t>
+            </a:r>
           </a:p>
         </p:txBody>
       </p:sp>
@@ -9385,18 +9946,18 @@
           <a:bodyPr/>
           <a:lstStyle/>
           <a:p>
-            <a:fld id="{851B3976-BA5C-4172-B420-FFE6D6004C76}" type="slidenum">
+            <a:fld id="{E78E71CD-9786-4621-AA97-B53C62C3E534}" type="slidenum">
               <a:rPr lang="en-US" smtClean="0"/>
-              <a:t>10</a:t>
+              <a:t>9</a:t>
             </a:fld>
-            <a:endParaRPr lang="en-US" dirty="0"/>
+            <a:endParaRPr lang="en-US"/>
           </a:p>
         </p:txBody>
       </p:sp>
     </p:spTree>
     <p:extLst>
       <p:ext uri="{BB962C8B-B14F-4D97-AF65-F5344CB8AC3E}">
-        <p14:creationId xmlns:p14="http://schemas.microsoft.com/office/powerpoint/2010/main" val="3223315796"/>
+        <p14:creationId xmlns:p14="http://schemas.microsoft.com/office/powerpoint/2010/main" val="2045753204"/>
       </p:ext>
     </p:extLst>
   </p:cSld>
@@ -9471,7 +10032,7 @@
           <a:p>
             <a:fld id="{851B3976-BA5C-4172-B420-FFE6D6004C76}" type="slidenum">
               <a:rPr lang="en-US" smtClean="0"/>
-              <a:t>11</a:t>
+              <a:t>10</a:t>
             </a:fld>
             <a:endParaRPr lang="en-US" dirty="0"/>
           </a:p>
@@ -9480,7 +10041,7 @@
     </p:spTree>
     <p:extLst>
       <p:ext uri="{BB962C8B-B14F-4D97-AF65-F5344CB8AC3E}">
-        <p14:creationId xmlns:p14="http://schemas.microsoft.com/office/powerpoint/2010/main" val="818992878"/>
+        <p14:creationId xmlns:p14="http://schemas.microsoft.com/office/powerpoint/2010/main" val="3223315796"/>
       </p:ext>
     </p:extLst>
   </p:cSld>
@@ -9555,7 +10116,7 @@
           <a:p>
             <a:fld id="{851B3976-BA5C-4172-B420-FFE6D6004C76}" type="slidenum">
               <a:rPr lang="en-US" smtClean="0"/>
-              <a:t>12</a:t>
+              <a:t>11</a:t>
             </a:fld>
             <a:endParaRPr lang="en-US" dirty="0"/>
           </a:p>
@@ -9564,7 +10125,7 @@
     </p:spTree>
     <p:extLst>
       <p:ext uri="{BB962C8B-B14F-4D97-AF65-F5344CB8AC3E}">
-        <p14:creationId xmlns:p14="http://schemas.microsoft.com/office/powerpoint/2010/main" val="1343741771"/>
+        <p14:creationId xmlns:p14="http://schemas.microsoft.com/office/powerpoint/2010/main" val="818992878"/>
       </p:ext>
     </p:extLst>
   </p:cSld>
@@ -9615,187 +10176,9 @@
         </p:nvSpPr>
         <p:spPr/>
         <p:txBody>
-          <a:bodyPr>
-            <a:normAutofit/>
-          </a:bodyPr>
+          <a:bodyPr/>
           <a:lstStyle/>
           <a:p>
-            <a:pPr marL="337185" indent="-285750">
-              <a:buFont typeface="Arial" panose="020B0604020202020204" pitchFamily="34" charset="0"/>
-              <a:buChar char="•"/>
-            </a:pPr>
-            <a:r>
-              <a:rPr lang="en-US" sz="1200" dirty="0">
-                <a:solidFill>
-                  <a:schemeClr val="bg2">
-                    <a:lumMod val="25000"/>
-                  </a:schemeClr>
-                </a:solidFill>
-              </a:rPr>
-              <a:t>State machine with a safe state</a:t>
-            </a:r>
-            <a:br>
-              <a:rPr lang="en-US" sz="1200" dirty="0">
-                <a:solidFill>
-                  <a:schemeClr val="bg2">
-                    <a:lumMod val="25000"/>
-                  </a:schemeClr>
-                </a:solidFill>
-              </a:rPr>
-            </a:br>
-            <a:endParaRPr lang="en-US" sz="1200" dirty="0">
-              <a:solidFill>
-                <a:schemeClr val="bg2">
-                  <a:lumMod val="25000"/>
-                </a:schemeClr>
-              </a:solidFill>
-            </a:endParaRPr>
-          </a:p>
-          <a:p>
-            <a:pPr marL="337185" indent="-285750">
-              <a:buFont typeface="Arial" panose="020B0604020202020204" pitchFamily="34" charset="0"/>
-              <a:buChar char="•"/>
-            </a:pPr>
-            <a:r>
-              <a:rPr lang="en-US" sz="1200" dirty="0">
-                <a:solidFill>
-                  <a:schemeClr val="bg2">
-                    <a:lumMod val="25000"/>
-                  </a:schemeClr>
-                </a:solidFill>
-              </a:rPr>
-              <a:t>Sequentially executes Input, Process, and Output methods of each plugin</a:t>
-            </a:r>
-          </a:p>
-          <a:p>
-            <a:pPr marL="51435"/>
-            <a:endParaRPr lang="en-US" sz="1200" dirty="0">
-              <a:solidFill>
-                <a:schemeClr val="bg2">
-                  <a:lumMod val="25000"/>
-                </a:schemeClr>
-              </a:solidFill>
-            </a:endParaRPr>
-          </a:p>
-          <a:p>
-            <a:pPr marL="337185" indent="-285750">
-              <a:buFont typeface="Arial" panose="020B0604020202020204" pitchFamily="34" charset="0"/>
-              <a:buChar char="•"/>
-            </a:pPr>
-            <a:r>
-              <a:rPr lang="en-US" sz="1200" dirty="0">
-                <a:solidFill>
-                  <a:schemeClr val="bg2">
-                    <a:lumMod val="25000"/>
-                  </a:schemeClr>
-                </a:solidFill>
-              </a:rPr>
-              <a:t>Passes latest value data between plugins</a:t>
-            </a:r>
-          </a:p>
-          <a:p>
-            <a:pPr marL="51435"/>
-            <a:endParaRPr lang="en-US" sz="1200" dirty="0">
-              <a:solidFill>
-                <a:schemeClr val="bg2">
-                  <a:lumMod val="25000"/>
-                </a:schemeClr>
-              </a:solidFill>
-            </a:endParaRPr>
-          </a:p>
-          <a:p>
-            <a:pPr marL="337185" indent="-285750">
-              <a:buFont typeface="Arial" panose="020B0604020202020204" pitchFamily="34" charset="0"/>
-              <a:buChar char="•"/>
-            </a:pPr>
-            <a:r>
-              <a:rPr lang="en-US" sz="1200" dirty="0">
-                <a:solidFill>
-                  <a:schemeClr val="bg2">
-                    <a:lumMod val="25000"/>
-                  </a:schemeClr>
-                </a:solidFill>
-              </a:rPr>
-              <a:t>Configurable execution timing</a:t>
-            </a:r>
-          </a:p>
-          <a:p>
-            <a:pPr marL="51435"/>
-            <a:endParaRPr lang="en-US" sz="1200" dirty="0">
-              <a:solidFill>
-                <a:schemeClr val="bg2">
-                  <a:lumMod val="25000"/>
-                </a:schemeClr>
-              </a:solidFill>
-            </a:endParaRPr>
-          </a:p>
-          <a:p>
-            <a:pPr marL="337185" indent="-285750">
-              <a:buFont typeface="Arial" panose="020B0604020202020204" pitchFamily="34" charset="0"/>
-              <a:buChar char="•"/>
-            </a:pPr>
-            <a:r>
-              <a:rPr lang="en-US" sz="1200" dirty="0">
-                <a:solidFill>
-                  <a:schemeClr val="bg2">
-                    <a:lumMod val="25000"/>
-                  </a:schemeClr>
-                </a:solidFill>
-              </a:rPr>
-              <a:t>Built-in error reporting and recovery</a:t>
-            </a:r>
-          </a:p>
-          <a:p>
-            <a:pPr marL="337185" indent="-285750">
-              <a:buFont typeface="Arial" panose="020B0604020202020204" pitchFamily="34" charset="0"/>
-              <a:buChar char="•"/>
-            </a:pPr>
-            <a:endParaRPr lang="en-US" sz="1200" dirty="0">
-              <a:solidFill>
-                <a:schemeClr val="bg2">
-                  <a:lumMod val="25000"/>
-                </a:schemeClr>
-              </a:solidFill>
-            </a:endParaRPr>
-          </a:p>
-          <a:p>
-            <a:pPr marL="337185" indent="-285750">
-              <a:buFont typeface="Arial" panose="020B0604020202020204" pitchFamily="34" charset="0"/>
-              <a:buChar char="•"/>
-            </a:pPr>
-            <a:r>
-              <a:rPr lang="en-US" sz="1200" dirty="0">
-                <a:solidFill>
-                  <a:schemeClr val="bg2">
-                    <a:lumMod val="25000"/>
-                  </a:schemeClr>
-                </a:solidFill>
-              </a:rPr>
-              <a:t>Prevent Race conditions, memory</a:t>
-            </a:r>
-            <a:r>
-              <a:rPr lang="en-US" sz="1200" baseline="0" dirty="0">
-                <a:solidFill>
-                  <a:schemeClr val="bg2">
-                    <a:lumMod val="25000"/>
-                  </a:schemeClr>
-                </a:solidFill>
-              </a:rPr>
-              <a:t> allocations, thread starvation, etc.</a:t>
-            </a:r>
-            <a:endParaRPr lang="en-US" sz="1200" dirty="0">
-              <a:solidFill>
-                <a:schemeClr val="bg2">
-                  <a:lumMod val="25000"/>
-                </a:schemeClr>
-              </a:solidFill>
-            </a:endParaRPr>
-          </a:p>
-          <a:p>
-            <a:pPr marL="51435" indent="0">
-              <a:buFont typeface="Arial" panose="020B0604020202020204" pitchFamily="34" charset="0"/>
-              <a:buNone/>
-            </a:pPr>
             <a:endParaRPr lang="en-US" dirty="0"/>
           </a:p>
         </p:txBody>
@@ -9815,27 +10198,18 @@
           <a:bodyPr/>
           <a:lstStyle/>
           <a:p>
-            <a:fld id="{415FA569-94E5-4539-9DDA-647D2D9DEE0B}" type="slidenum">
-              <a:rPr lang="en-US" smtClean="0">
-                <a:solidFill>
-                  <a:prstClr val="black"/>
-                </a:solidFill>
-              </a:rPr>
-              <a:pPr/>
-              <a:t>16</a:t>
+            <a:fld id="{851B3976-BA5C-4172-B420-FFE6D6004C76}" type="slidenum">
+              <a:rPr lang="en-US" smtClean="0"/>
+              <a:t>12</a:t>
             </a:fld>
-            <a:endParaRPr lang="en-US" dirty="0">
-              <a:solidFill>
-                <a:prstClr val="black"/>
-              </a:solidFill>
-            </a:endParaRPr>
+            <a:endParaRPr lang="en-US" dirty="0"/>
           </a:p>
         </p:txBody>
       </p:sp>
     </p:spTree>
     <p:extLst>
       <p:ext uri="{BB962C8B-B14F-4D97-AF65-F5344CB8AC3E}">
-        <p14:creationId xmlns:p14="http://schemas.microsoft.com/office/powerpoint/2010/main" val="3021661987"/>
+        <p14:creationId xmlns:p14="http://schemas.microsoft.com/office/powerpoint/2010/main" val="1343741771"/>
       </p:ext>
     </p:extLst>
   </p:cSld>
@@ -9889,74 +10263,6 @@
           <a:bodyPr/>
           <a:lstStyle/>
           <a:p>
-            <a:r>
-              <a:rPr lang="en-US" dirty="0"/>
-              <a:t>DCAF was designed for systems in which the main data transfer is tags.</a:t>
-            </a:r>
-          </a:p>
-          <a:p>
-            <a:r>
-              <a:rPr lang="en-US" dirty="0"/>
-              <a:t>LabVIEW offers many options to manage tags. </a:t>
-            </a:r>
-          </a:p>
-          <a:p>
-            <a:endParaRPr lang="en-US" dirty="0"/>
-          </a:p>
-          <a:p>
-            <a:r>
-              <a:rPr lang="en-US" dirty="0"/>
-              <a:t>But for design we had 3 main guidelines and they could not be achieved with the current options. </a:t>
-            </a:r>
-          </a:p>
-          <a:p>
-            <a:endParaRPr lang="en-US" dirty="0"/>
-          </a:p>
-          <a:p>
-            <a:endParaRPr lang="en-US" dirty="0"/>
-          </a:p>
-          <a:p>
-            <a:endParaRPr lang="en-US" dirty="0"/>
-          </a:p>
-          <a:p>
-            <a:r>
-              <a:rPr lang="en-US" dirty="0"/>
-              <a:t>What's the need?</a:t>
-            </a:r>
-          </a:p>
-          <a:p>
-            <a:r>
-              <a:rPr lang="en-US" dirty="0"/>
-              <a:t>Limited Solutions:</a:t>
-            </a:r>
-          </a:p>
-          <a:p>
-            <a:pPr lvl="1"/>
-            <a:r>
-              <a:rPr lang="en-US" dirty="0"/>
-              <a:t>Variables</a:t>
-            </a:r>
-          </a:p>
-          <a:p>
-            <a:pPr lvl="1"/>
-            <a:r>
-              <a:rPr lang="en-US" dirty="0"/>
-              <a:t>CVT</a:t>
-            </a:r>
-          </a:p>
-          <a:p>
-            <a:r>
-              <a:rPr lang="en-US" dirty="0"/>
-              <a:t>Scope</a:t>
-            </a:r>
-          </a:p>
-          <a:p>
-            <a:r>
-              <a:rPr lang="en-US" dirty="0"/>
-              <a:t>Data Types</a:t>
-            </a:r>
-          </a:p>
-          <a:p>
             <a:endParaRPr lang="en-US" dirty="0"/>
           </a:p>
         </p:txBody>
@@ -9976,18 +10282,18 @@
           <a:bodyPr/>
           <a:lstStyle/>
           <a:p>
-            <a:fld id="{851B3976-BA5C-4172-B420-FFE6D6004C76}" type="slidenum">
+            <a:fld id="{E78E71CD-9786-4621-AA97-B53C62C3E534}" type="slidenum">
               <a:rPr lang="en-US" smtClean="0"/>
-              <a:t>17</a:t>
+              <a:t>13</a:t>
             </a:fld>
-            <a:endParaRPr lang="en-US" dirty="0"/>
+            <a:endParaRPr lang="en-US"/>
           </a:p>
         </p:txBody>
       </p:sp>
     </p:spTree>
     <p:extLst>
       <p:ext uri="{BB962C8B-B14F-4D97-AF65-F5344CB8AC3E}">
-        <p14:creationId xmlns:p14="http://schemas.microsoft.com/office/powerpoint/2010/main" val="831469265"/>
+        <p14:creationId xmlns:p14="http://schemas.microsoft.com/office/powerpoint/2010/main" val="258678966"/>
       </p:ext>
     </p:extLst>
   </p:cSld>
@@ -10041,33 +10347,40 @@
           <a:bodyPr/>
           <a:lstStyle/>
           <a:p>
+            <a:pPr marL="0" marR="0" lvl="0" indent="0" algn="l" defTabSz="914400" rtl="0" eaLnBrk="1" fontAlgn="auto" latinLnBrk="0" hangingPunct="1">
+              <a:lnSpc>
+                <a:spcPct val="100000"/>
+              </a:lnSpc>
+              <a:spcBef>
+                <a:spcPts val="0"/>
+              </a:spcBef>
+              <a:spcAft>
+                <a:spcPts val="0"/>
+              </a:spcAft>
+              <a:buClrTx/>
+              <a:buSzTx/>
+              <a:buFontTx/>
+              <a:buNone/>
+              <a:tabLst/>
+              <a:defRPr/>
+            </a:pPr>
             <a:r>
               <a:rPr lang="en-US" dirty="0"/>
-              <a:t>Major issue with clustersauruses: data copies of the cluster and accidentally stomping on data, especially if sending the whole cluster into every user of the cluster</a:t>
-            </a:r>
+              <a:t>From </a:t>
+            </a:r>
+            <a:r>
+              <a:rPr lang="en-US" dirty="0" err="1"/>
+              <a:t>DevGuide</a:t>
+            </a:r>
+            <a:endParaRPr lang="en-US" dirty="0"/>
+          </a:p>
+          <a:p>
+            <a:endParaRPr lang="en-US" dirty="0"/>
           </a:p>
           <a:p>
             <a:r>
               <a:rPr lang="en-US" dirty="0"/>
-              <a:t>Solution: break up the cluster such that each user of the cluster gets the minimum data set it needs and prevent useless data copies when getting/setting the values from the main cluster</a:t>
-            </a:r>
-          </a:p>
-          <a:p>
-            <a:endParaRPr lang="en-US" dirty="0"/>
-          </a:p>
-          <a:p>
-            <a:r>
-              <a:rPr lang="en-US" dirty="0"/>
-              <a:t>Each DCAF module gets a “mini” tag bus containing only the data used by that module.  Scripting templates take care of all data access operations on the mini-tag bus in the module for most common use cases.</a:t>
-            </a:r>
-          </a:p>
-          <a:p>
-            <a:endParaRPr lang="en-US" dirty="0"/>
-          </a:p>
-          <a:p>
-            <a:r>
-              <a:rPr lang="en-US" dirty="0"/>
-              <a:t>Use of in-place operations, plus never branching the main tag bus wire, prevent copies of the main cluster</a:t>
+              <a:t>The modules contain Input, Process, and Output methods that are sequentially called by the engine in the main loop, as well as Init and Close methods that are called once – how this happens is discussed further in the engine section.</a:t>
             </a:r>
           </a:p>
         </p:txBody>
@@ -10087,18 +10400,18 @@
           <a:bodyPr/>
           <a:lstStyle/>
           <a:p>
-            <a:fld id="{851B3976-BA5C-4172-B420-FFE6D6004C76}" type="slidenum">
+            <a:fld id="{E78E71CD-9786-4621-AA97-B53C62C3E534}" type="slidenum">
               <a:rPr lang="en-US" smtClean="0"/>
-              <a:t>20</a:t>
+              <a:t>14</a:t>
             </a:fld>
-            <a:endParaRPr lang="en-US" dirty="0"/>
+            <a:endParaRPr lang="en-US"/>
           </a:p>
         </p:txBody>
       </p:sp>
     </p:spTree>
     <p:extLst>
       <p:ext uri="{BB962C8B-B14F-4D97-AF65-F5344CB8AC3E}">
-        <p14:creationId xmlns:p14="http://schemas.microsoft.com/office/powerpoint/2010/main" val="1236117937"/>
+        <p14:creationId xmlns:p14="http://schemas.microsoft.com/office/powerpoint/2010/main" val="2005954355"/>
       </p:ext>
     </p:extLst>
   </p:cSld>
@@ -10255,7 +10568,7 @@
           <a:p>
             <a:fld id="{1EAA415B-8007-489A-BDE4-6C1DCF92BB48}" type="datetimeFigureOut">
               <a:rPr lang="en-US" smtClean="0"/>
-              <a:t>2018-06-08</a:t>
+              <a:t>2018-06-12</a:t>
             </a:fld>
             <a:endParaRPr lang="en-US"/>
           </a:p>
@@ -10453,7 +10766,7 @@
           <a:p>
             <a:fld id="{1EAA415B-8007-489A-BDE4-6C1DCF92BB48}" type="datetimeFigureOut">
               <a:rPr lang="en-US" smtClean="0"/>
-              <a:t>2018-06-08</a:t>
+              <a:t>2018-06-12</a:t>
             </a:fld>
             <a:endParaRPr lang="en-US"/>
           </a:p>
@@ -10661,7 +10974,7 @@
           <a:p>
             <a:fld id="{1EAA415B-8007-489A-BDE4-6C1DCF92BB48}" type="datetimeFigureOut">
               <a:rPr lang="en-US" smtClean="0"/>
-              <a:t>2018-06-08</a:t>
+              <a:t>2018-06-12</a:t>
             </a:fld>
             <a:endParaRPr lang="en-US"/>
           </a:p>
@@ -12385,7 +12698,7 @@
           <a:p>
             <a:fld id="{1EAA415B-8007-489A-BDE4-6C1DCF92BB48}" type="datetimeFigureOut">
               <a:rPr lang="en-US" smtClean="0"/>
-              <a:t>2018-06-08</a:t>
+              <a:t>2018-06-12</a:t>
             </a:fld>
             <a:endParaRPr lang="en-US"/>
           </a:p>
@@ -12660,7 +12973,7 @@
           <a:p>
             <a:fld id="{1EAA415B-8007-489A-BDE4-6C1DCF92BB48}" type="datetimeFigureOut">
               <a:rPr lang="en-US" smtClean="0"/>
-              <a:t>2018-06-08</a:t>
+              <a:t>2018-06-12</a:t>
             </a:fld>
             <a:endParaRPr lang="en-US"/>
           </a:p>
@@ -12925,7 +13238,7 @@
           <a:p>
             <a:fld id="{1EAA415B-8007-489A-BDE4-6C1DCF92BB48}" type="datetimeFigureOut">
               <a:rPr lang="en-US" smtClean="0"/>
-              <a:t>2018-06-08</a:t>
+              <a:t>2018-06-12</a:t>
             </a:fld>
             <a:endParaRPr lang="en-US"/>
           </a:p>
@@ -13337,7 +13650,7 @@
           <a:p>
             <a:fld id="{1EAA415B-8007-489A-BDE4-6C1DCF92BB48}" type="datetimeFigureOut">
               <a:rPr lang="en-US" smtClean="0"/>
-              <a:t>2018-06-08</a:t>
+              <a:t>2018-06-12</a:t>
             </a:fld>
             <a:endParaRPr lang="en-US"/>
           </a:p>
@@ -13478,7 +13791,7 @@
           <a:p>
             <a:fld id="{1EAA415B-8007-489A-BDE4-6C1DCF92BB48}" type="datetimeFigureOut">
               <a:rPr lang="en-US" smtClean="0"/>
-              <a:t>2018-06-08</a:t>
+              <a:t>2018-06-12</a:t>
             </a:fld>
             <a:endParaRPr lang="en-US"/>
           </a:p>
@@ -13591,7 +13904,7 @@
           <a:p>
             <a:fld id="{1EAA415B-8007-489A-BDE4-6C1DCF92BB48}" type="datetimeFigureOut">
               <a:rPr lang="en-US" smtClean="0"/>
-              <a:t>2018-06-08</a:t>
+              <a:t>2018-06-12</a:t>
             </a:fld>
             <a:endParaRPr lang="en-US"/>
           </a:p>
@@ -13902,7 +14215,7 @@
           <a:p>
             <a:fld id="{1EAA415B-8007-489A-BDE4-6C1DCF92BB48}" type="datetimeFigureOut">
               <a:rPr lang="en-US" smtClean="0"/>
-              <a:t>2018-06-08</a:t>
+              <a:t>2018-06-12</a:t>
             </a:fld>
             <a:endParaRPr lang="en-US"/>
           </a:p>
@@ -14190,7 +14503,7 @@
           <a:p>
             <a:fld id="{1EAA415B-8007-489A-BDE4-6C1DCF92BB48}" type="datetimeFigureOut">
               <a:rPr lang="en-US" smtClean="0"/>
-              <a:t>2018-06-08</a:t>
+              <a:t>2018-06-12</a:t>
             </a:fld>
             <a:endParaRPr lang="en-US"/>
           </a:p>
@@ -14431,7 +14744,7 @@
           <a:p>
             <a:fld id="{1EAA415B-8007-489A-BDE4-6C1DCF92BB48}" type="datetimeFigureOut">
               <a:rPr lang="en-US" smtClean="0"/>
-              <a:t>2018-06-08</a:t>
+              <a:t>2018-06-12</a:t>
             </a:fld>
             <a:endParaRPr lang="en-US"/>
           </a:p>
@@ -14980,21 +15293,16 @@
             <p:ph type="title"/>
           </p:nvPr>
         </p:nvSpPr>
-        <p:spPr>
-          <a:xfrm>
-            <a:off x="605367" y="365760"/>
-            <a:ext cx="10972800" cy="609600"/>
-          </a:xfrm>
-        </p:spPr>
+        <p:spPr/>
         <p:txBody>
           <a:bodyPr>
-            <a:normAutofit fontScale="90000"/>
+            <a:normAutofit/>
           </a:bodyPr>
           <a:lstStyle/>
           <a:p>
             <a:r>
               <a:rPr lang="en-US" dirty="0"/>
-              <a:t>DCAF Module</a:t>
+              <a:t>Module Components</a:t>
             </a:r>
           </a:p>
         </p:txBody>
@@ -15011,8 +15319,8 @@
           </p:nvPr>
         </p:nvGraphicFramePr>
         <p:xfrm>
-          <a:off x="6197600" y="1214324"/>
-          <a:ext cx="5389033" cy="5200649"/>
+          <a:off x="838200" y="1825625"/>
+          <a:ext cx="5181600" cy="4351338"/>
         </p:xfrm>
         <a:graphic>
           <a:graphicData uri="http://schemas.openxmlformats.org/drawingml/2006/diagram">
@@ -15022,100 +15330,79 @@
       </p:graphicFrame>
       <p:sp>
         <p:nvSpPr>
-          <p:cNvPr id="6" name="TextBox 5"/>
-          <p:cNvSpPr txBox="1"/>
-          <p:nvPr/>
-        </p:nvSpPr>
-        <p:spPr>
-          <a:xfrm>
-            <a:off x="658400" y="1214322"/>
-            <a:ext cx="5640170" cy="3374642"/>
-          </a:xfrm>
-          <a:prstGeom prst="rect">
-            <a:avLst/>
-          </a:prstGeom>
-          <a:noFill/>
-        </p:spPr>
+          <p:cNvPr id="3" name="Content Placeholder 2">
+            <a:extLst>
+              <a:ext uri="{FF2B5EF4-FFF2-40B4-BE49-F238E27FC236}">
+                <a16:creationId xmlns:a16="http://schemas.microsoft.com/office/drawing/2014/main" id="{9E2C23AD-8821-4E73-89B1-ABC9E255F3E3}"/>
+              </a:ext>
+            </a:extLst>
+          </p:cNvPr>
+          <p:cNvSpPr>
+            <a:spLocks noGrp="1"/>
+          </p:cNvSpPr>
+          <p:nvPr>
+            <p:ph sz="half" idx="2"/>
+          </p:nvPr>
+        </p:nvSpPr>
+        <p:spPr/>
         <p:txBody>
-          <a:bodyPr wrap="square" lIns="0" rIns="0" rtlCol="0">
-            <a:spAutoFit/>
+          <a:bodyPr>
+            <a:normAutofit fontScale="85000" lnSpcReduction="20000"/>
           </a:bodyPr>
           <a:lstStyle/>
           <a:p>
             <a:r>
-              <a:rPr lang="en-US" sz="2133" dirty="0"/>
+              <a:rPr lang="en-US" dirty="0"/>
               <a:t>Configuration</a:t>
             </a:r>
           </a:p>
           <a:p>
-            <a:pPr marL="380990" indent="-380990">
-              <a:buFont typeface="Arial" panose="020B0604020202020204" pitchFamily="34" charset="0"/>
-              <a:buChar char="•"/>
-            </a:pPr>
-            <a:r>
-              <a:rPr lang="en-US" sz="2133" dirty="0"/>
+            <a:pPr marL="380990" indent="-380990"/>
+            <a:r>
+              <a:rPr lang="en-US" dirty="0"/>
               <a:t>Created on PC, passed to runtime system</a:t>
             </a:r>
           </a:p>
           <a:p>
-            <a:pPr marL="380990" indent="-380990">
-              <a:buFont typeface="Arial" panose="020B0604020202020204" pitchFamily="34" charset="0"/>
-              <a:buChar char="•"/>
-            </a:pPr>
-            <a:r>
-              <a:rPr lang="en-US" sz="2133" dirty="0"/>
+            <a:pPr marL="380990" indent="-380990"/>
+            <a:r>
+              <a:rPr lang="en-US" dirty="0"/>
               <a:t>Provides data access and serialization/deserialization methods</a:t>
             </a:r>
           </a:p>
           <a:p>
-            <a:pPr marL="380990" indent="-380990">
-              <a:buFont typeface="Arial" panose="020B0604020202020204" pitchFamily="34" charset="0"/>
-              <a:buChar char="•"/>
-            </a:pPr>
-            <a:r>
-              <a:rPr lang="en-US" sz="2133" dirty="0"/>
+            <a:pPr marL="380990" indent="-380990"/>
+            <a:r>
+              <a:rPr lang="en-US" dirty="0"/>
               <a:t>Data storage only, no editor or runtime logic</a:t>
             </a:r>
           </a:p>
           <a:p>
-            <a:pPr marL="380990" indent="-380990">
-              <a:buFont typeface="Arial" panose="020B0604020202020204" pitchFamily="34" charset="0"/>
-              <a:buChar char="•"/>
-            </a:pPr>
-            <a:endParaRPr lang="en-US" sz="2133" dirty="0"/>
-          </a:p>
-          <a:p>
-            <a:r>
-              <a:rPr lang="en-US" sz="2133" dirty="0"/>
+            <a:pPr marL="380990" indent="-380990"/>
+            <a:endParaRPr lang="en-US" dirty="0"/>
+          </a:p>
+          <a:p>
+            <a:r>
+              <a:rPr lang="en-US" dirty="0"/>
               <a:t>Runtime Node</a:t>
             </a:r>
           </a:p>
           <a:p>
-            <a:pPr marL="380990" indent="-380990">
-              <a:buFont typeface="Arial" panose="020B0604020202020204" pitchFamily="34" charset="0"/>
-              <a:buChar char="•"/>
-            </a:pPr>
-            <a:r>
-              <a:rPr lang="en-US" sz="2133" dirty="0"/>
+            <a:pPr marL="380990" indent="-380990"/>
+            <a:r>
+              <a:rPr lang="en-US" dirty="0"/>
               <a:t>Initializes runtime based on configuration</a:t>
             </a:r>
           </a:p>
           <a:p>
-            <a:pPr marL="380990" indent="-380990">
-              <a:buFont typeface="Arial" panose="020B0604020202020204" pitchFamily="34" charset="0"/>
-              <a:buChar char="•"/>
-            </a:pPr>
-            <a:r>
-              <a:rPr lang="en-US" sz="2133" dirty="0"/>
+            <a:pPr marL="380990" indent="-380990"/>
+            <a:r>
+              <a:rPr lang="en-US" dirty="0"/>
               <a:t>Provides execution logic</a:t>
             </a:r>
           </a:p>
           <a:p>
-            <a:pPr marL="380990" indent="-380990">
-              <a:buFont typeface="Arial" panose="020B0604020202020204" pitchFamily="34" charset="0"/>
-              <a:buChar char="•"/>
-            </a:pPr>
-            <a:endParaRPr lang="en-US" sz="2133" dirty="0"/>
+            <a:endParaRPr lang="en-US" dirty="0"/>
           </a:p>
         </p:txBody>
       </p:sp>
@@ -15159,21 +15446,16 @@
             <p:ph type="title"/>
           </p:nvPr>
         </p:nvSpPr>
-        <p:spPr>
-          <a:xfrm>
-            <a:off x="605367" y="365760"/>
-            <a:ext cx="10972800" cy="609600"/>
-          </a:xfrm>
-        </p:spPr>
+        <p:spPr/>
         <p:txBody>
           <a:bodyPr>
-            <a:normAutofit fontScale="90000"/>
+            <a:normAutofit/>
           </a:bodyPr>
           <a:lstStyle/>
           <a:p>
             <a:r>
               <a:rPr lang="en-US" dirty="0"/>
-              <a:t>DCAF Module</a:t>
+              <a:t>Module Components</a:t>
             </a:r>
           </a:p>
         </p:txBody>
@@ -15190,8 +15472,8 @@
           </p:nvPr>
         </p:nvGraphicFramePr>
         <p:xfrm>
-          <a:off x="6197600" y="1214324"/>
-          <a:ext cx="5389033" cy="5200649"/>
+          <a:off x="838200" y="1825625"/>
+          <a:ext cx="5181600" cy="4351338"/>
         </p:xfrm>
         <a:graphic>
           <a:graphicData uri="http://schemas.openxmlformats.org/drawingml/2006/diagram">
@@ -15201,77 +15483,60 @@
       </p:graphicFrame>
       <p:sp>
         <p:nvSpPr>
-          <p:cNvPr id="6" name="TextBox 5"/>
-          <p:cNvSpPr txBox="1"/>
-          <p:nvPr/>
-        </p:nvSpPr>
-        <p:spPr>
-          <a:xfrm>
-            <a:off x="658399" y="1214323"/>
-            <a:ext cx="5668003" cy="2061718"/>
-          </a:xfrm>
-          <a:prstGeom prst="rect">
-            <a:avLst/>
-          </a:prstGeom>
-          <a:noFill/>
-        </p:spPr>
+          <p:cNvPr id="3" name="Content Placeholder 2">
+            <a:extLst>
+              <a:ext uri="{FF2B5EF4-FFF2-40B4-BE49-F238E27FC236}">
+                <a16:creationId xmlns:a16="http://schemas.microsoft.com/office/drawing/2014/main" id="{7634A784-59FC-493E-B49A-2CB75A66321E}"/>
+              </a:ext>
+            </a:extLst>
+          </p:cNvPr>
+          <p:cNvSpPr>
+            <a:spLocks noGrp="1"/>
+          </p:cNvSpPr>
+          <p:nvPr>
+            <p:ph sz="half" idx="2"/>
+          </p:nvPr>
+        </p:nvSpPr>
+        <p:spPr/>
         <p:txBody>
-          <a:bodyPr wrap="square" lIns="0" rIns="0" rtlCol="0">
-            <a:spAutoFit/>
-          </a:bodyPr>
+          <a:bodyPr/>
           <a:lstStyle/>
           <a:p>
             <a:r>
-              <a:rPr lang="en-US" sz="2133" dirty="0"/>
+              <a:rPr lang="en-US" dirty="0"/>
               <a:t>Editor Node</a:t>
             </a:r>
           </a:p>
           <a:p>
-            <a:pPr marL="380990" indent="-380990">
-              <a:buFont typeface="Arial" panose="020B0604020202020204" pitchFamily="34" charset="0"/>
-              <a:buChar char="•"/>
-            </a:pPr>
-            <a:r>
-              <a:rPr lang="en-US" sz="2133" dirty="0"/>
+            <a:pPr marL="380990" indent="-380990"/>
+            <a:r>
+              <a:rPr lang="en-US" dirty="0"/>
               <a:t>User interface</a:t>
             </a:r>
           </a:p>
           <a:p>
-            <a:pPr marL="380990" indent="-380990">
-              <a:buFont typeface="Arial" panose="020B0604020202020204" pitchFamily="34" charset="0"/>
-              <a:buChar char="•"/>
-            </a:pPr>
-            <a:r>
-              <a:rPr lang="en-US" sz="2133" dirty="0"/>
+            <a:pPr marL="380990" indent="-380990"/>
+            <a:r>
+              <a:rPr lang="en-US" dirty="0"/>
               <a:t>Runs on PC</a:t>
             </a:r>
           </a:p>
           <a:p>
-            <a:pPr marL="380990" indent="-380990">
-              <a:buFont typeface="Arial" panose="020B0604020202020204" pitchFamily="34" charset="0"/>
-              <a:buChar char="•"/>
-            </a:pPr>
-            <a:r>
-              <a:rPr lang="en-US" sz="2133" dirty="0"/>
+            <a:pPr marL="380990" indent="-380990"/>
+            <a:r>
+              <a:rPr lang="en-US" dirty="0"/>
               <a:t>Creates or modifies the configuration</a:t>
             </a:r>
           </a:p>
           <a:p>
-            <a:pPr marL="380990" indent="-380990">
-              <a:buFont typeface="Arial" panose="020B0604020202020204" pitchFamily="34" charset="0"/>
-              <a:buChar char="•"/>
-            </a:pPr>
-            <a:r>
-              <a:rPr lang="en-US" sz="2133" dirty="0"/>
+            <a:pPr marL="380990" indent="-380990"/>
+            <a:r>
+              <a:rPr lang="en-US" dirty="0"/>
               <a:t>Contains the configuration class</a:t>
             </a:r>
           </a:p>
           <a:p>
-            <a:pPr marL="380990" indent="-380990">
-              <a:buFont typeface="Arial" panose="020B0604020202020204" pitchFamily="34" charset="0"/>
-              <a:buChar char="•"/>
-            </a:pPr>
-            <a:endParaRPr lang="en-US" sz="2133" dirty="0"/>
+            <a:endParaRPr lang="en-US" dirty="0"/>
           </a:p>
         </p:txBody>
       </p:sp>
@@ -15377,854 +15642,6 @@
 </file>
 
 <file path=ppt/slides/slide13.xml><?xml version="1.0" encoding="utf-8"?>
-<p:sld xmlns:a="http://schemas.openxmlformats.org/drawingml/2006/main" xmlns:r="http://schemas.openxmlformats.org/officeDocument/2006/relationships" xmlns:p="http://schemas.openxmlformats.org/presentationml/2006/main">
-  <p:cSld>
-    <p:spTree>
-      <p:nvGrpSpPr>
-        <p:cNvPr id="1" name=""/>
-        <p:cNvGrpSpPr/>
-        <p:nvPr/>
-      </p:nvGrpSpPr>
-      <p:grpSpPr>
-        <a:xfrm>
-          <a:off x="0" y="0"/>
-          <a:ext cx="0" cy="0"/>
-          <a:chOff x="0" y="0"/>
-          <a:chExt cx="0" cy="0"/>
-        </a:xfrm>
-      </p:grpSpPr>
-      <p:sp>
-        <p:nvSpPr>
-          <p:cNvPr id="2" name="Title 1"/>
-          <p:cNvSpPr>
-            <a:spLocks noGrp="1"/>
-          </p:cNvSpPr>
-          <p:nvPr>
-            <p:ph type="title"/>
-          </p:nvPr>
-        </p:nvSpPr>
-        <p:spPr/>
-        <p:txBody>
-          <a:bodyPr/>
-          <a:lstStyle/>
-          <a:p>
-            <a:r>
-              <a:rPr lang="en-US" dirty="0"/>
-              <a:t>Engine</a:t>
-            </a:r>
-          </a:p>
-        </p:txBody>
-      </p:sp>
-      <p:sp>
-        <p:nvSpPr>
-          <p:cNvPr id="4" name="Rounded Rectangle 3"/>
-          <p:cNvSpPr/>
-          <p:nvPr/>
-        </p:nvSpPr>
-        <p:spPr>
-          <a:xfrm>
-            <a:off x="2910103" y="2841804"/>
-            <a:ext cx="1828800" cy="771787"/>
-          </a:xfrm>
-          <a:prstGeom prst="roundRect">
-            <a:avLst/>
-          </a:prstGeom>
-          <a:solidFill>
-            <a:schemeClr val="accent1"/>
-          </a:solidFill>
-          <a:ln w="28575">
-            <a:solidFill>
-              <a:schemeClr val="tx1"/>
-            </a:solidFill>
-          </a:ln>
-          <a:effectLst>
-            <a:outerShdw blurRad="50800" dist="38100" dir="2700000" algn="tl" rotWithShape="0">
-              <a:prstClr val="black">
-                <a:alpha val="40000"/>
-              </a:prstClr>
-            </a:outerShdw>
-          </a:effectLst>
-        </p:spPr>
-        <p:style>
-          <a:lnRef idx="1">
-            <a:schemeClr val="accent1"/>
-          </a:lnRef>
-          <a:fillRef idx="3">
-            <a:schemeClr val="accent1"/>
-          </a:fillRef>
-          <a:effectRef idx="2">
-            <a:schemeClr val="accent1"/>
-          </a:effectRef>
-          <a:fontRef idx="minor">
-            <a:schemeClr val="lt1"/>
-          </a:fontRef>
-        </p:style>
-        <p:txBody>
-          <a:bodyPr rtlCol="0" anchor="ctr"/>
-          <a:lstStyle/>
-          <a:p>
-            <a:pPr algn="ctr"/>
-            <a:r>
-              <a:rPr lang="en-US" dirty="0"/>
-              <a:t>Input</a:t>
-            </a:r>
-          </a:p>
-        </p:txBody>
-      </p:sp>
-      <p:sp>
-        <p:nvSpPr>
-          <p:cNvPr id="5" name="Rounded Rectangle 4"/>
-          <p:cNvSpPr/>
-          <p:nvPr/>
-        </p:nvSpPr>
-        <p:spPr>
-          <a:xfrm>
-            <a:off x="5019932" y="2841803"/>
-            <a:ext cx="1828800" cy="771787"/>
-          </a:xfrm>
-          <a:prstGeom prst="roundRect">
-            <a:avLst/>
-          </a:prstGeom>
-          <a:solidFill>
-            <a:schemeClr val="accent2"/>
-          </a:solidFill>
-          <a:ln w="28575">
-            <a:solidFill>
-              <a:schemeClr val="tx1"/>
-            </a:solidFill>
-          </a:ln>
-          <a:effectLst>
-            <a:outerShdw blurRad="50800" dist="38100" dir="2700000" algn="tl" rotWithShape="0">
-              <a:prstClr val="black">
-                <a:alpha val="40000"/>
-              </a:prstClr>
-            </a:outerShdw>
-          </a:effectLst>
-        </p:spPr>
-        <p:style>
-          <a:lnRef idx="1">
-            <a:schemeClr val="accent1"/>
-          </a:lnRef>
-          <a:fillRef idx="3">
-            <a:schemeClr val="accent1"/>
-          </a:fillRef>
-          <a:effectRef idx="2">
-            <a:schemeClr val="accent1"/>
-          </a:effectRef>
-          <a:fontRef idx="minor">
-            <a:schemeClr val="lt1"/>
-          </a:fontRef>
-        </p:style>
-        <p:txBody>
-          <a:bodyPr rtlCol="0" anchor="ctr"/>
-          <a:lstStyle/>
-          <a:p>
-            <a:pPr algn="ctr"/>
-            <a:r>
-              <a:rPr lang="en-US" dirty="0"/>
-              <a:t>Process</a:t>
-            </a:r>
-          </a:p>
-        </p:txBody>
-      </p:sp>
-      <p:sp>
-        <p:nvSpPr>
-          <p:cNvPr id="6" name="Rounded Rectangle 5"/>
-          <p:cNvSpPr/>
-          <p:nvPr/>
-        </p:nvSpPr>
-        <p:spPr>
-          <a:xfrm>
-            <a:off x="7154929" y="2841803"/>
-            <a:ext cx="1828800" cy="771787"/>
-          </a:xfrm>
-          <a:prstGeom prst="roundRect">
-            <a:avLst/>
-          </a:prstGeom>
-          <a:solidFill>
-            <a:schemeClr val="accent3"/>
-          </a:solidFill>
-          <a:ln w="28575">
-            <a:solidFill>
-              <a:schemeClr val="tx1"/>
-            </a:solidFill>
-          </a:ln>
-          <a:effectLst>
-            <a:outerShdw blurRad="50800" dist="38100" dir="2700000" algn="tl" rotWithShape="0">
-              <a:prstClr val="black">
-                <a:alpha val="40000"/>
-              </a:prstClr>
-            </a:outerShdw>
-          </a:effectLst>
-        </p:spPr>
-        <p:style>
-          <a:lnRef idx="1">
-            <a:schemeClr val="accent1"/>
-          </a:lnRef>
-          <a:fillRef idx="3">
-            <a:schemeClr val="accent1"/>
-          </a:fillRef>
-          <a:effectRef idx="2">
-            <a:schemeClr val="accent1"/>
-          </a:effectRef>
-          <a:fontRef idx="minor">
-            <a:schemeClr val="lt1"/>
-          </a:fontRef>
-        </p:style>
-        <p:txBody>
-          <a:bodyPr rtlCol="0" anchor="ctr"/>
-          <a:lstStyle/>
-          <a:p>
-            <a:pPr algn="ctr"/>
-            <a:r>
-              <a:rPr lang="en-US" dirty="0"/>
-              <a:t>Output</a:t>
-            </a:r>
-          </a:p>
-        </p:txBody>
-      </p:sp>
-      <p:sp>
-        <p:nvSpPr>
-          <p:cNvPr id="7" name="Rounded Rectangle 6"/>
-          <p:cNvSpPr/>
-          <p:nvPr/>
-        </p:nvSpPr>
-        <p:spPr>
-          <a:xfrm>
-            <a:off x="2851379" y="1367438"/>
-            <a:ext cx="6165907" cy="771787"/>
-          </a:xfrm>
-          <a:prstGeom prst="roundRect">
-            <a:avLst/>
-          </a:prstGeom>
-          <a:solidFill>
-            <a:schemeClr val="bg1">
-              <a:lumMod val="50000"/>
-            </a:schemeClr>
-          </a:solidFill>
-          <a:ln w="28575">
-            <a:solidFill>
-              <a:schemeClr val="tx1"/>
-            </a:solidFill>
-          </a:ln>
-          <a:effectLst>
-            <a:outerShdw blurRad="50800" dist="38100" dir="2700000" algn="tl" rotWithShape="0">
-              <a:prstClr val="black">
-                <a:alpha val="40000"/>
-              </a:prstClr>
-            </a:outerShdw>
-          </a:effectLst>
-        </p:spPr>
-        <p:style>
-          <a:lnRef idx="1">
-            <a:schemeClr val="accent1"/>
-          </a:lnRef>
-          <a:fillRef idx="3">
-            <a:schemeClr val="accent1"/>
-          </a:fillRef>
-          <a:effectRef idx="2">
-            <a:schemeClr val="accent1"/>
-          </a:effectRef>
-          <a:fontRef idx="minor">
-            <a:schemeClr val="lt1"/>
-          </a:fontRef>
-        </p:style>
-        <p:txBody>
-          <a:bodyPr rtlCol="0" anchor="ctr"/>
-          <a:lstStyle/>
-          <a:p>
-            <a:pPr algn="ctr"/>
-            <a:r>
-              <a:rPr lang="en-US" dirty="0"/>
-              <a:t>Engine</a:t>
-            </a:r>
-          </a:p>
-        </p:txBody>
-      </p:sp>
-      <p:sp>
-        <p:nvSpPr>
-          <p:cNvPr id="12" name="Up Arrow 11"/>
-          <p:cNvSpPr/>
-          <p:nvPr/>
-        </p:nvSpPr>
-        <p:spPr>
-          <a:xfrm>
-            <a:off x="3637381" y="2160918"/>
-            <a:ext cx="251671" cy="680885"/>
-          </a:xfrm>
-          <a:prstGeom prst="upArrow">
-            <a:avLst/>
-          </a:prstGeom>
-          <a:solidFill>
-            <a:schemeClr val="accent1"/>
-          </a:solidFill>
-          <a:ln>
-            <a:noFill/>
-          </a:ln>
-          <a:effectLst>
-            <a:outerShdw blurRad="50800" dist="38100" dir="2700000" algn="tl" rotWithShape="0">
-              <a:prstClr val="black">
-                <a:alpha val="40000"/>
-              </a:prstClr>
-            </a:outerShdw>
-          </a:effectLst>
-        </p:spPr>
-        <p:style>
-          <a:lnRef idx="1">
-            <a:schemeClr val="accent1"/>
-          </a:lnRef>
-          <a:fillRef idx="3">
-            <a:schemeClr val="accent1"/>
-          </a:fillRef>
-          <a:effectRef idx="2">
-            <a:schemeClr val="accent1"/>
-          </a:effectRef>
-          <a:fontRef idx="minor">
-            <a:schemeClr val="lt1"/>
-          </a:fontRef>
-        </p:style>
-        <p:txBody>
-          <a:bodyPr rtlCol="0" anchor="ctr"/>
-          <a:lstStyle/>
-          <a:p>
-            <a:pPr algn="ctr"/>
-            <a:endParaRPr lang="en-US"/>
-          </a:p>
-        </p:txBody>
-      </p:sp>
-      <p:sp>
-        <p:nvSpPr>
-          <p:cNvPr id="13" name="Up Arrow 12"/>
-          <p:cNvSpPr/>
-          <p:nvPr/>
-        </p:nvSpPr>
-        <p:spPr>
-          <a:xfrm rot="10800000">
-            <a:off x="7916437" y="2153688"/>
-            <a:ext cx="251671" cy="680885"/>
-          </a:xfrm>
-          <a:prstGeom prst="upArrow">
-            <a:avLst/>
-          </a:prstGeom>
-          <a:solidFill>
-            <a:schemeClr val="accent1"/>
-          </a:solidFill>
-          <a:ln>
-            <a:noFill/>
-          </a:ln>
-          <a:effectLst>
-            <a:outerShdw blurRad="50800" dist="38100" dir="2700000" algn="tl" rotWithShape="0">
-              <a:prstClr val="black">
-                <a:alpha val="40000"/>
-              </a:prstClr>
-            </a:outerShdw>
-          </a:effectLst>
-        </p:spPr>
-        <p:style>
-          <a:lnRef idx="1">
-            <a:schemeClr val="accent1"/>
-          </a:lnRef>
-          <a:fillRef idx="3">
-            <a:schemeClr val="accent1"/>
-          </a:fillRef>
-          <a:effectRef idx="2">
-            <a:schemeClr val="accent1"/>
-          </a:effectRef>
-          <a:fontRef idx="minor">
-            <a:schemeClr val="lt1"/>
-          </a:fontRef>
-        </p:style>
-        <p:txBody>
-          <a:bodyPr rtlCol="0" anchor="ctr"/>
-          <a:lstStyle/>
-          <a:p>
-            <a:pPr algn="ctr"/>
-            <a:endParaRPr lang="en-US"/>
-          </a:p>
-        </p:txBody>
-      </p:sp>
-      <p:sp>
-        <p:nvSpPr>
-          <p:cNvPr id="10" name="Up Arrow 9"/>
-          <p:cNvSpPr/>
-          <p:nvPr/>
-        </p:nvSpPr>
-        <p:spPr>
-          <a:xfrm rot="10800000">
-            <a:off x="5270319" y="2160918"/>
-            <a:ext cx="251671" cy="680885"/>
-          </a:xfrm>
-          <a:prstGeom prst="upArrow">
-            <a:avLst/>
-          </a:prstGeom>
-          <a:solidFill>
-            <a:schemeClr val="accent1"/>
-          </a:solidFill>
-          <a:ln>
-            <a:noFill/>
-          </a:ln>
-          <a:effectLst>
-            <a:outerShdw blurRad="50800" dist="38100" dir="2700000" algn="tl" rotWithShape="0">
-              <a:prstClr val="black">
-                <a:alpha val="40000"/>
-              </a:prstClr>
-            </a:outerShdw>
-          </a:effectLst>
-        </p:spPr>
-        <p:style>
-          <a:lnRef idx="1">
-            <a:schemeClr val="accent1"/>
-          </a:lnRef>
-          <a:fillRef idx="3">
-            <a:schemeClr val="accent1"/>
-          </a:fillRef>
-          <a:effectRef idx="2">
-            <a:schemeClr val="accent1"/>
-          </a:effectRef>
-          <a:fontRef idx="minor">
-            <a:schemeClr val="lt1"/>
-          </a:fontRef>
-        </p:style>
-        <p:txBody>
-          <a:bodyPr rtlCol="0" anchor="ctr"/>
-          <a:lstStyle/>
-          <a:p>
-            <a:pPr algn="ctr"/>
-            <a:endParaRPr lang="en-US"/>
-          </a:p>
-        </p:txBody>
-      </p:sp>
-      <p:sp>
-        <p:nvSpPr>
-          <p:cNvPr id="11" name="Up Arrow 10"/>
-          <p:cNvSpPr/>
-          <p:nvPr/>
-        </p:nvSpPr>
-        <p:spPr>
-          <a:xfrm>
-            <a:off x="6157663" y="2139225"/>
-            <a:ext cx="251671" cy="680885"/>
-          </a:xfrm>
-          <a:prstGeom prst="upArrow">
-            <a:avLst/>
-          </a:prstGeom>
-          <a:solidFill>
-            <a:schemeClr val="accent1"/>
-          </a:solidFill>
-          <a:ln>
-            <a:noFill/>
-          </a:ln>
-          <a:effectLst>
-            <a:outerShdw blurRad="50800" dist="38100" dir="2700000" algn="tl" rotWithShape="0">
-              <a:prstClr val="black">
-                <a:alpha val="40000"/>
-              </a:prstClr>
-            </a:outerShdw>
-          </a:effectLst>
-        </p:spPr>
-        <p:style>
-          <a:lnRef idx="1">
-            <a:schemeClr val="accent1"/>
-          </a:lnRef>
-          <a:fillRef idx="3">
-            <a:schemeClr val="accent1"/>
-          </a:fillRef>
-          <a:effectRef idx="2">
-            <a:schemeClr val="accent1"/>
-          </a:effectRef>
-          <a:fontRef idx="minor">
-            <a:schemeClr val="lt1"/>
-          </a:fontRef>
-        </p:style>
-        <p:txBody>
-          <a:bodyPr rtlCol="0" anchor="ctr"/>
-          <a:lstStyle/>
-          <a:p>
-            <a:pPr algn="ctr"/>
-            <a:endParaRPr lang="en-US"/>
-          </a:p>
-        </p:txBody>
-      </p:sp>
-      <p:sp>
-        <p:nvSpPr>
-          <p:cNvPr id="14" name="Cloud 13"/>
-          <p:cNvSpPr/>
-          <p:nvPr/>
-        </p:nvSpPr>
-        <p:spPr>
-          <a:xfrm>
-            <a:off x="4951828" y="4146698"/>
-            <a:ext cx="1896903" cy="839972"/>
-          </a:xfrm>
-          <a:prstGeom prst="cloud">
-            <a:avLst/>
-          </a:prstGeom>
-          <a:noFill/>
-          <a:ln w="12700">
-            <a:solidFill>
-              <a:srgbClr val="0A60A3"/>
-            </a:solidFill>
-          </a:ln>
-          <a:effectLst/>
-        </p:spPr>
-        <p:style>
-          <a:lnRef idx="1">
-            <a:schemeClr val="accent1"/>
-          </a:lnRef>
-          <a:fillRef idx="3">
-            <a:schemeClr val="accent1"/>
-          </a:fillRef>
-          <a:effectRef idx="2">
-            <a:schemeClr val="accent1"/>
-          </a:effectRef>
-          <a:fontRef idx="minor">
-            <a:schemeClr val="lt1"/>
-          </a:fontRef>
-        </p:style>
-        <p:txBody>
-          <a:bodyPr lIns="0" rIns="0" rtlCol="0" anchor="ctr"/>
-          <a:lstStyle/>
-          <a:p>
-            <a:pPr algn="ctr"/>
-            <a:r>
-              <a:rPr lang="en-US" dirty="0">
-                <a:solidFill>
-                  <a:schemeClr val="tx1"/>
-                </a:solidFill>
-              </a:rPr>
-              <a:t>Outside</a:t>
-            </a:r>
-          </a:p>
-        </p:txBody>
-      </p:sp>
-      <p:sp>
-        <p:nvSpPr>
-          <p:cNvPr id="16" name="Cloud 15"/>
-          <p:cNvSpPr/>
-          <p:nvPr/>
-        </p:nvSpPr>
-        <p:spPr>
-          <a:xfrm>
-            <a:off x="3076489" y="4146698"/>
-            <a:ext cx="1373453" cy="839972"/>
-          </a:xfrm>
-          <a:prstGeom prst="cloud">
-            <a:avLst/>
-          </a:prstGeom>
-          <a:noFill/>
-          <a:ln w="12700">
-            <a:solidFill>
-              <a:srgbClr val="0A60A3"/>
-            </a:solidFill>
-          </a:ln>
-          <a:effectLst/>
-        </p:spPr>
-        <p:style>
-          <a:lnRef idx="1">
-            <a:schemeClr val="accent1"/>
-          </a:lnRef>
-          <a:fillRef idx="3">
-            <a:schemeClr val="accent1"/>
-          </a:fillRef>
-          <a:effectRef idx="2">
-            <a:schemeClr val="accent1"/>
-          </a:effectRef>
-          <a:fontRef idx="minor">
-            <a:schemeClr val="lt1"/>
-          </a:fontRef>
-        </p:style>
-        <p:txBody>
-          <a:bodyPr lIns="0" rIns="0" rtlCol="0" anchor="ctr"/>
-          <a:lstStyle/>
-          <a:p>
-            <a:pPr algn="ctr"/>
-            <a:r>
-              <a:rPr lang="en-US" dirty="0">
-                <a:solidFill>
-                  <a:schemeClr val="tx1"/>
-                </a:solidFill>
-              </a:rPr>
-              <a:t>Outside</a:t>
-            </a:r>
-          </a:p>
-        </p:txBody>
-      </p:sp>
-      <p:sp>
-        <p:nvSpPr>
-          <p:cNvPr id="17" name="Cloud 16"/>
-          <p:cNvSpPr/>
-          <p:nvPr/>
-        </p:nvSpPr>
-        <p:spPr>
-          <a:xfrm>
-            <a:off x="7355545" y="4146698"/>
-            <a:ext cx="1373453" cy="839972"/>
-          </a:xfrm>
-          <a:prstGeom prst="cloud">
-            <a:avLst/>
-          </a:prstGeom>
-          <a:noFill/>
-          <a:ln w="12700">
-            <a:solidFill>
-              <a:srgbClr val="0A60A3"/>
-            </a:solidFill>
-          </a:ln>
-          <a:effectLst/>
-        </p:spPr>
-        <p:style>
-          <a:lnRef idx="1">
-            <a:schemeClr val="accent1"/>
-          </a:lnRef>
-          <a:fillRef idx="3">
-            <a:schemeClr val="accent1"/>
-          </a:fillRef>
-          <a:effectRef idx="2">
-            <a:schemeClr val="accent1"/>
-          </a:effectRef>
-          <a:fontRef idx="minor">
-            <a:schemeClr val="lt1"/>
-          </a:fontRef>
-        </p:style>
-        <p:txBody>
-          <a:bodyPr lIns="0" rIns="0" rtlCol="0" anchor="ctr"/>
-          <a:lstStyle/>
-          <a:p>
-            <a:pPr algn="ctr"/>
-            <a:r>
-              <a:rPr lang="en-US" dirty="0">
-                <a:solidFill>
-                  <a:schemeClr val="tx1"/>
-                </a:solidFill>
-              </a:rPr>
-              <a:t>Outside</a:t>
-            </a:r>
-          </a:p>
-        </p:txBody>
-      </p:sp>
-      <p:sp>
-        <p:nvSpPr>
-          <p:cNvPr id="21" name="Up Arrow 20"/>
-          <p:cNvSpPr/>
-          <p:nvPr/>
-        </p:nvSpPr>
-        <p:spPr>
-          <a:xfrm>
-            <a:off x="3634917" y="3620820"/>
-            <a:ext cx="251671" cy="680885"/>
-          </a:xfrm>
-          <a:prstGeom prst="upArrow">
-            <a:avLst/>
-          </a:prstGeom>
-          <a:solidFill>
-            <a:schemeClr val="bg2">
-              <a:lumMod val="75000"/>
-            </a:schemeClr>
-          </a:solidFill>
-          <a:ln>
-            <a:noFill/>
-          </a:ln>
-          <a:effectLst>
-            <a:outerShdw blurRad="50800" dist="38100" dir="2700000" algn="tl" rotWithShape="0">
-              <a:prstClr val="black">
-                <a:alpha val="40000"/>
-              </a:prstClr>
-            </a:outerShdw>
-          </a:effectLst>
-        </p:spPr>
-        <p:style>
-          <a:lnRef idx="1">
-            <a:schemeClr val="accent1"/>
-          </a:lnRef>
-          <a:fillRef idx="3">
-            <a:schemeClr val="accent1"/>
-          </a:fillRef>
-          <a:effectRef idx="2">
-            <a:schemeClr val="accent1"/>
-          </a:effectRef>
-          <a:fontRef idx="minor">
-            <a:schemeClr val="lt1"/>
-          </a:fontRef>
-        </p:style>
-        <p:txBody>
-          <a:bodyPr rtlCol="0" anchor="ctr"/>
-          <a:lstStyle/>
-          <a:p>
-            <a:pPr algn="ctr"/>
-            <a:endParaRPr lang="en-US"/>
-          </a:p>
-        </p:txBody>
-      </p:sp>
-      <p:sp>
-        <p:nvSpPr>
-          <p:cNvPr id="22" name="Up Arrow 21"/>
-          <p:cNvSpPr/>
-          <p:nvPr/>
-        </p:nvSpPr>
-        <p:spPr>
-          <a:xfrm rot="10800000">
-            <a:off x="7913973" y="3613590"/>
-            <a:ext cx="251671" cy="680885"/>
-          </a:xfrm>
-          <a:prstGeom prst="upArrow">
-            <a:avLst/>
-          </a:prstGeom>
-          <a:solidFill>
-            <a:schemeClr val="tx1"/>
-          </a:solidFill>
-          <a:ln>
-            <a:noFill/>
-          </a:ln>
-          <a:effectLst>
-            <a:outerShdw blurRad="50800" dist="38100" dir="2700000" algn="tl" rotWithShape="0">
-              <a:prstClr val="black">
-                <a:alpha val="40000"/>
-              </a:prstClr>
-            </a:outerShdw>
-          </a:effectLst>
-        </p:spPr>
-        <p:style>
-          <a:lnRef idx="1">
-            <a:schemeClr val="accent1"/>
-          </a:lnRef>
-          <a:fillRef idx="3">
-            <a:schemeClr val="accent1"/>
-          </a:fillRef>
-          <a:effectRef idx="2">
-            <a:schemeClr val="accent1"/>
-          </a:effectRef>
-          <a:fontRef idx="minor">
-            <a:schemeClr val="lt1"/>
-          </a:fontRef>
-        </p:style>
-        <p:txBody>
-          <a:bodyPr rtlCol="0" anchor="ctr"/>
-          <a:lstStyle/>
-          <a:p>
-            <a:pPr algn="ctr"/>
-            <a:endParaRPr lang="en-US"/>
-          </a:p>
-        </p:txBody>
-      </p:sp>
-      <p:sp>
-        <p:nvSpPr>
-          <p:cNvPr id="25" name="Up Arrow 24"/>
-          <p:cNvSpPr/>
-          <p:nvPr/>
-        </p:nvSpPr>
-        <p:spPr>
-          <a:xfrm rot="10800000">
-            <a:off x="5281302" y="3620820"/>
-            <a:ext cx="251671" cy="680885"/>
-          </a:xfrm>
-          <a:prstGeom prst="upArrow">
-            <a:avLst/>
-          </a:prstGeom>
-          <a:solidFill>
-            <a:schemeClr val="bg2">
-              <a:lumMod val="75000"/>
-            </a:schemeClr>
-          </a:solidFill>
-          <a:ln>
-            <a:noFill/>
-          </a:ln>
-          <a:effectLst>
-            <a:outerShdw blurRad="50800" dist="38100" dir="2700000" algn="tl" rotWithShape="0">
-              <a:prstClr val="black">
-                <a:alpha val="40000"/>
-              </a:prstClr>
-            </a:outerShdw>
-          </a:effectLst>
-        </p:spPr>
-        <p:style>
-          <a:lnRef idx="1">
-            <a:schemeClr val="accent1"/>
-          </a:lnRef>
-          <a:fillRef idx="3">
-            <a:schemeClr val="accent1"/>
-          </a:fillRef>
-          <a:effectRef idx="2">
-            <a:schemeClr val="accent1"/>
-          </a:effectRef>
-          <a:fontRef idx="minor">
-            <a:schemeClr val="lt1"/>
-          </a:fontRef>
-        </p:style>
-        <p:txBody>
-          <a:bodyPr rtlCol="0" anchor="ctr"/>
-          <a:lstStyle/>
-          <a:p>
-            <a:pPr algn="ctr"/>
-            <a:endParaRPr lang="en-US"/>
-          </a:p>
-        </p:txBody>
-      </p:sp>
-      <p:sp>
-        <p:nvSpPr>
-          <p:cNvPr id="26" name="Up Arrow 25"/>
-          <p:cNvSpPr/>
-          <p:nvPr/>
-        </p:nvSpPr>
-        <p:spPr>
-          <a:xfrm>
-            <a:off x="6168646" y="3599127"/>
-            <a:ext cx="251671" cy="680885"/>
-          </a:xfrm>
-          <a:prstGeom prst="upArrow">
-            <a:avLst/>
-          </a:prstGeom>
-          <a:solidFill>
-            <a:schemeClr val="bg2">
-              <a:lumMod val="75000"/>
-            </a:schemeClr>
-          </a:solidFill>
-          <a:ln>
-            <a:noFill/>
-          </a:ln>
-          <a:effectLst>
-            <a:outerShdw blurRad="50800" dist="38100" dir="2700000" algn="tl" rotWithShape="0">
-              <a:prstClr val="black">
-                <a:alpha val="40000"/>
-              </a:prstClr>
-            </a:outerShdw>
-          </a:effectLst>
-        </p:spPr>
-        <p:style>
-          <a:lnRef idx="1">
-            <a:schemeClr val="accent1"/>
-          </a:lnRef>
-          <a:fillRef idx="3">
-            <a:schemeClr val="accent1"/>
-          </a:fillRef>
-          <a:effectRef idx="2">
-            <a:schemeClr val="accent1"/>
-          </a:effectRef>
-          <a:fontRef idx="minor">
-            <a:schemeClr val="lt1"/>
-          </a:fontRef>
-        </p:style>
-        <p:txBody>
-          <a:bodyPr rtlCol="0" anchor="ctr"/>
-          <a:lstStyle/>
-          <a:p>
-            <a:pPr algn="ctr"/>
-            <a:endParaRPr lang="en-US"/>
-          </a:p>
-        </p:txBody>
-      </p:sp>
-    </p:spTree>
-    <p:extLst>
-      <p:ext uri="{BB962C8B-B14F-4D97-AF65-F5344CB8AC3E}">
-        <p14:creationId xmlns:p14="http://schemas.microsoft.com/office/powerpoint/2010/main" val="3247749521"/>
-      </p:ext>
-    </p:extLst>
-  </p:cSld>
-  <p:clrMapOvr>
-    <a:masterClrMapping/>
-  </p:clrMapOvr>
-</p:sld>
-</file>
-
-<file path=ppt/slides/slide14.xml><?xml version="1.0" encoding="utf-8"?>
 <p:sld xmlns:a="http://schemas.openxmlformats.org/drawingml/2006/main" xmlns:r="http://schemas.openxmlformats.org/officeDocument/2006/relationships" xmlns:p="http://schemas.openxmlformats.org/presentationml/2006/main">
   <p:cSld>
     <p:spTree>
@@ -16934,7 +16351,7 @@
 </p:sld>
 </file>
 
-<file path=ppt/slides/slide15.xml><?xml version="1.0" encoding="utf-8"?>
+<file path=ppt/slides/slide14.xml><?xml version="1.0" encoding="utf-8"?>
 <p:sld xmlns:a="http://schemas.openxmlformats.org/drawingml/2006/main" xmlns:r="http://schemas.openxmlformats.org/officeDocument/2006/relationships" xmlns:p="http://schemas.openxmlformats.org/presentationml/2006/main">
   <p:cSld>
     <p:spTree>
@@ -16968,37 +16385,821 @@
           <a:p>
             <a:r>
               <a:rPr lang="en-US" dirty="0"/>
-              <a:t>Demo</a:t>
-            </a:r>
+              <a:t>Engine</a:t>
+            </a:r>
+          </a:p>
+        </p:txBody>
+      </p:sp>
+      <p:sp>
+        <p:nvSpPr>
+          <p:cNvPr id="4" name="Rounded Rectangle 3"/>
+          <p:cNvSpPr/>
+          <p:nvPr/>
+        </p:nvSpPr>
+        <p:spPr>
+          <a:xfrm>
+            <a:off x="2910103" y="2841804"/>
+            <a:ext cx="1828800" cy="771787"/>
+          </a:xfrm>
+          <a:prstGeom prst="roundRect">
+            <a:avLst/>
+          </a:prstGeom>
+          <a:solidFill>
+            <a:schemeClr val="accent1"/>
+          </a:solidFill>
+          <a:ln w="28575">
+            <a:solidFill>
+              <a:schemeClr val="tx1"/>
+            </a:solidFill>
+          </a:ln>
+          <a:effectLst>
+            <a:outerShdw blurRad="50800" dist="38100" dir="2700000" algn="tl" rotWithShape="0">
+              <a:prstClr val="black">
+                <a:alpha val="40000"/>
+              </a:prstClr>
+            </a:outerShdw>
+          </a:effectLst>
+        </p:spPr>
+        <p:style>
+          <a:lnRef idx="1">
+            <a:schemeClr val="accent1"/>
+          </a:lnRef>
+          <a:fillRef idx="3">
+            <a:schemeClr val="accent1"/>
+          </a:fillRef>
+          <a:effectRef idx="2">
+            <a:schemeClr val="accent1"/>
+          </a:effectRef>
+          <a:fontRef idx="minor">
+            <a:schemeClr val="lt1"/>
+          </a:fontRef>
+        </p:style>
+        <p:txBody>
+          <a:bodyPr rtlCol="0" anchor="ctr"/>
+          <a:lstStyle/>
+          <a:p>
+            <a:pPr algn="ctr"/>
+            <a:r>
+              <a:rPr lang="en-US" dirty="0"/>
+              <a:t>Input</a:t>
+            </a:r>
+          </a:p>
+        </p:txBody>
+      </p:sp>
+      <p:sp>
+        <p:nvSpPr>
+          <p:cNvPr id="5" name="Rounded Rectangle 4"/>
+          <p:cNvSpPr/>
+          <p:nvPr/>
+        </p:nvSpPr>
+        <p:spPr>
+          <a:xfrm>
+            <a:off x="5019932" y="2841803"/>
+            <a:ext cx="1828800" cy="771787"/>
+          </a:xfrm>
+          <a:prstGeom prst="roundRect">
+            <a:avLst/>
+          </a:prstGeom>
+          <a:solidFill>
+            <a:schemeClr val="accent2"/>
+          </a:solidFill>
+          <a:ln w="28575">
+            <a:solidFill>
+              <a:schemeClr val="tx1"/>
+            </a:solidFill>
+          </a:ln>
+          <a:effectLst>
+            <a:outerShdw blurRad="50800" dist="38100" dir="2700000" algn="tl" rotWithShape="0">
+              <a:prstClr val="black">
+                <a:alpha val="40000"/>
+              </a:prstClr>
+            </a:outerShdw>
+          </a:effectLst>
+        </p:spPr>
+        <p:style>
+          <a:lnRef idx="1">
+            <a:schemeClr val="accent1"/>
+          </a:lnRef>
+          <a:fillRef idx="3">
+            <a:schemeClr val="accent1"/>
+          </a:fillRef>
+          <a:effectRef idx="2">
+            <a:schemeClr val="accent1"/>
+          </a:effectRef>
+          <a:fontRef idx="minor">
+            <a:schemeClr val="lt1"/>
+          </a:fontRef>
+        </p:style>
+        <p:txBody>
+          <a:bodyPr rtlCol="0" anchor="ctr"/>
+          <a:lstStyle/>
+          <a:p>
+            <a:pPr algn="ctr"/>
+            <a:r>
+              <a:rPr lang="en-US" dirty="0"/>
+              <a:t>Process</a:t>
+            </a:r>
+          </a:p>
+        </p:txBody>
+      </p:sp>
+      <p:sp>
+        <p:nvSpPr>
+          <p:cNvPr id="6" name="Rounded Rectangle 5"/>
+          <p:cNvSpPr/>
+          <p:nvPr/>
+        </p:nvSpPr>
+        <p:spPr>
+          <a:xfrm>
+            <a:off x="7154929" y="2841803"/>
+            <a:ext cx="1828800" cy="771787"/>
+          </a:xfrm>
+          <a:prstGeom prst="roundRect">
+            <a:avLst/>
+          </a:prstGeom>
+          <a:solidFill>
+            <a:schemeClr val="accent3"/>
+          </a:solidFill>
+          <a:ln w="28575">
+            <a:solidFill>
+              <a:schemeClr val="tx1"/>
+            </a:solidFill>
+          </a:ln>
+          <a:effectLst>
+            <a:outerShdw blurRad="50800" dist="38100" dir="2700000" algn="tl" rotWithShape="0">
+              <a:prstClr val="black">
+                <a:alpha val="40000"/>
+              </a:prstClr>
+            </a:outerShdw>
+          </a:effectLst>
+        </p:spPr>
+        <p:style>
+          <a:lnRef idx="1">
+            <a:schemeClr val="accent1"/>
+          </a:lnRef>
+          <a:fillRef idx="3">
+            <a:schemeClr val="accent1"/>
+          </a:fillRef>
+          <a:effectRef idx="2">
+            <a:schemeClr val="accent1"/>
+          </a:effectRef>
+          <a:fontRef idx="minor">
+            <a:schemeClr val="lt1"/>
+          </a:fontRef>
+        </p:style>
+        <p:txBody>
+          <a:bodyPr rtlCol="0" anchor="ctr"/>
+          <a:lstStyle/>
+          <a:p>
+            <a:pPr algn="ctr"/>
+            <a:r>
+              <a:rPr lang="en-US" dirty="0"/>
+              <a:t>Output</a:t>
+            </a:r>
+          </a:p>
+        </p:txBody>
+      </p:sp>
+      <p:sp>
+        <p:nvSpPr>
+          <p:cNvPr id="7" name="Rounded Rectangle 6"/>
+          <p:cNvSpPr/>
+          <p:nvPr/>
+        </p:nvSpPr>
+        <p:spPr>
+          <a:xfrm>
+            <a:off x="2851379" y="1367438"/>
+            <a:ext cx="6165907" cy="771787"/>
+          </a:xfrm>
+          <a:prstGeom prst="roundRect">
+            <a:avLst/>
+          </a:prstGeom>
+          <a:solidFill>
+            <a:schemeClr val="bg1">
+              <a:lumMod val="50000"/>
+            </a:schemeClr>
+          </a:solidFill>
+          <a:ln w="28575">
+            <a:solidFill>
+              <a:schemeClr val="tx1"/>
+            </a:solidFill>
+          </a:ln>
+          <a:effectLst>
+            <a:outerShdw blurRad="50800" dist="38100" dir="2700000" algn="tl" rotWithShape="0">
+              <a:prstClr val="black">
+                <a:alpha val="40000"/>
+              </a:prstClr>
+            </a:outerShdw>
+          </a:effectLst>
+        </p:spPr>
+        <p:style>
+          <a:lnRef idx="1">
+            <a:schemeClr val="accent1"/>
+          </a:lnRef>
+          <a:fillRef idx="3">
+            <a:schemeClr val="accent1"/>
+          </a:fillRef>
+          <a:effectRef idx="2">
+            <a:schemeClr val="accent1"/>
+          </a:effectRef>
+          <a:fontRef idx="minor">
+            <a:schemeClr val="lt1"/>
+          </a:fontRef>
+        </p:style>
+        <p:txBody>
+          <a:bodyPr rtlCol="0" anchor="ctr"/>
+          <a:lstStyle/>
+          <a:p>
+            <a:pPr algn="ctr"/>
+            <a:r>
+              <a:rPr lang="en-US" dirty="0"/>
+              <a:t>Engine</a:t>
+            </a:r>
+          </a:p>
+        </p:txBody>
+      </p:sp>
+      <p:sp>
+        <p:nvSpPr>
+          <p:cNvPr id="12" name="Up Arrow 11"/>
+          <p:cNvSpPr/>
+          <p:nvPr/>
+        </p:nvSpPr>
+        <p:spPr>
+          <a:xfrm>
+            <a:off x="3637381" y="2160918"/>
+            <a:ext cx="251671" cy="680885"/>
+          </a:xfrm>
+          <a:prstGeom prst="upArrow">
+            <a:avLst/>
+          </a:prstGeom>
+          <a:solidFill>
+            <a:schemeClr val="accent1"/>
+          </a:solidFill>
+          <a:ln>
+            <a:noFill/>
+          </a:ln>
+          <a:effectLst>
+            <a:outerShdw blurRad="50800" dist="38100" dir="2700000" algn="tl" rotWithShape="0">
+              <a:prstClr val="black">
+                <a:alpha val="40000"/>
+              </a:prstClr>
+            </a:outerShdw>
+          </a:effectLst>
+        </p:spPr>
+        <p:style>
+          <a:lnRef idx="1">
+            <a:schemeClr val="accent1"/>
+          </a:lnRef>
+          <a:fillRef idx="3">
+            <a:schemeClr val="accent1"/>
+          </a:fillRef>
+          <a:effectRef idx="2">
+            <a:schemeClr val="accent1"/>
+          </a:effectRef>
+          <a:fontRef idx="minor">
+            <a:schemeClr val="lt1"/>
+          </a:fontRef>
+        </p:style>
+        <p:txBody>
+          <a:bodyPr rtlCol="0" anchor="ctr"/>
+          <a:lstStyle/>
+          <a:p>
+            <a:pPr algn="ctr"/>
+            <a:endParaRPr lang="en-US"/>
+          </a:p>
+        </p:txBody>
+      </p:sp>
+      <p:sp>
+        <p:nvSpPr>
+          <p:cNvPr id="13" name="Up Arrow 12"/>
+          <p:cNvSpPr/>
+          <p:nvPr/>
+        </p:nvSpPr>
+        <p:spPr>
+          <a:xfrm rot="10800000">
+            <a:off x="7916437" y="2153688"/>
+            <a:ext cx="251671" cy="680885"/>
+          </a:xfrm>
+          <a:prstGeom prst="upArrow">
+            <a:avLst/>
+          </a:prstGeom>
+          <a:solidFill>
+            <a:schemeClr val="accent1"/>
+          </a:solidFill>
+          <a:ln>
+            <a:noFill/>
+          </a:ln>
+          <a:effectLst>
+            <a:outerShdw blurRad="50800" dist="38100" dir="2700000" algn="tl" rotWithShape="0">
+              <a:prstClr val="black">
+                <a:alpha val="40000"/>
+              </a:prstClr>
+            </a:outerShdw>
+          </a:effectLst>
+        </p:spPr>
+        <p:style>
+          <a:lnRef idx="1">
+            <a:schemeClr val="accent1"/>
+          </a:lnRef>
+          <a:fillRef idx="3">
+            <a:schemeClr val="accent1"/>
+          </a:fillRef>
+          <a:effectRef idx="2">
+            <a:schemeClr val="accent1"/>
+          </a:effectRef>
+          <a:fontRef idx="minor">
+            <a:schemeClr val="lt1"/>
+          </a:fontRef>
+        </p:style>
+        <p:txBody>
+          <a:bodyPr rtlCol="0" anchor="ctr"/>
+          <a:lstStyle/>
+          <a:p>
+            <a:pPr algn="ctr"/>
+            <a:endParaRPr lang="en-US"/>
+          </a:p>
+        </p:txBody>
+      </p:sp>
+      <p:sp>
+        <p:nvSpPr>
+          <p:cNvPr id="10" name="Up Arrow 9"/>
+          <p:cNvSpPr/>
+          <p:nvPr/>
+        </p:nvSpPr>
+        <p:spPr>
+          <a:xfrm rot="10800000">
+            <a:off x="5270319" y="2160918"/>
+            <a:ext cx="251671" cy="680885"/>
+          </a:xfrm>
+          <a:prstGeom prst="upArrow">
+            <a:avLst/>
+          </a:prstGeom>
+          <a:solidFill>
+            <a:schemeClr val="accent1"/>
+          </a:solidFill>
+          <a:ln>
+            <a:noFill/>
+          </a:ln>
+          <a:effectLst>
+            <a:outerShdw blurRad="50800" dist="38100" dir="2700000" algn="tl" rotWithShape="0">
+              <a:prstClr val="black">
+                <a:alpha val="40000"/>
+              </a:prstClr>
+            </a:outerShdw>
+          </a:effectLst>
+        </p:spPr>
+        <p:style>
+          <a:lnRef idx="1">
+            <a:schemeClr val="accent1"/>
+          </a:lnRef>
+          <a:fillRef idx="3">
+            <a:schemeClr val="accent1"/>
+          </a:fillRef>
+          <a:effectRef idx="2">
+            <a:schemeClr val="accent1"/>
+          </a:effectRef>
+          <a:fontRef idx="minor">
+            <a:schemeClr val="lt1"/>
+          </a:fontRef>
+        </p:style>
+        <p:txBody>
+          <a:bodyPr rtlCol="0" anchor="ctr"/>
+          <a:lstStyle/>
+          <a:p>
+            <a:pPr algn="ctr"/>
+            <a:endParaRPr lang="en-US"/>
+          </a:p>
+        </p:txBody>
+      </p:sp>
+      <p:sp>
+        <p:nvSpPr>
+          <p:cNvPr id="11" name="Up Arrow 10"/>
+          <p:cNvSpPr/>
+          <p:nvPr/>
+        </p:nvSpPr>
+        <p:spPr>
+          <a:xfrm>
+            <a:off x="6157663" y="2139225"/>
+            <a:ext cx="251671" cy="680885"/>
+          </a:xfrm>
+          <a:prstGeom prst="upArrow">
+            <a:avLst/>
+          </a:prstGeom>
+          <a:solidFill>
+            <a:schemeClr val="accent1"/>
+          </a:solidFill>
+          <a:ln>
+            <a:noFill/>
+          </a:ln>
+          <a:effectLst>
+            <a:outerShdw blurRad="50800" dist="38100" dir="2700000" algn="tl" rotWithShape="0">
+              <a:prstClr val="black">
+                <a:alpha val="40000"/>
+              </a:prstClr>
+            </a:outerShdw>
+          </a:effectLst>
+        </p:spPr>
+        <p:style>
+          <a:lnRef idx="1">
+            <a:schemeClr val="accent1"/>
+          </a:lnRef>
+          <a:fillRef idx="3">
+            <a:schemeClr val="accent1"/>
+          </a:fillRef>
+          <a:effectRef idx="2">
+            <a:schemeClr val="accent1"/>
+          </a:effectRef>
+          <a:fontRef idx="minor">
+            <a:schemeClr val="lt1"/>
+          </a:fontRef>
+        </p:style>
+        <p:txBody>
+          <a:bodyPr rtlCol="0" anchor="ctr"/>
+          <a:lstStyle/>
+          <a:p>
+            <a:pPr algn="ctr"/>
+            <a:endParaRPr lang="en-US"/>
+          </a:p>
+        </p:txBody>
+      </p:sp>
+      <p:sp>
+        <p:nvSpPr>
+          <p:cNvPr id="14" name="Cloud 13"/>
+          <p:cNvSpPr/>
+          <p:nvPr/>
+        </p:nvSpPr>
+        <p:spPr>
+          <a:xfrm>
+            <a:off x="4951828" y="4146698"/>
+            <a:ext cx="1896903" cy="839972"/>
+          </a:xfrm>
+          <a:prstGeom prst="cloud">
+            <a:avLst/>
+          </a:prstGeom>
+          <a:noFill/>
+          <a:ln w="12700">
+            <a:solidFill>
+              <a:srgbClr val="0A60A3"/>
+            </a:solidFill>
+          </a:ln>
+          <a:effectLst/>
+        </p:spPr>
+        <p:style>
+          <a:lnRef idx="1">
+            <a:schemeClr val="accent1"/>
+          </a:lnRef>
+          <a:fillRef idx="3">
+            <a:schemeClr val="accent1"/>
+          </a:fillRef>
+          <a:effectRef idx="2">
+            <a:schemeClr val="accent1"/>
+          </a:effectRef>
+          <a:fontRef idx="minor">
+            <a:schemeClr val="lt1"/>
+          </a:fontRef>
+        </p:style>
+        <p:txBody>
+          <a:bodyPr lIns="0" rIns="0" rtlCol="0" anchor="ctr"/>
+          <a:lstStyle/>
+          <a:p>
+            <a:pPr algn="ctr"/>
+            <a:r>
+              <a:rPr lang="en-US" dirty="0">
+                <a:solidFill>
+                  <a:schemeClr val="tx1"/>
+                </a:solidFill>
+              </a:rPr>
+              <a:t>Outside</a:t>
+            </a:r>
+          </a:p>
+        </p:txBody>
+      </p:sp>
+      <p:sp>
+        <p:nvSpPr>
+          <p:cNvPr id="16" name="Cloud 15"/>
+          <p:cNvSpPr/>
+          <p:nvPr/>
+        </p:nvSpPr>
+        <p:spPr>
+          <a:xfrm>
+            <a:off x="3076489" y="4146698"/>
+            <a:ext cx="1373453" cy="839972"/>
+          </a:xfrm>
+          <a:prstGeom prst="cloud">
+            <a:avLst/>
+          </a:prstGeom>
+          <a:noFill/>
+          <a:ln w="12700">
+            <a:solidFill>
+              <a:srgbClr val="0A60A3"/>
+            </a:solidFill>
+          </a:ln>
+          <a:effectLst/>
+        </p:spPr>
+        <p:style>
+          <a:lnRef idx="1">
+            <a:schemeClr val="accent1"/>
+          </a:lnRef>
+          <a:fillRef idx="3">
+            <a:schemeClr val="accent1"/>
+          </a:fillRef>
+          <a:effectRef idx="2">
+            <a:schemeClr val="accent1"/>
+          </a:effectRef>
+          <a:fontRef idx="minor">
+            <a:schemeClr val="lt1"/>
+          </a:fontRef>
+        </p:style>
+        <p:txBody>
+          <a:bodyPr lIns="0" rIns="0" rtlCol="0" anchor="ctr"/>
+          <a:lstStyle/>
+          <a:p>
+            <a:pPr algn="ctr"/>
+            <a:r>
+              <a:rPr lang="en-US" dirty="0">
+                <a:solidFill>
+                  <a:schemeClr val="tx1"/>
+                </a:solidFill>
+              </a:rPr>
+              <a:t>Outside</a:t>
+            </a:r>
+          </a:p>
+        </p:txBody>
+      </p:sp>
+      <p:sp>
+        <p:nvSpPr>
+          <p:cNvPr id="17" name="Cloud 16"/>
+          <p:cNvSpPr/>
+          <p:nvPr/>
+        </p:nvSpPr>
+        <p:spPr>
+          <a:xfrm>
+            <a:off x="7355545" y="4146698"/>
+            <a:ext cx="1373453" cy="839972"/>
+          </a:xfrm>
+          <a:prstGeom prst="cloud">
+            <a:avLst/>
+          </a:prstGeom>
+          <a:noFill/>
+          <a:ln w="12700">
+            <a:solidFill>
+              <a:srgbClr val="0A60A3"/>
+            </a:solidFill>
+          </a:ln>
+          <a:effectLst/>
+        </p:spPr>
+        <p:style>
+          <a:lnRef idx="1">
+            <a:schemeClr val="accent1"/>
+          </a:lnRef>
+          <a:fillRef idx="3">
+            <a:schemeClr val="accent1"/>
+          </a:fillRef>
+          <a:effectRef idx="2">
+            <a:schemeClr val="accent1"/>
+          </a:effectRef>
+          <a:fontRef idx="minor">
+            <a:schemeClr val="lt1"/>
+          </a:fontRef>
+        </p:style>
+        <p:txBody>
+          <a:bodyPr lIns="0" rIns="0" rtlCol="0" anchor="ctr"/>
+          <a:lstStyle/>
+          <a:p>
+            <a:pPr algn="ctr"/>
+            <a:r>
+              <a:rPr lang="en-US" dirty="0">
+                <a:solidFill>
+                  <a:schemeClr val="tx1"/>
+                </a:solidFill>
+              </a:rPr>
+              <a:t>Outside</a:t>
+            </a:r>
+          </a:p>
+        </p:txBody>
+      </p:sp>
+      <p:sp>
+        <p:nvSpPr>
+          <p:cNvPr id="21" name="Up Arrow 20"/>
+          <p:cNvSpPr/>
+          <p:nvPr/>
+        </p:nvSpPr>
+        <p:spPr>
+          <a:xfrm>
+            <a:off x="3634917" y="3620820"/>
+            <a:ext cx="251671" cy="680885"/>
+          </a:xfrm>
+          <a:prstGeom prst="upArrow">
+            <a:avLst/>
+          </a:prstGeom>
+          <a:solidFill>
+            <a:schemeClr val="bg2">
+              <a:lumMod val="75000"/>
+            </a:schemeClr>
+          </a:solidFill>
+          <a:ln>
+            <a:noFill/>
+          </a:ln>
+          <a:effectLst>
+            <a:outerShdw blurRad="50800" dist="38100" dir="2700000" algn="tl" rotWithShape="0">
+              <a:prstClr val="black">
+                <a:alpha val="40000"/>
+              </a:prstClr>
+            </a:outerShdw>
+          </a:effectLst>
+        </p:spPr>
+        <p:style>
+          <a:lnRef idx="1">
+            <a:schemeClr val="accent1"/>
+          </a:lnRef>
+          <a:fillRef idx="3">
+            <a:schemeClr val="accent1"/>
+          </a:fillRef>
+          <a:effectRef idx="2">
+            <a:schemeClr val="accent1"/>
+          </a:effectRef>
+          <a:fontRef idx="minor">
+            <a:schemeClr val="lt1"/>
+          </a:fontRef>
+        </p:style>
+        <p:txBody>
+          <a:bodyPr rtlCol="0" anchor="ctr"/>
+          <a:lstStyle/>
+          <a:p>
+            <a:pPr algn="ctr"/>
+            <a:endParaRPr lang="en-US"/>
+          </a:p>
+        </p:txBody>
+      </p:sp>
+      <p:sp>
+        <p:nvSpPr>
+          <p:cNvPr id="22" name="Up Arrow 21"/>
+          <p:cNvSpPr/>
+          <p:nvPr/>
+        </p:nvSpPr>
+        <p:spPr>
+          <a:xfrm rot="10800000">
+            <a:off x="7913973" y="3613590"/>
+            <a:ext cx="251671" cy="680885"/>
+          </a:xfrm>
+          <a:prstGeom prst="upArrow">
+            <a:avLst/>
+          </a:prstGeom>
+          <a:solidFill>
+            <a:schemeClr val="tx1"/>
+          </a:solidFill>
+          <a:ln>
+            <a:noFill/>
+          </a:ln>
+          <a:effectLst>
+            <a:outerShdw blurRad="50800" dist="38100" dir="2700000" algn="tl" rotWithShape="0">
+              <a:prstClr val="black">
+                <a:alpha val="40000"/>
+              </a:prstClr>
+            </a:outerShdw>
+          </a:effectLst>
+        </p:spPr>
+        <p:style>
+          <a:lnRef idx="1">
+            <a:schemeClr val="accent1"/>
+          </a:lnRef>
+          <a:fillRef idx="3">
+            <a:schemeClr val="accent1"/>
+          </a:fillRef>
+          <a:effectRef idx="2">
+            <a:schemeClr val="accent1"/>
+          </a:effectRef>
+          <a:fontRef idx="minor">
+            <a:schemeClr val="lt1"/>
+          </a:fontRef>
+        </p:style>
+        <p:txBody>
+          <a:bodyPr rtlCol="0" anchor="ctr"/>
+          <a:lstStyle/>
+          <a:p>
+            <a:pPr algn="ctr"/>
+            <a:endParaRPr lang="en-US"/>
+          </a:p>
+        </p:txBody>
+      </p:sp>
+      <p:sp>
+        <p:nvSpPr>
+          <p:cNvPr id="25" name="Up Arrow 24"/>
+          <p:cNvSpPr/>
+          <p:nvPr/>
+        </p:nvSpPr>
+        <p:spPr>
+          <a:xfrm rot="10800000">
+            <a:off x="5281302" y="3620820"/>
+            <a:ext cx="251671" cy="680885"/>
+          </a:xfrm>
+          <a:prstGeom prst="upArrow">
+            <a:avLst/>
+          </a:prstGeom>
+          <a:solidFill>
+            <a:schemeClr val="bg2">
+              <a:lumMod val="75000"/>
+            </a:schemeClr>
+          </a:solidFill>
+          <a:ln>
+            <a:noFill/>
+          </a:ln>
+          <a:effectLst>
+            <a:outerShdw blurRad="50800" dist="38100" dir="2700000" algn="tl" rotWithShape="0">
+              <a:prstClr val="black">
+                <a:alpha val="40000"/>
+              </a:prstClr>
+            </a:outerShdw>
+          </a:effectLst>
+        </p:spPr>
+        <p:style>
+          <a:lnRef idx="1">
+            <a:schemeClr val="accent1"/>
+          </a:lnRef>
+          <a:fillRef idx="3">
+            <a:schemeClr val="accent1"/>
+          </a:fillRef>
+          <a:effectRef idx="2">
+            <a:schemeClr val="accent1"/>
+          </a:effectRef>
+          <a:fontRef idx="minor">
+            <a:schemeClr val="lt1"/>
+          </a:fontRef>
+        </p:style>
+        <p:txBody>
+          <a:bodyPr rtlCol="0" anchor="ctr"/>
+          <a:lstStyle/>
+          <a:p>
+            <a:pPr algn="ctr"/>
+            <a:endParaRPr lang="en-US"/>
+          </a:p>
+        </p:txBody>
+      </p:sp>
+      <p:sp>
+        <p:nvSpPr>
+          <p:cNvPr id="26" name="Up Arrow 25"/>
+          <p:cNvSpPr/>
+          <p:nvPr/>
+        </p:nvSpPr>
+        <p:spPr>
+          <a:xfrm>
+            <a:off x="6168646" y="3599127"/>
+            <a:ext cx="251671" cy="680885"/>
+          </a:xfrm>
+          <a:prstGeom prst="upArrow">
+            <a:avLst/>
+          </a:prstGeom>
+          <a:solidFill>
+            <a:schemeClr val="bg2">
+              <a:lumMod val="75000"/>
+            </a:schemeClr>
+          </a:solidFill>
+          <a:ln>
+            <a:noFill/>
+          </a:ln>
+          <a:effectLst>
+            <a:outerShdw blurRad="50800" dist="38100" dir="2700000" algn="tl" rotWithShape="0">
+              <a:prstClr val="black">
+                <a:alpha val="40000"/>
+              </a:prstClr>
+            </a:outerShdw>
+          </a:effectLst>
+        </p:spPr>
+        <p:style>
+          <a:lnRef idx="1">
+            <a:schemeClr val="accent1"/>
+          </a:lnRef>
+          <a:fillRef idx="3">
+            <a:schemeClr val="accent1"/>
+          </a:fillRef>
+          <a:effectRef idx="2">
+            <a:schemeClr val="accent1"/>
+          </a:effectRef>
+          <a:fontRef idx="minor">
+            <a:schemeClr val="lt1"/>
+          </a:fontRef>
+        </p:style>
+        <p:txBody>
+          <a:bodyPr rtlCol="0" anchor="ctr"/>
+          <a:lstStyle/>
+          <a:p>
+            <a:pPr algn="ctr"/>
+            <a:endParaRPr lang="en-US"/>
           </a:p>
         </p:txBody>
       </p:sp>
     </p:spTree>
     <p:extLst>
       <p:ext uri="{BB962C8B-B14F-4D97-AF65-F5344CB8AC3E}">
-        <p14:creationId xmlns:p14="http://schemas.microsoft.com/office/powerpoint/2010/main" val="1563468275"/>
+        <p14:creationId xmlns:p14="http://schemas.microsoft.com/office/powerpoint/2010/main" val="3247749521"/>
       </p:ext>
     </p:extLst>
   </p:cSld>
   <p:clrMapOvr>
     <a:masterClrMapping/>
   </p:clrMapOvr>
-  <mc:AlternateContent xmlns:mc="http://schemas.openxmlformats.org/markup-compatibility/2006" xmlns:p14="http://schemas.microsoft.com/office/powerpoint/2010/main">
-    <mc:Choice Requires="p14">
-      <p:transition spd="med" p14:dur="700">
-        <p:fade/>
-      </p:transition>
-    </mc:Choice>
-    <mc:Fallback xmlns="">
-      <p:transition spd="med">
-        <p:fade/>
-      </p:transition>
-    </mc:Fallback>
-  </mc:AlternateContent>
 </p:sld>
 </file>
 
-<file path=ppt/slides/slide16.xml><?xml version="1.0" encoding="utf-8"?>
+<file path=ppt/slides/slide15.xml><?xml version="1.0" encoding="utf-8"?>
 <p:sld xmlns:a="http://schemas.openxmlformats.org/drawingml/2006/main" xmlns:r="http://schemas.openxmlformats.org/officeDocument/2006/relationships" xmlns:p="http://schemas.openxmlformats.org/presentationml/2006/main">
   <p:cSld>
     <p:spTree>
@@ -19391,6 +19592,96 @@
 </p:sld>
 </file>
 
+<file path=ppt/slides/slide16.xml><?xml version="1.0" encoding="utf-8"?>
+<p:sld xmlns:a="http://schemas.openxmlformats.org/drawingml/2006/main" xmlns:r="http://schemas.openxmlformats.org/officeDocument/2006/relationships" xmlns:p="http://schemas.openxmlformats.org/presentationml/2006/main">
+  <p:cSld>
+    <p:spTree>
+      <p:nvGrpSpPr>
+        <p:cNvPr id="1" name=""/>
+        <p:cNvGrpSpPr/>
+        <p:nvPr/>
+      </p:nvGrpSpPr>
+      <p:grpSpPr>
+        <a:xfrm>
+          <a:off x="0" y="0"/>
+          <a:ext cx="0" cy="0"/>
+          <a:chOff x="0" y="0"/>
+          <a:chExt cx="0" cy="0"/>
+        </a:xfrm>
+      </p:grpSpPr>
+      <p:sp>
+        <p:nvSpPr>
+          <p:cNvPr id="2" name="Title 1">
+            <a:extLst>
+              <a:ext uri="{FF2B5EF4-FFF2-40B4-BE49-F238E27FC236}">
+                <a16:creationId xmlns:a16="http://schemas.microsoft.com/office/drawing/2014/main" id="{D1EB3FCD-8C80-4BE3-9DDF-B5EB21447D6C}"/>
+              </a:ext>
+            </a:extLst>
+          </p:cNvPr>
+          <p:cNvSpPr>
+            <a:spLocks noGrp="1"/>
+          </p:cNvSpPr>
+          <p:nvPr>
+            <p:ph type="title"/>
+          </p:nvPr>
+        </p:nvSpPr>
+        <p:spPr/>
+        <p:txBody>
+          <a:bodyPr/>
+          <a:lstStyle/>
+          <a:p>
+            <a:r>
+              <a:rPr lang="en-US" dirty="0"/>
+              <a:t>Simplified Engine</a:t>
+            </a:r>
+          </a:p>
+        </p:txBody>
+      </p:sp>
+      <p:pic>
+        <p:nvPicPr>
+          <p:cNvPr id="4" name="Content Placeholder 3">
+            <a:extLst>
+              <a:ext uri="{FF2B5EF4-FFF2-40B4-BE49-F238E27FC236}">
+                <a16:creationId xmlns:a16="http://schemas.microsoft.com/office/drawing/2014/main" id="{0570ADEF-63E4-42BE-85CD-64E231591D28}"/>
+              </a:ext>
+            </a:extLst>
+          </p:cNvPr>
+          <p:cNvPicPr>
+            <a:picLocks noGrp="1" noChangeAspect="1"/>
+          </p:cNvPicPr>
+          <p:nvPr>
+            <p:ph idx="1"/>
+          </p:nvPr>
+        </p:nvPicPr>
+        <p:blipFill>
+          <a:blip r:embed="rId2"/>
+          <a:stretch>
+            <a:fillRect/>
+          </a:stretch>
+        </p:blipFill>
+        <p:spPr>
+          <a:xfrm>
+            <a:off x="605366" y="1852246"/>
+            <a:ext cx="10039187" cy="2572318"/>
+          </a:xfrm>
+          <a:prstGeom prst="rect">
+            <a:avLst/>
+          </a:prstGeom>
+        </p:spPr>
+      </p:pic>
+    </p:spTree>
+    <p:extLst>
+      <p:ext uri="{BB962C8B-B14F-4D97-AF65-F5344CB8AC3E}">
+        <p14:creationId xmlns:p14="http://schemas.microsoft.com/office/powerpoint/2010/main" val="3594631950"/>
+      </p:ext>
+    </p:extLst>
+  </p:cSld>
+  <p:clrMapOvr>
+    <a:masterClrMapping/>
+  </p:clrMapOvr>
+</p:sld>
+</file>
+
 <file path=ppt/slides/slide17.xml><?xml version="1.0" encoding="utf-8"?>
 <p:sld xmlns:a="http://schemas.openxmlformats.org/drawingml/2006/main" xmlns:r="http://schemas.openxmlformats.org/officeDocument/2006/relationships" xmlns:p="http://schemas.openxmlformats.org/presentationml/2006/main">
   <p:cSld>
@@ -19964,7 +20255,7 @@
 </file>
 
 <file path=ppt/slides/slide19.xml><?xml version="1.0" encoding="utf-8"?>
-<p:sld xmlns:a="http://schemas.openxmlformats.org/drawingml/2006/main" xmlns:r="http://schemas.openxmlformats.org/officeDocument/2006/relationships" xmlns:p="http://schemas.openxmlformats.org/presentationml/2006/main">
+<p:sld xmlns:a="http://schemas.openxmlformats.org/drawingml/2006/main" xmlns:r="http://schemas.openxmlformats.org/officeDocument/2006/relationships" xmlns:p="http://schemas.openxmlformats.org/presentationml/2006/main" show="0">
   <p:cSld>
     <p:spTree>
       <p:nvGrpSpPr>
@@ -20183,7 +20474,7 @@
 </file>
 
 <file path=ppt/slides/slide20.xml><?xml version="1.0" encoding="utf-8"?>
-<p:sld xmlns:a="http://schemas.openxmlformats.org/drawingml/2006/main" xmlns:r="http://schemas.openxmlformats.org/officeDocument/2006/relationships" xmlns:p="http://schemas.openxmlformats.org/presentationml/2006/main">
+<p:sld xmlns:a="http://schemas.openxmlformats.org/drawingml/2006/main" xmlns:r="http://schemas.openxmlformats.org/officeDocument/2006/relationships" xmlns:p="http://schemas.openxmlformats.org/presentationml/2006/main" show="0">
   <p:cSld>
     <p:spTree>
       <p:nvGrpSpPr>
@@ -20407,18 +20698,12 @@
       </p:grpSpPr>
       <p:sp>
         <p:nvSpPr>
-          <p:cNvPr id="2" name="Title 1">
-            <a:extLst>
-              <a:ext uri="{FF2B5EF4-FFF2-40B4-BE49-F238E27FC236}">
-                <a16:creationId xmlns:a16="http://schemas.microsoft.com/office/drawing/2014/main" id="{D1EB3FCD-8C80-4BE3-9DDF-B5EB21447D6C}"/>
-              </a:ext>
-            </a:extLst>
-          </p:cNvPr>
+          <p:cNvPr id="2" name="Title 1"/>
           <p:cNvSpPr>
             <a:spLocks noGrp="1"/>
           </p:cNvSpPr>
           <p:nvPr>
-            <p:ph type="title"/>
+            <p:ph type="ctrTitle"/>
           </p:nvPr>
         </p:nvSpPr>
         <p:spPr/>
@@ -20428,47 +20713,74 @@
           <a:p>
             <a:r>
               <a:rPr lang="en-US" dirty="0"/>
-              <a:t>Simplified Engine</a:t>
+              <a:t>Getting Started</a:t>
             </a:r>
           </a:p>
         </p:txBody>
       </p:sp>
-      <p:pic>
-        <p:nvPicPr>
-          <p:cNvPr id="4" name="Content Placeholder 3">
-            <a:extLst>
-              <a:ext uri="{FF2B5EF4-FFF2-40B4-BE49-F238E27FC236}">
-                <a16:creationId xmlns:a16="http://schemas.microsoft.com/office/drawing/2014/main" id="{0570ADEF-63E4-42BE-85CD-64E231591D28}"/>
-              </a:ext>
-            </a:extLst>
-          </p:cNvPr>
-          <p:cNvPicPr>
-            <a:picLocks noGrp="1" noChangeAspect="1"/>
-          </p:cNvPicPr>
+      <p:sp>
+        <p:nvSpPr>
+          <p:cNvPr id="4" name="Subtitle 3"/>
+          <p:cNvSpPr>
+            <a:spLocks noGrp="1"/>
+          </p:cNvSpPr>
           <p:nvPr>
-            <p:ph idx="1"/>
+            <p:ph type="subTitle" idx="1"/>
           </p:nvPr>
-        </p:nvPicPr>
-        <p:blipFill>
-          <a:blip r:embed="rId2"/>
-          <a:stretch>
-            <a:fillRect/>
-          </a:stretch>
-        </p:blipFill>
-        <p:spPr>
-          <a:xfrm>
-            <a:off x="605366" y="1852246"/>
-            <a:ext cx="10039187" cy="2572318"/>
-          </a:xfrm>
-          <a:prstGeom prst="rect">
-            <a:avLst/>
-          </a:prstGeom>
-        </p:spPr>
-      </p:pic>
+        </p:nvSpPr>
+        <p:spPr/>
+        <p:txBody>
+          <a:bodyPr/>
+          <a:lstStyle/>
+          <a:p>
+            <a:endParaRPr lang="en-US"/>
+          </a:p>
+        </p:txBody>
+      </p:sp>
+      <p:sp>
+        <p:nvSpPr>
+          <p:cNvPr id="5" name="Text Placeholder 4"/>
+          <p:cNvSpPr>
+            <a:spLocks noGrp="1"/>
+          </p:cNvSpPr>
+          <p:nvPr>
+            <p:ph type="body" sz="quarter" idx="12"/>
+          </p:nvPr>
+        </p:nvSpPr>
+        <p:spPr/>
+        <p:txBody>
+          <a:bodyPr>
+            <a:normAutofit lnSpcReduction="10000"/>
+          </a:bodyPr>
+          <a:lstStyle/>
+          <a:p>
+            <a:endParaRPr lang="en-US"/>
+          </a:p>
+        </p:txBody>
+      </p:sp>
+      <p:sp>
+        <p:nvSpPr>
+          <p:cNvPr id="6" name="Text Placeholder 5"/>
+          <p:cNvSpPr>
+            <a:spLocks noGrp="1"/>
+          </p:cNvSpPr>
+          <p:nvPr>
+            <p:ph type="body" sz="quarter" idx="13"/>
+          </p:nvPr>
+        </p:nvSpPr>
+        <p:spPr/>
+        <p:txBody>
+          <a:bodyPr/>
+          <a:lstStyle/>
+          <a:p>
+            <a:endParaRPr lang="en-US"/>
+          </a:p>
+        </p:txBody>
+      </p:sp>
     </p:spTree>
     <p:extLst>
       <p:ext uri="{BB962C8B-B14F-4D97-AF65-F5344CB8AC3E}">
-        <p14:creationId xmlns:p14="http://schemas.microsoft.com/office/powerpoint/2010/main" val="3594631950"/>
+        <p14:creationId xmlns:p14="http://schemas.microsoft.com/office/powerpoint/2010/main" val="3734952113"/>
       </p:ext>
     </p:extLst>
   </p:cSld>
@@ -20502,7 +20814,7 @@
             <a:spLocks noGrp="1"/>
           </p:cNvSpPr>
           <p:nvPr>
-            <p:ph type="ctrTitle"/>
+            <p:ph type="title"/>
           </p:nvPr>
         </p:nvSpPr>
         <p:spPr/>
@@ -20512,19 +20824,182 @@
           <a:p>
             <a:r>
               <a:rPr lang="en-US" dirty="0"/>
-              <a:t>Tools and Externalities</a:t>
+              <a:t>DCAF Project Templates</a:t>
             </a:r>
           </a:p>
         </p:txBody>
       </p:sp>
-      <p:sp>
-        <p:nvSpPr>
-          <p:cNvPr id="4" name="Subtitle 3"/>
+      <p:pic>
+        <p:nvPicPr>
+          <p:cNvPr id="8" name="Picture 7">
+            <a:extLst>
+              <a:ext uri="{FF2B5EF4-FFF2-40B4-BE49-F238E27FC236}">
+                <a16:creationId xmlns:a16="http://schemas.microsoft.com/office/drawing/2014/main" id="{0CAD30DF-6589-45E7-BC2E-5AEB380F89C4}"/>
+              </a:ext>
+            </a:extLst>
+          </p:cNvPr>
+          <p:cNvPicPr>
+            <a:picLocks noChangeAspect="1"/>
+          </p:cNvPicPr>
+          <p:nvPr/>
+        </p:nvPicPr>
+        <p:blipFill>
+          <a:blip r:embed="rId3">
+            <a:extLst>
+              <a:ext uri="{28A0092B-C50C-407E-A947-70E740481C1C}">
+                <a14:useLocalDpi xmlns:a14="http://schemas.microsoft.com/office/drawing/2010/main" val="0"/>
+              </a:ext>
+            </a:extLst>
+          </a:blip>
+          <a:stretch>
+            <a:fillRect/>
+          </a:stretch>
+        </p:blipFill>
+        <p:spPr>
+          <a:xfrm>
+            <a:off x="548639" y="1753786"/>
+            <a:ext cx="6048104" cy="4369176"/>
+          </a:xfrm>
+          <a:prstGeom prst="rect">
+            <a:avLst/>
+          </a:prstGeom>
+        </p:spPr>
+      </p:pic>
+      <p:pic>
+        <p:nvPicPr>
+          <p:cNvPr id="9" name="Picture 8">
+            <a:extLst>
+              <a:ext uri="{FF2B5EF4-FFF2-40B4-BE49-F238E27FC236}">
+                <a16:creationId xmlns:a16="http://schemas.microsoft.com/office/drawing/2014/main" id="{41E65BB4-69E1-4C76-B287-62E80991284D}"/>
+              </a:ext>
+            </a:extLst>
+          </p:cNvPr>
+          <p:cNvPicPr>
+            <a:picLocks noChangeAspect="1"/>
+          </p:cNvPicPr>
+          <p:nvPr/>
+        </p:nvPicPr>
+        <p:blipFill>
+          <a:blip r:embed="rId4">
+            <a:extLst>
+              <a:ext uri="{28A0092B-C50C-407E-A947-70E740481C1C}">
+                <a14:useLocalDpi xmlns:a14="http://schemas.microsoft.com/office/drawing/2010/main" val="0"/>
+              </a:ext>
+            </a:extLst>
+          </a:blip>
+          <a:stretch>
+            <a:fillRect/>
+          </a:stretch>
+        </p:blipFill>
+        <p:spPr>
+          <a:xfrm>
+            <a:off x="7404104" y="2427538"/>
+            <a:ext cx="3133310" cy="3021672"/>
+          </a:xfrm>
+          <a:prstGeom prst="rect">
+            <a:avLst/>
+          </a:prstGeom>
+        </p:spPr>
+      </p:pic>
+      <p:cxnSp>
+        <p:nvCxnSpPr>
+          <p:cNvPr id="10" name="Straight Arrow Connector 9">
+            <a:extLst>
+              <a:ext uri="{FF2B5EF4-FFF2-40B4-BE49-F238E27FC236}">
+                <a16:creationId xmlns:a16="http://schemas.microsoft.com/office/drawing/2014/main" id="{4B66E0AE-DE96-4899-A9FA-CE8D97728836}"/>
+              </a:ext>
+            </a:extLst>
+          </p:cNvPr>
+          <p:cNvCxnSpPr>
+            <a:cxnSpLocks/>
+            <a:stCxn id="8" idx="3"/>
+            <a:endCxn id="9" idx="1"/>
+          </p:cNvCxnSpPr>
+          <p:nvPr/>
+        </p:nvCxnSpPr>
+        <p:spPr>
+          <a:xfrm>
+            <a:off x="6596743" y="3938374"/>
+            <a:ext cx="807361" cy="0"/>
+          </a:xfrm>
+          <a:prstGeom prst="straightConnector1">
+            <a:avLst/>
+          </a:prstGeom>
+          <a:ln w="76200">
+            <a:solidFill>
+              <a:schemeClr val="bg2">
+                <a:lumMod val="25000"/>
+              </a:schemeClr>
+            </a:solidFill>
+            <a:headEnd type="none"/>
+            <a:tailEnd type="triangle"/>
+          </a:ln>
+        </p:spPr>
+        <p:style>
+          <a:lnRef idx="1">
+            <a:schemeClr val="accent1"/>
+          </a:lnRef>
+          <a:fillRef idx="0">
+            <a:schemeClr val="accent1"/>
+          </a:fillRef>
+          <a:effectRef idx="0">
+            <a:schemeClr val="accent1"/>
+          </a:effectRef>
+          <a:fontRef idx="minor">
+            <a:schemeClr val="tx1"/>
+          </a:fontRef>
+        </p:style>
+      </p:cxnSp>
+    </p:spTree>
+    <p:extLst>
+      <p:ext uri="{BB962C8B-B14F-4D97-AF65-F5344CB8AC3E}">
+        <p14:creationId xmlns:p14="http://schemas.microsoft.com/office/powerpoint/2010/main" val="1023362139"/>
+      </p:ext>
+    </p:extLst>
+  </p:cSld>
+  <p:clrMapOvr>
+    <a:masterClrMapping/>
+  </p:clrMapOvr>
+  <mc:AlternateContent xmlns:mc="http://schemas.openxmlformats.org/markup-compatibility/2006" xmlns:p14="http://schemas.microsoft.com/office/powerpoint/2010/main">
+    <mc:Choice Requires="p14">
+      <p:transition spd="med" p14:dur="700">
+        <p:fade/>
+      </p:transition>
+    </mc:Choice>
+    <mc:Fallback xmlns="">
+      <p:transition spd="med">
+        <p:fade/>
+      </p:transition>
+    </mc:Fallback>
+  </mc:AlternateContent>
+</p:sld>
+</file>
+
+<file path=ppt/slides/slide24.xml><?xml version="1.0" encoding="utf-8"?>
+<p:sld xmlns:a="http://schemas.openxmlformats.org/drawingml/2006/main" xmlns:r="http://schemas.openxmlformats.org/officeDocument/2006/relationships" xmlns:p="http://schemas.openxmlformats.org/presentationml/2006/main">
+  <p:cSld>
+    <p:spTree>
+      <p:nvGrpSpPr>
+        <p:cNvPr id="1" name=""/>
+        <p:cNvGrpSpPr/>
+        <p:nvPr/>
+      </p:nvGrpSpPr>
+      <p:grpSpPr>
+        <a:xfrm>
+          <a:off x="0" y="0"/>
+          <a:ext cx="0" cy="0"/>
+          <a:chOff x="0" y="0"/>
+          <a:chExt cx="0" cy="0"/>
+        </a:xfrm>
+      </p:grpSpPr>
+      <p:sp>
+        <p:nvSpPr>
+          <p:cNvPr id="2" name="Title 1"/>
           <p:cNvSpPr>
             <a:spLocks noGrp="1"/>
           </p:cNvSpPr>
           <p:nvPr>
-            <p:ph type="subTitle" idx="1"/>
+            <p:ph type="title"/>
           </p:nvPr>
         </p:nvSpPr>
         <p:spPr/>
@@ -20532,54 +21007,47 @@
           <a:bodyPr/>
           <a:lstStyle/>
           <a:p>
-            <a:endParaRPr lang="en-US"/>
+            <a:r>
+              <a:rPr lang="en-US" dirty="0"/>
+              <a:t>Running the Configuration</a:t>
+            </a:r>
           </a:p>
         </p:txBody>
       </p:sp>
-      <p:sp>
-        <p:nvSpPr>
-          <p:cNvPr id="5" name="Text Placeholder 4"/>
-          <p:cNvSpPr>
-            <a:spLocks noGrp="1"/>
-          </p:cNvSpPr>
-          <p:nvPr>
-            <p:ph type="body" sz="quarter" idx="12"/>
-          </p:nvPr>
-        </p:nvSpPr>
-        <p:spPr/>
-        <p:txBody>
-          <a:bodyPr>
-            <a:normAutofit lnSpcReduction="10000"/>
-          </a:bodyPr>
-          <a:lstStyle/>
-          <a:p>
-            <a:endParaRPr lang="en-US"/>
-          </a:p>
-        </p:txBody>
-      </p:sp>
-      <p:sp>
-        <p:nvSpPr>
-          <p:cNvPr id="6" name="Text Placeholder 5"/>
-          <p:cNvSpPr>
-            <a:spLocks noGrp="1"/>
-          </p:cNvSpPr>
-          <p:nvPr>
-            <p:ph type="body" sz="quarter" idx="13"/>
-          </p:nvPr>
-        </p:nvSpPr>
-        <p:spPr/>
-        <p:txBody>
-          <a:bodyPr/>
-          <a:lstStyle/>
-          <a:p>
-            <a:endParaRPr lang="en-US"/>
-          </a:p>
-        </p:txBody>
-      </p:sp>
+      <p:pic>
+        <p:nvPicPr>
+          <p:cNvPr id="4" name="Picture 3"/>
+          <p:cNvPicPr>
+            <a:picLocks noChangeAspect="1"/>
+          </p:cNvPicPr>
+          <p:nvPr/>
+        </p:nvPicPr>
+        <p:blipFill>
+          <a:blip r:embed="rId2">
+            <a:extLst>
+              <a:ext uri="{28A0092B-C50C-407E-A947-70E740481C1C}">
+                <a14:useLocalDpi xmlns:a14="http://schemas.microsoft.com/office/drawing/2010/main" val="0"/>
+              </a:ext>
+            </a:extLst>
+          </a:blip>
+          <a:stretch>
+            <a:fillRect/>
+          </a:stretch>
+        </p:blipFill>
+        <p:spPr>
+          <a:xfrm>
+            <a:off x="991032" y="1962057"/>
+            <a:ext cx="10201469" cy="2861988"/>
+          </a:xfrm>
+          <a:prstGeom prst="rect">
+            <a:avLst/>
+          </a:prstGeom>
+        </p:spPr>
+      </p:pic>
     </p:spTree>
     <p:extLst>
       <p:ext uri="{BB962C8B-B14F-4D97-AF65-F5344CB8AC3E}">
-        <p14:creationId xmlns:p14="http://schemas.microsoft.com/office/powerpoint/2010/main" val="3734952113"/>
+        <p14:creationId xmlns:p14="http://schemas.microsoft.com/office/powerpoint/2010/main" val="698999797"/>
       </p:ext>
     </p:extLst>
   </p:cSld>
@@ -20589,8 +21057,140 @@
 </p:sld>
 </file>
 
-<file path=ppt/slides/slide24.xml><?xml version="1.0" encoding="utf-8"?>
-<p:sld xmlns:a="http://schemas.openxmlformats.org/drawingml/2006/main" xmlns:r="http://schemas.openxmlformats.org/officeDocument/2006/relationships" xmlns:p="http://schemas.openxmlformats.org/presentationml/2006/main">
+<file path=ppt/slides/slide25.xml><?xml version="1.0" encoding="utf-8"?>
+<p:sld xmlns:a="http://schemas.openxmlformats.org/drawingml/2006/main" xmlns:r="http://schemas.openxmlformats.org/officeDocument/2006/relationships" xmlns:p="http://schemas.openxmlformats.org/presentationml/2006/main" show="0">
+  <p:cSld>
+    <p:spTree>
+      <p:nvGrpSpPr>
+        <p:cNvPr id="1" name=""/>
+        <p:cNvGrpSpPr/>
+        <p:nvPr/>
+      </p:nvGrpSpPr>
+      <p:grpSpPr>
+        <a:xfrm>
+          <a:off x="0" y="0"/>
+          <a:ext cx="0" cy="0"/>
+          <a:chOff x="0" y="0"/>
+          <a:chExt cx="0" cy="0"/>
+        </a:xfrm>
+      </p:grpSpPr>
+      <p:sp>
+        <p:nvSpPr>
+          <p:cNvPr id="2" name="Title 1"/>
+          <p:cNvSpPr>
+            <a:spLocks noGrp="1"/>
+          </p:cNvSpPr>
+          <p:nvPr>
+            <p:ph type="title"/>
+          </p:nvPr>
+        </p:nvSpPr>
+        <p:spPr/>
+        <p:txBody>
+          <a:bodyPr/>
+          <a:lstStyle/>
+          <a:p>
+            <a:r>
+              <a:rPr lang="en-US" dirty="0"/>
+              <a:t>Which Template to Choose</a:t>
+            </a:r>
+          </a:p>
+        </p:txBody>
+      </p:sp>
+      <p:sp>
+        <p:nvSpPr>
+          <p:cNvPr id="3" name="Content Placeholder 2"/>
+          <p:cNvSpPr>
+            <a:spLocks noGrp="1"/>
+          </p:cNvSpPr>
+          <p:nvPr>
+            <p:ph idx="1"/>
+          </p:nvPr>
+        </p:nvSpPr>
+        <p:spPr/>
+        <p:txBody>
+          <a:bodyPr/>
+          <a:lstStyle/>
+          <a:p>
+            <a:r>
+              <a:rPr lang="en-US" dirty="0"/>
+              <a:t>Dynamic</a:t>
+            </a:r>
+          </a:p>
+          <a:p>
+            <a:pPr lvl="1"/>
+            <a:r>
+              <a:rPr lang="en-US" dirty="0"/>
+              <a:t>Unknown number of Channels.</a:t>
+            </a:r>
+          </a:p>
+          <a:p>
+            <a:pPr lvl="1"/>
+            <a:r>
+              <a:rPr lang="en-US" dirty="0"/>
+              <a:t>Final user defines the inputs</a:t>
+            </a:r>
+          </a:p>
+          <a:p>
+            <a:pPr lvl="1"/>
+            <a:r>
+              <a:rPr lang="en-US" dirty="0"/>
+              <a:t>Modbus</a:t>
+            </a:r>
+          </a:p>
+          <a:p>
+            <a:pPr lvl="1"/>
+            <a:r>
+              <a:rPr lang="en-US" dirty="0"/>
+              <a:t>Needs more codding</a:t>
+            </a:r>
+          </a:p>
+          <a:p>
+            <a:r>
+              <a:rPr lang="en-US" dirty="0"/>
+              <a:t>Static Template</a:t>
+            </a:r>
+          </a:p>
+          <a:p>
+            <a:pPr lvl="1"/>
+            <a:r>
+              <a:rPr lang="en-US" dirty="0"/>
+              <a:t>Number of channels decided by module developer</a:t>
+            </a:r>
+          </a:p>
+          <a:p>
+            <a:pPr lvl="1"/>
+            <a:r>
+              <a:rPr lang="en-US" dirty="0"/>
+              <a:t>Mostly Scripted</a:t>
+            </a:r>
+          </a:p>
+          <a:p>
+            <a:pPr lvl="1"/>
+            <a:r>
+              <a:rPr lang="en-US" dirty="0"/>
+              <a:t>PID</a:t>
+            </a:r>
+          </a:p>
+          <a:p>
+            <a:endParaRPr lang="en-US" dirty="0"/>
+          </a:p>
+        </p:txBody>
+      </p:sp>
+    </p:spTree>
+    <p:extLst>
+      <p:ext uri="{BB962C8B-B14F-4D97-AF65-F5344CB8AC3E}">
+        <p14:creationId xmlns:p14="http://schemas.microsoft.com/office/powerpoint/2010/main" val="2136668812"/>
+      </p:ext>
+    </p:extLst>
+  </p:cSld>
+  <p:clrMapOvr>
+    <a:masterClrMapping/>
+  </p:clrMapOvr>
+</p:sld>
+</file>
+
+<file path=ppt/slides/slide26.xml><?xml version="1.0" encoding="utf-8"?>
+<p:sld xmlns:a="http://schemas.openxmlformats.org/drawingml/2006/main" xmlns:r="http://schemas.openxmlformats.org/officeDocument/2006/relationships" xmlns:p="http://schemas.openxmlformats.org/presentationml/2006/main" show="0">
   <p:cSld>
     <p:spTree>
       <p:nvGrpSpPr>
@@ -20689,916 +21289,7 @@
 </p:sld>
 </file>
 
-<file path=ppt/slides/slide25.xml><?xml version="1.0" encoding="utf-8"?>
-<p:sld xmlns:a="http://schemas.openxmlformats.org/drawingml/2006/main" xmlns:r="http://schemas.openxmlformats.org/officeDocument/2006/relationships" xmlns:p="http://schemas.openxmlformats.org/presentationml/2006/main">
-  <p:cSld>
-    <p:spTree>
-      <p:nvGrpSpPr>
-        <p:cNvPr id="1" name=""/>
-        <p:cNvGrpSpPr/>
-        <p:nvPr/>
-      </p:nvGrpSpPr>
-      <p:grpSpPr>
-        <a:xfrm>
-          <a:off x="0" y="0"/>
-          <a:ext cx="0" cy="0"/>
-          <a:chOff x="0" y="0"/>
-          <a:chExt cx="0" cy="0"/>
-        </a:xfrm>
-      </p:grpSpPr>
-      <p:sp>
-        <p:nvSpPr>
-          <p:cNvPr id="2" name="Title 1"/>
-          <p:cNvSpPr>
-            <a:spLocks noGrp="1"/>
-          </p:cNvSpPr>
-          <p:nvPr>
-            <p:ph type="title"/>
-          </p:nvPr>
-        </p:nvSpPr>
-        <p:spPr/>
-        <p:txBody>
-          <a:bodyPr/>
-          <a:lstStyle/>
-          <a:p>
-            <a:r>
-              <a:rPr lang="en-US" dirty="0"/>
-              <a:t>DCAF Project Templates</a:t>
-            </a:r>
-          </a:p>
-        </p:txBody>
-      </p:sp>
-      <p:pic>
-        <p:nvPicPr>
-          <p:cNvPr id="5" name="Picture 4"/>
-          <p:cNvPicPr>
-            <a:picLocks noChangeAspect="1"/>
-          </p:cNvPicPr>
-          <p:nvPr/>
-        </p:nvPicPr>
-        <p:blipFill>
-          <a:blip r:embed="rId3"/>
-          <a:stretch>
-            <a:fillRect/>
-          </a:stretch>
-        </p:blipFill>
-        <p:spPr>
-          <a:xfrm>
-            <a:off x="2967318" y="1351131"/>
-            <a:ext cx="6694808" cy="5280957"/>
-          </a:xfrm>
-          <a:prstGeom prst="rect">
-            <a:avLst/>
-          </a:prstGeom>
-        </p:spPr>
-      </p:pic>
-    </p:spTree>
-    <p:extLst>
-      <p:ext uri="{BB962C8B-B14F-4D97-AF65-F5344CB8AC3E}">
-        <p14:creationId xmlns:p14="http://schemas.microsoft.com/office/powerpoint/2010/main" val="1023362139"/>
-      </p:ext>
-    </p:extLst>
-  </p:cSld>
-  <p:clrMapOvr>
-    <a:masterClrMapping/>
-  </p:clrMapOvr>
-  <mc:AlternateContent xmlns:mc="http://schemas.openxmlformats.org/markup-compatibility/2006" xmlns:p14="http://schemas.microsoft.com/office/powerpoint/2010/main">
-    <mc:Choice Requires="p14">
-      <p:transition spd="med" p14:dur="700">
-        <p:fade/>
-      </p:transition>
-    </mc:Choice>
-    <mc:Fallback xmlns="">
-      <p:transition spd="med">
-        <p:fade/>
-      </p:transition>
-    </mc:Fallback>
-  </mc:AlternateContent>
-</p:sld>
-</file>
-
-<file path=ppt/slides/slide26.xml><?xml version="1.0" encoding="utf-8"?>
-<p:sld xmlns:a="http://schemas.openxmlformats.org/drawingml/2006/main" xmlns:r="http://schemas.openxmlformats.org/officeDocument/2006/relationships" xmlns:p="http://schemas.openxmlformats.org/presentationml/2006/main">
-  <p:cSld>
-    <p:spTree>
-      <p:nvGrpSpPr>
-        <p:cNvPr id="1" name=""/>
-        <p:cNvGrpSpPr/>
-        <p:nvPr/>
-      </p:nvGrpSpPr>
-      <p:grpSpPr>
-        <a:xfrm>
-          <a:off x="0" y="0"/>
-          <a:ext cx="0" cy="0"/>
-          <a:chOff x="0" y="0"/>
-          <a:chExt cx="0" cy="0"/>
-        </a:xfrm>
-      </p:grpSpPr>
-      <p:sp>
-        <p:nvSpPr>
-          <p:cNvPr id="2" name="Title 1"/>
-          <p:cNvSpPr>
-            <a:spLocks noGrp="1"/>
-          </p:cNvSpPr>
-          <p:nvPr>
-            <p:ph type="title"/>
-          </p:nvPr>
-        </p:nvSpPr>
-        <p:spPr/>
-        <p:txBody>
-          <a:bodyPr/>
-          <a:lstStyle/>
-          <a:p>
-            <a:r>
-              <a:rPr lang="en-US" dirty="0"/>
-              <a:t>Which Template to Choose</a:t>
-            </a:r>
-          </a:p>
-        </p:txBody>
-      </p:sp>
-      <p:sp>
-        <p:nvSpPr>
-          <p:cNvPr id="3" name="Content Placeholder 2"/>
-          <p:cNvSpPr>
-            <a:spLocks noGrp="1"/>
-          </p:cNvSpPr>
-          <p:nvPr>
-            <p:ph idx="1"/>
-          </p:nvPr>
-        </p:nvSpPr>
-        <p:spPr/>
-        <p:txBody>
-          <a:bodyPr/>
-          <a:lstStyle/>
-          <a:p>
-            <a:r>
-              <a:rPr lang="en-US" dirty="0"/>
-              <a:t>Dynamic</a:t>
-            </a:r>
-          </a:p>
-          <a:p>
-            <a:pPr lvl="1"/>
-            <a:r>
-              <a:rPr lang="en-US" dirty="0"/>
-              <a:t>Unknown number of Channels.</a:t>
-            </a:r>
-          </a:p>
-          <a:p>
-            <a:pPr lvl="1"/>
-            <a:r>
-              <a:rPr lang="en-US" dirty="0"/>
-              <a:t>Final user defines the inputs</a:t>
-            </a:r>
-          </a:p>
-          <a:p>
-            <a:pPr lvl="1"/>
-            <a:r>
-              <a:rPr lang="en-US" dirty="0"/>
-              <a:t>Modbus</a:t>
-            </a:r>
-          </a:p>
-          <a:p>
-            <a:pPr lvl="1"/>
-            <a:r>
-              <a:rPr lang="en-US" dirty="0"/>
-              <a:t>Needs more codding</a:t>
-            </a:r>
-          </a:p>
-          <a:p>
-            <a:r>
-              <a:rPr lang="en-US" dirty="0"/>
-              <a:t>Static Template</a:t>
-            </a:r>
-          </a:p>
-          <a:p>
-            <a:pPr lvl="1"/>
-            <a:r>
-              <a:rPr lang="en-US" dirty="0"/>
-              <a:t>Number of channels decided by module developer</a:t>
-            </a:r>
-          </a:p>
-          <a:p>
-            <a:pPr lvl="1"/>
-            <a:r>
-              <a:rPr lang="en-US" dirty="0"/>
-              <a:t>Mostly Scripted</a:t>
-            </a:r>
-          </a:p>
-          <a:p>
-            <a:pPr lvl="1"/>
-            <a:r>
-              <a:rPr lang="en-US" dirty="0"/>
-              <a:t>PID</a:t>
-            </a:r>
-          </a:p>
-          <a:p>
-            <a:endParaRPr lang="en-US" dirty="0"/>
-          </a:p>
-        </p:txBody>
-      </p:sp>
-    </p:spTree>
-    <p:extLst>
-      <p:ext uri="{BB962C8B-B14F-4D97-AF65-F5344CB8AC3E}">
-        <p14:creationId xmlns:p14="http://schemas.microsoft.com/office/powerpoint/2010/main" val="2136668812"/>
-      </p:ext>
-    </p:extLst>
-  </p:cSld>
-  <p:clrMapOvr>
-    <a:masterClrMapping/>
-  </p:clrMapOvr>
-</p:sld>
-</file>
-
 <file path=ppt/slides/slide27.xml><?xml version="1.0" encoding="utf-8"?>
-<p:sld xmlns:a="http://schemas.openxmlformats.org/drawingml/2006/main" xmlns:r="http://schemas.openxmlformats.org/officeDocument/2006/relationships" xmlns:p="http://schemas.openxmlformats.org/presentationml/2006/main">
-  <p:cSld>
-    <p:spTree>
-      <p:nvGrpSpPr>
-        <p:cNvPr id="1" name=""/>
-        <p:cNvGrpSpPr/>
-        <p:nvPr/>
-      </p:nvGrpSpPr>
-      <p:grpSpPr>
-        <a:xfrm>
-          <a:off x="0" y="0"/>
-          <a:ext cx="0" cy="0"/>
-          <a:chOff x="0" y="0"/>
-          <a:chExt cx="0" cy="0"/>
-        </a:xfrm>
-      </p:grpSpPr>
-      <p:sp>
-        <p:nvSpPr>
-          <p:cNvPr id="2" name="Title 1"/>
-          <p:cNvSpPr>
-            <a:spLocks noGrp="1"/>
-          </p:cNvSpPr>
-          <p:nvPr>
-            <p:ph type="title"/>
-          </p:nvPr>
-        </p:nvSpPr>
-        <p:spPr/>
-        <p:txBody>
-          <a:bodyPr/>
-          <a:lstStyle/>
-          <a:p>
-            <a:r>
-              <a:rPr lang="en-US" dirty="0"/>
-              <a:t>Error Management</a:t>
-            </a:r>
-          </a:p>
-        </p:txBody>
-      </p:sp>
-      <p:pic>
-        <p:nvPicPr>
-          <p:cNvPr id="4" name="Content Placeholder 3"/>
-          <p:cNvPicPr>
-            <a:picLocks noGrp="1" noChangeAspect="1"/>
-          </p:cNvPicPr>
-          <p:nvPr>
-            <p:ph idx="1"/>
-          </p:nvPr>
-        </p:nvPicPr>
-        <p:blipFill>
-          <a:blip r:embed="rId2"/>
-          <a:stretch>
-            <a:fillRect/>
-          </a:stretch>
-        </p:blipFill>
-        <p:spPr>
-          <a:xfrm>
-            <a:off x="7435371" y="1888576"/>
-            <a:ext cx="3133725" cy="3514725"/>
-          </a:xfrm>
-          <a:prstGeom prst="rect">
-            <a:avLst/>
-          </a:prstGeom>
-        </p:spPr>
-      </p:pic>
-      <p:pic>
-        <p:nvPicPr>
-          <p:cNvPr id="5" name="Picture 4"/>
-          <p:cNvPicPr>
-            <a:picLocks noChangeAspect="1"/>
-          </p:cNvPicPr>
-          <p:nvPr/>
-        </p:nvPicPr>
-        <p:blipFill>
-          <a:blip r:embed="rId3"/>
-          <a:stretch>
-            <a:fillRect/>
-          </a:stretch>
-        </p:blipFill>
-        <p:spPr>
-          <a:xfrm>
-            <a:off x="2584069" y="1690688"/>
-            <a:ext cx="2762250" cy="2447925"/>
-          </a:xfrm>
-          <a:prstGeom prst="rect">
-            <a:avLst/>
-          </a:prstGeom>
-        </p:spPr>
-      </p:pic>
-      <p:pic>
-        <p:nvPicPr>
-          <p:cNvPr id="6" name="Picture 5"/>
-          <p:cNvPicPr>
-            <a:picLocks noChangeAspect="1"/>
-          </p:cNvPicPr>
-          <p:nvPr/>
-        </p:nvPicPr>
-        <p:blipFill>
-          <a:blip r:embed="rId4"/>
-          <a:stretch>
-            <a:fillRect/>
-          </a:stretch>
-        </p:blipFill>
-        <p:spPr>
-          <a:xfrm>
-            <a:off x="845757" y="4388137"/>
-            <a:ext cx="6238875" cy="1809750"/>
-          </a:xfrm>
-          <a:prstGeom prst="rect">
-            <a:avLst/>
-          </a:prstGeom>
-        </p:spPr>
-      </p:pic>
-    </p:spTree>
-    <p:extLst>
-      <p:ext uri="{BB962C8B-B14F-4D97-AF65-F5344CB8AC3E}">
-        <p14:creationId xmlns:p14="http://schemas.microsoft.com/office/powerpoint/2010/main" val="124256229"/>
-      </p:ext>
-    </p:extLst>
-  </p:cSld>
-  <p:clrMapOvr>
-    <a:masterClrMapping/>
-  </p:clrMapOvr>
-</p:sld>
-</file>
-
-<file path=ppt/slides/slide28.xml><?xml version="1.0" encoding="utf-8"?>
-<p:sld xmlns:a="http://schemas.openxmlformats.org/drawingml/2006/main" xmlns:r="http://schemas.openxmlformats.org/officeDocument/2006/relationships" xmlns:p="http://schemas.openxmlformats.org/presentationml/2006/main">
-  <p:cSld>
-    <p:spTree>
-      <p:nvGrpSpPr>
-        <p:cNvPr id="1" name=""/>
-        <p:cNvGrpSpPr/>
-        <p:nvPr/>
-      </p:nvGrpSpPr>
-      <p:grpSpPr>
-        <a:xfrm>
-          <a:off x="0" y="0"/>
-          <a:ext cx="0" cy="0"/>
-          <a:chOff x="0" y="0"/>
-          <a:chExt cx="0" cy="0"/>
-        </a:xfrm>
-      </p:grpSpPr>
-      <p:sp>
-        <p:nvSpPr>
-          <p:cNvPr id="2" name="Title 1"/>
-          <p:cNvSpPr>
-            <a:spLocks noGrp="1"/>
-          </p:cNvSpPr>
-          <p:nvPr>
-            <p:ph type="title"/>
-          </p:nvPr>
-        </p:nvSpPr>
-        <p:spPr/>
-        <p:txBody>
-          <a:bodyPr/>
-          <a:lstStyle/>
-          <a:p>
-            <a:r>
-              <a:rPr lang="en-US" dirty="0"/>
-              <a:t>Syslog</a:t>
-            </a:r>
-          </a:p>
-        </p:txBody>
-      </p:sp>
-      <p:sp>
-        <p:nvSpPr>
-          <p:cNvPr id="3" name="Content Placeholder 2"/>
-          <p:cNvSpPr>
-            <a:spLocks noGrp="1"/>
-          </p:cNvSpPr>
-          <p:nvPr>
-            <p:ph idx="1"/>
-          </p:nvPr>
-        </p:nvSpPr>
-        <p:spPr/>
-        <p:txBody>
-          <a:bodyPr/>
-          <a:lstStyle/>
-          <a:p>
-            <a:r>
-              <a:rPr lang="en-US" dirty="0"/>
-              <a:t>Available in Linux RT Targets</a:t>
-            </a:r>
-          </a:p>
-          <a:p>
-            <a:r>
-              <a:rPr lang="en-US" dirty="0"/>
-              <a:t>Event sent to Log:</a:t>
-            </a:r>
-          </a:p>
-          <a:p>
-            <a:pPr lvl="1"/>
-            <a:r>
-              <a:rPr lang="en-US" dirty="0"/>
-              <a:t>Initialization and shutdown of all software modules</a:t>
-            </a:r>
-          </a:p>
-          <a:p>
-            <a:pPr lvl="1"/>
-            <a:r>
-              <a:rPr lang="en-US" dirty="0"/>
-              <a:t>Any error reported to the engine</a:t>
-            </a:r>
-          </a:p>
-          <a:p>
-            <a:pPr lvl="1"/>
-            <a:r>
-              <a:rPr lang="en-US" dirty="0"/>
-              <a:t>Any module trace messages added via the API</a:t>
-            </a:r>
-          </a:p>
-          <a:p>
-            <a:endParaRPr lang="en-US" dirty="0"/>
-          </a:p>
-        </p:txBody>
-      </p:sp>
-      <p:pic>
-        <p:nvPicPr>
-          <p:cNvPr id="5" name="Picture 4"/>
-          <p:cNvPicPr>
-            <a:picLocks noChangeAspect="1"/>
-          </p:cNvPicPr>
-          <p:nvPr/>
-        </p:nvPicPr>
-        <p:blipFill>
-          <a:blip r:embed="rId2"/>
-          <a:stretch>
-            <a:fillRect/>
-          </a:stretch>
-        </p:blipFill>
-        <p:spPr>
-          <a:xfrm>
-            <a:off x="765507" y="4436698"/>
-            <a:ext cx="9376010" cy="1875202"/>
-          </a:xfrm>
-          <a:prstGeom prst="rect">
-            <a:avLst/>
-          </a:prstGeom>
-        </p:spPr>
-      </p:pic>
-    </p:spTree>
-    <p:extLst>
-      <p:ext uri="{BB962C8B-B14F-4D97-AF65-F5344CB8AC3E}">
-        <p14:creationId xmlns:p14="http://schemas.microsoft.com/office/powerpoint/2010/main" val="292420189"/>
-      </p:ext>
-    </p:extLst>
-  </p:cSld>
-  <p:clrMapOvr>
-    <a:masterClrMapping/>
-  </p:clrMapOvr>
-</p:sld>
-</file>
-
-<file path=ppt/slides/slide29.xml><?xml version="1.0" encoding="utf-8"?>
-<p:sld xmlns:a="http://schemas.openxmlformats.org/drawingml/2006/main" xmlns:r="http://schemas.openxmlformats.org/officeDocument/2006/relationships" xmlns:p="http://schemas.openxmlformats.org/presentationml/2006/main">
-  <p:cSld>
-    <p:spTree>
-      <p:nvGrpSpPr>
-        <p:cNvPr id="1" name=""/>
-        <p:cNvGrpSpPr/>
-        <p:nvPr/>
-      </p:nvGrpSpPr>
-      <p:grpSpPr>
-        <a:xfrm>
-          <a:off x="0" y="0"/>
-          <a:ext cx="0" cy="0"/>
-          <a:chOff x="0" y="0"/>
-          <a:chExt cx="0" cy="0"/>
-        </a:xfrm>
-      </p:grpSpPr>
-      <p:sp>
-        <p:nvSpPr>
-          <p:cNvPr id="2" name="Title 1"/>
-          <p:cNvSpPr>
-            <a:spLocks noGrp="1"/>
-          </p:cNvSpPr>
-          <p:nvPr>
-            <p:ph type="title"/>
-          </p:nvPr>
-        </p:nvSpPr>
-        <p:spPr/>
-        <p:txBody>
-          <a:bodyPr/>
-          <a:lstStyle/>
-          <a:p>
-            <a:r>
-              <a:rPr lang="en-US" dirty="0"/>
-              <a:t>Syslog - System Log View</a:t>
-            </a:r>
-          </a:p>
-        </p:txBody>
-      </p:sp>
-      <p:pic>
-        <p:nvPicPr>
-          <p:cNvPr id="1026" name="Picture 2" descr="wif.png"/>
-          <p:cNvPicPr>
-            <a:picLocks noGrp="1" noChangeAspect="1" noChangeArrowheads="1"/>
-          </p:cNvPicPr>
-          <p:nvPr>
-            <p:ph idx="1"/>
-          </p:nvPr>
-        </p:nvPicPr>
-        <p:blipFill>
-          <a:blip r:embed="rId2">
-            <a:extLst>
-              <a:ext uri="{28A0092B-C50C-407E-A947-70E740481C1C}">
-                <a14:useLocalDpi xmlns:a14="http://schemas.microsoft.com/office/drawing/2010/main" val="0"/>
-              </a:ext>
-            </a:extLst>
-          </a:blip>
-          <a:srcRect/>
-          <a:stretch>
-            <a:fillRect/>
-          </a:stretch>
-        </p:blipFill>
-        <p:spPr bwMode="auto">
-          <a:xfrm>
-            <a:off x="652462" y="1383412"/>
-            <a:ext cx="10887075" cy="4091176"/>
-          </a:xfrm>
-          <a:prstGeom prst="rect">
-            <a:avLst/>
-          </a:prstGeom>
-          <a:noFill/>
-          <a:extLst>
-            <a:ext uri="{909E8E84-426E-40DD-AFC4-6F175D3DCCD1}">
-              <a14:hiddenFill xmlns:a14="http://schemas.microsoft.com/office/drawing/2010/main">
-                <a:solidFill>
-                  <a:srgbClr val="FFFFFF"/>
-                </a:solidFill>
-              </a14:hiddenFill>
-            </a:ext>
-          </a:extLst>
-        </p:spPr>
-      </p:pic>
-    </p:spTree>
-    <p:extLst>
-      <p:ext uri="{BB962C8B-B14F-4D97-AF65-F5344CB8AC3E}">
-        <p14:creationId xmlns:p14="http://schemas.microsoft.com/office/powerpoint/2010/main" val="1056925072"/>
-      </p:ext>
-    </p:extLst>
-  </p:cSld>
-  <p:clrMapOvr>
-    <a:masterClrMapping/>
-  </p:clrMapOvr>
-</p:sld>
-</file>
-
-<file path=ppt/slides/slide3.xml><?xml version="1.0" encoding="utf-8"?>
-<p:sld xmlns:a="http://schemas.openxmlformats.org/drawingml/2006/main" xmlns:r="http://schemas.openxmlformats.org/officeDocument/2006/relationships" xmlns:p="http://schemas.openxmlformats.org/presentationml/2006/main">
-  <p:cSld>
-    <p:spTree>
-      <p:nvGrpSpPr>
-        <p:cNvPr id="1" name=""/>
-        <p:cNvGrpSpPr/>
-        <p:nvPr/>
-      </p:nvGrpSpPr>
-      <p:grpSpPr>
-        <a:xfrm>
-          <a:off x="0" y="0"/>
-          <a:ext cx="0" cy="0"/>
-          <a:chOff x="0" y="0"/>
-          <a:chExt cx="0" cy="0"/>
-        </a:xfrm>
-      </p:grpSpPr>
-      <p:sp>
-        <p:nvSpPr>
-          <p:cNvPr id="2" name="Title 1"/>
-          <p:cNvSpPr>
-            <a:spLocks noGrp="1"/>
-          </p:cNvSpPr>
-          <p:nvPr>
-            <p:ph type="ctrTitle"/>
-          </p:nvPr>
-        </p:nvSpPr>
-        <p:spPr/>
-        <p:txBody>
-          <a:bodyPr/>
-          <a:lstStyle/>
-          <a:p>
-            <a:r>
-              <a:rPr lang="en-US" dirty="0"/>
-              <a:t>Introduction</a:t>
-            </a:r>
-          </a:p>
-        </p:txBody>
-      </p:sp>
-      <p:sp>
-        <p:nvSpPr>
-          <p:cNvPr id="4" name="Subtitle 3"/>
-          <p:cNvSpPr>
-            <a:spLocks noGrp="1"/>
-          </p:cNvSpPr>
-          <p:nvPr>
-            <p:ph type="subTitle" idx="1"/>
-          </p:nvPr>
-        </p:nvSpPr>
-        <p:spPr/>
-        <p:txBody>
-          <a:bodyPr/>
-          <a:lstStyle/>
-          <a:p>
-            <a:endParaRPr lang="en-US"/>
-          </a:p>
-        </p:txBody>
-      </p:sp>
-      <p:sp>
-        <p:nvSpPr>
-          <p:cNvPr id="5" name="Text Placeholder 4"/>
-          <p:cNvSpPr>
-            <a:spLocks noGrp="1"/>
-          </p:cNvSpPr>
-          <p:nvPr>
-            <p:ph type="body" sz="quarter" idx="12"/>
-          </p:nvPr>
-        </p:nvSpPr>
-        <p:spPr/>
-        <p:txBody>
-          <a:bodyPr>
-            <a:normAutofit lnSpcReduction="10000"/>
-          </a:bodyPr>
-          <a:lstStyle/>
-          <a:p>
-            <a:endParaRPr lang="en-US"/>
-          </a:p>
-        </p:txBody>
-      </p:sp>
-      <p:sp>
-        <p:nvSpPr>
-          <p:cNvPr id="6" name="Text Placeholder 5"/>
-          <p:cNvSpPr>
-            <a:spLocks noGrp="1"/>
-          </p:cNvSpPr>
-          <p:nvPr>
-            <p:ph type="body" sz="quarter" idx="13"/>
-          </p:nvPr>
-        </p:nvSpPr>
-        <p:spPr/>
-        <p:txBody>
-          <a:bodyPr/>
-          <a:lstStyle/>
-          <a:p>
-            <a:endParaRPr lang="en-US"/>
-          </a:p>
-        </p:txBody>
-      </p:sp>
-    </p:spTree>
-    <p:extLst>
-      <p:ext uri="{BB962C8B-B14F-4D97-AF65-F5344CB8AC3E}">
-        <p14:creationId xmlns:p14="http://schemas.microsoft.com/office/powerpoint/2010/main" val="341266986"/>
-      </p:ext>
-    </p:extLst>
-  </p:cSld>
-  <p:clrMapOvr>
-    <a:masterClrMapping/>
-  </p:clrMapOvr>
-</p:sld>
-</file>
-
-<file path=ppt/slides/slide30.xml><?xml version="1.0" encoding="utf-8"?>
-<p:sld xmlns:a="http://schemas.openxmlformats.org/drawingml/2006/main" xmlns:r="http://schemas.openxmlformats.org/officeDocument/2006/relationships" xmlns:p="http://schemas.openxmlformats.org/presentationml/2006/main">
-  <p:cSld>
-    <p:spTree>
-      <p:nvGrpSpPr>
-        <p:cNvPr id="1" name=""/>
-        <p:cNvGrpSpPr/>
-        <p:nvPr/>
-      </p:nvGrpSpPr>
-      <p:grpSpPr>
-        <a:xfrm>
-          <a:off x="0" y="0"/>
-          <a:ext cx="0" cy="0"/>
-          <a:chOff x="0" y="0"/>
-          <a:chExt cx="0" cy="0"/>
-        </a:xfrm>
-      </p:grpSpPr>
-      <p:sp>
-        <p:nvSpPr>
-          <p:cNvPr id="2" name="Title 1"/>
-          <p:cNvSpPr>
-            <a:spLocks noGrp="1"/>
-          </p:cNvSpPr>
-          <p:nvPr>
-            <p:ph type="title"/>
-          </p:nvPr>
-        </p:nvSpPr>
-        <p:spPr/>
-        <p:txBody>
-          <a:bodyPr/>
-          <a:lstStyle/>
-          <a:p>
-            <a:r>
-              <a:rPr lang="en-US" dirty="0"/>
-              <a:t>Syslog - System Log View</a:t>
-            </a:r>
-          </a:p>
-        </p:txBody>
-      </p:sp>
-      <p:pic>
-        <p:nvPicPr>
-          <p:cNvPr id="5" name="Picture 4" descr="error.png"/>
-          <p:cNvPicPr>
-            <a:picLocks noChangeAspect="1" noChangeArrowheads="1"/>
-          </p:cNvPicPr>
-          <p:nvPr/>
-        </p:nvPicPr>
-        <p:blipFill>
-          <a:blip r:embed="rId2">
-            <a:extLst>
-              <a:ext uri="{28A0092B-C50C-407E-A947-70E740481C1C}">
-                <a14:useLocalDpi xmlns:a14="http://schemas.microsoft.com/office/drawing/2010/main" val="0"/>
-              </a:ext>
-            </a:extLst>
-          </a:blip>
-          <a:srcRect/>
-          <a:stretch>
-            <a:fillRect/>
-          </a:stretch>
-        </p:blipFill>
-        <p:spPr bwMode="auto">
-          <a:xfrm>
-            <a:off x="0" y="2333625"/>
-            <a:ext cx="12192000" cy="2190750"/>
-          </a:xfrm>
-          <a:prstGeom prst="rect">
-            <a:avLst/>
-          </a:prstGeom>
-          <a:noFill/>
-          <a:extLst>
-            <a:ext uri="{909E8E84-426E-40DD-AFC4-6F175D3DCCD1}">
-              <a14:hiddenFill xmlns:a14="http://schemas.microsoft.com/office/drawing/2010/main">
-                <a:solidFill>
-                  <a:srgbClr val="FFFFFF"/>
-                </a:solidFill>
-              </a14:hiddenFill>
-            </a:ext>
-          </a:extLst>
-        </p:spPr>
-      </p:pic>
-    </p:spTree>
-    <p:extLst>
-      <p:ext uri="{BB962C8B-B14F-4D97-AF65-F5344CB8AC3E}">
-        <p14:creationId xmlns:p14="http://schemas.microsoft.com/office/powerpoint/2010/main" val="3135684955"/>
-      </p:ext>
-    </p:extLst>
-  </p:cSld>
-  <p:clrMapOvr>
-    <a:masterClrMapping/>
-  </p:clrMapOvr>
-</p:sld>
-</file>
-
-<file path=ppt/slides/slide31.xml><?xml version="1.0" encoding="utf-8"?>
-<p:sld xmlns:a="http://schemas.openxmlformats.org/drawingml/2006/main" xmlns:r="http://schemas.openxmlformats.org/officeDocument/2006/relationships" xmlns:p="http://schemas.openxmlformats.org/presentationml/2006/main">
-  <p:cSld>
-    <p:spTree>
-      <p:nvGrpSpPr>
-        <p:cNvPr id="1" name=""/>
-        <p:cNvGrpSpPr/>
-        <p:nvPr/>
-      </p:nvGrpSpPr>
-      <p:grpSpPr>
-        <a:xfrm>
-          <a:off x="0" y="0"/>
-          <a:ext cx="0" cy="0"/>
-          <a:chOff x="0" y="0"/>
-          <a:chExt cx="0" cy="0"/>
-        </a:xfrm>
-      </p:grpSpPr>
-      <p:sp>
-        <p:nvSpPr>
-          <p:cNvPr id="2" name="Title 1">
-            <a:extLst>
-              <a:ext uri="{FF2B5EF4-FFF2-40B4-BE49-F238E27FC236}">
-                <a16:creationId xmlns:a16="http://schemas.microsoft.com/office/drawing/2014/main" id="{AABED4E5-1885-4213-AB73-5A879018F720}"/>
-              </a:ext>
-            </a:extLst>
-          </p:cNvPr>
-          <p:cNvSpPr>
-            <a:spLocks noGrp="1"/>
-          </p:cNvSpPr>
-          <p:nvPr>
-            <p:ph type="title"/>
-          </p:nvPr>
-        </p:nvSpPr>
-        <p:spPr/>
-        <p:txBody>
-          <a:bodyPr/>
-          <a:lstStyle/>
-          <a:p>
-            <a:r>
-              <a:rPr lang="en-US" dirty="0"/>
-              <a:t>Syslog</a:t>
-            </a:r>
-          </a:p>
-        </p:txBody>
-      </p:sp>
-      <p:sp>
-        <p:nvSpPr>
-          <p:cNvPr id="6" name="Content Placeholder 5">
-            <a:extLst>
-              <a:ext uri="{FF2B5EF4-FFF2-40B4-BE49-F238E27FC236}">
-                <a16:creationId xmlns:a16="http://schemas.microsoft.com/office/drawing/2014/main" id="{088F3AB2-213F-40DE-89FE-B050C108D933}"/>
-              </a:ext>
-            </a:extLst>
-          </p:cNvPr>
-          <p:cNvSpPr>
-            <a:spLocks noGrp="1"/>
-          </p:cNvSpPr>
-          <p:nvPr>
-            <p:ph sz="half" idx="1"/>
-          </p:nvPr>
-        </p:nvSpPr>
-        <p:spPr/>
-        <p:txBody>
-          <a:bodyPr/>
-          <a:lstStyle/>
-          <a:p>
-            <a:r>
-              <a:rPr lang="en-US" dirty="0"/>
-              <a:t>NI Linux RT targets </a:t>
-            </a:r>
-            <a:r>
-              <a:rPr lang="en-US" b="1" dirty="0"/>
-              <a:t>already have </a:t>
-            </a:r>
-            <a:r>
-              <a:rPr lang="en-US" dirty="0"/>
-              <a:t>a syslog-ng daemon running</a:t>
-            </a:r>
-          </a:p>
-          <a:p>
-            <a:r>
-              <a:rPr lang="en-US" dirty="0"/>
-              <a:t>DCAF taps into the existing background process to log and report messages</a:t>
-            </a:r>
-          </a:p>
-          <a:p>
-            <a:r>
-              <a:rPr lang="en-US" dirty="0"/>
-              <a:t>You can, too!</a:t>
-            </a:r>
-          </a:p>
-        </p:txBody>
-      </p:sp>
-      <p:pic>
-        <p:nvPicPr>
-          <p:cNvPr id="7" name="Picture 6">
-            <a:extLst>
-              <a:ext uri="{FF2B5EF4-FFF2-40B4-BE49-F238E27FC236}">
-                <a16:creationId xmlns:a16="http://schemas.microsoft.com/office/drawing/2014/main" id="{34BA4BC9-2EE0-464D-913D-5FCABF71CEC1}"/>
-              </a:ext>
-            </a:extLst>
-          </p:cNvPr>
-          <p:cNvPicPr>
-            <a:picLocks noChangeAspect="1"/>
-          </p:cNvPicPr>
-          <p:nvPr/>
-        </p:nvPicPr>
-        <p:blipFill>
-          <a:blip r:embed="rId3"/>
-          <a:stretch>
-            <a:fillRect/>
-          </a:stretch>
-        </p:blipFill>
-        <p:spPr>
-          <a:xfrm>
-            <a:off x="6172200" y="1143122"/>
-            <a:ext cx="5930747" cy="4571755"/>
-          </a:xfrm>
-          <a:prstGeom prst="rect">
-            <a:avLst/>
-          </a:prstGeom>
-        </p:spPr>
-      </p:pic>
-    </p:spTree>
-    <p:extLst>
-      <p:ext uri="{BB962C8B-B14F-4D97-AF65-F5344CB8AC3E}">
-        <p14:creationId xmlns:p14="http://schemas.microsoft.com/office/powerpoint/2010/main" val="2600151340"/>
-      </p:ext>
-    </p:extLst>
-  </p:cSld>
-  <p:clrMapOvr>
-    <a:masterClrMapping/>
-  </p:clrMapOvr>
-</p:sld>
-</file>
-
-<file path=ppt/slides/slide32.xml><?xml version="1.0" encoding="utf-8"?>
 <p:sld xmlns:a="http://schemas.openxmlformats.org/drawingml/2006/main" xmlns:r="http://schemas.openxmlformats.org/officeDocument/2006/relationships" xmlns:p="http://schemas.openxmlformats.org/presentationml/2006/main">
   <p:cSld>
     <p:spTree>
@@ -21749,6 +21440,117 @@
     <p:extLst>
       <p:ext uri="{BB962C8B-B14F-4D97-AF65-F5344CB8AC3E}">
         <p14:creationId xmlns:p14="http://schemas.microsoft.com/office/powerpoint/2010/main" val="4193203533"/>
+      </p:ext>
+    </p:extLst>
+  </p:cSld>
+  <p:clrMapOvr>
+    <a:masterClrMapping/>
+  </p:clrMapOvr>
+</p:sld>
+</file>
+
+<file path=ppt/slides/slide3.xml><?xml version="1.0" encoding="utf-8"?>
+<p:sld xmlns:a="http://schemas.openxmlformats.org/drawingml/2006/main" xmlns:r="http://schemas.openxmlformats.org/officeDocument/2006/relationships" xmlns:p="http://schemas.openxmlformats.org/presentationml/2006/main">
+  <p:cSld>
+    <p:spTree>
+      <p:nvGrpSpPr>
+        <p:cNvPr id="1" name=""/>
+        <p:cNvGrpSpPr/>
+        <p:nvPr/>
+      </p:nvGrpSpPr>
+      <p:grpSpPr>
+        <a:xfrm>
+          <a:off x="0" y="0"/>
+          <a:ext cx="0" cy="0"/>
+          <a:chOff x="0" y="0"/>
+          <a:chExt cx="0" cy="0"/>
+        </a:xfrm>
+      </p:grpSpPr>
+      <p:sp>
+        <p:nvSpPr>
+          <p:cNvPr id="2" name="Title 1"/>
+          <p:cNvSpPr>
+            <a:spLocks noGrp="1"/>
+          </p:cNvSpPr>
+          <p:nvPr>
+            <p:ph type="ctrTitle"/>
+          </p:nvPr>
+        </p:nvSpPr>
+        <p:spPr/>
+        <p:txBody>
+          <a:bodyPr/>
+          <a:lstStyle/>
+          <a:p>
+            <a:r>
+              <a:rPr lang="en-US" dirty="0"/>
+              <a:t>Introduction</a:t>
+            </a:r>
+          </a:p>
+        </p:txBody>
+      </p:sp>
+      <p:sp>
+        <p:nvSpPr>
+          <p:cNvPr id="4" name="Subtitle 3"/>
+          <p:cNvSpPr>
+            <a:spLocks noGrp="1"/>
+          </p:cNvSpPr>
+          <p:nvPr>
+            <p:ph type="subTitle" idx="1"/>
+          </p:nvPr>
+        </p:nvSpPr>
+        <p:spPr/>
+        <p:txBody>
+          <a:bodyPr/>
+          <a:lstStyle/>
+          <a:p>
+            <a:endParaRPr lang="en-US"/>
+          </a:p>
+        </p:txBody>
+      </p:sp>
+      <p:sp>
+        <p:nvSpPr>
+          <p:cNvPr id="5" name="Text Placeholder 4"/>
+          <p:cNvSpPr>
+            <a:spLocks noGrp="1"/>
+          </p:cNvSpPr>
+          <p:nvPr>
+            <p:ph type="body" sz="quarter" idx="12"/>
+          </p:nvPr>
+        </p:nvSpPr>
+        <p:spPr/>
+        <p:txBody>
+          <a:bodyPr>
+            <a:normAutofit lnSpcReduction="10000"/>
+          </a:bodyPr>
+          <a:lstStyle/>
+          <a:p>
+            <a:endParaRPr lang="en-US"/>
+          </a:p>
+        </p:txBody>
+      </p:sp>
+      <p:sp>
+        <p:nvSpPr>
+          <p:cNvPr id="6" name="Text Placeholder 5"/>
+          <p:cNvSpPr>
+            <a:spLocks noGrp="1"/>
+          </p:cNvSpPr>
+          <p:nvPr>
+            <p:ph type="body" sz="quarter" idx="13"/>
+          </p:nvPr>
+        </p:nvSpPr>
+        <p:spPr/>
+        <p:txBody>
+          <a:bodyPr/>
+          <a:lstStyle/>
+          <a:p>
+            <a:endParaRPr lang="en-US"/>
+          </a:p>
+        </p:txBody>
+      </p:sp>
+    </p:spTree>
+    <p:extLst>
+      <p:ext uri="{BB962C8B-B14F-4D97-AF65-F5344CB8AC3E}">
+        <p14:creationId xmlns:p14="http://schemas.microsoft.com/office/powerpoint/2010/main" val="341266986"/>
       </p:ext>
     </p:extLst>
   </p:cSld>
@@ -23667,7 +23469,7 @@
 </file>
 
 <file path=ppt/slides/slide7.xml><?xml version="1.0" encoding="utf-8"?>
-<p:sld xmlns:a="http://schemas.openxmlformats.org/drawingml/2006/main" xmlns:r="http://schemas.openxmlformats.org/officeDocument/2006/relationships" xmlns:p="http://schemas.openxmlformats.org/presentationml/2006/main">
+<p:sld xmlns:a="http://schemas.openxmlformats.org/drawingml/2006/main" xmlns:r="http://schemas.openxmlformats.org/officeDocument/2006/relationships" xmlns:p="http://schemas.openxmlformats.org/presentationml/2006/main" show="0">
   <p:cSld>
     <p:spTree>
       <p:nvGrpSpPr>
@@ -23721,12 +23523,16 @@
           <p:cNvPr id="17" name="Diagram 16"/>
           <p:cNvGraphicFramePr/>
           <p:nvPr>
-            <p:extLst/>
+            <p:extLst>
+              <p:ext uri="{D42A27DB-BD31-4B8C-83A1-F6EECF244321}">
+                <p14:modId xmlns:p14="http://schemas.microsoft.com/office/powerpoint/2010/main" val="4227079446"/>
+              </p:ext>
+            </p:extLst>
           </p:nvPr>
         </p:nvGraphicFramePr>
         <p:xfrm>
-          <a:off x="-600364" y="1005993"/>
-          <a:ext cx="8128000" cy="5418667"/>
+          <a:off x="0" y="1469506"/>
+          <a:ext cx="6363853" cy="4332624"/>
         </p:xfrm>
         <a:graphic>
           <a:graphicData uri="http://schemas.openxmlformats.org/drawingml/2006/diagram">
@@ -23982,13 +23788,13 @@
   <p:clrMapOvr>
     <a:masterClrMapping/>
   </p:clrMapOvr>
-  <mc:AlternateContent xmlns:mc="http://schemas.openxmlformats.org/markup-compatibility/2006" xmlns:p14="http://schemas.microsoft.com/office/powerpoint/2010/main">
-    <mc:Choice Requires="p14">
+  <mc:AlternateContent xmlns:mc="http://schemas.openxmlformats.org/markup-compatibility/2006">
+    <mc:Choice xmlns:p14="http://schemas.microsoft.com/office/powerpoint/2010/main" Requires="p14">
       <p:transition spd="med" p14:dur="700">
         <p:fade/>
       </p:transition>
     </mc:Choice>
-    <mc:Fallback xmlns="">
+    <mc:Fallback>
       <p:transition spd="med">
         <p:fade/>
       </p:transition>
@@ -24133,8 +23939,8 @@
         </p:nvSpPr>
         <p:spPr>
           <a:xfrm>
-            <a:off x="2512267" y="1328421"/>
-            <a:ext cx="4293785" cy="3866523"/>
+            <a:off x="2512267" y="2201252"/>
+            <a:ext cx="4114800" cy="3886200"/>
           </a:xfrm>
           <a:prstGeom prst="roundRect">
             <a:avLst/>
@@ -24194,8 +24000,8 @@
         </p:nvSpPr>
         <p:spPr>
           <a:xfrm>
-            <a:off x="7363027" y="1221308"/>
-            <a:ext cx="4324635" cy="4073998"/>
+            <a:off x="7363027" y="2094140"/>
+            <a:ext cx="4114800" cy="3886200"/>
           </a:xfrm>
           <a:prstGeom prst="roundRect">
             <a:avLst/>
@@ -24277,7 +24083,7 @@
         </p:nvSpPr>
         <p:spPr>
           <a:xfrm>
-            <a:off x="8003690" y="2294068"/>
+            <a:off x="7847031" y="3166900"/>
             <a:ext cx="3146791" cy="745436"/>
           </a:xfrm>
           <a:prstGeom prst="roundRect">
@@ -24335,8 +24141,8 @@
         </p:nvSpPr>
         <p:spPr>
           <a:xfrm>
-            <a:off x="3069242" y="2306098"/>
-            <a:ext cx="3040298" cy="771787"/>
+            <a:off x="2975797" y="3166900"/>
+            <a:ext cx="3040298" cy="771788"/>
           </a:xfrm>
           <a:prstGeom prst="roundRect">
             <a:avLst/>
@@ -24393,8 +24199,8 @@
         </p:nvSpPr>
         <p:spPr>
           <a:xfrm>
-            <a:off x="3069242" y="3549541"/>
-            <a:ext cx="8081239" cy="771787"/>
+            <a:off x="2912583" y="4398296"/>
+            <a:ext cx="8081239" cy="771788"/>
           </a:xfrm>
           <a:prstGeom prst="roundRect">
             <a:avLst/>
@@ -24455,7 +24261,7 @@
         </p:nvSpPr>
         <p:spPr>
           <a:xfrm>
-            <a:off x="138742" y="2294068"/>
+            <a:off x="138742" y="3166900"/>
             <a:ext cx="1836344" cy="745436"/>
           </a:xfrm>
           <a:prstGeom prst="roundRect">
@@ -24519,8 +24325,8 @@
         </p:nvSpPr>
         <p:spPr>
           <a:xfrm>
-            <a:off x="114954" y="3549540"/>
-            <a:ext cx="1840338" cy="771787"/>
+            <a:off x="114954" y="4422371"/>
+            <a:ext cx="1840338" cy="771788"/>
           </a:xfrm>
           <a:prstGeom prst="roundRect">
             <a:avLst/>

--- a/Trunk/Getting Started Material/DCAF Training/1 Introduction to DCAF.pptx
+++ b/Trunk/Getting Started Material/DCAF Training/1 Introduction to DCAF.pptx
@@ -8361,7 +8361,7 @@
           <a:p>
             <a:fld id="{A8975C80-FF7F-4140-B105-CF3FA3859277}" type="datetimeFigureOut">
               <a:rPr lang="en-US" smtClean="0"/>
-              <a:t>2018-06-12</a:t>
+              <a:t>2018-06-14</a:t>
             </a:fld>
             <a:endParaRPr lang="en-US"/>
           </a:p>
@@ -10568,7 +10568,7 @@
           <a:p>
             <a:fld id="{1EAA415B-8007-489A-BDE4-6C1DCF92BB48}" type="datetimeFigureOut">
               <a:rPr lang="en-US" smtClean="0"/>
-              <a:t>2018-06-12</a:t>
+              <a:t>2018-06-14</a:t>
             </a:fld>
             <a:endParaRPr lang="en-US"/>
           </a:p>
@@ -10766,7 +10766,7 @@
           <a:p>
             <a:fld id="{1EAA415B-8007-489A-BDE4-6C1DCF92BB48}" type="datetimeFigureOut">
               <a:rPr lang="en-US" smtClean="0"/>
-              <a:t>2018-06-12</a:t>
+              <a:t>2018-06-14</a:t>
             </a:fld>
             <a:endParaRPr lang="en-US"/>
           </a:p>
@@ -10974,7 +10974,7 @@
           <a:p>
             <a:fld id="{1EAA415B-8007-489A-BDE4-6C1DCF92BB48}" type="datetimeFigureOut">
               <a:rPr lang="en-US" smtClean="0"/>
-              <a:t>2018-06-12</a:t>
+              <a:t>2018-06-14</a:t>
             </a:fld>
             <a:endParaRPr lang="en-US"/>
           </a:p>
@@ -12698,7 +12698,7 @@
           <a:p>
             <a:fld id="{1EAA415B-8007-489A-BDE4-6C1DCF92BB48}" type="datetimeFigureOut">
               <a:rPr lang="en-US" smtClean="0"/>
-              <a:t>2018-06-12</a:t>
+              <a:t>2018-06-14</a:t>
             </a:fld>
             <a:endParaRPr lang="en-US"/>
           </a:p>
@@ -12973,7 +12973,7 @@
           <a:p>
             <a:fld id="{1EAA415B-8007-489A-BDE4-6C1DCF92BB48}" type="datetimeFigureOut">
               <a:rPr lang="en-US" smtClean="0"/>
-              <a:t>2018-06-12</a:t>
+              <a:t>2018-06-14</a:t>
             </a:fld>
             <a:endParaRPr lang="en-US"/>
           </a:p>
@@ -13238,7 +13238,7 @@
           <a:p>
             <a:fld id="{1EAA415B-8007-489A-BDE4-6C1DCF92BB48}" type="datetimeFigureOut">
               <a:rPr lang="en-US" smtClean="0"/>
-              <a:t>2018-06-12</a:t>
+              <a:t>2018-06-14</a:t>
             </a:fld>
             <a:endParaRPr lang="en-US"/>
           </a:p>
@@ -13650,7 +13650,7 @@
           <a:p>
             <a:fld id="{1EAA415B-8007-489A-BDE4-6C1DCF92BB48}" type="datetimeFigureOut">
               <a:rPr lang="en-US" smtClean="0"/>
-              <a:t>2018-06-12</a:t>
+              <a:t>2018-06-14</a:t>
             </a:fld>
             <a:endParaRPr lang="en-US"/>
           </a:p>
@@ -13791,7 +13791,7 @@
           <a:p>
             <a:fld id="{1EAA415B-8007-489A-BDE4-6C1DCF92BB48}" type="datetimeFigureOut">
               <a:rPr lang="en-US" smtClean="0"/>
-              <a:t>2018-06-12</a:t>
+              <a:t>2018-06-14</a:t>
             </a:fld>
             <a:endParaRPr lang="en-US"/>
           </a:p>
@@ -13904,7 +13904,7 @@
           <a:p>
             <a:fld id="{1EAA415B-8007-489A-BDE4-6C1DCF92BB48}" type="datetimeFigureOut">
               <a:rPr lang="en-US" smtClean="0"/>
-              <a:t>2018-06-12</a:t>
+              <a:t>2018-06-14</a:t>
             </a:fld>
             <a:endParaRPr lang="en-US"/>
           </a:p>
@@ -14215,7 +14215,7 @@
           <a:p>
             <a:fld id="{1EAA415B-8007-489A-BDE4-6C1DCF92BB48}" type="datetimeFigureOut">
               <a:rPr lang="en-US" smtClean="0"/>
-              <a:t>2018-06-12</a:t>
+              <a:t>2018-06-14</a:t>
             </a:fld>
             <a:endParaRPr lang="en-US"/>
           </a:p>
@@ -14503,7 +14503,7 @@
           <a:p>
             <a:fld id="{1EAA415B-8007-489A-BDE4-6C1DCF92BB48}" type="datetimeFigureOut">
               <a:rPr lang="en-US" smtClean="0"/>
-              <a:t>2018-06-12</a:t>
+              <a:t>2018-06-14</a:t>
             </a:fld>
             <a:endParaRPr lang="en-US"/>
           </a:p>
@@ -14744,7 +14744,7 @@
           <a:p>
             <a:fld id="{1EAA415B-8007-489A-BDE4-6C1DCF92BB48}" type="datetimeFigureOut">
               <a:rPr lang="en-US" smtClean="0"/>
-              <a:t>2018-06-12</a:t>
+              <a:t>2018-06-14</a:t>
             </a:fld>
             <a:endParaRPr lang="en-US"/>
           </a:p>
@@ -15229,7 +15229,15 @@
           <a:p>
             <a:r>
               <a:rPr lang="en-US" dirty="0"/>
-              <a:t>Benjamin Celis, Mathew Pollock, Simon Perez</a:t>
+              <a:t>Benjamin </a:t>
+            </a:r>
+            <a:r>
+              <a:rPr lang="en-US" dirty="0" err="1"/>
+              <a:t>Celis</a:t>
+            </a:r>
+            <a:r>
+              <a:rPr lang="en-US" dirty="0"/>
+              <a:t>, Mathew Pollock, Simon Perez</a:t>
             </a:r>
           </a:p>
         </p:txBody>
@@ -23788,13 +23796,13 @@
   <p:clrMapOvr>
     <a:masterClrMapping/>
   </p:clrMapOvr>
-  <mc:AlternateContent xmlns:mc="http://schemas.openxmlformats.org/markup-compatibility/2006">
-    <mc:Choice xmlns:p14="http://schemas.microsoft.com/office/powerpoint/2010/main" Requires="p14">
+  <mc:AlternateContent xmlns:mc="http://schemas.openxmlformats.org/markup-compatibility/2006" xmlns:p14="http://schemas.microsoft.com/office/powerpoint/2010/main">
+    <mc:Choice Requires="p14">
       <p:transition spd="med" p14:dur="700">
         <p:fade/>
       </p:transition>
     </mc:Choice>
-    <mc:Fallback>
+    <mc:Fallback xmlns="">
       <p:transition spd="med">
         <p:fade/>
       </p:transition>

--- a/Trunk/Getting Started Material/DCAF Training/1 Introduction to DCAF.pptx
+++ b/Trunk/Getting Started Material/DCAF Training/1 Introduction to DCAF.pptx
@@ -5,7 +5,7 @@
     <p:sldMasterId id="2147483648" r:id="rId1"/>
   </p:sldMasterIdLst>
   <p:notesMasterIdLst>
-    <p:notesMasterId r:id="rId29"/>
+    <p:notesMasterId r:id="rId31"/>
   </p:notesMasterIdLst>
   <p:sldIdLst>
     <p:sldId id="259" r:id="rId2"/>
@@ -17,24 +17,26 @@
     <p:sldId id="292" r:id="rId8"/>
     <p:sldId id="361" r:id="rId9"/>
     <p:sldId id="363" r:id="rId10"/>
-    <p:sldId id="318" r:id="rId11"/>
-    <p:sldId id="338" r:id="rId12"/>
-    <p:sldId id="337" r:id="rId13"/>
-    <p:sldId id="294" r:id="rId14"/>
-    <p:sldId id="265" r:id="rId15"/>
-    <p:sldId id="281" r:id="rId16"/>
-    <p:sldId id="357" r:id="rId17"/>
-    <p:sldId id="364" r:id="rId18"/>
-    <p:sldId id="341" r:id="rId19"/>
-    <p:sldId id="340" r:id="rId20"/>
-    <p:sldId id="347" r:id="rId21"/>
-    <p:sldId id="271" r:id="rId22"/>
-    <p:sldId id="362" r:id="rId23"/>
-    <p:sldId id="291" r:id="rId24"/>
-    <p:sldId id="300" r:id="rId25"/>
-    <p:sldId id="293" r:id="rId26"/>
-    <p:sldId id="278" r:id="rId27"/>
-    <p:sldId id="286" r:id="rId28"/>
+    <p:sldId id="366" r:id="rId11"/>
+    <p:sldId id="318" r:id="rId12"/>
+    <p:sldId id="338" r:id="rId13"/>
+    <p:sldId id="337" r:id="rId14"/>
+    <p:sldId id="294" r:id="rId15"/>
+    <p:sldId id="319" r:id="rId16"/>
+    <p:sldId id="281" r:id="rId17"/>
+    <p:sldId id="357" r:id="rId18"/>
+    <p:sldId id="364" r:id="rId19"/>
+    <p:sldId id="341" r:id="rId20"/>
+    <p:sldId id="340" r:id="rId21"/>
+    <p:sldId id="347" r:id="rId22"/>
+    <p:sldId id="271" r:id="rId23"/>
+    <p:sldId id="362" r:id="rId24"/>
+    <p:sldId id="291" r:id="rId25"/>
+    <p:sldId id="300" r:id="rId26"/>
+    <p:sldId id="293" r:id="rId27"/>
+    <p:sldId id="278" r:id="rId28"/>
+    <p:sldId id="365" r:id="rId29"/>
+    <p:sldId id="286" r:id="rId30"/>
   </p:sldIdLst>
   <p:sldSz cx="12192000" cy="6858000"/>
   <p:notesSz cx="6858000" cy="9144000"/>
@@ -8361,7 +8363,7 @@
           <a:p>
             <a:fld id="{A8975C80-FF7F-4140-B105-CF3FA3859277}" type="datetimeFigureOut">
               <a:rPr lang="en-US" smtClean="0"/>
-              <a:t>2018-06-14</a:t>
+              <a:t>2018-06-18</a:t>
             </a:fld>
             <a:endParaRPr lang="en-US"/>
           </a:p>
@@ -9025,7 +9027,7 @@
                 </a:solidFill>
               </a:rPr>
               <a:pPr/>
-              <a:t>15</a:t>
+              <a:t>16</a:t>
             </a:fld>
             <a:endParaRPr lang="en-US" dirty="0">
               <a:solidFill>
@@ -9181,7 +9183,7 @@
           <a:p>
             <a:fld id="{851B3976-BA5C-4172-B420-FFE6D6004C76}" type="slidenum">
               <a:rPr lang="en-US" smtClean="0"/>
-              <a:t>17</a:t>
+              <a:t>18</a:t>
             </a:fld>
             <a:endParaRPr lang="en-US" dirty="0"/>
           </a:p>
@@ -9292,7 +9294,7 @@
           <a:p>
             <a:fld id="{851B3976-BA5C-4172-B420-FFE6D6004C76}" type="slidenum">
               <a:rPr lang="en-US" smtClean="0"/>
-              <a:t>20</a:t>
+              <a:t>21</a:t>
             </a:fld>
             <a:endParaRPr lang="en-US" dirty="0"/>
           </a:p>
@@ -9376,7 +9378,7 @@
           <a:p>
             <a:fld id="{E78E71CD-9786-4621-AA97-B53C62C3E534}" type="slidenum">
               <a:rPr lang="en-US" smtClean="0"/>
-              <a:t>22</a:t>
+              <a:t>23</a:t>
             </a:fld>
             <a:endParaRPr lang="en-US"/>
           </a:p>
@@ -9468,7 +9470,7 @@
           <a:p>
             <a:fld id="{15F80049-26F3-4D89-A0B2-4E12138F92A1}" type="slidenum">
               <a:rPr lang="en-US" smtClean="0"/>
-              <a:t>23</a:t>
+              <a:t>24</a:t>
             </a:fld>
             <a:endParaRPr lang="en-US"/>
           </a:p>
@@ -9569,7 +9571,7 @@
           <a:p>
             <a:fld id="{29B424A6-7593-2C46-9CCA-8596FB18DBBE}" type="slidenum">
               <a:rPr lang="en-US" smtClean="0"/>
-              <a:t>26</a:t>
+              <a:t>27</a:t>
             </a:fld>
             <a:endParaRPr lang="en-US"/>
           </a:p>
@@ -9579,6 +9581,90 @@
     <p:extLst>
       <p:ext uri="{BB962C8B-B14F-4D97-AF65-F5344CB8AC3E}">
         <p14:creationId xmlns:p14="http://schemas.microsoft.com/office/powerpoint/2010/main" val="3113426830"/>
+      </p:ext>
+    </p:extLst>
+  </p:cSld>
+  <p:clrMapOvr>
+    <a:masterClrMapping/>
+  </p:clrMapOvr>
+</p:notes>
+</file>
+
+<file path=ppt/notesSlides/notesSlide16.xml><?xml version="1.0" encoding="utf-8"?>
+<p:notes xmlns:a="http://schemas.openxmlformats.org/drawingml/2006/main" xmlns:r="http://schemas.openxmlformats.org/officeDocument/2006/relationships" xmlns:p="http://schemas.openxmlformats.org/presentationml/2006/main">
+  <p:cSld>
+    <p:spTree>
+      <p:nvGrpSpPr>
+        <p:cNvPr id="1" name=""/>
+        <p:cNvGrpSpPr/>
+        <p:nvPr/>
+      </p:nvGrpSpPr>
+      <p:grpSpPr>
+        <a:xfrm>
+          <a:off x="0" y="0"/>
+          <a:ext cx="0" cy="0"/>
+          <a:chOff x="0" y="0"/>
+          <a:chExt cx="0" cy="0"/>
+        </a:xfrm>
+      </p:grpSpPr>
+      <p:sp>
+        <p:nvSpPr>
+          <p:cNvPr id="2" name="Slide Image Placeholder 1"/>
+          <p:cNvSpPr>
+            <a:spLocks noGrp="1" noRot="1" noChangeAspect="1"/>
+          </p:cNvSpPr>
+          <p:nvPr>
+            <p:ph type="sldImg"/>
+          </p:nvPr>
+        </p:nvSpPr>
+        <p:spPr/>
+      </p:sp>
+      <p:sp>
+        <p:nvSpPr>
+          <p:cNvPr id="3" name="Notes Placeholder 2"/>
+          <p:cNvSpPr>
+            <a:spLocks noGrp="1"/>
+          </p:cNvSpPr>
+          <p:nvPr>
+            <p:ph type="body" idx="1"/>
+          </p:nvPr>
+        </p:nvSpPr>
+        <p:spPr/>
+        <p:txBody>
+          <a:bodyPr/>
+          <a:lstStyle/>
+          <a:p>
+            <a:endParaRPr lang="en-US" dirty="0"/>
+          </a:p>
+        </p:txBody>
+      </p:sp>
+      <p:sp>
+        <p:nvSpPr>
+          <p:cNvPr id="4" name="Slide Number Placeholder 3"/>
+          <p:cNvSpPr>
+            <a:spLocks noGrp="1"/>
+          </p:cNvSpPr>
+          <p:nvPr>
+            <p:ph type="sldNum" sz="quarter" idx="10"/>
+          </p:nvPr>
+        </p:nvSpPr>
+        <p:spPr/>
+        <p:txBody>
+          <a:bodyPr/>
+          <a:lstStyle/>
+          <a:p>
+            <a:fld id="{E78E71CD-9786-4621-AA97-B53C62C3E534}" type="slidenum">
+              <a:rPr lang="en-US" smtClean="0"/>
+              <a:t>28</a:t>
+            </a:fld>
+            <a:endParaRPr lang="en-US"/>
+          </a:p>
+        </p:txBody>
+      </p:sp>
+    </p:spTree>
+    <p:extLst>
+      <p:ext uri="{BB962C8B-B14F-4D97-AF65-F5344CB8AC3E}">
+        <p14:creationId xmlns:p14="http://schemas.microsoft.com/office/powerpoint/2010/main" val="1434744202"/>
       </p:ext>
     </p:extLst>
   </p:cSld>
@@ -10030,18 +10116,18 @@
           <a:bodyPr/>
           <a:lstStyle/>
           <a:p>
-            <a:fld id="{851B3976-BA5C-4172-B420-FFE6D6004C76}" type="slidenum">
+            <a:fld id="{E78E71CD-9786-4621-AA97-B53C62C3E534}" type="slidenum">
               <a:rPr lang="en-US" smtClean="0"/>
               <a:t>10</a:t>
             </a:fld>
-            <a:endParaRPr lang="en-US" dirty="0"/>
+            <a:endParaRPr lang="en-US"/>
           </a:p>
         </p:txBody>
       </p:sp>
     </p:spTree>
     <p:extLst>
       <p:ext uri="{BB962C8B-B14F-4D97-AF65-F5344CB8AC3E}">
-        <p14:creationId xmlns:p14="http://schemas.microsoft.com/office/powerpoint/2010/main" val="3223315796"/>
+        <p14:creationId xmlns:p14="http://schemas.microsoft.com/office/powerpoint/2010/main" val="3498388985"/>
       </p:ext>
     </p:extLst>
   </p:cSld>
@@ -10125,7 +10211,7 @@
     </p:spTree>
     <p:extLst>
       <p:ext uri="{BB962C8B-B14F-4D97-AF65-F5344CB8AC3E}">
-        <p14:creationId xmlns:p14="http://schemas.microsoft.com/office/powerpoint/2010/main" val="818992878"/>
+        <p14:creationId xmlns:p14="http://schemas.microsoft.com/office/powerpoint/2010/main" val="3223315796"/>
       </p:ext>
     </p:extLst>
   </p:cSld>
@@ -10209,7 +10295,7 @@
     </p:spTree>
     <p:extLst>
       <p:ext uri="{BB962C8B-B14F-4D97-AF65-F5344CB8AC3E}">
-        <p14:creationId xmlns:p14="http://schemas.microsoft.com/office/powerpoint/2010/main" val="1343741771"/>
+        <p14:creationId xmlns:p14="http://schemas.microsoft.com/office/powerpoint/2010/main" val="818992878"/>
       </p:ext>
     </p:extLst>
   </p:cSld>
@@ -10282,18 +10368,18 @@
           <a:bodyPr/>
           <a:lstStyle/>
           <a:p>
-            <a:fld id="{E78E71CD-9786-4621-AA97-B53C62C3E534}" type="slidenum">
+            <a:fld id="{851B3976-BA5C-4172-B420-FFE6D6004C76}" type="slidenum">
               <a:rPr lang="en-US" smtClean="0"/>
               <a:t>13</a:t>
             </a:fld>
-            <a:endParaRPr lang="en-US"/>
+            <a:endParaRPr lang="en-US" dirty="0"/>
           </a:p>
         </p:txBody>
       </p:sp>
     </p:spTree>
     <p:extLst>
       <p:ext uri="{BB962C8B-B14F-4D97-AF65-F5344CB8AC3E}">
-        <p14:creationId xmlns:p14="http://schemas.microsoft.com/office/powerpoint/2010/main" val="258678966"/>
+        <p14:creationId xmlns:p14="http://schemas.microsoft.com/office/powerpoint/2010/main" val="1343741771"/>
       </p:ext>
     </p:extLst>
   </p:cSld>
@@ -10347,41 +10433,7 @@
           <a:bodyPr/>
           <a:lstStyle/>
           <a:p>
-            <a:pPr marL="0" marR="0" lvl="0" indent="0" algn="l" defTabSz="914400" rtl="0" eaLnBrk="1" fontAlgn="auto" latinLnBrk="0" hangingPunct="1">
-              <a:lnSpc>
-                <a:spcPct val="100000"/>
-              </a:lnSpc>
-              <a:spcBef>
-                <a:spcPts val="0"/>
-              </a:spcBef>
-              <a:spcAft>
-                <a:spcPts val="0"/>
-              </a:spcAft>
-              <a:buClrTx/>
-              <a:buSzTx/>
-              <a:buFontTx/>
-              <a:buNone/>
-              <a:tabLst/>
-              <a:defRPr/>
-            </a:pPr>
-            <a:r>
-              <a:rPr lang="en-US" dirty="0"/>
-              <a:t>From </a:t>
-            </a:r>
-            <a:r>
-              <a:rPr lang="en-US" dirty="0" err="1"/>
-              <a:t>DevGuide</a:t>
-            </a:r>
             <a:endParaRPr lang="en-US" dirty="0"/>
-          </a:p>
-          <a:p>
-            <a:endParaRPr lang="en-US" dirty="0"/>
-          </a:p>
-          <a:p>
-            <a:r>
-              <a:rPr lang="en-US" dirty="0"/>
-              <a:t>The modules contain Input, Process, and Output methods that are sequentially called by the engine in the main loop, as well as Init and Close methods that are called once – how this happens is discussed further in the engine section.</a:t>
-            </a:r>
           </a:p>
         </p:txBody>
       </p:sp>
@@ -10411,7 +10463,7 @@
     </p:spTree>
     <p:extLst>
       <p:ext uri="{BB962C8B-B14F-4D97-AF65-F5344CB8AC3E}">
-        <p14:creationId xmlns:p14="http://schemas.microsoft.com/office/powerpoint/2010/main" val="2005954355"/>
+        <p14:creationId xmlns:p14="http://schemas.microsoft.com/office/powerpoint/2010/main" val="258678966"/>
       </p:ext>
     </p:extLst>
   </p:cSld>
@@ -10568,7 +10620,7 @@
           <a:p>
             <a:fld id="{1EAA415B-8007-489A-BDE4-6C1DCF92BB48}" type="datetimeFigureOut">
               <a:rPr lang="en-US" smtClean="0"/>
-              <a:t>2018-06-14</a:t>
+              <a:t>2018-06-18</a:t>
             </a:fld>
             <a:endParaRPr lang="en-US"/>
           </a:p>
@@ -10766,7 +10818,7 @@
           <a:p>
             <a:fld id="{1EAA415B-8007-489A-BDE4-6C1DCF92BB48}" type="datetimeFigureOut">
               <a:rPr lang="en-US" smtClean="0"/>
-              <a:t>2018-06-14</a:t>
+              <a:t>2018-06-18</a:t>
             </a:fld>
             <a:endParaRPr lang="en-US"/>
           </a:p>
@@ -10974,7 +11026,7 @@
           <a:p>
             <a:fld id="{1EAA415B-8007-489A-BDE4-6C1DCF92BB48}" type="datetimeFigureOut">
               <a:rPr lang="en-US" smtClean="0"/>
-              <a:t>2018-06-14</a:t>
+              <a:t>2018-06-18</a:t>
             </a:fld>
             <a:endParaRPr lang="en-US"/>
           </a:p>
@@ -12698,7 +12750,7 @@
           <a:p>
             <a:fld id="{1EAA415B-8007-489A-BDE4-6C1DCF92BB48}" type="datetimeFigureOut">
               <a:rPr lang="en-US" smtClean="0"/>
-              <a:t>2018-06-14</a:t>
+              <a:t>2018-06-18</a:t>
             </a:fld>
             <a:endParaRPr lang="en-US"/>
           </a:p>
@@ -12973,7 +13025,7 @@
           <a:p>
             <a:fld id="{1EAA415B-8007-489A-BDE4-6C1DCF92BB48}" type="datetimeFigureOut">
               <a:rPr lang="en-US" smtClean="0"/>
-              <a:t>2018-06-14</a:t>
+              <a:t>2018-06-18</a:t>
             </a:fld>
             <a:endParaRPr lang="en-US"/>
           </a:p>
@@ -13238,7 +13290,7 @@
           <a:p>
             <a:fld id="{1EAA415B-8007-489A-BDE4-6C1DCF92BB48}" type="datetimeFigureOut">
               <a:rPr lang="en-US" smtClean="0"/>
-              <a:t>2018-06-14</a:t>
+              <a:t>2018-06-18</a:t>
             </a:fld>
             <a:endParaRPr lang="en-US"/>
           </a:p>
@@ -13650,7 +13702,7 @@
           <a:p>
             <a:fld id="{1EAA415B-8007-489A-BDE4-6C1DCF92BB48}" type="datetimeFigureOut">
               <a:rPr lang="en-US" smtClean="0"/>
-              <a:t>2018-06-14</a:t>
+              <a:t>2018-06-18</a:t>
             </a:fld>
             <a:endParaRPr lang="en-US"/>
           </a:p>
@@ -13791,7 +13843,7 @@
           <a:p>
             <a:fld id="{1EAA415B-8007-489A-BDE4-6C1DCF92BB48}" type="datetimeFigureOut">
               <a:rPr lang="en-US" smtClean="0"/>
-              <a:t>2018-06-14</a:t>
+              <a:t>2018-06-18</a:t>
             </a:fld>
             <a:endParaRPr lang="en-US"/>
           </a:p>
@@ -13904,7 +13956,7 @@
           <a:p>
             <a:fld id="{1EAA415B-8007-489A-BDE4-6C1DCF92BB48}" type="datetimeFigureOut">
               <a:rPr lang="en-US" smtClean="0"/>
-              <a:t>2018-06-14</a:t>
+              <a:t>2018-06-18</a:t>
             </a:fld>
             <a:endParaRPr lang="en-US"/>
           </a:p>
@@ -14215,7 +14267,7 @@
           <a:p>
             <a:fld id="{1EAA415B-8007-489A-BDE4-6C1DCF92BB48}" type="datetimeFigureOut">
               <a:rPr lang="en-US" smtClean="0"/>
-              <a:t>2018-06-14</a:t>
+              <a:t>2018-06-18</a:t>
             </a:fld>
             <a:endParaRPr lang="en-US"/>
           </a:p>
@@ -14503,7 +14555,7 @@
           <a:p>
             <a:fld id="{1EAA415B-8007-489A-BDE4-6C1DCF92BB48}" type="datetimeFigureOut">
               <a:rPr lang="en-US" smtClean="0"/>
-              <a:t>2018-06-14</a:t>
+              <a:t>2018-06-18</a:t>
             </a:fld>
             <a:endParaRPr lang="en-US"/>
           </a:p>
@@ -14744,7 +14796,7 @@
           <a:p>
             <a:fld id="{1EAA415B-8007-489A-BDE4-6C1DCF92BB48}" type="datetimeFigureOut">
               <a:rPr lang="en-US" smtClean="0"/>
-              <a:t>2018-06-14</a:t>
+              <a:t>2018-06-18</a:t>
             </a:fld>
             <a:endParaRPr lang="en-US"/>
           </a:p>
@@ -15293,6 +15345,122 @@
       </p:grpSpPr>
       <p:sp>
         <p:nvSpPr>
+          <p:cNvPr id="7" name="Rounded Rectangle 6"/>
+          <p:cNvSpPr/>
+          <p:nvPr/>
+        </p:nvSpPr>
+        <p:spPr>
+          <a:xfrm>
+            <a:off x="8226251" y="533006"/>
+            <a:ext cx="1405593" cy="1157682"/>
+          </a:xfrm>
+          <a:prstGeom prst="roundRect">
+            <a:avLst/>
+          </a:prstGeom>
+          <a:solidFill>
+            <a:schemeClr val="bg1">
+              <a:lumMod val="75000"/>
+            </a:schemeClr>
+          </a:solidFill>
+          <a:ln w="28575">
+            <a:solidFill>
+              <a:schemeClr val="tx1"/>
+            </a:solidFill>
+          </a:ln>
+          <a:effectLst>
+            <a:outerShdw blurRad="50800" dist="38100" dir="2700000" algn="tl" rotWithShape="0">
+              <a:prstClr val="black">
+                <a:alpha val="40000"/>
+              </a:prstClr>
+            </a:outerShdw>
+          </a:effectLst>
+        </p:spPr>
+        <p:style>
+          <a:lnRef idx="1">
+            <a:schemeClr val="accent1"/>
+          </a:lnRef>
+          <a:fillRef idx="3">
+            <a:schemeClr val="accent1"/>
+          </a:fillRef>
+          <a:effectRef idx="2">
+            <a:schemeClr val="accent1"/>
+          </a:effectRef>
+          <a:fontRef idx="minor">
+            <a:schemeClr val="lt1"/>
+          </a:fontRef>
+        </p:style>
+        <p:txBody>
+          <a:bodyPr rtlCol="0" anchor="t" anchorCtr="0"/>
+          <a:lstStyle/>
+          <a:p>
+            <a:endParaRPr lang="en-US" b="1" dirty="0">
+              <a:solidFill>
+                <a:schemeClr val="tx1"/>
+              </a:solidFill>
+            </a:endParaRPr>
+          </a:p>
+        </p:txBody>
+      </p:sp>
+      <p:sp>
+        <p:nvSpPr>
+          <p:cNvPr id="8" name="Rounded Rectangle 7"/>
+          <p:cNvSpPr/>
+          <p:nvPr/>
+        </p:nvSpPr>
+        <p:spPr>
+          <a:xfrm>
+            <a:off x="9948207" y="533006"/>
+            <a:ext cx="1405593" cy="1157682"/>
+          </a:xfrm>
+          <a:prstGeom prst="roundRect">
+            <a:avLst/>
+          </a:prstGeom>
+          <a:solidFill>
+            <a:schemeClr val="bg1">
+              <a:lumMod val="85000"/>
+            </a:schemeClr>
+          </a:solidFill>
+          <a:ln w="28575">
+            <a:solidFill>
+              <a:schemeClr val="tx1"/>
+            </a:solidFill>
+          </a:ln>
+          <a:effectLst>
+            <a:outerShdw blurRad="50800" dist="38100" dir="2700000" algn="tl" rotWithShape="0">
+              <a:prstClr val="black">
+                <a:alpha val="40000"/>
+              </a:prstClr>
+            </a:outerShdw>
+          </a:effectLst>
+        </p:spPr>
+        <p:style>
+          <a:lnRef idx="1">
+            <a:schemeClr val="accent1"/>
+          </a:lnRef>
+          <a:fillRef idx="3">
+            <a:schemeClr val="accent1"/>
+          </a:fillRef>
+          <a:effectRef idx="2">
+            <a:schemeClr val="accent1"/>
+          </a:effectRef>
+          <a:fontRef idx="minor">
+            <a:schemeClr val="lt1"/>
+          </a:fontRef>
+        </p:style>
+        <p:txBody>
+          <a:bodyPr rtlCol="0" anchor="t" anchorCtr="0"/>
+          <a:lstStyle/>
+          <a:p>
+            <a:endParaRPr lang="en-US" b="1" dirty="0">
+              <a:solidFill>
+                <a:schemeClr val="tx1"/>
+              </a:solidFill>
+            </a:endParaRPr>
+          </a:p>
+        </p:txBody>
+      </p:sp>
+      <p:sp>
+        <p:nvSpPr>
           <p:cNvPr id="2" name="Title 1"/>
           <p:cNvSpPr>
             <a:spLocks noGrp="1"/>
@@ -15303,45 +15471,22 @@
         </p:nvSpPr>
         <p:spPr/>
         <p:txBody>
-          <a:bodyPr>
-            <a:normAutofit/>
-          </a:bodyPr>
+          <a:bodyPr/>
           <a:lstStyle/>
           <a:p>
             <a:r>
               <a:rPr lang="en-US" dirty="0"/>
-              <a:t>Module Components</a:t>
+              <a:t>DCAF Components</a:t>
             </a:r>
           </a:p>
         </p:txBody>
       </p:sp>
-      <p:graphicFrame>
-        <p:nvGraphicFramePr>
-          <p:cNvPr id="5" name="Content Placeholder 4"/>
-          <p:cNvGraphicFramePr>
-            <a:graphicFrameLocks noGrp="1"/>
-          </p:cNvGraphicFramePr>
-          <p:nvPr>
-            <p:ph sz="half" idx="1"/>
-            <p:extLst/>
-          </p:nvPr>
-        </p:nvGraphicFramePr>
-        <p:xfrm>
-          <a:off x="838200" y="1825625"/>
-          <a:ext cx="5181600" cy="4351338"/>
-        </p:xfrm>
-        <a:graphic>
-          <a:graphicData uri="http://schemas.openxmlformats.org/drawingml/2006/diagram">
-            <dgm:relIds xmlns:dgm="http://schemas.openxmlformats.org/drawingml/2006/diagram" xmlns:r="http://schemas.openxmlformats.org/officeDocument/2006/relationships" r:dm="rId3" r:lo="rId4" r:qs="rId5" r:cs="rId6"/>
-          </a:graphicData>
-        </a:graphic>
-      </p:graphicFrame>
       <p:sp>
         <p:nvSpPr>
           <p:cNvPr id="3" name="Content Placeholder 2">
             <a:extLst>
               <a:ext uri="{FF2B5EF4-FFF2-40B4-BE49-F238E27FC236}">
-                <a16:creationId xmlns:a16="http://schemas.microsoft.com/office/drawing/2014/main" id="{9E2C23AD-8821-4E73-89B1-ABC9E255F3E3}"/>
+                <a16:creationId xmlns:a16="http://schemas.microsoft.com/office/drawing/2014/main" id="{4D3EF6CF-9A23-437F-AD42-D136B975E032}"/>
               </a:ext>
             </a:extLst>
           </p:cNvPr>
@@ -15349,75 +15494,312 @@
             <a:spLocks noGrp="1"/>
           </p:cNvSpPr>
           <p:nvPr>
-            <p:ph sz="half" idx="2"/>
+            <p:ph idx="1"/>
           </p:nvPr>
         </p:nvSpPr>
         <p:spPr/>
         <p:txBody>
-          <a:bodyPr>
-            <a:normAutofit fontScale="85000" lnSpcReduction="20000"/>
-          </a:bodyPr>
+          <a:bodyPr/>
           <a:lstStyle/>
           <a:p>
             <a:r>
+              <a:rPr lang="en-US" b="1" dirty="0"/>
+              <a:t>Engine</a:t>
+            </a:r>
+            <a:r>
               <a:rPr lang="en-US" dirty="0"/>
-              <a:t>Configuration</a:t>
-            </a:r>
-          </a:p>
-          <a:p>
-            <a:pPr marL="380990" indent="-380990"/>
+              <a:t>: State machine that executes </a:t>
+            </a:r>
+            <a:r>
+              <a:rPr lang="en-US" i="1" dirty="0"/>
+              <a:t>Modules</a:t>
+            </a:r>
             <a:r>
               <a:rPr lang="en-US" dirty="0"/>
-              <a:t>Created on PC, passed to runtime system</a:t>
-            </a:r>
-          </a:p>
-          <a:p>
-            <a:pPr marL="380990" indent="-380990"/>
+              <a:t> as defined in the </a:t>
+            </a:r>
+            <a:r>
+              <a:rPr lang="en-US" i="1" dirty="0"/>
+              <a:t>Configuration Editor</a:t>
+            </a:r>
             <a:r>
               <a:rPr lang="en-US" dirty="0"/>
-              <a:t>Provides data access and serialization/deserialization methods</a:t>
-            </a:r>
-          </a:p>
-          <a:p>
-            <a:pPr marL="380990" indent="-380990"/>
+              <a:t> and provides a namespace for </a:t>
+            </a:r>
+            <a:r>
+              <a:rPr lang="en-US" i="1" dirty="0"/>
+              <a:t>Tags</a:t>
+            </a:r>
             <a:r>
               <a:rPr lang="en-US" dirty="0"/>
-              <a:t>Data storage only, no editor or runtime logic</a:t>
-            </a:r>
-          </a:p>
-          <a:p>
-            <a:pPr marL="380990" indent="-380990"/>
+              <a:t>. The Engine also passes data between its </a:t>
+            </a:r>
+            <a:r>
+              <a:rPr lang="en-US" i="1" dirty="0"/>
+              <a:t>Modules</a:t>
+            </a:r>
+            <a:r>
+              <a:rPr lang="en-US" dirty="0"/>
+              <a:t> according to its </a:t>
+            </a:r>
+            <a:r>
+              <a:rPr lang="en-US" i="1" dirty="0"/>
+              <a:t>Mappings</a:t>
+            </a:r>
+            <a:r>
+              <a:rPr lang="en-US" dirty="0"/>
+              <a:t>.</a:t>
+            </a:r>
+          </a:p>
+          <a:p>
+            <a:r>
+              <a:rPr lang="en-US" b="1" dirty="0"/>
+              <a:t>Module</a:t>
+            </a:r>
+            <a:r>
+              <a:rPr lang="en-US" dirty="0"/>
+              <a:t>: A collection of code of varying functionality that executes within an </a:t>
+            </a:r>
+            <a:r>
+              <a:rPr lang="en-US" i="1" dirty="0"/>
+              <a:t>Engine</a:t>
+            </a:r>
+            <a:r>
+              <a:rPr lang="en-US" dirty="0"/>
+              <a:t> and that can interact with the </a:t>
+            </a:r>
+            <a:r>
+              <a:rPr lang="en-US" i="1" dirty="0"/>
+              <a:t>Tags</a:t>
+            </a:r>
+            <a:r>
+              <a:rPr lang="en-US" dirty="0"/>
+              <a:t> of that </a:t>
+            </a:r>
+            <a:r>
+              <a:rPr lang="en-US" i="1" dirty="0"/>
+              <a:t>Engine</a:t>
+            </a:r>
+            <a:r>
+              <a:rPr lang="en-US" dirty="0"/>
+              <a:t>. Some standard </a:t>
+            </a:r>
+            <a:r>
+              <a:rPr lang="en-US" i="1" dirty="0"/>
+              <a:t>Modules</a:t>
+            </a:r>
+            <a:r>
+              <a:rPr lang="en-US" dirty="0"/>
+              <a:t> are installed with DCAF, but users can also create their own.</a:t>
+            </a:r>
+          </a:p>
+          <a:p>
+            <a:r>
+              <a:rPr lang="en-US" b="1" dirty="0"/>
+              <a:t>Configuration Editor</a:t>
+            </a:r>
+            <a:r>
+              <a:rPr lang="en-US" dirty="0"/>
+              <a:t>: A LabVIEW program used to visually define the functionality of each </a:t>
+            </a:r>
+            <a:r>
+              <a:rPr lang="en-US" i="1" dirty="0"/>
+              <a:t>Engine</a:t>
+            </a:r>
+            <a:r>
+              <a:rPr lang="en-US" dirty="0"/>
+              <a:t> and </a:t>
+            </a:r>
+            <a:r>
+              <a:rPr lang="en-US" i="1" dirty="0"/>
+              <a:t>Module</a:t>
+            </a:r>
+            <a:r>
+              <a:rPr lang="en-US" dirty="0"/>
+              <a:t> in DCAF.</a:t>
+            </a:r>
+          </a:p>
+          <a:p>
             <a:endParaRPr lang="en-US" dirty="0"/>
           </a:p>
-          <a:p>
+        </p:txBody>
+      </p:sp>
+      <p:sp>
+        <p:nvSpPr>
+          <p:cNvPr id="4" name="Rounded Rectangle 3"/>
+          <p:cNvSpPr/>
+          <p:nvPr/>
+        </p:nvSpPr>
+        <p:spPr>
+          <a:xfrm>
+            <a:off x="10097589" y="754072"/>
+            <a:ext cx="1090877" cy="222063"/>
+          </a:xfrm>
+          <a:prstGeom prst="roundRect">
+            <a:avLst/>
+          </a:prstGeom>
+          <a:solidFill>
+            <a:schemeClr val="accent3">
+              <a:lumMod val="75000"/>
+            </a:schemeClr>
+          </a:solidFill>
+          <a:ln w="28575">
+            <a:solidFill>
+              <a:schemeClr val="tx1"/>
+            </a:solidFill>
+          </a:ln>
+          <a:effectLst>
+            <a:outerShdw blurRad="50800" dist="38100" dir="2700000" algn="tl" rotWithShape="0">
+              <a:prstClr val="black">
+                <a:alpha val="40000"/>
+              </a:prstClr>
+            </a:outerShdw>
+          </a:effectLst>
+        </p:spPr>
+        <p:style>
+          <a:lnRef idx="1">
+            <a:schemeClr val="accent1"/>
+          </a:lnRef>
+          <a:fillRef idx="3">
+            <a:schemeClr val="accent1"/>
+          </a:fillRef>
+          <a:effectRef idx="2">
+            <a:schemeClr val="accent1"/>
+          </a:effectRef>
+          <a:fontRef idx="minor">
+            <a:schemeClr val="lt1"/>
+          </a:fontRef>
+        </p:style>
+        <p:txBody>
+          <a:bodyPr rtlCol="0" anchor="ctr"/>
+          <a:lstStyle/>
+          <a:p>
+            <a:pPr algn="ctr"/>
             <a:r>
               <a:rPr lang="en-US" dirty="0"/>
-              <a:t>Runtime Node</a:t>
-            </a:r>
-          </a:p>
-          <a:p>
-            <a:pPr marL="380990" indent="-380990"/>
+              <a:t>Runtime</a:t>
+            </a:r>
+          </a:p>
+        </p:txBody>
+      </p:sp>
+      <p:sp>
+        <p:nvSpPr>
+          <p:cNvPr id="6" name="Rounded Rectangle 5"/>
+          <p:cNvSpPr/>
+          <p:nvPr/>
+        </p:nvSpPr>
+        <p:spPr>
+          <a:xfrm>
+            <a:off x="8409772" y="746224"/>
+            <a:ext cx="1038549" cy="229911"/>
+          </a:xfrm>
+          <a:prstGeom prst="roundRect">
+            <a:avLst/>
+          </a:prstGeom>
+          <a:solidFill>
+            <a:schemeClr val="accent1">
+              <a:lumMod val="75000"/>
+            </a:schemeClr>
+          </a:solidFill>
+          <a:ln w="28575">
+            <a:solidFill>
+              <a:schemeClr val="tx1"/>
+            </a:solidFill>
+          </a:ln>
+          <a:effectLst>
+            <a:outerShdw blurRad="50800" dist="38100" dir="2700000" algn="tl" rotWithShape="0">
+              <a:prstClr val="black">
+                <a:alpha val="40000"/>
+              </a:prstClr>
+            </a:outerShdw>
+          </a:effectLst>
+        </p:spPr>
+        <p:style>
+          <a:lnRef idx="1">
+            <a:schemeClr val="accent1"/>
+          </a:lnRef>
+          <a:fillRef idx="3">
+            <a:schemeClr val="accent1"/>
+          </a:fillRef>
+          <a:effectRef idx="2">
+            <a:schemeClr val="accent1"/>
+          </a:effectRef>
+          <a:fontRef idx="minor">
+            <a:schemeClr val="lt1"/>
+          </a:fontRef>
+        </p:style>
+        <p:txBody>
+          <a:bodyPr rtlCol="0" anchor="ctr"/>
+          <a:lstStyle/>
+          <a:p>
+            <a:pPr algn="ctr"/>
             <a:r>
               <a:rPr lang="en-US" dirty="0"/>
-              <a:t>Initializes runtime based on configuration</a:t>
-            </a:r>
-          </a:p>
-          <a:p>
-            <a:pPr marL="380990" indent="-380990"/>
+              <a:t>Editor</a:t>
+            </a:r>
+          </a:p>
+        </p:txBody>
+      </p:sp>
+      <p:sp>
+        <p:nvSpPr>
+          <p:cNvPr id="5" name="Rounded Rectangle 4"/>
+          <p:cNvSpPr/>
+          <p:nvPr/>
+        </p:nvSpPr>
+        <p:spPr>
+          <a:xfrm>
+            <a:off x="8409772" y="1222045"/>
+            <a:ext cx="2760507" cy="229911"/>
+          </a:xfrm>
+          <a:prstGeom prst="roundRect">
+            <a:avLst/>
+          </a:prstGeom>
+          <a:solidFill>
+            <a:srgbClr val="C00000"/>
+          </a:solidFill>
+          <a:ln w="28575">
+            <a:solidFill>
+              <a:schemeClr val="tx1"/>
+            </a:solidFill>
+          </a:ln>
+          <a:effectLst>
+            <a:outerShdw blurRad="50800" dist="38100" dir="2700000" algn="tl" rotWithShape="0">
+              <a:prstClr val="black">
+                <a:alpha val="40000"/>
+              </a:prstClr>
+            </a:outerShdw>
+          </a:effectLst>
+        </p:spPr>
+        <p:style>
+          <a:lnRef idx="1">
+            <a:schemeClr val="accent1"/>
+          </a:lnRef>
+          <a:fillRef idx="3">
+            <a:schemeClr val="accent1"/>
+          </a:fillRef>
+          <a:effectRef idx="2">
+            <a:schemeClr val="accent1"/>
+          </a:effectRef>
+          <a:fontRef idx="minor">
+            <a:schemeClr val="lt1"/>
+          </a:fontRef>
+        </p:style>
+        <p:txBody>
+          <a:bodyPr rtlCol="0" anchor="ctr"/>
+          <a:lstStyle/>
+          <a:p>
+            <a:pPr algn="ctr"/>
             <a:r>
               <a:rPr lang="en-US" dirty="0"/>
-              <a:t>Provides execution logic</a:t>
-            </a:r>
-          </a:p>
-          <a:p>
-            <a:endParaRPr lang="en-US" dirty="0"/>
+              <a:t>Modules</a:t>
+            </a:r>
           </a:p>
         </p:txBody>
       </p:sp>
     </p:spTree>
     <p:extLst>
       <p:ext uri="{BB962C8B-B14F-4D97-AF65-F5344CB8AC3E}">
-        <p14:creationId xmlns:p14="http://schemas.microsoft.com/office/powerpoint/2010/main" val="1670580510"/>
+        <p14:creationId xmlns:p14="http://schemas.microsoft.com/office/powerpoint/2010/main" val="3295346443"/>
       </p:ext>
     </p:extLst>
   </p:cSld>
@@ -15494,6 +15876,159 @@
           <p:cNvPr id="3" name="Content Placeholder 2">
             <a:extLst>
               <a:ext uri="{FF2B5EF4-FFF2-40B4-BE49-F238E27FC236}">
+                <a16:creationId xmlns:a16="http://schemas.microsoft.com/office/drawing/2014/main" id="{9E2C23AD-8821-4E73-89B1-ABC9E255F3E3}"/>
+              </a:ext>
+            </a:extLst>
+          </p:cNvPr>
+          <p:cNvSpPr>
+            <a:spLocks noGrp="1"/>
+          </p:cNvSpPr>
+          <p:nvPr>
+            <p:ph sz="half" idx="2"/>
+          </p:nvPr>
+        </p:nvSpPr>
+        <p:spPr/>
+        <p:txBody>
+          <a:bodyPr>
+            <a:normAutofit fontScale="85000" lnSpcReduction="20000"/>
+          </a:bodyPr>
+          <a:lstStyle/>
+          <a:p>
+            <a:r>
+              <a:rPr lang="en-US" dirty="0"/>
+              <a:t>Configuration</a:t>
+            </a:r>
+          </a:p>
+          <a:p>
+            <a:pPr marL="380990" indent="-380990"/>
+            <a:r>
+              <a:rPr lang="en-US" dirty="0"/>
+              <a:t>Created on PC, passed to runtime system</a:t>
+            </a:r>
+          </a:p>
+          <a:p>
+            <a:pPr marL="380990" indent="-380990"/>
+            <a:r>
+              <a:rPr lang="en-US" dirty="0"/>
+              <a:t>Provides data access and serialization/deserialization methods</a:t>
+            </a:r>
+          </a:p>
+          <a:p>
+            <a:pPr marL="380990" indent="-380990"/>
+            <a:r>
+              <a:rPr lang="en-US" dirty="0"/>
+              <a:t>Data storage only, no editor or runtime logic</a:t>
+            </a:r>
+          </a:p>
+          <a:p>
+            <a:pPr marL="380990" indent="-380990"/>
+            <a:endParaRPr lang="en-US" dirty="0"/>
+          </a:p>
+          <a:p>
+            <a:r>
+              <a:rPr lang="en-US" dirty="0"/>
+              <a:t>Runtime Node</a:t>
+            </a:r>
+          </a:p>
+          <a:p>
+            <a:pPr marL="380990" indent="-380990"/>
+            <a:r>
+              <a:rPr lang="en-US" dirty="0"/>
+              <a:t>Initializes runtime based on configuration</a:t>
+            </a:r>
+          </a:p>
+          <a:p>
+            <a:pPr marL="380990" indent="-380990"/>
+            <a:r>
+              <a:rPr lang="en-US" dirty="0"/>
+              <a:t>Provides execution logic</a:t>
+            </a:r>
+          </a:p>
+          <a:p>
+            <a:endParaRPr lang="en-US" dirty="0"/>
+          </a:p>
+        </p:txBody>
+      </p:sp>
+    </p:spTree>
+    <p:extLst>
+      <p:ext uri="{BB962C8B-B14F-4D97-AF65-F5344CB8AC3E}">
+        <p14:creationId xmlns:p14="http://schemas.microsoft.com/office/powerpoint/2010/main" val="1670580510"/>
+      </p:ext>
+    </p:extLst>
+  </p:cSld>
+  <p:clrMapOvr>
+    <a:masterClrMapping/>
+  </p:clrMapOvr>
+</p:sld>
+</file>
+
+<file path=ppt/slides/slide12.xml><?xml version="1.0" encoding="utf-8"?>
+<p:sld xmlns:a="http://schemas.openxmlformats.org/drawingml/2006/main" xmlns:r="http://schemas.openxmlformats.org/officeDocument/2006/relationships" xmlns:p="http://schemas.openxmlformats.org/presentationml/2006/main">
+  <p:cSld>
+    <p:spTree>
+      <p:nvGrpSpPr>
+        <p:cNvPr id="1" name=""/>
+        <p:cNvGrpSpPr/>
+        <p:nvPr/>
+      </p:nvGrpSpPr>
+      <p:grpSpPr>
+        <a:xfrm>
+          <a:off x="0" y="0"/>
+          <a:ext cx="0" cy="0"/>
+          <a:chOff x="0" y="0"/>
+          <a:chExt cx="0" cy="0"/>
+        </a:xfrm>
+      </p:grpSpPr>
+      <p:sp>
+        <p:nvSpPr>
+          <p:cNvPr id="2" name="Title 1"/>
+          <p:cNvSpPr>
+            <a:spLocks noGrp="1"/>
+          </p:cNvSpPr>
+          <p:nvPr>
+            <p:ph type="title"/>
+          </p:nvPr>
+        </p:nvSpPr>
+        <p:spPr/>
+        <p:txBody>
+          <a:bodyPr>
+            <a:normAutofit/>
+          </a:bodyPr>
+          <a:lstStyle/>
+          <a:p>
+            <a:r>
+              <a:rPr lang="en-US" dirty="0"/>
+              <a:t>Module Components</a:t>
+            </a:r>
+          </a:p>
+        </p:txBody>
+      </p:sp>
+      <p:graphicFrame>
+        <p:nvGraphicFramePr>
+          <p:cNvPr id="5" name="Content Placeholder 4"/>
+          <p:cNvGraphicFramePr>
+            <a:graphicFrameLocks noGrp="1"/>
+          </p:cNvGraphicFramePr>
+          <p:nvPr>
+            <p:ph sz="half" idx="1"/>
+            <p:extLst/>
+          </p:nvPr>
+        </p:nvGraphicFramePr>
+        <p:xfrm>
+          <a:off x="838200" y="1825625"/>
+          <a:ext cx="5181600" cy="4351338"/>
+        </p:xfrm>
+        <a:graphic>
+          <a:graphicData uri="http://schemas.openxmlformats.org/drawingml/2006/diagram">
+            <dgm:relIds xmlns:dgm="http://schemas.openxmlformats.org/drawingml/2006/diagram" xmlns:r="http://schemas.openxmlformats.org/officeDocument/2006/relationships" r:dm="rId3" r:lo="rId4" r:qs="rId5" r:cs="rId6"/>
+          </a:graphicData>
+        </a:graphic>
+      </p:graphicFrame>
+      <p:sp>
+        <p:nvSpPr>
+          <p:cNvPr id="3" name="Content Placeholder 2">
+            <a:extLst>
+              <a:ext uri="{FF2B5EF4-FFF2-40B4-BE49-F238E27FC236}">
                 <a16:creationId xmlns:a16="http://schemas.microsoft.com/office/drawing/2014/main" id="{7634A784-59FC-493E-B49A-2CB75A66321E}"/>
               </a:ext>
             </a:extLst>
@@ -15561,7 +16096,7 @@
 </p:sld>
 </file>
 
-<file path=ppt/slides/slide12.xml><?xml version="1.0" encoding="utf-8"?>
+<file path=ppt/slides/slide13.xml><?xml version="1.0" encoding="utf-8"?>
 <p:sld xmlns:a="http://schemas.openxmlformats.org/drawingml/2006/main" xmlns:r="http://schemas.openxmlformats.org/officeDocument/2006/relationships" xmlns:p="http://schemas.openxmlformats.org/presentationml/2006/main">
   <p:cSld>
     <p:spTree>
@@ -15649,7 +16184,7 @@
 </p:sld>
 </file>
 
-<file path=ppt/slides/slide13.xml><?xml version="1.0" encoding="utf-8"?>
+<file path=ppt/slides/slide14.xml><?xml version="1.0" encoding="utf-8"?>
 <p:sld xmlns:a="http://schemas.openxmlformats.org/drawingml/2006/main" xmlns:r="http://schemas.openxmlformats.org/officeDocument/2006/relationships" xmlns:p="http://schemas.openxmlformats.org/presentationml/2006/main">
   <p:cSld>
     <p:spTree>
@@ -16359,7 +16894,7 @@
 </p:sld>
 </file>
 
-<file path=ppt/slides/slide14.xml><?xml version="1.0" encoding="utf-8"?>
+<file path=ppt/slides/slide15.xml><?xml version="1.0" encoding="utf-8"?>
 <p:sld xmlns:a="http://schemas.openxmlformats.org/drawingml/2006/main" xmlns:r="http://schemas.openxmlformats.org/officeDocument/2006/relationships" xmlns:p="http://schemas.openxmlformats.org/presentationml/2006/main">
   <p:cSld>
     <p:spTree>
@@ -16378,42 +16913,20 @@
       </p:grpSpPr>
       <p:sp>
         <p:nvSpPr>
-          <p:cNvPr id="2" name="Title 1"/>
-          <p:cNvSpPr>
-            <a:spLocks noGrp="1"/>
-          </p:cNvSpPr>
-          <p:nvPr>
-            <p:ph type="title"/>
-          </p:nvPr>
-        </p:nvSpPr>
-        <p:spPr/>
-        <p:txBody>
-          <a:bodyPr/>
-          <a:lstStyle/>
-          <a:p>
-            <a:r>
-              <a:rPr lang="en-US" dirty="0"/>
-              <a:t>Engine</a:t>
-            </a:r>
-          </a:p>
-        </p:txBody>
-      </p:sp>
-      <p:sp>
-        <p:nvSpPr>
-          <p:cNvPr id="4" name="Rounded Rectangle 3"/>
+          <p:cNvPr id="28" name="Rounded Rectangle 5"/>
           <p:cNvSpPr/>
           <p:nvPr/>
         </p:nvSpPr>
         <p:spPr>
           <a:xfrm>
-            <a:off x="2910103" y="2841804"/>
+            <a:off x="7282433" y="2993212"/>
             <a:ext cx="1828800" cy="771787"/>
           </a:xfrm>
           <a:prstGeom prst="roundRect">
             <a:avLst/>
           </a:prstGeom>
           <a:solidFill>
-            <a:schemeClr val="accent1"/>
+            <a:schemeClr val="accent3"/>
           </a:solidFill>
           <a:ln w="28575">
             <a:solidFill>
@@ -16449,20 +16962,76 @@
             <a:pPr algn="ctr"/>
             <a:r>
               <a:rPr lang="en-US" dirty="0"/>
-              <a:t>Input</a:t>
+              <a:t>Output</a:t>
             </a:r>
           </a:p>
         </p:txBody>
       </p:sp>
       <p:sp>
         <p:nvSpPr>
-          <p:cNvPr id="5" name="Rounded Rectangle 4"/>
+          <p:cNvPr id="27" name="Rounded Rectangle 5"/>
           <p:cNvSpPr/>
           <p:nvPr/>
         </p:nvSpPr>
         <p:spPr>
           <a:xfrm>
-            <a:off x="5019932" y="2841803"/>
+            <a:off x="7214696" y="2917507"/>
+            <a:ext cx="1828800" cy="771787"/>
+          </a:xfrm>
+          <a:prstGeom prst="roundRect">
+            <a:avLst/>
+          </a:prstGeom>
+          <a:solidFill>
+            <a:schemeClr val="accent3"/>
+          </a:solidFill>
+          <a:ln w="28575">
+            <a:solidFill>
+              <a:schemeClr val="tx1"/>
+            </a:solidFill>
+          </a:ln>
+          <a:effectLst>
+            <a:outerShdw blurRad="50800" dist="38100" dir="2700000" algn="tl" rotWithShape="0">
+              <a:prstClr val="black">
+                <a:alpha val="40000"/>
+              </a:prstClr>
+            </a:outerShdw>
+          </a:effectLst>
+        </p:spPr>
+        <p:style>
+          <a:lnRef idx="1">
+            <a:schemeClr val="accent1"/>
+          </a:lnRef>
+          <a:fillRef idx="3">
+            <a:schemeClr val="accent1"/>
+          </a:fillRef>
+          <a:effectRef idx="2">
+            <a:schemeClr val="accent1"/>
+          </a:effectRef>
+          <a:fontRef idx="minor">
+            <a:schemeClr val="lt1"/>
+          </a:fontRef>
+        </p:style>
+        <p:txBody>
+          <a:bodyPr rtlCol="0" anchor="ctr"/>
+          <a:lstStyle/>
+          <a:p>
+            <a:pPr algn="ctr"/>
+            <a:r>
+              <a:rPr lang="en-US" dirty="0"/>
+              <a:t>Output</a:t>
+            </a:r>
+          </a:p>
+        </p:txBody>
+      </p:sp>
+      <p:sp>
+        <p:nvSpPr>
+          <p:cNvPr id="24" name="Rounded Rectangle 4"/>
+          <p:cNvSpPr/>
+          <p:nvPr/>
+        </p:nvSpPr>
+        <p:spPr>
+          <a:xfrm>
+            <a:off x="5147436" y="3017116"/>
             <a:ext cx="1828800" cy="771787"/>
           </a:xfrm>
           <a:prstGeom prst="roundRect">
@@ -16512,13 +17081,315 @@
       </p:sp>
       <p:sp>
         <p:nvSpPr>
+          <p:cNvPr id="23" name="Rounded Rectangle 4"/>
+          <p:cNvSpPr/>
+          <p:nvPr/>
+        </p:nvSpPr>
+        <p:spPr>
+          <a:xfrm>
+            <a:off x="5079705" y="2925481"/>
+            <a:ext cx="1828800" cy="771787"/>
+          </a:xfrm>
+          <a:prstGeom prst="roundRect">
+            <a:avLst/>
+          </a:prstGeom>
+          <a:solidFill>
+            <a:schemeClr val="accent2"/>
+          </a:solidFill>
+          <a:ln w="28575">
+            <a:solidFill>
+              <a:schemeClr val="tx1"/>
+            </a:solidFill>
+          </a:ln>
+          <a:effectLst>
+            <a:outerShdw blurRad="50800" dist="38100" dir="2700000" algn="tl" rotWithShape="0">
+              <a:prstClr val="black">
+                <a:alpha val="40000"/>
+              </a:prstClr>
+            </a:outerShdw>
+          </a:effectLst>
+        </p:spPr>
+        <p:style>
+          <a:lnRef idx="1">
+            <a:schemeClr val="accent1"/>
+          </a:lnRef>
+          <a:fillRef idx="3">
+            <a:schemeClr val="accent1"/>
+          </a:fillRef>
+          <a:effectRef idx="2">
+            <a:schemeClr val="accent1"/>
+          </a:effectRef>
+          <a:fontRef idx="minor">
+            <a:schemeClr val="lt1"/>
+          </a:fontRef>
+        </p:style>
+        <p:txBody>
+          <a:bodyPr rtlCol="0" anchor="ctr"/>
+          <a:lstStyle/>
+          <a:p>
+            <a:pPr algn="ctr"/>
+            <a:r>
+              <a:rPr lang="en-US" dirty="0"/>
+              <a:t>Process</a:t>
+            </a:r>
+          </a:p>
+        </p:txBody>
+      </p:sp>
+      <p:sp>
+        <p:nvSpPr>
+          <p:cNvPr id="20" name="Rounded Rectangle 3"/>
+          <p:cNvSpPr/>
+          <p:nvPr/>
+        </p:nvSpPr>
+        <p:spPr>
+          <a:xfrm>
+            <a:off x="3216361" y="3017125"/>
+            <a:ext cx="1662545" cy="771787"/>
+          </a:xfrm>
+          <a:prstGeom prst="roundRect">
+            <a:avLst/>
+          </a:prstGeom>
+          <a:solidFill>
+            <a:schemeClr val="accent1"/>
+          </a:solidFill>
+          <a:ln w="28575">
+            <a:solidFill>
+              <a:schemeClr val="tx1"/>
+            </a:solidFill>
+          </a:ln>
+          <a:effectLst>
+            <a:outerShdw blurRad="50800" dist="38100" dir="2700000" algn="tl" rotWithShape="0">
+              <a:prstClr val="black">
+                <a:alpha val="40000"/>
+              </a:prstClr>
+            </a:outerShdw>
+          </a:effectLst>
+        </p:spPr>
+        <p:style>
+          <a:lnRef idx="1">
+            <a:schemeClr val="accent1"/>
+          </a:lnRef>
+          <a:fillRef idx="3">
+            <a:schemeClr val="accent1"/>
+          </a:fillRef>
+          <a:effectRef idx="2">
+            <a:schemeClr val="accent1"/>
+          </a:effectRef>
+          <a:fontRef idx="minor">
+            <a:schemeClr val="lt1"/>
+          </a:fontRef>
+        </p:style>
+        <p:txBody>
+          <a:bodyPr rtlCol="0" anchor="ctr"/>
+          <a:lstStyle/>
+          <a:p>
+            <a:pPr algn="ctr"/>
+            <a:r>
+              <a:rPr lang="en-US" dirty="0"/>
+              <a:t>Input</a:t>
+            </a:r>
+          </a:p>
+        </p:txBody>
+      </p:sp>
+      <p:sp>
+        <p:nvSpPr>
+          <p:cNvPr id="19" name="Rounded Rectangle 3"/>
+          <p:cNvSpPr/>
+          <p:nvPr/>
+        </p:nvSpPr>
+        <p:spPr>
+          <a:xfrm>
+            <a:off x="3140652" y="2933449"/>
+            <a:ext cx="1662545" cy="771787"/>
+          </a:xfrm>
+          <a:prstGeom prst="roundRect">
+            <a:avLst/>
+          </a:prstGeom>
+          <a:solidFill>
+            <a:schemeClr val="accent1"/>
+          </a:solidFill>
+          <a:ln w="28575">
+            <a:solidFill>
+              <a:schemeClr val="tx1"/>
+            </a:solidFill>
+          </a:ln>
+          <a:effectLst>
+            <a:outerShdw blurRad="50800" dist="38100" dir="2700000" algn="tl" rotWithShape="0">
+              <a:prstClr val="black">
+                <a:alpha val="40000"/>
+              </a:prstClr>
+            </a:outerShdw>
+          </a:effectLst>
+        </p:spPr>
+        <p:style>
+          <a:lnRef idx="1">
+            <a:schemeClr val="accent1"/>
+          </a:lnRef>
+          <a:fillRef idx="3">
+            <a:schemeClr val="accent1"/>
+          </a:fillRef>
+          <a:effectRef idx="2">
+            <a:schemeClr val="accent1"/>
+          </a:effectRef>
+          <a:fontRef idx="minor">
+            <a:schemeClr val="lt1"/>
+          </a:fontRef>
+        </p:style>
+        <p:txBody>
+          <a:bodyPr rtlCol="0" anchor="ctr"/>
+          <a:lstStyle/>
+          <a:p>
+            <a:pPr algn="ctr"/>
+            <a:r>
+              <a:rPr lang="en-US" dirty="0"/>
+              <a:t>Input</a:t>
+            </a:r>
+          </a:p>
+        </p:txBody>
+      </p:sp>
+      <p:sp>
+        <p:nvSpPr>
+          <p:cNvPr id="2" name="Title 1"/>
+          <p:cNvSpPr>
+            <a:spLocks noGrp="1"/>
+          </p:cNvSpPr>
+          <p:nvPr>
+            <p:ph type="title"/>
+          </p:nvPr>
+        </p:nvSpPr>
+        <p:spPr/>
+        <p:txBody>
+          <a:bodyPr/>
+          <a:lstStyle/>
+          <a:p>
+            <a:r>
+              <a:rPr lang="en-US" dirty="0"/>
+              <a:t>DCAF Engine</a:t>
+            </a:r>
+          </a:p>
+        </p:txBody>
+      </p:sp>
+      <p:sp>
+        <p:nvSpPr>
+          <p:cNvPr id="4" name="Rounded Rectangle 3"/>
+          <p:cNvSpPr/>
+          <p:nvPr/>
+        </p:nvSpPr>
+        <p:spPr>
+          <a:xfrm>
+            <a:off x="2910103" y="2841805"/>
+            <a:ext cx="1828800" cy="771787"/>
+          </a:xfrm>
+          <a:prstGeom prst="roundRect">
+            <a:avLst/>
+          </a:prstGeom>
+          <a:solidFill>
+            <a:schemeClr val="accent1"/>
+          </a:solidFill>
+          <a:ln w="28575">
+            <a:solidFill>
+              <a:schemeClr val="tx1"/>
+            </a:solidFill>
+          </a:ln>
+          <a:effectLst>
+            <a:outerShdw blurRad="50800" dist="38100" dir="2700000" algn="tl" rotWithShape="0">
+              <a:prstClr val="black">
+                <a:alpha val="40000"/>
+              </a:prstClr>
+            </a:outerShdw>
+          </a:effectLst>
+        </p:spPr>
+        <p:style>
+          <a:lnRef idx="1">
+            <a:schemeClr val="accent1"/>
+          </a:lnRef>
+          <a:fillRef idx="3">
+            <a:schemeClr val="accent1"/>
+          </a:fillRef>
+          <a:effectRef idx="2">
+            <a:schemeClr val="accent1"/>
+          </a:effectRef>
+          <a:fontRef idx="minor">
+            <a:schemeClr val="lt1"/>
+          </a:fontRef>
+        </p:style>
+        <p:txBody>
+          <a:bodyPr rtlCol="0" anchor="ctr"/>
+          <a:lstStyle/>
+          <a:p>
+            <a:pPr algn="ctr"/>
+            <a:r>
+              <a:rPr lang="en-US" dirty="0"/>
+              <a:t>Input</a:t>
+            </a:r>
+          </a:p>
+        </p:txBody>
+      </p:sp>
+      <p:sp>
+        <p:nvSpPr>
+          <p:cNvPr id="5" name="Rounded Rectangle 4"/>
+          <p:cNvSpPr/>
+          <p:nvPr/>
+        </p:nvSpPr>
+        <p:spPr>
+          <a:xfrm>
+            <a:off x="5019932" y="2841804"/>
+            <a:ext cx="1828800" cy="771787"/>
+          </a:xfrm>
+          <a:prstGeom prst="roundRect">
+            <a:avLst/>
+          </a:prstGeom>
+          <a:solidFill>
+            <a:schemeClr val="accent2"/>
+          </a:solidFill>
+          <a:ln w="28575">
+            <a:solidFill>
+              <a:schemeClr val="tx1"/>
+            </a:solidFill>
+          </a:ln>
+          <a:effectLst>
+            <a:outerShdw blurRad="50800" dist="38100" dir="2700000" algn="tl" rotWithShape="0">
+              <a:prstClr val="black">
+                <a:alpha val="40000"/>
+              </a:prstClr>
+            </a:outerShdw>
+          </a:effectLst>
+        </p:spPr>
+        <p:style>
+          <a:lnRef idx="1">
+            <a:schemeClr val="accent1"/>
+          </a:lnRef>
+          <a:fillRef idx="3">
+            <a:schemeClr val="accent1"/>
+          </a:fillRef>
+          <a:effectRef idx="2">
+            <a:schemeClr val="accent1"/>
+          </a:effectRef>
+          <a:fontRef idx="minor">
+            <a:schemeClr val="lt1"/>
+          </a:fontRef>
+        </p:style>
+        <p:txBody>
+          <a:bodyPr rtlCol="0" anchor="ctr"/>
+          <a:lstStyle/>
+          <a:p>
+            <a:pPr algn="ctr"/>
+            <a:r>
+              <a:rPr lang="en-US" dirty="0"/>
+              <a:t>Process</a:t>
+            </a:r>
+          </a:p>
+        </p:txBody>
+      </p:sp>
+      <p:sp>
+        <p:nvSpPr>
           <p:cNvPr id="6" name="Rounded Rectangle 5"/>
           <p:cNvSpPr/>
           <p:nvPr/>
         </p:nvSpPr>
         <p:spPr>
           <a:xfrm>
-            <a:off x="7154929" y="2841803"/>
+            <a:off x="7154929" y="2841804"/>
             <a:ext cx="1828800" cy="771787"/>
           </a:xfrm>
           <a:prstGeom prst="roundRect">
@@ -16574,7 +17445,7 @@
         </p:nvSpPr>
         <p:spPr>
           <a:xfrm>
-            <a:off x="2851379" y="1367438"/>
+            <a:off x="2851380" y="1367439"/>
             <a:ext cx="6165907" cy="771787"/>
           </a:xfrm>
           <a:prstGeom prst="roundRect">
@@ -16632,7 +17503,7 @@
         </p:nvSpPr>
         <p:spPr>
           <a:xfrm>
-            <a:off x="3637381" y="2160918"/>
+            <a:off x="3637382" y="2160919"/>
             <a:ext cx="251671" cy="680885"/>
           </a:xfrm>
           <a:prstGeom prst="upArrow">
@@ -16683,7 +17554,7 @@
         </p:nvSpPr>
         <p:spPr>
           <a:xfrm rot="10800000">
-            <a:off x="7916437" y="2153688"/>
+            <a:off x="7916438" y="2153688"/>
             <a:ext cx="251671" cy="680885"/>
           </a:xfrm>
           <a:prstGeom prst="upArrow">
@@ -16734,7 +17605,7 @@
         </p:nvSpPr>
         <p:spPr>
           <a:xfrm rot="10800000">
-            <a:off x="5270319" y="2160918"/>
+            <a:off x="5270321" y="2160919"/>
             <a:ext cx="251671" cy="680885"/>
           </a:xfrm>
           <a:prstGeom prst="upArrow">
@@ -16785,7 +17656,7 @@
         </p:nvSpPr>
         <p:spPr>
           <a:xfrm>
-            <a:off x="6157663" y="2139225"/>
+            <a:off x="6157665" y="2139226"/>
             <a:ext cx="251671" cy="680885"/>
           </a:xfrm>
           <a:prstGeom prst="upArrow">
@@ -16836,7 +17707,7 @@
         </p:nvSpPr>
         <p:spPr>
           <a:xfrm>
-            <a:off x="4951828" y="4146698"/>
+            <a:off x="4951830" y="4146699"/>
             <a:ext cx="1896903" cy="839972"/>
           </a:xfrm>
           <a:prstGeom prst="cloud">
@@ -16875,7 +17746,7 @@
                   <a:schemeClr val="tx1"/>
                 </a:solidFill>
               </a:rPr>
-              <a:t>Outside</a:t>
+              <a:t>Outside?</a:t>
             </a:r>
           </a:p>
         </p:txBody>
@@ -16888,7 +17759,7 @@
         </p:nvSpPr>
         <p:spPr>
           <a:xfrm>
-            <a:off x="3076489" y="4146698"/>
+            <a:off x="3076490" y="4146699"/>
             <a:ext cx="1373453" cy="839972"/>
           </a:xfrm>
           <a:prstGeom prst="cloud">
@@ -16940,7 +17811,7 @@
         </p:nvSpPr>
         <p:spPr>
           <a:xfrm>
-            <a:off x="7355545" y="4146698"/>
+            <a:off x="7355546" y="4146699"/>
             <a:ext cx="1373453" cy="839972"/>
           </a:xfrm>
           <a:prstGeom prst="cloud">
@@ -16992,7 +17863,7 @@
         </p:nvSpPr>
         <p:spPr>
           <a:xfrm>
-            <a:off x="3634917" y="3620820"/>
+            <a:off x="3634918" y="3620820"/>
             <a:ext cx="251671" cy="680885"/>
           </a:xfrm>
           <a:prstGeom prst="upArrow">
@@ -17045,58 +17916,7 @@
         </p:nvSpPr>
         <p:spPr>
           <a:xfrm rot="10800000">
-            <a:off x="7913973" y="3613590"/>
-            <a:ext cx="251671" cy="680885"/>
-          </a:xfrm>
-          <a:prstGeom prst="upArrow">
-            <a:avLst/>
-          </a:prstGeom>
-          <a:solidFill>
-            <a:schemeClr val="tx1"/>
-          </a:solidFill>
-          <a:ln>
-            <a:noFill/>
-          </a:ln>
-          <a:effectLst>
-            <a:outerShdw blurRad="50800" dist="38100" dir="2700000" algn="tl" rotWithShape="0">
-              <a:prstClr val="black">
-                <a:alpha val="40000"/>
-              </a:prstClr>
-            </a:outerShdw>
-          </a:effectLst>
-        </p:spPr>
-        <p:style>
-          <a:lnRef idx="1">
-            <a:schemeClr val="accent1"/>
-          </a:lnRef>
-          <a:fillRef idx="3">
-            <a:schemeClr val="accent1"/>
-          </a:fillRef>
-          <a:effectRef idx="2">
-            <a:schemeClr val="accent1"/>
-          </a:effectRef>
-          <a:fontRef idx="minor">
-            <a:schemeClr val="lt1"/>
-          </a:fontRef>
-        </p:style>
-        <p:txBody>
-          <a:bodyPr rtlCol="0" anchor="ctr"/>
-          <a:lstStyle/>
-          <a:p>
-            <a:pPr algn="ctr"/>
-            <a:endParaRPr lang="en-US"/>
-          </a:p>
-        </p:txBody>
-      </p:sp>
-      <p:sp>
-        <p:nvSpPr>
-          <p:cNvPr id="25" name="Up Arrow 24"/>
-          <p:cNvSpPr/>
-          <p:nvPr/>
-        </p:nvSpPr>
-        <p:spPr>
-          <a:xfrm rot="10800000">
-            <a:off x="5281302" y="3620820"/>
+            <a:off x="7913974" y="3613591"/>
             <a:ext cx="251671" cy="680885"/>
           </a:xfrm>
           <a:prstGeom prst="upArrow">
@@ -17143,13 +17963,13 @@
       </p:sp>
       <p:sp>
         <p:nvSpPr>
-          <p:cNvPr id="26" name="Up Arrow 25"/>
+          <p:cNvPr id="25" name="Up Arrow 24"/>
           <p:cNvSpPr/>
           <p:nvPr/>
         </p:nvSpPr>
         <p:spPr>
-          <a:xfrm>
-            <a:off x="6168646" y="3599127"/>
+          <a:xfrm rot="10800000">
+            <a:off x="5281303" y="3620820"/>
             <a:ext cx="251671" cy="680885"/>
           </a:xfrm>
           <a:prstGeom prst="upArrow">
@@ -17194,10 +18014,182 @@
           </a:p>
         </p:txBody>
       </p:sp>
+      <p:sp>
+        <p:nvSpPr>
+          <p:cNvPr id="26" name="Up Arrow 25"/>
+          <p:cNvSpPr/>
+          <p:nvPr/>
+        </p:nvSpPr>
+        <p:spPr>
+          <a:xfrm>
+            <a:off x="6168647" y="3599128"/>
+            <a:ext cx="251671" cy="680885"/>
+          </a:xfrm>
+          <a:prstGeom prst="upArrow">
+            <a:avLst/>
+          </a:prstGeom>
+          <a:solidFill>
+            <a:schemeClr val="bg2">
+              <a:lumMod val="75000"/>
+            </a:schemeClr>
+          </a:solidFill>
+          <a:ln>
+            <a:noFill/>
+          </a:ln>
+          <a:effectLst>
+            <a:outerShdw blurRad="50800" dist="38100" dir="2700000" algn="tl" rotWithShape="0">
+              <a:prstClr val="black">
+                <a:alpha val="40000"/>
+              </a:prstClr>
+            </a:outerShdw>
+          </a:effectLst>
+        </p:spPr>
+        <p:style>
+          <a:lnRef idx="1">
+            <a:schemeClr val="accent1"/>
+          </a:lnRef>
+          <a:fillRef idx="3">
+            <a:schemeClr val="accent1"/>
+          </a:fillRef>
+          <a:effectRef idx="2">
+            <a:schemeClr val="accent1"/>
+          </a:effectRef>
+          <a:fontRef idx="minor">
+            <a:schemeClr val="lt1"/>
+          </a:fontRef>
+        </p:style>
+        <p:txBody>
+          <a:bodyPr rtlCol="0" anchor="ctr"/>
+          <a:lstStyle/>
+          <a:p>
+            <a:pPr algn="ctr"/>
+            <a:endParaRPr lang="en-US"/>
+          </a:p>
+        </p:txBody>
+      </p:sp>
+      <p:sp>
+        <p:nvSpPr>
+          <p:cNvPr id="3" name="Rectangle: Rounded Corners 2"/>
+          <p:cNvSpPr/>
+          <p:nvPr/>
+        </p:nvSpPr>
+        <p:spPr>
+          <a:xfrm>
+            <a:off x="422850" y="2898576"/>
+            <a:ext cx="1593727" cy="795691"/>
+          </a:xfrm>
+          <a:prstGeom prst="roundRect">
+            <a:avLst/>
+          </a:prstGeom>
+          <a:noFill/>
+          <a:ln w="12700">
+            <a:solidFill>
+              <a:srgbClr val="0A60A3"/>
+            </a:solidFill>
+          </a:ln>
+          <a:effectLst/>
+        </p:spPr>
+        <p:style>
+          <a:lnRef idx="1">
+            <a:schemeClr val="accent1"/>
+          </a:lnRef>
+          <a:fillRef idx="3">
+            <a:schemeClr val="accent1"/>
+          </a:fillRef>
+          <a:effectRef idx="2">
+            <a:schemeClr val="accent1"/>
+          </a:effectRef>
+          <a:fontRef idx="minor">
+            <a:schemeClr val="lt1"/>
+          </a:fontRef>
+        </p:style>
+        <p:txBody>
+          <a:bodyPr rot="0" spcFirstLastPara="0" vertOverflow="overflow" horzOverflow="overflow" vert="horz" wrap="square" lIns="0" tIns="60960" rIns="0" bIns="60960" numCol="1" spcCol="0" rtlCol="0" fromWordArt="0" anchor="ctr" anchorCtr="0" forceAA="0" compatLnSpc="1">
+            <a:prstTxWarp prst="textNoShape">
+              <a:avLst/>
+            </a:prstTxWarp>
+            <a:noAutofit/>
+          </a:bodyPr>
+          <a:lstStyle/>
+          <a:p>
+            <a:pPr algn="ctr"/>
+            <a:r>
+              <a:rPr lang="en-US" sz="2400" dirty="0" err="1">
+                <a:solidFill>
+                  <a:schemeClr val="tx1"/>
+                </a:solidFill>
+              </a:rPr>
+              <a:t>Init</a:t>
+            </a:r>
+            <a:endParaRPr lang="en-US" sz="2400" dirty="0">
+              <a:solidFill>
+                <a:schemeClr val="tx1"/>
+              </a:solidFill>
+            </a:endParaRPr>
+          </a:p>
+        </p:txBody>
+      </p:sp>
+      <p:sp>
+        <p:nvSpPr>
+          <p:cNvPr id="29" name="Rectangle: Rounded Corners 28"/>
+          <p:cNvSpPr/>
+          <p:nvPr/>
+        </p:nvSpPr>
+        <p:spPr>
+          <a:xfrm>
+            <a:off x="9921467" y="2938427"/>
+            <a:ext cx="1593727" cy="795691"/>
+          </a:xfrm>
+          <a:prstGeom prst="roundRect">
+            <a:avLst/>
+          </a:prstGeom>
+          <a:noFill/>
+          <a:ln w="12700">
+            <a:solidFill>
+              <a:srgbClr val="0A60A3"/>
+            </a:solidFill>
+          </a:ln>
+          <a:effectLst/>
+        </p:spPr>
+        <p:style>
+          <a:lnRef idx="1">
+            <a:schemeClr val="accent1"/>
+          </a:lnRef>
+          <a:fillRef idx="3">
+            <a:schemeClr val="accent1"/>
+          </a:fillRef>
+          <a:effectRef idx="2">
+            <a:schemeClr val="accent1"/>
+          </a:effectRef>
+          <a:fontRef idx="minor">
+            <a:schemeClr val="lt1"/>
+          </a:fontRef>
+        </p:style>
+        <p:txBody>
+          <a:bodyPr rot="0" spcFirstLastPara="0" vertOverflow="overflow" horzOverflow="overflow" vert="horz" wrap="square" lIns="0" tIns="60960" rIns="0" bIns="60960" numCol="1" spcCol="0" rtlCol="0" fromWordArt="0" anchor="ctr" anchorCtr="0" forceAA="0" compatLnSpc="1">
+            <a:prstTxWarp prst="textNoShape">
+              <a:avLst/>
+            </a:prstTxWarp>
+            <a:noAutofit/>
+          </a:bodyPr>
+          <a:lstStyle/>
+          <a:p>
+            <a:pPr algn="ctr"/>
+            <a:r>
+              <a:rPr lang="en-US" sz="2400" dirty="0">
+                <a:solidFill>
+                  <a:schemeClr val="tx1"/>
+                </a:solidFill>
+              </a:rPr>
+              <a:t>Close</a:t>
+            </a:r>
+          </a:p>
+        </p:txBody>
+      </p:sp>
     </p:spTree>
     <p:extLst>
       <p:ext uri="{BB962C8B-B14F-4D97-AF65-F5344CB8AC3E}">
-        <p14:creationId xmlns:p14="http://schemas.microsoft.com/office/powerpoint/2010/main" val="3247749521"/>
+        <p14:creationId xmlns:p14="http://schemas.microsoft.com/office/powerpoint/2010/main" val="4063207288"/>
       </p:ext>
     </p:extLst>
   </p:cSld>
@@ -17207,7 +18199,7 @@
 </p:sld>
 </file>
 
-<file path=ppt/slides/slide15.xml><?xml version="1.0" encoding="utf-8"?>
+<file path=ppt/slides/slide16.xml><?xml version="1.0" encoding="utf-8"?>
 <p:sld xmlns:a="http://schemas.openxmlformats.org/drawingml/2006/main" xmlns:r="http://schemas.openxmlformats.org/officeDocument/2006/relationships" xmlns:p="http://schemas.openxmlformats.org/presentationml/2006/main">
   <p:cSld>
     <p:spTree>
@@ -19600,7 +20592,7 @@
 </p:sld>
 </file>
 
-<file path=ppt/slides/slide16.xml><?xml version="1.0" encoding="utf-8"?>
+<file path=ppt/slides/slide17.xml><?xml version="1.0" encoding="utf-8"?>
 <p:sld xmlns:a="http://schemas.openxmlformats.org/drawingml/2006/main" xmlns:r="http://schemas.openxmlformats.org/officeDocument/2006/relationships" xmlns:p="http://schemas.openxmlformats.org/presentationml/2006/main">
   <p:cSld>
     <p:spTree>
@@ -19690,7 +20682,7 @@
 </p:sld>
 </file>
 
-<file path=ppt/slides/slide17.xml><?xml version="1.0" encoding="utf-8"?>
+<file path=ppt/slides/slide18.xml><?xml version="1.0" encoding="utf-8"?>
 <p:sld xmlns:a="http://schemas.openxmlformats.org/drawingml/2006/main" xmlns:r="http://schemas.openxmlformats.org/officeDocument/2006/relationships" xmlns:p="http://schemas.openxmlformats.org/presentationml/2006/main">
   <p:cSld>
     <p:spTree>
@@ -20094,7 +21086,7 @@
 </p:sld>
 </file>
 
-<file path=ppt/slides/slide18.xml><?xml version="1.0" encoding="utf-8"?>
+<file path=ppt/slides/slide19.xml><?xml version="1.0" encoding="utf-8"?>
 <p:sld xmlns:a="http://schemas.openxmlformats.org/drawingml/2006/main" xmlns:r="http://schemas.openxmlformats.org/officeDocument/2006/relationships" xmlns:p="http://schemas.openxmlformats.org/presentationml/2006/main">
   <p:cSld>
     <p:spTree>
@@ -20262,7 +21254,142 @@
 </p:sld>
 </file>
 
-<file path=ppt/slides/slide19.xml><?xml version="1.0" encoding="utf-8"?>
+<file path=ppt/slides/slide2.xml><?xml version="1.0" encoding="utf-8"?>
+<p:sld xmlns:a="http://schemas.openxmlformats.org/drawingml/2006/main" xmlns:r="http://schemas.openxmlformats.org/officeDocument/2006/relationships" xmlns:p="http://schemas.openxmlformats.org/presentationml/2006/main">
+  <p:cSld>
+    <p:spTree>
+      <p:nvGrpSpPr>
+        <p:cNvPr id="1" name=""/>
+        <p:cNvGrpSpPr/>
+        <p:nvPr/>
+      </p:nvGrpSpPr>
+      <p:grpSpPr>
+        <a:xfrm>
+          <a:off x="0" y="0"/>
+          <a:ext cx="0" cy="0"/>
+          <a:chOff x="0" y="0"/>
+          <a:chExt cx="0" cy="0"/>
+        </a:xfrm>
+      </p:grpSpPr>
+      <p:sp>
+        <p:nvSpPr>
+          <p:cNvPr id="6" name="Title 5"/>
+          <p:cNvSpPr>
+            <a:spLocks noGrp="1"/>
+          </p:cNvSpPr>
+          <p:nvPr>
+            <p:ph type="title"/>
+          </p:nvPr>
+        </p:nvSpPr>
+        <p:spPr/>
+        <p:txBody>
+          <a:bodyPr/>
+          <a:lstStyle/>
+          <a:p>
+            <a:r>
+              <a:rPr lang="en-US" dirty="0"/>
+              <a:t>Agenda</a:t>
+            </a:r>
+          </a:p>
+        </p:txBody>
+      </p:sp>
+      <p:sp>
+        <p:nvSpPr>
+          <p:cNvPr id="7" name="Content Placeholder 6"/>
+          <p:cNvSpPr>
+            <a:spLocks noGrp="1"/>
+          </p:cNvSpPr>
+          <p:nvPr>
+            <p:ph idx="1"/>
+          </p:nvPr>
+        </p:nvSpPr>
+        <p:spPr/>
+        <p:txBody>
+          <a:bodyPr>
+            <a:normAutofit/>
+          </a:bodyPr>
+          <a:lstStyle/>
+          <a:p>
+            <a:r>
+              <a:rPr lang="en-US" sz="2000" dirty="0"/>
+              <a:t>Introduction</a:t>
+            </a:r>
+          </a:p>
+          <a:p>
+            <a:pPr lvl="1"/>
+            <a:r>
+              <a:rPr lang="en-US" sz="2000" dirty="0"/>
+              <a:t>Why should you use DCAF?</a:t>
+            </a:r>
+          </a:p>
+          <a:p>
+            <a:pPr lvl="1"/>
+            <a:r>
+              <a:rPr lang="en-US" sz="2000" dirty="0"/>
+              <a:t>Who should use DCAF?</a:t>
+            </a:r>
+          </a:p>
+          <a:p>
+            <a:r>
+              <a:rPr lang="en-US" sz="2000" dirty="0"/>
+              <a:t>The DCAF Paradigm</a:t>
+            </a:r>
+          </a:p>
+          <a:p>
+            <a:pPr lvl="1"/>
+            <a:r>
+              <a:rPr lang="en-US" sz="2000" dirty="0"/>
+              <a:t>Engine</a:t>
+            </a:r>
+          </a:p>
+          <a:p>
+            <a:pPr lvl="1"/>
+            <a:r>
+              <a:rPr lang="en-US" sz="2000" dirty="0"/>
+              <a:t>Modules</a:t>
+            </a:r>
+          </a:p>
+          <a:p>
+            <a:pPr lvl="1"/>
+            <a:r>
+              <a:rPr lang="en-US" sz="2000" dirty="0"/>
+              <a:t>Configuration</a:t>
+            </a:r>
+          </a:p>
+          <a:p>
+            <a:r>
+              <a:rPr lang="en-US" sz="2000" dirty="0"/>
+              <a:t>Tools and Externalities</a:t>
+            </a:r>
+          </a:p>
+          <a:p>
+            <a:r>
+              <a:rPr lang="en-US" sz="2000" dirty="0"/>
+              <a:t>Nomenclature</a:t>
+            </a:r>
+          </a:p>
+          <a:p>
+            <a:endParaRPr lang="en-US" dirty="0"/>
+          </a:p>
+          <a:p>
+            <a:endParaRPr lang="en-US" dirty="0"/>
+          </a:p>
+        </p:txBody>
+      </p:sp>
+    </p:spTree>
+    <p:extLst>
+      <p:ext uri="{BB962C8B-B14F-4D97-AF65-F5344CB8AC3E}">
+        <p14:creationId xmlns:p14="http://schemas.microsoft.com/office/powerpoint/2010/main" val="353883698"/>
+      </p:ext>
+    </p:extLst>
+  </p:cSld>
+  <p:clrMapOvr>
+    <a:masterClrMapping/>
+  </p:clrMapOvr>
+</p:sld>
+</file>
+
+<file path=ppt/slides/slide20.xml><?xml version="1.0" encoding="utf-8"?>
 <p:sld xmlns:a="http://schemas.openxmlformats.org/drawingml/2006/main" xmlns:r="http://schemas.openxmlformats.org/officeDocument/2006/relationships" xmlns:p="http://schemas.openxmlformats.org/presentationml/2006/main" show="0">
   <p:cSld>
     <p:spTree>
@@ -20352,136 +21479,7 @@
 </p:sld>
 </file>
 
-<file path=ppt/slides/slide2.xml><?xml version="1.0" encoding="utf-8"?>
-<p:sld xmlns:a="http://schemas.openxmlformats.org/drawingml/2006/main" xmlns:r="http://schemas.openxmlformats.org/officeDocument/2006/relationships" xmlns:p="http://schemas.openxmlformats.org/presentationml/2006/main">
-  <p:cSld>
-    <p:spTree>
-      <p:nvGrpSpPr>
-        <p:cNvPr id="1" name=""/>
-        <p:cNvGrpSpPr/>
-        <p:nvPr/>
-      </p:nvGrpSpPr>
-      <p:grpSpPr>
-        <a:xfrm>
-          <a:off x="0" y="0"/>
-          <a:ext cx="0" cy="0"/>
-          <a:chOff x="0" y="0"/>
-          <a:chExt cx="0" cy="0"/>
-        </a:xfrm>
-      </p:grpSpPr>
-      <p:sp>
-        <p:nvSpPr>
-          <p:cNvPr id="6" name="Title 5"/>
-          <p:cNvSpPr>
-            <a:spLocks noGrp="1"/>
-          </p:cNvSpPr>
-          <p:nvPr>
-            <p:ph type="title"/>
-          </p:nvPr>
-        </p:nvSpPr>
-        <p:spPr/>
-        <p:txBody>
-          <a:bodyPr/>
-          <a:lstStyle/>
-          <a:p>
-            <a:r>
-              <a:rPr lang="en-US" dirty="0"/>
-              <a:t>Agenda</a:t>
-            </a:r>
-          </a:p>
-        </p:txBody>
-      </p:sp>
-      <p:sp>
-        <p:nvSpPr>
-          <p:cNvPr id="7" name="Content Placeholder 6"/>
-          <p:cNvSpPr>
-            <a:spLocks noGrp="1"/>
-          </p:cNvSpPr>
-          <p:nvPr>
-            <p:ph idx="1"/>
-          </p:nvPr>
-        </p:nvSpPr>
-        <p:spPr/>
-        <p:txBody>
-          <a:bodyPr>
-            <a:normAutofit/>
-          </a:bodyPr>
-          <a:lstStyle/>
-          <a:p>
-            <a:r>
-              <a:rPr lang="en-US" sz="2000" dirty="0"/>
-              <a:t>Introduction</a:t>
-            </a:r>
-          </a:p>
-          <a:p>
-            <a:pPr lvl="1"/>
-            <a:r>
-              <a:rPr lang="en-US" sz="2000" dirty="0"/>
-              <a:t>Why should you use DCAF?</a:t>
-            </a:r>
-          </a:p>
-          <a:p>
-            <a:pPr lvl="1"/>
-            <a:r>
-              <a:rPr lang="en-US" sz="2000" dirty="0"/>
-              <a:t>Who should use DCAF?</a:t>
-            </a:r>
-          </a:p>
-          <a:p>
-            <a:r>
-              <a:rPr lang="en-US" sz="2000" dirty="0"/>
-              <a:t>The DCAF Paradigm</a:t>
-            </a:r>
-          </a:p>
-          <a:p>
-            <a:pPr lvl="1"/>
-            <a:r>
-              <a:rPr lang="en-US" sz="2000" dirty="0"/>
-              <a:t>Engine</a:t>
-            </a:r>
-          </a:p>
-          <a:p>
-            <a:pPr lvl="1"/>
-            <a:r>
-              <a:rPr lang="en-US" sz="2000" dirty="0"/>
-              <a:t>Modules</a:t>
-            </a:r>
-          </a:p>
-          <a:p>
-            <a:pPr lvl="1"/>
-            <a:r>
-              <a:rPr lang="en-US" sz="2000" dirty="0"/>
-              <a:t>Configuration</a:t>
-            </a:r>
-          </a:p>
-          <a:p>
-            <a:r>
-              <a:rPr lang="en-US" sz="2000" dirty="0"/>
-              <a:t>Tools and Externalities</a:t>
-            </a:r>
-          </a:p>
-          <a:p>
-            <a:endParaRPr lang="en-US" dirty="0"/>
-          </a:p>
-          <a:p>
-            <a:endParaRPr lang="en-US" dirty="0"/>
-          </a:p>
-        </p:txBody>
-      </p:sp>
-    </p:spTree>
-    <p:extLst>
-      <p:ext uri="{BB962C8B-B14F-4D97-AF65-F5344CB8AC3E}">
-        <p14:creationId xmlns:p14="http://schemas.microsoft.com/office/powerpoint/2010/main" val="353883698"/>
-      </p:ext>
-    </p:extLst>
-  </p:cSld>
-  <p:clrMapOvr>
-    <a:masterClrMapping/>
-  </p:clrMapOvr>
-</p:sld>
-</file>
-
-<file path=ppt/slides/slide20.xml><?xml version="1.0" encoding="utf-8"?>
+<file path=ppt/slides/slide21.xml><?xml version="1.0" encoding="utf-8"?>
 <p:sld xmlns:a="http://schemas.openxmlformats.org/drawingml/2006/main" xmlns:r="http://schemas.openxmlformats.org/officeDocument/2006/relationships" xmlns:p="http://schemas.openxmlformats.org/presentationml/2006/main" show="0">
   <p:cSld>
     <p:spTree>
@@ -20569,7 +21567,7 @@
 </p:sld>
 </file>
 
-<file path=ppt/slides/slide21.xml><?xml version="1.0" encoding="utf-8"?>
+<file path=ppt/slides/slide22.xml><?xml version="1.0" encoding="utf-8"?>
 <p:sld xmlns:a="http://schemas.openxmlformats.org/drawingml/2006/main" xmlns:r="http://schemas.openxmlformats.org/officeDocument/2006/relationships" xmlns:p="http://schemas.openxmlformats.org/presentationml/2006/main">
   <p:cSld>
     <p:spTree>
@@ -20687,7 +21685,7 @@
 </p:sld>
 </file>
 
-<file path=ppt/slides/slide22.xml><?xml version="1.0" encoding="utf-8"?>
+<file path=ppt/slides/slide23.xml><?xml version="1.0" encoding="utf-8"?>
 <p:sld xmlns:a="http://schemas.openxmlformats.org/drawingml/2006/main" xmlns:r="http://schemas.openxmlformats.org/officeDocument/2006/relationships" xmlns:p="http://schemas.openxmlformats.org/presentationml/2006/main">
   <p:cSld>
     <p:spTree>
@@ -20798,7 +21796,7 @@
 </p:sld>
 </file>
 
-<file path=ppt/slides/slide23.xml><?xml version="1.0" encoding="utf-8"?>
+<file path=ppt/slides/slide24.xml><?xml version="1.0" encoding="utf-8"?>
 <p:sld xmlns:a="http://schemas.openxmlformats.org/drawingml/2006/main" xmlns:r="http://schemas.openxmlformats.org/officeDocument/2006/relationships" xmlns:p="http://schemas.openxmlformats.org/presentationml/2006/main">
   <p:cSld>
     <p:spTree>
@@ -20983,7 +21981,7 @@
 </p:sld>
 </file>
 
-<file path=ppt/slides/slide24.xml><?xml version="1.0" encoding="utf-8"?>
+<file path=ppt/slides/slide25.xml><?xml version="1.0" encoding="utf-8"?>
 <p:sld xmlns:a="http://schemas.openxmlformats.org/drawingml/2006/main" xmlns:r="http://schemas.openxmlformats.org/officeDocument/2006/relationships" xmlns:p="http://schemas.openxmlformats.org/presentationml/2006/main">
   <p:cSld>
     <p:spTree>
@@ -21065,7 +22063,7 @@
 </p:sld>
 </file>
 
-<file path=ppt/slides/slide25.xml><?xml version="1.0" encoding="utf-8"?>
+<file path=ppt/slides/slide26.xml><?xml version="1.0" encoding="utf-8"?>
 <p:sld xmlns:a="http://schemas.openxmlformats.org/drawingml/2006/main" xmlns:r="http://schemas.openxmlformats.org/officeDocument/2006/relationships" xmlns:p="http://schemas.openxmlformats.org/presentationml/2006/main" show="0">
   <p:cSld>
     <p:spTree>
@@ -21197,7 +22195,7 @@
 </p:sld>
 </file>
 
-<file path=ppt/slides/slide26.xml><?xml version="1.0" encoding="utf-8"?>
+<file path=ppt/slides/slide27.xml><?xml version="1.0" encoding="utf-8"?>
 <p:sld xmlns:a="http://schemas.openxmlformats.org/drawingml/2006/main" xmlns:r="http://schemas.openxmlformats.org/officeDocument/2006/relationships" xmlns:p="http://schemas.openxmlformats.org/presentationml/2006/main" show="0">
   <p:cSld>
     <p:spTree>
@@ -21297,7 +22295,118 @@
 </p:sld>
 </file>
 
-<file path=ppt/slides/slide27.xml><?xml version="1.0" encoding="utf-8"?>
+<file path=ppt/slides/slide28.xml><?xml version="1.0" encoding="utf-8"?>
+<p:sld xmlns:a="http://schemas.openxmlformats.org/drawingml/2006/main" xmlns:r="http://schemas.openxmlformats.org/officeDocument/2006/relationships" xmlns:p="http://schemas.openxmlformats.org/presentationml/2006/main">
+  <p:cSld>
+    <p:spTree>
+      <p:nvGrpSpPr>
+        <p:cNvPr id="1" name=""/>
+        <p:cNvGrpSpPr/>
+        <p:nvPr/>
+      </p:nvGrpSpPr>
+      <p:grpSpPr>
+        <a:xfrm>
+          <a:off x="0" y="0"/>
+          <a:ext cx="0" cy="0"/>
+          <a:chOff x="0" y="0"/>
+          <a:chExt cx="0" cy="0"/>
+        </a:xfrm>
+      </p:grpSpPr>
+      <p:sp>
+        <p:nvSpPr>
+          <p:cNvPr id="2" name="Title 1"/>
+          <p:cNvSpPr>
+            <a:spLocks noGrp="1"/>
+          </p:cNvSpPr>
+          <p:nvPr>
+            <p:ph type="ctrTitle"/>
+          </p:nvPr>
+        </p:nvSpPr>
+        <p:spPr/>
+        <p:txBody>
+          <a:bodyPr/>
+          <a:lstStyle/>
+          <a:p>
+            <a:r>
+              <a:rPr lang="en-US" dirty="0"/>
+              <a:t>Nomenclature</a:t>
+            </a:r>
+          </a:p>
+        </p:txBody>
+      </p:sp>
+      <p:sp>
+        <p:nvSpPr>
+          <p:cNvPr id="4" name="Subtitle 3"/>
+          <p:cNvSpPr>
+            <a:spLocks noGrp="1"/>
+          </p:cNvSpPr>
+          <p:nvPr>
+            <p:ph type="subTitle" idx="1"/>
+          </p:nvPr>
+        </p:nvSpPr>
+        <p:spPr/>
+        <p:txBody>
+          <a:bodyPr/>
+          <a:lstStyle/>
+          <a:p>
+            <a:endParaRPr lang="en-US"/>
+          </a:p>
+        </p:txBody>
+      </p:sp>
+      <p:sp>
+        <p:nvSpPr>
+          <p:cNvPr id="5" name="Text Placeholder 4"/>
+          <p:cNvSpPr>
+            <a:spLocks noGrp="1"/>
+          </p:cNvSpPr>
+          <p:nvPr>
+            <p:ph type="body" sz="quarter" idx="12"/>
+          </p:nvPr>
+        </p:nvSpPr>
+        <p:spPr/>
+        <p:txBody>
+          <a:bodyPr>
+            <a:normAutofit lnSpcReduction="10000"/>
+          </a:bodyPr>
+          <a:lstStyle/>
+          <a:p>
+            <a:endParaRPr lang="en-US"/>
+          </a:p>
+        </p:txBody>
+      </p:sp>
+      <p:sp>
+        <p:nvSpPr>
+          <p:cNvPr id="6" name="Text Placeholder 5"/>
+          <p:cNvSpPr>
+            <a:spLocks noGrp="1"/>
+          </p:cNvSpPr>
+          <p:nvPr>
+            <p:ph type="body" sz="quarter" idx="13"/>
+          </p:nvPr>
+        </p:nvSpPr>
+        <p:spPr/>
+        <p:txBody>
+          <a:bodyPr/>
+          <a:lstStyle/>
+          <a:p>
+            <a:endParaRPr lang="en-US"/>
+          </a:p>
+        </p:txBody>
+      </p:sp>
+    </p:spTree>
+    <p:extLst>
+      <p:ext uri="{BB962C8B-B14F-4D97-AF65-F5344CB8AC3E}">
+        <p14:creationId xmlns:p14="http://schemas.microsoft.com/office/powerpoint/2010/main" val="605354176"/>
+      </p:ext>
+    </p:extLst>
+  </p:cSld>
+  <p:clrMapOvr>
+    <a:masterClrMapping/>
+  </p:clrMapOvr>
+</p:sld>
+</file>
+
+<file path=ppt/slides/slide29.xml><?xml version="1.0" encoding="utf-8"?>
 <p:sld xmlns:a="http://schemas.openxmlformats.org/drawingml/2006/main" xmlns:r="http://schemas.openxmlformats.org/officeDocument/2006/relationships" xmlns:p="http://schemas.openxmlformats.org/presentationml/2006/main">
   <p:cSld>
     <p:spTree>
@@ -24008,7 +25117,7 @@
         </p:nvSpPr>
         <p:spPr>
           <a:xfrm>
-            <a:off x="7363027" y="2094140"/>
+            <a:off x="7363026" y="2201252"/>
             <a:ext cx="4114800" cy="3886200"/>
           </a:xfrm>
           <a:prstGeom prst="roundRect">

--- a/Trunk/Getting Started Material/DCAF Training/1 Introduction to DCAF.pptx
+++ b/Trunk/Getting Started Material/DCAF Training/1 Introduction to DCAF.pptx
@@ -5,7 +5,7 @@
     <p:sldMasterId id="2147483783" r:id="rId1"/>
   </p:sldMasterIdLst>
   <p:notesMasterIdLst>
-    <p:notesMasterId r:id="rId30"/>
+    <p:notesMasterId r:id="rId31"/>
   </p:notesMasterIdLst>
   <p:sldIdLst>
     <p:sldId id="259" r:id="rId2"/>
@@ -35,7 +35,8 @@
     <p:sldId id="300" r:id="rId26"/>
     <p:sldId id="293" r:id="rId27"/>
     <p:sldId id="278" r:id="rId28"/>
-    <p:sldId id="286" r:id="rId29"/>
+    <p:sldId id="367" r:id="rId29"/>
+    <p:sldId id="286" r:id="rId30"/>
   </p:sldIdLst>
   <p:sldSz cx="12192000" cy="6858000"/>
   <p:notesSz cx="6858000" cy="9144000"/>
@@ -2612,7 +2613,9 @@
       <dgm:prSet phldrT="[Text]" custT="1"/>
       <dgm:spPr>
         <a:solidFill>
-          <a:schemeClr val="accent3"/>
+          <a:schemeClr val="bg2">
+            <a:lumMod val="50000"/>
+          </a:schemeClr>
         </a:solidFill>
       </dgm:spPr>
       <dgm:t>
@@ -2656,7 +2659,7 @@
       <dgm:prSet phldrT="[Text]"/>
       <dgm:spPr>
         <a:solidFill>
-          <a:schemeClr val="accent4"/>
+          <a:schemeClr val="tx2"/>
         </a:solidFill>
       </dgm:spPr>
       <dgm:t>
@@ -2699,7 +2702,11 @@
     </dgm:pt>
     <dgm:pt modelId="{BE28D08F-D798-48B7-8D61-9CB70080103E}">
       <dgm:prSet phldrT="[Text]"/>
-      <dgm:spPr/>
+      <dgm:spPr>
+        <a:solidFill>
+          <a:srgbClr val="007200"/>
+        </a:solidFill>
+      </dgm:spPr>
       <dgm:t>
         <a:bodyPr/>
         <a:lstStyle/>
@@ -2833,7 +2840,9 @@
       <dgm:prSet phldrT="[Text]" custT="1"/>
       <dgm:spPr>
         <a:solidFill>
-          <a:schemeClr val="accent3"/>
+          <a:schemeClr val="bg2">
+            <a:lumMod val="50000"/>
+          </a:schemeClr>
         </a:solidFill>
       </dgm:spPr>
       <dgm:t>
@@ -2842,7 +2851,11 @@
         <a:p>
           <a:r>
             <a:rPr lang="en-US" sz="1600" dirty="0"/>
-            <a:t>Configuration </a:t>
+            <a:t>Configuration</a:t>
+          </a:r>
+          <a:r>
+            <a:rPr lang="en-US" sz="2000" dirty="0"/>
+            <a:t> </a:t>
           </a:r>
         </a:p>
       </dgm:t>
@@ -2873,7 +2886,7 @@
       <dgm:prSet phldrT="[Text]"/>
       <dgm:spPr>
         <a:solidFill>
-          <a:schemeClr val="accent4"/>
+          <a:schemeClr val="tx2"/>
         </a:solidFill>
       </dgm:spPr>
       <dgm:t>
@@ -2916,7 +2929,11 @@
     </dgm:pt>
     <dgm:pt modelId="{BE28D08F-D798-48B7-8D61-9CB70080103E}">
       <dgm:prSet phldrT="[Text]"/>
-      <dgm:spPr/>
+      <dgm:spPr>
+        <a:solidFill>
+          <a:srgbClr val="007200"/>
+        </a:solidFill>
+      </dgm:spPr>
       <dgm:t>
         <a:bodyPr/>
         <a:lstStyle/>
@@ -3300,7 +3317,9 @@
           <a:avLst/>
         </a:prstGeom>
         <a:solidFill>
-          <a:schemeClr val="accent3"/>
+          <a:schemeClr val="bg2">
+            <a:lumMod val="50000"/>
+          </a:schemeClr>
         </a:solidFill>
         <a:ln w="12700" cap="flat" cmpd="sng" algn="ctr">
           <a:solidFill>
@@ -3454,7 +3473,7 @@
           <a:avLst/>
         </a:prstGeom>
         <a:solidFill>
-          <a:schemeClr val="accent4"/>
+          <a:schemeClr val="tx2"/>
         </a:solidFill>
         <a:ln w="12700" cap="flat" cmpd="sng" algn="ctr">
           <a:solidFill>
@@ -3603,12 +3622,7 @@
           <a:avLst/>
         </a:prstGeom>
         <a:solidFill>
-          <a:schemeClr val="accent1">
-            <a:hueOff val="0"/>
-            <a:satOff val="0"/>
-            <a:lumOff val="0"/>
-            <a:alphaOff val="0"/>
-          </a:schemeClr>
+          <a:srgbClr val="007200"/>
         </a:solidFill>
         <a:ln w="12700" cap="flat" cmpd="sng" algn="ctr">
           <a:solidFill>
@@ -3693,7 +3707,9 @@
           <a:avLst/>
         </a:prstGeom>
         <a:solidFill>
-          <a:schemeClr val="accent3"/>
+          <a:schemeClr val="bg2">
+            <a:lumMod val="50000"/>
+          </a:schemeClr>
         </a:solidFill>
         <a:ln w="12700" cap="flat" cmpd="sng" algn="ctr">
           <a:solidFill>
@@ -3743,7 +3759,11 @@
           </a:pPr>
           <a:r>
             <a:rPr lang="en-US" sz="1600" kern="1200" dirty="0"/>
-            <a:t>Configuration </a:t>
+            <a:t>Configuration</a:t>
+          </a:r>
+          <a:r>
+            <a:rPr lang="en-US" sz="2000" kern="1200" dirty="0"/>
+            <a:t> </a:t>
           </a:r>
         </a:p>
       </dsp:txBody>
@@ -3843,7 +3863,7 @@
           <a:avLst/>
         </a:prstGeom>
         <a:solidFill>
-          <a:schemeClr val="accent4"/>
+          <a:schemeClr val="tx2"/>
         </a:solidFill>
         <a:ln w="12700" cap="flat" cmpd="sng" algn="ctr">
           <a:solidFill>
@@ -3992,12 +4012,7 @@
           <a:avLst/>
         </a:prstGeom>
         <a:solidFill>
-          <a:schemeClr val="accent1">
-            <a:hueOff val="0"/>
-            <a:satOff val="0"/>
-            <a:lumOff val="0"/>
-            <a:alphaOff val="0"/>
-          </a:schemeClr>
+          <a:srgbClr val="007200"/>
         </a:solidFill>
         <a:ln w="12700" cap="flat" cmpd="sng" algn="ctr">
           <a:solidFill>
@@ -9673,6 +9688,90 @@
 </p:notes>
 </file>
 
+<file path=ppt/notesSlides/notesSlide17.xml><?xml version="1.0" encoding="utf-8"?>
+<p:notes xmlns:a="http://schemas.openxmlformats.org/drawingml/2006/main" xmlns:r="http://schemas.openxmlformats.org/officeDocument/2006/relationships" xmlns:p="http://schemas.openxmlformats.org/presentationml/2006/main">
+  <p:cSld>
+    <p:spTree>
+      <p:nvGrpSpPr>
+        <p:cNvPr id="1" name=""/>
+        <p:cNvGrpSpPr/>
+        <p:nvPr/>
+      </p:nvGrpSpPr>
+      <p:grpSpPr>
+        <a:xfrm>
+          <a:off x="0" y="0"/>
+          <a:ext cx="0" cy="0"/>
+          <a:chOff x="0" y="0"/>
+          <a:chExt cx="0" cy="0"/>
+        </a:xfrm>
+      </p:grpSpPr>
+      <p:sp>
+        <p:nvSpPr>
+          <p:cNvPr id="2" name="Slide Image Placeholder 1"/>
+          <p:cNvSpPr>
+            <a:spLocks noGrp="1" noRot="1" noChangeAspect="1"/>
+          </p:cNvSpPr>
+          <p:nvPr>
+            <p:ph type="sldImg"/>
+          </p:nvPr>
+        </p:nvSpPr>
+        <p:spPr/>
+      </p:sp>
+      <p:sp>
+        <p:nvSpPr>
+          <p:cNvPr id="3" name="Notes Placeholder 2"/>
+          <p:cNvSpPr>
+            <a:spLocks noGrp="1"/>
+          </p:cNvSpPr>
+          <p:nvPr>
+            <p:ph type="body" idx="1"/>
+          </p:nvPr>
+        </p:nvSpPr>
+        <p:spPr/>
+        <p:txBody>
+          <a:bodyPr/>
+          <a:lstStyle/>
+          <a:p>
+            <a:endParaRPr lang="en-US" dirty="0"/>
+          </a:p>
+        </p:txBody>
+      </p:sp>
+      <p:sp>
+        <p:nvSpPr>
+          <p:cNvPr id="4" name="Slide Number Placeholder 3"/>
+          <p:cNvSpPr>
+            <a:spLocks noGrp="1"/>
+          </p:cNvSpPr>
+          <p:nvPr>
+            <p:ph type="sldNum" sz="quarter" idx="10"/>
+          </p:nvPr>
+        </p:nvSpPr>
+        <p:spPr/>
+        <p:txBody>
+          <a:bodyPr/>
+          <a:lstStyle/>
+          <a:p>
+            <a:fld id="{E78E71CD-9786-4621-AA97-B53C62C3E534}" type="slidenum">
+              <a:rPr lang="en-US" smtClean="0"/>
+              <a:t>28</a:t>
+            </a:fld>
+            <a:endParaRPr lang="en-US"/>
+          </a:p>
+        </p:txBody>
+      </p:sp>
+    </p:spTree>
+    <p:extLst>
+      <p:ext uri="{BB962C8B-B14F-4D97-AF65-F5344CB8AC3E}">
+        <p14:creationId xmlns:p14="http://schemas.microsoft.com/office/powerpoint/2010/main" val="2100401630"/>
+      </p:ext>
+    </p:extLst>
+  </p:cSld>
+  <p:clrMapOvr>
+    <a:masterClrMapping/>
+  </p:clrMapOvr>
+</p:notes>
+</file>
+
 <file path=ppt/notesSlides/notesSlide2.xml><?xml version="1.0" encoding="utf-8"?>
 <p:notes xmlns:a="http://schemas.openxmlformats.org/drawingml/2006/main" xmlns:r="http://schemas.openxmlformats.org/officeDocument/2006/relationships" xmlns:p="http://schemas.openxmlformats.org/presentationml/2006/main">
   <p:cSld>
@@ -17923,27 +18022,6 @@
           </a:p>
         </p:txBody>
       </p:sp>
-      <p:graphicFrame>
-        <p:nvGraphicFramePr>
-          <p:cNvPr id="5" name="Content Placeholder 4"/>
-          <p:cNvGraphicFramePr>
-            <a:graphicFrameLocks noGrp="1"/>
-          </p:cNvGraphicFramePr>
-          <p:nvPr>
-            <p:ph sz="half" idx="1"/>
-            <p:extLst/>
-          </p:nvPr>
-        </p:nvGraphicFramePr>
-        <p:xfrm>
-          <a:off x="604838" y="974725"/>
-          <a:ext cx="5389562" cy="5202238"/>
-        </p:xfrm>
-        <a:graphic>
-          <a:graphicData uri="http://schemas.openxmlformats.org/drawingml/2006/diagram">
-            <dgm:relIds xmlns:dgm="http://schemas.openxmlformats.org/drawingml/2006/diagram" xmlns:r="http://schemas.openxmlformats.org/officeDocument/2006/relationships" r:dm="rId3" r:lo="rId4" r:qs="rId5" r:cs="rId6"/>
-          </a:graphicData>
-        </a:graphic>
-      </p:graphicFrame>
       <p:sp>
         <p:nvSpPr>
           <p:cNvPr id="3" name="Content Placeholder 2">
@@ -18345,6 +18423,61 @@
           </a:p>
         </p:txBody>
       </p:sp>
+      <p:sp>
+        <p:nvSpPr>
+          <p:cNvPr id="4" name="Content Placeholder 3">
+            <a:extLst>
+              <a:ext uri="{FF2B5EF4-FFF2-40B4-BE49-F238E27FC236}">
+                <a16:creationId xmlns:a16="http://schemas.microsoft.com/office/drawing/2014/main" id="{EF996D94-ECFB-41D9-A5F5-9631E809FAC7}"/>
+              </a:ext>
+            </a:extLst>
+          </p:cNvPr>
+          <p:cNvSpPr>
+            <a:spLocks noGrp="1"/>
+          </p:cNvSpPr>
+          <p:nvPr>
+            <p:ph sz="half" idx="1"/>
+          </p:nvPr>
+        </p:nvSpPr>
+        <p:spPr/>
+        <p:txBody>
+          <a:bodyPr/>
+          <a:lstStyle/>
+          <a:p>
+            <a:endParaRPr lang="en-US"/>
+          </a:p>
+        </p:txBody>
+      </p:sp>
+      <p:graphicFrame>
+        <p:nvGraphicFramePr>
+          <p:cNvPr id="11" name="Content Placeholder 4">
+            <a:extLst>
+              <a:ext uri="{FF2B5EF4-FFF2-40B4-BE49-F238E27FC236}">
+                <a16:creationId xmlns:a16="http://schemas.microsoft.com/office/drawing/2014/main" id="{CD9F4A9E-CD00-499F-BDF9-94CBA0E2D8B3}"/>
+              </a:ext>
+            </a:extLst>
+          </p:cNvPr>
+          <p:cNvGraphicFramePr>
+            <a:graphicFrameLocks/>
+          </p:cNvGraphicFramePr>
+          <p:nvPr>
+            <p:extLst>
+              <p:ext uri="{D42A27DB-BD31-4B8C-83A1-F6EECF244321}">
+                <p14:modId xmlns:p14="http://schemas.microsoft.com/office/powerpoint/2010/main" val="1376058075"/>
+              </p:ext>
+            </p:extLst>
+          </p:nvPr>
+        </p:nvGraphicFramePr>
+        <p:xfrm>
+          <a:off x="604838" y="974725"/>
+          <a:ext cx="5389562" cy="5202238"/>
+        </p:xfrm>
+        <a:graphic>
+          <a:graphicData uri="http://schemas.openxmlformats.org/drawingml/2006/diagram">
+            <dgm:relIds xmlns:dgm="http://schemas.openxmlformats.org/drawingml/2006/diagram" xmlns:r="http://schemas.openxmlformats.org/officeDocument/2006/relationships" r:dm="rId3" r:lo="rId4" r:qs="rId5" r:cs="rId6"/>
+          </a:graphicData>
+        </a:graphic>
+      </p:graphicFrame>
     </p:spTree>
     <p:extLst>
       <p:ext uri="{BB962C8B-B14F-4D97-AF65-F5344CB8AC3E}">
@@ -18399,27 +18532,6 @@
           </a:p>
         </p:txBody>
       </p:sp>
-      <p:graphicFrame>
-        <p:nvGraphicFramePr>
-          <p:cNvPr id="5" name="Content Placeholder 4"/>
-          <p:cNvGraphicFramePr>
-            <a:graphicFrameLocks noGrp="1"/>
-          </p:cNvGraphicFramePr>
-          <p:nvPr>
-            <p:ph sz="half" idx="1"/>
-            <p:extLst/>
-          </p:nvPr>
-        </p:nvGraphicFramePr>
-        <p:xfrm>
-          <a:off x="604838" y="974725"/>
-          <a:ext cx="5389562" cy="5202238"/>
-        </p:xfrm>
-        <a:graphic>
-          <a:graphicData uri="http://schemas.openxmlformats.org/drawingml/2006/diagram">
-            <dgm:relIds xmlns:dgm="http://schemas.openxmlformats.org/drawingml/2006/diagram" xmlns:r="http://schemas.openxmlformats.org/officeDocument/2006/relationships" r:dm="rId3" r:lo="rId4" r:qs="rId5" r:cs="rId6"/>
-          </a:graphicData>
-        </a:graphic>
-      </p:graphicFrame>
       <p:sp>
         <p:nvSpPr>
           <p:cNvPr id="3" name="Content Placeholder 2">
@@ -18801,6 +18913,61 @@
           </a:p>
         </p:txBody>
       </p:sp>
+      <p:sp>
+        <p:nvSpPr>
+          <p:cNvPr id="4" name="Content Placeholder 3">
+            <a:extLst>
+              <a:ext uri="{FF2B5EF4-FFF2-40B4-BE49-F238E27FC236}">
+                <a16:creationId xmlns:a16="http://schemas.microsoft.com/office/drawing/2014/main" id="{2F8B6176-1F7B-40B9-8FE5-6046CC17437D}"/>
+              </a:ext>
+            </a:extLst>
+          </p:cNvPr>
+          <p:cNvSpPr>
+            <a:spLocks noGrp="1"/>
+          </p:cNvSpPr>
+          <p:nvPr>
+            <p:ph sz="half" idx="1"/>
+          </p:nvPr>
+        </p:nvSpPr>
+        <p:spPr/>
+        <p:txBody>
+          <a:bodyPr/>
+          <a:lstStyle/>
+          <a:p>
+            <a:endParaRPr lang="en-US"/>
+          </a:p>
+        </p:txBody>
+      </p:sp>
+      <p:graphicFrame>
+        <p:nvGraphicFramePr>
+          <p:cNvPr id="11" name="Content Placeholder 4">
+            <a:extLst>
+              <a:ext uri="{FF2B5EF4-FFF2-40B4-BE49-F238E27FC236}">
+                <a16:creationId xmlns:a16="http://schemas.microsoft.com/office/drawing/2014/main" id="{F43FD539-55E5-456B-81B3-5A296608A610}"/>
+              </a:ext>
+            </a:extLst>
+          </p:cNvPr>
+          <p:cNvGraphicFramePr>
+            <a:graphicFrameLocks/>
+          </p:cNvGraphicFramePr>
+          <p:nvPr>
+            <p:extLst>
+              <p:ext uri="{D42A27DB-BD31-4B8C-83A1-F6EECF244321}">
+                <p14:modId xmlns:p14="http://schemas.microsoft.com/office/powerpoint/2010/main" val="1376058075"/>
+              </p:ext>
+            </p:extLst>
+          </p:nvPr>
+        </p:nvGraphicFramePr>
+        <p:xfrm>
+          <a:off x="604838" y="974725"/>
+          <a:ext cx="5389562" cy="5202238"/>
+        </p:xfrm>
+        <a:graphic>
+          <a:graphicData uri="http://schemas.openxmlformats.org/drawingml/2006/diagram">
+            <dgm:relIds xmlns:dgm="http://schemas.openxmlformats.org/drawingml/2006/diagram" xmlns:r="http://schemas.openxmlformats.org/officeDocument/2006/relationships" r:dm="rId3" r:lo="rId4" r:qs="rId5" r:cs="rId6"/>
+          </a:graphicData>
+        </a:graphic>
+      </p:graphicFrame>
     </p:spTree>
     <p:extLst>
       <p:ext uri="{BB962C8B-B14F-4D97-AF65-F5344CB8AC3E}">
@@ -20288,7 +20455,7 @@
             <a:avLst/>
           </a:prstGeom>
           <a:solidFill>
-            <a:schemeClr val="accent3"/>
+            <a:srgbClr val="C00000"/>
           </a:solidFill>
           <a:ln w="28575">
             <a:solidFill>
@@ -20344,7 +20511,7 @@
             <a:avLst/>
           </a:prstGeom>
           <a:solidFill>
-            <a:schemeClr val="accent3"/>
+            <a:srgbClr val="C00000"/>
           </a:solidFill>
           <a:ln w="28575">
             <a:solidFill>
@@ -20400,7 +20567,7 @@
             <a:avLst/>
           </a:prstGeom>
           <a:solidFill>
-            <a:schemeClr val="accent2"/>
+            <a:srgbClr val="C00000"/>
           </a:solidFill>
           <a:ln w="28575">
             <a:solidFill>
@@ -20456,7 +20623,7 @@
             <a:avLst/>
           </a:prstGeom>
           <a:solidFill>
-            <a:schemeClr val="accent2"/>
+            <a:srgbClr val="C00000"/>
           </a:solidFill>
           <a:ln w="28575">
             <a:solidFill>
@@ -20512,7 +20679,7 @@
             <a:avLst/>
           </a:prstGeom>
           <a:solidFill>
-            <a:schemeClr val="accent1"/>
+            <a:srgbClr val="C00000"/>
           </a:solidFill>
           <a:ln w="28575">
             <a:solidFill>
@@ -20568,7 +20735,7 @@
             <a:avLst/>
           </a:prstGeom>
           <a:solidFill>
-            <a:schemeClr val="accent1"/>
+            <a:srgbClr val="C00000"/>
           </a:solidFill>
           <a:ln w="28575">
             <a:solidFill>
@@ -20646,7 +20813,7 @@
             <a:avLst/>
           </a:prstGeom>
           <a:solidFill>
-            <a:schemeClr val="accent1"/>
+            <a:srgbClr val="C00000"/>
           </a:solidFill>
           <a:ln w="28575">
             <a:solidFill>
@@ -20702,7 +20869,7 @@
             <a:avLst/>
           </a:prstGeom>
           <a:solidFill>
-            <a:schemeClr val="accent2"/>
+            <a:srgbClr val="C00000"/>
           </a:solidFill>
           <a:ln w="28575">
             <a:solidFill>
@@ -20758,7 +20925,7 @@
             <a:avLst/>
           </a:prstGeom>
           <a:solidFill>
-            <a:schemeClr val="accent3"/>
+            <a:srgbClr val="C00000"/>
           </a:solidFill>
           <a:ln w="28575">
             <a:solidFill>
@@ -26916,6 +27083,64 @@
       </p:grpSpPr>
       <p:sp>
         <p:nvSpPr>
+          <p:cNvPr id="3" name="Text Placeholder 2">
+            <a:extLst>
+              <a:ext uri="{FF2B5EF4-FFF2-40B4-BE49-F238E27FC236}">
+                <a16:creationId xmlns:a16="http://schemas.microsoft.com/office/drawing/2014/main" id="{919CF29D-C3A2-495A-B8A5-779AABA82D2D}"/>
+              </a:ext>
+            </a:extLst>
+          </p:cNvPr>
+          <p:cNvSpPr>
+            <a:spLocks noGrp="1"/>
+          </p:cNvSpPr>
+          <p:nvPr>
+            <p:ph type="body" sz="quarter" idx="10"/>
+          </p:nvPr>
+        </p:nvSpPr>
+        <p:spPr/>
+        <p:txBody>
+          <a:bodyPr/>
+          <a:lstStyle/>
+          <a:p>
+            <a:r>
+              <a:rPr lang="en-US" dirty="0"/>
+              <a:t>Resources</a:t>
+            </a:r>
+          </a:p>
+        </p:txBody>
+      </p:sp>
+    </p:spTree>
+    <p:extLst>
+      <p:ext uri="{BB962C8B-B14F-4D97-AF65-F5344CB8AC3E}">
+        <p14:creationId xmlns:p14="http://schemas.microsoft.com/office/powerpoint/2010/main" val="732455271"/>
+      </p:ext>
+    </p:extLst>
+  </p:cSld>
+  <p:clrMapOvr>
+    <a:masterClrMapping/>
+  </p:clrMapOvr>
+</p:sld>
+</file>
+
+<file path=ppt/slides/slide29.xml><?xml version="1.0" encoding="utf-8"?>
+<p:sld xmlns:a="http://schemas.openxmlformats.org/drawingml/2006/main" xmlns:r="http://schemas.openxmlformats.org/officeDocument/2006/relationships" xmlns:p="http://schemas.openxmlformats.org/presentationml/2006/main">
+  <p:cSld>
+    <p:spTree>
+      <p:nvGrpSpPr>
+        <p:cNvPr id="1" name=""/>
+        <p:cNvGrpSpPr/>
+        <p:nvPr/>
+      </p:nvGrpSpPr>
+      <p:grpSpPr>
+        <a:xfrm>
+          <a:off x="0" y="0"/>
+          <a:ext cx="0" cy="0"/>
+          <a:chOff x="0" y="0"/>
+          <a:chExt cx="0" cy="0"/>
+        </a:xfrm>
+      </p:grpSpPr>
+      <p:sp>
+        <p:nvSpPr>
           <p:cNvPr id="2" name="Title 1"/>
           <p:cNvSpPr>
             <a:spLocks noGrp="1"/>
@@ -26992,31 +27217,6 @@
           </a:p>
           <a:p>
             <a:endParaRPr lang="en-US" dirty="0"/>
-          </a:p>
-        </p:txBody>
-      </p:sp>
-      <p:sp>
-        <p:nvSpPr>
-          <p:cNvPr id="4" name="Content Placeholder 3">
-            <a:extLst>
-              <a:ext uri="{FF2B5EF4-FFF2-40B4-BE49-F238E27FC236}">
-                <a16:creationId xmlns:a16="http://schemas.microsoft.com/office/drawing/2014/main" id="{4207B427-E16C-4EEB-B108-32D01D640E35}"/>
-              </a:ext>
-            </a:extLst>
-          </p:cNvPr>
-          <p:cNvSpPr>
-            <a:spLocks noGrp="1"/>
-          </p:cNvSpPr>
-          <p:nvPr>
-            <p:ph sz="half" idx="2"/>
-          </p:nvPr>
-        </p:nvSpPr>
-        <p:spPr/>
-        <p:txBody>
-          <a:bodyPr/>
-          <a:lstStyle/>
-          <a:p>
-            <a:endParaRPr lang="en-US"/>
           </a:p>
         </p:txBody>
       </p:sp>
@@ -29645,9 +29845,7 @@
             <a:avLst/>
           </a:prstGeom>
           <a:solidFill>
-            <a:schemeClr val="accent1">
-              <a:lumMod val="75000"/>
-            </a:schemeClr>
+            <a:srgbClr val="08487A"/>
           </a:solidFill>
           <a:ln w="28575">
             <a:solidFill>
@@ -29758,7 +29956,7 @@
         </p:nvSpPr>
         <p:spPr>
           <a:xfrm>
-            <a:off x="138742" y="3166900"/>
+            <a:off x="317841" y="3166900"/>
             <a:ext cx="1836344" cy="745436"/>
           </a:xfrm>
           <a:prstGeom prst="roundRect">
@@ -29822,7 +30020,7 @@
         </p:nvSpPr>
         <p:spPr>
           <a:xfrm>
-            <a:off x="114954" y="4422371"/>
+            <a:off x="294053" y="4422371"/>
             <a:ext cx="1840338" cy="771788"/>
           </a:xfrm>
           <a:prstGeom prst="roundRect">

--- a/Trunk/Getting Started Material/DCAF Training/1 Introduction to DCAF.pptx
+++ b/Trunk/Getting Started Material/DCAF Training/1 Introduction to DCAF.pptx
@@ -8377,7 +8377,7 @@
           <a:p>
             <a:fld id="{A8975C80-FF7F-4140-B105-CF3FA3859277}" type="datetimeFigureOut">
               <a:rPr lang="en-US" smtClean="0"/>
-              <a:t>2018-06-27</a:t>
+              <a:t>2018-06-28</a:t>
             </a:fld>
             <a:endParaRPr lang="en-US"/>
           </a:p>
@@ -13706,7 +13706,7 @@
           <a:p>
             <a:fld id="{1EAA415B-8007-489A-BDE4-6C1DCF92BB48}" type="datetimeFigureOut">
               <a:rPr lang="en-US" smtClean="0"/>
-              <a:t>2018-06-27</a:t>
+              <a:t>2018-06-28</a:t>
             </a:fld>
             <a:endParaRPr lang="en-US"/>
           </a:p>
@@ -14697,7 +14697,7 @@
           <a:p>
             <a:fld id="{1EAA415B-8007-489A-BDE4-6C1DCF92BB48}" type="datetimeFigureOut">
               <a:rPr lang="en-US" smtClean="0"/>
-              <a:t>2018-06-27</a:t>
+              <a:t>2018-06-28</a:t>
             </a:fld>
             <a:endParaRPr lang="en-US"/>
           </a:p>
@@ -29788,7 +29788,7 @@
           </a:prstGeom>
           <a:solidFill>
             <a:schemeClr val="accent3">
-              <a:lumMod val="75000"/>
+              <a:lumMod val="50000"/>
             </a:schemeClr>
           </a:solidFill>
           <a:ln w="28575">

--- a/Trunk/Getting Started Material/DCAF Training/1 Introduction to DCAF.pptx
+++ b/Trunk/Getting Started Material/DCAF Training/1 Introduction to DCAF.pptx
@@ -16,7 +16,7 @@
     <p:sldId id="262" r:id="rId7"/>
     <p:sldId id="292" r:id="rId8"/>
     <p:sldId id="361" r:id="rId9"/>
-    <p:sldId id="363" r:id="rId10"/>
+    <p:sldId id="368" r:id="rId10"/>
     <p:sldId id="366" r:id="rId11"/>
     <p:sldId id="318" r:id="rId12"/>
     <p:sldId id="338" r:id="rId13"/>
@@ -8377,7 +8377,7 @@
           <a:p>
             <a:fld id="{A8975C80-FF7F-4140-B105-CF3FA3859277}" type="datetimeFigureOut">
               <a:rPr lang="en-US" smtClean="0"/>
-              <a:t>2018-06-28</a:t>
+              <a:t>2018-07-03</a:t>
             </a:fld>
             <a:endParaRPr lang="en-US"/>
           </a:p>
@@ -10141,7 +10141,7 @@
     </p:spTree>
     <p:extLst>
       <p:ext uri="{BB962C8B-B14F-4D97-AF65-F5344CB8AC3E}">
-        <p14:creationId xmlns:p14="http://schemas.microsoft.com/office/powerpoint/2010/main" val="2045753204"/>
+        <p14:creationId xmlns:p14="http://schemas.microsoft.com/office/powerpoint/2010/main" val="399638581"/>
       </p:ext>
     </p:extLst>
   </p:cSld>
@@ -13706,7 +13706,7 @@
           <a:p>
             <a:fld id="{1EAA415B-8007-489A-BDE4-6C1DCF92BB48}" type="datetimeFigureOut">
               <a:rPr lang="en-US" smtClean="0"/>
-              <a:t>2018-06-28</a:t>
+              <a:t>2018-07-03</a:t>
             </a:fld>
             <a:endParaRPr lang="en-US"/>
           </a:p>
@@ -14697,7 +14697,7 @@
           <a:p>
             <a:fld id="{1EAA415B-8007-489A-BDE4-6C1DCF92BB48}" type="datetimeFigureOut">
               <a:rPr lang="en-US" smtClean="0"/>
-              <a:t>2018-06-28</a:t>
+              <a:t>2018-07-03</a:t>
             </a:fld>
             <a:endParaRPr lang="en-US"/>
           </a:p>
@@ -17517,71 +17517,184 @@
       </p:grpSpPr>
       <p:sp>
         <p:nvSpPr>
-          <p:cNvPr id="7" name="Rounded Rectangle 6"/>
+          <p:cNvPr id="2" name="Title 1"/>
+          <p:cNvSpPr>
+            <a:spLocks noGrp="1"/>
+          </p:cNvSpPr>
+          <p:nvPr>
+            <p:ph type="title"/>
+          </p:nvPr>
+        </p:nvSpPr>
+        <p:spPr/>
+        <p:txBody>
+          <a:bodyPr/>
+          <a:lstStyle/>
+          <a:p>
+            <a:r>
+              <a:rPr lang="en-US" dirty="0"/>
+              <a:t>DCAF Components</a:t>
+            </a:r>
+          </a:p>
+        </p:txBody>
+      </p:sp>
+      <p:sp>
+        <p:nvSpPr>
+          <p:cNvPr id="3" name="Content Placeholder 2">
+            <a:extLst>
+              <a:ext uri="{FF2B5EF4-FFF2-40B4-BE49-F238E27FC236}">
+                <a16:creationId xmlns:a16="http://schemas.microsoft.com/office/drawing/2014/main" id="{4D3EF6CF-9A23-437F-AD42-D136B975E032}"/>
+              </a:ext>
+            </a:extLst>
+          </p:cNvPr>
+          <p:cNvSpPr>
+            <a:spLocks noGrp="1"/>
+          </p:cNvSpPr>
+          <p:nvPr>
+            <p:ph idx="1"/>
+          </p:nvPr>
+        </p:nvSpPr>
+        <p:spPr/>
+        <p:txBody>
+          <a:bodyPr/>
+          <a:lstStyle/>
+          <a:p>
+            <a:r>
+              <a:rPr lang="en-US" b="1" dirty="0"/>
+              <a:t>Engine</a:t>
+            </a:r>
+            <a:r>
+              <a:rPr lang="en-US" dirty="0"/>
+              <a:t>: State machine that executes </a:t>
+            </a:r>
+            <a:r>
+              <a:rPr lang="en-US" i="1" dirty="0"/>
+              <a:t>Modules</a:t>
+            </a:r>
+            <a:r>
+              <a:rPr lang="en-US" dirty="0"/>
+              <a:t> as defined in the </a:t>
+            </a:r>
+            <a:r>
+              <a:rPr lang="en-US" i="1" dirty="0"/>
+              <a:t>Configuration Editor</a:t>
+            </a:r>
+            <a:r>
+              <a:rPr lang="en-US" dirty="0"/>
+              <a:t> and provides a namespace for </a:t>
+            </a:r>
+            <a:r>
+              <a:rPr lang="en-US" i="1" dirty="0"/>
+              <a:t>Tags</a:t>
+            </a:r>
+            <a:r>
+              <a:rPr lang="en-US" dirty="0"/>
+              <a:t>. The Engine also passes data between its </a:t>
+            </a:r>
+            <a:r>
+              <a:rPr lang="en-US" i="1" dirty="0"/>
+              <a:t>Modules</a:t>
+            </a:r>
+            <a:r>
+              <a:rPr lang="en-US" dirty="0"/>
+              <a:t> according to its </a:t>
+            </a:r>
+            <a:r>
+              <a:rPr lang="en-US" i="1" dirty="0"/>
+              <a:t>Mappings</a:t>
+            </a:r>
+            <a:r>
+              <a:rPr lang="en-US" dirty="0"/>
+              <a:t>.</a:t>
+            </a:r>
+          </a:p>
+          <a:p>
+            <a:r>
+              <a:rPr lang="en-US" b="1" dirty="0"/>
+              <a:t>Module</a:t>
+            </a:r>
+            <a:r>
+              <a:rPr lang="en-US" dirty="0"/>
+              <a:t>: A collection of code of varying functionality that executes within an </a:t>
+            </a:r>
+            <a:r>
+              <a:rPr lang="en-US" i="1" dirty="0"/>
+              <a:t>Engine</a:t>
+            </a:r>
+            <a:r>
+              <a:rPr lang="en-US" dirty="0"/>
+              <a:t> and that can interact with the </a:t>
+            </a:r>
+            <a:r>
+              <a:rPr lang="en-US" i="1" dirty="0"/>
+              <a:t>Tags</a:t>
+            </a:r>
+            <a:r>
+              <a:rPr lang="en-US" dirty="0"/>
+              <a:t> of that </a:t>
+            </a:r>
+            <a:r>
+              <a:rPr lang="en-US" i="1" dirty="0"/>
+              <a:t>Engine</a:t>
+            </a:r>
+            <a:r>
+              <a:rPr lang="en-US" dirty="0"/>
+              <a:t>. Some standard </a:t>
+            </a:r>
+            <a:r>
+              <a:rPr lang="en-US" i="1" dirty="0"/>
+              <a:t>Modules</a:t>
+            </a:r>
+            <a:r>
+              <a:rPr lang="en-US" dirty="0"/>
+              <a:t> are installed with DCAF, but users can also create their own.</a:t>
+            </a:r>
+          </a:p>
+          <a:p>
+            <a:r>
+              <a:rPr lang="en-US" b="1" dirty="0"/>
+              <a:t>Configuration Editor</a:t>
+            </a:r>
+            <a:r>
+              <a:rPr lang="en-US" dirty="0"/>
+              <a:t>: A LabVIEW program used to visually define the functionality of each </a:t>
+            </a:r>
+            <a:r>
+              <a:rPr lang="en-US" i="1" dirty="0"/>
+              <a:t>Engine</a:t>
+            </a:r>
+            <a:r>
+              <a:rPr lang="en-US" dirty="0"/>
+              <a:t> and </a:t>
+            </a:r>
+            <a:r>
+              <a:rPr lang="en-US" i="1" dirty="0"/>
+              <a:t>Module</a:t>
+            </a:r>
+            <a:r>
+              <a:rPr lang="en-US" dirty="0"/>
+              <a:t> in DCAF.</a:t>
+            </a:r>
+          </a:p>
+          <a:p>
+            <a:endParaRPr lang="en-US" dirty="0"/>
+          </a:p>
+        </p:txBody>
+      </p:sp>
+      <p:sp>
+        <p:nvSpPr>
+          <p:cNvPr id="9" name="Rounded Rectangle 6">
+            <a:extLst>
+              <a:ext uri="{FF2B5EF4-FFF2-40B4-BE49-F238E27FC236}">
+                <a16:creationId xmlns:a16="http://schemas.microsoft.com/office/drawing/2014/main" id="{FA936FF4-ACC3-4311-9F22-63C5CDD0EAA2}"/>
+              </a:ext>
+            </a:extLst>
+          </p:cNvPr>
           <p:cNvSpPr/>
           <p:nvPr/>
         </p:nvSpPr>
         <p:spPr>
           <a:xfrm>
-            <a:off x="8892457" y="5523018"/>
-            <a:ext cx="1405593" cy="1157682"/>
-          </a:xfrm>
-          <a:prstGeom prst="roundRect">
-            <a:avLst/>
-          </a:prstGeom>
-          <a:solidFill>
-            <a:schemeClr val="bg1">
-              <a:lumMod val="75000"/>
-            </a:schemeClr>
-          </a:solidFill>
-          <a:ln w="28575">
-            <a:solidFill>
-              <a:schemeClr val="tx1"/>
-            </a:solidFill>
-          </a:ln>
-          <a:effectLst>
-            <a:outerShdw blurRad="50800" dist="38100" dir="2700000" algn="tl" rotWithShape="0">
-              <a:prstClr val="black">
-                <a:alpha val="40000"/>
-              </a:prstClr>
-            </a:outerShdw>
-          </a:effectLst>
-        </p:spPr>
-        <p:style>
-          <a:lnRef idx="1">
-            <a:schemeClr val="accent1"/>
-          </a:lnRef>
-          <a:fillRef idx="3">
-            <a:schemeClr val="accent1"/>
-          </a:fillRef>
-          <a:effectRef idx="2">
-            <a:schemeClr val="accent1"/>
-          </a:effectRef>
-          <a:fontRef idx="minor">
-            <a:schemeClr val="lt1"/>
-          </a:fontRef>
-        </p:style>
-        <p:txBody>
-          <a:bodyPr rtlCol="0" anchor="t" anchorCtr="0"/>
-          <a:lstStyle/>
-          <a:p>
-            <a:endParaRPr lang="en-US" b="1" dirty="0">
-              <a:solidFill>
-                <a:schemeClr val="tx1"/>
-              </a:solidFill>
-            </a:endParaRPr>
-          </a:p>
-        </p:txBody>
-      </p:sp>
-      <p:sp>
-        <p:nvSpPr>
-          <p:cNvPr id="8" name="Rounded Rectangle 7"/>
-          <p:cNvSpPr/>
-          <p:nvPr/>
-        </p:nvSpPr>
-        <p:spPr>
-          <a:xfrm>
-            <a:off x="10614413" y="5523018"/>
+            <a:off x="8831716" y="5564020"/>
             <a:ext cx="1405593" cy="1157682"/>
           </a:xfrm>
           <a:prstGeom prst="roundRect">
@@ -17633,186 +17746,27 @@
       </p:sp>
       <p:sp>
         <p:nvSpPr>
-          <p:cNvPr id="2" name="Title 1"/>
-          <p:cNvSpPr>
-            <a:spLocks noGrp="1"/>
-          </p:cNvSpPr>
-          <p:nvPr>
-            <p:ph type="title"/>
-          </p:nvPr>
-        </p:nvSpPr>
-        <p:spPr/>
-        <p:txBody>
-          <a:bodyPr/>
-          <a:lstStyle/>
-          <a:p>
-            <a:r>
-              <a:rPr lang="en-US" dirty="0"/>
-              <a:t>DCAF Components</a:t>
-            </a:r>
-          </a:p>
-        </p:txBody>
-      </p:sp>
-      <p:sp>
-        <p:nvSpPr>
-          <p:cNvPr id="3" name="Content Placeholder 2">
+          <p:cNvPr id="10" name="Rounded Rectangle 7">
             <a:extLst>
               <a:ext uri="{FF2B5EF4-FFF2-40B4-BE49-F238E27FC236}">
-                <a16:creationId xmlns:a16="http://schemas.microsoft.com/office/drawing/2014/main" id="{4D3EF6CF-9A23-437F-AD42-D136B975E032}"/>
+                <a16:creationId xmlns:a16="http://schemas.microsoft.com/office/drawing/2014/main" id="{F8633A7B-BC13-41AD-BAD0-F43863DE0DA4}"/>
               </a:ext>
             </a:extLst>
           </p:cNvPr>
-          <p:cNvSpPr>
-            <a:spLocks noGrp="1"/>
-          </p:cNvSpPr>
-          <p:nvPr>
-            <p:ph idx="1"/>
-          </p:nvPr>
-        </p:nvSpPr>
-        <p:spPr/>
-        <p:txBody>
-          <a:bodyPr/>
-          <a:lstStyle/>
-          <a:p>
-            <a:r>
-              <a:rPr lang="en-US" b="1" dirty="0"/>
-              <a:t>Engine</a:t>
-            </a:r>
-            <a:r>
-              <a:rPr lang="en-US" dirty="0"/>
-              <a:t>: State machine that executes </a:t>
-            </a:r>
-            <a:r>
-              <a:rPr lang="en-US" i="1" dirty="0"/>
-              <a:t>Modules</a:t>
-            </a:r>
-            <a:r>
-              <a:rPr lang="en-US" dirty="0"/>
-              <a:t> as defined in the </a:t>
-            </a:r>
-            <a:r>
-              <a:rPr lang="en-US" i="1" dirty="0"/>
-              <a:t>Configuration Editor</a:t>
-            </a:r>
-            <a:r>
-              <a:rPr lang="en-US" dirty="0"/>
-              <a:t> and provides a namespace for </a:t>
-            </a:r>
-            <a:r>
-              <a:rPr lang="en-US" i="1" dirty="0"/>
-              <a:t>Tags</a:t>
-            </a:r>
-            <a:r>
-              <a:rPr lang="en-US" dirty="0"/>
-              <a:t>. The Engine also passes data between its </a:t>
-            </a:r>
-            <a:r>
-              <a:rPr lang="en-US" i="1" dirty="0"/>
-              <a:t>Modules</a:t>
-            </a:r>
-            <a:r>
-              <a:rPr lang="en-US" dirty="0"/>
-              <a:t> according to its </a:t>
-            </a:r>
-            <a:r>
-              <a:rPr lang="en-US" i="1" dirty="0"/>
-              <a:t>Mappings</a:t>
-            </a:r>
-            <a:r>
-              <a:rPr lang="en-US" dirty="0"/>
-              <a:t>.</a:t>
-            </a:r>
-          </a:p>
-          <a:p>
-            <a:r>
-              <a:rPr lang="en-US" b="1" dirty="0"/>
-              <a:t>Module</a:t>
-            </a:r>
-            <a:r>
-              <a:rPr lang="en-US" dirty="0"/>
-              <a:t>: A collection of code of varying functionality that executes within an </a:t>
-            </a:r>
-            <a:r>
-              <a:rPr lang="en-US" i="1" dirty="0"/>
-              <a:t>Engine</a:t>
-            </a:r>
-            <a:r>
-              <a:rPr lang="en-US" dirty="0"/>
-              <a:t> and that can interact with the </a:t>
-            </a:r>
-            <a:r>
-              <a:rPr lang="en-US" i="1" dirty="0"/>
-              <a:t>Tags</a:t>
-            </a:r>
-            <a:r>
-              <a:rPr lang="en-US" dirty="0"/>
-              <a:t> of that </a:t>
-            </a:r>
-            <a:r>
-              <a:rPr lang="en-US" i="1" dirty="0"/>
-              <a:t>Engine</a:t>
-            </a:r>
-            <a:r>
-              <a:rPr lang="en-US" dirty="0"/>
-              <a:t>. Some standard </a:t>
-            </a:r>
-            <a:r>
-              <a:rPr lang="en-US" i="1" dirty="0"/>
-              <a:t>Modules</a:t>
-            </a:r>
-            <a:r>
-              <a:rPr lang="en-US" dirty="0"/>
-              <a:t> are installed with DCAF, but users can also create their own.</a:t>
-            </a:r>
-          </a:p>
-          <a:p>
-            <a:r>
-              <a:rPr lang="en-US" b="1" dirty="0"/>
-              <a:t>Configuration Editor</a:t>
-            </a:r>
-            <a:r>
-              <a:rPr lang="en-US" dirty="0"/>
-              <a:t>: A LabVIEW program used to visually define the functionality of each </a:t>
-            </a:r>
-            <a:r>
-              <a:rPr lang="en-US" i="1" dirty="0"/>
-              <a:t>Engine</a:t>
-            </a:r>
-            <a:r>
-              <a:rPr lang="en-US" dirty="0"/>
-              <a:t> and </a:t>
-            </a:r>
-            <a:r>
-              <a:rPr lang="en-US" i="1" dirty="0"/>
-              <a:t>Module</a:t>
-            </a:r>
-            <a:r>
-              <a:rPr lang="en-US" dirty="0"/>
-              <a:t> in DCAF.</a:t>
-            </a:r>
-          </a:p>
-          <a:p>
-            <a:endParaRPr lang="en-US" dirty="0"/>
-          </a:p>
-        </p:txBody>
-      </p:sp>
-      <p:sp>
-        <p:nvSpPr>
-          <p:cNvPr id="4" name="Rounded Rectangle 3"/>
           <p:cNvSpPr/>
           <p:nvPr/>
         </p:nvSpPr>
         <p:spPr>
           <a:xfrm>
-            <a:off x="10763795" y="5744084"/>
-            <a:ext cx="1090877" cy="222063"/>
+            <a:off x="10619041" y="5564020"/>
+            <a:ext cx="1405593" cy="1157682"/>
           </a:xfrm>
           <a:prstGeom prst="roundRect">
             <a:avLst/>
           </a:prstGeom>
           <a:solidFill>
-            <a:schemeClr val="accent3">
-              <a:lumMod val="75000"/>
+            <a:schemeClr val="bg1">
+              <a:lumMod val="85000"/>
             </a:schemeClr>
           </a:solidFill>
           <a:ln w="28575">
@@ -17843,34 +17797,102 @@
           </a:fontRef>
         </p:style>
         <p:txBody>
-          <a:bodyPr rtlCol="0" anchor="ctr"/>
+          <a:bodyPr rtlCol="0" anchor="t" anchorCtr="0"/>
           <a:lstStyle/>
           <a:p>
-            <a:pPr algn="ctr"/>
-            <a:r>
-              <a:rPr lang="en-US" dirty="0"/>
-              <a:t>Engine</a:t>
-            </a:r>
+            <a:endParaRPr lang="en-US" b="1" dirty="0">
+              <a:solidFill>
+                <a:schemeClr val="tx1"/>
+              </a:solidFill>
+            </a:endParaRPr>
           </a:p>
         </p:txBody>
       </p:sp>
       <p:sp>
         <p:nvSpPr>
-          <p:cNvPr id="6" name="Rounded Rectangle 5"/>
+          <p:cNvPr id="11" name="Rounded Rectangle 3">
+            <a:extLst>
+              <a:ext uri="{FF2B5EF4-FFF2-40B4-BE49-F238E27FC236}">
+                <a16:creationId xmlns:a16="http://schemas.microsoft.com/office/drawing/2014/main" id="{41D3FF94-1EAE-4C51-A621-723BC5DF3BD7}"/>
+              </a:ext>
+            </a:extLst>
+          </p:cNvPr>
           <p:cNvSpPr/>
           <p:nvPr/>
         </p:nvSpPr>
         <p:spPr>
           <a:xfrm>
-            <a:off x="9075978" y="5736236"/>
-            <a:ext cx="1038549" cy="229911"/>
+            <a:off x="10784375" y="5790808"/>
+            <a:ext cx="1074926" cy="222063"/>
           </a:xfrm>
           <a:prstGeom prst="roundRect">
             <a:avLst/>
           </a:prstGeom>
           <a:solidFill>
-            <a:schemeClr val="accent1">
-              <a:lumMod val="75000"/>
+            <a:srgbClr val="C00000"/>
+          </a:solidFill>
+          <a:ln w="28575">
+            <a:solidFill>
+              <a:schemeClr val="tx1"/>
+            </a:solidFill>
+          </a:ln>
+          <a:effectLst>
+            <a:outerShdw blurRad="50800" dist="38100" dir="2700000" algn="tl" rotWithShape="0">
+              <a:prstClr val="black">
+                <a:alpha val="40000"/>
+              </a:prstClr>
+            </a:outerShdw>
+          </a:effectLst>
+        </p:spPr>
+        <p:style>
+          <a:lnRef idx="1">
+            <a:schemeClr val="accent1"/>
+          </a:lnRef>
+          <a:fillRef idx="3">
+            <a:schemeClr val="accent1"/>
+          </a:fillRef>
+          <a:effectRef idx="2">
+            <a:schemeClr val="accent1"/>
+          </a:effectRef>
+          <a:fontRef idx="minor">
+            <a:schemeClr val="lt1"/>
+          </a:fontRef>
+        </p:style>
+        <p:txBody>
+          <a:bodyPr rtlCol="0" anchor="ctr"/>
+          <a:lstStyle/>
+          <a:p>
+            <a:pPr algn="ctr"/>
+            <a:r>
+              <a:rPr lang="en-US" dirty="0"/>
+              <a:t>Engine</a:t>
+            </a:r>
+          </a:p>
+        </p:txBody>
+      </p:sp>
+      <p:sp>
+        <p:nvSpPr>
+          <p:cNvPr id="12" name="Rounded Rectangle 5">
+            <a:extLst>
+              <a:ext uri="{FF2B5EF4-FFF2-40B4-BE49-F238E27FC236}">
+                <a16:creationId xmlns:a16="http://schemas.microsoft.com/office/drawing/2014/main" id="{67D9D363-1586-4E10-AA87-A66E5A671F0F}"/>
+              </a:ext>
+            </a:extLst>
+          </p:cNvPr>
+          <p:cNvSpPr/>
+          <p:nvPr/>
+        </p:nvSpPr>
+        <p:spPr>
+          <a:xfrm>
+            <a:off x="9015238" y="5790808"/>
+            <a:ext cx="1038549" cy="229913"/>
+          </a:xfrm>
+          <a:prstGeom prst="roundRect">
+            <a:avLst/>
+          </a:prstGeom>
+          <a:solidFill>
+            <a:schemeClr val="accent3">
+              <a:lumMod val="50000"/>
             </a:schemeClr>
           </a:solidFill>
           <a:ln w="28575">
@@ -17914,20 +17936,28 @@
       </p:sp>
       <p:sp>
         <p:nvSpPr>
-          <p:cNvPr id="5" name="Rounded Rectangle 4"/>
+          <p:cNvPr id="13" name="Rounded Rectangle 4">
+            <a:extLst>
+              <a:ext uri="{FF2B5EF4-FFF2-40B4-BE49-F238E27FC236}">
+                <a16:creationId xmlns:a16="http://schemas.microsoft.com/office/drawing/2014/main" id="{9EA5BAAB-AFC9-45AE-B877-3023E39D4A33}"/>
+              </a:ext>
+            </a:extLst>
+          </p:cNvPr>
           <p:cNvSpPr/>
           <p:nvPr/>
         </p:nvSpPr>
         <p:spPr>
           <a:xfrm>
-            <a:off x="9075978" y="6212057"/>
-            <a:ext cx="2760507" cy="229911"/>
+            <a:off x="9047922" y="6316178"/>
+            <a:ext cx="2760506" cy="229913"/>
           </a:xfrm>
           <a:prstGeom prst="roundRect">
             <a:avLst/>
           </a:prstGeom>
           <a:solidFill>
-            <a:srgbClr val="C00000"/>
+            <a:schemeClr val="tx2">
+              <a:lumMod val="50000"/>
+            </a:schemeClr>
           </a:solidFill>
           <a:ln w="28575">
             <a:solidFill>
@@ -18040,8 +18070,8 @@
         </p:nvSpPr>
         <p:spPr>
           <a:xfrm>
-            <a:off x="6197600" y="975361"/>
-            <a:ext cx="5696930" cy="5201073"/>
+            <a:off x="6197600" y="975362"/>
+            <a:ext cx="5696930" cy="4114466"/>
           </a:xfrm>
         </p:spPr>
         <p:txBody>
@@ -18098,328 +18128,6 @@
           </a:p>
           <a:p>
             <a:endParaRPr lang="en-US" dirty="0"/>
-          </a:p>
-        </p:txBody>
-      </p:sp>
-      <p:sp>
-        <p:nvSpPr>
-          <p:cNvPr id="6" name="Rounded Rectangle 6">
-            <a:extLst>
-              <a:ext uri="{FF2B5EF4-FFF2-40B4-BE49-F238E27FC236}">
-                <a16:creationId xmlns:a16="http://schemas.microsoft.com/office/drawing/2014/main" id="{41681314-3E96-429B-8B23-8C35FAD28407}"/>
-              </a:ext>
-            </a:extLst>
-          </p:cNvPr>
-          <p:cNvSpPr/>
-          <p:nvPr/>
-        </p:nvSpPr>
-        <p:spPr>
-          <a:xfrm>
-            <a:off x="8892457" y="5523018"/>
-            <a:ext cx="1405593" cy="1157682"/>
-          </a:xfrm>
-          <a:prstGeom prst="roundRect">
-            <a:avLst/>
-          </a:prstGeom>
-          <a:solidFill>
-            <a:schemeClr val="bg1">
-              <a:lumMod val="75000"/>
-              <a:alpha val="18000"/>
-            </a:schemeClr>
-          </a:solidFill>
-          <a:ln w="28575">
-            <a:solidFill>
-              <a:schemeClr val="tx1"/>
-            </a:solidFill>
-          </a:ln>
-          <a:effectLst>
-            <a:outerShdw blurRad="50800" dist="38100" dir="2700000" algn="tl" rotWithShape="0">
-              <a:prstClr val="black">
-                <a:alpha val="40000"/>
-              </a:prstClr>
-            </a:outerShdw>
-          </a:effectLst>
-        </p:spPr>
-        <p:style>
-          <a:lnRef idx="1">
-            <a:schemeClr val="accent1"/>
-          </a:lnRef>
-          <a:fillRef idx="3">
-            <a:schemeClr val="accent1"/>
-          </a:fillRef>
-          <a:effectRef idx="2">
-            <a:schemeClr val="accent1"/>
-          </a:effectRef>
-          <a:fontRef idx="minor">
-            <a:schemeClr val="lt1"/>
-          </a:fontRef>
-        </p:style>
-        <p:txBody>
-          <a:bodyPr rtlCol="0" anchor="t" anchorCtr="0"/>
-          <a:lstStyle/>
-          <a:p>
-            <a:endParaRPr lang="en-US" b="1" dirty="0">
-              <a:solidFill>
-                <a:schemeClr val="tx1"/>
-              </a:solidFill>
-            </a:endParaRPr>
-          </a:p>
-        </p:txBody>
-      </p:sp>
-      <p:sp>
-        <p:nvSpPr>
-          <p:cNvPr id="7" name="Rounded Rectangle 7">
-            <a:extLst>
-              <a:ext uri="{FF2B5EF4-FFF2-40B4-BE49-F238E27FC236}">
-                <a16:creationId xmlns:a16="http://schemas.microsoft.com/office/drawing/2014/main" id="{0EE8F6E4-66F3-4E23-9DF2-E5E8DB06B9FE}"/>
-              </a:ext>
-            </a:extLst>
-          </p:cNvPr>
-          <p:cNvSpPr/>
-          <p:nvPr/>
-        </p:nvSpPr>
-        <p:spPr>
-          <a:xfrm>
-            <a:off x="10614413" y="5523018"/>
-            <a:ext cx="1405593" cy="1157682"/>
-          </a:xfrm>
-          <a:prstGeom prst="roundRect">
-            <a:avLst/>
-          </a:prstGeom>
-          <a:solidFill>
-            <a:schemeClr val="bg1">
-              <a:lumMod val="85000"/>
-              <a:alpha val="18000"/>
-            </a:schemeClr>
-          </a:solidFill>
-          <a:ln w="28575">
-            <a:solidFill>
-              <a:schemeClr val="tx1"/>
-            </a:solidFill>
-          </a:ln>
-          <a:effectLst>
-            <a:outerShdw blurRad="50800" dist="38100" dir="2700000" algn="tl" rotWithShape="0">
-              <a:prstClr val="black">
-                <a:alpha val="40000"/>
-              </a:prstClr>
-            </a:outerShdw>
-          </a:effectLst>
-        </p:spPr>
-        <p:style>
-          <a:lnRef idx="1">
-            <a:schemeClr val="accent1"/>
-          </a:lnRef>
-          <a:fillRef idx="3">
-            <a:schemeClr val="accent1"/>
-          </a:fillRef>
-          <a:effectRef idx="2">
-            <a:schemeClr val="accent1"/>
-          </a:effectRef>
-          <a:fontRef idx="minor">
-            <a:schemeClr val="lt1"/>
-          </a:fontRef>
-        </p:style>
-        <p:txBody>
-          <a:bodyPr rtlCol="0" anchor="t" anchorCtr="0"/>
-          <a:lstStyle/>
-          <a:p>
-            <a:endParaRPr lang="en-US" b="1" dirty="0">
-              <a:solidFill>
-                <a:schemeClr val="tx1"/>
-              </a:solidFill>
-            </a:endParaRPr>
-          </a:p>
-        </p:txBody>
-      </p:sp>
-      <p:sp>
-        <p:nvSpPr>
-          <p:cNvPr id="8" name="Rounded Rectangle 3">
-            <a:extLst>
-              <a:ext uri="{FF2B5EF4-FFF2-40B4-BE49-F238E27FC236}">
-                <a16:creationId xmlns:a16="http://schemas.microsoft.com/office/drawing/2014/main" id="{E1AC3EE9-9CD8-43CB-A153-9D8BA3188C87}"/>
-              </a:ext>
-            </a:extLst>
-          </p:cNvPr>
-          <p:cNvSpPr/>
-          <p:nvPr/>
-        </p:nvSpPr>
-        <p:spPr>
-          <a:xfrm>
-            <a:off x="10763795" y="5744084"/>
-            <a:ext cx="1090877" cy="222063"/>
-          </a:xfrm>
-          <a:prstGeom prst="roundRect">
-            <a:avLst/>
-          </a:prstGeom>
-          <a:solidFill>
-            <a:schemeClr val="accent3">
-              <a:lumMod val="75000"/>
-              <a:alpha val="18000"/>
-            </a:schemeClr>
-          </a:solidFill>
-          <a:ln w="28575">
-            <a:solidFill>
-              <a:schemeClr val="tx1"/>
-            </a:solidFill>
-          </a:ln>
-          <a:effectLst>
-            <a:outerShdw blurRad="50800" dist="38100" dir="2700000" algn="tl" rotWithShape="0">
-              <a:prstClr val="black">
-                <a:alpha val="40000"/>
-              </a:prstClr>
-            </a:outerShdw>
-          </a:effectLst>
-        </p:spPr>
-        <p:style>
-          <a:lnRef idx="1">
-            <a:schemeClr val="accent1"/>
-          </a:lnRef>
-          <a:fillRef idx="3">
-            <a:schemeClr val="accent1"/>
-          </a:fillRef>
-          <a:effectRef idx="2">
-            <a:schemeClr val="accent1"/>
-          </a:effectRef>
-          <a:fontRef idx="minor">
-            <a:schemeClr val="lt1"/>
-          </a:fontRef>
-        </p:style>
-        <p:txBody>
-          <a:bodyPr rtlCol="0" anchor="ctr"/>
-          <a:lstStyle/>
-          <a:p>
-            <a:pPr algn="ctr"/>
-            <a:r>
-              <a:rPr lang="en-US" dirty="0"/>
-              <a:t>Engine</a:t>
-            </a:r>
-          </a:p>
-        </p:txBody>
-      </p:sp>
-      <p:sp>
-        <p:nvSpPr>
-          <p:cNvPr id="9" name="Rounded Rectangle 5">
-            <a:extLst>
-              <a:ext uri="{FF2B5EF4-FFF2-40B4-BE49-F238E27FC236}">
-                <a16:creationId xmlns:a16="http://schemas.microsoft.com/office/drawing/2014/main" id="{635EFB7B-1159-459D-BABC-642E4DBA1D62}"/>
-              </a:ext>
-            </a:extLst>
-          </p:cNvPr>
-          <p:cNvSpPr/>
-          <p:nvPr/>
-        </p:nvSpPr>
-        <p:spPr>
-          <a:xfrm>
-            <a:off x="9075978" y="5736236"/>
-            <a:ext cx="1038549" cy="229911"/>
-          </a:xfrm>
-          <a:prstGeom prst="roundRect">
-            <a:avLst/>
-          </a:prstGeom>
-          <a:solidFill>
-            <a:schemeClr val="accent1">
-              <a:lumMod val="75000"/>
-              <a:alpha val="18000"/>
-            </a:schemeClr>
-          </a:solidFill>
-          <a:ln w="28575">
-            <a:solidFill>
-              <a:schemeClr val="tx1"/>
-            </a:solidFill>
-          </a:ln>
-          <a:effectLst>
-            <a:outerShdw blurRad="50800" dist="38100" dir="2700000" algn="tl" rotWithShape="0">
-              <a:prstClr val="black">
-                <a:alpha val="40000"/>
-              </a:prstClr>
-            </a:outerShdw>
-          </a:effectLst>
-        </p:spPr>
-        <p:style>
-          <a:lnRef idx="1">
-            <a:schemeClr val="accent1"/>
-          </a:lnRef>
-          <a:fillRef idx="3">
-            <a:schemeClr val="accent1"/>
-          </a:fillRef>
-          <a:effectRef idx="2">
-            <a:schemeClr val="accent1"/>
-          </a:effectRef>
-          <a:fontRef idx="minor">
-            <a:schemeClr val="lt1"/>
-          </a:fontRef>
-        </p:style>
-        <p:txBody>
-          <a:bodyPr rtlCol="0" anchor="ctr"/>
-          <a:lstStyle/>
-          <a:p>
-            <a:pPr algn="ctr"/>
-            <a:r>
-              <a:rPr lang="en-US" dirty="0"/>
-              <a:t>Editor</a:t>
-            </a:r>
-          </a:p>
-        </p:txBody>
-      </p:sp>
-      <p:sp>
-        <p:nvSpPr>
-          <p:cNvPr id="10" name="Rounded Rectangle 4">
-            <a:extLst>
-              <a:ext uri="{FF2B5EF4-FFF2-40B4-BE49-F238E27FC236}">
-                <a16:creationId xmlns:a16="http://schemas.microsoft.com/office/drawing/2014/main" id="{263133A0-594E-4D82-9C3B-A2D4F730B2C4}"/>
-              </a:ext>
-            </a:extLst>
-          </p:cNvPr>
-          <p:cNvSpPr/>
-          <p:nvPr/>
-        </p:nvSpPr>
-        <p:spPr>
-          <a:xfrm>
-            <a:off x="9075978" y="6212057"/>
-            <a:ext cx="2760507" cy="229911"/>
-          </a:xfrm>
-          <a:prstGeom prst="roundRect">
-            <a:avLst/>
-          </a:prstGeom>
-          <a:solidFill>
-            <a:srgbClr val="C00000"/>
-          </a:solidFill>
-          <a:ln w="28575">
-            <a:solidFill>
-              <a:schemeClr val="tx1"/>
-            </a:solidFill>
-          </a:ln>
-          <a:effectLst>
-            <a:outerShdw blurRad="50800" dist="38100" dir="2700000" algn="tl" rotWithShape="0">
-              <a:prstClr val="black">
-                <a:alpha val="40000"/>
-              </a:prstClr>
-            </a:outerShdw>
-          </a:effectLst>
-        </p:spPr>
-        <p:style>
-          <a:lnRef idx="1">
-            <a:schemeClr val="accent1"/>
-          </a:lnRef>
-          <a:fillRef idx="3">
-            <a:schemeClr val="accent1"/>
-          </a:fillRef>
-          <a:effectRef idx="2">
-            <a:schemeClr val="accent1"/>
-          </a:effectRef>
-          <a:fontRef idx="minor">
-            <a:schemeClr val="lt1"/>
-          </a:fontRef>
-        </p:style>
-        <p:txBody>
-          <a:bodyPr rtlCol="0" anchor="ctr"/>
-          <a:lstStyle/>
-          <a:p>
-            <a:pPr algn="ctr"/>
-            <a:r>
-              <a:rPr lang="en-US" dirty="0"/>
-              <a:t>Modules</a:t>
-            </a:r>
           </a:p>
         </p:txBody>
       </p:sp>
@@ -18478,6 +18186,327 @@
           </a:graphicData>
         </a:graphic>
       </p:graphicFrame>
+      <p:sp>
+        <p:nvSpPr>
+          <p:cNvPr id="12" name="Rounded Rectangle 6">
+            <a:extLst>
+              <a:ext uri="{FF2B5EF4-FFF2-40B4-BE49-F238E27FC236}">
+                <a16:creationId xmlns:a16="http://schemas.microsoft.com/office/drawing/2014/main" id="{61D578E2-8C9B-43A5-B169-B3E8CEB11B71}"/>
+              </a:ext>
+            </a:extLst>
+          </p:cNvPr>
+          <p:cNvSpPr/>
+          <p:nvPr/>
+        </p:nvSpPr>
+        <p:spPr>
+          <a:xfrm>
+            <a:off x="8831716" y="5564020"/>
+            <a:ext cx="1405593" cy="1157682"/>
+          </a:xfrm>
+          <a:prstGeom prst="roundRect">
+            <a:avLst/>
+          </a:prstGeom>
+          <a:solidFill>
+            <a:schemeClr val="bg1">
+              <a:lumMod val="85000"/>
+            </a:schemeClr>
+          </a:solidFill>
+          <a:ln w="28575">
+            <a:solidFill>
+              <a:schemeClr val="tx1"/>
+            </a:solidFill>
+          </a:ln>
+          <a:effectLst>
+            <a:outerShdw blurRad="50800" dist="38100" dir="2700000" algn="tl" rotWithShape="0">
+              <a:prstClr val="black">
+                <a:alpha val="40000"/>
+              </a:prstClr>
+            </a:outerShdw>
+          </a:effectLst>
+        </p:spPr>
+        <p:style>
+          <a:lnRef idx="1">
+            <a:schemeClr val="accent1"/>
+          </a:lnRef>
+          <a:fillRef idx="3">
+            <a:schemeClr val="accent1"/>
+          </a:fillRef>
+          <a:effectRef idx="2">
+            <a:schemeClr val="accent1"/>
+          </a:effectRef>
+          <a:fontRef idx="minor">
+            <a:schemeClr val="lt1"/>
+          </a:fontRef>
+        </p:style>
+        <p:txBody>
+          <a:bodyPr rtlCol="0" anchor="t" anchorCtr="0"/>
+          <a:lstStyle/>
+          <a:p>
+            <a:endParaRPr lang="en-US" b="1" dirty="0">
+              <a:solidFill>
+                <a:schemeClr val="tx1"/>
+              </a:solidFill>
+            </a:endParaRPr>
+          </a:p>
+        </p:txBody>
+      </p:sp>
+      <p:sp>
+        <p:nvSpPr>
+          <p:cNvPr id="13" name="Rounded Rectangle 7">
+            <a:extLst>
+              <a:ext uri="{FF2B5EF4-FFF2-40B4-BE49-F238E27FC236}">
+                <a16:creationId xmlns:a16="http://schemas.microsoft.com/office/drawing/2014/main" id="{EE426107-A8EC-4320-AD4E-BED2E16D06CC}"/>
+              </a:ext>
+            </a:extLst>
+          </p:cNvPr>
+          <p:cNvSpPr/>
+          <p:nvPr/>
+        </p:nvSpPr>
+        <p:spPr>
+          <a:xfrm>
+            <a:off x="10619041" y="5564020"/>
+            <a:ext cx="1405593" cy="1157682"/>
+          </a:xfrm>
+          <a:prstGeom prst="roundRect">
+            <a:avLst/>
+          </a:prstGeom>
+          <a:solidFill>
+            <a:schemeClr val="bg1">
+              <a:lumMod val="85000"/>
+            </a:schemeClr>
+          </a:solidFill>
+          <a:ln w="28575">
+            <a:solidFill>
+              <a:schemeClr val="tx1"/>
+            </a:solidFill>
+          </a:ln>
+          <a:effectLst>
+            <a:outerShdw blurRad="50800" dist="38100" dir="2700000" algn="tl" rotWithShape="0">
+              <a:prstClr val="black">
+                <a:alpha val="40000"/>
+              </a:prstClr>
+            </a:outerShdw>
+          </a:effectLst>
+        </p:spPr>
+        <p:style>
+          <a:lnRef idx="1">
+            <a:schemeClr val="accent1"/>
+          </a:lnRef>
+          <a:fillRef idx="3">
+            <a:schemeClr val="accent1"/>
+          </a:fillRef>
+          <a:effectRef idx="2">
+            <a:schemeClr val="accent1"/>
+          </a:effectRef>
+          <a:fontRef idx="minor">
+            <a:schemeClr val="lt1"/>
+          </a:fontRef>
+        </p:style>
+        <p:txBody>
+          <a:bodyPr rtlCol="0" anchor="t" anchorCtr="0"/>
+          <a:lstStyle/>
+          <a:p>
+            <a:endParaRPr lang="en-US" b="1" dirty="0">
+              <a:solidFill>
+                <a:schemeClr val="tx1"/>
+              </a:solidFill>
+            </a:endParaRPr>
+          </a:p>
+        </p:txBody>
+      </p:sp>
+      <p:sp>
+        <p:nvSpPr>
+          <p:cNvPr id="14" name="Rounded Rectangle 3">
+            <a:extLst>
+              <a:ext uri="{FF2B5EF4-FFF2-40B4-BE49-F238E27FC236}">
+                <a16:creationId xmlns:a16="http://schemas.microsoft.com/office/drawing/2014/main" id="{F1E49C5A-A3FB-432E-A44C-96D605F7CD9A}"/>
+              </a:ext>
+            </a:extLst>
+          </p:cNvPr>
+          <p:cNvSpPr/>
+          <p:nvPr/>
+        </p:nvSpPr>
+        <p:spPr>
+          <a:xfrm>
+            <a:off x="10784375" y="5790808"/>
+            <a:ext cx="1074926" cy="222063"/>
+          </a:xfrm>
+          <a:prstGeom prst="roundRect">
+            <a:avLst/>
+          </a:prstGeom>
+          <a:solidFill>
+            <a:srgbClr val="C00000">
+              <a:alpha val="20000"/>
+            </a:srgbClr>
+          </a:solidFill>
+          <a:ln w="28575">
+            <a:solidFill>
+              <a:schemeClr val="tx1"/>
+            </a:solidFill>
+          </a:ln>
+          <a:effectLst>
+            <a:outerShdw blurRad="50800" dist="38100" dir="2700000" algn="tl" rotWithShape="0">
+              <a:prstClr val="black">
+                <a:alpha val="40000"/>
+              </a:prstClr>
+            </a:outerShdw>
+          </a:effectLst>
+        </p:spPr>
+        <p:style>
+          <a:lnRef idx="1">
+            <a:schemeClr val="accent1"/>
+          </a:lnRef>
+          <a:fillRef idx="3">
+            <a:schemeClr val="accent1"/>
+          </a:fillRef>
+          <a:effectRef idx="2">
+            <a:schemeClr val="accent1"/>
+          </a:effectRef>
+          <a:fontRef idx="minor">
+            <a:schemeClr val="lt1"/>
+          </a:fontRef>
+        </p:style>
+        <p:txBody>
+          <a:bodyPr rtlCol="0" anchor="ctr"/>
+          <a:lstStyle/>
+          <a:p>
+            <a:pPr algn="ctr"/>
+            <a:r>
+              <a:rPr lang="en-US" dirty="0"/>
+              <a:t>Engine</a:t>
+            </a:r>
+          </a:p>
+        </p:txBody>
+      </p:sp>
+      <p:sp>
+        <p:nvSpPr>
+          <p:cNvPr id="15" name="Rounded Rectangle 5">
+            <a:extLst>
+              <a:ext uri="{FF2B5EF4-FFF2-40B4-BE49-F238E27FC236}">
+                <a16:creationId xmlns:a16="http://schemas.microsoft.com/office/drawing/2014/main" id="{5C06D062-D401-48C1-A2E8-1B9B9FA72CAB}"/>
+              </a:ext>
+            </a:extLst>
+          </p:cNvPr>
+          <p:cNvSpPr/>
+          <p:nvPr/>
+        </p:nvSpPr>
+        <p:spPr>
+          <a:xfrm>
+            <a:off x="9015238" y="5790808"/>
+            <a:ext cx="1038549" cy="229913"/>
+          </a:xfrm>
+          <a:prstGeom prst="roundRect">
+            <a:avLst/>
+          </a:prstGeom>
+          <a:solidFill>
+            <a:schemeClr val="accent3">
+              <a:lumMod val="50000"/>
+              <a:alpha val="20000"/>
+            </a:schemeClr>
+          </a:solidFill>
+          <a:ln w="28575">
+            <a:solidFill>
+              <a:schemeClr val="tx1"/>
+            </a:solidFill>
+          </a:ln>
+          <a:effectLst>
+            <a:outerShdw blurRad="50800" dist="38100" dir="2700000" algn="tl" rotWithShape="0">
+              <a:prstClr val="black">
+                <a:alpha val="40000"/>
+              </a:prstClr>
+            </a:outerShdw>
+          </a:effectLst>
+        </p:spPr>
+        <p:style>
+          <a:lnRef idx="1">
+            <a:schemeClr val="accent1"/>
+          </a:lnRef>
+          <a:fillRef idx="3">
+            <a:schemeClr val="accent1"/>
+          </a:fillRef>
+          <a:effectRef idx="2">
+            <a:schemeClr val="accent1"/>
+          </a:effectRef>
+          <a:fontRef idx="minor">
+            <a:schemeClr val="lt1"/>
+          </a:fontRef>
+        </p:style>
+        <p:txBody>
+          <a:bodyPr rtlCol="0" anchor="ctr"/>
+          <a:lstStyle/>
+          <a:p>
+            <a:pPr algn="ctr"/>
+            <a:r>
+              <a:rPr lang="en-US" dirty="0"/>
+              <a:t>Editor</a:t>
+            </a:r>
+          </a:p>
+        </p:txBody>
+      </p:sp>
+      <p:sp>
+        <p:nvSpPr>
+          <p:cNvPr id="16" name="Rounded Rectangle 4">
+            <a:extLst>
+              <a:ext uri="{FF2B5EF4-FFF2-40B4-BE49-F238E27FC236}">
+                <a16:creationId xmlns:a16="http://schemas.microsoft.com/office/drawing/2014/main" id="{84DAFFDC-6C71-4A50-8526-0B6C7BA2C0BA}"/>
+              </a:ext>
+            </a:extLst>
+          </p:cNvPr>
+          <p:cNvSpPr/>
+          <p:nvPr/>
+        </p:nvSpPr>
+        <p:spPr>
+          <a:xfrm>
+            <a:off x="9047922" y="6316178"/>
+            <a:ext cx="2760506" cy="229913"/>
+          </a:xfrm>
+          <a:prstGeom prst="roundRect">
+            <a:avLst/>
+          </a:prstGeom>
+          <a:solidFill>
+            <a:schemeClr val="tx2">
+              <a:lumMod val="50000"/>
+            </a:schemeClr>
+          </a:solidFill>
+          <a:ln w="28575">
+            <a:solidFill>
+              <a:schemeClr val="tx1"/>
+            </a:solidFill>
+          </a:ln>
+          <a:effectLst>
+            <a:outerShdw blurRad="50800" dist="38100" dir="2700000" algn="tl" rotWithShape="0">
+              <a:prstClr val="black">
+                <a:alpha val="40000"/>
+              </a:prstClr>
+            </a:outerShdw>
+          </a:effectLst>
+        </p:spPr>
+        <p:style>
+          <a:lnRef idx="1">
+            <a:schemeClr val="accent1"/>
+          </a:lnRef>
+          <a:fillRef idx="3">
+            <a:schemeClr val="accent1"/>
+          </a:fillRef>
+          <a:effectRef idx="2">
+            <a:schemeClr val="accent1"/>
+          </a:effectRef>
+          <a:fontRef idx="minor">
+            <a:schemeClr val="lt1"/>
+          </a:fontRef>
+        </p:style>
+        <p:txBody>
+          <a:bodyPr rtlCol="0" anchor="ctr"/>
+          <a:lstStyle/>
+          <a:p>
+            <a:pPr algn="ctr"/>
+            <a:r>
+              <a:rPr lang="en-US" dirty="0"/>
+              <a:t>Modules</a:t>
+            </a:r>
+          </a:p>
+        </p:txBody>
+      </p:sp>
     </p:spTree>
     <p:extLst>
       <p:ext uri="{BB962C8B-B14F-4D97-AF65-F5344CB8AC3E}">
@@ -18593,328 +18622,6 @@
       </p:sp>
       <p:sp>
         <p:nvSpPr>
-          <p:cNvPr id="6" name="Rounded Rectangle 6">
-            <a:extLst>
-              <a:ext uri="{FF2B5EF4-FFF2-40B4-BE49-F238E27FC236}">
-                <a16:creationId xmlns:a16="http://schemas.microsoft.com/office/drawing/2014/main" id="{F09F4491-4D64-404F-A29B-FABFBA7806D8}"/>
-              </a:ext>
-            </a:extLst>
-          </p:cNvPr>
-          <p:cNvSpPr/>
-          <p:nvPr/>
-        </p:nvSpPr>
-        <p:spPr>
-          <a:xfrm>
-            <a:off x="8892457" y="5523018"/>
-            <a:ext cx="1405593" cy="1157682"/>
-          </a:xfrm>
-          <a:prstGeom prst="roundRect">
-            <a:avLst/>
-          </a:prstGeom>
-          <a:solidFill>
-            <a:schemeClr val="bg1">
-              <a:lumMod val="75000"/>
-              <a:alpha val="18000"/>
-            </a:schemeClr>
-          </a:solidFill>
-          <a:ln w="28575">
-            <a:solidFill>
-              <a:schemeClr val="tx1"/>
-            </a:solidFill>
-          </a:ln>
-          <a:effectLst>
-            <a:outerShdw blurRad="50800" dist="38100" dir="2700000" algn="tl" rotWithShape="0">
-              <a:prstClr val="black">
-                <a:alpha val="40000"/>
-              </a:prstClr>
-            </a:outerShdw>
-          </a:effectLst>
-        </p:spPr>
-        <p:style>
-          <a:lnRef idx="1">
-            <a:schemeClr val="accent1"/>
-          </a:lnRef>
-          <a:fillRef idx="3">
-            <a:schemeClr val="accent1"/>
-          </a:fillRef>
-          <a:effectRef idx="2">
-            <a:schemeClr val="accent1"/>
-          </a:effectRef>
-          <a:fontRef idx="minor">
-            <a:schemeClr val="lt1"/>
-          </a:fontRef>
-        </p:style>
-        <p:txBody>
-          <a:bodyPr rtlCol="0" anchor="t" anchorCtr="0"/>
-          <a:lstStyle/>
-          <a:p>
-            <a:endParaRPr lang="en-US" b="1" dirty="0">
-              <a:solidFill>
-                <a:schemeClr val="tx1"/>
-              </a:solidFill>
-            </a:endParaRPr>
-          </a:p>
-        </p:txBody>
-      </p:sp>
-      <p:sp>
-        <p:nvSpPr>
-          <p:cNvPr id="7" name="Rounded Rectangle 7">
-            <a:extLst>
-              <a:ext uri="{FF2B5EF4-FFF2-40B4-BE49-F238E27FC236}">
-                <a16:creationId xmlns:a16="http://schemas.microsoft.com/office/drawing/2014/main" id="{B58C00D4-37D0-423B-99FE-DA91A5ACF20B}"/>
-              </a:ext>
-            </a:extLst>
-          </p:cNvPr>
-          <p:cNvSpPr/>
-          <p:nvPr/>
-        </p:nvSpPr>
-        <p:spPr>
-          <a:xfrm>
-            <a:off x="10614413" y="5523018"/>
-            <a:ext cx="1405593" cy="1157682"/>
-          </a:xfrm>
-          <a:prstGeom prst="roundRect">
-            <a:avLst/>
-          </a:prstGeom>
-          <a:solidFill>
-            <a:schemeClr val="bg1">
-              <a:lumMod val="85000"/>
-              <a:alpha val="18000"/>
-            </a:schemeClr>
-          </a:solidFill>
-          <a:ln w="28575">
-            <a:solidFill>
-              <a:schemeClr val="tx1"/>
-            </a:solidFill>
-          </a:ln>
-          <a:effectLst>
-            <a:outerShdw blurRad="50800" dist="38100" dir="2700000" algn="tl" rotWithShape="0">
-              <a:prstClr val="black">
-                <a:alpha val="40000"/>
-              </a:prstClr>
-            </a:outerShdw>
-          </a:effectLst>
-        </p:spPr>
-        <p:style>
-          <a:lnRef idx="1">
-            <a:schemeClr val="accent1"/>
-          </a:lnRef>
-          <a:fillRef idx="3">
-            <a:schemeClr val="accent1"/>
-          </a:fillRef>
-          <a:effectRef idx="2">
-            <a:schemeClr val="accent1"/>
-          </a:effectRef>
-          <a:fontRef idx="minor">
-            <a:schemeClr val="lt1"/>
-          </a:fontRef>
-        </p:style>
-        <p:txBody>
-          <a:bodyPr rtlCol="0" anchor="t" anchorCtr="0"/>
-          <a:lstStyle/>
-          <a:p>
-            <a:endParaRPr lang="en-US" b="1" dirty="0">
-              <a:solidFill>
-                <a:schemeClr val="tx1"/>
-              </a:solidFill>
-            </a:endParaRPr>
-          </a:p>
-        </p:txBody>
-      </p:sp>
-      <p:sp>
-        <p:nvSpPr>
-          <p:cNvPr id="8" name="Rounded Rectangle 3">
-            <a:extLst>
-              <a:ext uri="{FF2B5EF4-FFF2-40B4-BE49-F238E27FC236}">
-                <a16:creationId xmlns:a16="http://schemas.microsoft.com/office/drawing/2014/main" id="{F4BA682B-1DA3-4E60-ADC2-E225ABE729CB}"/>
-              </a:ext>
-            </a:extLst>
-          </p:cNvPr>
-          <p:cNvSpPr/>
-          <p:nvPr/>
-        </p:nvSpPr>
-        <p:spPr>
-          <a:xfrm>
-            <a:off x="10763795" y="5744084"/>
-            <a:ext cx="1090877" cy="222063"/>
-          </a:xfrm>
-          <a:prstGeom prst="roundRect">
-            <a:avLst/>
-          </a:prstGeom>
-          <a:solidFill>
-            <a:schemeClr val="accent3">
-              <a:lumMod val="75000"/>
-              <a:alpha val="18000"/>
-            </a:schemeClr>
-          </a:solidFill>
-          <a:ln w="28575">
-            <a:solidFill>
-              <a:schemeClr val="tx1"/>
-            </a:solidFill>
-          </a:ln>
-          <a:effectLst>
-            <a:outerShdw blurRad="50800" dist="38100" dir="2700000" algn="tl" rotWithShape="0">
-              <a:prstClr val="black">
-                <a:alpha val="40000"/>
-              </a:prstClr>
-            </a:outerShdw>
-          </a:effectLst>
-        </p:spPr>
-        <p:style>
-          <a:lnRef idx="1">
-            <a:schemeClr val="accent1"/>
-          </a:lnRef>
-          <a:fillRef idx="3">
-            <a:schemeClr val="accent1"/>
-          </a:fillRef>
-          <a:effectRef idx="2">
-            <a:schemeClr val="accent1"/>
-          </a:effectRef>
-          <a:fontRef idx="minor">
-            <a:schemeClr val="lt1"/>
-          </a:fontRef>
-        </p:style>
-        <p:txBody>
-          <a:bodyPr rtlCol="0" anchor="ctr"/>
-          <a:lstStyle/>
-          <a:p>
-            <a:pPr algn="ctr"/>
-            <a:r>
-              <a:rPr lang="en-US" dirty="0"/>
-              <a:t>Engine</a:t>
-            </a:r>
-          </a:p>
-        </p:txBody>
-      </p:sp>
-      <p:sp>
-        <p:nvSpPr>
-          <p:cNvPr id="9" name="Rounded Rectangle 5">
-            <a:extLst>
-              <a:ext uri="{FF2B5EF4-FFF2-40B4-BE49-F238E27FC236}">
-                <a16:creationId xmlns:a16="http://schemas.microsoft.com/office/drawing/2014/main" id="{14A53B3D-FD9A-4DAB-B8DE-6F74E96F3586}"/>
-              </a:ext>
-            </a:extLst>
-          </p:cNvPr>
-          <p:cNvSpPr/>
-          <p:nvPr/>
-        </p:nvSpPr>
-        <p:spPr>
-          <a:xfrm>
-            <a:off x="9075978" y="5736236"/>
-            <a:ext cx="1038549" cy="229911"/>
-          </a:xfrm>
-          <a:prstGeom prst="roundRect">
-            <a:avLst/>
-          </a:prstGeom>
-          <a:solidFill>
-            <a:schemeClr val="accent1">
-              <a:lumMod val="75000"/>
-              <a:alpha val="18000"/>
-            </a:schemeClr>
-          </a:solidFill>
-          <a:ln w="28575">
-            <a:solidFill>
-              <a:schemeClr val="tx1"/>
-            </a:solidFill>
-          </a:ln>
-          <a:effectLst>
-            <a:outerShdw blurRad="50800" dist="38100" dir="2700000" algn="tl" rotWithShape="0">
-              <a:prstClr val="black">
-                <a:alpha val="40000"/>
-              </a:prstClr>
-            </a:outerShdw>
-          </a:effectLst>
-        </p:spPr>
-        <p:style>
-          <a:lnRef idx="1">
-            <a:schemeClr val="accent1"/>
-          </a:lnRef>
-          <a:fillRef idx="3">
-            <a:schemeClr val="accent1"/>
-          </a:fillRef>
-          <a:effectRef idx="2">
-            <a:schemeClr val="accent1"/>
-          </a:effectRef>
-          <a:fontRef idx="minor">
-            <a:schemeClr val="lt1"/>
-          </a:fontRef>
-        </p:style>
-        <p:txBody>
-          <a:bodyPr rtlCol="0" anchor="ctr"/>
-          <a:lstStyle/>
-          <a:p>
-            <a:pPr algn="ctr"/>
-            <a:r>
-              <a:rPr lang="en-US" dirty="0"/>
-              <a:t>Editor</a:t>
-            </a:r>
-          </a:p>
-        </p:txBody>
-      </p:sp>
-      <p:sp>
-        <p:nvSpPr>
-          <p:cNvPr id="10" name="Rounded Rectangle 4">
-            <a:extLst>
-              <a:ext uri="{FF2B5EF4-FFF2-40B4-BE49-F238E27FC236}">
-                <a16:creationId xmlns:a16="http://schemas.microsoft.com/office/drawing/2014/main" id="{4FB6BF13-7FD2-4B4D-B2DD-A91AA259BAB2}"/>
-              </a:ext>
-            </a:extLst>
-          </p:cNvPr>
-          <p:cNvSpPr/>
-          <p:nvPr/>
-        </p:nvSpPr>
-        <p:spPr>
-          <a:xfrm>
-            <a:off x="9075978" y="6212057"/>
-            <a:ext cx="2760507" cy="229911"/>
-          </a:xfrm>
-          <a:prstGeom prst="roundRect">
-            <a:avLst/>
-          </a:prstGeom>
-          <a:solidFill>
-            <a:srgbClr val="C00000"/>
-          </a:solidFill>
-          <a:ln w="28575">
-            <a:solidFill>
-              <a:schemeClr val="tx1"/>
-            </a:solidFill>
-          </a:ln>
-          <a:effectLst>
-            <a:outerShdw blurRad="50800" dist="38100" dir="2700000" algn="tl" rotWithShape="0">
-              <a:prstClr val="black">
-                <a:alpha val="40000"/>
-              </a:prstClr>
-            </a:outerShdw>
-          </a:effectLst>
-        </p:spPr>
-        <p:style>
-          <a:lnRef idx="1">
-            <a:schemeClr val="accent1"/>
-          </a:lnRef>
-          <a:fillRef idx="3">
-            <a:schemeClr val="accent1"/>
-          </a:fillRef>
-          <a:effectRef idx="2">
-            <a:schemeClr val="accent1"/>
-          </a:effectRef>
-          <a:fontRef idx="minor">
-            <a:schemeClr val="lt1"/>
-          </a:fontRef>
-        </p:style>
-        <p:txBody>
-          <a:bodyPr rtlCol="0" anchor="ctr"/>
-          <a:lstStyle/>
-          <a:p>
-            <a:pPr algn="ctr"/>
-            <a:r>
-              <a:rPr lang="en-US" dirty="0"/>
-              <a:t>Modules</a:t>
-            </a:r>
-          </a:p>
-        </p:txBody>
-      </p:sp>
-      <p:sp>
-        <p:nvSpPr>
           <p:cNvPr id="4" name="Content Placeholder 3">
             <a:extLst>
               <a:ext uri="{FF2B5EF4-FFF2-40B4-BE49-F238E27FC236}">
@@ -18968,6 +18675,327 @@
           </a:graphicData>
         </a:graphic>
       </p:graphicFrame>
+      <p:sp>
+        <p:nvSpPr>
+          <p:cNvPr id="17" name="Rounded Rectangle 6">
+            <a:extLst>
+              <a:ext uri="{FF2B5EF4-FFF2-40B4-BE49-F238E27FC236}">
+                <a16:creationId xmlns:a16="http://schemas.microsoft.com/office/drawing/2014/main" id="{B332A2AB-A7F3-4257-A630-C4D4E767D3A6}"/>
+              </a:ext>
+            </a:extLst>
+          </p:cNvPr>
+          <p:cNvSpPr/>
+          <p:nvPr/>
+        </p:nvSpPr>
+        <p:spPr>
+          <a:xfrm>
+            <a:off x="8831716" y="5564020"/>
+            <a:ext cx="1405593" cy="1157682"/>
+          </a:xfrm>
+          <a:prstGeom prst="roundRect">
+            <a:avLst/>
+          </a:prstGeom>
+          <a:solidFill>
+            <a:schemeClr val="bg1">
+              <a:lumMod val="85000"/>
+            </a:schemeClr>
+          </a:solidFill>
+          <a:ln w="28575">
+            <a:solidFill>
+              <a:schemeClr val="tx1"/>
+            </a:solidFill>
+          </a:ln>
+          <a:effectLst>
+            <a:outerShdw blurRad="50800" dist="38100" dir="2700000" algn="tl" rotWithShape="0">
+              <a:prstClr val="black">
+                <a:alpha val="40000"/>
+              </a:prstClr>
+            </a:outerShdw>
+          </a:effectLst>
+        </p:spPr>
+        <p:style>
+          <a:lnRef idx="1">
+            <a:schemeClr val="accent1"/>
+          </a:lnRef>
+          <a:fillRef idx="3">
+            <a:schemeClr val="accent1"/>
+          </a:fillRef>
+          <a:effectRef idx="2">
+            <a:schemeClr val="accent1"/>
+          </a:effectRef>
+          <a:fontRef idx="minor">
+            <a:schemeClr val="lt1"/>
+          </a:fontRef>
+        </p:style>
+        <p:txBody>
+          <a:bodyPr rtlCol="0" anchor="t" anchorCtr="0"/>
+          <a:lstStyle/>
+          <a:p>
+            <a:endParaRPr lang="en-US" b="1" dirty="0">
+              <a:solidFill>
+                <a:schemeClr val="tx1"/>
+              </a:solidFill>
+            </a:endParaRPr>
+          </a:p>
+        </p:txBody>
+      </p:sp>
+      <p:sp>
+        <p:nvSpPr>
+          <p:cNvPr id="18" name="Rounded Rectangle 7">
+            <a:extLst>
+              <a:ext uri="{FF2B5EF4-FFF2-40B4-BE49-F238E27FC236}">
+                <a16:creationId xmlns:a16="http://schemas.microsoft.com/office/drawing/2014/main" id="{6014A6DB-DD44-4923-8866-265F7AD20BED}"/>
+              </a:ext>
+            </a:extLst>
+          </p:cNvPr>
+          <p:cNvSpPr/>
+          <p:nvPr/>
+        </p:nvSpPr>
+        <p:spPr>
+          <a:xfrm>
+            <a:off x="10619041" y="5564020"/>
+            <a:ext cx="1405593" cy="1157682"/>
+          </a:xfrm>
+          <a:prstGeom prst="roundRect">
+            <a:avLst/>
+          </a:prstGeom>
+          <a:solidFill>
+            <a:schemeClr val="bg1">
+              <a:lumMod val="85000"/>
+            </a:schemeClr>
+          </a:solidFill>
+          <a:ln w="28575">
+            <a:solidFill>
+              <a:schemeClr val="tx1"/>
+            </a:solidFill>
+          </a:ln>
+          <a:effectLst>
+            <a:outerShdw blurRad="50800" dist="38100" dir="2700000" algn="tl" rotWithShape="0">
+              <a:prstClr val="black">
+                <a:alpha val="40000"/>
+              </a:prstClr>
+            </a:outerShdw>
+          </a:effectLst>
+        </p:spPr>
+        <p:style>
+          <a:lnRef idx="1">
+            <a:schemeClr val="accent1"/>
+          </a:lnRef>
+          <a:fillRef idx="3">
+            <a:schemeClr val="accent1"/>
+          </a:fillRef>
+          <a:effectRef idx="2">
+            <a:schemeClr val="accent1"/>
+          </a:effectRef>
+          <a:fontRef idx="minor">
+            <a:schemeClr val="lt1"/>
+          </a:fontRef>
+        </p:style>
+        <p:txBody>
+          <a:bodyPr rtlCol="0" anchor="t" anchorCtr="0"/>
+          <a:lstStyle/>
+          <a:p>
+            <a:endParaRPr lang="en-US" b="1" dirty="0">
+              <a:solidFill>
+                <a:schemeClr val="tx1"/>
+              </a:solidFill>
+            </a:endParaRPr>
+          </a:p>
+        </p:txBody>
+      </p:sp>
+      <p:sp>
+        <p:nvSpPr>
+          <p:cNvPr id="19" name="Rounded Rectangle 3">
+            <a:extLst>
+              <a:ext uri="{FF2B5EF4-FFF2-40B4-BE49-F238E27FC236}">
+                <a16:creationId xmlns:a16="http://schemas.microsoft.com/office/drawing/2014/main" id="{71ABFAE6-6B7E-451E-9E33-4A4859F370DC}"/>
+              </a:ext>
+            </a:extLst>
+          </p:cNvPr>
+          <p:cNvSpPr/>
+          <p:nvPr/>
+        </p:nvSpPr>
+        <p:spPr>
+          <a:xfrm>
+            <a:off x="10784375" y="5790808"/>
+            <a:ext cx="1074926" cy="222063"/>
+          </a:xfrm>
+          <a:prstGeom prst="roundRect">
+            <a:avLst/>
+          </a:prstGeom>
+          <a:solidFill>
+            <a:srgbClr val="C00000">
+              <a:alpha val="20000"/>
+            </a:srgbClr>
+          </a:solidFill>
+          <a:ln w="28575">
+            <a:solidFill>
+              <a:schemeClr val="tx1"/>
+            </a:solidFill>
+          </a:ln>
+          <a:effectLst>
+            <a:outerShdw blurRad="50800" dist="38100" dir="2700000" algn="tl" rotWithShape="0">
+              <a:prstClr val="black">
+                <a:alpha val="40000"/>
+              </a:prstClr>
+            </a:outerShdw>
+          </a:effectLst>
+        </p:spPr>
+        <p:style>
+          <a:lnRef idx="1">
+            <a:schemeClr val="accent1"/>
+          </a:lnRef>
+          <a:fillRef idx="3">
+            <a:schemeClr val="accent1"/>
+          </a:fillRef>
+          <a:effectRef idx="2">
+            <a:schemeClr val="accent1"/>
+          </a:effectRef>
+          <a:fontRef idx="minor">
+            <a:schemeClr val="lt1"/>
+          </a:fontRef>
+        </p:style>
+        <p:txBody>
+          <a:bodyPr rtlCol="0" anchor="ctr"/>
+          <a:lstStyle/>
+          <a:p>
+            <a:pPr algn="ctr"/>
+            <a:r>
+              <a:rPr lang="en-US" dirty="0"/>
+              <a:t>Engine</a:t>
+            </a:r>
+          </a:p>
+        </p:txBody>
+      </p:sp>
+      <p:sp>
+        <p:nvSpPr>
+          <p:cNvPr id="20" name="Rounded Rectangle 5">
+            <a:extLst>
+              <a:ext uri="{FF2B5EF4-FFF2-40B4-BE49-F238E27FC236}">
+                <a16:creationId xmlns:a16="http://schemas.microsoft.com/office/drawing/2014/main" id="{CB480367-3F3E-41DF-B591-842A8095EBA0}"/>
+              </a:ext>
+            </a:extLst>
+          </p:cNvPr>
+          <p:cNvSpPr/>
+          <p:nvPr/>
+        </p:nvSpPr>
+        <p:spPr>
+          <a:xfrm>
+            <a:off x="9015238" y="5790808"/>
+            <a:ext cx="1038549" cy="229913"/>
+          </a:xfrm>
+          <a:prstGeom prst="roundRect">
+            <a:avLst/>
+          </a:prstGeom>
+          <a:solidFill>
+            <a:schemeClr val="accent3">
+              <a:lumMod val="50000"/>
+              <a:alpha val="20000"/>
+            </a:schemeClr>
+          </a:solidFill>
+          <a:ln w="28575">
+            <a:solidFill>
+              <a:schemeClr val="tx1"/>
+            </a:solidFill>
+          </a:ln>
+          <a:effectLst>
+            <a:outerShdw blurRad="50800" dist="38100" dir="2700000" algn="tl" rotWithShape="0">
+              <a:prstClr val="black">
+                <a:alpha val="40000"/>
+              </a:prstClr>
+            </a:outerShdw>
+          </a:effectLst>
+        </p:spPr>
+        <p:style>
+          <a:lnRef idx="1">
+            <a:schemeClr val="accent1"/>
+          </a:lnRef>
+          <a:fillRef idx="3">
+            <a:schemeClr val="accent1"/>
+          </a:fillRef>
+          <a:effectRef idx="2">
+            <a:schemeClr val="accent1"/>
+          </a:effectRef>
+          <a:fontRef idx="minor">
+            <a:schemeClr val="lt1"/>
+          </a:fontRef>
+        </p:style>
+        <p:txBody>
+          <a:bodyPr rtlCol="0" anchor="ctr"/>
+          <a:lstStyle/>
+          <a:p>
+            <a:pPr algn="ctr"/>
+            <a:r>
+              <a:rPr lang="en-US" dirty="0"/>
+              <a:t>Editor</a:t>
+            </a:r>
+          </a:p>
+        </p:txBody>
+      </p:sp>
+      <p:sp>
+        <p:nvSpPr>
+          <p:cNvPr id="21" name="Rounded Rectangle 4">
+            <a:extLst>
+              <a:ext uri="{FF2B5EF4-FFF2-40B4-BE49-F238E27FC236}">
+                <a16:creationId xmlns:a16="http://schemas.microsoft.com/office/drawing/2014/main" id="{0D9301B3-5B44-4135-93E5-AF5BAC067A45}"/>
+              </a:ext>
+            </a:extLst>
+          </p:cNvPr>
+          <p:cNvSpPr/>
+          <p:nvPr/>
+        </p:nvSpPr>
+        <p:spPr>
+          <a:xfrm>
+            <a:off x="9047922" y="6316178"/>
+            <a:ext cx="2760506" cy="229913"/>
+          </a:xfrm>
+          <a:prstGeom prst="roundRect">
+            <a:avLst/>
+          </a:prstGeom>
+          <a:solidFill>
+            <a:schemeClr val="tx2">
+              <a:lumMod val="50000"/>
+            </a:schemeClr>
+          </a:solidFill>
+          <a:ln w="28575">
+            <a:solidFill>
+              <a:schemeClr val="tx1"/>
+            </a:solidFill>
+          </a:ln>
+          <a:effectLst>
+            <a:outerShdw blurRad="50800" dist="38100" dir="2700000" algn="tl" rotWithShape="0">
+              <a:prstClr val="black">
+                <a:alpha val="40000"/>
+              </a:prstClr>
+            </a:outerShdw>
+          </a:effectLst>
+        </p:spPr>
+        <p:style>
+          <a:lnRef idx="1">
+            <a:schemeClr val="accent1"/>
+          </a:lnRef>
+          <a:fillRef idx="3">
+            <a:schemeClr val="accent1"/>
+          </a:fillRef>
+          <a:effectRef idx="2">
+            <a:schemeClr val="accent1"/>
+          </a:effectRef>
+          <a:fontRef idx="minor">
+            <a:schemeClr val="lt1"/>
+          </a:fontRef>
+        </p:style>
+        <p:txBody>
+          <a:bodyPr rtlCol="0" anchor="ctr"/>
+          <a:lstStyle/>
+          <a:p>
+            <a:pPr algn="ctr"/>
+            <a:r>
+              <a:rPr lang="en-US" dirty="0"/>
+              <a:t>Modules</a:t>
+            </a:r>
+          </a:p>
+        </p:txBody>
+      </p:sp>
     </p:spTree>
     <p:extLst>
       <p:ext uri="{BB962C8B-B14F-4D97-AF65-F5344CB8AC3E}">
@@ -19058,10 +19086,10 @@
       </p:pic>
       <p:sp>
         <p:nvSpPr>
-          <p:cNvPr id="4" name="Rounded Rectangle 6">
+          <p:cNvPr id="10" name="Rounded Rectangle 6">
             <a:extLst>
               <a:ext uri="{FF2B5EF4-FFF2-40B4-BE49-F238E27FC236}">
-                <a16:creationId xmlns:a16="http://schemas.microsoft.com/office/drawing/2014/main" id="{B48E797B-777A-4C40-A194-D666E6F04C42}"/>
+                <a16:creationId xmlns:a16="http://schemas.microsoft.com/office/drawing/2014/main" id="{23838DB6-5E6B-4F45-AF85-B267D16D5D0C}"/>
               </a:ext>
             </a:extLst>
           </p:cNvPr>
@@ -19070,7 +19098,7 @@
         </p:nvSpPr>
         <p:spPr>
           <a:xfrm>
-            <a:off x="8892457" y="5523018"/>
+            <a:off x="8831716" y="5564020"/>
             <a:ext cx="1405593" cy="1157682"/>
           </a:xfrm>
           <a:prstGeom prst="roundRect">
@@ -19078,8 +19106,7 @@
           </a:prstGeom>
           <a:solidFill>
             <a:schemeClr val="bg1">
-              <a:lumMod val="75000"/>
-              <a:alpha val="18000"/>
+              <a:lumMod val="85000"/>
             </a:schemeClr>
           </a:solidFill>
           <a:ln w="28575">
@@ -19123,10 +19150,10 @@
       </p:sp>
       <p:sp>
         <p:nvSpPr>
-          <p:cNvPr id="6" name="Rounded Rectangle 7">
+          <p:cNvPr id="11" name="Rounded Rectangle 7">
             <a:extLst>
               <a:ext uri="{FF2B5EF4-FFF2-40B4-BE49-F238E27FC236}">
-                <a16:creationId xmlns:a16="http://schemas.microsoft.com/office/drawing/2014/main" id="{EB34F964-9BFA-487B-A649-64A4694ECD6C}"/>
+                <a16:creationId xmlns:a16="http://schemas.microsoft.com/office/drawing/2014/main" id="{1DB9B393-36CA-4BD3-897A-E0CBC31DEB5C}"/>
               </a:ext>
             </a:extLst>
           </p:cNvPr>
@@ -19135,7 +19162,7 @@
         </p:nvSpPr>
         <p:spPr>
           <a:xfrm>
-            <a:off x="10614413" y="5523018"/>
+            <a:off x="10619041" y="5564020"/>
             <a:ext cx="1405593" cy="1157682"/>
           </a:xfrm>
           <a:prstGeom prst="roundRect">
@@ -19144,7 +19171,6 @@
           <a:solidFill>
             <a:schemeClr val="bg1">
               <a:lumMod val="85000"/>
-              <a:alpha val="18000"/>
             </a:schemeClr>
           </a:solidFill>
           <a:ln w="28575">
@@ -19188,10 +19214,10 @@
       </p:sp>
       <p:sp>
         <p:nvSpPr>
-          <p:cNvPr id="7" name="Rounded Rectangle 3">
+          <p:cNvPr id="12" name="Rounded Rectangle 3">
             <a:extLst>
               <a:ext uri="{FF2B5EF4-FFF2-40B4-BE49-F238E27FC236}">
-                <a16:creationId xmlns:a16="http://schemas.microsoft.com/office/drawing/2014/main" id="{B84F8F4A-B4E5-4336-9BD8-779367240B28}"/>
+                <a16:creationId xmlns:a16="http://schemas.microsoft.com/office/drawing/2014/main" id="{B67B2134-A78D-4E07-9BA3-1F352422801C}"/>
               </a:ext>
             </a:extLst>
           </p:cNvPr>
@@ -19200,16 +19226,80 @@
         </p:nvSpPr>
         <p:spPr>
           <a:xfrm>
-            <a:off x="10763795" y="5744084"/>
-            <a:ext cx="1090877" cy="222063"/>
+            <a:off x="10784375" y="5790808"/>
+            <a:ext cx="1074926" cy="222063"/>
+          </a:xfrm>
+          <a:prstGeom prst="roundRect">
+            <a:avLst/>
+          </a:prstGeom>
+          <a:solidFill>
+            <a:srgbClr val="C00000">
+              <a:alpha val="20000"/>
+            </a:srgbClr>
+          </a:solidFill>
+          <a:ln w="28575">
+            <a:solidFill>
+              <a:schemeClr val="tx1"/>
+            </a:solidFill>
+          </a:ln>
+          <a:effectLst>
+            <a:outerShdw blurRad="50800" dist="38100" dir="2700000" algn="tl" rotWithShape="0">
+              <a:prstClr val="black">
+                <a:alpha val="40000"/>
+              </a:prstClr>
+            </a:outerShdw>
+          </a:effectLst>
+        </p:spPr>
+        <p:style>
+          <a:lnRef idx="1">
+            <a:schemeClr val="accent1"/>
+          </a:lnRef>
+          <a:fillRef idx="3">
+            <a:schemeClr val="accent1"/>
+          </a:fillRef>
+          <a:effectRef idx="2">
+            <a:schemeClr val="accent1"/>
+          </a:effectRef>
+          <a:fontRef idx="minor">
+            <a:schemeClr val="lt1"/>
+          </a:fontRef>
+        </p:style>
+        <p:txBody>
+          <a:bodyPr rtlCol="0" anchor="ctr"/>
+          <a:lstStyle/>
+          <a:p>
+            <a:pPr algn="ctr"/>
+            <a:r>
+              <a:rPr lang="en-US" dirty="0"/>
+              <a:t>Engine</a:t>
+            </a:r>
+          </a:p>
+        </p:txBody>
+      </p:sp>
+      <p:sp>
+        <p:nvSpPr>
+          <p:cNvPr id="13" name="Rounded Rectangle 5">
+            <a:extLst>
+              <a:ext uri="{FF2B5EF4-FFF2-40B4-BE49-F238E27FC236}">
+                <a16:creationId xmlns:a16="http://schemas.microsoft.com/office/drawing/2014/main" id="{E5290C14-5212-4DAD-AA7E-3606C747557E}"/>
+              </a:ext>
+            </a:extLst>
+          </p:cNvPr>
+          <p:cNvSpPr/>
+          <p:nvPr/>
+        </p:nvSpPr>
+        <p:spPr>
+          <a:xfrm>
+            <a:off x="9015238" y="5790808"/>
+            <a:ext cx="1038549" cy="229913"/>
           </a:xfrm>
           <a:prstGeom prst="roundRect">
             <a:avLst/>
           </a:prstGeom>
           <a:solidFill>
             <a:schemeClr val="accent3">
-              <a:lumMod val="75000"/>
-              <a:alpha val="18000"/>
+              <a:lumMod val="50000"/>
+              <a:alpha val="20000"/>
             </a:schemeClr>
           </a:solidFill>
           <a:ln w="28575">
@@ -19246,17 +19336,17 @@
             <a:pPr algn="ctr"/>
             <a:r>
               <a:rPr lang="en-US" dirty="0"/>
-              <a:t>Engine</a:t>
+              <a:t>Editor</a:t>
             </a:r>
           </a:p>
         </p:txBody>
       </p:sp>
       <p:sp>
         <p:nvSpPr>
-          <p:cNvPr id="8" name="Rounded Rectangle 5">
+          <p:cNvPr id="14" name="Rounded Rectangle 4">
             <a:extLst>
               <a:ext uri="{FF2B5EF4-FFF2-40B4-BE49-F238E27FC236}">
-                <a16:creationId xmlns:a16="http://schemas.microsoft.com/office/drawing/2014/main" id="{7273DBDC-8BBF-4911-B64A-DBEBAD52819D}"/>
+                <a16:creationId xmlns:a16="http://schemas.microsoft.com/office/drawing/2014/main" id="{786716F1-E99B-4FB0-BB03-BF2472CE261A}"/>
               </a:ext>
             </a:extLst>
           </p:cNvPr>
@@ -19265,79 +19355,16 @@
         </p:nvSpPr>
         <p:spPr>
           <a:xfrm>
-            <a:off x="9075978" y="5736236"/>
-            <a:ext cx="1038549" cy="229911"/>
+            <a:off x="9047922" y="6316178"/>
+            <a:ext cx="2760506" cy="229913"/>
           </a:xfrm>
           <a:prstGeom prst="roundRect">
             <a:avLst/>
           </a:prstGeom>
           <a:solidFill>
-            <a:schemeClr val="accent1">
-              <a:lumMod val="75000"/>
-              <a:alpha val="18000"/>
+            <a:schemeClr val="tx2">
+              <a:lumMod val="50000"/>
             </a:schemeClr>
-          </a:solidFill>
-          <a:ln w="28575">
-            <a:solidFill>
-              <a:schemeClr val="tx1"/>
-            </a:solidFill>
-          </a:ln>
-          <a:effectLst>
-            <a:outerShdw blurRad="50800" dist="38100" dir="2700000" algn="tl" rotWithShape="0">
-              <a:prstClr val="black">
-                <a:alpha val="40000"/>
-              </a:prstClr>
-            </a:outerShdw>
-          </a:effectLst>
-        </p:spPr>
-        <p:style>
-          <a:lnRef idx="1">
-            <a:schemeClr val="accent1"/>
-          </a:lnRef>
-          <a:fillRef idx="3">
-            <a:schemeClr val="accent1"/>
-          </a:fillRef>
-          <a:effectRef idx="2">
-            <a:schemeClr val="accent1"/>
-          </a:effectRef>
-          <a:fontRef idx="minor">
-            <a:schemeClr val="lt1"/>
-          </a:fontRef>
-        </p:style>
-        <p:txBody>
-          <a:bodyPr rtlCol="0" anchor="ctr"/>
-          <a:lstStyle/>
-          <a:p>
-            <a:pPr algn="ctr"/>
-            <a:r>
-              <a:rPr lang="en-US" dirty="0"/>
-              <a:t>Editor</a:t>
-            </a:r>
-          </a:p>
-        </p:txBody>
-      </p:sp>
-      <p:sp>
-        <p:nvSpPr>
-          <p:cNvPr id="9" name="Rounded Rectangle 4">
-            <a:extLst>
-              <a:ext uri="{FF2B5EF4-FFF2-40B4-BE49-F238E27FC236}">
-                <a16:creationId xmlns:a16="http://schemas.microsoft.com/office/drawing/2014/main" id="{9E1B7173-5890-4902-BFDF-229954DCC29F}"/>
-              </a:ext>
-            </a:extLst>
-          </p:cNvPr>
-          <p:cNvSpPr/>
-          <p:nvPr/>
-        </p:nvSpPr>
-        <p:spPr>
-          <a:xfrm>
-            <a:off x="9075978" y="6212057"/>
-            <a:ext cx="2760507" cy="229911"/>
-          </a:xfrm>
-          <a:prstGeom prst="roundRect">
-            <a:avLst/>
-          </a:prstGeom>
-          <a:solidFill>
-            <a:srgbClr val="C00000"/>
           </a:solidFill>
           <a:ln w="28575">
             <a:solidFill>
@@ -19560,7 +19587,7 @@
         <p:spPr>
           <a:xfrm>
             <a:off x="8265458" y="1825625"/>
-            <a:ext cx="3088341" cy="4351338"/>
+            <a:ext cx="3088341" cy="2907740"/>
           </a:xfrm>
         </p:spPr>
         <p:txBody>
@@ -20090,10 +20117,10 @@
       </p:sp>
       <p:sp>
         <p:nvSpPr>
-          <p:cNvPr id="8" name="Rounded Rectangle 6">
+          <p:cNvPr id="13" name="Rounded Rectangle 6">
             <a:extLst>
               <a:ext uri="{FF2B5EF4-FFF2-40B4-BE49-F238E27FC236}">
-                <a16:creationId xmlns:a16="http://schemas.microsoft.com/office/drawing/2014/main" id="{0B5B37F1-5479-4339-8ED7-7962000A2FD4}"/>
+                <a16:creationId xmlns:a16="http://schemas.microsoft.com/office/drawing/2014/main" id="{945A5257-1538-4DD9-84EF-BBF089F20626}"/>
               </a:ext>
             </a:extLst>
           </p:cNvPr>
@@ -20102,7 +20129,7 @@
         </p:nvSpPr>
         <p:spPr>
           <a:xfrm>
-            <a:off x="8892457" y="5523018"/>
+            <a:off x="8831716" y="5564020"/>
             <a:ext cx="1405593" cy="1157682"/>
           </a:xfrm>
           <a:prstGeom prst="roundRect">
@@ -20110,8 +20137,7 @@
           </a:prstGeom>
           <a:solidFill>
             <a:schemeClr val="bg1">
-              <a:lumMod val="75000"/>
-              <a:alpha val="18000"/>
+              <a:lumMod val="85000"/>
             </a:schemeClr>
           </a:solidFill>
           <a:ln w="28575">
@@ -20155,10 +20181,10 @@
       </p:sp>
       <p:sp>
         <p:nvSpPr>
-          <p:cNvPr id="9" name="Rounded Rectangle 7">
+          <p:cNvPr id="14" name="Rounded Rectangle 7">
             <a:extLst>
               <a:ext uri="{FF2B5EF4-FFF2-40B4-BE49-F238E27FC236}">
-                <a16:creationId xmlns:a16="http://schemas.microsoft.com/office/drawing/2014/main" id="{D7AACD01-DC7B-4821-A32F-3F3753F2B0CF}"/>
+                <a16:creationId xmlns:a16="http://schemas.microsoft.com/office/drawing/2014/main" id="{9580CE78-C304-4A88-952B-00F7AD6C957E}"/>
               </a:ext>
             </a:extLst>
           </p:cNvPr>
@@ -20167,7 +20193,7 @@
         </p:nvSpPr>
         <p:spPr>
           <a:xfrm>
-            <a:off x="10614413" y="5523018"/>
+            <a:off x="10619041" y="5564020"/>
             <a:ext cx="1405593" cy="1157682"/>
           </a:xfrm>
           <a:prstGeom prst="roundRect">
@@ -20176,7 +20202,6 @@
           <a:solidFill>
             <a:schemeClr val="bg1">
               <a:lumMod val="85000"/>
-              <a:alpha val="18000"/>
             </a:schemeClr>
           </a:solidFill>
           <a:ln w="28575">
@@ -20220,10 +20245,10 @@
       </p:sp>
       <p:sp>
         <p:nvSpPr>
-          <p:cNvPr id="10" name="Rounded Rectangle 3">
+          <p:cNvPr id="15" name="Rounded Rectangle 3">
             <a:extLst>
               <a:ext uri="{FF2B5EF4-FFF2-40B4-BE49-F238E27FC236}">
-                <a16:creationId xmlns:a16="http://schemas.microsoft.com/office/drawing/2014/main" id="{CAB7B64B-EC0A-41D0-A27D-2EE252AC0FA9}"/>
+                <a16:creationId xmlns:a16="http://schemas.microsoft.com/office/drawing/2014/main" id="{B53F6C94-49E0-44AB-9718-9263D9CC071A}"/>
               </a:ext>
             </a:extLst>
           </p:cNvPr>
@@ -20232,16 +20257,80 @@
         </p:nvSpPr>
         <p:spPr>
           <a:xfrm>
-            <a:off x="10763795" y="5744084"/>
-            <a:ext cx="1090877" cy="222063"/>
+            <a:off x="10784375" y="5790808"/>
+            <a:ext cx="1074926" cy="222063"/>
+          </a:xfrm>
+          <a:prstGeom prst="roundRect">
+            <a:avLst/>
+          </a:prstGeom>
+          <a:solidFill>
+            <a:srgbClr val="C00000">
+              <a:alpha val="20000"/>
+            </a:srgbClr>
+          </a:solidFill>
+          <a:ln w="28575">
+            <a:solidFill>
+              <a:schemeClr val="tx1"/>
+            </a:solidFill>
+          </a:ln>
+          <a:effectLst>
+            <a:outerShdw blurRad="50800" dist="38100" dir="2700000" algn="tl" rotWithShape="0">
+              <a:prstClr val="black">
+                <a:alpha val="40000"/>
+              </a:prstClr>
+            </a:outerShdw>
+          </a:effectLst>
+        </p:spPr>
+        <p:style>
+          <a:lnRef idx="1">
+            <a:schemeClr val="accent1"/>
+          </a:lnRef>
+          <a:fillRef idx="3">
+            <a:schemeClr val="accent1"/>
+          </a:fillRef>
+          <a:effectRef idx="2">
+            <a:schemeClr val="accent1"/>
+          </a:effectRef>
+          <a:fontRef idx="minor">
+            <a:schemeClr val="lt1"/>
+          </a:fontRef>
+        </p:style>
+        <p:txBody>
+          <a:bodyPr rtlCol="0" anchor="ctr"/>
+          <a:lstStyle/>
+          <a:p>
+            <a:pPr algn="ctr"/>
+            <a:r>
+              <a:rPr lang="en-US" dirty="0"/>
+              <a:t>Engine</a:t>
+            </a:r>
+          </a:p>
+        </p:txBody>
+      </p:sp>
+      <p:sp>
+        <p:nvSpPr>
+          <p:cNvPr id="16" name="Rounded Rectangle 5">
+            <a:extLst>
+              <a:ext uri="{FF2B5EF4-FFF2-40B4-BE49-F238E27FC236}">
+                <a16:creationId xmlns:a16="http://schemas.microsoft.com/office/drawing/2014/main" id="{4A267F42-7EEB-4518-9FC8-F4A831094948}"/>
+              </a:ext>
+            </a:extLst>
+          </p:cNvPr>
+          <p:cNvSpPr/>
+          <p:nvPr/>
+        </p:nvSpPr>
+        <p:spPr>
+          <a:xfrm>
+            <a:off x="9015238" y="5790808"/>
+            <a:ext cx="1038549" cy="229913"/>
           </a:xfrm>
           <a:prstGeom prst="roundRect">
             <a:avLst/>
           </a:prstGeom>
           <a:solidFill>
             <a:schemeClr val="accent3">
-              <a:lumMod val="75000"/>
-              <a:alpha val="18000"/>
+              <a:lumMod val="50000"/>
+              <a:alpha val="20000"/>
             </a:schemeClr>
           </a:solidFill>
           <a:ln w="28575">
@@ -20278,17 +20367,17 @@
             <a:pPr algn="ctr"/>
             <a:r>
               <a:rPr lang="en-US" dirty="0"/>
-              <a:t>Engine</a:t>
+              <a:t>Editor</a:t>
             </a:r>
           </a:p>
         </p:txBody>
       </p:sp>
       <p:sp>
         <p:nvSpPr>
-          <p:cNvPr id="11" name="Rounded Rectangle 5">
+          <p:cNvPr id="17" name="Rounded Rectangle 4">
             <a:extLst>
               <a:ext uri="{FF2B5EF4-FFF2-40B4-BE49-F238E27FC236}">
-                <a16:creationId xmlns:a16="http://schemas.microsoft.com/office/drawing/2014/main" id="{C769998B-99A4-4FE1-B318-84EEFAB875FF}"/>
+                <a16:creationId xmlns:a16="http://schemas.microsoft.com/office/drawing/2014/main" id="{A7C0E98E-8D7B-4B9F-9D04-59B7C1A57A6F}"/>
               </a:ext>
             </a:extLst>
           </p:cNvPr>
@@ -20297,79 +20386,16 @@
         </p:nvSpPr>
         <p:spPr>
           <a:xfrm>
-            <a:off x="9075978" y="5736236"/>
-            <a:ext cx="1038549" cy="229911"/>
+            <a:off x="9047922" y="6316178"/>
+            <a:ext cx="2760506" cy="229913"/>
           </a:xfrm>
           <a:prstGeom prst="roundRect">
             <a:avLst/>
           </a:prstGeom>
           <a:solidFill>
-            <a:schemeClr val="accent1">
-              <a:lumMod val="75000"/>
-              <a:alpha val="18000"/>
+            <a:schemeClr val="tx2">
+              <a:lumMod val="50000"/>
             </a:schemeClr>
-          </a:solidFill>
-          <a:ln w="28575">
-            <a:solidFill>
-              <a:schemeClr val="tx1"/>
-            </a:solidFill>
-          </a:ln>
-          <a:effectLst>
-            <a:outerShdw blurRad="50800" dist="38100" dir="2700000" algn="tl" rotWithShape="0">
-              <a:prstClr val="black">
-                <a:alpha val="40000"/>
-              </a:prstClr>
-            </a:outerShdw>
-          </a:effectLst>
-        </p:spPr>
-        <p:style>
-          <a:lnRef idx="1">
-            <a:schemeClr val="accent1"/>
-          </a:lnRef>
-          <a:fillRef idx="3">
-            <a:schemeClr val="accent1"/>
-          </a:fillRef>
-          <a:effectRef idx="2">
-            <a:schemeClr val="accent1"/>
-          </a:effectRef>
-          <a:fontRef idx="minor">
-            <a:schemeClr val="lt1"/>
-          </a:fontRef>
-        </p:style>
-        <p:txBody>
-          <a:bodyPr rtlCol="0" anchor="ctr"/>
-          <a:lstStyle/>
-          <a:p>
-            <a:pPr algn="ctr"/>
-            <a:r>
-              <a:rPr lang="en-US" dirty="0"/>
-              <a:t>Editor</a:t>
-            </a:r>
-          </a:p>
-        </p:txBody>
-      </p:sp>
-      <p:sp>
-        <p:nvSpPr>
-          <p:cNvPr id="12" name="Rounded Rectangle 4">
-            <a:extLst>
-              <a:ext uri="{FF2B5EF4-FFF2-40B4-BE49-F238E27FC236}">
-                <a16:creationId xmlns:a16="http://schemas.microsoft.com/office/drawing/2014/main" id="{562BB29D-8237-4C66-86FB-955AB8EE92A2}"/>
-              </a:ext>
-            </a:extLst>
-          </p:cNvPr>
-          <p:cNvSpPr/>
-          <p:nvPr/>
-        </p:nvSpPr>
-        <p:spPr>
-          <a:xfrm>
-            <a:off x="9075978" y="6212057"/>
-            <a:ext cx="2760507" cy="229911"/>
-          </a:xfrm>
-          <a:prstGeom prst="roundRect">
-            <a:avLst/>
-          </a:prstGeom>
-          <a:solidFill>
-            <a:srgbClr val="C00000"/>
           </a:solidFill>
           <a:ln w="28575">
             <a:solidFill>
@@ -20448,8 +20474,552 @@
         </p:nvSpPr>
         <p:spPr>
           <a:xfrm>
-            <a:off x="7295496" y="3763921"/>
+            <a:off x="7483080" y="3575314"/>
             <a:ext cx="1828800" cy="771787"/>
+          </a:xfrm>
+          <a:prstGeom prst="roundRect">
+            <a:avLst/>
+          </a:prstGeom>
+          <a:solidFill>
+            <a:schemeClr val="tx2">
+              <a:lumMod val="50000"/>
+            </a:schemeClr>
+          </a:solidFill>
+          <a:ln w="28575">
+            <a:solidFill>
+              <a:schemeClr val="tx1"/>
+            </a:solidFill>
+          </a:ln>
+          <a:effectLst>
+            <a:outerShdw blurRad="50800" dist="38100" dir="2700000" algn="tl" rotWithShape="0">
+              <a:prstClr val="black">
+                <a:alpha val="40000"/>
+              </a:prstClr>
+            </a:outerShdw>
+          </a:effectLst>
+        </p:spPr>
+        <p:style>
+          <a:lnRef idx="1">
+            <a:schemeClr val="accent1"/>
+          </a:lnRef>
+          <a:fillRef idx="3">
+            <a:schemeClr val="accent1"/>
+          </a:fillRef>
+          <a:effectRef idx="2">
+            <a:schemeClr val="accent1"/>
+          </a:effectRef>
+          <a:fontRef idx="minor">
+            <a:schemeClr val="lt1"/>
+          </a:fontRef>
+        </p:style>
+        <p:txBody>
+          <a:bodyPr rtlCol="0" anchor="ctr"/>
+          <a:lstStyle/>
+          <a:p>
+            <a:pPr algn="ctr"/>
+            <a:r>
+              <a:rPr lang="en-US" dirty="0"/>
+              <a:t>Output</a:t>
+            </a:r>
+          </a:p>
+        </p:txBody>
+      </p:sp>
+      <p:sp>
+        <p:nvSpPr>
+          <p:cNvPr id="27" name="Rounded Rectangle 5"/>
+          <p:cNvSpPr/>
+          <p:nvPr/>
+        </p:nvSpPr>
+        <p:spPr>
+          <a:xfrm>
+            <a:off x="7415343" y="3499609"/>
+            <a:ext cx="1828800" cy="771787"/>
+          </a:xfrm>
+          <a:prstGeom prst="roundRect">
+            <a:avLst/>
+          </a:prstGeom>
+          <a:solidFill>
+            <a:schemeClr val="tx2">
+              <a:lumMod val="50000"/>
+            </a:schemeClr>
+          </a:solidFill>
+          <a:ln w="28575">
+            <a:solidFill>
+              <a:schemeClr val="tx1"/>
+            </a:solidFill>
+          </a:ln>
+          <a:effectLst>
+            <a:outerShdw blurRad="50800" dist="38100" dir="2700000" algn="tl" rotWithShape="0">
+              <a:prstClr val="black">
+                <a:alpha val="40000"/>
+              </a:prstClr>
+            </a:outerShdw>
+          </a:effectLst>
+        </p:spPr>
+        <p:style>
+          <a:lnRef idx="1">
+            <a:schemeClr val="accent1"/>
+          </a:lnRef>
+          <a:fillRef idx="3">
+            <a:schemeClr val="accent1"/>
+          </a:fillRef>
+          <a:effectRef idx="2">
+            <a:schemeClr val="accent1"/>
+          </a:effectRef>
+          <a:fontRef idx="minor">
+            <a:schemeClr val="lt1"/>
+          </a:fontRef>
+        </p:style>
+        <p:txBody>
+          <a:bodyPr rtlCol="0" anchor="ctr"/>
+          <a:lstStyle/>
+          <a:p>
+            <a:pPr algn="ctr"/>
+            <a:r>
+              <a:rPr lang="en-US" dirty="0"/>
+              <a:t>Output</a:t>
+            </a:r>
+          </a:p>
+        </p:txBody>
+      </p:sp>
+      <p:sp>
+        <p:nvSpPr>
+          <p:cNvPr id="24" name="Rounded Rectangle 4"/>
+          <p:cNvSpPr/>
+          <p:nvPr/>
+        </p:nvSpPr>
+        <p:spPr>
+          <a:xfrm>
+            <a:off x="5348083" y="3599218"/>
+            <a:ext cx="1828800" cy="771787"/>
+          </a:xfrm>
+          <a:prstGeom prst="roundRect">
+            <a:avLst/>
+          </a:prstGeom>
+          <a:solidFill>
+            <a:schemeClr val="accent6">
+              <a:lumMod val="75000"/>
+            </a:schemeClr>
+          </a:solidFill>
+          <a:ln w="28575">
+            <a:solidFill>
+              <a:schemeClr val="tx1"/>
+            </a:solidFill>
+          </a:ln>
+          <a:effectLst>
+            <a:outerShdw blurRad="50800" dist="38100" dir="2700000" algn="tl" rotWithShape="0">
+              <a:prstClr val="black">
+                <a:alpha val="40000"/>
+              </a:prstClr>
+            </a:outerShdw>
+          </a:effectLst>
+        </p:spPr>
+        <p:style>
+          <a:lnRef idx="1">
+            <a:schemeClr val="accent1"/>
+          </a:lnRef>
+          <a:fillRef idx="3">
+            <a:schemeClr val="accent1"/>
+          </a:fillRef>
+          <a:effectRef idx="2">
+            <a:schemeClr val="accent1"/>
+          </a:effectRef>
+          <a:fontRef idx="minor">
+            <a:schemeClr val="lt1"/>
+          </a:fontRef>
+        </p:style>
+        <p:txBody>
+          <a:bodyPr rtlCol="0" anchor="ctr"/>
+          <a:lstStyle/>
+          <a:p>
+            <a:pPr algn="ctr"/>
+            <a:r>
+              <a:rPr lang="en-US" dirty="0"/>
+              <a:t>Process</a:t>
+            </a:r>
+          </a:p>
+        </p:txBody>
+      </p:sp>
+      <p:sp>
+        <p:nvSpPr>
+          <p:cNvPr id="23" name="Rounded Rectangle 4"/>
+          <p:cNvSpPr/>
+          <p:nvPr/>
+        </p:nvSpPr>
+        <p:spPr>
+          <a:xfrm>
+            <a:off x="5280352" y="3507583"/>
+            <a:ext cx="1828800" cy="771787"/>
+          </a:xfrm>
+          <a:prstGeom prst="roundRect">
+            <a:avLst/>
+          </a:prstGeom>
+          <a:solidFill>
+            <a:schemeClr val="accent6">
+              <a:lumMod val="75000"/>
+            </a:schemeClr>
+          </a:solidFill>
+          <a:ln w="28575">
+            <a:solidFill>
+              <a:schemeClr val="tx1"/>
+            </a:solidFill>
+          </a:ln>
+          <a:effectLst>
+            <a:outerShdw blurRad="50800" dist="38100" dir="2700000" algn="tl" rotWithShape="0">
+              <a:prstClr val="black">
+                <a:alpha val="40000"/>
+              </a:prstClr>
+            </a:outerShdw>
+          </a:effectLst>
+        </p:spPr>
+        <p:style>
+          <a:lnRef idx="1">
+            <a:schemeClr val="accent1"/>
+          </a:lnRef>
+          <a:fillRef idx="3">
+            <a:schemeClr val="accent1"/>
+          </a:fillRef>
+          <a:effectRef idx="2">
+            <a:schemeClr val="accent1"/>
+          </a:effectRef>
+          <a:fontRef idx="minor">
+            <a:schemeClr val="lt1"/>
+          </a:fontRef>
+        </p:style>
+        <p:txBody>
+          <a:bodyPr rtlCol="0" anchor="ctr"/>
+          <a:lstStyle/>
+          <a:p>
+            <a:pPr algn="ctr"/>
+            <a:r>
+              <a:rPr lang="en-US" dirty="0"/>
+              <a:t>Process</a:t>
+            </a:r>
+          </a:p>
+        </p:txBody>
+      </p:sp>
+      <p:sp>
+        <p:nvSpPr>
+          <p:cNvPr id="20" name="Rounded Rectangle 3"/>
+          <p:cNvSpPr/>
+          <p:nvPr/>
+        </p:nvSpPr>
+        <p:spPr>
+          <a:xfrm>
+            <a:off x="3417008" y="3599227"/>
+            <a:ext cx="1662545" cy="771787"/>
+          </a:xfrm>
+          <a:prstGeom prst="roundRect">
+            <a:avLst/>
+          </a:prstGeom>
+          <a:solidFill>
+            <a:schemeClr val="tx2">
+              <a:lumMod val="50000"/>
+            </a:schemeClr>
+          </a:solidFill>
+          <a:ln w="28575">
+            <a:solidFill>
+              <a:schemeClr val="tx1"/>
+            </a:solidFill>
+          </a:ln>
+          <a:effectLst>
+            <a:outerShdw blurRad="50800" dist="38100" dir="2700000" algn="tl" rotWithShape="0">
+              <a:prstClr val="black">
+                <a:alpha val="40000"/>
+              </a:prstClr>
+            </a:outerShdw>
+          </a:effectLst>
+        </p:spPr>
+        <p:style>
+          <a:lnRef idx="1">
+            <a:schemeClr val="accent1"/>
+          </a:lnRef>
+          <a:fillRef idx="3">
+            <a:schemeClr val="accent1"/>
+          </a:fillRef>
+          <a:effectRef idx="2">
+            <a:schemeClr val="accent1"/>
+          </a:effectRef>
+          <a:fontRef idx="minor">
+            <a:schemeClr val="lt1"/>
+          </a:fontRef>
+        </p:style>
+        <p:txBody>
+          <a:bodyPr rtlCol="0" anchor="ctr"/>
+          <a:lstStyle/>
+          <a:p>
+            <a:pPr algn="ctr"/>
+            <a:r>
+              <a:rPr lang="en-US" dirty="0"/>
+              <a:t>Input</a:t>
+            </a:r>
+          </a:p>
+        </p:txBody>
+      </p:sp>
+      <p:sp>
+        <p:nvSpPr>
+          <p:cNvPr id="19" name="Rounded Rectangle 3"/>
+          <p:cNvSpPr/>
+          <p:nvPr/>
+        </p:nvSpPr>
+        <p:spPr>
+          <a:xfrm>
+            <a:off x="3341299" y="3515551"/>
+            <a:ext cx="1662545" cy="771787"/>
+          </a:xfrm>
+          <a:prstGeom prst="roundRect">
+            <a:avLst/>
+          </a:prstGeom>
+          <a:solidFill>
+            <a:schemeClr val="tx2">
+              <a:lumMod val="50000"/>
+            </a:schemeClr>
+          </a:solidFill>
+          <a:ln w="28575">
+            <a:solidFill>
+              <a:schemeClr val="tx1"/>
+            </a:solidFill>
+          </a:ln>
+          <a:effectLst>
+            <a:outerShdw blurRad="50800" dist="38100" dir="2700000" algn="tl" rotWithShape="0">
+              <a:prstClr val="black">
+                <a:alpha val="40000"/>
+              </a:prstClr>
+            </a:outerShdw>
+          </a:effectLst>
+        </p:spPr>
+        <p:style>
+          <a:lnRef idx="1">
+            <a:schemeClr val="accent1"/>
+          </a:lnRef>
+          <a:fillRef idx="3">
+            <a:schemeClr val="accent1"/>
+          </a:fillRef>
+          <a:effectRef idx="2">
+            <a:schemeClr val="accent1"/>
+          </a:effectRef>
+          <a:fontRef idx="minor">
+            <a:schemeClr val="lt1"/>
+          </a:fontRef>
+        </p:style>
+        <p:txBody>
+          <a:bodyPr rtlCol="0" anchor="ctr"/>
+          <a:lstStyle/>
+          <a:p>
+            <a:pPr algn="ctr"/>
+            <a:r>
+              <a:rPr lang="en-US" dirty="0"/>
+              <a:t>Input</a:t>
+            </a:r>
+          </a:p>
+        </p:txBody>
+      </p:sp>
+      <p:sp>
+        <p:nvSpPr>
+          <p:cNvPr id="2" name="Title 1"/>
+          <p:cNvSpPr>
+            <a:spLocks noGrp="1"/>
+          </p:cNvSpPr>
+          <p:nvPr>
+            <p:ph type="title"/>
+          </p:nvPr>
+        </p:nvSpPr>
+        <p:spPr/>
+        <p:txBody>
+          <a:bodyPr/>
+          <a:lstStyle/>
+          <a:p>
+            <a:r>
+              <a:rPr lang="en-US" dirty="0"/>
+              <a:t>DCAF Engine</a:t>
+            </a:r>
+          </a:p>
+        </p:txBody>
+      </p:sp>
+      <p:sp>
+        <p:nvSpPr>
+          <p:cNvPr id="4" name="Rounded Rectangle 3"/>
+          <p:cNvSpPr/>
+          <p:nvPr/>
+        </p:nvSpPr>
+        <p:spPr>
+          <a:xfrm>
+            <a:off x="3110750" y="3423907"/>
+            <a:ext cx="1828800" cy="771787"/>
+          </a:xfrm>
+          <a:prstGeom prst="roundRect">
+            <a:avLst/>
+          </a:prstGeom>
+          <a:solidFill>
+            <a:schemeClr val="tx2">
+              <a:lumMod val="50000"/>
+            </a:schemeClr>
+          </a:solidFill>
+          <a:ln w="28575">
+            <a:solidFill>
+              <a:schemeClr val="tx1"/>
+            </a:solidFill>
+          </a:ln>
+          <a:effectLst>
+            <a:outerShdw blurRad="50800" dist="38100" dir="2700000" algn="tl" rotWithShape="0">
+              <a:prstClr val="black">
+                <a:alpha val="40000"/>
+              </a:prstClr>
+            </a:outerShdw>
+          </a:effectLst>
+        </p:spPr>
+        <p:style>
+          <a:lnRef idx="1">
+            <a:schemeClr val="accent1"/>
+          </a:lnRef>
+          <a:fillRef idx="3">
+            <a:schemeClr val="accent1"/>
+          </a:fillRef>
+          <a:effectRef idx="2">
+            <a:schemeClr val="accent1"/>
+          </a:effectRef>
+          <a:fontRef idx="minor">
+            <a:schemeClr val="lt1"/>
+          </a:fontRef>
+        </p:style>
+        <p:txBody>
+          <a:bodyPr rtlCol="0" anchor="ctr"/>
+          <a:lstStyle/>
+          <a:p>
+            <a:pPr algn="ctr"/>
+            <a:r>
+              <a:rPr lang="en-US" dirty="0"/>
+              <a:t>Input</a:t>
+            </a:r>
+          </a:p>
+        </p:txBody>
+      </p:sp>
+      <p:sp>
+        <p:nvSpPr>
+          <p:cNvPr id="5" name="Rounded Rectangle 4"/>
+          <p:cNvSpPr/>
+          <p:nvPr/>
+        </p:nvSpPr>
+        <p:spPr>
+          <a:xfrm>
+            <a:off x="5220579" y="3423906"/>
+            <a:ext cx="1828800" cy="771787"/>
+          </a:xfrm>
+          <a:prstGeom prst="roundRect">
+            <a:avLst/>
+          </a:prstGeom>
+          <a:solidFill>
+            <a:schemeClr val="accent6">
+              <a:lumMod val="75000"/>
+            </a:schemeClr>
+          </a:solidFill>
+          <a:ln w="28575">
+            <a:solidFill>
+              <a:schemeClr val="tx1"/>
+            </a:solidFill>
+          </a:ln>
+          <a:effectLst>
+            <a:outerShdw blurRad="50800" dist="38100" dir="2700000" algn="tl" rotWithShape="0">
+              <a:prstClr val="black">
+                <a:alpha val="40000"/>
+              </a:prstClr>
+            </a:outerShdw>
+          </a:effectLst>
+        </p:spPr>
+        <p:style>
+          <a:lnRef idx="1">
+            <a:schemeClr val="accent1"/>
+          </a:lnRef>
+          <a:fillRef idx="3">
+            <a:schemeClr val="accent1"/>
+          </a:fillRef>
+          <a:effectRef idx="2">
+            <a:schemeClr val="accent1"/>
+          </a:effectRef>
+          <a:fontRef idx="minor">
+            <a:schemeClr val="lt1"/>
+          </a:fontRef>
+        </p:style>
+        <p:txBody>
+          <a:bodyPr rtlCol="0" anchor="ctr"/>
+          <a:lstStyle/>
+          <a:p>
+            <a:pPr algn="ctr"/>
+            <a:r>
+              <a:rPr lang="en-US" dirty="0"/>
+              <a:t>Process</a:t>
+            </a:r>
+          </a:p>
+        </p:txBody>
+      </p:sp>
+      <p:sp>
+        <p:nvSpPr>
+          <p:cNvPr id="6" name="Rounded Rectangle 5"/>
+          <p:cNvSpPr/>
+          <p:nvPr/>
+        </p:nvSpPr>
+        <p:spPr>
+          <a:xfrm>
+            <a:off x="7355576" y="3423906"/>
+            <a:ext cx="1828800" cy="771787"/>
+          </a:xfrm>
+          <a:prstGeom prst="roundRect">
+            <a:avLst/>
+          </a:prstGeom>
+          <a:solidFill>
+            <a:schemeClr val="tx2">
+              <a:lumMod val="50000"/>
+            </a:schemeClr>
+          </a:solidFill>
+          <a:ln w="28575">
+            <a:solidFill>
+              <a:schemeClr val="tx1"/>
+            </a:solidFill>
+          </a:ln>
+          <a:effectLst>
+            <a:outerShdw blurRad="50800" dist="38100" dir="2700000" algn="tl" rotWithShape="0">
+              <a:prstClr val="black">
+                <a:alpha val="40000"/>
+              </a:prstClr>
+            </a:outerShdw>
+          </a:effectLst>
+        </p:spPr>
+        <p:style>
+          <a:lnRef idx="1">
+            <a:schemeClr val="accent1"/>
+          </a:lnRef>
+          <a:fillRef idx="3">
+            <a:schemeClr val="accent1"/>
+          </a:fillRef>
+          <a:effectRef idx="2">
+            <a:schemeClr val="accent1"/>
+          </a:effectRef>
+          <a:fontRef idx="minor">
+            <a:schemeClr val="lt1"/>
+          </a:fontRef>
+        </p:style>
+        <p:txBody>
+          <a:bodyPr rtlCol="0" anchor="ctr"/>
+          <a:lstStyle/>
+          <a:p>
+            <a:pPr algn="ctr"/>
+            <a:r>
+              <a:rPr lang="en-US" dirty="0"/>
+              <a:t>Output</a:t>
+            </a:r>
+          </a:p>
+        </p:txBody>
+      </p:sp>
+      <p:sp>
+        <p:nvSpPr>
+          <p:cNvPr id="7" name="Rounded Rectangle 6"/>
+          <p:cNvSpPr/>
+          <p:nvPr/>
+        </p:nvSpPr>
+        <p:spPr>
+          <a:xfrm>
+            <a:off x="3052027" y="1949541"/>
+            <a:ext cx="6165907" cy="771787"/>
           </a:xfrm>
           <a:prstGeom prst="roundRect">
             <a:avLst/>
@@ -20491,534 +21061,6 @@
             <a:pPr algn="ctr"/>
             <a:r>
               <a:rPr lang="en-US" dirty="0"/>
-              <a:t>Output</a:t>
-            </a:r>
-          </a:p>
-        </p:txBody>
-      </p:sp>
-      <p:sp>
-        <p:nvSpPr>
-          <p:cNvPr id="27" name="Rounded Rectangle 5"/>
-          <p:cNvSpPr/>
-          <p:nvPr/>
-        </p:nvSpPr>
-        <p:spPr>
-          <a:xfrm>
-            <a:off x="7227759" y="3688216"/>
-            <a:ext cx="1828800" cy="771787"/>
-          </a:xfrm>
-          <a:prstGeom prst="roundRect">
-            <a:avLst/>
-          </a:prstGeom>
-          <a:solidFill>
-            <a:srgbClr val="C00000"/>
-          </a:solidFill>
-          <a:ln w="28575">
-            <a:solidFill>
-              <a:schemeClr val="tx1"/>
-            </a:solidFill>
-          </a:ln>
-          <a:effectLst>
-            <a:outerShdw blurRad="50800" dist="38100" dir="2700000" algn="tl" rotWithShape="0">
-              <a:prstClr val="black">
-                <a:alpha val="40000"/>
-              </a:prstClr>
-            </a:outerShdw>
-          </a:effectLst>
-        </p:spPr>
-        <p:style>
-          <a:lnRef idx="1">
-            <a:schemeClr val="accent1"/>
-          </a:lnRef>
-          <a:fillRef idx="3">
-            <a:schemeClr val="accent1"/>
-          </a:fillRef>
-          <a:effectRef idx="2">
-            <a:schemeClr val="accent1"/>
-          </a:effectRef>
-          <a:fontRef idx="minor">
-            <a:schemeClr val="lt1"/>
-          </a:fontRef>
-        </p:style>
-        <p:txBody>
-          <a:bodyPr rtlCol="0" anchor="ctr"/>
-          <a:lstStyle/>
-          <a:p>
-            <a:pPr algn="ctr"/>
-            <a:r>
-              <a:rPr lang="en-US" dirty="0"/>
-              <a:t>Output</a:t>
-            </a:r>
-          </a:p>
-        </p:txBody>
-      </p:sp>
-      <p:sp>
-        <p:nvSpPr>
-          <p:cNvPr id="24" name="Rounded Rectangle 4"/>
-          <p:cNvSpPr/>
-          <p:nvPr/>
-        </p:nvSpPr>
-        <p:spPr>
-          <a:xfrm>
-            <a:off x="5160499" y="3787825"/>
-            <a:ext cx="1828800" cy="771787"/>
-          </a:xfrm>
-          <a:prstGeom prst="roundRect">
-            <a:avLst/>
-          </a:prstGeom>
-          <a:solidFill>
-            <a:srgbClr val="C00000"/>
-          </a:solidFill>
-          <a:ln w="28575">
-            <a:solidFill>
-              <a:schemeClr val="tx1"/>
-            </a:solidFill>
-          </a:ln>
-          <a:effectLst>
-            <a:outerShdw blurRad="50800" dist="38100" dir="2700000" algn="tl" rotWithShape="0">
-              <a:prstClr val="black">
-                <a:alpha val="40000"/>
-              </a:prstClr>
-            </a:outerShdw>
-          </a:effectLst>
-        </p:spPr>
-        <p:style>
-          <a:lnRef idx="1">
-            <a:schemeClr val="accent1"/>
-          </a:lnRef>
-          <a:fillRef idx="3">
-            <a:schemeClr val="accent1"/>
-          </a:fillRef>
-          <a:effectRef idx="2">
-            <a:schemeClr val="accent1"/>
-          </a:effectRef>
-          <a:fontRef idx="minor">
-            <a:schemeClr val="lt1"/>
-          </a:fontRef>
-        </p:style>
-        <p:txBody>
-          <a:bodyPr rtlCol="0" anchor="ctr"/>
-          <a:lstStyle/>
-          <a:p>
-            <a:pPr algn="ctr"/>
-            <a:r>
-              <a:rPr lang="en-US" dirty="0"/>
-              <a:t>Process</a:t>
-            </a:r>
-          </a:p>
-        </p:txBody>
-      </p:sp>
-      <p:sp>
-        <p:nvSpPr>
-          <p:cNvPr id="23" name="Rounded Rectangle 4"/>
-          <p:cNvSpPr/>
-          <p:nvPr/>
-        </p:nvSpPr>
-        <p:spPr>
-          <a:xfrm>
-            <a:off x="5092768" y="3696190"/>
-            <a:ext cx="1828800" cy="771787"/>
-          </a:xfrm>
-          <a:prstGeom prst="roundRect">
-            <a:avLst/>
-          </a:prstGeom>
-          <a:solidFill>
-            <a:srgbClr val="C00000"/>
-          </a:solidFill>
-          <a:ln w="28575">
-            <a:solidFill>
-              <a:schemeClr val="tx1"/>
-            </a:solidFill>
-          </a:ln>
-          <a:effectLst>
-            <a:outerShdw blurRad="50800" dist="38100" dir="2700000" algn="tl" rotWithShape="0">
-              <a:prstClr val="black">
-                <a:alpha val="40000"/>
-              </a:prstClr>
-            </a:outerShdw>
-          </a:effectLst>
-        </p:spPr>
-        <p:style>
-          <a:lnRef idx="1">
-            <a:schemeClr val="accent1"/>
-          </a:lnRef>
-          <a:fillRef idx="3">
-            <a:schemeClr val="accent1"/>
-          </a:fillRef>
-          <a:effectRef idx="2">
-            <a:schemeClr val="accent1"/>
-          </a:effectRef>
-          <a:fontRef idx="minor">
-            <a:schemeClr val="lt1"/>
-          </a:fontRef>
-        </p:style>
-        <p:txBody>
-          <a:bodyPr rtlCol="0" anchor="ctr"/>
-          <a:lstStyle/>
-          <a:p>
-            <a:pPr algn="ctr"/>
-            <a:r>
-              <a:rPr lang="en-US" dirty="0"/>
-              <a:t>Process</a:t>
-            </a:r>
-          </a:p>
-        </p:txBody>
-      </p:sp>
-      <p:sp>
-        <p:nvSpPr>
-          <p:cNvPr id="20" name="Rounded Rectangle 3"/>
-          <p:cNvSpPr/>
-          <p:nvPr/>
-        </p:nvSpPr>
-        <p:spPr>
-          <a:xfrm>
-            <a:off x="3229424" y="3787834"/>
-            <a:ext cx="1662545" cy="771787"/>
-          </a:xfrm>
-          <a:prstGeom prst="roundRect">
-            <a:avLst/>
-          </a:prstGeom>
-          <a:solidFill>
-            <a:srgbClr val="C00000"/>
-          </a:solidFill>
-          <a:ln w="28575">
-            <a:solidFill>
-              <a:schemeClr val="tx1"/>
-            </a:solidFill>
-          </a:ln>
-          <a:effectLst>
-            <a:outerShdw blurRad="50800" dist="38100" dir="2700000" algn="tl" rotWithShape="0">
-              <a:prstClr val="black">
-                <a:alpha val="40000"/>
-              </a:prstClr>
-            </a:outerShdw>
-          </a:effectLst>
-        </p:spPr>
-        <p:style>
-          <a:lnRef idx="1">
-            <a:schemeClr val="accent1"/>
-          </a:lnRef>
-          <a:fillRef idx="3">
-            <a:schemeClr val="accent1"/>
-          </a:fillRef>
-          <a:effectRef idx="2">
-            <a:schemeClr val="accent1"/>
-          </a:effectRef>
-          <a:fontRef idx="minor">
-            <a:schemeClr val="lt1"/>
-          </a:fontRef>
-        </p:style>
-        <p:txBody>
-          <a:bodyPr rtlCol="0" anchor="ctr"/>
-          <a:lstStyle/>
-          <a:p>
-            <a:pPr algn="ctr"/>
-            <a:r>
-              <a:rPr lang="en-US" dirty="0"/>
-              <a:t>Input</a:t>
-            </a:r>
-          </a:p>
-        </p:txBody>
-      </p:sp>
-      <p:sp>
-        <p:nvSpPr>
-          <p:cNvPr id="19" name="Rounded Rectangle 3"/>
-          <p:cNvSpPr/>
-          <p:nvPr/>
-        </p:nvSpPr>
-        <p:spPr>
-          <a:xfrm>
-            <a:off x="3153715" y="3704158"/>
-            <a:ext cx="1662545" cy="771787"/>
-          </a:xfrm>
-          <a:prstGeom prst="roundRect">
-            <a:avLst/>
-          </a:prstGeom>
-          <a:solidFill>
-            <a:srgbClr val="C00000"/>
-          </a:solidFill>
-          <a:ln w="28575">
-            <a:solidFill>
-              <a:schemeClr val="tx1"/>
-            </a:solidFill>
-          </a:ln>
-          <a:effectLst>
-            <a:outerShdw blurRad="50800" dist="38100" dir="2700000" algn="tl" rotWithShape="0">
-              <a:prstClr val="black">
-                <a:alpha val="40000"/>
-              </a:prstClr>
-            </a:outerShdw>
-          </a:effectLst>
-        </p:spPr>
-        <p:style>
-          <a:lnRef idx="1">
-            <a:schemeClr val="accent1"/>
-          </a:lnRef>
-          <a:fillRef idx="3">
-            <a:schemeClr val="accent1"/>
-          </a:fillRef>
-          <a:effectRef idx="2">
-            <a:schemeClr val="accent1"/>
-          </a:effectRef>
-          <a:fontRef idx="minor">
-            <a:schemeClr val="lt1"/>
-          </a:fontRef>
-        </p:style>
-        <p:txBody>
-          <a:bodyPr rtlCol="0" anchor="ctr"/>
-          <a:lstStyle/>
-          <a:p>
-            <a:pPr algn="ctr"/>
-            <a:r>
-              <a:rPr lang="en-US" dirty="0"/>
-              <a:t>Input</a:t>
-            </a:r>
-          </a:p>
-        </p:txBody>
-      </p:sp>
-      <p:sp>
-        <p:nvSpPr>
-          <p:cNvPr id="2" name="Title 1"/>
-          <p:cNvSpPr>
-            <a:spLocks noGrp="1"/>
-          </p:cNvSpPr>
-          <p:nvPr>
-            <p:ph type="title"/>
-          </p:nvPr>
-        </p:nvSpPr>
-        <p:spPr/>
-        <p:txBody>
-          <a:bodyPr/>
-          <a:lstStyle/>
-          <a:p>
-            <a:r>
-              <a:rPr lang="en-US" dirty="0"/>
-              <a:t>DCAF Engine</a:t>
-            </a:r>
-          </a:p>
-        </p:txBody>
-      </p:sp>
-      <p:sp>
-        <p:nvSpPr>
-          <p:cNvPr id="4" name="Rounded Rectangle 3"/>
-          <p:cNvSpPr/>
-          <p:nvPr/>
-        </p:nvSpPr>
-        <p:spPr>
-          <a:xfrm>
-            <a:off x="2923166" y="3612514"/>
-            <a:ext cx="1828800" cy="771787"/>
-          </a:xfrm>
-          <a:prstGeom prst="roundRect">
-            <a:avLst/>
-          </a:prstGeom>
-          <a:solidFill>
-            <a:srgbClr val="C00000"/>
-          </a:solidFill>
-          <a:ln w="28575">
-            <a:solidFill>
-              <a:schemeClr val="tx1"/>
-            </a:solidFill>
-          </a:ln>
-          <a:effectLst>
-            <a:outerShdw blurRad="50800" dist="38100" dir="2700000" algn="tl" rotWithShape="0">
-              <a:prstClr val="black">
-                <a:alpha val="40000"/>
-              </a:prstClr>
-            </a:outerShdw>
-          </a:effectLst>
-        </p:spPr>
-        <p:style>
-          <a:lnRef idx="1">
-            <a:schemeClr val="accent1"/>
-          </a:lnRef>
-          <a:fillRef idx="3">
-            <a:schemeClr val="accent1"/>
-          </a:fillRef>
-          <a:effectRef idx="2">
-            <a:schemeClr val="accent1"/>
-          </a:effectRef>
-          <a:fontRef idx="minor">
-            <a:schemeClr val="lt1"/>
-          </a:fontRef>
-        </p:style>
-        <p:txBody>
-          <a:bodyPr rtlCol="0" anchor="ctr"/>
-          <a:lstStyle/>
-          <a:p>
-            <a:pPr algn="ctr"/>
-            <a:r>
-              <a:rPr lang="en-US" dirty="0"/>
-              <a:t>Input</a:t>
-            </a:r>
-          </a:p>
-        </p:txBody>
-      </p:sp>
-      <p:sp>
-        <p:nvSpPr>
-          <p:cNvPr id="5" name="Rounded Rectangle 4"/>
-          <p:cNvSpPr/>
-          <p:nvPr/>
-        </p:nvSpPr>
-        <p:spPr>
-          <a:xfrm>
-            <a:off x="5032995" y="3612513"/>
-            <a:ext cx="1828800" cy="771787"/>
-          </a:xfrm>
-          <a:prstGeom prst="roundRect">
-            <a:avLst/>
-          </a:prstGeom>
-          <a:solidFill>
-            <a:srgbClr val="C00000"/>
-          </a:solidFill>
-          <a:ln w="28575">
-            <a:solidFill>
-              <a:schemeClr val="tx1"/>
-            </a:solidFill>
-          </a:ln>
-          <a:effectLst>
-            <a:outerShdw blurRad="50800" dist="38100" dir="2700000" algn="tl" rotWithShape="0">
-              <a:prstClr val="black">
-                <a:alpha val="40000"/>
-              </a:prstClr>
-            </a:outerShdw>
-          </a:effectLst>
-        </p:spPr>
-        <p:style>
-          <a:lnRef idx="1">
-            <a:schemeClr val="accent1"/>
-          </a:lnRef>
-          <a:fillRef idx="3">
-            <a:schemeClr val="accent1"/>
-          </a:fillRef>
-          <a:effectRef idx="2">
-            <a:schemeClr val="accent1"/>
-          </a:effectRef>
-          <a:fontRef idx="minor">
-            <a:schemeClr val="lt1"/>
-          </a:fontRef>
-        </p:style>
-        <p:txBody>
-          <a:bodyPr rtlCol="0" anchor="ctr"/>
-          <a:lstStyle/>
-          <a:p>
-            <a:pPr algn="ctr"/>
-            <a:r>
-              <a:rPr lang="en-US" dirty="0"/>
-              <a:t>Process</a:t>
-            </a:r>
-          </a:p>
-        </p:txBody>
-      </p:sp>
-      <p:sp>
-        <p:nvSpPr>
-          <p:cNvPr id="6" name="Rounded Rectangle 5"/>
-          <p:cNvSpPr/>
-          <p:nvPr/>
-        </p:nvSpPr>
-        <p:spPr>
-          <a:xfrm>
-            <a:off x="7167992" y="3612513"/>
-            <a:ext cx="1828800" cy="771787"/>
-          </a:xfrm>
-          <a:prstGeom prst="roundRect">
-            <a:avLst/>
-          </a:prstGeom>
-          <a:solidFill>
-            <a:srgbClr val="C00000"/>
-          </a:solidFill>
-          <a:ln w="28575">
-            <a:solidFill>
-              <a:schemeClr val="tx1"/>
-            </a:solidFill>
-          </a:ln>
-          <a:effectLst>
-            <a:outerShdw blurRad="50800" dist="38100" dir="2700000" algn="tl" rotWithShape="0">
-              <a:prstClr val="black">
-                <a:alpha val="40000"/>
-              </a:prstClr>
-            </a:outerShdw>
-          </a:effectLst>
-        </p:spPr>
-        <p:style>
-          <a:lnRef idx="1">
-            <a:schemeClr val="accent1"/>
-          </a:lnRef>
-          <a:fillRef idx="3">
-            <a:schemeClr val="accent1"/>
-          </a:fillRef>
-          <a:effectRef idx="2">
-            <a:schemeClr val="accent1"/>
-          </a:effectRef>
-          <a:fontRef idx="minor">
-            <a:schemeClr val="lt1"/>
-          </a:fontRef>
-        </p:style>
-        <p:txBody>
-          <a:bodyPr rtlCol="0" anchor="ctr"/>
-          <a:lstStyle/>
-          <a:p>
-            <a:pPr algn="ctr"/>
-            <a:r>
-              <a:rPr lang="en-US" dirty="0"/>
-              <a:t>Output</a:t>
-            </a:r>
-          </a:p>
-        </p:txBody>
-      </p:sp>
-      <p:sp>
-        <p:nvSpPr>
-          <p:cNvPr id="7" name="Rounded Rectangle 6"/>
-          <p:cNvSpPr/>
-          <p:nvPr/>
-        </p:nvSpPr>
-        <p:spPr>
-          <a:xfrm>
-            <a:off x="2864443" y="2138148"/>
-            <a:ext cx="6165907" cy="771787"/>
-          </a:xfrm>
-          <a:prstGeom prst="roundRect">
-            <a:avLst/>
-          </a:prstGeom>
-          <a:solidFill>
-            <a:schemeClr val="bg1">
-              <a:lumMod val="50000"/>
-            </a:schemeClr>
-          </a:solidFill>
-          <a:ln w="28575">
-            <a:solidFill>
-              <a:schemeClr val="tx1"/>
-            </a:solidFill>
-          </a:ln>
-          <a:effectLst>
-            <a:outerShdw blurRad="50800" dist="38100" dir="2700000" algn="tl" rotWithShape="0">
-              <a:prstClr val="black">
-                <a:alpha val="40000"/>
-              </a:prstClr>
-            </a:outerShdw>
-          </a:effectLst>
-        </p:spPr>
-        <p:style>
-          <a:lnRef idx="1">
-            <a:schemeClr val="accent1"/>
-          </a:lnRef>
-          <a:fillRef idx="3">
-            <a:schemeClr val="accent1"/>
-          </a:fillRef>
-          <a:effectRef idx="2">
-            <a:schemeClr val="accent1"/>
-          </a:effectRef>
-          <a:fontRef idx="minor">
-            <a:schemeClr val="lt1"/>
-          </a:fontRef>
-        </p:style>
-        <p:txBody>
-          <a:bodyPr rtlCol="0" anchor="ctr"/>
-          <a:lstStyle/>
-          <a:p>
-            <a:pPr algn="ctr"/>
-            <a:r>
-              <a:rPr lang="en-US" dirty="0"/>
               <a:t>Engine</a:t>
             </a:r>
           </a:p>
@@ -21032,7 +21074,7 @@
         </p:nvSpPr>
         <p:spPr>
           <a:xfrm>
-            <a:off x="3650445" y="2931628"/>
+            <a:off x="3838029" y="2743021"/>
             <a:ext cx="251671" cy="680885"/>
           </a:xfrm>
           <a:prstGeom prst="upArrow">
@@ -21083,7 +21125,7 @@
         </p:nvSpPr>
         <p:spPr>
           <a:xfrm rot="10800000">
-            <a:off x="7929501" y="2924397"/>
+            <a:off x="8117085" y="2735790"/>
             <a:ext cx="251671" cy="680885"/>
           </a:xfrm>
           <a:prstGeom prst="upArrow">
@@ -21134,7 +21176,7 @@
         </p:nvSpPr>
         <p:spPr>
           <a:xfrm rot="10800000">
-            <a:off x="5283384" y="2931628"/>
+            <a:off x="5470968" y="2743021"/>
             <a:ext cx="251671" cy="680885"/>
           </a:xfrm>
           <a:prstGeom prst="upArrow">
@@ -21185,7 +21227,7 @@
         </p:nvSpPr>
         <p:spPr>
           <a:xfrm>
-            <a:off x="6170728" y="2909935"/>
+            <a:off x="6358312" y="2721328"/>
             <a:ext cx="251671" cy="680885"/>
           </a:xfrm>
           <a:prstGeom prst="upArrow">
@@ -21236,7 +21278,7 @@
         </p:nvSpPr>
         <p:spPr>
           <a:xfrm>
-            <a:off x="4964893" y="4917408"/>
+            <a:off x="5152477" y="4728801"/>
             <a:ext cx="1896903" cy="839972"/>
           </a:xfrm>
           <a:prstGeom prst="cloud">
@@ -21288,7 +21330,7 @@
         </p:nvSpPr>
         <p:spPr>
           <a:xfrm>
-            <a:off x="3089553" y="4917408"/>
+            <a:off x="3277137" y="4728801"/>
             <a:ext cx="1373453" cy="839972"/>
           </a:xfrm>
           <a:prstGeom prst="cloud">
@@ -21340,7 +21382,7 @@
         </p:nvSpPr>
         <p:spPr>
           <a:xfrm>
-            <a:off x="7368609" y="4917408"/>
+            <a:off x="7556193" y="4728801"/>
             <a:ext cx="1373453" cy="839972"/>
           </a:xfrm>
           <a:prstGeom prst="cloud">
@@ -21392,7 +21434,7 @@
         </p:nvSpPr>
         <p:spPr>
           <a:xfrm>
-            <a:off x="3647981" y="4391529"/>
+            <a:off x="3835565" y="4202922"/>
             <a:ext cx="251671" cy="680885"/>
           </a:xfrm>
           <a:prstGeom prst="upArrow">
@@ -21445,7 +21487,7 @@
         </p:nvSpPr>
         <p:spPr>
           <a:xfrm rot="10800000">
-            <a:off x="7927037" y="4384300"/>
+            <a:off x="8114621" y="4195693"/>
             <a:ext cx="251671" cy="680885"/>
           </a:xfrm>
           <a:prstGeom prst="upArrow">
@@ -21498,7 +21540,7 @@
         </p:nvSpPr>
         <p:spPr>
           <a:xfrm rot="10800000">
-            <a:off x="5294366" y="4391529"/>
+            <a:off x="5481950" y="4202922"/>
             <a:ext cx="251671" cy="680885"/>
           </a:xfrm>
           <a:prstGeom prst="upArrow">
@@ -21551,7 +21593,7 @@
         </p:nvSpPr>
         <p:spPr>
           <a:xfrm>
-            <a:off x="6181710" y="4369837"/>
+            <a:off x="6369294" y="4181230"/>
             <a:ext cx="251671" cy="680885"/>
           </a:xfrm>
           <a:prstGeom prst="upArrow">
@@ -21598,129 +21640,10 @@
       </p:sp>
       <p:sp>
         <p:nvSpPr>
-          <p:cNvPr id="3" name="Rectangle: Rounded Corners 2"/>
-          <p:cNvSpPr/>
-          <p:nvPr/>
-        </p:nvSpPr>
-        <p:spPr>
-          <a:xfrm>
-            <a:off x="435913" y="3669285"/>
-            <a:ext cx="1593727" cy="795691"/>
-          </a:xfrm>
-          <a:prstGeom prst="roundRect">
-            <a:avLst/>
-          </a:prstGeom>
-          <a:noFill/>
-          <a:ln w="12700">
-            <a:solidFill>
-              <a:srgbClr val="0A60A3"/>
-            </a:solidFill>
-          </a:ln>
-          <a:effectLst/>
-        </p:spPr>
-        <p:style>
-          <a:lnRef idx="1">
-            <a:schemeClr val="accent1"/>
-          </a:lnRef>
-          <a:fillRef idx="3">
-            <a:schemeClr val="accent1"/>
-          </a:fillRef>
-          <a:effectRef idx="2">
-            <a:schemeClr val="accent1"/>
-          </a:effectRef>
-          <a:fontRef idx="minor">
-            <a:schemeClr val="lt1"/>
-          </a:fontRef>
-        </p:style>
-        <p:txBody>
-          <a:bodyPr rot="0" spcFirstLastPara="0" vertOverflow="overflow" horzOverflow="overflow" vert="horz" wrap="square" lIns="0" tIns="60960" rIns="0" bIns="60960" numCol="1" spcCol="0" rtlCol="0" fromWordArt="0" anchor="ctr" anchorCtr="0" forceAA="0" compatLnSpc="1">
-            <a:prstTxWarp prst="textNoShape">
-              <a:avLst/>
-            </a:prstTxWarp>
-            <a:noAutofit/>
-          </a:bodyPr>
-          <a:lstStyle/>
-          <a:p>
-            <a:pPr algn="ctr"/>
-            <a:r>
-              <a:rPr lang="en-US" sz="2400" dirty="0" err="1">
-                <a:solidFill>
-                  <a:schemeClr val="tx1"/>
-                </a:solidFill>
-              </a:rPr>
-              <a:t>Init</a:t>
-            </a:r>
-            <a:endParaRPr lang="en-US" sz="2400" dirty="0">
-              <a:solidFill>
-                <a:schemeClr val="tx1"/>
-              </a:solidFill>
-            </a:endParaRPr>
-          </a:p>
-        </p:txBody>
-      </p:sp>
-      <p:sp>
-        <p:nvSpPr>
-          <p:cNvPr id="29" name="Rectangle: Rounded Corners 28"/>
-          <p:cNvSpPr/>
-          <p:nvPr/>
-        </p:nvSpPr>
-        <p:spPr>
-          <a:xfrm>
-            <a:off x="9934530" y="3709136"/>
-            <a:ext cx="1593727" cy="795691"/>
-          </a:xfrm>
-          <a:prstGeom prst="roundRect">
-            <a:avLst/>
-          </a:prstGeom>
-          <a:noFill/>
-          <a:ln w="12700">
-            <a:solidFill>
-              <a:srgbClr val="0A60A3"/>
-            </a:solidFill>
-          </a:ln>
-          <a:effectLst/>
-        </p:spPr>
-        <p:style>
-          <a:lnRef idx="1">
-            <a:schemeClr val="accent1"/>
-          </a:lnRef>
-          <a:fillRef idx="3">
-            <a:schemeClr val="accent1"/>
-          </a:fillRef>
-          <a:effectRef idx="2">
-            <a:schemeClr val="accent1"/>
-          </a:effectRef>
-          <a:fontRef idx="minor">
-            <a:schemeClr val="lt1"/>
-          </a:fontRef>
-        </p:style>
-        <p:txBody>
-          <a:bodyPr rot="0" spcFirstLastPara="0" vertOverflow="overflow" horzOverflow="overflow" vert="horz" wrap="square" lIns="0" tIns="60960" rIns="0" bIns="60960" numCol="1" spcCol="0" rtlCol="0" fromWordArt="0" anchor="ctr" anchorCtr="0" forceAA="0" compatLnSpc="1">
-            <a:prstTxWarp prst="textNoShape">
-              <a:avLst/>
-            </a:prstTxWarp>
-            <a:noAutofit/>
-          </a:bodyPr>
-          <a:lstStyle/>
-          <a:p>
-            <a:pPr algn="ctr"/>
-            <a:r>
-              <a:rPr lang="en-US" sz="2400" dirty="0">
-                <a:solidFill>
-                  <a:schemeClr val="tx1"/>
-                </a:solidFill>
-              </a:rPr>
-              <a:t>Close</a:t>
-            </a:r>
-          </a:p>
-        </p:txBody>
-      </p:sp>
-      <p:sp>
-        <p:nvSpPr>
-          <p:cNvPr id="30" name="Rounded Rectangle 6">
+          <p:cNvPr id="40" name="Rounded Rectangle 6">
             <a:extLst>
               <a:ext uri="{FF2B5EF4-FFF2-40B4-BE49-F238E27FC236}">
-                <a16:creationId xmlns:a16="http://schemas.microsoft.com/office/drawing/2014/main" id="{21D54B73-8876-4CBC-AC85-FC49E79DC5E9}"/>
+                <a16:creationId xmlns:a16="http://schemas.microsoft.com/office/drawing/2014/main" id="{23FCCF0D-6063-4628-B16E-A4650EED4301}"/>
               </a:ext>
             </a:extLst>
           </p:cNvPr>
@@ -21729,7 +21652,7 @@
         </p:nvSpPr>
         <p:spPr>
           <a:xfrm>
-            <a:off x="8892457" y="5523018"/>
+            <a:off x="8831716" y="5564020"/>
             <a:ext cx="1405593" cy="1157682"/>
           </a:xfrm>
           <a:prstGeom prst="roundRect">
@@ -21737,7 +21660,197 @@
           </a:prstGeom>
           <a:solidFill>
             <a:schemeClr val="bg1">
-              <a:lumMod val="75000"/>
+              <a:lumMod val="85000"/>
+            </a:schemeClr>
+          </a:solidFill>
+          <a:ln w="28575">
+            <a:solidFill>
+              <a:schemeClr val="tx1"/>
+            </a:solidFill>
+          </a:ln>
+          <a:effectLst>
+            <a:outerShdw blurRad="50800" dist="38100" dir="2700000" algn="tl" rotWithShape="0">
+              <a:prstClr val="black">
+                <a:alpha val="40000"/>
+              </a:prstClr>
+            </a:outerShdw>
+          </a:effectLst>
+        </p:spPr>
+        <p:style>
+          <a:lnRef idx="1">
+            <a:schemeClr val="accent1"/>
+          </a:lnRef>
+          <a:fillRef idx="3">
+            <a:schemeClr val="accent1"/>
+          </a:fillRef>
+          <a:effectRef idx="2">
+            <a:schemeClr val="accent1"/>
+          </a:effectRef>
+          <a:fontRef idx="minor">
+            <a:schemeClr val="lt1"/>
+          </a:fontRef>
+        </p:style>
+        <p:txBody>
+          <a:bodyPr rtlCol="0" anchor="t" anchorCtr="0"/>
+          <a:lstStyle/>
+          <a:p>
+            <a:endParaRPr lang="en-US" b="1" dirty="0">
+              <a:solidFill>
+                <a:schemeClr val="tx1"/>
+              </a:solidFill>
+            </a:endParaRPr>
+          </a:p>
+        </p:txBody>
+      </p:sp>
+      <p:sp>
+        <p:nvSpPr>
+          <p:cNvPr id="41" name="Rounded Rectangle 7">
+            <a:extLst>
+              <a:ext uri="{FF2B5EF4-FFF2-40B4-BE49-F238E27FC236}">
+                <a16:creationId xmlns:a16="http://schemas.microsoft.com/office/drawing/2014/main" id="{997866DD-B11D-447C-8E72-746E0F072B59}"/>
+              </a:ext>
+            </a:extLst>
+          </p:cNvPr>
+          <p:cNvSpPr/>
+          <p:nvPr/>
+        </p:nvSpPr>
+        <p:spPr>
+          <a:xfrm>
+            <a:off x="10619041" y="5564020"/>
+            <a:ext cx="1405593" cy="1157682"/>
+          </a:xfrm>
+          <a:prstGeom prst="roundRect">
+            <a:avLst/>
+          </a:prstGeom>
+          <a:solidFill>
+            <a:schemeClr val="bg1">
+              <a:lumMod val="85000"/>
+            </a:schemeClr>
+          </a:solidFill>
+          <a:ln w="28575">
+            <a:solidFill>
+              <a:schemeClr val="tx1"/>
+            </a:solidFill>
+          </a:ln>
+          <a:effectLst>
+            <a:outerShdw blurRad="50800" dist="38100" dir="2700000" algn="tl" rotWithShape="0">
+              <a:prstClr val="black">
+                <a:alpha val="40000"/>
+              </a:prstClr>
+            </a:outerShdw>
+          </a:effectLst>
+        </p:spPr>
+        <p:style>
+          <a:lnRef idx="1">
+            <a:schemeClr val="accent1"/>
+          </a:lnRef>
+          <a:fillRef idx="3">
+            <a:schemeClr val="accent1"/>
+          </a:fillRef>
+          <a:effectRef idx="2">
+            <a:schemeClr val="accent1"/>
+          </a:effectRef>
+          <a:fontRef idx="minor">
+            <a:schemeClr val="lt1"/>
+          </a:fontRef>
+        </p:style>
+        <p:txBody>
+          <a:bodyPr rtlCol="0" anchor="t" anchorCtr="0"/>
+          <a:lstStyle/>
+          <a:p>
+            <a:endParaRPr lang="en-US" b="1" dirty="0">
+              <a:solidFill>
+                <a:schemeClr val="tx1"/>
+              </a:solidFill>
+            </a:endParaRPr>
+          </a:p>
+        </p:txBody>
+      </p:sp>
+      <p:sp>
+        <p:nvSpPr>
+          <p:cNvPr id="42" name="Rounded Rectangle 3">
+            <a:extLst>
+              <a:ext uri="{FF2B5EF4-FFF2-40B4-BE49-F238E27FC236}">
+                <a16:creationId xmlns:a16="http://schemas.microsoft.com/office/drawing/2014/main" id="{8AD3CF00-82C9-42D9-AAB6-F2F588006431}"/>
+              </a:ext>
+            </a:extLst>
+          </p:cNvPr>
+          <p:cNvSpPr/>
+          <p:nvPr/>
+        </p:nvSpPr>
+        <p:spPr>
+          <a:xfrm>
+            <a:off x="10784375" y="5790808"/>
+            <a:ext cx="1074926" cy="222063"/>
+          </a:xfrm>
+          <a:prstGeom prst="roundRect">
+            <a:avLst/>
+          </a:prstGeom>
+          <a:solidFill>
+            <a:srgbClr val="C00000"/>
+          </a:solidFill>
+          <a:ln w="28575">
+            <a:solidFill>
+              <a:schemeClr val="tx1"/>
+            </a:solidFill>
+          </a:ln>
+          <a:effectLst>
+            <a:outerShdw blurRad="50800" dist="38100" dir="2700000" algn="tl" rotWithShape="0">
+              <a:prstClr val="black">
+                <a:alpha val="40000"/>
+              </a:prstClr>
+            </a:outerShdw>
+          </a:effectLst>
+        </p:spPr>
+        <p:style>
+          <a:lnRef idx="1">
+            <a:schemeClr val="accent1"/>
+          </a:lnRef>
+          <a:fillRef idx="3">
+            <a:schemeClr val="accent1"/>
+          </a:fillRef>
+          <a:effectRef idx="2">
+            <a:schemeClr val="accent1"/>
+          </a:effectRef>
+          <a:fontRef idx="minor">
+            <a:schemeClr val="lt1"/>
+          </a:fontRef>
+        </p:style>
+        <p:txBody>
+          <a:bodyPr rtlCol="0" anchor="ctr"/>
+          <a:lstStyle/>
+          <a:p>
+            <a:pPr algn="ctr"/>
+            <a:r>
+              <a:rPr lang="en-US" dirty="0"/>
+              <a:t>Engine</a:t>
+            </a:r>
+          </a:p>
+        </p:txBody>
+      </p:sp>
+      <p:sp>
+        <p:nvSpPr>
+          <p:cNvPr id="43" name="Rounded Rectangle 5">
+            <a:extLst>
+              <a:ext uri="{FF2B5EF4-FFF2-40B4-BE49-F238E27FC236}">
+                <a16:creationId xmlns:a16="http://schemas.microsoft.com/office/drawing/2014/main" id="{CA4879BE-76EC-4958-BB3E-3ED2058960CC}"/>
+              </a:ext>
+            </a:extLst>
+          </p:cNvPr>
+          <p:cNvSpPr/>
+          <p:nvPr/>
+        </p:nvSpPr>
+        <p:spPr>
+          <a:xfrm>
+            <a:off x="9015238" y="5790808"/>
+            <a:ext cx="1038549" cy="229913"/>
+          </a:xfrm>
+          <a:prstGeom prst="roundRect">
+            <a:avLst/>
+          </a:prstGeom>
+          <a:solidFill>
+            <a:schemeClr val="accent3">
+              <a:lumMod val="50000"/>
               <a:alpha val="20000"/>
             </a:schemeClr>
           </a:solidFill>
@@ -21769,23 +21882,23 @@
           </a:fontRef>
         </p:style>
         <p:txBody>
-          <a:bodyPr rtlCol="0" anchor="t" anchorCtr="0"/>
+          <a:bodyPr rtlCol="0" anchor="ctr"/>
           <a:lstStyle/>
           <a:p>
-            <a:endParaRPr lang="en-US" b="1" dirty="0">
-              <a:solidFill>
-                <a:schemeClr val="tx1"/>
-              </a:solidFill>
-            </a:endParaRPr>
+            <a:pPr algn="ctr"/>
+            <a:r>
+              <a:rPr lang="en-US" dirty="0"/>
+              <a:t>Editor</a:t>
+            </a:r>
           </a:p>
         </p:txBody>
       </p:sp>
       <p:sp>
         <p:nvSpPr>
-          <p:cNvPr id="31" name="Rounded Rectangle 7">
+          <p:cNvPr id="44" name="Rounded Rectangle 4">
             <a:extLst>
               <a:ext uri="{FF2B5EF4-FFF2-40B4-BE49-F238E27FC236}">
-                <a16:creationId xmlns:a16="http://schemas.microsoft.com/office/drawing/2014/main" id="{4F69DDBF-7A12-4064-AFA5-3F83D7EC9DE5}"/>
+                <a16:creationId xmlns:a16="http://schemas.microsoft.com/office/drawing/2014/main" id="{1B301941-743E-4B13-9FD3-4CF64E958136}"/>
               </a:ext>
             </a:extLst>
           </p:cNvPr>
@@ -21794,15 +21907,15 @@
         </p:nvSpPr>
         <p:spPr>
           <a:xfrm>
-            <a:off x="10614413" y="5523018"/>
-            <a:ext cx="1405593" cy="1157682"/>
+            <a:off x="9047922" y="6316178"/>
+            <a:ext cx="2760506" cy="229913"/>
           </a:xfrm>
           <a:prstGeom prst="roundRect">
             <a:avLst/>
           </a:prstGeom>
           <a:solidFill>
-            <a:schemeClr val="bg1">
-              <a:lumMod val="85000"/>
+            <a:schemeClr val="tx2">
+              <a:lumMod val="50000"/>
               <a:alpha val="20000"/>
             </a:schemeClr>
           </a:solidFill>
@@ -21834,23 +21947,23 @@
           </a:fontRef>
         </p:style>
         <p:txBody>
-          <a:bodyPr rtlCol="0" anchor="t" anchorCtr="0"/>
+          <a:bodyPr rtlCol="0" anchor="ctr"/>
           <a:lstStyle/>
           <a:p>
-            <a:endParaRPr lang="en-US" b="1" dirty="0">
-              <a:solidFill>
-                <a:schemeClr val="tx1"/>
-              </a:solidFill>
-            </a:endParaRPr>
+            <a:pPr algn="ctr"/>
+            <a:r>
+              <a:rPr lang="en-US" dirty="0"/>
+              <a:t>Modules</a:t>
+            </a:r>
           </a:p>
         </p:txBody>
       </p:sp>
       <p:sp>
         <p:nvSpPr>
-          <p:cNvPr id="32" name="Rounded Rectangle 3">
+          <p:cNvPr id="45" name="Rounded Rectangle 5">
             <a:extLst>
               <a:ext uri="{FF2B5EF4-FFF2-40B4-BE49-F238E27FC236}">
-                <a16:creationId xmlns:a16="http://schemas.microsoft.com/office/drawing/2014/main" id="{2D779DDD-471E-4FF9-9731-71E26F7CE9FE}"/>
+                <a16:creationId xmlns:a16="http://schemas.microsoft.com/office/drawing/2014/main" id="{F3B9142D-C33E-49CC-ACEB-02F81ED9362F}"/>
               </a:ext>
             </a:extLst>
           </p:cNvPr>
@@ -21859,15 +21972,15 @@
         </p:nvSpPr>
         <p:spPr>
           <a:xfrm>
-            <a:off x="10763795" y="5744084"/>
-            <a:ext cx="1090877" cy="222063"/>
+            <a:off x="528227" y="3423906"/>
+            <a:ext cx="1836344" cy="745436"/>
           </a:xfrm>
           <a:prstGeom prst="roundRect">
             <a:avLst/>
           </a:prstGeom>
           <a:solidFill>
-            <a:schemeClr val="accent3">
-              <a:lumMod val="75000"/>
+            <a:schemeClr val="bg1">
+              <a:lumMod val="85000"/>
             </a:schemeClr>
           </a:solidFill>
           <a:ln w="28575">
@@ -21903,18 +22016,22 @@
           <a:p>
             <a:pPr algn="ctr"/>
             <a:r>
-              <a:rPr lang="en-US" dirty="0"/>
-              <a:t>Engine</a:t>
+              <a:rPr lang="en-US" dirty="0">
+                <a:solidFill>
+                  <a:schemeClr val="tx1"/>
+                </a:solidFill>
+              </a:rPr>
+              <a:t>Init</a:t>
             </a:r>
           </a:p>
         </p:txBody>
       </p:sp>
       <p:sp>
         <p:nvSpPr>
-          <p:cNvPr id="33" name="Rounded Rectangle 5">
+          <p:cNvPr id="46" name="Rounded Rectangle 5">
             <a:extLst>
               <a:ext uri="{FF2B5EF4-FFF2-40B4-BE49-F238E27FC236}">
-                <a16:creationId xmlns:a16="http://schemas.microsoft.com/office/drawing/2014/main" id="{E7BFE0E4-F536-4218-A7FE-93CFB95FFA71}"/>
+                <a16:creationId xmlns:a16="http://schemas.microsoft.com/office/drawing/2014/main" id="{5852B2FA-CE64-425D-BFE7-8A63A6217DA5}"/>
               </a:ext>
             </a:extLst>
           </p:cNvPr>
@@ -21923,16 +22040,15 @@
         </p:nvSpPr>
         <p:spPr>
           <a:xfrm>
-            <a:off x="9075978" y="5736236"/>
-            <a:ext cx="1038549" cy="229911"/>
+            <a:off x="10053787" y="3402213"/>
+            <a:ext cx="1836344" cy="745436"/>
           </a:xfrm>
           <a:prstGeom prst="roundRect">
             <a:avLst/>
           </a:prstGeom>
           <a:solidFill>
-            <a:schemeClr val="accent1">
-              <a:lumMod val="75000"/>
-              <a:alpha val="20000"/>
+            <a:schemeClr val="bg1">
+              <a:lumMod val="85000"/>
             </a:schemeClr>
           </a:solidFill>
           <a:ln w="28575">
@@ -21968,72 +22084,12 @@
           <a:p>
             <a:pPr algn="ctr"/>
             <a:r>
-              <a:rPr lang="en-US" dirty="0"/>
-              <a:t>Editor</a:t>
-            </a:r>
-          </a:p>
-        </p:txBody>
-      </p:sp>
-      <p:sp>
-        <p:nvSpPr>
-          <p:cNvPr id="34" name="Rounded Rectangle 4">
-            <a:extLst>
-              <a:ext uri="{FF2B5EF4-FFF2-40B4-BE49-F238E27FC236}">
-                <a16:creationId xmlns:a16="http://schemas.microsoft.com/office/drawing/2014/main" id="{35ED48D2-C09F-4713-9A92-BC26B88E7F51}"/>
-              </a:ext>
-            </a:extLst>
-          </p:cNvPr>
-          <p:cNvSpPr/>
-          <p:nvPr/>
-        </p:nvSpPr>
-        <p:spPr>
-          <a:xfrm>
-            <a:off x="9075978" y="6212057"/>
-            <a:ext cx="2760507" cy="229911"/>
-          </a:xfrm>
-          <a:prstGeom prst="roundRect">
-            <a:avLst/>
-          </a:prstGeom>
-          <a:solidFill>
-            <a:srgbClr val="C00000">
-              <a:alpha val="20000"/>
-            </a:srgbClr>
-          </a:solidFill>
-          <a:ln w="28575">
-            <a:solidFill>
-              <a:schemeClr val="tx1"/>
-            </a:solidFill>
-          </a:ln>
-          <a:effectLst>
-            <a:outerShdw blurRad="50800" dist="38100" dir="2700000" algn="tl" rotWithShape="0">
-              <a:prstClr val="black">
-                <a:alpha val="40000"/>
-              </a:prstClr>
-            </a:outerShdw>
-          </a:effectLst>
-        </p:spPr>
-        <p:style>
-          <a:lnRef idx="1">
-            <a:schemeClr val="accent1"/>
-          </a:lnRef>
-          <a:fillRef idx="3">
-            <a:schemeClr val="accent1"/>
-          </a:fillRef>
-          <a:effectRef idx="2">
-            <a:schemeClr val="accent1"/>
-          </a:effectRef>
-          <a:fontRef idx="minor">
-            <a:schemeClr val="lt1"/>
-          </a:fontRef>
-        </p:style>
-        <p:txBody>
-          <a:bodyPr rtlCol="0" anchor="ctr"/>
-          <a:lstStyle/>
-          <a:p>
-            <a:pPr algn="ctr"/>
-            <a:r>
-              <a:rPr lang="en-US" dirty="0"/>
-              <a:t>Modules</a:t>
+              <a:rPr lang="en-US" dirty="0">
+                <a:solidFill>
+                  <a:schemeClr val="tx1"/>
+                </a:solidFill>
+              </a:rPr>
+              <a:t>Close</a:t>
             </a:r>
           </a:p>
         </p:txBody>
@@ -24523,10 +24579,10 @@
       </p:pic>
       <p:sp>
         <p:nvSpPr>
-          <p:cNvPr id="5" name="Rounded Rectangle 6">
+          <p:cNvPr id="15" name="Rounded Rectangle 6">
             <a:extLst>
               <a:ext uri="{FF2B5EF4-FFF2-40B4-BE49-F238E27FC236}">
-                <a16:creationId xmlns:a16="http://schemas.microsoft.com/office/drawing/2014/main" id="{5A15724D-18FC-4CA5-862C-C0BC7092E0F9}"/>
+                <a16:creationId xmlns:a16="http://schemas.microsoft.com/office/drawing/2014/main" id="{B3FCDF7B-EACF-4FCF-9191-0D1A96C5BF72}"/>
               </a:ext>
             </a:extLst>
           </p:cNvPr>
@@ -24535,7 +24591,7 @@
         </p:nvSpPr>
         <p:spPr>
           <a:xfrm>
-            <a:off x="8892457" y="5523018"/>
+            <a:off x="8831716" y="5564020"/>
             <a:ext cx="1405593" cy="1157682"/>
           </a:xfrm>
           <a:prstGeom prst="roundRect">
@@ -24543,7 +24599,197 @@
           </a:prstGeom>
           <a:solidFill>
             <a:schemeClr val="bg1">
-              <a:lumMod val="75000"/>
+              <a:lumMod val="85000"/>
+            </a:schemeClr>
+          </a:solidFill>
+          <a:ln w="28575">
+            <a:solidFill>
+              <a:schemeClr val="tx1"/>
+            </a:solidFill>
+          </a:ln>
+          <a:effectLst>
+            <a:outerShdw blurRad="50800" dist="38100" dir="2700000" algn="tl" rotWithShape="0">
+              <a:prstClr val="black">
+                <a:alpha val="40000"/>
+              </a:prstClr>
+            </a:outerShdw>
+          </a:effectLst>
+        </p:spPr>
+        <p:style>
+          <a:lnRef idx="1">
+            <a:schemeClr val="accent1"/>
+          </a:lnRef>
+          <a:fillRef idx="3">
+            <a:schemeClr val="accent1"/>
+          </a:fillRef>
+          <a:effectRef idx="2">
+            <a:schemeClr val="accent1"/>
+          </a:effectRef>
+          <a:fontRef idx="minor">
+            <a:schemeClr val="lt1"/>
+          </a:fontRef>
+        </p:style>
+        <p:txBody>
+          <a:bodyPr rtlCol="0" anchor="t" anchorCtr="0"/>
+          <a:lstStyle/>
+          <a:p>
+            <a:endParaRPr lang="en-US" b="1" dirty="0">
+              <a:solidFill>
+                <a:schemeClr val="tx1"/>
+              </a:solidFill>
+            </a:endParaRPr>
+          </a:p>
+        </p:txBody>
+      </p:sp>
+      <p:sp>
+        <p:nvSpPr>
+          <p:cNvPr id="16" name="Rounded Rectangle 7">
+            <a:extLst>
+              <a:ext uri="{FF2B5EF4-FFF2-40B4-BE49-F238E27FC236}">
+                <a16:creationId xmlns:a16="http://schemas.microsoft.com/office/drawing/2014/main" id="{D98B8F5E-0475-4187-A638-5502271BA3A4}"/>
+              </a:ext>
+            </a:extLst>
+          </p:cNvPr>
+          <p:cNvSpPr/>
+          <p:nvPr/>
+        </p:nvSpPr>
+        <p:spPr>
+          <a:xfrm>
+            <a:off x="10619041" y="5564020"/>
+            <a:ext cx="1405593" cy="1157682"/>
+          </a:xfrm>
+          <a:prstGeom prst="roundRect">
+            <a:avLst/>
+          </a:prstGeom>
+          <a:solidFill>
+            <a:schemeClr val="bg1">
+              <a:lumMod val="85000"/>
+            </a:schemeClr>
+          </a:solidFill>
+          <a:ln w="28575">
+            <a:solidFill>
+              <a:schemeClr val="tx1"/>
+            </a:solidFill>
+          </a:ln>
+          <a:effectLst>
+            <a:outerShdw blurRad="50800" dist="38100" dir="2700000" algn="tl" rotWithShape="0">
+              <a:prstClr val="black">
+                <a:alpha val="40000"/>
+              </a:prstClr>
+            </a:outerShdw>
+          </a:effectLst>
+        </p:spPr>
+        <p:style>
+          <a:lnRef idx="1">
+            <a:schemeClr val="accent1"/>
+          </a:lnRef>
+          <a:fillRef idx="3">
+            <a:schemeClr val="accent1"/>
+          </a:fillRef>
+          <a:effectRef idx="2">
+            <a:schemeClr val="accent1"/>
+          </a:effectRef>
+          <a:fontRef idx="minor">
+            <a:schemeClr val="lt1"/>
+          </a:fontRef>
+        </p:style>
+        <p:txBody>
+          <a:bodyPr rtlCol="0" anchor="t" anchorCtr="0"/>
+          <a:lstStyle/>
+          <a:p>
+            <a:endParaRPr lang="en-US" b="1" dirty="0">
+              <a:solidFill>
+                <a:schemeClr val="tx1"/>
+              </a:solidFill>
+            </a:endParaRPr>
+          </a:p>
+        </p:txBody>
+      </p:sp>
+      <p:sp>
+        <p:nvSpPr>
+          <p:cNvPr id="17" name="Rounded Rectangle 3">
+            <a:extLst>
+              <a:ext uri="{FF2B5EF4-FFF2-40B4-BE49-F238E27FC236}">
+                <a16:creationId xmlns:a16="http://schemas.microsoft.com/office/drawing/2014/main" id="{14E31E54-FF63-46D1-837E-C48090C75538}"/>
+              </a:ext>
+            </a:extLst>
+          </p:cNvPr>
+          <p:cNvSpPr/>
+          <p:nvPr/>
+        </p:nvSpPr>
+        <p:spPr>
+          <a:xfrm>
+            <a:off x="10784375" y="5790808"/>
+            <a:ext cx="1074926" cy="222063"/>
+          </a:xfrm>
+          <a:prstGeom prst="roundRect">
+            <a:avLst/>
+          </a:prstGeom>
+          <a:solidFill>
+            <a:srgbClr val="C00000"/>
+          </a:solidFill>
+          <a:ln w="28575">
+            <a:solidFill>
+              <a:schemeClr val="tx1"/>
+            </a:solidFill>
+          </a:ln>
+          <a:effectLst>
+            <a:outerShdw blurRad="50800" dist="38100" dir="2700000" algn="tl" rotWithShape="0">
+              <a:prstClr val="black">
+                <a:alpha val="40000"/>
+              </a:prstClr>
+            </a:outerShdw>
+          </a:effectLst>
+        </p:spPr>
+        <p:style>
+          <a:lnRef idx="1">
+            <a:schemeClr val="accent1"/>
+          </a:lnRef>
+          <a:fillRef idx="3">
+            <a:schemeClr val="accent1"/>
+          </a:fillRef>
+          <a:effectRef idx="2">
+            <a:schemeClr val="accent1"/>
+          </a:effectRef>
+          <a:fontRef idx="minor">
+            <a:schemeClr val="lt1"/>
+          </a:fontRef>
+        </p:style>
+        <p:txBody>
+          <a:bodyPr rtlCol="0" anchor="ctr"/>
+          <a:lstStyle/>
+          <a:p>
+            <a:pPr algn="ctr"/>
+            <a:r>
+              <a:rPr lang="en-US" dirty="0"/>
+              <a:t>Engine</a:t>
+            </a:r>
+          </a:p>
+        </p:txBody>
+      </p:sp>
+      <p:sp>
+        <p:nvSpPr>
+          <p:cNvPr id="18" name="Rounded Rectangle 5">
+            <a:extLst>
+              <a:ext uri="{FF2B5EF4-FFF2-40B4-BE49-F238E27FC236}">
+                <a16:creationId xmlns:a16="http://schemas.microsoft.com/office/drawing/2014/main" id="{8F4735A7-51B1-400C-8BDA-CCD5611CCEEE}"/>
+              </a:ext>
+            </a:extLst>
+          </p:cNvPr>
+          <p:cNvSpPr/>
+          <p:nvPr/>
+        </p:nvSpPr>
+        <p:spPr>
+          <a:xfrm>
+            <a:off x="9015238" y="5790808"/>
+            <a:ext cx="1038549" cy="229913"/>
+          </a:xfrm>
+          <a:prstGeom prst="roundRect">
+            <a:avLst/>
+          </a:prstGeom>
+          <a:solidFill>
+            <a:schemeClr val="accent3">
+              <a:lumMod val="50000"/>
               <a:alpha val="20000"/>
             </a:schemeClr>
           </a:solidFill>
@@ -24575,23 +24821,23 @@
           </a:fontRef>
         </p:style>
         <p:txBody>
-          <a:bodyPr rtlCol="0" anchor="t" anchorCtr="0"/>
+          <a:bodyPr rtlCol="0" anchor="ctr"/>
           <a:lstStyle/>
           <a:p>
-            <a:endParaRPr lang="en-US" b="1" dirty="0">
-              <a:solidFill>
-                <a:schemeClr val="tx1"/>
-              </a:solidFill>
-            </a:endParaRPr>
+            <a:pPr algn="ctr"/>
+            <a:r>
+              <a:rPr lang="en-US" dirty="0"/>
+              <a:t>Editor</a:t>
+            </a:r>
           </a:p>
         </p:txBody>
       </p:sp>
       <p:sp>
         <p:nvSpPr>
-          <p:cNvPr id="6" name="Rounded Rectangle 7">
+          <p:cNvPr id="19" name="Rounded Rectangle 4">
             <a:extLst>
               <a:ext uri="{FF2B5EF4-FFF2-40B4-BE49-F238E27FC236}">
-                <a16:creationId xmlns:a16="http://schemas.microsoft.com/office/drawing/2014/main" id="{3A970AEA-7F0D-49FB-AE03-D8BF44CB00F3}"/>
+                <a16:creationId xmlns:a16="http://schemas.microsoft.com/office/drawing/2014/main" id="{D59C76ED-21B1-4F72-8C65-C1DFE7672ACC}"/>
               </a:ext>
             </a:extLst>
           </p:cNvPr>
@@ -24600,210 +24846,17 @@
         </p:nvSpPr>
         <p:spPr>
           <a:xfrm>
-            <a:off x="10614413" y="5523018"/>
-            <a:ext cx="1405593" cy="1157682"/>
+            <a:off x="9047922" y="6316178"/>
+            <a:ext cx="2760506" cy="229913"/>
           </a:xfrm>
           <a:prstGeom prst="roundRect">
             <a:avLst/>
           </a:prstGeom>
           <a:solidFill>
-            <a:schemeClr val="bg1">
-              <a:lumMod val="85000"/>
+            <a:schemeClr val="tx2">
+              <a:lumMod val="50000"/>
               <a:alpha val="20000"/>
             </a:schemeClr>
-          </a:solidFill>
-          <a:ln w="28575">
-            <a:solidFill>
-              <a:schemeClr val="tx1"/>
-            </a:solidFill>
-          </a:ln>
-          <a:effectLst>
-            <a:outerShdw blurRad="50800" dist="38100" dir="2700000" algn="tl" rotWithShape="0">
-              <a:prstClr val="black">
-                <a:alpha val="40000"/>
-              </a:prstClr>
-            </a:outerShdw>
-          </a:effectLst>
-        </p:spPr>
-        <p:style>
-          <a:lnRef idx="1">
-            <a:schemeClr val="accent1"/>
-          </a:lnRef>
-          <a:fillRef idx="3">
-            <a:schemeClr val="accent1"/>
-          </a:fillRef>
-          <a:effectRef idx="2">
-            <a:schemeClr val="accent1"/>
-          </a:effectRef>
-          <a:fontRef idx="minor">
-            <a:schemeClr val="lt1"/>
-          </a:fontRef>
-        </p:style>
-        <p:txBody>
-          <a:bodyPr rtlCol="0" anchor="t" anchorCtr="0"/>
-          <a:lstStyle/>
-          <a:p>
-            <a:endParaRPr lang="en-US" b="1" dirty="0">
-              <a:solidFill>
-                <a:schemeClr val="tx1"/>
-              </a:solidFill>
-            </a:endParaRPr>
-          </a:p>
-        </p:txBody>
-      </p:sp>
-      <p:sp>
-        <p:nvSpPr>
-          <p:cNvPr id="7" name="Rounded Rectangle 3">
-            <a:extLst>
-              <a:ext uri="{FF2B5EF4-FFF2-40B4-BE49-F238E27FC236}">
-                <a16:creationId xmlns:a16="http://schemas.microsoft.com/office/drawing/2014/main" id="{9F6B1AF8-51FF-4351-8709-C2C2A09939FC}"/>
-              </a:ext>
-            </a:extLst>
-          </p:cNvPr>
-          <p:cNvSpPr/>
-          <p:nvPr/>
-        </p:nvSpPr>
-        <p:spPr>
-          <a:xfrm>
-            <a:off x="10763795" y="5744084"/>
-            <a:ext cx="1090877" cy="222063"/>
-          </a:xfrm>
-          <a:prstGeom prst="roundRect">
-            <a:avLst/>
-          </a:prstGeom>
-          <a:solidFill>
-            <a:schemeClr val="accent3">
-              <a:lumMod val="75000"/>
-            </a:schemeClr>
-          </a:solidFill>
-          <a:ln w="28575">
-            <a:solidFill>
-              <a:schemeClr val="tx1"/>
-            </a:solidFill>
-          </a:ln>
-          <a:effectLst>
-            <a:outerShdw blurRad="50800" dist="38100" dir="2700000" algn="tl" rotWithShape="0">
-              <a:prstClr val="black">
-                <a:alpha val="40000"/>
-              </a:prstClr>
-            </a:outerShdw>
-          </a:effectLst>
-        </p:spPr>
-        <p:style>
-          <a:lnRef idx="1">
-            <a:schemeClr val="accent1"/>
-          </a:lnRef>
-          <a:fillRef idx="3">
-            <a:schemeClr val="accent1"/>
-          </a:fillRef>
-          <a:effectRef idx="2">
-            <a:schemeClr val="accent1"/>
-          </a:effectRef>
-          <a:fontRef idx="minor">
-            <a:schemeClr val="lt1"/>
-          </a:fontRef>
-        </p:style>
-        <p:txBody>
-          <a:bodyPr rtlCol="0" anchor="ctr"/>
-          <a:lstStyle/>
-          <a:p>
-            <a:pPr algn="ctr"/>
-            <a:r>
-              <a:rPr lang="en-US" dirty="0"/>
-              <a:t>Engine</a:t>
-            </a:r>
-          </a:p>
-        </p:txBody>
-      </p:sp>
-      <p:sp>
-        <p:nvSpPr>
-          <p:cNvPr id="8" name="Rounded Rectangle 5">
-            <a:extLst>
-              <a:ext uri="{FF2B5EF4-FFF2-40B4-BE49-F238E27FC236}">
-                <a16:creationId xmlns:a16="http://schemas.microsoft.com/office/drawing/2014/main" id="{14C95632-CCDF-4F04-9D50-CD49AA27505B}"/>
-              </a:ext>
-            </a:extLst>
-          </p:cNvPr>
-          <p:cNvSpPr/>
-          <p:nvPr/>
-        </p:nvSpPr>
-        <p:spPr>
-          <a:xfrm>
-            <a:off x="9075978" y="5736236"/>
-            <a:ext cx="1038549" cy="229911"/>
-          </a:xfrm>
-          <a:prstGeom prst="roundRect">
-            <a:avLst/>
-          </a:prstGeom>
-          <a:solidFill>
-            <a:schemeClr val="accent1">
-              <a:lumMod val="75000"/>
-              <a:alpha val="20000"/>
-            </a:schemeClr>
-          </a:solidFill>
-          <a:ln w="28575">
-            <a:solidFill>
-              <a:schemeClr val="tx1"/>
-            </a:solidFill>
-          </a:ln>
-          <a:effectLst>
-            <a:outerShdw blurRad="50800" dist="38100" dir="2700000" algn="tl" rotWithShape="0">
-              <a:prstClr val="black">
-                <a:alpha val="40000"/>
-              </a:prstClr>
-            </a:outerShdw>
-          </a:effectLst>
-        </p:spPr>
-        <p:style>
-          <a:lnRef idx="1">
-            <a:schemeClr val="accent1"/>
-          </a:lnRef>
-          <a:fillRef idx="3">
-            <a:schemeClr val="accent1"/>
-          </a:fillRef>
-          <a:effectRef idx="2">
-            <a:schemeClr val="accent1"/>
-          </a:effectRef>
-          <a:fontRef idx="minor">
-            <a:schemeClr val="lt1"/>
-          </a:fontRef>
-        </p:style>
-        <p:txBody>
-          <a:bodyPr rtlCol="0" anchor="ctr"/>
-          <a:lstStyle/>
-          <a:p>
-            <a:pPr algn="ctr"/>
-            <a:r>
-              <a:rPr lang="en-US" dirty="0"/>
-              <a:t>Editor</a:t>
-            </a:r>
-          </a:p>
-        </p:txBody>
-      </p:sp>
-      <p:sp>
-        <p:nvSpPr>
-          <p:cNvPr id="9" name="Rounded Rectangle 4">
-            <a:extLst>
-              <a:ext uri="{FF2B5EF4-FFF2-40B4-BE49-F238E27FC236}">
-                <a16:creationId xmlns:a16="http://schemas.microsoft.com/office/drawing/2014/main" id="{61EC4118-9C28-4A38-8B21-C04C95A5E7F1}"/>
-              </a:ext>
-            </a:extLst>
-          </p:cNvPr>
-          <p:cNvSpPr/>
-          <p:nvPr/>
-        </p:nvSpPr>
-        <p:spPr>
-          <a:xfrm>
-            <a:off x="9075978" y="6212057"/>
-            <a:ext cx="2760507" cy="229911"/>
-          </a:xfrm>
-          <a:prstGeom prst="roundRect">
-            <a:avLst/>
-          </a:prstGeom>
-          <a:solidFill>
-            <a:srgbClr val="C00000">
-              <a:alpha val="20000"/>
-            </a:srgbClr>
           </a:solidFill>
           <a:ln w="28575">
             <a:solidFill>
@@ -25029,7 +25082,7 @@
         <p:spPr>
           <a:xfrm>
             <a:off x="6277350" y="975360"/>
-            <a:ext cx="5389033" cy="5201073"/>
+            <a:ext cx="5389033" cy="3833105"/>
           </a:xfrm>
           <a:prstGeom prst="rect">
             <a:avLst/>
@@ -25250,10 +25303,10 @@
       </p:sp>
       <p:sp>
         <p:nvSpPr>
-          <p:cNvPr id="7" name="Rounded Rectangle 6">
+          <p:cNvPr id="17" name="Rounded Rectangle 6">
             <a:extLst>
               <a:ext uri="{FF2B5EF4-FFF2-40B4-BE49-F238E27FC236}">
-                <a16:creationId xmlns:a16="http://schemas.microsoft.com/office/drawing/2014/main" id="{43F1482D-32C6-46C8-A999-4C81E35F3B4E}"/>
+                <a16:creationId xmlns:a16="http://schemas.microsoft.com/office/drawing/2014/main" id="{BF1076F7-E7E0-492F-A2F5-454424CE7EC8}"/>
               </a:ext>
             </a:extLst>
           </p:cNvPr>
@@ -25262,7 +25315,7 @@
         </p:nvSpPr>
         <p:spPr>
           <a:xfrm>
-            <a:off x="8892457" y="5523018"/>
+            <a:off x="8831716" y="5564020"/>
             <a:ext cx="1405593" cy="1157682"/>
           </a:xfrm>
           <a:prstGeom prst="roundRect">
@@ -25270,7 +25323,197 @@
           </a:prstGeom>
           <a:solidFill>
             <a:schemeClr val="bg1">
-              <a:lumMod val="75000"/>
+              <a:lumMod val="85000"/>
+            </a:schemeClr>
+          </a:solidFill>
+          <a:ln w="28575">
+            <a:solidFill>
+              <a:schemeClr val="tx1"/>
+            </a:solidFill>
+          </a:ln>
+          <a:effectLst>
+            <a:outerShdw blurRad="50800" dist="38100" dir="2700000" algn="tl" rotWithShape="0">
+              <a:prstClr val="black">
+                <a:alpha val="40000"/>
+              </a:prstClr>
+            </a:outerShdw>
+          </a:effectLst>
+        </p:spPr>
+        <p:style>
+          <a:lnRef idx="1">
+            <a:schemeClr val="accent1"/>
+          </a:lnRef>
+          <a:fillRef idx="3">
+            <a:schemeClr val="accent1"/>
+          </a:fillRef>
+          <a:effectRef idx="2">
+            <a:schemeClr val="accent1"/>
+          </a:effectRef>
+          <a:fontRef idx="minor">
+            <a:schemeClr val="lt1"/>
+          </a:fontRef>
+        </p:style>
+        <p:txBody>
+          <a:bodyPr rtlCol="0" anchor="t" anchorCtr="0"/>
+          <a:lstStyle/>
+          <a:p>
+            <a:endParaRPr lang="en-US" b="1" dirty="0">
+              <a:solidFill>
+                <a:schemeClr val="tx1"/>
+              </a:solidFill>
+            </a:endParaRPr>
+          </a:p>
+        </p:txBody>
+      </p:sp>
+      <p:sp>
+        <p:nvSpPr>
+          <p:cNvPr id="18" name="Rounded Rectangle 7">
+            <a:extLst>
+              <a:ext uri="{FF2B5EF4-FFF2-40B4-BE49-F238E27FC236}">
+                <a16:creationId xmlns:a16="http://schemas.microsoft.com/office/drawing/2014/main" id="{9864C2A9-D721-49C3-90FA-37E57E7E149B}"/>
+              </a:ext>
+            </a:extLst>
+          </p:cNvPr>
+          <p:cNvSpPr/>
+          <p:nvPr/>
+        </p:nvSpPr>
+        <p:spPr>
+          <a:xfrm>
+            <a:off x="10619041" y="5564020"/>
+            <a:ext cx="1405593" cy="1157682"/>
+          </a:xfrm>
+          <a:prstGeom prst="roundRect">
+            <a:avLst/>
+          </a:prstGeom>
+          <a:solidFill>
+            <a:schemeClr val="bg1">
+              <a:lumMod val="85000"/>
+            </a:schemeClr>
+          </a:solidFill>
+          <a:ln w="28575">
+            <a:solidFill>
+              <a:schemeClr val="tx1"/>
+            </a:solidFill>
+          </a:ln>
+          <a:effectLst>
+            <a:outerShdw blurRad="50800" dist="38100" dir="2700000" algn="tl" rotWithShape="0">
+              <a:prstClr val="black">
+                <a:alpha val="40000"/>
+              </a:prstClr>
+            </a:outerShdw>
+          </a:effectLst>
+        </p:spPr>
+        <p:style>
+          <a:lnRef idx="1">
+            <a:schemeClr val="accent1"/>
+          </a:lnRef>
+          <a:fillRef idx="3">
+            <a:schemeClr val="accent1"/>
+          </a:fillRef>
+          <a:effectRef idx="2">
+            <a:schemeClr val="accent1"/>
+          </a:effectRef>
+          <a:fontRef idx="minor">
+            <a:schemeClr val="lt1"/>
+          </a:fontRef>
+        </p:style>
+        <p:txBody>
+          <a:bodyPr rtlCol="0" anchor="t" anchorCtr="0"/>
+          <a:lstStyle/>
+          <a:p>
+            <a:endParaRPr lang="en-US" b="1" dirty="0">
+              <a:solidFill>
+                <a:schemeClr val="tx1"/>
+              </a:solidFill>
+            </a:endParaRPr>
+          </a:p>
+        </p:txBody>
+      </p:sp>
+      <p:sp>
+        <p:nvSpPr>
+          <p:cNvPr id="19" name="Rounded Rectangle 3">
+            <a:extLst>
+              <a:ext uri="{FF2B5EF4-FFF2-40B4-BE49-F238E27FC236}">
+                <a16:creationId xmlns:a16="http://schemas.microsoft.com/office/drawing/2014/main" id="{9009AE24-BE5C-435D-AAD9-F23079FA6D27}"/>
+              </a:ext>
+            </a:extLst>
+          </p:cNvPr>
+          <p:cNvSpPr/>
+          <p:nvPr/>
+        </p:nvSpPr>
+        <p:spPr>
+          <a:xfrm>
+            <a:off x="10784375" y="5790808"/>
+            <a:ext cx="1074926" cy="222063"/>
+          </a:xfrm>
+          <a:prstGeom prst="roundRect">
+            <a:avLst/>
+          </a:prstGeom>
+          <a:solidFill>
+            <a:srgbClr val="C00000"/>
+          </a:solidFill>
+          <a:ln w="28575">
+            <a:solidFill>
+              <a:schemeClr val="tx1"/>
+            </a:solidFill>
+          </a:ln>
+          <a:effectLst>
+            <a:outerShdw blurRad="50800" dist="38100" dir="2700000" algn="tl" rotWithShape="0">
+              <a:prstClr val="black">
+                <a:alpha val="40000"/>
+              </a:prstClr>
+            </a:outerShdw>
+          </a:effectLst>
+        </p:spPr>
+        <p:style>
+          <a:lnRef idx="1">
+            <a:schemeClr val="accent1"/>
+          </a:lnRef>
+          <a:fillRef idx="3">
+            <a:schemeClr val="accent1"/>
+          </a:fillRef>
+          <a:effectRef idx="2">
+            <a:schemeClr val="accent1"/>
+          </a:effectRef>
+          <a:fontRef idx="minor">
+            <a:schemeClr val="lt1"/>
+          </a:fontRef>
+        </p:style>
+        <p:txBody>
+          <a:bodyPr rtlCol="0" anchor="ctr"/>
+          <a:lstStyle/>
+          <a:p>
+            <a:pPr algn="ctr"/>
+            <a:r>
+              <a:rPr lang="en-US" dirty="0"/>
+              <a:t>Engine</a:t>
+            </a:r>
+          </a:p>
+        </p:txBody>
+      </p:sp>
+      <p:sp>
+        <p:nvSpPr>
+          <p:cNvPr id="20" name="Rounded Rectangle 5">
+            <a:extLst>
+              <a:ext uri="{FF2B5EF4-FFF2-40B4-BE49-F238E27FC236}">
+                <a16:creationId xmlns:a16="http://schemas.microsoft.com/office/drawing/2014/main" id="{CD7D217A-5B99-4247-AC15-78CA5CD1B244}"/>
+              </a:ext>
+            </a:extLst>
+          </p:cNvPr>
+          <p:cNvSpPr/>
+          <p:nvPr/>
+        </p:nvSpPr>
+        <p:spPr>
+          <a:xfrm>
+            <a:off x="9015238" y="5790808"/>
+            <a:ext cx="1038549" cy="229913"/>
+          </a:xfrm>
+          <a:prstGeom prst="roundRect">
+            <a:avLst/>
+          </a:prstGeom>
+          <a:solidFill>
+            <a:schemeClr val="accent3">
+              <a:lumMod val="50000"/>
               <a:alpha val="20000"/>
             </a:schemeClr>
           </a:solidFill>
@@ -25302,23 +25545,23 @@
           </a:fontRef>
         </p:style>
         <p:txBody>
-          <a:bodyPr rtlCol="0" anchor="t" anchorCtr="0"/>
+          <a:bodyPr rtlCol="0" anchor="ctr"/>
           <a:lstStyle/>
           <a:p>
-            <a:endParaRPr lang="en-US" b="1" dirty="0">
-              <a:solidFill>
-                <a:schemeClr val="tx1"/>
-              </a:solidFill>
-            </a:endParaRPr>
+            <a:pPr algn="ctr"/>
+            <a:r>
+              <a:rPr lang="en-US" dirty="0"/>
+              <a:t>Editor</a:t>
+            </a:r>
           </a:p>
         </p:txBody>
       </p:sp>
       <p:sp>
         <p:nvSpPr>
-          <p:cNvPr id="8" name="Rounded Rectangle 7">
+          <p:cNvPr id="21" name="Rounded Rectangle 4">
             <a:extLst>
               <a:ext uri="{FF2B5EF4-FFF2-40B4-BE49-F238E27FC236}">
-                <a16:creationId xmlns:a16="http://schemas.microsoft.com/office/drawing/2014/main" id="{0387F05A-99AD-43FD-BDE8-D1E5E3BAA262}"/>
+                <a16:creationId xmlns:a16="http://schemas.microsoft.com/office/drawing/2014/main" id="{CF171CBD-79DE-4C64-95A5-9E2706214B73}"/>
               </a:ext>
             </a:extLst>
           </p:cNvPr>
@@ -25327,210 +25570,17 @@
         </p:nvSpPr>
         <p:spPr>
           <a:xfrm>
-            <a:off x="10614413" y="5523018"/>
-            <a:ext cx="1405593" cy="1157682"/>
+            <a:off x="9047922" y="6316178"/>
+            <a:ext cx="2760506" cy="229913"/>
           </a:xfrm>
           <a:prstGeom prst="roundRect">
             <a:avLst/>
           </a:prstGeom>
           <a:solidFill>
-            <a:schemeClr val="bg1">
-              <a:lumMod val="85000"/>
+            <a:schemeClr val="tx2">
+              <a:lumMod val="50000"/>
               <a:alpha val="20000"/>
             </a:schemeClr>
-          </a:solidFill>
-          <a:ln w="28575">
-            <a:solidFill>
-              <a:schemeClr val="tx1"/>
-            </a:solidFill>
-          </a:ln>
-          <a:effectLst>
-            <a:outerShdw blurRad="50800" dist="38100" dir="2700000" algn="tl" rotWithShape="0">
-              <a:prstClr val="black">
-                <a:alpha val="40000"/>
-              </a:prstClr>
-            </a:outerShdw>
-          </a:effectLst>
-        </p:spPr>
-        <p:style>
-          <a:lnRef idx="1">
-            <a:schemeClr val="accent1"/>
-          </a:lnRef>
-          <a:fillRef idx="3">
-            <a:schemeClr val="accent1"/>
-          </a:fillRef>
-          <a:effectRef idx="2">
-            <a:schemeClr val="accent1"/>
-          </a:effectRef>
-          <a:fontRef idx="minor">
-            <a:schemeClr val="lt1"/>
-          </a:fontRef>
-        </p:style>
-        <p:txBody>
-          <a:bodyPr rtlCol="0" anchor="t" anchorCtr="0"/>
-          <a:lstStyle/>
-          <a:p>
-            <a:endParaRPr lang="en-US" b="1" dirty="0">
-              <a:solidFill>
-                <a:schemeClr val="tx1"/>
-              </a:solidFill>
-            </a:endParaRPr>
-          </a:p>
-        </p:txBody>
-      </p:sp>
-      <p:sp>
-        <p:nvSpPr>
-          <p:cNvPr id="9" name="Rounded Rectangle 3">
-            <a:extLst>
-              <a:ext uri="{FF2B5EF4-FFF2-40B4-BE49-F238E27FC236}">
-                <a16:creationId xmlns:a16="http://schemas.microsoft.com/office/drawing/2014/main" id="{0CE58E28-06EB-46BB-89E2-1F400150E00D}"/>
-              </a:ext>
-            </a:extLst>
-          </p:cNvPr>
-          <p:cNvSpPr/>
-          <p:nvPr/>
-        </p:nvSpPr>
-        <p:spPr>
-          <a:xfrm>
-            <a:off x="10763795" y="5744084"/>
-            <a:ext cx="1090877" cy="222063"/>
-          </a:xfrm>
-          <a:prstGeom prst="roundRect">
-            <a:avLst/>
-          </a:prstGeom>
-          <a:solidFill>
-            <a:schemeClr val="accent3">
-              <a:lumMod val="75000"/>
-            </a:schemeClr>
-          </a:solidFill>
-          <a:ln w="28575">
-            <a:solidFill>
-              <a:schemeClr val="tx1"/>
-            </a:solidFill>
-          </a:ln>
-          <a:effectLst>
-            <a:outerShdw blurRad="50800" dist="38100" dir="2700000" algn="tl" rotWithShape="0">
-              <a:prstClr val="black">
-                <a:alpha val="40000"/>
-              </a:prstClr>
-            </a:outerShdw>
-          </a:effectLst>
-        </p:spPr>
-        <p:style>
-          <a:lnRef idx="1">
-            <a:schemeClr val="accent1"/>
-          </a:lnRef>
-          <a:fillRef idx="3">
-            <a:schemeClr val="accent1"/>
-          </a:fillRef>
-          <a:effectRef idx="2">
-            <a:schemeClr val="accent1"/>
-          </a:effectRef>
-          <a:fontRef idx="minor">
-            <a:schemeClr val="lt1"/>
-          </a:fontRef>
-        </p:style>
-        <p:txBody>
-          <a:bodyPr rtlCol="0" anchor="ctr"/>
-          <a:lstStyle/>
-          <a:p>
-            <a:pPr algn="ctr"/>
-            <a:r>
-              <a:rPr lang="en-US" dirty="0"/>
-              <a:t>Engine</a:t>
-            </a:r>
-          </a:p>
-        </p:txBody>
-      </p:sp>
-      <p:sp>
-        <p:nvSpPr>
-          <p:cNvPr id="10" name="Rounded Rectangle 5">
-            <a:extLst>
-              <a:ext uri="{FF2B5EF4-FFF2-40B4-BE49-F238E27FC236}">
-                <a16:creationId xmlns:a16="http://schemas.microsoft.com/office/drawing/2014/main" id="{B7FD8DB1-9107-4066-AC9D-3B36452AA2AF}"/>
-              </a:ext>
-            </a:extLst>
-          </p:cNvPr>
-          <p:cNvSpPr/>
-          <p:nvPr/>
-        </p:nvSpPr>
-        <p:spPr>
-          <a:xfrm>
-            <a:off x="9075978" y="5736236"/>
-            <a:ext cx="1038549" cy="229911"/>
-          </a:xfrm>
-          <a:prstGeom prst="roundRect">
-            <a:avLst/>
-          </a:prstGeom>
-          <a:solidFill>
-            <a:schemeClr val="accent1">
-              <a:lumMod val="75000"/>
-              <a:alpha val="20000"/>
-            </a:schemeClr>
-          </a:solidFill>
-          <a:ln w="28575">
-            <a:solidFill>
-              <a:schemeClr val="tx1"/>
-            </a:solidFill>
-          </a:ln>
-          <a:effectLst>
-            <a:outerShdw blurRad="50800" dist="38100" dir="2700000" algn="tl" rotWithShape="0">
-              <a:prstClr val="black">
-                <a:alpha val="40000"/>
-              </a:prstClr>
-            </a:outerShdw>
-          </a:effectLst>
-        </p:spPr>
-        <p:style>
-          <a:lnRef idx="1">
-            <a:schemeClr val="accent1"/>
-          </a:lnRef>
-          <a:fillRef idx="3">
-            <a:schemeClr val="accent1"/>
-          </a:fillRef>
-          <a:effectRef idx="2">
-            <a:schemeClr val="accent1"/>
-          </a:effectRef>
-          <a:fontRef idx="minor">
-            <a:schemeClr val="lt1"/>
-          </a:fontRef>
-        </p:style>
-        <p:txBody>
-          <a:bodyPr rtlCol="0" anchor="ctr"/>
-          <a:lstStyle/>
-          <a:p>
-            <a:pPr algn="ctr"/>
-            <a:r>
-              <a:rPr lang="en-US" dirty="0"/>
-              <a:t>Editor</a:t>
-            </a:r>
-          </a:p>
-        </p:txBody>
-      </p:sp>
-      <p:sp>
-        <p:nvSpPr>
-          <p:cNvPr id="11" name="Rounded Rectangle 4">
-            <a:extLst>
-              <a:ext uri="{FF2B5EF4-FFF2-40B4-BE49-F238E27FC236}">
-                <a16:creationId xmlns:a16="http://schemas.microsoft.com/office/drawing/2014/main" id="{1B0A7E08-F520-4966-8051-AEE1D32AF783}"/>
-              </a:ext>
-            </a:extLst>
-          </p:cNvPr>
-          <p:cNvSpPr/>
-          <p:nvPr/>
-        </p:nvSpPr>
-        <p:spPr>
-          <a:xfrm>
-            <a:off x="9075978" y="6212057"/>
-            <a:ext cx="2760507" cy="229911"/>
-          </a:xfrm>
-          <a:prstGeom prst="roundRect">
-            <a:avLst/>
-          </a:prstGeom>
-          <a:solidFill>
-            <a:srgbClr val="C00000">
-              <a:alpha val="20000"/>
-            </a:srgbClr>
           </a:solidFill>
           <a:ln w="28575">
             <a:solidFill>
@@ -26172,10 +26222,10 @@
       </p:pic>
       <p:sp>
         <p:nvSpPr>
-          <p:cNvPr id="5" name="Rounded Rectangle 6">
+          <p:cNvPr id="11" name="Rounded Rectangle 6">
             <a:extLst>
               <a:ext uri="{FF2B5EF4-FFF2-40B4-BE49-F238E27FC236}">
-                <a16:creationId xmlns:a16="http://schemas.microsoft.com/office/drawing/2014/main" id="{6CD5D27E-3022-4CCD-B7AF-EBDBFA22293D}"/>
+                <a16:creationId xmlns:a16="http://schemas.microsoft.com/office/drawing/2014/main" id="{955973B0-BF9E-4251-9F68-CFCCC83E94E2}"/>
               </a:ext>
             </a:extLst>
           </p:cNvPr>
@@ -26184,7 +26234,7 @@
         </p:nvSpPr>
         <p:spPr>
           <a:xfrm>
-            <a:off x="8892457" y="5523018"/>
+            <a:off x="8831716" y="5564020"/>
             <a:ext cx="1405593" cy="1157682"/>
           </a:xfrm>
           <a:prstGeom prst="roundRect">
@@ -26192,8 +26242,7 @@
           </a:prstGeom>
           <a:solidFill>
             <a:schemeClr val="bg1">
-              <a:lumMod val="75000"/>
-              <a:alpha val="20000"/>
+              <a:lumMod val="85000"/>
             </a:schemeClr>
           </a:solidFill>
           <a:ln w="28575">
@@ -26237,10 +26286,10 @@
       </p:sp>
       <p:sp>
         <p:nvSpPr>
-          <p:cNvPr id="6" name="Rounded Rectangle 7">
+          <p:cNvPr id="13" name="Rounded Rectangle 7">
             <a:extLst>
               <a:ext uri="{FF2B5EF4-FFF2-40B4-BE49-F238E27FC236}">
-                <a16:creationId xmlns:a16="http://schemas.microsoft.com/office/drawing/2014/main" id="{2491022D-348F-4534-8841-8B1878729D69}"/>
+                <a16:creationId xmlns:a16="http://schemas.microsoft.com/office/drawing/2014/main" id="{101259D9-F18A-4B11-95C0-DCABF54B073B}"/>
               </a:ext>
             </a:extLst>
           </p:cNvPr>
@@ -26249,7 +26298,7 @@
         </p:nvSpPr>
         <p:spPr>
           <a:xfrm>
-            <a:off x="10614413" y="5523018"/>
+            <a:off x="10619041" y="5564020"/>
             <a:ext cx="1405593" cy="1157682"/>
           </a:xfrm>
           <a:prstGeom prst="roundRect">
@@ -26258,7 +26307,6 @@
           <a:solidFill>
             <a:schemeClr val="bg1">
               <a:lumMod val="85000"/>
-              <a:alpha val="20000"/>
             </a:schemeClr>
           </a:solidFill>
           <a:ln w="28575">
@@ -26302,10 +26350,10 @@
       </p:sp>
       <p:sp>
         <p:nvSpPr>
-          <p:cNvPr id="7" name="Rounded Rectangle 3">
+          <p:cNvPr id="14" name="Rounded Rectangle 3">
             <a:extLst>
               <a:ext uri="{FF2B5EF4-FFF2-40B4-BE49-F238E27FC236}">
-                <a16:creationId xmlns:a16="http://schemas.microsoft.com/office/drawing/2014/main" id="{58FE5133-839C-4E8E-978C-86D57A632437}"/>
+                <a16:creationId xmlns:a16="http://schemas.microsoft.com/office/drawing/2014/main" id="{FCCA34F3-85E9-4FEE-8C4A-3A909E05201D}"/>
               </a:ext>
             </a:extLst>
           </p:cNvPr>
@@ -26314,16 +26362,79 @@
         </p:nvSpPr>
         <p:spPr>
           <a:xfrm>
-            <a:off x="10763795" y="5744084"/>
-            <a:ext cx="1090877" cy="222063"/>
+            <a:off x="10784375" y="5790808"/>
+            <a:ext cx="1074926" cy="222063"/>
+          </a:xfrm>
+          <a:prstGeom prst="roundRect">
+            <a:avLst/>
+          </a:prstGeom>
+          <a:solidFill>
+            <a:srgbClr val="C00000">
+              <a:alpha val="20000"/>
+            </a:srgbClr>
+          </a:solidFill>
+          <a:ln w="28575">
+            <a:solidFill>
+              <a:schemeClr val="tx1"/>
+            </a:solidFill>
+          </a:ln>
+          <a:effectLst>
+            <a:outerShdw blurRad="50800" dist="38100" dir="2700000" algn="tl" rotWithShape="0">
+              <a:prstClr val="black">
+                <a:alpha val="40000"/>
+              </a:prstClr>
+            </a:outerShdw>
+          </a:effectLst>
+        </p:spPr>
+        <p:style>
+          <a:lnRef idx="1">
+            <a:schemeClr val="accent1"/>
+          </a:lnRef>
+          <a:fillRef idx="3">
+            <a:schemeClr val="accent1"/>
+          </a:fillRef>
+          <a:effectRef idx="2">
+            <a:schemeClr val="accent1"/>
+          </a:effectRef>
+          <a:fontRef idx="minor">
+            <a:schemeClr val="lt1"/>
+          </a:fontRef>
+        </p:style>
+        <p:txBody>
+          <a:bodyPr rtlCol="0" anchor="ctr"/>
+          <a:lstStyle/>
+          <a:p>
+            <a:pPr algn="ctr"/>
+            <a:r>
+              <a:rPr lang="en-US" dirty="0"/>
+              <a:t>Engine</a:t>
+            </a:r>
+          </a:p>
+        </p:txBody>
+      </p:sp>
+      <p:sp>
+        <p:nvSpPr>
+          <p:cNvPr id="15" name="Rounded Rectangle 5">
+            <a:extLst>
+              <a:ext uri="{FF2B5EF4-FFF2-40B4-BE49-F238E27FC236}">
+                <a16:creationId xmlns:a16="http://schemas.microsoft.com/office/drawing/2014/main" id="{06007136-1144-4614-AD0B-C4E5AAEB74DA}"/>
+              </a:ext>
+            </a:extLst>
+          </p:cNvPr>
+          <p:cNvSpPr/>
+          <p:nvPr/>
+        </p:nvSpPr>
+        <p:spPr>
+          <a:xfrm>
+            <a:off x="9015238" y="5790808"/>
+            <a:ext cx="1038549" cy="229913"/>
           </a:xfrm>
           <a:prstGeom prst="roundRect">
             <a:avLst/>
           </a:prstGeom>
           <a:solidFill>
             <a:schemeClr val="accent3">
-              <a:lumMod val="75000"/>
-              <a:alpha val="20000"/>
+              <a:lumMod val="50000"/>
             </a:schemeClr>
           </a:solidFill>
           <a:ln w="28575">
@@ -26360,17 +26471,17 @@
             <a:pPr algn="ctr"/>
             <a:r>
               <a:rPr lang="en-US" dirty="0"/>
-              <a:t>Engine</a:t>
+              <a:t>Editor</a:t>
             </a:r>
           </a:p>
         </p:txBody>
       </p:sp>
       <p:sp>
         <p:nvSpPr>
-          <p:cNvPr id="8" name="Rounded Rectangle 5">
+          <p:cNvPr id="16" name="Rounded Rectangle 4">
             <a:extLst>
               <a:ext uri="{FF2B5EF4-FFF2-40B4-BE49-F238E27FC236}">
-                <a16:creationId xmlns:a16="http://schemas.microsoft.com/office/drawing/2014/main" id="{2509642B-B92D-4248-930C-8D7931A8EE2C}"/>
+                <a16:creationId xmlns:a16="http://schemas.microsoft.com/office/drawing/2014/main" id="{D6BC93F2-6EDC-4365-BC96-9EEF1AA9E9B6}"/>
               </a:ext>
             </a:extLst>
           </p:cNvPr>
@@ -26379,81 +26490,17 @@
         </p:nvSpPr>
         <p:spPr>
           <a:xfrm>
-            <a:off x="9075978" y="5736236"/>
-            <a:ext cx="1038549" cy="229911"/>
+            <a:off x="9047922" y="6316178"/>
+            <a:ext cx="2760506" cy="229913"/>
           </a:xfrm>
           <a:prstGeom prst="roundRect">
             <a:avLst/>
           </a:prstGeom>
           <a:solidFill>
-            <a:schemeClr val="accent1">
-              <a:lumMod val="75000"/>
-              <a:alpha val="99000"/>
+            <a:schemeClr val="tx2">
+              <a:lumMod val="50000"/>
+              <a:alpha val="20000"/>
             </a:schemeClr>
-          </a:solidFill>
-          <a:ln w="28575">
-            <a:solidFill>
-              <a:schemeClr val="tx1"/>
-            </a:solidFill>
-          </a:ln>
-          <a:effectLst>
-            <a:outerShdw blurRad="50800" dist="38100" dir="2700000" algn="tl" rotWithShape="0">
-              <a:prstClr val="black">
-                <a:alpha val="40000"/>
-              </a:prstClr>
-            </a:outerShdw>
-          </a:effectLst>
-        </p:spPr>
-        <p:style>
-          <a:lnRef idx="1">
-            <a:schemeClr val="accent1"/>
-          </a:lnRef>
-          <a:fillRef idx="3">
-            <a:schemeClr val="accent1"/>
-          </a:fillRef>
-          <a:effectRef idx="2">
-            <a:schemeClr val="accent1"/>
-          </a:effectRef>
-          <a:fontRef idx="minor">
-            <a:schemeClr val="lt1"/>
-          </a:fontRef>
-        </p:style>
-        <p:txBody>
-          <a:bodyPr rtlCol="0" anchor="ctr"/>
-          <a:lstStyle/>
-          <a:p>
-            <a:pPr algn="ctr"/>
-            <a:r>
-              <a:rPr lang="en-US" dirty="0"/>
-              <a:t>Editor</a:t>
-            </a:r>
-          </a:p>
-        </p:txBody>
-      </p:sp>
-      <p:sp>
-        <p:nvSpPr>
-          <p:cNvPr id="9" name="Rounded Rectangle 4">
-            <a:extLst>
-              <a:ext uri="{FF2B5EF4-FFF2-40B4-BE49-F238E27FC236}">
-                <a16:creationId xmlns:a16="http://schemas.microsoft.com/office/drawing/2014/main" id="{B349E794-73DF-4782-A422-AFBD696C48F6}"/>
-              </a:ext>
-            </a:extLst>
-          </p:cNvPr>
-          <p:cNvSpPr/>
-          <p:nvPr/>
-        </p:nvSpPr>
-        <p:spPr>
-          <a:xfrm>
-            <a:off x="9075978" y="6212057"/>
-            <a:ext cx="2760507" cy="229911"/>
-          </a:xfrm>
-          <a:prstGeom prst="roundRect">
-            <a:avLst/>
-          </a:prstGeom>
-          <a:solidFill>
-            <a:srgbClr val="C00000">
-              <a:alpha val="20000"/>
-            </a:srgbClr>
           </a:solidFill>
           <a:ln w="28575">
             <a:solidFill>
@@ -29644,7 +29691,7 @@
           </a:prstGeom>
           <a:solidFill>
             <a:schemeClr val="bg1">
-              <a:lumMod val="75000"/>
+              <a:lumMod val="85000"/>
             </a:schemeClr>
           </a:solidFill>
           <a:ln w="28575">
@@ -29787,6 +29834,62 @@
             <a:avLst/>
           </a:prstGeom>
           <a:solidFill>
+            <a:srgbClr val="C00000"/>
+          </a:solidFill>
+          <a:ln w="28575">
+            <a:solidFill>
+              <a:schemeClr val="tx1"/>
+            </a:solidFill>
+          </a:ln>
+          <a:effectLst>
+            <a:outerShdw blurRad="50800" dist="38100" dir="2700000" algn="tl" rotWithShape="0">
+              <a:prstClr val="black">
+                <a:alpha val="40000"/>
+              </a:prstClr>
+            </a:outerShdw>
+          </a:effectLst>
+        </p:spPr>
+        <p:style>
+          <a:lnRef idx="1">
+            <a:schemeClr val="accent1"/>
+          </a:lnRef>
+          <a:fillRef idx="3">
+            <a:schemeClr val="accent1"/>
+          </a:fillRef>
+          <a:effectRef idx="2">
+            <a:schemeClr val="accent1"/>
+          </a:effectRef>
+          <a:fontRef idx="minor">
+            <a:schemeClr val="lt1"/>
+          </a:fontRef>
+        </p:style>
+        <p:txBody>
+          <a:bodyPr rtlCol="0" anchor="ctr"/>
+          <a:lstStyle/>
+          <a:p>
+            <a:pPr algn="ctr"/>
+            <a:r>
+              <a:rPr lang="en-US" dirty="0"/>
+              <a:t>Engine</a:t>
+            </a:r>
+          </a:p>
+        </p:txBody>
+      </p:sp>
+      <p:sp>
+        <p:nvSpPr>
+          <p:cNvPr id="6" name="Rounded Rectangle 5"/>
+          <p:cNvSpPr/>
+          <p:nvPr/>
+        </p:nvSpPr>
+        <p:spPr>
+          <a:xfrm>
+            <a:off x="2975797" y="3166900"/>
+            <a:ext cx="3040298" cy="771788"/>
+          </a:xfrm>
+          <a:prstGeom prst="roundRect">
+            <a:avLst/>
+          </a:prstGeom>
+          <a:solidFill>
             <a:schemeClr val="accent3">
               <a:lumMod val="50000"/>
             </a:schemeClr>
@@ -29825,62 +29928,6 @@
             <a:pPr algn="ctr"/>
             <a:r>
               <a:rPr lang="en-US" dirty="0"/>
-              <a:t>Engine</a:t>
-            </a:r>
-          </a:p>
-        </p:txBody>
-      </p:sp>
-      <p:sp>
-        <p:nvSpPr>
-          <p:cNvPr id="6" name="Rounded Rectangle 5"/>
-          <p:cNvSpPr/>
-          <p:nvPr/>
-        </p:nvSpPr>
-        <p:spPr>
-          <a:xfrm>
-            <a:off x="2975797" y="3166900"/>
-            <a:ext cx="3040298" cy="771788"/>
-          </a:xfrm>
-          <a:prstGeom prst="roundRect">
-            <a:avLst/>
-          </a:prstGeom>
-          <a:solidFill>
-            <a:srgbClr val="08487A"/>
-          </a:solidFill>
-          <a:ln w="28575">
-            <a:solidFill>
-              <a:schemeClr val="tx1"/>
-            </a:solidFill>
-          </a:ln>
-          <a:effectLst>
-            <a:outerShdw blurRad="50800" dist="38100" dir="2700000" algn="tl" rotWithShape="0">
-              <a:prstClr val="black">
-                <a:alpha val="40000"/>
-              </a:prstClr>
-            </a:outerShdw>
-          </a:effectLst>
-        </p:spPr>
-        <p:style>
-          <a:lnRef idx="1">
-            <a:schemeClr val="accent1"/>
-          </a:lnRef>
-          <a:fillRef idx="3">
-            <a:schemeClr val="accent1"/>
-          </a:fillRef>
-          <a:effectRef idx="2">
-            <a:schemeClr val="accent1"/>
-          </a:effectRef>
-          <a:fontRef idx="minor">
-            <a:schemeClr val="lt1"/>
-          </a:fontRef>
-        </p:style>
-        <p:txBody>
-          <a:bodyPr rtlCol="0" anchor="ctr"/>
-          <a:lstStyle/>
-          <a:p>
-            <a:pPr algn="ctr"/>
-            <a:r>
-              <a:rPr lang="en-US" dirty="0"/>
               <a:t>Configuration Editor</a:t>
             </a:r>
           </a:p>
@@ -29901,70 +29948,8 @@
             <a:avLst/>
           </a:prstGeom>
           <a:solidFill>
-            <a:srgbClr val="C00000"/>
-          </a:solidFill>
-          <a:ln w="28575">
-            <a:solidFill>
-              <a:schemeClr val="tx1"/>
-            </a:solidFill>
-          </a:ln>
-          <a:effectLst>
-            <a:outerShdw blurRad="50800" dist="38100" dir="2700000" algn="tl" rotWithShape="0">
-              <a:prstClr val="black">
-                <a:alpha val="40000"/>
-              </a:prstClr>
-            </a:outerShdw>
-          </a:effectLst>
-        </p:spPr>
-        <p:style>
-          <a:lnRef idx="1">
-            <a:schemeClr val="accent1"/>
-          </a:lnRef>
-          <a:fillRef idx="3">
-            <a:schemeClr val="accent1"/>
-          </a:fillRef>
-          <a:effectRef idx="2">
-            <a:schemeClr val="accent1"/>
-          </a:effectRef>
-          <a:fontRef idx="minor">
-            <a:schemeClr val="lt1"/>
-          </a:fontRef>
-        </p:style>
-        <p:txBody>
-          <a:bodyPr rtlCol="0" anchor="ctr"/>
-          <a:lstStyle/>
-          <a:p>
-            <a:pPr algn="ctr"/>
-            <a:r>
-              <a:rPr lang="en-US" dirty="0"/>
-              <a:t>Modules</a:t>
-            </a:r>
-          </a:p>
-        </p:txBody>
-      </p:sp>
-      <p:sp>
-        <p:nvSpPr>
-          <p:cNvPr id="9" name="Rounded Rectangle 5">
-            <a:extLst>
-              <a:ext uri="{FF2B5EF4-FFF2-40B4-BE49-F238E27FC236}">
-                <a16:creationId xmlns:a16="http://schemas.microsoft.com/office/drawing/2014/main" id="{57C38CE8-432D-4D98-B407-7BA4A56CFC2A}"/>
-              </a:ext>
-            </a:extLst>
-          </p:cNvPr>
-          <p:cNvSpPr/>
-          <p:nvPr/>
-        </p:nvSpPr>
-        <p:spPr>
-          <a:xfrm>
-            <a:off x="317841" y="3166900"/>
-            <a:ext cx="1836344" cy="745436"/>
-          </a:xfrm>
-          <a:prstGeom prst="roundRect">
-            <a:avLst/>
-          </a:prstGeom>
-          <a:solidFill>
-            <a:schemeClr val="accent1">
-              <a:lumMod val="75000"/>
+            <a:schemeClr val="tx2">
+              <a:lumMod val="50000"/>
             </a:schemeClr>
           </a:solidFill>
           <a:ln w="28575">
@@ -30001,17 +29986,17 @@
             <a:pPr algn="ctr"/>
             <a:r>
               <a:rPr lang="en-US" dirty="0"/>
-              <a:t>Templates</a:t>
+              <a:t>Modules</a:t>
             </a:r>
           </a:p>
         </p:txBody>
       </p:sp>
       <p:sp>
         <p:nvSpPr>
-          <p:cNvPr id="10" name="Rounded Rectangle 5">
+          <p:cNvPr id="9" name="Rounded Rectangle 5">
             <a:extLst>
               <a:ext uri="{FF2B5EF4-FFF2-40B4-BE49-F238E27FC236}">
-                <a16:creationId xmlns:a16="http://schemas.microsoft.com/office/drawing/2014/main" id="{5CA9D76B-CE32-4B67-902D-A4228EC01D85}"/>
+                <a16:creationId xmlns:a16="http://schemas.microsoft.com/office/drawing/2014/main" id="{57C38CE8-432D-4D98-B407-7BA4A56CFC2A}"/>
               </a:ext>
             </a:extLst>
           </p:cNvPr>
@@ -30020,15 +30005,15 @@
         </p:nvSpPr>
         <p:spPr>
           <a:xfrm>
-            <a:off x="294053" y="4422371"/>
-            <a:ext cx="1840338" cy="771788"/>
+            <a:off x="317841" y="3166900"/>
+            <a:ext cx="1836344" cy="745436"/>
           </a:xfrm>
           <a:prstGeom prst="roundRect">
             <a:avLst/>
           </a:prstGeom>
           <a:solidFill>
-            <a:schemeClr val="accent1">
-              <a:lumMod val="75000"/>
+            <a:schemeClr val="bg1">
+              <a:lumMod val="85000"/>
             </a:schemeClr>
           </a:solidFill>
           <a:ln w="28575">
@@ -30064,8 +30049,147 @@
           <a:p>
             <a:pPr algn="ctr"/>
             <a:r>
-              <a:rPr lang="en-US" dirty="0"/>
+              <a:rPr lang="en-US" dirty="0">
+                <a:solidFill>
+                  <a:schemeClr val="tx1"/>
+                </a:solidFill>
+              </a:rPr>
+              <a:t>Templates</a:t>
+            </a:r>
+          </a:p>
+        </p:txBody>
+      </p:sp>
+      <p:sp>
+        <p:nvSpPr>
+          <p:cNvPr id="10" name="Rounded Rectangle 5">
+            <a:extLst>
+              <a:ext uri="{FF2B5EF4-FFF2-40B4-BE49-F238E27FC236}">
+                <a16:creationId xmlns:a16="http://schemas.microsoft.com/office/drawing/2014/main" id="{5CA9D76B-CE32-4B67-902D-A4228EC01D85}"/>
+              </a:ext>
+            </a:extLst>
+          </p:cNvPr>
+          <p:cNvSpPr/>
+          <p:nvPr/>
+        </p:nvSpPr>
+        <p:spPr>
+          <a:xfrm>
+            <a:off x="294053" y="4422371"/>
+            <a:ext cx="1840338" cy="771788"/>
+          </a:xfrm>
+          <a:prstGeom prst="roundRect">
+            <a:avLst/>
+          </a:prstGeom>
+          <a:solidFill>
+            <a:schemeClr val="bg1">
+              <a:lumMod val="85000"/>
+            </a:schemeClr>
+          </a:solidFill>
+          <a:ln w="28575">
+            <a:solidFill>
+              <a:schemeClr val="tx1"/>
+            </a:solidFill>
+          </a:ln>
+          <a:effectLst>
+            <a:outerShdw blurRad="50800" dist="38100" dir="2700000" algn="tl" rotWithShape="0">
+              <a:prstClr val="black">
+                <a:alpha val="40000"/>
+              </a:prstClr>
+            </a:outerShdw>
+          </a:effectLst>
+        </p:spPr>
+        <p:style>
+          <a:lnRef idx="1">
+            <a:schemeClr val="accent1"/>
+          </a:lnRef>
+          <a:fillRef idx="3">
+            <a:schemeClr val="accent1"/>
+          </a:fillRef>
+          <a:effectRef idx="2">
+            <a:schemeClr val="accent1"/>
+          </a:effectRef>
+          <a:fontRef idx="minor">
+            <a:schemeClr val="lt1"/>
+          </a:fontRef>
+        </p:style>
+        <p:txBody>
+          <a:bodyPr rtlCol="0" anchor="ctr"/>
+          <a:lstStyle/>
+          <a:p>
+            <a:pPr algn="ctr"/>
+            <a:r>
+              <a:rPr lang="en-US" dirty="0">
+                <a:solidFill>
+                  <a:schemeClr val="tx1"/>
+                </a:solidFill>
+              </a:rPr>
               <a:t>Examples</a:t>
+            </a:r>
+          </a:p>
+        </p:txBody>
+      </p:sp>
+      <p:sp>
+        <p:nvSpPr>
+          <p:cNvPr id="11" name="Rounded Rectangle 12">
+            <a:extLst>
+              <a:ext uri="{FF2B5EF4-FFF2-40B4-BE49-F238E27FC236}">
+                <a16:creationId xmlns:a16="http://schemas.microsoft.com/office/drawing/2014/main" id="{0762EC31-AF29-4C75-B110-AD50EE69E1D7}"/>
+              </a:ext>
+            </a:extLst>
+          </p:cNvPr>
+          <p:cNvSpPr/>
+          <p:nvPr/>
+        </p:nvSpPr>
+        <p:spPr>
+          <a:xfrm>
+            <a:off x="2512267" y="1262244"/>
+            <a:ext cx="4167653" cy="652123"/>
+          </a:xfrm>
+          <a:prstGeom prst="roundRect">
+            <a:avLst/>
+          </a:prstGeom>
+          <a:solidFill>
+            <a:schemeClr val="bg1">
+              <a:lumMod val="85000"/>
+            </a:schemeClr>
+          </a:solidFill>
+          <a:ln w="28575">
+            <a:solidFill>
+              <a:schemeClr val="tx1"/>
+            </a:solidFill>
+          </a:ln>
+          <a:effectLst>
+            <a:outerShdw blurRad="50800" dist="38100" dir="2700000" algn="tl" rotWithShape="0">
+              <a:prstClr val="black">
+                <a:alpha val="40000"/>
+              </a:prstClr>
+            </a:outerShdw>
+          </a:effectLst>
+        </p:spPr>
+        <p:style>
+          <a:lnRef idx="1">
+            <a:schemeClr val="accent1"/>
+          </a:lnRef>
+          <a:fillRef idx="3">
+            <a:schemeClr val="accent1"/>
+          </a:fillRef>
+          <a:effectRef idx="2">
+            <a:schemeClr val="accent1"/>
+          </a:effectRef>
+          <a:fontRef idx="minor">
+            <a:schemeClr val="lt1"/>
+          </a:fontRef>
+        </p:style>
+        <p:txBody>
+          <a:bodyPr rtlCol="0" anchor="t" anchorCtr="0"/>
+          <a:lstStyle/>
+          <a:p>
+            <a:r>
+              <a:rPr lang="en-US" b="1" dirty="0">
+                <a:solidFill>
+                  <a:schemeClr val="tx1"/>
+                </a:solidFill>
+              </a:rPr>
+              <a:t>Project Templates</a:t>
             </a:r>
           </a:p>
         </p:txBody>
@@ -30073,7 +30197,7 @@
     </p:spTree>
     <p:extLst>
       <p:ext uri="{BB962C8B-B14F-4D97-AF65-F5344CB8AC3E}">
-        <p14:creationId xmlns:p14="http://schemas.microsoft.com/office/powerpoint/2010/main" val="60681249"/>
+        <p14:creationId xmlns:p14="http://schemas.microsoft.com/office/powerpoint/2010/main" val="860156462"/>
       </p:ext>
     </p:extLst>
   </p:cSld>

--- a/Trunk/Getting Started Material/DCAF Training/1 Introduction to DCAF.pptx
+++ b/Trunk/Getting Started Material/DCAF Training/1 Introduction to DCAF.pptx
@@ -31,12 +31,12 @@
     <p:sldId id="347" r:id="rId22"/>
     <p:sldId id="271" r:id="rId23"/>
     <p:sldId id="362" r:id="rId24"/>
-    <p:sldId id="291" r:id="rId25"/>
-    <p:sldId id="300" r:id="rId26"/>
-    <p:sldId id="293" r:id="rId27"/>
-    <p:sldId id="278" r:id="rId28"/>
-    <p:sldId id="367" r:id="rId29"/>
-    <p:sldId id="286" r:id="rId30"/>
+    <p:sldId id="369" r:id="rId25"/>
+    <p:sldId id="291" r:id="rId26"/>
+    <p:sldId id="300" r:id="rId27"/>
+    <p:sldId id="367" r:id="rId28"/>
+    <p:sldId id="286" r:id="rId29"/>
+    <p:sldId id="278" r:id="rId30"/>
   </p:sldIdLst>
   <p:sldSz cx="12192000" cy="6858000"/>
   <p:notesSz cx="6858000" cy="9144000"/>
@@ -8377,7 +8377,7 @@
           <a:p>
             <a:fld id="{A8975C80-FF7F-4140-B105-CF3FA3859277}" type="datetimeFigureOut">
               <a:rPr lang="en-US" smtClean="0"/>
-              <a:t>2018-07-03</a:t>
+              <a:t>2018-07-10</a:t>
             </a:fld>
             <a:endParaRPr lang="en-US"/>
           </a:p>
@@ -9568,7 +9568,7 @@
           <a:p>
             <a:fld id="{15F80049-26F3-4D89-A0B2-4E12138F92A1}" type="slidenum">
               <a:rPr lang="en-US" smtClean="0"/>
-              <a:t>24</a:t>
+              <a:t>25</a:t>
             </a:fld>
             <a:endParaRPr lang="en-US"/>
           </a:p>
@@ -9631,23 +9631,6 @@
           <a:bodyPr/>
           <a:lstStyle/>
           <a:p>
-            <a:r>
-              <a:rPr lang="en-US" dirty="0"/>
-              <a:t>Useful for navigating Tools Network packages and GitHub Repos</a:t>
-            </a:r>
-          </a:p>
-          <a:p>
-            <a:endParaRPr lang="en-US" dirty="0"/>
-          </a:p>
-          <a:p>
-            <a:r>
-              <a:rPr lang="en-US" dirty="0"/>
-              <a:t>May be the largest</a:t>
-            </a:r>
-            <a:r>
-              <a:rPr lang="en-US" baseline="0" dirty="0"/>
-              <a:t> open source LabVIEW development project</a:t>
-            </a:r>
             <a:endParaRPr lang="en-US" dirty="0"/>
           </a:p>
         </p:txBody>
@@ -9667,7 +9650,7 @@
           <a:bodyPr/>
           <a:lstStyle/>
           <a:p>
-            <a:fld id="{29B424A6-7593-2C46-9CCA-8596FB18DBBE}" type="slidenum">
+            <a:fld id="{E78E71CD-9786-4621-AA97-B53C62C3E534}" type="slidenum">
               <a:rPr lang="en-US" smtClean="0"/>
               <a:t>27</a:t>
             </a:fld>
@@ -9678,7 +9661,7 @@
     </p:spTree>
     <p:extLst>
       <p:ext uri="{BB962C8B-B14F-4D97-AF65-F5344CB8AC3E}">
-        <p14:creationId xmlns:p14="http://schemas.microsoft.com/office/powerpoint/2010/main" val="3113426830"/>
+        <p14:creationId xmlns:p14="http://schemas.microsoft.com/office/powerpoint/2010/main" val="2100401630"/>
       </p:ext>
     </p:extLst>
   </p:cSld>
@@ -9732,6 +9715,23 @@
           <a:bodyPr/>
           <a:lstStyle/>
           <a:p>
+            <a:r>
+              <a:rPr lang="en-US" dirty="0"/>
+              <a:t>Useful for navigating Tools Network packages and GitHub Repos</a:t>
+            </a:r>
+          </a:p>
+          <a:p>
+            <a:endParaRPr lang="en-US" dirty="0"/>
+          </a:p>
+          <a:p>
+            <a:r>
+              <a:rPr lang="en-US" dirty="0"/>
+              <a:t>May be the largest</a:t>
+            </a:r>
+            <a:r>
+              <a:rPr lang="en-US" baseline="0" dirty="0"/>
+              <a:t> open source LabVIEW development project</a:t>
+            </a:r>
             <a:endParaRPr lang="en-US" dirty="0"/>
           </a:p>
         </p:txBody>
@@ -9751,9 +9751,9 @@
           <a:bodyPr/>
           <a:lstStyle/>
           <a:p>
-            <a:fld id="{E78E71CD-9786-4621-AA97-B53C62C3E534}" type="slidenum">
+            <a:fld id="{29B424A6-7593-2C46-9CCA-8596FB18DBBE}" type="slidenum">
               <a:rPr lang="en-US" smtClean="0"/>
-              <a:t>28</a:t>
+              <a:t>29</a:t>
             </a:fld>
             <a:endParaRPr lang="en-US"/>
           </a:p>
@@ -9762,7 +9762,7 @@
     </p:spTree>
     <p:extLst>
       <p:ext uri="{BB962C8B-B14F-4D97-AF65-F5344CB8AC3E}">
-        <p14:creationId xmlns:p14="http://schemas.microsoft.com/office/powerpoint/2010/main" val="2100401630"/>
+        <p14:creationId xmlns:p14="http://schemas.microsoft.com/office/powerpoint/2010/main" val="3113426830"/>
       </p:ext>
     </p:extLst>
   </p:cSld>
@@ -13706,7 +13706,7 @@
           <a:p>
             <a:fld id="{1EAA415B-8007-489A-BDE4-6C1DCF92BB48}" type="datetimeFigureOut">
               <a:rPr lang="en-US" smtClean="0"/>
-              <a:t>2018-07-03</a:t>
+              <a:t>2018-07-10</a:t>
             </a:fld>
             <a:endParaRPr lang="en-US"/>
           </a:p>
@@ -14697,7 +14697,7 @@
           <a:p>
             <a:fld id="{1EAA415B-8007-489A-BDE4-6C1DCF92BB48}" type="datetimeFigureOut">
               <a:rPr lang="en-US" smtClean="0"/>
-              <a:t>2018-07-03</a:t>
+              <a:t>2018-07-10</a:t>
             </a:fld>
             <a:endParaRPr lang="en-US"/>
           </a:p>
@@ -25667,8 +25667,8 @@
         </p:blipFill>
         <p:spPr>
           <a:xfrm>
-            <a:off x="838200" y="2431126"/>
-            <a:ext cx="11611853" cy="4426874"/>
+            <a:off x="2803567" y="3278777"/>
+            <a:ext cx="9388433" cy="3579223"/>
           </a:xfrm>
           <a:prstGeom prst="rect">
             <a:avLst/>
@@ -25694,10 +25694,6 @@
               <a:rPr lang="en-US" dirty="0"/>
               <a:t>Tag Bus</a:t>
             </a:r>
-            <a:br>
-              <a:rPr lang="en-US" dirty="0"/>
-            </a:br>
-            <a:endParaRPr lang="en-US" dirty="0"/>
           </a:p>
         </p:txBody>
       </p:sp>
@@ -25781,7 +25777,7 @@
         </p:blipFill>
         <p:spPr>
           <a:xfrm>
-            <a:off x="4521585" y="841665"/>
+            <a:off x="4876800" y="2163823"/>
             <a:ext cx="7315200" cy="866775"/>
           </a:xfrm>
           <a:prstGeom prst="rect">
@@ -26006,8 +26002,8 @@
         </p:blipFill>
         <p:spPr>
           <a:xfrm>
-            <a:off x="0" y="1970088"/>
-            <a:ext cx="11844338" cy="4135437"/>
+            <a:off x="1274665" y="1898469"/>
+            <a:ext cx="10303502" cy="3597456"/>
           </a:xfrm>
           <a:prstGeom prst="rect">
             <a:avLst/>
@@ -26613,6 +26609,113 @@
 </file>
 
 <file path=ppt/slides/slide24.xml><?xml version="1.0" encoding="utf-8"?>
+<p:sld xmlns:a="http://schemas.openxmlformats.org/drawingml/2006/main" xmlns:r="http://schemas.openxmlformats.org/officeDocument/2006/relationships" xmlns:p="http://schemas.openxmlformats.org/presentationml/2006/main">
+  <p:cSld>
+    <p:spTree>
+      <p:nvGrpSpPr>
+        <p:cNvPr id="1" name=""/>
+        <p:cNvGrpSpPr/>
+        <p:nvPr/>
+      </p:nvGrpSpPr>
+      <p:grpSpPr>
+        <a:xfrm>
+          <a:off x="0" y="0"/>
+          <a:ext cx="0" cy="0"/>
+          <a:chOff x="0" y="0"/>
+          <a:chExt cx="0" cy="0"/>
+        </a:xfrm>
+      </p:grpSpPr>
+      <p:sp>
+        <p:nvSpPr>
+          <p:cNvPr id="2" name="Title 1"/>
+          <p:cNvSpPr>
+            <a:spLocks noGrp="1"/>
+          </p:cNvSpPr>
+          <p:nvPr>
+            <p:ph type="title"/>
+          </p:nvPr>
+        </p:nvSpPr>
+        <p:spPr/>
+        <p:txBody>
+          <a:bodyPr/>
+          <a:lstStyle/>
+          <a:p>
+            <a:r>
+              <a:rPr lang="en-US" dirty="0"/>
+              <a:t>Getting Started</a:t>
+            </a:r>
+          </a:p>
+        </p:txBody>
+      </p:sp>
+      <p:sp>
+        <p:nvSpPr>
+          <p:cNvPr id="3" name="Content Placeholder 2"/>
+          <p:cNvSpPr>
+            <a:spLocks noGrp="1"/>
+          </p:cNvSpPr>
+          <p:nvPr>
+            <p:ph idx="1"/>
+          </p:nvPr>
+        </p:nvSpPr>
+        <p:spPr/>
+        <p:txBody>
+          <a:bodyPr/>
+          <a:lstStyle/>
+          <a:p>
+            <a:r>
+              <a:rPr lang="en-US" dirty="0"/>
+              <a:t>Create a project with the Execution Template</a:t>
+            </a:r>
+          </a:p>
+          <a:p>
+            <a:r>
+              <a:rPr lang="en-US" dirty="0"/>
+              <a:t>Open the Editor from the Tools menu</a:t>
+            </a:r>
+          </a:p>
+          <a:p>
+            <a:r>
+              <a:rPr lang="en-US" dirty="0"/>
+              <a:t>Configure the system in the Editor</a:t>
+            </a:r>
+          </a:p>
+          <a:p>
+            <a:r>
+              <a:rPr lang="en-US" dirty="0"/>
+              <a:t>Populate Includes VI</a:t>
+            </a:r>
+          </a:p>
+          <a:p>
+            <a:r>
+              <a:rPr lang="en-US" dirty="0"/>
+              <a:t>Save the Configuration</a:t>
+            </a:r>
+          </a:p>
+          <a:p>
+            <a:r>
+              <a:rPr lang="en-US" dirty="0"/>
+              <a:t>Load the Configuration using the template VI.</a:t>
+            </a:r>
+          </a:p>
+          <a:p>
+            <a:endParaRPr lang="en-US" dirty="0"/>
+          </a:p>
+        </p:txBody>
+      </p:sp>
+    </p:spTree>
+    <p:extLst>
+      <p:ext uri="{BB962C8B-B14F-4D97-AF65-F5344CB8AC3E}">
+        <p14:creationId xmlns:p14="http://schemas.microsoft.com/office/powerpoint/2010/main" val="213494801"/>
+      </p:ext>
+    </p:extLst>
+  </p:cSld>
+  <p:clrMapOvr>
+    <a:masterClrMapping/>
+  </p:clrMapOvr>
+</p:sld>
+</file>
+
+<file path=ppt/slides/slide25.xml><?xml version="1.0" encoding="utf-8"?>
 <p:sld xmlns:a="http://schemas.openxmlformats.org/drawingml/2006/main" xmlns:r="http://schemas.openxmlformats.org/officeDocument/2006/relationships" xmlns:p="http://schemas.openxmlformats.org/presentationml/2006/main">
   <p:cSld>
     <p:spTree>
@@ -26797,7 +26900,7 @@
 </p:sld>
 </file>
 
-<file path=ppt/slides/slide25.xml><?xml version="1.0" encoding="utf-8"?>
+<file path=ppt/slides/slide26.xml><?xml version="1.0" encoding="utf-8"?>
 <p:sld xmlns:a="http://schemas.openxmlformats.org/drawingml/2006/main" xmlns:r="http://schemas.openxmlformats.org/officeDocument/2006/relationships" xmlns:p="http://schemas.openxmlformats.org/presentationml/2006/main">
   <p:cSld>
     <p:spTree>
@@ -26879,8 +26982,8 @@
 </p:sld>
 </file>
 
-<file path=ppt/slides/slide26.xml><?xml version="1.0" encoding="utf-8"?>
-<p:sld xmlns:a="http://schemas.openxmlformats.org/drawingml/2006/main" xmlns:r="http://schemas.openxmlformats.org/officeDocument/2006/relationships" xmlns:p="http://schemas.openxmlformats.org/presentationml/2006/main" show="0">
+<file path=ppt/slides/slide27.xml><?xml version="1.0" encoding="utf-8"?>
+<p:sld xmlns:a="http://schemas.openxmlformats.org/drawingml/2006/main" xmlns:r="http://schemas.openxmlformats.org/officeDocument/2006/relationships" xmlns:p="http://schemas.openxmlformats.org/presentationml/2006/main">
   <p:cSld>
     <p:spTree>
       <p:nvGrpSpPr>
@@ -26898,12 +27001,18 @@
       </p:grpSpPr>
       <p:sp>
         <p:nvSpPr>
-          <p:cNvPr id="2" name="Title 1"/>
+          <p:cNvPr id="3" name="Text Placeholder 2">
+            <a:extLst>
+              <a:ext uri="{FF2B5EF4-FFF2-40B4-BE49-F238E27FC236}">
+                <a16:creationId xmlns:a16="http://schemas.microsoft.com/office/drawing/2014/main" id="{919CF29D-C3A2-495A-B8A5-779AABA82D2D}"/>
+              </a:ext>
+            </a:extLst>
+          </p:cNvPr>
           <p:cNvSpPr>
             <a:spLocks noGrp="1"/>
           </p:cNvSpPr>
           <p:nvPr>
-            <p:ph type="title"/>
+            <p:ph type="body" sz="quarter" idx="10"/>
           </p:nvPr>
         </p:nvSpPr>
         <p:spPr/>
@@ -26913,95 +27022,15 @@
           <a:p>
             <a:r>
               <a:rPr lang="en-US" dirty="0"/>
-              <a:t>Which Template to Choose</a:t>
-            </a:r>
-          </a:p>
-        </p:txBody>
-      </p:sp>
-      <p:sp>
-        <p:nvSpPr>
-          <p:cNvPr id="3" name="Content Placeholder 2"/>
-          <p:cNvSpPr>
-            <a:spLocks noGrp="1"/>
-          </p:cNvSpPr>
-          <p:nvPr>
-            <p:ph idx="1"/>
-          </p:nvPr>
-        </p:nvSpPr>
-        <p:spPr/>
-        <p:txBody>
-          <a:bodyPr/>
-          <a:lstStyle/>
-          <a:p>
-            <a:r>
-              <a:rPr lang="en-US" dirty="0"/>
-              <a:t>Dynamic</a:t>
-            </a:r>
-          </a:p>
-          <a:p>
-            <a:pPr lvl="1"/>
-            <a:r>
-              <a:rPr lang="en-US" dirty="0"/>
-              <a:t>Unknown number of Channels.</a:t>
-            </a:r>
-          </a:p>
-          <a:p>
-            <a:pPr lvl="1"/>
-            <a:r>
-              <a:rPr lang="en-US" dirty="0"/>
-              <a:t>Final user defines the inputs</a:t>
-            </a:r>
-          </a:p>
-          <a:p>
-            <a:pPr lvl="1"/>
-            <a:r>
-              <a:rPr lang="en-US" dirty="0"/>
-              <a:t>Modbus</a:t>
-            </a:r>
-          </a:p>
-          <a:p>
-            <a:pPr lvl="1"/>
-            <a:r>
-              <a:rPr lang="en-US" dirty="0"/>
-              <a:t>Needs more codding</a:t>
-            </a:r>
-          </a:p>
-          <a:p>
-            <a:r>
-              <a:rPr lang="en-US" dirty="0"/>
-              <a:t>Static Template</a:t>
-            </a:r>
-          </a:p>
-          <a:p>
-            <a:pPr lvl="1"/>
-            <a:r>
-              <a:rPr lang="en-US" dirty="0"/>
-              <a:t>Number of channels decided by module developer</a:t>
-            </a:r>
-          </a:p>
-          <a:p>
-            <a:pPr lvl="1"/>
-            <a:r>
-              <a:rPr lang="en-US" dirty="0"/>
-              <a:t>Mostly Scripted</a:t>
-            </a:r>
-          </a:p>
-          <a:p>
-            <a:pPr lvl="1"/>
-            <a:r>
-              <a:rPr lang="en-US" dirty="0"/>
-              <a:t>PID</a:t>
-            </a:r>
-          </a:p>
-          <a:p>
-            <a:endParaRPr lang="en-US" dirty="0"/>
+              <a:t>Resources</a:t>
+            </a:r>
           </a:p>
         </p:txBody>
       </p:sp>
     </p:spTree>
     <p:extLst>
       <p:ext uri="{BB962C8B-B14F-4D97-AF65-F5344CB8AC3E}">
-        <p14:creationId xmlns:p14="http://schemas.microsoft.com/office/powerpoint/2010/main" val="2136668812"/>
+        <p14:creationId xmlns:p14="http://schemas.microsoft.com/office/powerpoint/2010/main" val="732455271"/>
       </p:ext>
     </p:extLst>
   </p:cSld>
@@ -27011,7 +27040,142 @@
 </p:sld>
 </file>
 
-<file path=ppt/slides/slide27.xml><?xml version="1.0" encoding="utf-8"?>
+<file path=ppt/slides/slide28.xml><?xml version="1.0" encoding="utf-8"?>
+<p:sld xmlns:a="http://schemas.openxmlformats.org/drawingml/2006/main" xmlns:r="http://schemas.openxmlformats.org/officeDocument/2006/relationships" xmlns:p="http://schemas.openxmlformats.org/presentationml/2006/main">
+  <p:cSld>
+    <p:spTree>
+      <p:nvGrpSpPr>
+        <p:cNvPr id="1" name=""/>
+        <p:cNvGrpSpPr/>
+        <p:nvPr/>
+      </p:nvGrpSpPr>
+      <p:grpSpPr>
+        <a:xfrm>
+          <a:off x="0" y="0"/>
+          <a:ext cx="0" cy="0"/>
+          <a:chOff x="0" y="0"/>
+          <a:chExt cx="0" cy="0"/>
+        </a:xfrm>
+      </p:grpSpPr>
+      <p:sp>
+        <p:nvSpPr>
+          <p:cNvPr id="2" name="Title 1"/>
+          <p:cNvSpPr>
+            <a:spLocks noGrp="1"/>
+          </p:cNvSpPr>
+          <p:nvPr>
+            <p:ph type="title"/>
+          </p:nvPr>
+        </p:nvSpPr>
+        <p:spPr/>
+        <p:txBody>
+          <a:bodyPr/>
+          <a:lstStyle/>
+          <a:p>
+            <a:r>
+              <a:rPr lang="en-US" dirty="0"/>
+              <a:t>Resources</a:t>
+            </a:r>
+          </a:p>
+        </p:txBody>
+      </p:sp>
+      <p:sp>
+        <p:nvSpPr>
+          <p:cNvPr id="3" name="Content Placeholder 2"/>
+          <p:cNvSpPr>
+            <a:spLocks noGrp="1"/>
+          </p:cNvSpPr>
+          <p:nvPr>
+            <p:ph sz="half" idx="1"/>
+          </p:nvPr>
+        </p:nvSpPr>
+        <p:spPr/>
+        <p:txBody>
+          <a:bodyPr/>
+          <a:lstStyle/>
+          <a:p>
+            <a:r>
+              <a:rPr lang="en-US" dirty="0"/>
+              <a:t>ni.com/DCAF</a:t>
+            </a:r>
+          </a:p>
+          <a:p>
+            <a:pPr lvl="1"/>
+            <a:r>
+              <a:rPr lang="en-US" dirty="0"/>
+              <a:t>Getting started material</a:t>
+            </a:r>
+          </a:p>
+          <a:p>
+            <a:pPr lvl="1"/>
+            <a:r>
+              <a:rPr lang="en-US" dirty="0"/>
+              <a:t>Support forum</a:t>
+            </a:r>
+          </a:p>
+          <a:p>
+            <a:r>
+              <a:rPr lang="en-US" dirty="0"/>
+              <a:t>github.com/LabVIEW-DCAF</a:t>
+            </a:r>
+          </a:p>
+          <a:p>
+            <a:pPr lvl="1"/>
+            <a:r>
+              <a:rPr lang="en-US" dirty="0"/>
+              <a:t>Issue reporting</a:t>
+            </a:r>
+          </a:p>
+          <a:p>
+            <a:pPr lvl="1"/>
+            <a:r>
+              <a:rPr lang="en-US" dirty="0"/>
+              <a:t>Pull requests welcome!</a:t>
+            </a:r>
+          </a:p>
+          <a:p>
+            <a:endParaRPr lang="en-US" dirty="0"/>
+          </a:p>
+        </p:txBody>
+      </p:sp>
+      <p:pic>
+        <p:nvPicPr>
+          <p:cNvPr id="5" name="Picture 4"/>
+          <p:cNvPicPr>
+            <a:picLocks noChangeAspect="1"/>
+          </p:cNvPicPr>
+          <p:nvPr/>
+        </p:nvPicPr>
+        <p:blipFill>
+          <a:blip r:embed="rId2"/>
+          <a:stretch>
+            <a:fillRect/>
+          </a:stretch>
+        </p:blipFill>
+        <p:spPr>
+          <a:xfrm>
+            <a:off x="5573718" y="1280160"/>
+            <a:ext cx="6006951" cy="3906820"/>
+          </a:xfrm>
+          <a:prstGeom prst="rect">
+            <a:avLst/>
+          </a:prstGeom>
+        </p:spPr>
+      </p:pic>
+    </p:spTree>
+    <p:extLst>
+      <p:ext uri="{BB962C8B-B14F-4D97-AF65-F5344CB8AC3E}">
+        <p14:creationId xmlns:p14="http://schemas.microsoft.com/office/powerpoint/2010/main" val="4193203533"/>
+      </p:ext>
+    </p:extLst>
+  </p:cSld>
+  <p:clrMapOvr>
+    <a:masterClrMapping/>
+  </p:clrMapOvr>
+</p:sld>
+</file>
+
+<file path=ppt/slides/slide29.xml><?xml version="1.0" encoding="utf-8"?>
 <p:sld xmlns:a="http://schemas.openxmlformats.org/drawingml/2006/main" xmlns:r="http://schemas.openxmlformats.org/officeDocument/2006/relationships" xmlns:p="http://schemas.openxmlformats.org/presentationml/2006/main" show="0">
   <p:cSld>
     <p:spTree>
@@ -27102,199 +27266,6 @@
     <p:extLst>
       <p:ext uri="{BB962C8B-B14F-4D97-AF65-F5344CB8AC3E}">
         <p14:creationId xmlns:p14="http://schemas.microsoft.com/office/powerpoint/2010/main" val="1317161525"/>
-      </p:ext>
-    </p:extLst>
-  </p:cSld>
-  <p:clrMapOvr>
-    <a:masterClrMapping/>
-  </p:clrMapOvr>
-</p:sld>
-</file>
-
-<file path=ppt/slides/slide28.xml><?xml version="1.0" encoding="utf-8"?>
-<p:sld xmlns:a="http://schemas.openxmlformats.org/drawingml/2006/main" xmlns:r="http://schemas.openxmlformats.org/officeDocument/2006/relationships" xmlns:p="http://schemas.openxmlformats.org/presentationml/2006/main">
-  <p:cSld>
-    <p:spTree>
-      <p:nvGrpSpPr>
-        <p:cNvPr id="1" name=""/>
-        <p:cNvGrpSpPr/>
-        <p:nvPr/>
-      </p:nvGrpSpPr>
-      <p:grpSpPr>
-        <a:xfrm>
-          <a:off x="0" y="0"/>
-          <a:ext cx="0" cy="0"/>
-          <a:chOff x="0" y="0"/>
-          <a:chExt cx="0" cy="0"/>
-        </a:xfrm>
-      </p:grpSpPr>
-      <p:sp>
-        <p:nvSpPr>
-          <p:cNvPr id="3" name="Text Placeholder 2">
-            <a:extLst>
-              <a:ext uri="{FF2B5EF4-FFF2-40B4-BE49-F238E27FC236}">
-                <a16:creationId xmlns:a16="http://schemas.microsoft.com/office/drawing/2014/main" id="{919CF29D-C3A2-495A-B8A5-779AABA82D2D}"/>
-              </a:ext>
-            </a:extLst>
-          </p:cNvPr>
-          <p:cNvSpPr>
-            <a:spLocks noGrp="1"/>
-          </p:cNvSpPr>
-          <p:nvPr>
-            <p:ph type="body" sz="quarter" idx="10"/>
-          </p:nvPr>
-        </p:nvSpPr>
-        <p:spPr/>
-        <p:txBody>
-          <a:bodyPr/>
-          <a:lstStyle/>
-          <a:p>
-            <a:r>
-              <a:rPr lang="en-US" dirty="0"/>
-              <a:t>Resources</a:t>
-            </a:r>
-          </a:p>
-        </p:txBody>
-      </p:sp>
-    </p:spTree>
-    <p:extLst>
-      <p:ext uri="{BB962C8B-B14F-4D97-AF65-F5344CB8AC3E}">
-        <p14:creationId xmlns:p14="http://schemas.microsoft.com/office/powerpoint/2010/main" val="732455271"/>
-      </p:ext>
-    </p:extLst>
-  </p:cSld>
-  <p:clrMapOvr>
-    <a:masterClrMapping/>
-  </p:clrMapOvr>
-</p:sld>
-</file>
-
-<file path=ppt/slides/slide29.xml><?xml version="1.0" encoding="utf-8"?>
-<p:sld xmlns:a="http://schemas.openxmlformats.org/drawingml/2006/main" xmlns:r="http://schemas.openxmlformats.org/officeDocument/2006/relationships" xmlns:p="http://schemas.openxmlformats.org/presentationml/2006/main">
-  <p:cSld>
-    <p:spTree>
-      <p:nvGrpSpPr>
-        <p:cNvPr id="1" name=""/>
-        <p:cNvGrpSpPr/>
-        <p:nvPr/>
-      </p:nvGrpSpPr>
-      <p:grpSpPr>
-        <a:xfrm>
-          <a:off x="0" y="0"/>
-          <a:ext cx="0" cy="0"/>
-          <a:chOff x="0" y="0"/>
-          <a:chExt cx="0" cy="0"/>
-        </a:xfrm>
-      </p:grpSpPr>
-      <p:sp>
-        <p:nvSpPr>
-          <p:cNvPr id="2" name="Title 1"/>
-          <p:cNvSpPr>
-            <a:spLocks noGrp="1"/>
-          </p:cNvSpPr>
-          <p:nvPr>
-            <p:ph type="title"/>
-          </p:nvPr>
-        </p:nvSpPr>
-        <p:spPr/>
-        <p:txBody>
-          <a:bodyPr/>
-          <a:lstStyle/>
-          <a:p>
-            <a:r>
-              <a:rPr lang="en-US" dirty="0"/>
-              <a:t>Resources</a:t>
-            </a:r>
-          </a:p>
-        </p:txBody>
-      </p:sp>
-      <p:sp>
-        <p:nvSpPr>
-          <p:cNvPr id="3" name="Content Placeholder 2"/>
-          <p:cNvSpPr>
-            <a:spLocks noGrp="1"/>
-          </p:cNvSpPr>
-          <p:nvPr>
-            <p:ph sz="half" idx="1"/>
-          </p:nvPr>
-        </p:nvSpPr>
-        <p:spPr/>
-        <p:txBody>
-          <a:bodyPr/>
-          <a:lstStyle/>
-          <a:p>
-            <a:r>
-              <a:rPr lang="en-US" dirty="0"/>
-              <a:t>ni.com/DCAF</a:t>
-            </a:r>
-          </a:p>
-          <a:p>
-            <a:pPr lvl="1"/>
-            <a:r>
-              <a:rPr lang="en-US" dirty="0"/>
-              <a:t>Getting started material</a:t>
-            </a:r>
-          </a:p>
-          <a:p>
-            <a:pPr lvl="1"/>
-            <a:r>
-              <a:rPr lang="en-US" dirty="0"/>
-              <a:t>Support forum</a:t>
-            </a:r>
-          </a:p>
-          <a:p>
-            <a:r>
-              <a:rPr lang="en-US" dirty="0"/>
-              <a:t>github.com/LabVIEW-DCAF</a:t>
-            </a:r>
-          </a:p>
-          <a:p>
-            <a:pPr lvl="1"/>
-            <a:r>
-              <a:rPr lang="en-US" dirty="0"/>
-              <a:t>Issue reporting</a:t>
-            </a:r>
-          </a:p>
-          <a:p>
-            <a:pPr lvl="1"/>
-            <a:r>
-              <a:rPr lang="en-US" dirty="0"/>
-              <a:t>Pull requests welcome!</a:t>
-            </a:r>
-          </a:p>
-          <a:p>
-            <a:endParaRPr lang="en-US" dirty="0"/>
-          </a:p>
-        </p:txBody>
-      </p:sp>
-      <p:pic>
-        <p:nvPicPr>
-          <p:cNvPr id="5" name="Picture 4"/>
-          <p:cNvPicPr>
-            <a:picLocks noChangeAspect="1"/>
-          </p:cNvPicPr>
-          <p:nvPr/>
-        </p:nvPicPr>
-        <p:blipFill>
-          <a:blip r:embed="rId2"/>
-          <a:stretch>
-            <a:fillRect/>
-          </a:stretch>
-        </p:blipFill>
-        <p:spPr>
-          <a:xfrm>
-            <a:off x="5573718" y="1280160"/>
-            <a:ext cx="6006951" cy="3906820"/>
-          </a:xfrm>
-          <a:prstGeom prst="rect">
-            <a:avLst/>
-          </a:prstGeom>
-        </p:spPr>
-      </p:pic>
-    </p:spTree>
-    <p:extLst>
-      <p:ext uri="{BB962C8B-B14F-4D97-AF65-F5344CB8AC3E}">
-        <p14:creationId xmlns:p14="http://schemas.microsoft.com/office/powerpoint/2010/main" val="4193203533"/>
       </p:ext>
     </p:extLst>
   </p:cSld>

--- a/Trunk/Getting Started Material/DCAF Training/1 Introduction to DCAF.pptx
+++ b/Trunk/Getting Started Material/DCAF Training/1 Introduction to DCAF.pptx
@@ -5,7 +5,7 @@
     <p:sldMasterId id="2147483783" r:id="rId1"/>
   </p:sldMasterIdLst>
   <p:notesMasterIdLst>
-    <p:notesMasterId r:id="rId41"/>
+    <p:notesMasterId r:id="rId49"/>
   </p:notesMasterIdLst>
   <p:sldIdLst>
     <p:sldId id="263" r:id="rId2"/>
@@ -14,39 +14,47 @@
     <p:sldId id="360" r:id="rId5"/>
     <p:sldId id="261" r:id="rId6"/>
     <p:sldId id="260" r:id="rId7"/>
-    <p:sldId id="262" r:id="rId8"/>
-    <p:sldId id="292" r:id="rId9"/>
-    <p:sldId id="361" r:id="rId10"/>
-    <p:sldId id="366" r:id="rId11"/>
-    <p:sldId id="368" r:id="rId12"/>
-    <p:sldId id="338" r:id="rId13"/>
-    <p:sldId id="370" r:id="rId14"/>
-    <p:sldId id="371" r:id="rId15"/>
-    <p:sldId id="337" r:id="rId16"/>
-    <p:sldId id="294" r:id="rId17"/>
-    <p:sldId id="319" r:id="rId18"/>
-    <p:sldId id="281" r:id="rId19"/>
-    <p:sldId id="357" r:id="rId20"/>
-    <p:sldId id="364" r:id="rId21"/>
-    <p:sldId id="341" r:id="rId22"/>
-    <p:sldId id="340" r:id="rId23"/>
-    <p:sldId id="347" r:id="rId24"/>
-    <p:sldId id="271" r:id="rId25"/>
-    <p:sldId id="362" r:id="rId26"/>
-    <p:sldId id="369" r:id="rId27"/>
-    <p:sldId id="291" r:id="rId28"/>
-    <p:sldId id="300" r:id="rId29"/>
-    <p:sldId id="278" r:id="rId30"/>
-    <p:sldId id="367" r:id="rId31"/>
-    <p:sldId id="286" r:id="rId32"/>
-    <p:sldId id="372" r:id="rId33"/>
-    <p:sldId id="373" r:id="rId34"/>
-    <p:sldId id="374" r:id="rId35"/>
-    <p:sldId id="375" r:id="rId36"/>
-    <p:sldId id="376" r:id="rId37"/>
-    <p:sldId id="377" r:id="rId38"/>
-    <p:sldId id="378" r:id="rId39"/>
-    <p:sldId id="379" r:id="rId40"/>
+    <p:sldId id="266" r:id="rId8"/>
+    <p:sldId id="262" r:id="rId9"/>
+    <p:sldId id="292" r:id="rId10"/>
+    <p:sldId id="362" r:id="rId11"/>
+    <p:sldId id="365" r:id="rId12"/>
+    <p:sldId id="369" r:id="rId13"/>
+    <p:sldId id="380" r:id="rId14"/>
+    <p:sldId id="295" r:id="rId15"/>
+    <p:sldId id="296" r:id="rId16"/>
+    <p:sldId id="297" r:id="rId17"/>
+    <p:sldId id="298" r:id="rId18"/>
+    <p:sldId id="291" r:id="rId19"/>
+    <p:sldId id="300" r:id="rId20"/>
+    <p:sldId id="361" r:id="rId21"/>
+    <p:sldId id="366" r:id="rId22"/>
+    <p:sldId id="368" r:id="rId23"/>
+    <p:sldId id="338" r:id="rId24"/>
+    <p:sldId id="370" r:id="rId25"/>
+    <p:sldId id="371" r:id="rId26"/>
+    <p:sldId id="337" r:id="rId27"/>
+    <p:sldId id="294" r:id="rId28"/>
+    <p:sldId id="319" r:id="rId29"/>
+    <p:sldId id="281" r:id="rId30"/>
+    <p:sldId id="279" r:id="rId31"/>
+    <p:sldId id="357" r:id="rId32"/>
+    <p:sldId id="364" r:id="rId33"/>
+    <p:sldId id="341" r:id="rId34"/>
+    <p:sldId id="340" r:id="rId35"/>
+    <p:sldId id="347" r:id="rId36"/>
+    <p:sldId id="271" r:id="rId37"/>
+    <p:sldId id="278" r:id="rId38"/>
+    <p:sldId id="367" r:id="rId39"/>
+    <p:sldId id="286" r:id="rId40"/>
+    <p:sldId id="372" r:id="rId41"/>
+    <p:sldId id="373" r:id="rId42"/>
+    <p:sldId id="374" r:id="rId43"/>
+    <p:sldId id="375" r:id="rId44"/>
+    <p:sldId id="376" r:id="rId45"/>
+    <p:sldId id="377" r:id="rId46"/>
+    <p:sldId id="378" r:id="rId47"/>
+    <p:sldId id="379" r:id="rId48"/>
   </p:sldIdLst>
   <p:sldSz cx="12192000" cy="6858000"/>
   <p:notesSz cx="6858000" cy="9144000"/>
@@ -11013,7 +11021,7 @@
           <a:p>
             <a:fld id="{A8975C80-FF7F-4140-B105-CF3FA3859277}" type="datetimeFigureOut">
               <a:rPr lang="en-US" smtClean="0"/>
-              <a:t>10/26/2018</a:t>
+              <a:t>10/29/2018</a:t>
             </a:fld>
             <a:endParaRPr lang="en-US"/>
           </a:p>
@@ -11326,70 +11334,126 @@
           <a:p>
             <a:r>
               <a:rPr lang="en-US" dirty="0"/>
-              <a:t>RT, FPGA, and UI programming can vary widely in style and knowledge requirements. Being proficient</a:t>
-            </a:r>
-            <a:r>
-              <a:rPr lang="en-US" baseline="0" dirty="0"/>
-              <a:t> in all three takes both training and experience.</a:t>
-            </a:r>
-          </a:p>
-          <a:p>
-            <a:r>
-              <a:rPr lang="en-US" baseline="0" dirty="0"/>
-              <a:t>Distributed I/O and execution means a variety of communication protocols to learn. CAN, </a:t>
-            </a:r>
-            <a:r>
-              <a:rPr lang="en-US" baseline="0" dirty="0" err="1"/>
-              <a:t>EtherCAT</a:t>
-            </a:r>
-            <a:r>
-              <a:rPr lang="en-US" baseline="0" dirty="0"/>
-              <a:t>, UDP, TCP, AMQP, and possibly even the upcoming </a:t>
-            </a:r>
-            <a:r>
-              <a:rPr lang="en-US" baseline="0" dirty="0" err="1"/>
-              <a:t>IIoT</a:t>
-            </a:r>
-            <a:r>
-              <a:rPr lang="en-US" baseline="0" dirty="0"/>
-              <a:t> protocols may all be involved.</a:t>
-            </a:r>
-          </a:p>
-          <a:p>
-            <a:r>
-              <a:rPr lang="en-US" baseline="0" dirty="0"/>
-              <a:t>Execution guarantees require knowledge of deterministic programming techniques. Understanding why something failed requires built-in diagnostics and good error handling.</a:t>
-            </a:r>
-          </a:p>
-          <a:p>
-            <a:r>
-              <a:rPr lang="en-US" baseline="0" dirty="0"/>
-              <a:t>High availability means programs need to be able to run for months or longer without stopping. They also need to be able to recover from a failure automatically.</a:t>
-            </a:r>
-          </a:p>
-          <a:p>
-            <a:r>
-              <a:rPr lang="en-US" baseline="0" dirty="0"/>
-              <a:t>No two machines are exactly the same. Tuning, features, parameters often need to be tweaked during setup. This requires extensive and powerful parameterization, which ideally is built into the code before it is needed.</a:t>
-            </a:r>
-          </a:p>
-          <a:p>
-            <a:r>
-              <a:rPr lang="en-US" baseline="0" dirty="0"/>
-              <a:t>These machines are typically built to last. Development teams need a strategy for how to get updates to the code. How do bug fixes or new features get deployed reliably?</a:t>
-            </a:r>
-          </a:p>
-          <a:p>
-            <a:r>
-              <a:rPr lang="en-US" baseline="0" dirty="0"/>
-              <a:t>These systems are often complex enough and with a tight enough timeline to require multiple software developers. Multi-developer teams don’t work efficiently overnight, and require training and process investments to really flourish.</a:t>
-            </a:r>
-          </a:p>
-          <a:p>
-            <a:r>
-              <a:rPr lang="en-US" baseline="0" dirty="0"/>
-              <a:t>To top it all off, the functionality for these machines in terms of their primary tasks are complex and getting even more so. It also needs to do those tasks better than the competition.</a:t>
-            </a:r>
+              <a:t>People that contributed with this content:</a:t>
+            </a:r>
+          </a:p>
+          <a:p>
+            <a:pPr marL="171450" marR="0" lvl="0" indent="-171450" algn="l" defTabSz="914400" rtl="0" eaLnBrk="1" fontAlgn="auto" latinLnBrk="0" hangingPunct="1">
+              <a:lnSpc>
+                <a:spcPct val="100000"/>
+              </a:lnSpc>
+              <a:spcBef>
+                <a:spcPts val="0"/>
+              </a:spcBef>
+              <a:spcAft>
+                <a:spcPts val="0"/>
+              </a:spcAft>
+              <a:buClrTx/>
+              <a:buSzTx/>
+              <a:buFont typeface="Arial" panose="020B0604020202020204" pitchFamily="34" charset="0"/>
+              <a:buChar char="•"/>
+              <a:tabLst/>
+              <a:defRPr/>
+            </a:pPr>
+            <a:r>
+              <a:rPr lang="en-US" dirty="0"/>
+              <a:t>Benjamin Celis</a:t>
+            </a:r>
+          </a:p>
+          <a:p>
+            <a:pPr marL="171450" marR="0" lvl="0" indent="-171450" algn="l" defTabSz="914400" rtl="0" eaLnBrk="1" fontAlgn="auto" latinLnBrk="0" hangingPunct="1">
+              <a:lnSpc>
+                <a:spcPct val="100000"/>
+              </a:lnSpc>
+              <a:spcBef>
+                <a:spcPts val="0"/>
+              </a:spcBef>
+              <a:spcAft>
+                <a:spcPts val="0"/>
+              </a:spcAft>
+              <a:buClrTx/>
+              <a:buSzTx/>
+              <a:buFont typeface="Arial" panose="020B0604020202020204" pitchFamily="34" charset="0"/>
+              <a:buChar char="•"/>
+              <a:tabLst/>
+              <a:defRPr/>
+            </a:pPr>
+            <a:r>
+              <a:rPr lang="en-US" dirty="0"/>
+              <a:t>Mathew Pollock</a:t>
+            </a:r>
+          </a:p>
+          <a:p>
+            <a:pPr marL="171450" marR="0" lvl="0" indent="-171450" algn="l" defTabSz="914400" rtl="0" eaLnBrk="1" fontAlgn="auto" latinLnBrk="0" hangingPunct="1">
+              <a:lnSpc>
+                <a:spcPct val="100000"/>
+              </a:lnSpc>
+              <a:spcBef>
+                <a:spcPts val="0"/>
+              </a:spcBef>
+              <a:spcAft>
+                <a:spcPts val="0"/>
+              </a:spcAft>
+              <a:buClrTx/>
+              <a:buSzTx/>
+              <a:buFont typeface="Arial" panose="020B0604020202020204" pitchFamily="34" charset="0"/>
+              <a:buChar char="•"/>
+              <a:tabLst/>
+              <a:defRPr/>
+            </a:pPr>
+            <a:r>
+              <a:rPr lang="en-US" dirty="0"/>
+              <a:t>Simon Perez</a:t>
+            </a:r>
+          </a:p>
+          <a:p>
+            <a:pPr marL="171450" marR="0" lvl="0" indent="-171450" algn="l" defTabSz="914400" rtl="0" eaLnBrk="1" fontAlgn="auto" latinLnBrk="0" hangingPunct="1">
+              <a:lnSpc>
+                <a:spcPct val="100000"/>
+              </a:lnSpc>
+              <a:spcBef>
+                <a:spcPts val="0"/>
+              </a:spcBef>
+              <a:spcAft>
+                <a:spcPts val="0"/>
+              </a:spcAft>
+              <a:buClrTx/>
+              <a:buSzTx/>
+              <a:buFont typeface="Arial" panose="020B0604020202020204" pitchFamily="34" charset="0"/>
+              <a:buChar char="•"/>
+              <a:tabLst/>
+              <a:defRPr/>
+            </a:pPr>
+            <a:r>
+              <a:rPr lang="en-US" dirty="0"/>
+              <a:t>Andres Gomez</a:t>
+            </a:r>
+          </a:p>
+          <a:p>
+            <a:pPr marL="171450" marR="0" lvl="0" indent="-171450" algn="l" defTabSz="914400" rtl="0" eaLnBrk="1" fontAlgn="auto" latinLnBrk="0" hangingPunct="1">
+              <a:lnSpc>
+                <a:spcPct val="100000"/>
+              </a:lnSpc>
+              <a:spcBef>
+                <a:spcPts val="0"/>
+              </a:spcBef>
+              <a:spcAft>
+                <a:spcPts val="0"/>
+              </a:spcAft>
+              <a:buClrTx/>
+              <a:buSzTx/>
+              <a:buFont typeface="Arial" panose="020B0604020202020204" pitchFamily="34" charset="0"/>
+              <a:buChar char="•"/>
+              <a:tabLst/>
+              <a:defRPr/>
+            </a:pPr>
+            <a:r>
+              <a:rPr lang="en-US" dirty="0"/>
+              <a:t>Matt Jacobson</a:t>
+            </a:r>
+          </a:p>
+          <a:p>
+            <a:endParaRPr lang="en-US" dirty="0"/>
           </a:p>
         </p:txBody>
       </p:sp>
@@ -11400,7 +11464,7 @@
             <a:spLocks noGrp="1"/>
           </p:cNvSpPr>
           <p:nvPr>
-            <p:ph type="sldNum" sz="quarter" idx="10"/>
+            <p:ph type="sldNum" sz="quarter" idx="5"/>
           </p:nvPr>
         </p:nvSpPr>
         <p:spPr/>
@@ -11408,9 +11472,9 @@
           <a:bodyPr/>
           <a:lstStyle/>
           <a:p>
-            <a:fld id="{15F80049-26F3-4D89-A0B2-4E12138F92A1}" type="slidenum">
+            <a:fld id="{E78E71CD-9786-4621-AA97-B53C62C3E534}" type="slidenum">
               <a:rPr lang="en-US" smtClean="0"/>
-              <a:t>5</a:t>
+              <a:t>2</a:t>
             </a:fld>
             <a:endParaRPr lang="en-US"/>
           </a:p>
@@ -11419,7 +11483,7 @@
     </p:spTree>
     <p:extLst>
       <p:ext uri="{BB962C8B-B14F-4D97-AF65-F5344CB8AC3E}">
-        <p14:creationId xmlns:p14="http://schemas.microsoft.com/office/powerpoint/2010/main" val="3468069098"/>
+        <p14:creationId xmlns:p14="http://schemas.microsoft.com/office/powerpoint/2010/main" val="1709198599"/>
       </p:ext>
     </p:extLst>
   </p:cSld>
@@ -11473,7 +11537,42 @@
           <a:bodyPr/>
           <a:lstStyle/>
           <a:p>
+            <a:r>
+              <a:rPr lang="en-US" dirty="0"/>
+              <a:t>From </a:t>
+            </a:r>
+            <a:r>
+              <a:rPr lang="en-US" dirty="0" err="1"/>
+              <a:t>DevGuide</a:t>
+            </a:r>
             <a:endParaRPr lang="en-US" dirty="0"/>
+          </a:p>
+          <a:p>
+            <a:endParaRPr lang="en-US" dirty="0"/>
+          </a:p>
+          <a:p>
+            <a:r>
+              <a:rPr lang="en-US" dirty="0"/>
+              <a:t>**Engine**: State machine that executes *Modules* as defined in the *Configuration Editor* and provides a namespace for *Tags*. The Engine also passes data between its *Modules* according to its *Mappings*.</a:t>
+            </a:r>
+          </a:p>
+          <a:p>
+            <a:endParaRPr lang="en-US" dirty="0"/>
+          </a:p>
+          <a:p>
+            <a:r>
+              <a:rPr lang="en-US" dirty="0"/>
+              <a:t>**Module**: A collection of code of varying functionality that executes within an *Engine* and that can interact with the *Tags* of that *Engine*. Some standard *Modules* are installed with DCAF, but users can also create their own.</a:t>
+            </a:r>
+          </a:p>
+          <a:p>
+            <a:endParaRPr lang="en-US" dirty="0"/>
+          </a:p>
+          <a:p>
+            <a:r>
+              <a:rPr lang="en-US" dirty="0"/>
+              <a:t>**Configuration Editor**: A LabVIEW program used to visually define the functionality of each *Engine* and *Module* in DCAF.</a:t>
+            </a:r>
           </a:p>
         </p:txBody>
       </p:sp>
@@ -11492,18 +11591,18 @@
           <a:bodyPr/>
           <a:lstStyle/>
           <a:p>
-            <a:fld id="{851B3976-BA5C-4172-B420-FFE6D6004C76}" type="slidenum">
+            <a:fld id="{E78E71CD-9786-4621-AA97-B53C62C3E534}" type="slidenum">
               <a:rPr lang="en-US" smtClean="0"/>
-              <a:t>15</a:t>
+              <a:t>22</a:t>
             </a:fld>
-            <a:endParaRPr lang="en-US" dirty="0"/>
+            <a:endParaRPr lang="en-US"/>
           </a:p>
         </p:txBody>
       </p:sp>
     </p:spTree>
     <p:extLst>
       <p:ext uri="{BB962C8B-B14F-4D97-AF65-F5344CB8AC3E}">
-        <p14:creationId xmlns:p14="http://schemas.microsoft.com/office/powerpoint/2010/main" val="1343741771"/>
+        <p14:creationId xmlns:p14="http://schemas.microsoft.com/office/powerpoint/2010/main" val="399638581"/>
       </p:ext>
     </p:extLst>
   </p:cSld>
@@ -11576,18 +11675,18 @@
           <a:bodyPr/>
           <a:lstStyle/>
           <a:p>
-            <a:fld id="{E78E71CD-9786-4621-AA97-B53C62C3E534}" type="slidenum">
+            <a:fld id="{851B3976-BA5C-4172-B420-FFE6D6004C76}" type="slidenum">
               <a:rPr lang="en-US" smtClean="0"/>
-              <a:t>16</a:t>
+              <a:t>23</a:t>
             </a:fld>
-            <a:endParaRPr lang="en-US"/>
+            <a:endParaRPr lang="en-US" dirty="0"/>
           </a:p>
         </p:txBody>
       </p:sp>
     </p:spTree>
     <p:extLst>
       <p:ext uri="{BB962C8B-B14F-4D97-AF65-F5344CB8AC3E}">
-        <p14:creationId xmlns:p14="http://schemas.microsoft.com/office/powerpoint/2010/main" val="258678966"/>
+        <p14:creationId xmlns:p14="http://schemas.microsoft.com/office/powerpoint/2010/main" val="818992878"/>
       </p:ext>
     </p:extLst>
   </p:cSld>
@@ -11638,187 +11737,9 @@
         </p:nvSpPr>
         <p:spPr/>
         <p:txBody>
-          <a:bodyPr>
-            <a:normAutofit/>
-          </a:bodyPr>
+          <a:bodyPr/>
           <a:lstStyle/>
           <a:p>
-            <a:pPr marL="337185" indent="-285750">
-              <a:buFont typeface="Arial" panose="020B0604020202020204" pitchFamily="34" charset="0"/>
-              <a:buChar char="•"/>
-            </a:pPr>
-            <a:r>
-              <a:rPr lang="en-US" sz="1200" dirty="0">
-                <a:solidFill>
-                  <a:schemeClr val="bg2">
-                    <a:lumMod val="25000"/>
-                  </a:schemeClr>
-                </a:solidFill>
-              </a:rPr>
-              <a:t>State machine with a safe state</a:t>
-            </a:r>
-            <a:br>
-              <a:rPr lang="en-US" sz="1200" dirty="0">
-                <a:solidFill>
-                  <a:schemeClr val="bg2">
-                    <a:lumMod val="25000"/>
-                  </a:schemeClr>
-                </a:solidFill>
-              </a:rPr>
-            </a:br>
-            <a:endParaRPr lang="en-US" sz="1200" dirty="0">
-              <a:solidFill>
-                <a:schemeClr val="bg2">
-                  <a:lumMod val="25000"/>
-                </a:schemeClr>
-              </a:solidFill>
-            </a:endParaRPr>
-          </a:p>
-          <a:p>
-            <a:pPr marL="337185" indent="-285750">
-              <a:buFont typeface="Arial" panose="020B0604020202020204" pitchFamily="34" charset="0"/>
-              <a:buChar char="•"/>
-            </a:pPr>
-            <a:r>
-              <a:rPr lang="en-US" sz="1200" dirty="0">
-                <a:solidFill>
-                  <a:schemeClr val="bg2">
-                    <a:lumMod val="25000"/>
-                  </a:schemeClr>
-                </a:solidFill>
-              </a:rPr>
-              <a:t>Sequentially executes Input, Process, and Output methods of each plugin</a:t>
-            </a:r>
-          </a:p>
-          <a:p>
-            <a:pPr marL="51435"/>
-            <a:endParaRPr lang="en-US" sz="1200" dirty="0">
-              <a:solidFill>
-                <a:schemeClr val="bg2">
-                  <a:lumMod val="25000"/>
-                </a:schemeClr>
-              </a:solidFill>
-            </a:endParaRPr>
-          </a:p>
-          <a:p>
-            <a:pPr marL="337185" indent="-285750">
-              <a:buFont typeface="Arial" panose="020B0604020202020204" pitchFamily="34" charset="0"/>
-              <a:buChar char="•"/>
-            </a:pPr>
-            <a:r>
-              <a:rPr lang="en-US" sz="1200" dirty="0">
-                <a:solidFill>
-                  <a:schemeClr val="bg2">
-                    <a:lumMod val="25000"/>
-                  </a:schemeClr>
-                </a:solidFill>
-              </a:rPr>
-              <a:t>Passes latest value data between plugins</a:t>
-            </a:r>
-          </a:p>
-          <a:p>
-            <a:pPr marL="51435"/>
-            <a:endParaRPr lang="en-US" sz="1200" dirty="0">
-              <a:solidFill>
-                <a:schemeClr val="bg2">
-                  <a:lumMod val="25000"/>
-                </a:schemeClr>
-              </a:solidFill>
-            </a:endParaRPr>
-          </a:p>
-          <a:p>
-            <a:pPr marL="337185" indent="-285750">
-              <a:buFont typeface="Arial" panose="020B0604020202020204" pitchFamily="34" charset="0"/>
-              <a:buChar char="•"/>
-            </a:pPr>
-            <a:r>
-              <a:rPr lang="en-US" sz="1200" dirty="0">
-                <a:solidFill>
-                  <a:schemeClr val="bg2">
-                    <a:lumMod val="25000"/>
-                  </a:schemeClr>
-                </a:solidFill>
-              </a:rPr>
-              <a:t>Configurable execution timing</a:t>
-            </a:r>
-          </a:p>
-          <a:p>
-            <a:pPr marL="51435"/>
-            <a:endParaRPr lang="en-US" sz="1200" dirty="0">
-              <a:solidFill>
-                <a:schemeClr val="bg2">
-                  <a:lumMod val="25000"/>
-                </a:schemeClr>
-              </a:solidFill>
-            </a:endParaRPr>
-          </a:p>
-          <a:p>
-            <a:pPr marL="337185" indent="-285750">
-              <a:buFont typeface="Arial" panose="020B0604020202020204" pitchFamily="34" charset="0"/>
-              <a:buChar char="•"/>
-            </a:pPr>
-            <a:r>
-              <a:rPr lang="en-US" sz="1200" dirty="0">
-                <a:solidFill>
-                  <a:schemeClr val="bg2">
-                    <a:lumMod val="25000"/>
-                  </a:schemeClr>
-                </a:solidFill>
-              </a:rPr>
-              <a:t>Built-in error reporting and recovery</a:t>
-            </a:r>
-          </a:p>
-          <a:p>
-            <a:pPr marL="337185" indent="-285750">
-              <a:buFont typeface="Arial" panose="020B0604020202020204" pitchFamily="34" charset="0"/>
-              <a:buChar char="•"/>
-            </a:pPr>
-            <a:endParaRPr lang="en-US" sz="1200" dirty="0">
-              <a:solidFill>
-                <a:schemeClr val="bg2">
-                  <a:lumMod val="25000"/>
-                </a:schemeClr>
-              </a:solidFill>
-            </a:endParaRPr>
-          </a:p>
-          <a:p>
-            <a:pPr marL="337185" indent="-285750">
-              <a:buFont typeface="Arial" panose="020B0604020202020204" pitchFamily="34" charset="0"/>
-              <a:buChar char="•"/>
-            </a:pPr>
-            <a:r>
-              <a:rPr lang="en-US" sz="1200" dirty="0">
-                <a:solidFill>
-                  <a:schemeClr val="bg2">
-                    <a:lumMod val="25000"/>
-                  </a:schemeClr>
-                </a:solidFill>
-              </a:rPr>
-              <a:t>Prevent Race conditions, memory</a:t>
-            </a:r>
-            <a:r>
-              <a:rPr lang="en-US" sz="1200" baseline="0" dirty="0">
-                <a:solidFill>
-                  <a:schemeClr val="bg2">
-                    <a:lumMod val="25000"/>
-                  </a:schemeClr>
-                </a:solidFill>
-              </a:rPr>
-              <a:t> allocations, thread starvation, etc.</a:t>
-            </a:r>
-            <a:endParaRPr lang="en-US" sz="1200" dirty="0">
-              <a:solidFill>
-                <a:schemeClr val="bg2">
-                  <a:lumMod val="25000"/>
-                </a:schemeClr>
-              </a:solidFill>
-            </a:endParaRPr>
-          </a:p>
-          <a:p>
-            <a:pPr marL="51435" indent="0">
-              <a:buFont typeface="Arial" panose="020B0604020202020204" pitchFamily="34" charset="0"/>
-              <a:buNone/>
-            </a:pPr>
             <a:endParaRPr lang="en-US" dirty="0"/>
           </a:p>
         </p:txBody>
@@ -11838,27 +11759,18 @@
           <a:bodyPr/>
           <a:lstStyle/>
           <a:p>
-            <a:fld id="{415FA569-94E5-4539-9DDA-647D2D9DEE0B}" type="slidenum">
-              <a:rPr lang="en-US" smtClean="0">
-                <a:solidFill>
-                  <a:prstClr val="black"/>
-                </a:solidFill>
-              </a:rPr>
-              <a:pPr/>
-              <a:t>18</a:t>
+            <a:fld id="{851B3976-BA5C-4172-B420-FFE6D6004C76}" type="slidenum">
+              <a:rPr lang="en-US" smtClean="0"/>
+              <a:t>24</a:t>
             </a:fld>
-            <a:endParaRPr lang="en-US" dirty="0">
-              <a:solidFill>
-                <a:prstClr val="black"/>
-              </a:solidFill>
-            </a:endParaRPr>
+            <a:endParaRPr lang="en-US" dirty="0"/>
           </a:p>
         </p:txBody>
       </p:sp>
     </p:spTree>
     <p:extLst>
       <p:ext uri="{BB962C8B-B14F-4D97-AF65-F5344CB8AC3E}">
-        <p14:creationId xmlns:p14="http://schemas.microsoft.com/office/powerpoint/2010/main" val="3021661987"/>
+        <p14:creationId xmlns:p14="http://schemas.microsoft.com/office/powerpoint/2010/main" val="1474148154"/>
       </p:ext>
     </p:extLst>
   </p:cSld>
@@ -11912,74 +11824,6 @@
           <a:bodyPr/>
           <a:lstStyle/>
           <a:p>
-            <a:r>
-              <a:rPr lang="en-US" dirty="0"/>
-              <a:t>DCAF was designed for systems in which the main data transfer is tags.</a:t>
-            </a:r>
-          </a:p>
-          <a:p>
-            <a:r>
-              <a:rPr lang="en-US" dirty="0"/>
-              <a:t>LabVIEW offers many options to manage tags. </a:t>
-            </a:r>
-          </a:p>
-          <a:p>
-            <a:endParaRPr lang="en-US" dirty="0"/>
-          </a:p>
-          <a:p>
-            <a:r>
-              <a:rPr lang="en-US" dirty="0"/>
-              <a:t>But for design we had 3 main guidelines and they could not be achieved with the current options. </a:t>
-            </a:r>
-          </a:p>
-          <a:p>
-            <a:endParaRPr lang="en-US" dirty="0"/>
-          </a:p>
-          <a:p>
-            <a:endParaRPr lang="en-US" dirty="0"/>
-          </a:p>
-          <a:p>
-            <a:endParaRPr lang="en-US" dirty="0"/>
-          </a:p>
-          <a:p>
-            <a:r>
-              <a:rPr lang="en-US" dirty="0"/>
-              <a:t>What's the need?</a:t>
-            </a:r>
-          </a:p>
-          <a:p>
-            <a:r>
-              <a:rPr lang="en-US" dirty="0"/>
-              <a:t>Limited Solutions:</a:t>
-            </a:r>
-          </a:p>
-          <a:p>
-            <a:pPr lvl="1"/>
-            <a:r>
-              <a:rPr lang="en-US" dirty="0"/>
-              <a:t>Variables</a:t>
-            </a:r>
-          </a:p>
-          <a:p>
-            <a:pPr lvl="1"/>
-            <a:r>
-              <a:rPr lang="en-US" dirty="0"/>
-              <a:t>CVT</a:t>
-            </a:r>
-          </a:p>
-          <a:p>
-            <a:r>
-              <a:rPr lang="en-US" dirty="0"/>
-              <a:t>Scope</a:t>
-            </a:r>
-          </a:p>
-          <a:p>
-            <a:r>
-              <a:rPr lang="en-US" dirty="0"/>
-              <a:t>Data Types</a:t>
-            </a:r>
-          </a:p>
-          <a:p>
             <a:endParaRPr lang="en-US" dirty="0"/>
           </a:p>
         </p:txBody>
@@ -12001,7 +11845,7 @@
           <a:p>
             <a:fld id="{851B3976-BA5C-4172-B420-FFE6D6004C76}" type="slidenum">
               <a:rPr lang="en-US" smtClean="0"/>
-              <a:t>20</a:t>
+              <a:t>25</a:t>
             </a:fld>
             <a:endParaRPr lang="en-US" dirty="0"/>
           </a:p>
@@ -12010,7 +11854,7 @@
     </p:spTree>
     <p:extLst>
       <p:ext uri="{BB962C8B-B14F-4D97-AF65-F5344CB8AC3E}">
-        <p14:creationId xmlns:p14="http://schemas.microsoft.com/office/powerpoint/2010/main" val="831469265"/>
+        <p14:creationId xmlns:p14="http://schemas.microsoft.com/office/powerpoint/2010/main" val="829535672"/>
       </p:ext>
     </p:extLst>
   </p:cSld>
@@ -12064,34 +11908,7 @@
           <a:bodyPr/>
           <a:lstStyle/>
           <a:p>
-            <a:r>
-              <a:rPr lang="en-US" dirty="0"/>
-              <a:t>Major issue with clustersauruses: data copies of the cluster and accidentally stomping on data, especially if sending the whole cluster into every user of the cluster</a:t>
-            </a:r>
-          </a:p>
-          <a:p>
-            <a:r>
-              <a:rPr lang="en-US" dirty="0"/>
-              <a:t>Solution: break up the cluster such that each user of the cluster gets the minimum data set it needs and prevent useless data copies when getting/setting the values from the main cluster</a:t>
-            </a:r>
-          </a:p>
-          <a:p>
             <a:endParaRPr lang="en-US" dirty="0"/>
-          </a:p>
-          <a:p>
-            <a:r>
-              <a:rPr lang="en-US" dirty="0"/>
-              <a:t>Each DCAF module gets a “mini” tag bus containing only the data used by that module.  Scripting templates take care of all data access operations on the mini-tag bus in the module for most common use cases.</a:t>
-            </a:r>
-          </a:p>
-          <a:p>
-            <a:endParaRPr lang="en-US" dirty="0"/>
-          </a:p>
-          <a:p>
-            <a:r>
-              <a:rPr lang="en-US" dirty="0"/>
-              <a:t>Use of in-place operations, plus never branching the main tag bus wire, prevent copies of the main cluster</a:t>
-            </a:r>
           </a:p>
         </p:txBody>
       </p:sp>
@@ -12112,7 +11929,7 @@
           <a:p>
             <a:fld id="{851B3976-BA5C-4172-B420-FFE6D6004C76}" type="slidenum">
               <a:rPr lang="en-US" smtClean="0"/>
-              <a:t>23</a:t>
+              <a:t>26</a:t>
             </a:fld>
             <a:endParaRPr lang="en-US" dirty="0"/>
           </a:p>
@@ -12121,7 +11938,7 @@
     </p:spTree>
     <p:extLst>
       <p:ext uri="{BB962C8B-B14F-4D97-AF65-F5344CB8AC3E}">
-        <p14:creationId xmlns:p14="http://schemas.microsoft.com/office/powerpoint/2010/main" val="1236117937"/>
+        <p14:creationId xmlns:p14="http://schemas.microsoft.com/office/powerpoint/2010/main" val="1343741771"/>
       </p:ext>
     </p:extLst>
   </p:cSld>
@@ -12196,7 +12013,7 @@
           <a:p>
             <a:fld id="{E78E71CD-9786-4621-AA97-B53C62C3E534}" type="slidenum">
               <a:rPr lang="en-US" smtClean="0"/>
-              <a:t>24</a:t>
+              <a:t>27</a:t>
             </a:fld>
             <a:endParaRPr lang="en-US"/>
           </a:p>
@@ -12205,7 +12022,7 @@
     </p:spTree>
     <p:extLst>
       <p:ext uri="{BB962C8B-B14F-4D97-AF65-F5344CB8AC3E}">
-        <p14:creationId xmlns:p14="http://schemas.microsoft.com/office/powerpoint/2010/main" val="4133915245"/>
+        <p14:creationId xmlns:p14="http://schemas.microsoft.com/office/powerpoint/2010/main" val="258678966"/>
       </p:ext>
     </p:extLst>
   </p:cSld>
@@ -12256,9 +12073,187 @@
         </p:nvSpPr>
         <p:spPr/>
         <p:txBody>
-          <a:bodyPr/>
+          <a:bodyPr>
+            <a:normAutofit/>
+          </a:bodyPr>
           <a:lstStyle/>
           <a:p>
+            <a:pPr marL="337185" indent="-285750">
+              <a:buFont typeface="Arial" panose="020B0604020202020204" pitchFamily="34" charset="0"/>
+              <a:buChar char="•"/>
+            </a:pPr>
+            <a:r>
+              <a:rPr lang="en-US" sz="1200" dirty="0">
+                <a:solidFill>
+                  <a:schemeClr val="bg2">
+                    <a:lumMod val="25000"/>
+                  </a:schemeClr>
+                </a:solidFill>
+              </a:rPr>
+              <a:t>State machine with a safe state</a:t>
+            </a:r>
+            <a:br>
+              <a:rPr lang="en-US" sz="1200" dirty="0">
+                <a:solidFill>
+                  <a:schemeClr val="bg2">
+                    <a:lumMod val="25000"/>
+                  </a:schemeClr>
+                </a:solidFill>
+              </a:rPr>
+            </a:br>
+            <a:endParaRPr lang="en-US" sz="1200" dirty="0">
+              <a:solidFill>
+                <a:schemeClr val="bg2">
+                  <a:lumMod val="25000"/>
+                </a:schemeClr>
+              </a:solidFill>
+            </a:endParaRPr>
+          </a:p>
+          <a:p>
+            <a:pPr marL="337185" indent="-285750">
+              <a:buFont typeface="Arial" panose="020B0604020202020204" pitchFamily="34" charset="0"/>
+              <a:buChar char="•"/>
+            </a:pPr>
+            <a:r>
+              <a:rPr lang="en-US" sz="1200" dirty="0">
+                <a:solidFill>
+                  <a:schemeClr val="bg2">
+                    <a:lumMod val="25000"/>
+                  </a:schemeClr>
+                </a:solidFill>
+              </a:rPr>
+              <a:t>Sequentially executes Input, Process, and Output methods of each plugin</a:t>
+            </a:r>
+          </a:p>
+          <a:p>
+            <a:pPr marL="51435"/>
+            <a:endParaRPr lang="en-US" sz="1200" dirty="0">
+              <a:solidFill>
+                <a:schemeClr val="bg2">
+                  <a:lumMod val="25000"/>
+                </a:schemeClr>
+              </a:solidFill>
+            </a:endParaRPr>
+          </a:p>
+          <a:p>
+            <a:pPr marL="337185" indent="-285750">
+              <a:buFont typeface="Arial" panose="020B0604020202020204" pitchFamily="34" charset="0"/>
+              <a:buChar char="•"/>
+            </a:pPr>
+            <a:r>
+              <a:rPr lang="en-US" sz="1200" dirty="0">
+                <a:solidFill>
+                  <a:schemeClr val="bg2">
+                    <a:lumMod val="25000"/>
+                  </a:schemeClr>
+                </a:solidFill>
+              </a:rPr>
+              <a:t>Passes latest value data between plugins</a:t>
+            </a:r>
+          </a:p>
+          <a:p>
+            <a:pPr marL="51435"/>
+            <a:endParaRPr lang="en-US" sz="1200" dirty="0">
+              <a:solidFill>
+                <a:schemeClr val="bg2">
+                  <a:lumMod val="25000"/>
+                </a:schemeClr>
+              </a:solidFill>
+            </a:endParaRPr>
+          </a:p>
+          <a:p>
+            <a:pPr marL="337185" indent="-285750">
+              <a:buFont typeface="Arial" panose="020B0604020202020204" pitchFamily="34" charset="0"/>
+              <a:buChar char="•"/>
+            </a:pPr>
+            <a:r>
+              <a:rPr lang="en-US" sz="1200" dirty="0">
+                <a:solidFill>
+                  <a:schemeClr val="bg2">
+                    <a:lumMod val="25000"/>
+                  </a:schemeClr>
+                </a:solidFill>
+              </a:rPr>
+              <a:t>Configurable execution timing</a:t>
+            </a:r>
+          </a:p>
+          <a:p>
+            <a:pPr marL="51435"/>
+            <a:endParaRPr lang="en-US" sz="1200" dirty="0">
+              <a:solidFill>
+                <a:schemeClr val="bg2">
+                  <a:lumMod val="25000"/>
+                </a:schemeClr>
+              </a:solidFill>
+            </a:endParaRPr>
+          </a:p>
+          <a:p>
+            <a:pPr marL="337185" indent="-285750">
+              <a:buFont typeface="Arial" panose="020B0604020202020204" pitchFamily="34" charset="0"/>
+              <a:buChar char="•"/>
+            </a:pPr>
+            <a:r>
+              <a:rPr lang="en-US" sz="1200" dirty="0">
+                <a:solidFill>
+                  <a:schemeClr val="bg2">
+                    <a:lumMod val="25000"/>
+                  </a:schemeClr>
+                </a:solidFill>
+              </a:rPr>
+              <a:t>Built-in error reporting and recovery</a:t>
+            </a:r>
+          </a:p>
+          <a:p>
+            <a:pPr marL="337185" indent="-285750">
+              <a:buFont typeface="Arial" panose="020B0604020202020204" pitchFamily="34" charset="0"/>
+              <a:buChar char="•"/>
+            </a:pPr>
+            <a:endParaRPr lang="en-US" sz="1200" dirty="0">
+              <a:solidFill>
+                <a:schemeClr val="bg2">
+                  <a:lumMod val="25000"/>
+                </a:schemeClr>
+              </a:solidFill>
+            </a:endParaRPr>
+          </a:p>
+          <a:p>
+            <a:pPr marL="337185" indent="-285750">
+              <a:buFont typeface="Arial" panose="020B0604020202020204" pitchFamily="34" charset="0"/>
+              <a:buChar char="•"/>
+            </a:pPr>
+            <a:r>
+              <a:rPr lang="en-US" sz="1200" dirty="0">
+                <a:solidFill>
+                  <a:schemeClr val="bg2">
+                    <a:lumMod val="25000"/>
+                  </a:schemeClr>
+                </a:solidFill>
+              </a:rPr>
+              <a:t>Prevent Race conditions, memory</a:t>
+            </a:r>
+            <a:r>
+              <a:rPr lang="en-US" sz="1200" baseline="0" dirty="0">
+                <a:solidFill>
+                  <a:schemeClr val="bg2">
+                    <a:lumMod val="25000"/>
+                  </a:schemeClr>
+                </a:solidFill>
+              </a:rPr>
+              <a:t> allocations, thread starvation, etc.</a:t>
+            </a:r>
+            <a:endParaRPr lang="en-US" sz="1200" dirty="0">
+              <a:solidFill>
+                <a:schemeClr val="bg2">
+                  <a:lumMod val="25000"/>
+                </a:schemeClr>
+              </a:solidFill>
+            </a:endParaRPr>
+          </a:p>
+          <a:p>
+            <a:pPr marL="51435" indent="0">
+              <a:buFont typeface="Arial" panose="020B0604020202020204" pitchFamily="34" charset="0"/>
+              <a:buNone/>
+            </a:pPr>
             <a:endParaRPr lang="en-US" dirty="0"/>
           </a:p>
         </p:txBody>
@@ -12278,18 +12273,27 @@
           <a:bodyPr/>
           <a:lstStyle/>
           <a:p>
-            <a:fld id="{E78E71CD-9786-4621-AA97-B53C62C3E534}" type="slidenum">
-              <a:rPr lang="en-US" smtClean="0"/>
-              <a:t>25</a:t>
+            <a:fld id="{415FA569-94E5-4539-9DDA-647D2D9DEE0B}" type="slidenum">
+              <a:rPr lang="en-US" smtClean="0">
+                <a:solidFill>
+                  <a:prstClr val="black"/>
+                </a:solidFill>
+              </a:rPr>
+              <a:pPr/>
+              <a:t>29</a:t>
             </a:fld>
-            <a:endParaRPr lang="en-US"/>
+            <a:endParaRPr lang="en-US" dirty="0">
+              <a:solidFill>
+                <a:prstClr val="black"/>
+              </a:solidFill>
+            </a:endParaRPr>
           </a:p>
         </p:txBody>
       </p:sp>
     </p:spTree>
     <p:extLst>
       <p:ext uri="{BB962C8B-B14F-4D97-AF65-F5344CB8AC3E}">
-        <p14:creationId xmlns:p14="http://schemas.microsoft.com/office/powerpoint/2010/main" val="3109932392"/>
+        <p14:creationId xmlns:p14="http://schemas.microsoft.com/office/powerpoint/2010/main" val="3021661987"/>
       </p:ext>
     </p:extLst>
   </p:cSld>
@@ -12345,12 +12349,72 @@
           <a:p>
             <a:r>
               <a:rPr lang="en-US" dirty="0"/>
-              <a:t>Application</a:t>
-            </a:r>
-            <a:r>
-              <a:rPr lang="en-US" baseline="0" dirty="0"/>
-              <a:t> templates exist in addition to the plugin templates.</a:t>
-            </a:r>
+              <a:t>DCAF was designed for systems in which the main data transfer is tags.</a:t>
+            </a:r>
+          </a:p>
+          <a:p>
+            <a:r>
+              <a:rPr lang="en-US" dirty="0"/>
+              <a:t>LabVIEW offers many options to manage tags. </a:t>
+            </a:r>
+          </a:p>
+          <a:p>
+            <a:endParaRPr lang="en-US" dirty="0"/>
+          </a:p>
+          <a:p>
+            <a:r>
+              <a:rPr lang="en-US" dirty="0"/>
+              <a:t>But for design we had 3 main guidelines and they could not be achieved with the current options. </a:t>
+            </a:r>
+          </a:p>
+          <a:p>
+            <a:endParaRPr lang="en-US" dirty="0"/>
+          </a:p>
+          <a:p>
+            <a:endParaRPr lang="en-US" dirty="0"/>
+          </a:p>
+          <a:p>
+            <a:endParaRPr lang="en-US" dirty="0"/>
+          </a:p>
+          <a:p>
+            <a:r>
+              <a:rPr lang="en-US" dirty="0"/>
+              <a:t>What's the need?</a:t>
+            </a:r>
+          </a:p>
+          <a:p>
+            <a:r>
+              <a:rPr lang="en-US" dirty="0"/>
+              <a:t>Limited Solutions:</a:t>
+            </a:r>
+          </a:p>
+          <a:p>
+            <a:pPr lvl="1"/>
+            <a:r>
+              <a:rPr lang="en-US" dirty="0"/>
+              <a:t>Variables</a:t>
+            </a:r>
+          </a:p>
+          <a:p>
+            <a:pPr lvl="1"/>
+            <a:r>
+              <a:rPr lang="en-US" dirty="0"/>
+              <a:t>CVT</a:t>
+            </a:r>
+          </a:p>
+          <a:p>
+            <a:r>
+              <a:rPr lang="en-US" dirty="0"/>
+              <a:t>Scope</a:t>
+            </a:r>
+          </a:p>
+          <a:p>
+            <a:r>
+              <a:rPr lang="en-US" dirty="0"/>
+              <a:t>Data Types</a:t>
+            </a:r>
+          </a:p>
+          <a:p>
             <a:endParaRPr lang="en-US" dirty="0"/>
           </a:p>
         </p:txBody>
@@ -12370,18 +12434,18 @@
           <a:bodyPr/>
           <a:lstStyle/>
           <a:p>
-            <a:fld id="{15F80049-26F3-4D89-A0B2-4E12138F92A1}" type="slidenum">
+            <a:fld id="{851B3976-BA5C-4172-B420-FFE6D6004C76}" type="slidenum">
               <a:rPr lang="en-US" smtClean="0"/>
-              <a:t>27</a:t>
+              <a:t>32</a:t>
             </a:fld>
-            <a:endParaRPr lang="en-US"/>
+            <a:endParaRPr lang="en-US" dirty="0"/>
           </a:p>
         </p:txBody>
       </p:sp>
     </p:spTree>
     <p:extLst>
       <p:ext uri="{BB962C8B-B14F-4D97-AF65-F5344CB8AC3E}">
-        <p14:creationId xmlns:p14="http://schemas.microsoft.com/office/powerpoint/2010/main" val="4270490914"/>
+        <p14:creationId xmlns:p14="http://schemas.microsoft.com/office/powerpoint/2010/main" val="831469265"/>
       </p:ext>
     </p:extLst>
   </p:cSld>
@@ -12437,7 +12501,13 @@
           <a:p>
             <a:r>
               <a:rPr lang="en-US" dirty="0"/>
-              <a:t>Useful for navigating Tools Network packages and GitHub Repos</a:t>
+              <a:t>Major issue with clustersauruses: data copies of the cluster and accidentally stomping on data, especially if sending the whole cluster into every user of the cluster</a:t>
+            </a:r>
+          </a:p>
+          <a:p>
+            <a:r>
+              <a:rPr lang="en-US" dirty="0"/>
+              <a:t>Solution: break up the cluster such that each user of the cluster gets the minimum data set it needs and prevent useless data copies when getting/setting the values from the main cluster</a:t>
             </a:r>
           </a:p>
           <a:p>
@@ -12446,13 +12516,17 @@
           <a:p>
             <a:r>
               <a:rPr lang="en-US" dirty="0"/>
-              <a:t>May be the largest</a:t>
-            </a:r>
-            <a:r>
-              <a:rPr lang="en-US" baseline="0" dirty="0"/>
-              <a:t> open source LabVIEW development project</a:t>
-            </a:r>
+              <a:t>Each DCAF module gets a “mini” tag bus containing only the data used by that module.  Scripting templates take care of all data access operations on the mini-tag bus in the module for most common use cases.</a:t>
+            </a:r>
+          </a:p>
+          <a:p>
             <a:endParaRPr lang="en-US" dirty="0"/>
+          </a:p>
+          <a:p>
+            <a:r>
+              <a:rPr lang="en-US" dirty="0"/>
+              <a:t>Use of in-place operations, plus never branching the main tag bus wire, prevent copies of the main cluster</a:t>
+            </a:r>
           </a:p>
         </p:txBody>
       </p:sp>
@@ -12471,18 +12545,18 @@
           <a:bodyPr/>
           <a:lstStyle/>
           <a:p>
-            <a:fld id="{29B424A6-7593-2C46-9CCA-8596FB18DBBE}" type="slidenum">
+            <a:fld id="{851B3976-BA5C-4172-B420-FFE6D6004C76}" type="slidenum">
               <a:rPr lang="en-US" smtClean="0"/>
-              <a:t>29</a:t>
+              <a:t>35</a:t>
             </a:fld>
-            <a:endParaRPr lang="en-US"/>
+            <a:endParaRPr lang="en-US" dirty="0"/>
           </a:p>
         </p:txBody>
       </p:sp>
     </p:spTree>
     <p:extLst>
       <p:ext uri="{BB962C8B-B14F-4D97-AF65-F5344CB8AC3E}">
-        <p14:creationId xmlns:p14="http://schemas.microsoft.com/office/powerpoint/2010/main" val="3113426830"/>
+        <p14:creationId xmlns:p14="http://schemas.microsoft.com/office/powerpoint/2010/main" val="1236117937"/>
       </p:ext>
     </p:extLst>
   </p:cSld>
@@ -12557,7 +12631,7 @@
           <a:p>
             <a:fld id="{E78E71CD-9786-4621-AA97-B53C62C3E534}" type="slidenum">
               <a:rPr lang="en-US" smtClean="0"/>
-              <a:t>30</a:t>
+              <a:t>36</a:t>
             </a:fld>
             <a:endParaRPr lang="en-US"/>
           </a:p>
@@ -12566,7 +12640,7 @@
     </p:spTree>
     <p:extLst>
       <p:ext uri="{BB962C8B-B14F-4D97-AF65-F5344CB8AC3E}">
-        <p14:creationId xmlns:p14="http://schemas.microsoft.com/office/powerpoint/2010/main" val="2100401630"/>
+        <p14:creationId xmlns:p14="http://schemas.microsoft.com/office/powerpoint/2010/main" val="4133915245"/>
       </p:ext>
     </p:extLst>
   </p:cSld>
@@ -12617,47 +12691,74 @@
         </p:nvSpPr>
         <p:spPr/>
         <p:txBody>
-          <a:bodyPr>
-            <a:normAutofit/>
-          </a:bodyPr>
+          <a:bodyPr/>
           <a:lstStyle/>
           <a:p>
-            <a:pPr marL="0" marR="0" indent="0" algn="l" defTabSz="914400" rtl="0" eaLnBrk="1" fontAlgn="auto" latinLnBrk="0" hangingPunct="1">
-              <a:lnSpc>
-                <a:spcPct val="100000"/>
-              </a:lnSpc>
-              <a:spcBef>
-                <a:spcPts val="0"/>
-              </a:spcBef>
-              <a:spcAft>
-                <a:spcPts val="0"/>
-              </a:spcAft>
-              <a:buClrTx/>
-              <a:buSzTx/>
-              <a:buFontTx/>
-              <a:buNone/>
-              <a:tabLst/>
-              <a:defRPr/>
-            </a:pPr>
+            <a:r>
+              <a:rPr lang="en-US" dirty="0"/>
+              <a:t>RT, FPGA, and UI programming can vary widely in style and knowledge requirements. Being proficient</a:t>
+            </a:r>
             <a:r>
               <a:rPr lang="en-US" baseline="0" dirty="0"/>
-              <a:t>The Tag Bus Data Framework or TBDF is an open-source LabVIEW framework for creating configurable, latest value, data engines that can acquire data from multiple input sources, process that data, and then route it back to outputs or to data services.
-It provides a scalable and extensible plugin architecture.
-It supports users in the development of new plugins with a variety of templates…
-…and the framework was designed to allow plugins to be reused easily across projects.
-Reuse is easy because each plugin can define configuration parameters which can be specified using a configuration editor.  This also allows plugin behavior to change across multiple deployments of the same application.
-While applicable to a wide variety of use-cases, the framework was primarily built for applications using a lot of single point I/O:  things like control data or industrial communication protocols.
-The plugin architecture helps facilitate </a:t>
+              <a:t> in all three takes both training and experience.</a:t>
+            </a:r>
+          </a:p>
+          <a:p>
+            <a:r>
+              <a:rPr lang="en-US" baseline="0" dirty="0"/>
+              <a:t>Distributed I/O and execution means a variety of communication protocols to learn. CAN, </a:t>
             </a:r>
             <a:r>
               <a:rPr lang="en-US" baseline="0" dirty="0" err="1"/>
-              <a:t>multideveloper</a:t>
+              <a:t>EtherCAT</a:t>
             </a:r>
             <a:r>
               <a:rPr lang="en-US" baseline="0" dirty="0"/>
-              <a:t> teams, 
-and the framework handles the intricacies of execution timing and error handling for its users.
-Finally, while the framework can run on RT, Windows, and Interact with FPGAs, it was built primarily for applications executing on a real-time OS.</a:t>
+              <a:t>, UDP, TCP, AMQP, and possibly even the upcoming </a:t>
+            </a:r>
+            <a:r>
+              <a:rPr lang="en-US" baseline="0" dirty="0" err="1"/>
+              <a:t>IIoT</a:t>
+            </a:r>
+            <a:r>
+              <a:rPr lang="en-US" baseline="0" dirty="0"/>
+              <a:t> protocols may all be involved.</a:t>
+            </a:r>
+          </a:p>
+          <a:p>
+            <a:r>
+              <a:rPr lang="en-US" baseline="0" dirty="0"/>
+              <a:t>Execution guarantees require knowledge of deterministic programming techniques. Understanding why something failed requires built-in diagnostics and good error handling.</a:t>
+            </a:r>
+          </a:p>
+          <a:p>
+            <a:r>
+              <a:rPr lang="en-US" baseline="0" dirty="0"/>
+              <a:t>High availability means programs need to be able to run for months or longer without stopping. They also need to be able to recover from a failure automatically.</a:t>
+            </a:r>
+          </a:p>
+          <a:p>
+            <a:r>
+              <a:rPr lang="en-US" baseline="0" dirty="0"/>
+              <a:t>No two machines are exactly the same. Tuning, features, parameters often need to be tweaked during setup. This requires extensive and powerful parameterization, which ideally is built into the code before it is needed.</a:t>
+            </a:r>
+          </a:p>
+          <a:p>
+            <a:r>
+              <a:rPr lang="en-US" baseline="0" dirty="0"/>
+              <a:t>These machines are typically built to last. Development teams need a strategy for how to get updates to the code. How do bug fixes or new features get deployed reliably?</a:t>
+            </a:r>
+          </a:p>
+          <a:p>
+            <a:r>
+              <a:rPr lang="en-US" baseline="0" dirty="0"/>
+              <a:t>These systems are often complex enough and with a tight enough timeline to require multiple software developers. Multi-developer teams don’t work efficiently overnight, and require training and process investments to really flourish.</a:t>
+            </a:r>
+          </a:p>
+          <a:p>
+            <a:r>
+              <a:rPr lang="en-US" baseline="0" dirty="0"/>
+              <a:t>To top it all off, the functionality for these machines in terms of their primary tasks are complex and getting even more so. It also needs to do those tasks better than the competition.</a:t>
             </a:r>
           </a:p>
         </p:txBody>
@@ -12677,27 +12778,18 @@
           <a:bodyPr/>
           <a:lstStyle/>
           <a:p>
-            <a:fld id="{29B424A6-7593-2C46-9CCA-8596FB18DBBE}" type="slidenum">
-              <a:rPr lang="en-US" smtClean="0">
-                <a:solidFill>
-                  <a:prstClr val="black"/>
-                </a:solidFill>
-              </a:rPr>
-              <a:pPr/>
-              <a:t>6</a:t>
+            <a:fld id="{15F80049-26F3-4D89-A0B2-4E12138F92A1}" type="slidenum">
+              <a:rPr lang="en-US" smtClean="0"/>
+              <a:t>5</a:t>
             </a:fld>
-            <a:endParaRPr lang="en-US">
-              <a:solidFill>
-                <a:prstClr val="black"/>
-              </a:solidFill>
-            </a:endParaRPr>
+            <a:endParaRPr lang="en-US"/>
           </a:p>
         </p:txBody>
       </p:sp>
     </p:spTree>
     <p:extLst>
       <p:ext uri="{BB962C8B-B14F-4D97-AF65-F5344CB8AC3E}">
-        <p14:creationId xmlns:p14="http://schemas.microsoft.com/office/powerpoint/2010/main" val="1584412237"/>
+        <p14:creationId xmlns:p14="http://schemas.microsoft.com/office/powerpoint/2010/main" val="3468069098"/>
       </p:ext>
     </p:extLst>
   </p:cSld>
@@ -12751,6 +12843,23 @@
           <a:bodyPr/>
           <a:lstStyle/>
           <a:p>
+            <a:r>
+              <a:rPr lang="en-US" dirty="0"/>
+              <a:t>Useful for navigating Tools Network packages and GitHub Repos</a:t>
+            </a:r>
+          </a:p>
+          <a:p>
+            <a:endParaRPr lang="en-US" dirty="0"/>
+          </a:p>
+          <a:p>
+            <a:r>
+              <a:rPr lang="en-US" dirty="0"/>
+              <a:t>May be the largest</a:t>
+            </a:r>
+            <a:r>
+              <a:rPr lang="en-US" baseline="0" dirty="0"/>
+              <a:t> open source LabVIEW development project</a:t>
+            </a:r>
             <a:endParaRPr lang="en-US" dirty="0"/>
           </a:p>
         </p:txBody>
@@ -12770,9 +12879,9 @@
           <a:bodyPr/>
           <a:lstStyle/>
           <a:p>
-            <a:fld id="{E78E71CD-9786-4621-AA97-B53C62C3E534}" type="slidenum">
+            <a:fld id="{29B424A6-7593-2C46-9CCA-8596FB18DBBE}" type="slidenum">
               <a:rPr lang="en-US" smtClean="0"/>
-              <a:t>32</a:t>
+              <a:t>37</a:t>
             </a:fld>
             <a:endParaRPr lang="en-US"/>
           </a:p>
@@ -12781,7 +12890,7 @@
     </p:spTree>
     <p:extLst>
       <p:ext uri="{BB962C8B-B14F-4D97-AF65-F5344CB8AC3E}">
-        <p14:creationId xmlns:p14="http://schemas.microsoft.com/office/powerpoint/2010/main" val="3239185914"/>
+        <p14:creationId xmlns:p14="http://schemas.microsoft.com/office/powerpoint/2010/main" val="3113426830"/>
       </p:ext>
     </p:extLst>
   </p:cSld>
@@ -12835,10 +12944,7 @@
           <a:bodyPr/>
           <a:lstStyle/>
           <a:p>
-            <a:r>
-              <a:rPr lang="en-US" dirty="0"/>
-              <a:t>A and C</a:t>
-            </a:r>
+            <a:endParaRPr lang="en-US" dirty="0"/>
           </a:p>
         </p:txBody>
       </p:sp>
@@ -12849,7 +12955,7 @@
             <a:spLocks noGrp="1"/>
           </p:cNvSpPr>
           <p:nvPr>
-            <p:ph type="sldNum" sz="quarter" idx="5"/>
+            <p:ph type="sldNum" sz="quarter" idx="10"/>
           </p:nvPr>
         </p:nvSpPr>
         <p:spPr/>
@@ -12859,7 +12965,7 @@
           <a:p>
             <a:fld id="{E78E71CD-9786-4621-AA97-B53C62C3E534}" type="slidenum">
               <a:rPr lang="en-US" smtClean="0"/>
-              <a:t>33</a:t>
+              <a:t>38</a:t>
             </a:fld>
             <a:endParaRPr lang="en-US"/>
           </a:p>
@@ -12868,7 +12974,7 @@
     </p:spTree>
     <p:extLst>
       <p:ext uri="{BB962C8B-B14F-4D97-AF65-F5344CB8AC3E}">
-        <p14:creationId xmlns:p14="http://schemas.microsoft.com/office/powerpoint/2010/main" val="2125998764"/>
+        <p14:creationId xmlns:p14="http://schemas.microsoft.com/office/powerpoint/2010/main" val="2100401630"/>
       </p:ext>
     </p:extLst>
   </p:cSld>
@@ -12922,10 +13028,7 @@
           <a:bodyPr/>
           <a:lstStyle/>
           <a:p>
-            <a:r>
-              <a:rPr lang="en-US" dirty="0"/>
-              <a:t>A and C</a:t>
-            </a:r>
+            <a:endParaRPr lang="en-US" dirty="0"/>
           </a:p>
         </p:txBody>
       </p:sp>
@@ -12936,7 +13039,7 @@
             <a:spLocks noGrp="1"/>
           </p:cNvSpPr>
           <p:nvPr>
-            <p:ph type="sldNum" sz="quarter" idx="5"/>
+            <p:ph type="sldNum" sz="quarter" idx="10"/>
           </p:nvPr>
         </p:nvSpPr>
         <p:spPr/>
@@ -12946,7 +13049,7 @@
           <a:p>
             <a:fld id="{E78E71CD-9786-4621-AA97-B53C62C3E534}" type="slidenum">
               <a:rPr lang="en-US" smtClean="0"/>
-              <a:t>34</a:t>
+              <a:t>40</a:t>
             </a:fld>
             <a:endParaRPr lang="en-US"/>
           </a:p>
@@ -12955,7 +13058,7 @@
     </p:spTree>
     <p:extLst>
       <p:ext uri="{BB962C8B-B14F-4D97-AF65-F5344CB8AC3E}">
-        <p14:creationId xmlns:p14="http://schemas.microsoft.com/office/powerpoint/2010/main" val="740785985"/>
+        <p14:creationId xmlns:p14="http://schemas.microsoft.com/office/powerpoint/2010/main" val="3239185914"/>
       </p:ext>
     </p:extLst>
   </p:cSld>
@@ -13011,7 +13114,7 @@
           <a:p>
             <a:r>
               <a:rPr lang="en-US" dirty="0"/>
-              <a:t>B</a:t>
+              <a:t>A and C</a:t>
             </a:r>
           </a:p>
         </p:txBody>
@@ -13033,7 +13136,7 @@
           <a:p>
             <a:fld id="{E78E71CD-9786-4621-AA97-B53C62C3E534}" type="slidenum">
               <a:rPr lang="en-US" smtClean="0"/>
-              <a:t>35</a:t>
+              <a:t>41</a:t>
             </a:fld>
             <a:endParaRPr lang="en-US"/>
           </a:p>
@@ -13042,7 +13145,7 @@
     </p:spTree>
     <p:extLst>
       <p:ext uri="{BB962C8B-B14F-4D97-AF65-F5344CB8AC3E}">
-        <p14:creationId xmlns:p14="http://schemas.microsoft.com/office/powerpoint/2010/main" val="4212428300"/>
+        <p14:creationId xmlns:p14="http://schemas.microsoft.com/office/powerpoint/2010/main" val="2125998764"/>
       </p:ext>
     </p:extLst>
   </p:cSld>
@@ -13098,7 +13201,7 @@
           <a:p>
             <a:r>
               <a:rPr lang="en-US" dirty="0"/>
-              <a:t>B</a:t>
+              <a:t>A and C</a:t>
             </a:r>
           </a:p>
         </p:txBody>
@@ -13120,7 +13223,7 @@
           <a:p>
             <a:fld id="{E78E71CD-9786-4621-AA97-B53C62C3E534}" type="slidenum">
               <a:rPr lang="en-US" smtClean="0"/>
-              <a:t>36</a:t>
+              <a:t>42</a:t>
             </a:fld>
             <a:endParaRPr lang="en-US"/>
           </a:p>
@@ -13129,7 +13232,7 @@
     </p:spTree>
     <p:extLst>
       <p:ext uri="{BB962C8B-B14F-4D97-AF65-F5344CB8AC3E}">
-        <p14:creationId xmlns:p14="http://schemas.microsoft.com/office/powerpoint/2010/main" val="2047478687"/>
+        <p14:creationId xmlns:p14="http://schemas.microsoft.com/office/powerpoint/2010/main" val="740785985"/>
       </p:ext>
     </p:extLst>
   </p:cSld>
@@ -13207,7 +13310,7 @@
           <a:p>
             <a:fld id="{E78E71CD-9786-4621-AA97-B53C62C3E534}" type="slidenum">
               <a:rPr lang="en-US" smtClean="0"/>
-              <a:t>37</a:t>
+              <a:t>43</a:t>
             </a:fld>
             <a:endParaRPr lang="en-US"/>
           </a:p>
@@ -13216,7 +13319,7 @@
     </p:spTree>
     <p:extLst>
       <p:ext uri="{BB962C8B-B14F-4D97-AF65-F5344CB8AC3E}">
-        <p14:creationId xmlns:p14="http://schemas.microsoft.com/office/powerpoint/2010/main" val="3653269813"/>
+        <p14:creationId xmlns:p14="http://schemas.microsoft.com/office/powerpoint/2010/main" val="4212428300"/>
       </p:ext>
     </p:extLst>
   </p:cSld>
@@ -13294,7 +13397,7 @@
           <a:p>
             <a:fld id="{E78E71CD-9786-4621-AA97-B53C62C3E534}" type="slidenum">
               <a:rPr lang="en-US" smtClean="0"/>
-              <a:t>38</a:t>
+              <a:t>44</a:t>
             </a:fld>
             <a:endParaRPr lang="en-US"/>
           </a:p>
@@ -13303,7 +13406,7 @@
     </p:spTree>
     <p:extLst>
       <p:ext uri="{BB962C8B-B14F-4D97-AF65-F5344CB8AC3E}">
-        <p14:creationId xmlns:p14="http://schemas.microsoft.com/office/powerpoint/2010/main" val="319883253"/>
+        <p14:creationId xmlns:p14="http://schemas.microsoft.com/office/powerpoint/2010/main" val="2047478687"/>
       </p:ext>
     </p:extLst>
   </p:cSld>
@@ -13357,6 +13460,180 @@
           <a:bodyPr/>
           <a:lstStyle/>
           <a:p>
+            <a:r>
+              <a:rPr lang="en-US" dirty="0"/>
+              <a:t>B</a:t>
+            </a:r>
+          </a:p>
+        </p:txBody>
+      </p:sp>
+      <p:sp>
+        <p:nvSpPr>
+          <p:cNvPr id="4" name="Slide Number Placeholder 3"/>
+          <p:cNvSpPr>
+            <a:spLocks noGrp="1"/>
+          </p:cNvSpPr>
+          <p:nvPr>
+            <p:ph type="sldNum" sz="quarter" idx="5"/>
+          </p:nvPr>
+        </p:nvSpPr>
+        <p:spPr/>
+        <p:txBody>
+          <a:bodyPr/>
+          <a:lstStyle/>
+          <a:p>
+            <a:fld id="{E78E71CD-9786-4621-AA97-B53C62C3E534}" type="slidenum">
+              <a:rPr lang="en-US" smtClean="0"/>
+              <a:t>45</a:t>
+            </a:fld>
+            <a:endParaRPr lang="en-US"/>
+          </a:p>
+        </p:txBody>
+      </p:sp>
+    </p:spTree>
+    <p:extLst>
+      <p:ext uri="{BB962C8B-B14F-4D97-AF65-F5344CB8AC3E}">
+        <p14:creationId xmlns:p14="http://schemas.microsoft.com/office/powerpoint/2010/main" val="3653269813"/>
+      </p:ext>
+    </p:extLst>
+  </p:cSld>
+  <p:clrMapOvr>
+    <a:masterClrMapping/>
+  </p:clrMapOvr>
+</p:notes>
+</file>
+
+<file path=ppt/notesSlides/notesSlide28.xml><?xml version="1.0" encoding="utf-8"?>
+<p:notes xmlns:a="http://schemas.openxmlformats.org/drawingml/2006/main" xmlns:r="http://schemas.openxmlformats.org/officeDocument/2006/relationships" xmlns:p="http://schemas.openxmlformats.org/presentationml/2006/main">
+  <p:cSld>
+    <p:spTree>
+      <p:nvGrpSpPr>
+        <p:cNvPr id="1" name=""/>
+        <p:cNvGrpSpPr/>
+        <p:nvPr/>
+      </p:nvGrpSpPr>
+      <p:grpSpPr>
+        <a:xfrm>
+          <a:off x="0" y="0"/>
+          <a:ext cx="0" cy="0"/>
+          <a:chOff x="0" y="0"/>
+          <a:chExt cx="0" cy="0"/>
+        </a:xfrm>
+      </p:grpSpPr>
+      <p:sp>
+        <p:nvSpPr>
+          <p:cNvPr id="2" name="Slide Image Placeholder 1"/>
+          <p:cNvSpPr>
+            <a:spLocks noGrp="1" noRot="1" noChangeAspect="1"/>
+          </p:cNvSpPr>
+          <p:nvPr>
+            <p:ph type="sldImg"/>
+          </p:nvPr>
+        </p:nvSpPr>
+        <p:spPr/>
+      </p:sp>
+      <p:sp>
+        <p:nvSpPr>
+          <p:cNvPr id="3" name="Notes Placeholder 2"/>
+          <p:cNvSpPr>
+            <a:spLocks noGrp="1"/>
+          </p:cNvSpPr>
+          <p:nvPr>
+            <p:ph type="body" idx="1"/>
+          </p:nvPr>
+        </p:nvSpPr>
+        <p:spPr/>
+        <p:txBody>
+          <a:bodyPr/>
+          <a:lstStyle/>
+          <a:p>
+            <a:r>
+              <a:rPr lang="en-US" dirty="0"/>
+              <a:t>B</a:t>
+            </a:r>
+          </a:p>
+        </p:txBody>
+      </p:sp>
+      <p:sp>
+        <p:nvSpPr>
+          <p:cNvPr id="4" name="Slide Number Placeholder 3"/>
+          <p:cNvSpPr>
+            <a:spLocks noGrp="1"/>
+          </p:cNvSpPr>
+          <p:nvPr>
+            <p:ph type="sldNum" sz="quarter" idx="5"/>
+          </p:nvPr>
+        </p:nvSpPr>
+        <p:spPr/>
+        <p:txBody>
+          <a:bodyPr/>
+          <a:lstStyle/>
+          <a:p>
+            <a:fld id="{E78E71CD-9786-4621-AA97-B53C62C3E534}" type="slidenum">
+              <a:rPr lang="en-US" smtClean="0"/>
+              <a:t>46</a:t>
+            </a:fld>
+            <a:endParaRPr lang="en-US"/>
+          </a:p>
+        </p:txBody>
+      </p:sp>
+    </p:spTree>
+    <p:extLst>
+      <p:ext uri="{BB962C8B-B14F-4D97-AF65-F5344CB8AC3E}">
+        <p14:creationId xmlns:p14="http://schemas.microsoft.com/office/powerpoint/2010/main" val="319883253"/>
+      </p:ext>
+    </p:extLst>
+  </p:cSld>
+  <p:clrMapOvr>
+    <a:masterClrMapping/>
+  </p:clrMapOvr>
+</p:notes>
+</file>
+
+<file path=ppt/notesSlides/notesSlide29.xml><?xml version="1.0" encoding="utf-8"?>
+<p:notes xmlns:a="http://schemas.openxmlformats.org/drawingml/2006/main" xmlns:r="http://schemas.openxmlformats.org/officeDocument/2006/relationships" xmlns:p="http://schemas.openxmlformats.org/presentationml/2006/main">
+  <p:cSld>
+    <p:spTree>
+      <p:nvGrpSpPr>
+        <p:cNvPr id="1" name=""/>
+        <p:cNvGrpSpPr/>
+        <p:nvPr/>
+      </p:nvGrpSpPr>
+      <p:grpSpPr>
+        <a:xfrm>
+          <a:off x="0" y="0"/>
+          <a:ext cx="0" cy="0"/>
+          <a:chOff x="0" y="0"/>
+          <a:chExt cx="0" cy="0"/>
+        </a:xfrm>
+      </p:grpSpPr>
+      <p:sp>
+        <p:nvSpPr>
+          <p:cNvPr id="2" name="Slide Image Placeholder 1"/>
+          <p:cNvSpPr>
+            <a:spLocks noGrp="1" noRot="1" noChangeAspect="1"/>
+          </p:cNvSpPr>
+          <p:nvPr>
+            <p:ph type="sldImg"/>
+          </p:nvPr>
+        </p:nvSpPr>
+        <p:spPr/>
+      </p:sp>
+      <p:sp>
+        <p:nvSpPr>
+          <p:cNvPr id="3" name="Notes Placeholder 2"/>
+          <p:cNvSpPr>
+            <a:spLocks noGrp="1"/>
+          </p:cNvSpPr>
+          <p:nvPr>
+            <p:ph type="body" idx="1"/>
+          </p:nvPr>
+        </p:nvSpPr>
+        <p:spPr/>
+        <p:txBody>
+          <a:bodyPr/>
+          <a:lstStyle/>
+          <a:p>
             <a:endParaRPr lang="en-US" dirty="0"/>
           </a:p>
         </p:txBody>
@@ -13378,7 +13655,7 @@
           <a:p>
             <a:fld id="{E78E71CD-9786-4621-AA97-B53C62C3E534}" type="slidenum">
               <a:rPr lang="en-US" smtClean="0"/>
-              <a:t>39</a:t>
+              <a:t>47</a:t>
             </a:fld>
             <a:endParaRPr lang="en-US"/>
           </a:p>
@@ -13438,6 +13715,137 @@
         </p:nvSpPr>
         <p:spPr/>
         <p:txBody>
+          <a:bodyPr>
+            <a:normAutofit/>
+          </a:bodyPr>
+          <a:lstStyle/>
+          <a:p>
+            <a:pPr marL="0" marR="0" indent="0" algn="l" defTabSz="914400" rtl="0" eaLnBrk="1" fontAlgn="auto" latinLnBrk="0" hangingPunct="1">
+              <a:lnSpc>
+                <a:spcPct val="100000"/>
+              </a:lnSpc>
+              <a:spcBef>
+                <a:spcPts val="0"/>
+              </a:spcBef>
+              <a:spcAft>
+                <a:spcPts val="0"/>
+              </a:spcAft>
+              <a:buClrTx/>
+              <a:buSzTx/>
+              <a:buFontTx/>
+              <a:buNone/>
+              <a:tabLst/>
+              <a:defRPr/>
+            </a:pPr>
+            <a:r>
+              <a:rPr lang="en-US" baseline="0" dirty="0"/>
+              <a:t>The Tag Bus Data Framework or TBDF is an open-source LabVIEW framework for creating configurable, latest value, data engines that can acquire data from multiple input sources, process that data, and then route it back to outputs or to data services.
+It provides a scalable and extensible plugin architecture.
+It supports users in the development of new plugins with a variety of templates…
+…and the framework was designed to allow plugins to be reused easily across projects.
+Reuse is easy because each plugin can define configuration parameters which can be specified using a configuration editor.  This also allows plugin behavior to change across multiple deployments of the same application.
+While applicable to a wide variety of use-cases, the framework was primarily built for applications using a lot of single point I/O:  things like control data or industrial communication protocols.
+The plugin architecture helps facilitate </a:t>
+            </a:r>
+            <a:r>
+              <a:rPr lang="en-US" baseline="0" dirty="0" err="1"/>
+              <a:t>multideveloper</a:t>
+            </a:r>
+            <a:r>
+              <a:rPr lang="en-US" baseline="0" dirty="0"/>
+              <a:t> teams, 
+and the framework handles the intricacies of execution timing and error handling for its users.
+Finally, while the framework can run on RT, Windows, and Interact with FPGAs, it was built primarily for applications executing on a real-time OS.</a:t>
+            </a:r>
+          </a:p>
+        </p:txBody>
+      </p:sp>
+      <p:sp>
+        <p:nvSpPr>
+          <p:cNvPr id="4" name="Slide Number Placeholder 3"/>
+          <p:cNvSpPr>
+            <a:spLocks noGrp="1"/>
+          </p:cNvSpPr>
+          <p:nvPr>
+            <p:ph type="sldNum" sz="quarter" idx="10"/>
+          </p:nvPr>
+        </p:nvSpPr>
+        <p:spPr/>
+        <p:txBody>
+          <a:bodyPr/>
+          <a:lstStyle/>
+          <a:p>
+            <a:fld id="{29B424A6-7593-2C46-9CCA-8596FB18DBBE}" type="slidenum">
+              <a:rPr lang="en-US" smtClean="0">
+                <a:solidFill>
+                  <a:prstClr val="black"/>
+                </a:solidFill>
+              </a:rPr>
+              <a:pPr/>
+              <a:t>6</a:t>
+            </a:fld>
+            <a:endParaRPr lang="en-US">
+              <a:solidFill>
+                <a:prstClr val="black"/>
+              </a:solidFill>
+            </a:endParaRPr>
+          </a:p>
+        </p:txBody>
+      </p:sp>
+    </p:spTree>
+    <p:extLst>
+      <p:ext uri="{BB962C8B-B14F-4D97-AF65-F5344CB8AC3E}">
+        <p14:creationId xmlns:p14="http://schemas.microsoft.com/office/powerpoint/2010/main" val="1584412237"/>
+      </p:ext>
+    </p:extLst>
+  </p:cSld>
+  <p:clrMapOvr>
+    <a:masterClrMapping/>
+  </p:clrMapOvr>
+</p:notes>
+</file>
+
+<file path=ppt/notesSlides/notesSlide4.xml><?xml version="1.0" encoding="utf-8"?>
+<p:notes xmlns:a="http://schemas.openxmlformats.org/drawingml/2006/main" xmlns:r="http://schemas.openxmlformats.org/officeDocument/2006/relationships" xmlns:p="http://schemas.openxmlformats.org/presentationml/2006/main">
+  <p:cSld>
+    <p:spTree>
+      <p:nvGrpSpPr>
+        <p:cNvPr id="1" name=""/>
+        <p:cNvGrpSpPr/>
+        <p:nvPr/>
+      </p:nvGrpSpPr>
+      <p:grpSpPr>
+        <a:xfrm>
+          <a:off x="0" y="0"/>
+          <a:ext cx="0" cy="0"/>
+          <a:chOff x="0" y="0"/>
+          <a:chExt cx="0" cy="0"/>
+        </a:xfrm>
+      </p:grpSpPr>
+      <p:sp>
+        <p:nvSpPr>
+          <p:cNvPr id="2" name="Slide Image Placeholder 1"/>
+          <p:cNvSpPr>
+            <a:spLocks noGrp="1" noRot="1" noChangeAspect="1"/>
+          </p:cNvSpPr>
+          <p:nvPr>
+            <p:ph type="sldImg"/>
+          </p:nvPr>
+        </p:nvSpPr>
+        <p:spPr/>
+      </p:sp>
+      <p:sp>
+        <p:nvSpPr>
+          <p:cNvPr id="3" name="Notes Placeholder 2"/>
+          <p:cNvSpPr>
+            <a:spLocks noGrp="1"/>
+          </p:cNvSpPr>
+          <p:nvPr>
+            <p:ph type="body" idx="1"/>
+          </p:nvPr>
+        </p:nvSpPr>
+        <p:spPr/>
+        <p:txBody>
           <a:bodyPr/>
           <a:lstStyle/>
           <a:p>
@@ -13462,7 +13870,7 @@
           <a:p>
             <a:fld id="{E78E71CD-9786-4621-AA97-B53C62C3E534}" type="slidenum">
               <a:rPr lang="en-US" smtClean="0"/>
-              <a:t>7</a:t>
+              <a:t>8</a:t>
             </a:fld>
             <a:endParaRPr lang="en-US"/>
           </a:p>
@@ -13481,7 +13889,7 @@
 </p:notes>
 </file>
 
-<file path=ppt/notesSlides/notesSlide4.xml><?xml version="1.0" encoding="utf-8"?>
+<file path=ppt/notesSlides/notesSlide5.xml><?xml version="1.0" encoding="utf-8"?>
 <p:notes xmlns:a="http://schemas.openxmlformats.org/drawingml/2006/main" xmlns:r="http://schemas.openxmlformats.org/officeDocument/2006/relationships" xmlns:p="http://schemas.openxmlformats.org/presentationml/2006/main">
   <p:cSld>
     <p:spTree>
@@ -13587,7 +13995,7 @@
                 </a:solidFill>
               </a:rPr>
               <a:pPr/>
-              <a:t>8</a:t>
+              <a:t>9</a:t>
             </a:fld>
             <a:endParaRPr lang="en-US">
               <a:solidFill>
@@ -13601,90 +14009,6 @@
     <p:extLst>
       <p:ext uri="{BB962C8B-B14F-4D97-AF65-F5344CB8AC3E}">
         <p14:creationId xmlns:p14="http://schemas.microsoft.com/office/powerpoint/2010/main" val="1136082819"/>
-      </p:ext>
-    </p:extLst>
-  </p:cSld>
-  <p:clrMapOvr>
-    <a:masterClrMapping/>
-  </p:clrMapOvr>
-</p:notes>
-</file>
-
-<file path=ppt/notesSlides/notesSlide5.xml><?xml version="1.0" encoding="utf-8"?>
-<p:notes xmlns:a="http://schemas.openxmlformats.org/drawingml/2006/main" xmlns:r="http://schemas.openxmlformats.org/officeDocument/2006/relationships" xmlns:p="http://schemas.openxmlformats.org/presentationml/2006/main">
-  <p:cSld>
-    <p:spTree>
-      <p:nvGrpSpPr>
-        <p:cNvPr id="1" name=""/>
-        <p:cNvGrpSpPr/>
-        <p:nvPr/>
-      </p:nvGrpSpPr>
-      <p:grpSpPr>
-        <a:xfrm>
-          <a:off x="0" y="0"/>
-          <a:ext cx="0" cy="0"/>
-          <a:chOff x="0" y="0"/>
-          <a:chExt cx="0" cy="0"/>
-        </a:xfrm>
-      </p:grpSpPr>
-      <p:sp>
-        <p:nvSpPr>
-          <p:cNvPr id="2" name="Slide Image Placeholder 1"/>
-          <p:cNvSpPr>
-            <a:spLocks noGrp="1" noRot="1" noChangeAspect="1"/>
-          </p:cNvSpPr>
-          <p:nvPr>
-            <p:ph type="sldImg"/>
-          </p:nvPr>
-        </p:nvSpPr>
-        <p:spPr/>
-      </p:sp>
-      <p:sp>
-        <p:nvSpPr>
-          <p:cNvPr id="3" name="Notes Placeholder 2"/>
-          <p:cNvSpPr>
-            <a:spLocks noGrp="1"/>
-          </p:cNvSpPr>
-          <p:nvPr>
-            <p:ph type="body" idx="1"/>
-          </p:nvPr>
-        </p:nvSpPr>
-        <p:spPr/>
-        <p:txBody>
-          <a:bodyPr/>
-          <a:lstStyle/>
-          <a:p>
-            <a:endParaRPr lang="en-US" dirty="0"/>
-          </a:p>
-        </p:txBody>
-      </p:sp>
-      <p:sp>
-        <p:nvSpPr>
-          <p:cNvPr id="4" name="Slide Number Placeholder 3"/>
-          <p:cNvSpPr>
-            <a:spLocks noGrp="1"/>
-          </p:cNvSpPr>
-          <p:nvPr>
-            <p:ph type="sldNum" sz="quarter" idx="10"/>
-          </p:nvPr>
-        </p:nvSpPr>
-        <p:spPr/>
-        <p:txBody>
-          <a:bodyPr/>
-          <a:lstStyle/>
-          <a:p>
-            <a:fld id="{E78E71CD-9786-4621-AA97-B53C62C3E534}" type="slidenum">
-              <a:rPr lang="en-US" smtClean="0"/>
-              <a:t>10</a:t>
-            </a:fld>
-            <a:endParaRPr lang="en-US"/>
-          </a:p>
-        </p:txBody>
-      </p:sp>
-    </p:spTree>
-    <p:extLst>
-      <p:ext uri="{BB962C8B-B14F-4D97-AF65-F5344CB8AC3E}">
-        <p14:creationId xmlns:p14="http://schemas.microsoft.com/office/powerpoint/2010/main" val="3498388985"/>
       </p:ext>
     </p:extLst>
   </p:cSld>
@@ -13738,42 +14062,7 @@
           <a:bodyPr/>
           <a:lstStyle/>
           <a:p>
-            <a:r>
-              <a:rPr lang="en-US" dirty="0"/>
-              <a:t>From </a:t>
-            </a:r>
-            <a:r>
-              <a:rPr lang="en-US" dirty="0" err="1"/>
-              <a:t>DevGuide</a:t>
-            </a:r>
             <a:endParaRPr lang="en-US" dirty="0"/>
-          </a:p>
-          <a:p>
-            <a:endParaRPr lang="en-US" dirty="0"/>
-          </a:p>
-          <a:p>
-            <a:r>
-              <a:rPr lang="en-US" dirty="0"/>
-              <a:t>**Engine**: State machine that executes *Modules* as defined in the *Configuration Editor* and provides a namespace for *Tags*. The Engine also passes data between its *Modules* according to its *Mappings*.</a:t>
-            </a:r>
-          </a:p>
-          <a:p>
-            <a:endParaRPr lang="en-US" dirty="0"/>
-          </a:p>
-          <a:p>
-            <a:r>
-              <a:rPr lang="en-US" dirty="0"/>
-              <a:t>**Module**: A collection of code of varying functionality that executes within an *Engine* and that can interact with the *Tags* of that *Engine*. Some standard *Modules* are installed with DCAF, but users can also create their own.</a:t>
-            </a:r>
-          </a:p>
-          <a:p>
-            <a:endParaRPr lang="en-US" dirty="0"/>
-          </a:p>
-          <a:p>
-            <a:r>
-              <a:rPr lang="en-US" dirty="0"/>
-              <a:t>**Configuration Editor**: A LabVIEW program used to visually define the functionality of each *Engine* and *Module* in DCAF.</a:t>
-            </a:r>
           </a:p>
         </p:txBody>
       </p:sp>
@@ -13794,7 +14083,7 @@
           <a:p>
             <a:fld id="{E78E71CD-9786-4621-AA97-B53C62C3E534}" type="slidenum">
               <a:rPr lang="en-US" smtClean="0"/>
-              <a:t>11</a:t>
+              <a:t>10</a:t>
             </a:fld>
             <a:endParaRPr lang="en-US"/>
           </a:p>
@@ -13803,7 +14092,7 @@
     </p:spTree>
     <p:extLst>
       <p:ext uri="{BB962C8B-B14F-4D97-AF65-F5344CB8AC3E}">
-        <p14:creationId xmlns:p14="http://schemas.microsoft.com/office/powerpoint/2010/main" val="399638581"/>
+        <p14:creationId xmlns:p14="http://schemas.microsoft.com/office/powerpoint/2010/main" val="3609782693"/>
       </p:ext>
     </p:extLst>
   </p:cSld>
@@ -13857,7 +14146,10 @@
           <a:bodyPr/>
           <a:lstStyle/>
           <a:p>
-            <a:endParaRPr lang="en-US" dirty="0"/>
+            <a:r>
+              <a:rPr lang="en-US" dirty="0"/>
+              <a:t>Feel free to execute the demo your self or use the gifs in the next slides</a:t>
+            </a:r>
           </a:p>
         </p:txBody>
       </p:sp>
@@ -13868,7 +14160,7 @@
             <a:spLocks noGrp="1"/>
           </p:cNvSpPr>
           <p:nvPr>
-            <p:ph type="sldNum" sz="quarter" idx="10"/>
+            <p:ph type="sldNum" sz="quarter" idx="5"/>
           </p:nvPr>
         </p:nvSpPr>
         <p:spPr/>
@@ -13876,18 +14168,18 @@
           <a:bodyPr/>
           <a:lstStyle/>
           <a:p>
-            <a:fld id="{851B3976-BA5C-4172-B420-FFE6D6004C76}" type="slidenum">
+            <a:fld id="{E78E71CD-9786-4621-AA97-B53C62C3E534}" type="slidenum">
               <a:rPr lang="en-US" smtClean="0"/>
               <a:t>12</a:t>
             </a:fld>
-            <a:endParaRPr lang="en-US" dirty="0"/>
+            <a:endParaRPr lang="en-US"/>
           </a:p>
         </p:txBody>
       </p:sp>
     </p:spTree>
     <p:extLst>
       <p:ext uri="{BB962C8B-B14F-4D97-AF65-F5344CB8AC3E}">
-        <p14:creationId xmlns:p14="http://schemas.microsoft.com/office/powerpoint/2010/main" val="818992878"/>
+        <p14:creationId xmlns:p14="http://schemas.microsoft.com/office/powerpoint/2010/main" val="2782730025"/>
       </p:ext>
     </p:extLst>
   </p:cSld>
@@ -13941,6 +14233,14 @@
           <a:bodyPr/>
           <a:lstStyle/>
           <a:p>
+            <a:r>
+              <a:rPr lang="en-US" dirty="0"/>
+              <a:t>Application</a:t>
+            </a:r>
+            <a:r>
+              <a:rPr lang="en-US" baseline="0" dirty="0"/>
+              <a:t> templates exist in addition to the plugin templates.</a:t>
+            </a:r>
             <a:endParaRPr lang="en-US" dirty="0"/>
           </a:p>
         </p:txBody>
@@ -13960,18 +14260,18 @@
           <a:bodyPr/>
           <a:lstStyle/>
           <a:p>
-            <a:fld id="{851B3976-BA5C-4172-B420-FFE6D6004C76}" type="slidenum">
+            <a:fld id="{15F80049-26F3-4D89-A0B2-4E12138F92A1}" type="slidenum">
               <a:rPr lang="en-US" smtClean="0"/>
-              <a:t>13</a:t>
+              <a:t>18</a:t>
             </a:fld>
-            <a:endParaRPr lang="en-US" dirty="0"/>
+            <a:endParaRPr lang="en-US"/>
           </a:p>
         </p:txBody>
       </p:sp>
     </p:spTree>
     <p:extLst>
       <p:ext uri="{BB962C8B-B14F-4D97-AF65-F5344CB8AC3E}">
-        <p14:creationId xmlns:p14="http://schemas.microsoft.com/office/powerpoint/2010/main" val="1474148154"/>
+        <p14:creationId xmlns:p14="http://schemas.microsoft.com/office/powerpoint/2010/main" val="1541796630"/>
       </p:ext>
     </p:extLst>
   </p:cSld>
@@ -14044,18 +14344,18 @@
           <a:bodyPr/>
           <a:lstStyle/>
           <a:p>
-            <a:fld id="{851B3976-BA5C-4172-B420-FFE6D6004C76}" type="slidenum">
+            <a:fld id="{E78E71CD-9786-4621-AA97-B53C62C3E534}" type="slidenum">
               <a:rPr lang="en-US" smtClean="0"/>
-              <a:t>14</a:t>
+              <a:t>21</a:t>
             </a:fld>
-            <a:endParaRPr lang="en-US" dirty="0"/>
+            <a:endParaRPr lang="en-US"/>
           </a:p>
         </p:txBody>
       </p:sp>
     </p:spTree>
     <p:extLst>
       <p:ext uri="{BB962C8B-B14F-4D97-AF65-F5344CB8AC3E}">
-        <p14:creationId xmlns:p14="http://schemas.microsoft.com/office/powerpoint/2010/main" val="829535672"/>
+        <p14:creationId xmlns:p14="http://schemas.microsoft.com/office/powerpoint/2010/main" val="3498388985"/>
       </p:ext>
     </p:extLst>
   </p:cSld>
@@ -17200,7 +17500,7 @@
           <a:p>
             <a:fld id="{1EAA415B-8007-489A-BDE4-6C1DCF92BB48}" type="datetimeFigureOut">
               <a:rPr lang="en-US" smtClean="0"/>
-              <a:t>10/26/2018</a:t>
+              <a:t>10/29/2018</a:t>
             </a:fld>
             <a:endParaRPr lang="en-US"/>
           </a:p>
@@ -18191,7 +18491,7 @@
           <a:p>
             <a:fld id="{1EAA415B-8007-489A-BDE4-6C1DCF92BB48}" type="datetimeFigureOut">
               <a:rPr lang="en-US" smtClean="0"/>
-              <a:t>10/26/2018</a:t>
+              <a:t>10/29/2018</a:t>
             </a:fld>
             <a:endParaRPr lang="en-US"/>
           </a:p>
@@ -21297,6 +21597,1114 @@
       </p:grpSpPr>
       <p:sp>
         <p:nvSpPr>
+          <p:cNvPr id="3" name="Text Placeholder 2">
+            <a:extLst>
+              <a:ext uri="{FF2B5EF4-FFF2-40B4-BE49-F238E27FC236}">
+                <a16:creationId xmlns:a16="http://schemas.microsoft.com/office/drawing/2014/main" id="{919CF29D-C3A2-495A-B8A5-779AABA82D2D}"/>
+              </a:ext>
+            </a:extLst>
+          </p:cNvPr>
+          <p:cNvSpPr>
+            <a:spLocks noGrp="1"/>
+          </p:cNvSpPr>
+          <p:nvPr>
+            <p:ph type="body" sz="quarter" idx="10"/>
+          </p:nvPr>
+        </p:nvSpPr>
+        <p:spPr/>
+        <p:txBody>
+          <a:bodyPr/>
+          <a:lstStyle/>
+          <a:p>
+            <a:r>
+              <a:rPr lang="en-US" dirty="0"/>
+              <a:t>Getting Started</a:t>
+            </a:r>
+          </a:p>
+        </p:txBody>
+      </p:sp>
+    </p:spTree>
+    <p:extLst>
+      <p:ext uri="{BB962C8B-B14F-4D97-AF65-F5344CB8AC3E}">
+        <p14:creationId xmlns:p14="http://schemas.microsoft.com/office/powerpoint/2010/main" val="4009971731"/>
+      </p:ext>
+    </p:extLst>
+  </p:cSld>
+  <p:clrMapOvr>
+    <a:masterClrMapping/>
+  </p:clrMapOvr>
+</p:sld>
+</file>
+
+<file path=ppt/slides/slide11.xml><?xml version="1.0" encoding="utf-8"?>
+<p:sld xmlns:a="http://schemas.openxmlformats.org/drawingml/2006/main" xmlns:r="http://schemas.openxmlformats.org/officeDocument/2006/relationships" xmlns:p="http://schemas.openxmlformats.org/presentationml/2006/main">
+  <p:cSld>
+    <p:spTree>
+      <p:nvGrpSpPr>
+        <p:cNvPr id="1" name=""/>
+        <p:cNvGrpSpPr/>
+        <p:nvPr/>
+      </p:nvGrpSpPr>
+      <p:grpSpPr>
+        <a:xfrm>
+          <a:off x="0" y="0"/>
+          <a:ext cx="0" cy="0"/>
+          <a:chOff x="0" y="0"/>
+          <a:chExt cx="0" cy="0"/>
+        </a:xfrm>
+      </p:grpSpPr>
+      <p:sp>
+        <p:nvSpPr>
+          <p:cNvPr id="2" name="Title 1">
+            <a:extLst>
+              <a:ext uri="{FF2B5EF4-FFF2-40B4-BE49-F238E27FC236}">
+                <a16:creationId xmlns:a16="http://schemas.microsoft.com/office/drawing/2014/main" id="{35E3FFF3-2C97-4F97-A09D-7BBBE569ED45}"/>
+              </a:ext>
+            </a:extLst>
+          </p:cNvPr>
+          <p:cNvSpPr>
+            <a:spLocks noGrp="1"/>
+          </p:cNvSpPr>
+          <p:nvPr>
+            <p:ph type="title"/>
+          </p:nvPr>
+        </p:nvSpPr>
+        <p:spPr/>
+        <p:txBody>
+          <a:bodyPr/>
+          <a:lstStyle/>
+          <a:p>
+            <a:r>
+              <a:rPr lang="en-US" dirty="0"/>
+              <a:t>Installing DCAF</a:t>
+            </a:r>
+          </a:p>
+        </p:txBody>
+      </p:sp>
+      <p:pic>
+        <p:nvPicPr>
+          <p:cNvPr id="7" name="Picture 6">
+            <a:extLst>
+              <a:ext uri="{FF2B5EF4-FFF2-40B4-BE49-F238E27FC236}">
+                <a16:creationId xmlns:a16="http://schemas.microsoft.com/office/drawing/2014/main" id="{E6420832-19EF-4FBF-B08A-8AF08952F067}"/>
+              </a:ext>
+            </a:extLst>
+          </p:cNvPr>
+          <p:cNvPicPr>
+            <a:picLocks noChangeAspect="1"/>
+          </p:cNvPicPr>
+          <p:nvPr/>
+        </p:nvPicPr>
+        <p:blipFill>
+          <a:blip r:embed="rId2">
+            <a:extLst>
+              <a:ext uri="{28A0092B-C50C-407E-A947-70E740481C1C}">
+                <a14:useLocalDpi xmlns:a14="http://schemas.microsoft.com/office/drawing/2010/main" val="0"/>
+              </a:ext>
+            </a:extLst>
+          </a:blip>
+          <a:stretch>
+            <a:fillRect/>
+          </a:stretch>
+        </p:blipFill>
+        <p:spPr>
+          <a:xfrm>
+            <a:off x="2487659" y="1162878"/>
+            <a:ext cx="7216681" cy="4891786"/>
+          </a:xfrm>
+          <a:prstGeom prst="rect">
+            <a:avLst/>
+          </a:prstGeom>
+        </p:spPr>
+      </p:pic>
+    </p:spTree>
+    <p:extLst>
+      <p:ext uri="{BB962C8B-B14F-4D97-AF65-F5344CB8AC3E}">
+        <p14:creationId xmlns:p14="http://schemas.microsoft.com/office/powerpoint/2010/main" val="605116208"/>
+      </p:ext>
+    </p:extLst>
+  </p:cSld>
+  <p:clrMapOvr>
+    <a:masterClrMapping/>
+  </p:clrMapOvr>
+</p:sld>
+</file>
+
+<file path=ppt/slides/slide12.xml><?xml version="1.0" encoding="utf-8"?>
+<p:sld xmlns:a="http://schemas.openxmlformats.org/drawingml/2006/main" xmlns:r="http://schemas.openxmlformats.org/officeDocument/2006/relationships" xmlns:p="http://schemas.openxmlformats.org/presentationml/2006/main">
+  <p:cSld>
+    <p:spTree>
+      <p:nvGrpSpPr>
+        <p:cNvPr id="1" name=""/>
+        <p:cNvGrpSpPr/>
+        <p:nvPr/>
+      </p:nvGrpSpPr>
+      <p:grpSpPr>
+        <a:xfrm>
+          <a:off x="0" y="0"/>
+          <a:ext cx="0" cy="0"/>
+          <a:chOff x="0" y="0"/>
+          <a:chExt cx="0" cy="0"/>
+        </a:xfrm>
+      </p:grpSpPr>
+      <p:sp>
+        <p:nvSpPr>
+          <p:cNvPr id="2" name="Title 1"/>
+          <p:cNvSpPr>
+            <a:spLocks noGrp="1"/>
+          </p:cNvSpPr>
+          <p:nvPr>
+            <p:ph type="title"/>
+          </p:nvPr>
+        </p:nvSpPr>
+        <p:spPr/>
+        <p:txBody>
+          <a:bodyPr/>
+          <a:lstStyle/>
+          <a:p>
+            <a:r>
+              <a:rPr lang="en-US" dirty="0"/>
+              <a:t>Getting Started</a:t>
+            </a:r>
+          </a:p>
+        </p:txBody>
+      </p:sp>
+      <p:sp>
+        <p:nvSpPr>
+          <p:cNvPr id="3" name="Content Placeholder 2"/>
+          <p:cNvSpPr>
+            <a:spLocks noGrp="1"/>
+          </p:cNvSpPr>
+          <p:nvPr>
+            <p:ph idx="1"/>
+          </p:nvPr>
+        </p:nvSpPr>
+        <p:spPr/>
+        <p:txBody>
+          <a:bodyPr/>
+          <a:lstStyle/>
+          <a:p>
+            <a:r>
+              <a:rPr lang="en-US" dirty="0"/>
+              <a:t>Create a project with the Execution Template</a:t>
+            </a:r>
+          </a:p>
+          <a:p>
+            <a:r>
+              <a:rPr lang="en-US" dirty="0"/>
+              <a:t>Open the Editor from the Tools menu</a:t>
+            </a:r>
+          </a:p>
+          <a:p>
+            <a:r>
+              <a:rPr lang="en-US" dirty="0"/>
+              <a:t>Configure the system in the Editor</a:t>
+            </a:r>
+          </a:p>
+          <a:p>
+            <a:r>
+              <a:rPr lang="en-US" dirty="0"/>
+              <a:t>Populate Includes VI</a:t>
+            </a:r>
+          </a:p>
+          <a:p>
+            <a:r>
+              <a:rPr lang="en-US" dirty="0"/>
+              <a:t>Save the Configuration</a:t>
+            </a:r>
+          </a:p>
+          <a:p>
+            <a:r>
+              <a:rPr lang="en-US" dirty="0"/>
+              <a:t>Load the Configuration using the template VI.</a:t>
+            </a:r>
+          </a:p>
+          <a:p>
+            <a:endParaRPr lang="en-US" dirty="0"/>
+          </a:p>
+        </p:txBody>
+      </p:sp>
+    </p:spTree>
+    <p:extLst>
+      <p:ext uri="{BB962C8B-B14F-4D97-AF65-F5344CB8AC3E}">
+        <p14:creationId xmlns:p14="http://schemas.microsoft.com/office/powerpoint/2010/main" val="2304002367"/>
+      </p:ext>
+    </p:extLst>
+  </p:cSld>
+  <p:clrMapOvr>
+    <a:masterClrMapping/>
+  </p:clrMapOvr>
+</p:sld>
+</file>
+
+<file path=ppt/slides/slide13.xml><?xml version="1.0" encoding="utf-8"?>
+<p:sld xmlns:a="http://schemas.openxmlformats.org/drawingml/2006/main" xmlns:r="http://schemas.openxmlformats.org/officeDocument/2006/relationships" xmlns:p="http://schemas.openxmlformats.org/presentationml/2006/main" show="0">
+  <p:cSld>
+    <p:spTree>
+      <p:nvGrpSpPr>
+        <p:cNvPr id="1" name=""/>
+        <p:cNvGrpSpPr/>
+        <p:nvPr/>
+      </p:nvGrpSpPr>
+      <p:grpSpPr>
+        <a:xfrm>
+          <a:off x="0" y="0"/>
+          <a:ext cx="0" cy="0"/>
+          <a:chOff x="0" y="0"/>
+          <a:chExt cx="0" cy="0"/>
+        </a:xfrm>
+      </p:grpSpPr>
+      <p:sp>
+        <p:nvSpPr>
+          <p:cNvPr id="3" name="Title 2"/>
+          <p:cNvSpPr>
+            <a:spLocks noGrp="1"/>
+          </p:cNvSpPr>
+          <p:nvPr>
+            <p:ph type="title"/>
+          </p:nvPr>
+        </p:nvSpPr>
+        <p:spPr/>
+        <p:txBody>
+          <a:bodyPr/>
+          <a:lstStyle/>
+          <a:p>
+            <a:r>
+              <a:rPr lang="en-US" dirty="0"/>
+              <a:t>Standard Configuration Editor</a:t>
+            </a:r>
+          </a:p>
+        </p:txBody>
+      </p:sp>
+      <p:pic>
+        <p:nvPicPr>
+          <p:cNvPr id="5" name="Picture 4"/>
+          <p:cNvPicPr>
+            <a:picLocks noChangeAspect="1"/>
+          </p:cNvPicPr>
+          <p:nvPr/>
+        </p:nvPicPr>
+        <p:blipFill>
+          <a:blip r:embed="rId2"/>
+          <a:stretch>
+            <a:fillRect/>
+          </a:stretch>
+        </p:blipFill>
+        <p:spPr>
+          <a:xfrm>
+            <a:off x="2091235" y="1166346"/>
+            <a:ext cx="8001064" cy="4150029"/>
+          </a:xfrm>
+          <a:prstGeom prst="rect">
+            <a:avLst/>
+          </a:prstGeom>
+        </p:spPr>
+      </p:pic>
+    </p:spTree>
+    <p:extLst>
+      <p:ext uri="{BB962C8B-B14F-4D97-AF65-F5344CB8AC3E}">
+        <p14:creationId xmlns:p14="http://schemas.microsoft.com/office/powerpoint/2010/main" val="4166025777"/>
+      </p:ext>
+    </p:extLst>
+  </p:cSld>
+  <p:clrMapOvr>
+    <a:masterClrMapping/>
+  </p:clrMapOvr>
+</p:sld>
+</file>
+
+<file path=ppt/slides/slide14.xml><?xml version="1.0" encoding="utf-8"?>
+<p:sld xmlns:a="http://schemas.openxmlformats.org/drawingml/2006/main" xmlns:r="http://schemas.openxmlformats.org/officeDocument/2006/relationships" xmlns:p="http://schemas.openxmlformats.org/presentationml/2006/main" show="0">
+  <p:cSld>
+    <p:spTree>
+      <p:nvGrpSpPr>
+        <p:cNvPr id="1" name=""/>
+        <p:cNvGrpSpPr/>
+        <p:nvPr/>
+      </p:nvGrpSpPr>
+      <p:grpSpPr>
+        <a:xfrm>
+          <a:off x="0" y="0"/>
+          <a:ext cx="0" cy="0"/>
+          <a:chOff x="0" y="0"/>
+          <a:chExt cx="0" cy="0"/>
+        </a:xfrm>
+      </p:grpSpPr>
+      <p:sp>
+        <p:nvSpPr>
+          <p:cNvPr id="3" name="Title 2"/>
+          <p:cNvSpPr>
+            <a:spLocks noGrp="1"/>
+          </p:cNvSpPr>
+          <p:nvPr>
+            <p:ph type="title"/>
+          </p:nvPr>
+        </p:nvSpPr>
+        <p:spPr/>
+        <p:txBody>
+          <a:bodyPr/>
+          <a:lstStyle/>
+          <a:p>
+            <a:r>
+              <a:rPr lang="en-US" dirty="0"/>
+              <a:t>Creating the System Hierarchy</a:t>
+            </a:r>
+          </a:p>
+        </p:txBody>
+      </p:sp>
+      <p:pic>
+        <p:nvPicPr>
+          <p:cNvPr id="2" name="Picture 1"/>
+          <p:cNvPicPr>
+            <a:picLocks noChangeAspect="1"/>
+          </p:cNvPicPr>
+          <p:nvPr/>
+        </p:nvPicPr>
+        <p:blipFill>
+          <a:blip r:embed="rId2">
+            <a:extLst>
+              <a:ext uri="{28A0092B-C50C-407E-A947-70E740481C1C}">
+                <a14:useLocalDpi xmlns:a14="http://schemas.microsoft.com/office/drawing/2010/main" val="0"/>
+              </a:ext>
+            </a:extLst>
+          </a:blip>
+          <a:stretch>
+            <a:fillRect/>
+          </a:stretch>
+        </p:blipFill>
+        <p:spPr>
+          <a:xfrm>
+            <a:off x="1559163" y="1198090"/>
+            <a:ext cx="9065207" cy="4700743"/>
+          </a:xfrm>
+          <a:prstGeom prst="rect">
+            <a:avLst/>
+          </a:prstGeom>
+        </p:spPr>
+      </p:pic>
+    </p:spTree>
+    <p:extLst>
+      <p:ext uri="{BB962C8B-B14F-4D97-AF65-F5344CB8AC3E}">
+        <p14:creationId xmlns:p14="http://schemas.microsoft.com/office/powerpoint/2010/main" val="571311641"/>
+      </p:ext>
+    </p:extLst>
+  </p:cSld>
+  <p:clrMapOvr>
+    <a:masterClrMapping/>
+  </p:clrMapOvr>
+</p:sld>
+</file>
+
+<file path=ppt/slides/slide15.xml><?xml version="1.0" encoding="utf-8"?>
+<p:sld xmlns:a="http://schemas.openxmlformats.org/drawingml/2006/main" xmlns:r="http://schemas.openxmlformats.org/officeDocument/2006/relationships" xmlns:p="http://schemas.openxmlformats.org/presentationml/2006/main" show="0">
+  <p:cSld>
+    <p:spTree>
+      <p:nvGrpSpPr>
+        <p:cNvPr id="1" name=""/>
+        <p:cNvGrpSpPr/>
+        <p:nvPr/>
+      </p:nvGrpSpPr>
+      <p:grpSpPr>
+        <a:xfrm>
+          <a:off x="0" y="0"/>
+          <a:ext cx="0" cy="0"/>
+          <a:chOff x="0" y="0"/>
+          <a:chExt cx="0" cy="0"/>
+        </a:xfrm>
+      </p:grpSpPr>
+      <p:sp>
+        <p:nvSpPr>
+          <p:cNvPr id="3" name="Title 2"/>
+          <p:cNvSpPr>
+            <a:spLocks noGrp="1"/>
+          </p:cNvSpPr>
+          <p:nvPr>
+            <p:ph type="title"/>
+          </p:nvPr>
+        </p:nvSpPr>
+        <p:spPr/>
+        <p:txBody>
+          <a:bodyPr/>
+          <a:lstStyle/>
+          <a:p>
+            <a:r>
+              <a:rPr lang="en-US" dirty="0"/>
+              <a:t>Create and Map Tags</a:t>
+            </a:r>
+          </a:p>
+        </p:txBody>
+      </p:sp>
+      <p:pic>
+        <p:nvPicPr>
+          <p:cNvPr id="5" name="Picture 4"/>
+          <p:cNvPicPr>
+            <a:picLocks noChangeAspect="1"/>
+          </p:cNvPicPr>
+          <p:nvPr/>
+        </p:nvPicPr>
+        <p:blipFill>
+          <a:blip r:embed="rId2">
+            <a:extLst>
+              <a:ext uri="{28A0092B-C50C-407E-A947-70E740481C1C}">
+                <a14:useLocalDpi xmlns:a14="http://schemas.microsoft.com/office/drawing/2010/main" val="0"/>
+              </a:ext>
+            </a:extLst>
+          </a:blip>
+          <a:stretch>
+            <a:fillRect/>
+          </a:stretch>
+        </p:blipFill>
+        <p:spPr>
+          <a:xfrm>
+            <a:off x="1559163" y="1198090"/>
+            <a:ext cx="9065207" cy="4700743"/>
+          </a:xfrm>
+          <a:prstGeom prst="rect">
+            <a:avLst/>
+          </a:prstGeom>
+        </p:spPr>
+      </p:pic>
+    </p:spTree>
+    <p:extLst>
+      <p:ext uri="{BB962C8B-B14F-4D97-AF65-F5344CB8AC3E}">
+        <p14:creationId xmlns:p14="http://schemas.microsoft.com/office/powerpoint/2010/main" val="4259508252"/>
+      </p:ext>
+    </p:extLst>
+  </p:cSld>
+  <p:clrMapOvr>
+    <a:masterClrMapping/>
+  </p:clrMapOvr>
+</p:sld>
+</file>
+
+<file path=ppt/slides/slide16.xml><?xml version="1.0" encoding="utf-8"?>
+<p:sld xmlns:a="http://schemas.openxmlformats.org/drawingml/2006/main" xmlns:r="http://schemas.openxmlformats.org/officeDocument/2006/relationships" xmlns:p="http://schemas.openxmlformats.org/presentationml/2006/main" show="0">
+  <p:cSld>
+    <p:spTree>
+      <p:nvGrpSpPr>
+        <p:cNvPr id="1" name=""/>
+        <p:cNvGrpSpPr/>
+        <p:nvPr/>
+      </p:nvGrpSpPr>
+      <p:grpSpPr>
+        <a:xfrm>
+          <a:off x="0" y="0"/>
+          <a:ext cx="0" cy="0"/>
+          <a:chOff x="0" y="0"/>
+          <a:chExt cx="0" cy="0"/>
+        </a:xfrm>
+      </p:grpSpPr>
+      <p:sp>
+        <p:nvSpPr>
+          <p:cNvPr id="3" name="Title 2"/>
+          <p:cNvSpPr>
+            <a:spLocks noGrp="1"/>
+          </p:cNvSpPr>
+          <p:nvPr>
+            <p:ph type="title"/>
+          </p:nvPr>
+        </p:nvSpPr>
+        <p:spPr/>
+        <p:txBody>
+          <a:bodyPr/>
+          <a:lstStyle/>
+          <a:p>
+            <a:r>
+              <a:rPr lang="en-US" dirty="0"/>
+              <a:t>Configure Modules</a:t>
+            </a:r>
+          </a:p>
+        </p:txBody>
+      </p:sp>
+      <p:pic>
+        <p:nvPicPr>
+          <p:cNvPr id="2" name="Picture 1"/>
+          <p:cNvPicPr>
+            <a:picLocks noChangeAspect="1"/>
+          </p:cNvPicPr>
+          <p:nvPr/>
+        </p:nvPicPr>
+        <p:blipFill>
+          <a:blip r:embed="rId2">
+            <a:extLst>
+              <a:ext uri="{28A0092B-C50C-407E-A947-70E740481C1C}">
+                <a14:useLocalDpi xmlns:a14="http://schemas.microsoft.com/office/drawing/2010/main" val="0"/>
+              </a:ext>
+            </a:extLst>
+          </a:blip>
+          <a:stretch>
+            <a:fillRect/>
+          </a:stretch>
+        </p:blipFill>
+        <p:spPr>
+          <a:xfrm>
+            <a:off x="1559163" y="1198090"/>
+            <a:ext cx="9065207" cy="4700743"/>
+          </a:xfrm>
+          <a:prstGeom prst="rect">
+            <a:avLst/>
+          </a:prstGeom>
+        </p:spPr>
+      </p:pic>
+    </p:spTree>
+    <p:extLst>
+      <p:ext uri="{BB962C8B-B14F-4D97-AF65-F5344CB8AC3E}">
+        <p14:creationId xmlns:p14="http://schemas.microsoft.com/office/powerpoint/2010/main" val="3479923027"/>
+      </p:ext>
+    </p:extLst>
+  </p:cSld>
+  <p:clrMapOvr>
+    <a:masterClrMapping/>
+  </p:clrMapOvr>
+</p:sld>
+</file>
+
+<file path=ppt/slides/slide17.xml><?xml version="1.0" encoding="utf-8"?>
+<p:sld xmlns:a="http://schemas.openxmlformats.org/drawingml/2006/main" xmlns:r="http://schemas.openxmlformats.org/officeDocument/2006/relationships" xmlns:p="http://schemas.openxmlformats.org/presentationml/2006/main" show="0">
+  <p:cSld>
+    <p:spTree>
+      <p:nvGrpSpPr>
+        <p:cNvPr id="1" name=""/>
+        <p:cNvGrpSpPr/>
+        <p:nvPr/>
+      </p:nvGrpSpPr>
+      <p:grpSpPr>
+        <a:xfrm>
+          <a:off x="0" y="0"/>
+          <a:ext cx="0" cy="0"/>
+          <a:chOff x="0" y="0"/>
+          <a:chExt cx="0" cy="0"/>
+        </a:xfrm>
+      </p:grpSpPr>
+      <p:sp>
+        <p:nvSpPr>
+          <p:cNvPr id="3" name="Title 2"/>
+          <p:cNvSpPr>
+            <a:spLocks noGrp="1"/>
+          </p:cNvSpPr>
+          <p:nvPr>
+            <p:ph type="title"/>
+          </p:nvPr>
+        </p:nvSpPr>
+        <p:spPr/>
+        <p:txBody>
+          <a:bodyPr/>
+          <a:lstStyle/>
+          <a:p>
+            <a:r>
+              <a:rPr lang="en-US" dirty="0"/>
+              <a:t>Deploy Configuration</a:t>
+            </a:r>
+          </a:p>
+        </p:txBody>
+      </p:sp>
+      <p:pic>
+        <p:nvPicPr>
+          <p:cNvPr id="2" name="Picture 1"/>
+          <p:cNvPicPr>
+            <a:picLocks noChangeAspect="1"/>
+          </p:cNvPicPr>
+          <p:nvPr/>
+        </p:nvPicPr>
+        <p:blipFill>
+          <a:blip r:embed="rId2">
+            <a:extLst>
+              <a:ext uri="{28A0092B-C50C-407E-A947-70E740481C1C}">
+                <a14:useLocalDpi xmlns:a14="http://schemas.microsoft.com/office/drawing/2010/main" val="0"/>
+              </a:ext>
+            </a:extLst>
+          </a:blip>
+          <a:stretch>
+            <a:fillRect/>
+          </a:stretch>
+        </p:blipFill>
+        <p:spPr>
+          <a:xfrm>
+            <a:off x="1559162" y="1198090"/>
+            <a:ext cx="9065207" cy="4700743"/>
+          </a:xfrm>
+          <a:prstGeom prst="rect">
+            <a:avLst/>
+          </a:prstGeom>
+        </p:spPr>
+      </p:pic>
+    </p:spTree>
+    <p:extLst>
+      <p:ext uri="{BB962C8B-B14F-4D97-AF65-F5344CB8AC3E}">
+        <p14:creationId xmlns:p14="http://schemas.microsoft.com/office/powerpoint/2010/main" val="4029454380"/>
+      </p:ext>
+    </p:extLst>
+  </p:cSld>
+  <p:clrMapOvr>
+    <a:masterClrMapping/>
+  </p:clrMapOvr>
+</p:sld>
+</file>
+
+<file path=ppt/slides/slide18.xml><?xml version="1.0" encoding="utf-8"?>
+<p:sld xmlns:a="http://schemas.openxmlformats.org/drawingml/2006/main" xmlns:r="http://schemas.openxmlformats.org/officeDocument/2006/relationships" xmlns:p="http://schemas.openxmlformats.org/presentationml/2006/main" show="0">
+  <p:cSld>
+    <p:spTree>
+      <p:nvGrpSpPr>
+        <p:cNvPr id="1" name=""/>
+        <p:cNvGrpSpPr/>
+        <p:nvPr/>
+      </p:nvGrpSpPr>
+      <p:grpSpPr>
+        <a:xfrm>
+          <a:off x="0" y="0"/>
+          <a:ext cx="0" cy="0"/>
+          <a:chOff x="0" y="0"/>
+          <a:chExt cx="0" cy="0"/>
+        </a:xfrm>
+      </p:grpSpPr>
+      <p:sp>
+        <p:nvSpPr>
+          <p:cNvPr id="2" name="Title 1"/>
+          <p:cNvSpPr>
+            <a:spLocks noGrp="1"/>
+          </p:cNvSpPr>
+          <p:nvPr>
+            <p:ph type="title"/>
+          </p:nvPr>
+        </p:nvSpPr>
+        <p:spPr/>
+        <p:txBody>
+          <a:bodyPr/>
+          <a:lstStyle/>
+          <a:p>
+            <a:r>
+              <a:rPr lang="en-US" dirty="0"/>
+              <a:t>DCAF Project Templates</a:t>
+            </a:r>
+          </a:p>
+        </p:txBody>
+      </p:sp>
+      <p:pic>
+        <p:nvPicPr>
+          <p:cNvPr id="8" name="Picture 7">
+            <a:extLst>
+              <a:ext uri="{FF2B5EF4-FFF2-40B4-BE49-F238E27FC236}">
+                <a16:creationId xmlns:a16="http://schemas.microsoft.com/office/drawing/2014/main" id="{0CAD30DF-6589-45E7-BC2E-5AEB380F89C4}"/>
+              </a:ext>
+            </a:extLst>
+          </p:cNvPr>
+          <p:cNvPicPr>
+            <a:picLocks noChangeAspect="1"/>
+          </p:cNvPicPr>
+          <p:nvPr/>
+        </p:nvPicPr>
+        <p:blipFill>
+          <a:blip r:embed="rId3">
+            <a:extLst>
+              <a:ext uri="{28A0092B-C50C-407E-A947-70E740481C1C}">
+                <a14:useLocalDpi xmlns:a14="http://schemas.microsoft.com/office/drawing/2010/main" val="0"/>
+              </a:ext>
+            </a:extLst>
+          </a:blip>
+          <a:stretch>
+            <a:fillRect/>
+          </a:stretch>
+        </p:blipFill>
+        <p:spPr>
+          <a:xfrm>
+            <a:off x="548639" y="1753786"/>
+            <a:ext cx="6048104" cy="4369176"/>
+          </a:xfrm>
+          <a:prstGeom prst="rect">
+            <a:avLst/>
+          </a:prstGeom>
+        </p:spPr>
+      </p:pic>
+      <p:pic>
+        <p:nvPicPr>
+          <p:cNvPr id="9" name="Picture 8">
+            <a:extLst>
+              <a:ext uri="{FF2B5EF4-FFF2-40B4-BE49-F238E27FC236}">
+                <a16:creationId xmlns:a16="http://schemas.microsoft.com/office/drawing/2014/main" id="{41E65BB4-69E1-4C76-B287-62E80991284D}"/>
+              </a:ext>
+            </a:extLst>
+          </p:cNvPr>
+          <p:cNvPicPr>
+            <a:picLocks noChangeAspect="1"/>
+          </p:cNvPicPr>
+          <p:nvPr/>
+        </p:nvPicPr>
+        <p:blipFill>
+          <a:blip r:embed="rId4">
+            <a:extLst>
+              <a:ext uri="{28A0092B-C50C-407E-A947-70E740481C1C}">
+                <a14:useLocalDpi xmlns:a14="http://schemas.microsoft.com/office/drawing/2010/main" val="0"/>
+              </a:ext>
+            </a:extLst>
+          </a:blip>
+          <a:stretch>
+            <a:fillRect/>
+          </a:stretch>
+        </p:blipFill>
+        <p:spPr>
+          <a:xfrm>
+            <a:off x="7404104" y="2427538"/>
+            <a:ext cx="3133310" cy="3021672"/>
+          </a:xfrm>
+          <a:prstGeom prst="rect">
+            <a:avLst/>
+          </a:prstGeom>
+        </p:spPr>
+      </p:pic>
+      <p:cxnSp>
+        <p:nvCxnSpPr>
+          <p:cNvPr id="10" name="Straight Arrow Connector 9">
+            <a:extLst>
+              <a:ext uri="{FF2B5EF4-FFF2-40B4-BE49-F238E27FC236}">
+                <a16:creationId xmlns:a16="http://schemas.microsoft.com/office/drawing/2014/main" id="{4B66E0AE-DE96-4899-A9FA-CE8D97728836}"/>
+              </a:ext>
+            </a:extLst>
+          </p:cNvPr>
+          <p:cNvCxnSpPr>
+            <a:cxnSpLocks/>
+            <a:stCxn id="8" idx="3"/>
+            <a:endCxn id="9" idx="1"/>
+          </p:cNvCxnSpPr>
+          <p:nvPr/>
+        </p:nvCxnSpPr>
+        <p:spPr>
+          <a:xfrm>
+            <a:off x="6596743" y="3938374"/>
+            <a:ext cx="807361" cy="0"/>
+          </a:xfrm>
+          <a:prstGeom prst="straightConnector1">
+            <a:avLst/>
+          </a:prstGeom>
+          <a:ln w="76200">
+            <a:solidFill>
+              <a:schemeClr val="bg2">
+                <a:lumMod val="25000"/>
+              </a:schemeClr>
+            </a:solidFill>
+            <a:headEnd type="none"/>
+            <a:tailEnd type="triangle"/>
+          </a:ln>
+        </p:spPr>
+        <p:style>
+          <a:lnRef idx="1">
+            <a:schemeClr val="accent1"/>
+          </a:lnRef>
+          <a:fillRef idx="0">
+            <a:schemeClr val="accent1"/>
+          </a:fillRef>
+          <a:effectRef idx="0">
+            <a:schemeClr val="accent1"/>
+          </a:effectRef>
+          <a:fontRef idx="minor">
+            <a:schemeClr val="tx1"/>
+          </a:fontRef>
+        </p:style>
+      </p:cxnSp>
+    </p:spTree>
+    <p:extLst>
+      <p:ext uri="{BB962C8B-B14F-4D97-AF65-F5344CB8AC3E}">
+        <p14:creationId xmlns:p14="http://schemas.microsoft.com/office/powerpoint/2010/main" val="276815675"/>
+      </p:ext>
+    </p:extLst>
+  </p:cSld>
+  <p:clrMapOvr>
+    <a:masterClrMapping/>
+  </p:clrMapOvr>
+  <mc:AlternateContent xmlns:mc="http://schemas.openxmlformats.org/markup-compatibility/2006" xmlns:p14="http://schemas.microsoft.com/office/powerpoint/2010/main">
+    <mc:Choice Requires="p14">
+      <p:transition spd="med" p14:dur="700">
+        <p:fade/>
+      </p:transition>
+    </mc:Choice>
+    <mc:Fallback xmlns="">
+      <p:transition spd="med">
+        <p:fade/>
+      </p:transition>
+    </mc:Fallback>
+  </mc:AlternateContent>
+</p:sld>
+</file>
+
+<file path=ppt/slides/slide19.xml><?xml version="1.0" encoding="utf-8"?>
+<p:sld xmlns:a="http://schemas.openxmlformats.org/drawingml/2006/main" xmlns:r="http://schemas.openxmlformats.org/officeDocument/2006/relationships" xmlns:p="http://schemas.openxmlformats.org/presentationml/2006/main" show="0">
+  <p:cSld>
+    <p:spTree>
+      <p:nvGrpSpPr>
+        <p:cNvPr id="1" name=""/>
+        <p:cNvGrpSpPr/>
+        <p:nvPr/>
+      </p:nvGrpSpPr>
+      <p:grpSpPr>
+        <a:xfrm>
+          <a:off x="0" y="0"/>
+          <a:ext cx="0" cy="0"/>
+          <a:chOff x="0" y="0"/>
+          <a:chExt cx="0" cy="0"/>
+        </a:xfrm>
+      </p:grpSpPr>
+      <p:sp>
+        <p:nvSpPr>
+          <p:cNvPr id="2" name="Title 1"/>
+          <p:cNvSpPr>
+            <a:spLocks noGrp="1"/>
+          </p:cNvSpPr>
+          <p:nvPr>
+            <p:ph type="title"/>
+          </p:nvPr>
+        </p:nvSpPr>
+        <p:spPr/>
+        <p:txBody>
+          <a:bodyPr/>
+          <a:lstStyle/>
+          <a:p>
+            <a:r>
+              <a:rPr lang="en-US" dirty="0"/>
+              <a:t>Running the Configuration</a:t>
+            </a:r>
+          </a:p>
+        </p:txBody>
+      </p:sp>
+      <p:pic>
+        <p:nvPicPr>
+          <p:cNvPr id="4" name="Picture 3"/>
+          <p:cNvPicPr>
+            <a:picLocks noChangeAspect="1"/>
+          </p:cNvPicPr>
+          <p:nvPr/>
+        </p:nvPicPr>
+        <p:blipFill>
+          <a:blip r:embed="rId2">
+            <a:extLst>
+              <a:ext uri="{28A0092B-C50C-407E-A947-70E740481C1C}">
+                <a14:useLocalDpi xmlns:a14="http://schemas.microsoft.com/office/drawing/2010/main" val="0"/>
+              </a:ext>
+            </a:extLst>
+          </a:blip>
+          <a:stretch>
+            <a:fillRect/>
+          </a:stretch>
+        </p:blipFill>
+        <p:spPr>
+          <a:xfrm>
+            <a:off x="991032" y="1962057"/>
+            <a:ext cx="10201469" cy="2861988"/>
+          </a:xfrm>
+          <a:prstGeom prst="rect">
+            <a:avLst/>
+          </a:prstGeom>
+        </p:spPr>
+      </p:pic>
+    </p:spTree>
+    <p:extLst>
+      <p:ext uri="{BB962C8B-B14F-4D97-AF65-F5344CB8AC3E}">
+        <p14:creationId xmlns:p14="http://schemas.microsoft.com/office/powerpoint/2010/main" val="2285621542"/>
+      </p:ext>
+    </p:extLst>
+  </p:cSld>
+  <p:clrMapOvr>
+    <a:masterClrMapping/>
+  </p:clrMapOvr>
+</p:sld>
+</file>
+
+<file path=ppt/slides/slide2.xml><?xml version="1.0" encoding="utf-8"?>
+<p:sld xmlns:a="http://schemas.openxmlformats.org/drawingml/2006/main" xmlns:r="http://schemas.openxmlformats.org/officeDocument/2006/relationships" xmlns:p="http://schemas.openxmlformats.org/presentationml/2006/main">
+  <p:cSld>
+    <p:spTree>
+      <p:nvGrpSpPr>
+        <p:cNvPr id="1" name=""/>
+        <p:cNvGrpSpPr/>
+        <p:nvPr/>
+      </p:nvGrpSpPr>
+      <p:grpSpPr>
+        <a:xfrm>
+          <a:off x="0" y="0"/>
+          <a:ext cx="0" cy="0"/>
+          <a:chOff x="0" y="0"/>
+          <a:chExt cx="0" cy="0"/>
+        </a:xfrm>
+      </p:grpSpPr>
+      <p:sp>
+        <p:nvSpPr>
+          <p:cNvPr id="2" name="Title 1"/>
+          <p:cNvSpPr>
+            <a:spLocks noGrp="1"/>
+          </p:cNvSpPr>
+          <p:nvPr>
+            <p:ph type="ctrTitle"/>
+          </p:nvPr>
+        </p:nvSpPr>
+        <p:spPr/>
+        <p:txBody>
+          <a:bodyPr/>
+          <a:lstStyle/>
+          <a:p>
+            <a:r>
+              <a:rPr lang="en-US" dirty="0"/>
+              <a:t>Distributed Control and Automation Framework (DCAF)</a:t>
+            </a:r>
+          </a:p>
+        </p:txBody>
+      </p:sp>
+      <p:sp>
+        <p:nvSpPr>
+          <p:cNvPr id="3" name="Subtitle 2"/>
+          <p:cNvSpPr>
+            <a:spLocks noGrp="1"/>
+          </p:cNvSpPr>
+          <p:nvPr>
+            <p:ph type="subTitle" idx="1"/>
+          </p:nvPr>
+        </p:nvSpPr>
+        <p:spPr/>
+        <p:txBody>
+          <a:bodyPr/>
+          <a:lstStyle/>
+          <a:p>
+            <a:r>
+              <a:rPr lang="en-US" dirty="0"/>
+              <a:t>Introduction to DCAF</a:t>
+            </a:r>
+          </a:p>
+        </p:txBody>
+      </p:sp>
+      <p:sp>
+        <p:nvSpPr>
+          <p:cNvPr id="4" name="Text Placeholder 3"/>
+          <p:cNvSpPr>
+            <a:spLocks noGrp="1"/>
+          </p:cNvSpPr>
+          <p:nvPr>
+            <p:ph type="body" sz="quarter" idx="12"/>
+          </p:nvPr>
+        </p:nvSpPr>
+        <p:spPr/>
+        <p:txBody>
+          <a:bodyPr>
+            <a:normAutofit lnSpcReduction="10000"/>
+          </a:bodyPr>
+          <a:lstStyle/>
+          <a:p>
+            <a:r>
+              <a:rPr lang="en-US" dirty="0"/>
+              <a:t>Instructor Name</a:t>
+            </a:r>
+          </a:p>
+        </p:txBody>
+      </p:sp>
+      <p:sp>
+        <p:nvSpPr>
+          <p:cNvPr id="5" name="Text Placeholder 4"/>
+          <p:cNvSpPr>
+            <a:spLocks noGrp="1"/>
+          </p:cNvSpPr>
+          <p:nvPr>
+            <p:ph type="body" sz="quarter" idx="13"/>
+          </p:nvPr>
+        </p:nvSpPr>
+        <p:spPr/>
+        <p:txBody>
+          <a:bodyPr/>
+          <a:lstStyle/>
+          <a:p>
+            <a:r>
+              <a:rPr lang="en-US" dirty="0"/>
+              <a:t>Instructor’s role</a:t>
+            </a:r>
+          </a:p>
+        </p:txBody>
+      </p:sp>
+    </p:spTree>
+    <p:extLst>
+      <p:ext uri="{BB962C8B-B14F-4D97-AF65-F5344CB8AC3E}">
+        <p14:creationId xmlns:p14="http://schemas.microsoft.com/office/powerpoint/2010/main" val="3695697852"/>
+      </p:ext>
+    </p:extLst>
+  </p:cSld>
+  <p:clrMapOvr>
+    <a:masterClrMapping/>
+  </p:clrMapOvr>
+</p:sld>
+</file>
+
+<file path=ppt/slides/slide20.xml><?xml version="1.0" encoding="utf-8"?>
+<p:sld xmlns:a="http://schemas.openxmlformats.org/drawingml/2006/main" xmlns:r="http://schemas.openxmlformats.org/officeDocument/2006/relationships" xmlns:p="http://schemas.openxmlformats.org/presentationml/2006/main">
+  <p:cSld>
+    <p:spTree>
+      <p:nvGrpSpPr>
+        <p:cNvPr id="1" name=""/>
+        <p:cNvGrpSpPr/>
+        <p:nvPr/>
+      </p:nvGrpSpPr>
+      <p:grpSpPr>
+        <a:xfrm>
+          <a:off x="0" y="0"/>
+          <a:ext cx="0" cy="0"/>
+          <a:chOff x="0" y="0"/>
+          <a:chExt cx="0" cy="0"/>
+        </a:xfrm>
+      </p:grpSpPr>
+      <p:sp>
+        <p:nvSpPr>
+          <p:cNvPr id="3" name="Text Placeholder 2">
+            <a:extLst>
+              <a:ext uri="{FF2B5EF4-FFF2-40B4-BE49-F238E27FC236}">
+                <a16:creationId xmlns:a16="http://schemas.microsoft.com/office/drawing/2014/main" id="{89E24BBD-127E-4044-A78F-A386423ABBE0}"/>
+              </a:ext>
+            </a:extLst>
+          </p:cNvPr>
+          <p:cNvSpPr>
+            <a:spLocks noGrp="1"/>
+          </p:cNvSpPr>
+          <p:nvPr>
+            <p:ph type="body" sz="quarter" idx="10"/>
+          </p:nvPr>
+        </p:nvSpPr>
+        <p:spPr/>
+        <p:txBody>
+          <a:bodyPr/>
+          <a:lstStyle/>
+          <a:p>
+            <a:r>
+              <a:rPr lang="en-US" dirty="0"/>
+              <a:t>The DCAF Paradigm</a:t>
+            </a:r>
+          </a:p>
+        </p:txBody>
+      </p:sp>
+    </p:spTree>
+    <p:extLst>
+      <p:ext uri="{BB962C8B-B14F-4D97-AF65-F5344CB8AC3E}">
+        <p14:creationId xmlns:p14="http://schemas.microsoft.com/office/powerpoint/2010/main" val="3034936698"/>
+      </p:ext>
+    </p:extLst>
+  </p:cSld>
+  <p:clrMapOvr>
+    <a:masterClrMapping/>
+  </p:clrMapOvr>
+</p:sld>
+</file>
+
+<file path=ppt/slides/slide21.xml><?xml version="1.0" encoding="utf-8"?>
+<p:sld xmlns:a="http://schemas.openxmlformats.org/drawingml/2006/main" xmlns:r="http://schemas.openxmlformats.org/officeDocument/2006/relationships" xmlns:p="http://schemas.openxmlformats.org/presentationml/2006/main">
+  <p:cSld>
+    <p:spTree>
+      <p:nvGrpSpPr>
+        <p:cNvPr id="1" name=""/>
+        <p:cNvGrpSpPr/>
+        <p:nvPr/>
+      </p:nvGrpSpPr>
+      <p:grpSpPr>
+        <a:xfrm>
+          <a:off x="0" y="0"/>
+          <a:ext cx="0" cy="0"/>
+          <a:chOff x="0" y="0"/>
+          <a:chExt cx="0" cy="0"/>
+        </a:xfrm>
+      </p:grpSpPr>
+      <p:sp>
+        <p:nvSpPr>
           <p:cNvPr id="2" name="Title 1"/>
           <p:cNvSpPr>
             <a:spLocks noGrp="1"/>
@@ -21968,7 +23376,7 @@
 </p:sld>
 </file>
 
-<file path=ppt/slides/slide11.xml><?xml version="1.0" encoding="utf-8"?>
+<file path=ppt/slides/slide22.xml><?xml version="1.0" encoding="utf-8"?>
 <p:sld xmlns:a="http://schemas.openxmlformats.org/drawingml/2006/main" xmlns:r="http://schemas.openxmlformats.org/officeDocument/2006/relationships" xmlns:p="http://schemas.openxmlformats.org/presentationml/2006/main">
   <p:cSld>
     <p:spTree>
@@ -22517,7 +23925,7 @@
 </p:sld>
 </file>
 
-<file path=ppt/slides/slide12.xml><?xml version="1.0" encoding="utf-8"?>
+<file path=ppt/slides/slide23.xml><?xml version="1.0" encoding="utf-8"?>
 <p:sld xmlns:a="http://schemas.openxmlformats.org/drawingml/2006/main" xmlns:r="http://schemas.openxmlformats.org/officeDocument/2006/relationships" xmlns:p="http://schemas.openxmlformats.org/presentationml/2006/main">
   <p:cSld>
     <p:spTree>
@@ -23399,7 +24807,7 @@
 </p:sld>
 </file>
 
-<file path=ppt/slides/slide13.xml><?xml version="1.0" encoding="utf-8"?>
+<file path=ppt/slides/slide24.xml><?xml version="1.0" encoding="utf-8"?>
 <p:sld xmlns:a="http://schemas.openxmlformats.org/drawingml/2006/main" xmlns:r="http://schemas.openxmlformats.org/officeDocument/2006/relationships" xmlns:p="http://schemas.openxmlformats.org/presentationml/2006/main">
   <p:cSld>
     <p:spTree>
@@ -23975,7 +25383,7 @@
 </p:sld>
 </file>
 
-<file path=ppt/slides/slide14.xml><?xml version="1.0" encoding="utf-8"?>
+<file path=ppt/slides/slide25.xml><?xml version="1.0" encoding="utf-8"?>
 <p:sld xmlns:a="http://schemas.openxmlformats.org/drawingml/2006/main" xmlns:r="http://schemas.openxmlformats.org/officeDocument/2006/relationships" xmlns:p="http://schemas.openxmlformats.org/presentationml/2006/main">
   <p:cSld>
     <p:spTree>
@@ -24566,7 +25974,7 @@
 </p:sld>
 </file>
 
-<file path=ppt/slides/slide15.xml><?xml version="1.0" encoding="utf-8"?>
+<file path=ppt/slides/slide26.xml><?xml version="1.0" encoding="utf-8"?>
 <p:sld xmlns:a="http://schemas.openxmlformats.org/drawingml/2006/main" xmlns:r="http://schemas.openxmlformats.org/officeDocument/2006/relationships" xmlns:p="http://schemas.openxmlformats.org/presentationml/2006/main" show="0">
   <p:cSld>
     <p:spTree>
@@ -24975,7 +26383,7 @@
 </p:sld>
 </file>
 
-<file path=ppt/slides/slide16.xml><?xml version="1.0" encoding="utf-8"?>
+<file path=ppt/slides/slide27.xml><?xml version="1.0" encoding="utf-8"?>
 <p:sld xmlns:a="http://schemas.openxmlformats.org/drawingml/2006/main" xmlns:r="http://schemas.openxmlformats.org/officeDocument/2006/relationships" xmlns:p="http://schemas.openxmlformats.org/presentationml/2006/main">
   <p:cSld>
     <p:spTree>
@@ -26076,7 +27484,7 @@
 </p:sld>
 </file>
 
-<file path=ppt/slides/slide17.xml><?xml version="1.0" encoding="utf-8"?>
+<file path=ppt/slides/slide28.xml><?xml version="1.0" encoding="utf-8"?>
 <p:sld xmlns:a="http://schemas.openxmlformats.org/drawingml/2006/main" xmlns:r="http://schemas.openxmlformats.org/officeDocument/2006/relationships" xmlns:p="http://schemas.openxmlformats.org/presentationml/2006/main">
   <p:cSld>
     <p:spTree>
@@ -28490,7 +29898,7 @@
 </p:sld>
 </file>
 
-<file path=ppt/slides/slide18.xml><?xml version="1.0" encoding="utf-8"?>
+<file path=ppt/slides/slide29.xml><?xml version="1.0" encoding="utf-8"?>
 <p:sld xmlns:a="http://schemas.openxmlformats.org/drawingml/2006/main" xmlns:r="http://schemas.openxmlformats.org/officeDocument/2006/relationships" xmlns:p="http://schemas.openxmlformats.org/presentationml/2006/main">
   <p:cSld>
     <p:spTree>
@@ -31265,7 +32673,610 @@
 </p:sld>
 </file>
 
-<file path=ppt/slides/slide19.xml><?xml version="1.0" encoding="utf-8"?>
+<file path=ppt/slides/slide3.xml><?xml version="1.0" encoding="utf-8"?>
+<p:sld xmlns:a="http://schemas.openxmlformats.org/drawingml/2006/main" xmlns:r="http://schemas.openxmlformats.org/officeDocument/2006/relationships" xmlns:p="http://schemas.openxmlformats.org/presentationml/2006/main">
+  <p:cSld>
+    <p:spTree>
+      <p:nvGrpSpPr>
+        <p:cNvPr id="1" name=""/>
+        <p:cNvGrpSpPr/>
+        <p:nvPr/>
+      </p:nvGrpSpPr>
+      <p:grpSpPr>
+        <a:xfrm>
+          <a:off x="0" y="0"/>
+          <a:ext cx="0" cy="0"/>
+          <a:chOff x="0" y="0"/>
+          <a:chExt cx="0" cy="0"/>
+        </a:xfrm>
+      </p:grpSpPr>
+      <p:sp>
+        <p:nvSpPr>
+          <p:cNvPr id="6" name="Title 5"/>
+          <p:cNvSpPr>
+            <a:spLocks noGrp="1"/>
+          </p:cNvSpPr>
+          <p:nvPr>
+            <p:ph type="title"/>
+          </p:nvPr>
+        </p:nvSpPr>
+        <p:spPr/>
+        <p:txBody>
+          <a:bodyPr/>
+          <a:lstStyle/>
+          <a:p>
+            <a:r>
+              <a:rPr lang="en-US" dirty="0"/>
+              <a:t>Agenda</a:t>
+            </a:r>
+          </a:p>
+        </p:txBody>
+      </p:sp>
+      <p:sp>
+        <p:nvSpPr>
+          <p:cNvPr id="7" name="Content Placeholder 6"/>
+          <p:cNvSpPr>
+            <a:spLocks noGrp="1"/>
+          </p:cNvSpPr>
+          <p:nvPr>
+            <p:ph idx="1"/>
+          </p:nvPr>
+        </p:nvSpPr>
+        <p:spPr/>
+        <p:txBody>
+          <a:bodyPr>
+            <a:normAutofit/>
+          </a:bodyPr>
+          <a:lstStyle/>
+          <a:p>
+            <a:r>
+              <a:rPr lang="en-US" sz="2000" dirty="0"/>
+              <a:t>Introduction</a:t>
+            </a:r>
+          </a:p>
+          <a:p>
+            <a:pPr lvl="1"/>
+            <a:r>
+              <a:rPr lang="en-US" sz="2000" dirty="0"/>
+              <a:t>Why should you use DCAF?</a:t>
+            </a:r>
+          </a:p>
+          <a:p>
+            <a:pPr lvl="1"/>
+            <a:r>
+              <a:rPr lang="en-US" sz="2000" dirty="0"/>
+              <a:t>Who should use DCAF?</a:t>
+            </a:r>
+          </a:p>
+          <a:p>
+            <a:r>
+              <a:rPr lang="en-US" sz="2000" dirty="0"/>
+              <a:t>Getting Started (Demo)</a:t>
+            </a:r>
+          </a:p>
+          <a:p>
+            <a:r>
+              <a:rPr lang="en-US" sz="2000" dirty="0"/>
+              <a:t>The DCAF Paradigm</a:t>
+            </a:r>
+          </a:p>
+          <a:p>
+            <a:pPr lvl="1"/>
+            <a:r>
+              <a:rPr lang="en-US" sz="2000" dirty="0"/>
+              <a:t>Engine</a:t>
+            </a:r>
+          </a:p>
+          <a:p>
+            <a:pPr lvl="1"/>
+            <a:r>
+              <a:rPr lang="en-US" sz="2000" dirty="0"/>
+              <a:t>Modules</a:t>
+            </a:r>
+          </a:p>
+          <a:p>
+            <a:pPr lvl="1"/>
+            <a:r>
+              <a:rPr lang="en-US" sz="2000" dirty="0"/>
+              <a:t>Configuration Editor</a:t>
+            </a:r>
+          </a:p>
+          <a:p>
+            <a:r>
+              <a:rPr lang="en-US" sz="2267" dirty="0"/>
+              <a:t>Quiz</a:t>
+            </a:r>
+          </a:p>
+          <a:p>
+            <a:pPr lvl="1"/>
+            <a:endParaRPr lang="en-US" sz="2000" dirty="0"/>
+          </a:p>
+          <a:p>
+            <a:endParaRPr lang="en-US" dirty="0"/>
+          </a:p>
+          <a:p>
+            <a:endParaRPr lang="en-US" dirty="0"/>
+          </a:p>
+        </p:txBody>
+      </p:sp>
+    </p:spTree>
+    <p:extLst>
+      <p:ext uri="{BB962C8B-B14F-4D97-AF65-F5344CB8AC3E}">
+        <p14:creationId xmlns:p14="http://schemas.microsoft.com/office/powerpoint/2010/main" val="353883698"/>
+      </p:ext>
+    </p:extLst>
+  </p:cSld>
+  <p:clrMapOvr>
+    <a:masterClrMapping/>
+  </p:clrMapOvr>
+</p:sld>
+</file>
+
+<file path=ppt/slides/slide30.xml><?xml version="1.0" encoding="utf-8"?>
+<p:sld xmlns:a="http://schemas.openxmlformats.org/drawingml/2006/main" xmlns:r="http://schemas.openxmlformats.org/officeDocument/2006/relationships" xmlns:p="http://schemas.openxmlformats.org/presentationml/2006/main" show="0">
+  <p:cSld>
+    <p:spTree>
+      <p:nvGrpSpPr>
+        <p:cNvPr id="1" name=""/>
+        <p:cNvGrpSpPr/>
+        <p:nvPr/>
+      </p:nvGrpSpPr>
+      <p:grpSpPr>
+        <a:xfrm>
+          <a:off x="0" y="0"/>
+          <a:ext cx="0" cy="0"/>
+          <a:chOff x="0" y="0"/>
+          <a:chExt cx="0" cy="0"/>
+        </a:xfrm>
+      </p:grpSpPr>
+      <p:sp>
+        <p:nvSpPr>
+          <p:cNvPr id="2" name="Title 1">
+            <a:extLst>
+              <a:ext uri="{FF2B5EF4-FFF2-40B4-BE49-F238E27FC236}">
+                <a16:creationId xmlns:a16="http://schemas.microsoft.com/office/drawing/2014/main" id="{F5E160DA-AEBE-4BB2-861C-7A500CFCD6C4}"/>
+              </a:ext>
+            </a:extLst>
+          </p:cNvPr>
+          <p:cNvSpPr>
+            <a:spLocks noGrp="1"/>
+          </p:cNvSpPr>
+          <p:nvPr>
+            <p:ph type="title"/>
+          </p:nvPr>
+        </p:nvSpPr>
+        <p:spPr/>
+        <p:txBody>
+          <a:bodyPr/>
+          <a:lstStyle/>
+          <a:p>
+            <a:endParaRPr lang="en-US"/>
+          </a:p>
+        </p:txBody>
+      </p:sp>
+      <p:sp>
+        <p:nvSpPr>
+          <p:cNvPr id="11" name="Content Placeholder 10"/>
+          <p:cNvSpPr>
+            <a:spLocks noGrp="1"/>
+          </p:cNvSpPr>
+          <p:nvPr>
+            <p:ph sz="half" idx="1"/>
+          </p:nvPr>
+        </p:nvSpPr>
+        <p:spPr/>
+        <p:txBody>
+          <a:bodyPr>
+            <a:normAutofit lnSpcReduction="10000"/>
+          </a:bodyPr>
+          <a:lstStyle/>
+          <a:p>
+            <a:pPr marL="0" indent="0">
+              <a:buNone/>
+            </a:pPr>
+            <a:r>
+              <a:rPr lang="en-US" sz="3200" spc="-100" dirty="0">
+                <a:solidFill>
+                  <a:schemeClr val="accent1"/>
+                </a:solidFill>
+                <a:ea typeface="+mj-ea"/>
+              </a:rPr>
+              <a:t>Tags</a:t>
+            </a:r>
+          </a:p>
+          <a:p>
+            <a:r>
+              <a:rPr lang="en-US" dirty="0"/>
+              <a:t>Engine Scope</a:t>
+            </a:r>
+          </a:p>
+          <a:p>
+            <a:r>
+              <a:rPr lang="en-US" dirty="0"/>
+              <a:t>Have Data Type</a:t>
+            </a:r>
+          </a:p>
+          <a:p>
+            <a:r>
+              <a:rPr lang="en-US" dirty="0"/>
+              <a:t>Unique Name</a:t>
+            </a:r>
+          </a:p>
+          <a:p>
+            <a:r>
+              <a:rPr lang="en-US" dirty="0"/>
+              <a:t>Only one writer </a:t>
+            </a:r>
+          </a:p>
+          <a:p>
+            <a:r>
+              <a:rPr lang="en-US" dirty="0"/>
+              <a:t>Multiple readers</a:t>
+            </a:r>
+          </a:p>
+          <a:p>
+            <a:endParaRPr lang="en-US" dirty="0"/>
+          </a:p>
+          <a:p>
+            <a:pPr marL="0" indent="0">
+              <a:buNone/>
+            </a:pPr>
+            <a:r>
+              <a:rPr lang="en-US" sz="3200" spc="-100" dirty="0">
+                <a:solidFill>
+                  <a:schemeClr val="accent1"/>
+                </a:solidFill>
+              </a:rPr>
+              <a:t>Channels</a:t>
+            </a:r>
+          </a:p>
+          <a:p>
+            <a:r>
+              <a:rPr lang="en-US" dirty="0"/>
+              <a:t>Module Scope</a:t>
+            </a:r>
+          </a:p>
+          <a:p>
+            <a:r>
+              <a:rPr lang="en-US" dirty="0"/>
+              <a:t>Have Data Type</a:t>
+            </a:r>
+          </a:p>
+          <a:p>
+            <a:r>
+              <a:rPr lang="en-US" dirty="0"/>
+              <a:t>Unique Name</a:t>
+            </a:r>
+          </a:p>
+          <a:p>
+            <a:r>
+              <a:rPr lang="en-US" dirty="0"/>
+              <a:t>Have Flow Direction</a:t>
+            </a:r>
+          </a:p>
+          <a:p>
+            <a:pPr marL="0" indent="0">
+              <a:buNone/>
+            </a:pPr>
+            <a:endParaRPr lang="en-US" dirty="0"/>
+          </a:p>
+          <a:p>
+            <a:endParaRPr lang="en-US" dirty="0"/>
+          </a:p>
+        </p:txBody>
+      </p:sp>
+      <p:sp>
+        <p:nvSpPr>
+          <p:cNvPr id="5" name="Rounded Rectangle 4"/>
+          <p:cNvSpPr/>
+          <p:nvPr/>
+        </p:nvSpPr>
+        <p:spPr>
+          <a:xfrm>
+            <a:off x="6734025" y="3979539"/>
+            <a:ext cx="4259075" cy="1705956"/>
+          </a:xfrm>
+          <a:prstGeom prst="roundRect">
+            <a:avLst/>
+          </a:prstGeom>
+          <a:solidFill>
+            <a:schemeClr val="tx2">
+              <a:lumMod val="50000"/>
+            </a:schemeClr>
+          </a:solidFill>
+          <a:ln w="28575">
+            <a:solidFill>
+              <a:schemeClr val="tx1"/>
+            </a:solidFill>
+          </a:ln>
+          <a:effectLst>
+            <a:outerShdw blurRad="50800" dist="38100" dir="2700000" algn="tl" rotWithShape="0">
+              <a:prstClr val="black">
+                <a:alpha val="40000"/>
+              </a:prstClr>
+            </a:outerShdw>
+          </a:effectLst>
+        </p:spPr>
+        <p:style>
+          <a:lnRef idx="1">
+            <a:schemeClr val="accent1"/>
+          </a:lnRef>
+          <a:fillRef idx="3">
+            <a:schemeClr val="accent1"/>
+          </a:fillRef>
+          <a:effectRef idx="2">
+            <a:schemeClr val="accent1"/>
+          </a:effectRef>
+          <a:fontRef idx="minor">
+            <a:schemeClr val="lt1"/>
+          </a:fontRef>
+        </p:style>
+        <p:txBody>
+          <a:bodyPr rtlCol="0" anchor="ctr"/>
+          <a:lstStyle/>
+          <a:p>
+            <a:pPr algn="ctr"/>
+            <a:r>
+              <a:rPr lang="en-US" sz="2000" dirty="0">
+                <a:solidFill>
+                  <a:schemeClr val="bg1"/>
+                </a:solidFill>
+              </a:rPr>
+              <a:t>Input Module</a:t>
+            </a:r>
+          </a:p>
+        </p:txBody>
+      </p:sp>
+      <p:sp>
+        <p:nvSpPr>
+          <p:cNvPr id="6" name="Rounded Rectangle 5"/>
+          <p:cNvSpPr/>
+          <p:nvPr/>
+        </p:nvSpPr>
+        <p:spPr>
+          <a:xfrm>
+            <a:off x="6699432" y="1243967"/>
+            <a:ext cx="4259075" cy="1821550"/>
+          </a:xfrm>
+          <a:prstGeom prst="roundRect">
+            <a:avLst/>
+          </a:prstGeom>
+          <a:solidFill>
+            <a:srgbClr val="C00000"/>
+          </a:solidFill>
+          <a:ln w="28575">
+            <a:solidFill>
+              <a:schemeClr val="tx1"/>
+            </a:solidFill>
+          </a:ln>
+          <a:effectLst>
+            <a:outerShdw blurRad="50800" dist="38100" dir="2700000" algn="tl" rotWithShape="0">
+              <a:prstClr val="black">
+                <a:alpha val="40000"/>
+              </a:prstClr>
+            </a:outerShdw>
+          </a:effectLst>
+        </p:spPr>
+        <p:style>
+          <a:lnRef idx="1">
+            <a:schemeClr val="accent1"/>
+          </a:lnRef>
+          <a:fillRef idx="3">
+            <a:schemeClr val="accent1"/>
+          </a:fillRef>
+          <a:effectRef idx="2">
+            <a:schemeClr val="accent1"/>
+          </a:effectRef>
+          <a:fontRef idx="minor">
+            <a:schemeClr val="lt1"/>
+          </a:fontRef>
+        </p:style>
+        <p:txBody>
+          <a:bodyPr rtlCol="0" anchor="ctr"/>
+          <a:lstStyle/>
+          <a:p>
+            <a:pPr algn="ctr"/>
+            <a:r>
+              <a:rPr lang="en-US" b="1" dirty="0">
+                <a:solidFill>
+                  <a:schemeClr val="bg1"/>
+                </a:solidFill>
+              </a:rPr>
+              <a:t>Engine</a:t>
+            </a:r>
+          </a:p>
+        </p:txBody>
+      </p:sp>
+      <p:sp>
+        <p:nvSpPr>
+          <p:cNvPr id="7" name="Rounded Rectangle 6"/>
+          <p:cNvSpPr/>
+          <p:nvPr/>
+        </p:nvSpPr>
+        <p:spPr>
+          <a:xfrm>
+            <a:off x="7917137" y="4053442"/>
+            <a:ext cx="1657814" cy="531360"/>
+          </a:xfrm>
+          <a:prstGeom prst="roundRect">
+            <a:avLst/>
+          </a:prstGeom>
+          <a:solidFill>
+            <a:schemeClr val="accent1">
+              <a:lumMod val="40000"/>
+              <a:lumOff val="60000"/>
+            </a:schemeClr>
+          </a:solidFill>
+          <a:ln w="28575">
+            <a:solidFill>
+              <a:schemeClr val="tx1"/>
+            </a:solidFill>
+          </a:ln>
+          <a:effectLst>
+            <a:outerShdw blurRad="50800" dist="38100" dir="2700000" algn="tl" rotWithShape="0">
+              <a:prstClr val="black">
+                <a:alpha val="40000"/>
+              </a:prstClr>
+            </a:outerShdw>
+          </a:effectLst>
+        </p:spPr>
+        <p:style>
+          <a:lnRef idx="1">
+            <a:schemeClr val="accent1"/>
+          </a:lnRef>
+          <a:fillRef idx="3">
+            <a:schemeClr val="accent1"/>
+          </a:fillRef>
+          <a:effectRef idx="2">
+            <a:schemeClr val="accent1"/>
+          </a:effectRef>
+          <a:fontRef idx="minor">
+            <a:schemeClr val="lt1"/>
+          </a:fontRef>
+        </p:style>
+        <p:txBody>
+          <a:bodyPr rtlCol="0" anchor="ctr"/>
+          <a:lstStyle/>
+          <a:p>
+            <a:pPr algn="ctr"/>
+            <a:r>
+              <a:rPr lang="en-US" dirty="0">
+                <a:solidFill>
+                  <a:schemeClr val="tx1"/>
+                </a:solidFill>
+              </a:rPr>
+              <a:t>Channel</a:t>
+            </a:r>
+          </a:p>
+        </p:txBody>
+      </p:sp>
+      <p:sp>
+        <p:nvSpPr>
+          <p:cNvPr id="8" name="Rounded Rectangle 7"/>
+          <p:cNvSpPr/>
+          <p:nvPr/>
+        </p:nvSpPr>
+        <p:spPr>
+          <a:xfrm>
+            <a:off x="7917137" y="2346073"/>
+            <a:ext cx="1657814" cy="531360"/>
+          </a:xfrm>
+          <a:prstGeom prst="roundRect">
+            <a:avLst/>
+          </a:prstGeom>
+          <a:solidFill>
+            <a:schemeClr val="bg1">
+              <a:lumMod val="85000"/>
+            </a:schemeClr>
+          </a:solidFill>
+          <a:ln w="28575">
+            <a:solidFill>
+              <a:schemeClr val="tx1"/>
+            </a:solidFill>
+          </a:ln>
+          <a:effectLst>
+            <a:outerShdw blurRad="50800" dist="38100" dir="2700000" algn="tl" rotWithShape="0">
+              <a:prstClr val="black">
+                <a:alpha val="40000"/>
+              </a:prstClr>
+            </a:outerShdw>
+          </a:effectLst>
+        </p:spPr>
+        <p:style>
+          <a:lnRef idx="1">
+            <a:schemeClr val="accent1"/>
+          </a:lnRef>
+          <a:fillRef idx="3">
+            <a:schemeClr val="accent1"/>
+          </a:fillRef>
+          <a:effectRef idx="2">
+            <a:schemeClr val="accent1"/>
+          </a:effectRef>
+          <a:fontRef idx="minor">
+            <a:schemeClr val="lt1"/>
+          </a:fontRef>
+        </p:style>
+        <p:txBody>
+          <a:bodyPr rtlCol="0" anchor="ctr"/>
+          <a:lstStyle/>
+          <a:p>
+            <a:pPr algn="ctr"/>
+            <a:r>
+              <a:rPr lang="en-US" dirty="0">
+                <a:solidFill>
+                  <a:schemeClr val="tx1"/>
+                </a:solidFill>
+              </a:rPr>
+              <a:t>Tag</a:t>
+            </a:r>
+          </a:p>
+        </p:txBody>
+      </p:sp>
+      <p:sp>
+        <p:nvSpPr>
+          <p:cNvPr id="9" name="Right Arrow 8"/>
+          <p:cNvSpPr/>
+          <p:nvPr/>
+        </p:nvSpPr>
+        <p:spPr>
+          <a:xfrm rot="5400000">
+            <a:off x="8196861" y="3042286"/>
+            <a:ext cx="1098366" cy="923946"/>
+          </a:xfrm>
+          <a:prstGeom prst="rightArrow">
+            <a:avLst/>
+          </a:prstGeom>
+          <a:solidFill>
+            <a:srgbClr val="FF0000"/>
+          </a:solidFill>
+          <a:ln>
+            <a:noFill/>
+          </a:ln>
+          <a:effectLst>
+            <a:outerShdw blurRad="50800" dist="38100" dir="2700000" algn="tl" rotWithShape="0">
+              <a:prstClr val="black">
+                <a:alpha val="40000"/>
+              </a:prstClr>
+            </a:outerShdw>
+          </a:effectLst>
+        </p:spPr>
+        <p:style>
+          <a:lnRef idx="1">
+            <a:schemeClr val="accent1"/>
+          </a:lnRef>
+          <a:fillRef idx="3">
+            <a:schemeClr val="accent1"/>
+          </a:fillRef>
+          <a:effectRef idx="2">
+            <a:schemeClr val="accent1"/>
+          </a:effectRef>
+          <a:fontRef idx="minor">
+            <a:schemeClr val="lt1"/>
+          </a:fontRef>
+        </p:style>
+        <p:txBody>
+          <a:bodyPr rtlCol="0" anchor="ctr"/>
+          <a:lstStyle/>
+          <a:p>
+            <a:pPr algn="ctr"/>
+            <a:endParaRPr lang="en-US"/>
+          </a:p>
+        </p:txBody>
+      </p:sp>
+    </p:spTree>
+    <p:extLst>
+      <p:ext uri="{BB962C8B-B14F-4D97-AF65-F5344CB8AC3E}">
+        <p14:creationId xmlns:p14="http://schemas.microsoft.com/office/powerpoint/2010/main" val="2256109611"/>
+      </p:ext>
+    </p:extLst>
+  </p:cSld>
+  <p:clrMapOvr>
+    <a:masterClrMapping/>
+  </p:clrMapOvr>
+</p:sld>
+</file>
+
+<file path=ppt/slides/slide31.xml><?xml version="1.0" encoding="utf-8"?>
 <p:sld xmlns:a="http://schemas.openxmlformats.org/drawingml/2006/main" xmlns:r="http://schemas.openxmlformats.org/officeDocument/2006/relationships" xmlns:p="http://schemas.openxmlformats.org/presentationml/2006/main" show="0">
   <p:cSld>
     <p:spTree>
@@ -31737,124 +33748,7 @@
 </p:sld>
 </file>
 
-<file path=ppt/slides/slide2.xml><?xml version="1.0" encoding="utf-8"?>
-<p:sld xmlns:a="http://schemas.openxmlformats.org/drawingml/2006/main" xmlns:r="http://schemas.openxmlformats.org/officeDocument/2006/relationships" xmlns:p="http://schemas.openxmlformats.org/presentationml/2006/main">
-  <p:cSld>
-    <p:spTree>
-      <p:nvGrpSpPr>
-        <p:cNvPr id="1" name=""/>
-        <p:cNvGrpSpPr/>
-        <p:nvPr/>
-      </p:nvGrpSpPr>
-      <p:grpSpPr>
-        <a:xfrm>
-          <a:off x="0" y="0"/>
-          <a:ext cx="0" cy="0"/>
-          <a:chOff x="0" y="0"/>
-          <a:chExt cx="0" cy="0"/>
-        </a:xfrm>
-      </p:grpSpPr>
-      <p:sp>
-        <p:nvSpPr>
-          <p:cNvPr id="2" name="Title 1"/>
-          <p:cNvSpPr>
-            <a:spLocks noGrp="1"/>
-          </p:cNvSpPr>
-          <p:nvPr>
-            <p:ph type="ctrTitle"/>
-          </p:nvPr>
-        </p:nvSpPr>
-        <p:spPr/>
-        <p:txBody>
-          <a:bodyPr/>
-          <a:lstStyle/>
-          <a:p>
-            <a:r>
-              <a:rPr lang="en-US" dirty="0"/>
-              <a:t>Distributed Control and Automation Framework (DCAF)</a:t>
-            </a:r>
-          </a:p>
-        </p:txBody>
-      </p:sp>
-      <p:sp>
-        <p:nvSpPr>
-          <p:cNvPr id="3" name="Subtitle 2"/>
-          <p:cNvSpPr>
-            <a:spLocks noGrp="1"/>
-          </p:cNvSpPr>
-          <p:nvPr>
-            <p:ph type="subTitle" idx="1"/>
-          </p:nvPr>
-        </p:nvSpPr>
-        <p:spPr/>
-        <p:txBody>
-          <a:bodyPr/>
-          <a:lstStyle/>
-          <a:p>
-            <a:r>
-              <a:rPr lang="en-US" dirty="0"/>
-              <a:t>Introduction to DCAF</a:t>
-            </a:r>
-          </a:p>
-        </p:txBody>
-      </p:sp>
-      <p:sp>
-        <p:nvSpPr>
-          <p:cNvPr id="4" name="Text Placeholder 3"/>
-          <p:cNvSpPr>
-            <a:spLocks noGrp="1"/>
-          </p:cNvSpPr>
-          <p:nvPr>
-            <p:ph type="body" sz="quarter" idx="12"/>
-          </p:nvPr>
-        </p:nvSpPr>
-        <p:spPr/>
-        <p:txBody>
-          <a:bodyPr>
-            <a:normAutofit lnSpcReduction="10000"/>
-          </a:bodyPr>
-          <a:lstStyle/>
-          <a:p>
-            <a:r>
-              <a:rPr lang="en-US" dirty="0"/>
-              <a:t>Benjamin Celis, Mathew Pollock, Simon Perez, Andres Gomez</a:t>
-            </a:r>
-          </a:p>
-        </p:txBody>
-      </p:sp>
-      <p:sp>
-        <p:nvSpPr>
-          <p:cNvPr id="5" name="Text Placeholder 4"/>
-          <p:cNvSpPr>
-            <a:spLocks noGrp="1"/>
-          </p:cNvSpPr>
-          <p:nvPr>
-            <p:ph type="body" sz="quarter" idx="13"/>
-          </p:nvPr>
-        </p:nvSpPr>
-        <p:spPr/>
-        <p:txBody>
-          <a:bodyPr/>
-          <a:lstStyle/>
-          <a:p>
-            <a:endParaRPr lang="en-US" dirty="0"/>
-          </a:p>
-        </p:txBody>
-      </p:sp>
-    </p:spTree>
-    <p:extLst>
-      <p:ext uri="{BB962C8B-B14F-4D97-AF65-F5344CB8AC3E}">
-        <p14:creationId xmlns:p14="http://schemas.microsoft.com/office/powerpoint/2010/main" val="3695697852"/>
-      </p:ext>
-    </p:extLst>
-  </p:cSld>
-  <p:clrMapOvr>
-    <a:masterClrMapping/>
-  </p:clrMapOvr>
-</p:sld>
-</file>
-
-<file path=ppt/slides/slide20.xml><?xml version="1.0" encoding="utf-8"?>
+<file path=ppt/slides/slide32.xml><?xml version="1.0" encoding="utf-8"?>
 <p:sld xmlns:a="http://schemas.openxmlformats.org/drawingml/2006/main" xmlns:r="http://schemas.openxmlformats.org/officeDocument/2006/relationships" xmlns:p="http://schemas.openxmlformats.org/presentationml/2006/main" show="0">
   <p:cSld>
     <p:spTree>
@@ -32640,7 +34534,7 @@
 </p:sld>
 </file>
 
-<file path=ppt/slides/slide21.xml><?xml version="1.0" encoding="utf-8"?>
+<file path=ppt/slides/slide33.xml><?xml version="1.0" encoding="utf-8"?>
 <p:sld xmlns:a="http://schemas.openxmlformats.org/drawingml/2006/main" xmlns:r="http://schemas.openxmlformats.org/officeDocument/2006/relationships" xmlns:p="http://schemas.openxmlformats.org/presentationml/2006/main" show="0">
   <p:cSld>
     <p:spTree>
@@ -32804,7 +34698,7 @@
 </p:sld>
 </file>
 
-<file path=ppt/slides/slide22.xml><?xml version="1.0" encoding="utf-8"?>
+<file path=ppt/slides/slide34.xml><?xml version="1.0" encoding="utf-8"?>
 <p:sld xmlns:a="http://schemas.openxmlformats.org/drawingml/2006/main" xmlns:r="http://schemas.openxmlformats.org/officeDocument/2006/relationships" xmlns:p="http://schemas.openxmlformats.org/presentationml/2006/main" show="0">
   <p:cSld>
     <p:spTree>
@@ -32894,7 +34788,7 @@
 </p:sld>
 </file>
 
-<file path=ppt/slides/slide23.xml><?xml version="1.0" encoding="utf-8"?>
+<file path=ppt/slides/slide35.xml><?xml version="1.0" encoding="utf-8"?>
 <p:sld xmlns:a="http://schemas.openxmlformats.org/drawingml/2006/main" xmlns:r="http://schemas.openxmlformats.org/officeDocument/2006/relationships" xmlns:p="http://schemas.openxmlformats.org/presentationml/2006/main" show="0">
   <p:cSld>
     <p:spTree>
@@ -32982,7 +34876,7 @@
 </p:sld>
 </file>
 
-<file path=ppt/slides/slide24.xml><?xml version="1.0" encoding="utf-8"?>
+<file path=ppt/slides/slide36.xml><?xml version="1.0" encoding="utf-8"?>
 <p:sld xmlns:a="http://schemas.openxmlformats.org/drawingml/2006/main" xmlns:r="http://schemas.openxmlformats.org/officeDocument/2006/relationships" xmlns:p="http://schemas.openxmlformats.org/presentationml/2006/main">
   <p:cSld>
     <p:spTree>
@@ -33685,439 +35579,7 @@
 </p:sld>
 </file>
 
-<file path=ppt/slides/slide25.xml><?xml version="1.0" encoding="utf-8"?>
-<p:sld xmlns:a="http://schemas.openxmlformats.org/drawingml/2006/main" xmlns:r="http://schemas.openxmlformats.org/officeDocument/2006/relationships" xmlns:p="http://schemas.openxmlformats.org/presentationml/2006/main">
-  <p:cSld>
-    <p:spTree>
-      <p:nvGrpSpPr>
-        <p:cNvPr id="1" name=""/>
-        <p:cNvGrpSpPr/>
-        <p:nvPr/>
-      </p:nvGrpSpPr>
-      <p:grpSpPr>
-        <a:xfrm>
-          <a:off x="0" y="0"/>
-          <a:ext cx="0" cy="0"/>
-          <a:chOff x="0" y="0"/>
-          <a:chExt cx="0" cy="0"/>
-        </a:xfrm>
-      </p:grpSpPr>
-      <p:sp>
-        <p:nvSpPr>
-          <p:cNvPr id="3" name="Text Placeholder 2">
-            <a:extLst>
-              <a:ext uri="{FF2B5EF4-FFF2-40B4-BE49-F238E27FC236}">
-                <a16:creationId xmlns:a16="http://schemas.microsoft.com/office/drawing/2014/main" id="{919CF29D-C3A2-495A-B8A5-779AABA82D2D}"/>
-              </a:ext>
-            </a:extLst>
-          </p:cNvPr>
-          <p:cNvSpPr>
-            <a:spLocks noGrp="1"/>
-          </p:cNvSpPr>
-          <p:nvPr>
-            <p:ph type="body" sz="quarter" idx="10"/>
-          </p:nvPr>
-        </p:nvSpPr>
-        <p:spPr/>
-        <p:txBody>
-          <a:bodyPr/>
-          <a:lstStyle/>
-          <a:p>
-            <a:r>
-              <a:rPr lang="en-US" dirty="0"/>
-              <a:t>Getting Started</a:t>
-            </a:r>
-          </a:p>
-        </p:txBody>
-      </p:sp>
-    </p:spTree>
-    <p:extLst>
-      <p:ext uri="{BB962C8B-B14F-4D97-AF65-F5344CB8AC3E}">
-        <p14:creationId xmlns:p14="http://schemas.microsoft.com/office/powerpoint/2010/main" val="3734952113"/>
-      </p:ext>
-    </p:extLst>
-  </p:cSld>
-  <p:clrMapOvr>
-    <a:masterClrMapping/>
-  </p:clrMapOvr>
-</p:sld>
-</file>
-
-<file path=ppt/slides/slide26.xml><?xml version="1.0" encoding="utf-8"?>
-<p:sld xmlns:a="http://schemas.openxmlformats.org/drawingml/2006/main" xmlns:r="http://schemas.openxmlformats.org/officeDocument/2006/relationships" xmlns:p="http://schemas.openxmlformats.org/presentationml/2006/main">
-  <p:cSld>
-    <p:spTree>
-      <p:nvGrpSpPr>
-        <p:cNvPr id="1" name=""/>
-        <p:cNvGrpSpPr/>
-        <p:nvPr/>
-      </p:nvGrpSpPr>
-      <p:grpSpPr>
-        <a:xfrm>
-          <a:off x="0" y="0"/>
-          <a:ext cx="0" cy="0"/>
-          <a:chOff x="0" y="0"/>
-          <a:chExt cx="0" cy="0"/>
-        </a:xfrm>
-      </p:grpSpPr>
-      <p:sp>
-        <p:nvSpPr>
-          <p:cNvPr id="2" name="Title 1"/>
-          <p:cNvSpPr>
-            <a:spLocks noGrp="1"/>
-          </p:cNvSpPr>
-          <p:nvPr>
-            <p:ph type="title"/>
-          </p:nvPr>
-        </p:nvSpPr>
-        <p:spPr/>
-        <p:txBody>
-          <a:bodyPr/>
-          <a:lstStyle/>
-          <a:p>
-            <a:r>
-              <a:rPr lang="en-US" dirty="0"/>
-              <a:t>Getting Started</a:t>
-            </a:r>
-          </a:p>
-        </p:txBody>
-      </p:sp>
-      <p:sp>
-        <p:nvSpPr>
-          <p:cNvPr id="3" name="Content Placeholder 2"/>
-          <p:cNvSpPr>
-            <a:spLocks noGrp="1"/>
-          </p:cNvSpPr>
-          <p:nvPr>
-            <p:ph idx="1"/>
-          </p:nvPr>
-        </p:nvSpPr>
-        <p:spPr/>
-        <p:txBody>
-          <a:bodyPr/>
-          <a:lstStyle/>
-          <a:p>
-            <a:r>
-              <a:rPr lang="en-US" dirty="0"/>
-              <a:t>Create a project with the Execution Template</a:t>
-            </a:r>
-          </a:p>
-          <a:p>
-            <a:r>
-              <a:rPr lang="en-US" dirty="0"/>
-              <a:t>Open the Editor from the Tools menu</a:t>
-            </a:r>
-          </a:p>
-          <a:p>
-            <a:r>
-              <a:rPr lang="en-US" dirty="0"/>
-              <a:t>Configure the system in the Editor</a:t>
-            </a:r>
-          </a:p>
-          <a:p>
-            <a:r>
-              <a:rPr lang="en-US" dirty="0"/>
-              <a:t>Populate Includes VI</a:t>
-            </a:r>
-          </a:p>
-          <a:p>
-            <a:r>
-              <a:rPr lang="en-US" dirty="0"/>
-              <a:t>Save the Configuration</a:t>
-            </a:r>
-          </a:p>
-          <a:p>
-            <a:r>
-              <a:rPr lang="en-US" dirty="0"/>
-              <a:t>Load the Configuration using the template VI.</a:t>
-            </a:r>
-          </a:p>
-          <a:p>
-            <a:endParaRPr lang="en-US" dirty="0"/>
-          </a:p>
-        </p:txBody>
-      </p:sp>
-    </p:spTree>
-    <p:extLst>
-      <p:ext uri="{BB962C8B-B14F-4D97-AF65-F5344CB8AC3E}">
-        <p14:creationId xmlns:p14="http://schemas.microsoft.com/office/powerpoint/2010/main" val="213494801"/>
-      </p:ext>
-    </p:extLst>
-  </p:cSld>
-  <p:clrMapOvr>
-    <a:masterClrMapping/>
-  </p:clrMapOvr>
-</p:sld>
-</file>
-
-<file path=ppt/slides/slide27.xml><?xml version="1.0" encoding="utf-8"?>
-<p:sld xmlns:a="http://schemas.openxmlformats.org/drawingml/2006/main" xmlns:r="http://schemas.openxmlformats.org/officeDocument/2006/relationships" xmlns:p="http://schemas.openxmlformats.org/presentationml/2006/main" show="0">
-  <p:cSld>
-    <p:spTree>
-      <p:nvGrpSpPr>
-        <p:cNvPr id="1" name=""/>
-        <p:cNvGrpSpPr/>
-        <p:nvPr/>
-      </p:nvGrpSpPr>
-      <p:grpSpPr>
-        <a:xfrm>
-          <a:off x="0" y="0"/>
-          <a:ext cx="0" cy="0"/>
-          <a:chOff x="0" y="0"/>
-          <a:chExt cx="0" cy="0"/>
-        </a:xfrm>
-      </p:grpSpPr>
-      <p:sp>
-        <p:nvSpPr>
-          <p:cNvPr id="2" name="Title 1"/>
-          <p:cNvSpPr>
-            <a:spLocks noGrp="1"/>
-          </p:cNvSpPr>
-          <p:nvPr>
-            <p:ph type="title"/>
-          </p:nvPr>
-        </p:nvSpPr>
-        <p:spPr/>
-        <p:txBody>
-          <a:bodyPr/>
-          <a:lstStyle/>
-          <a:p>
-            <a:r>
-              <a:rPr lang="en-US" dirty="0"/>
-              <a:t>DCAF Project Templates</a:t>
-            </a:r>
-          </a:p>
-        </p:txBody>
-      </p:sp>
-      <p:pic>
-        <p:nvPicPr>
-          <p:cNvPr id="8" name="Picture 7">
-            <a:extLst>
-              <a:ext uri="{FF2B5EF4-FFF2-40B4-BE49-F238E27FC236}">
-                <a16:creationId xmlns:a16="http://schemas.microsoft.com/office/drawing/2014/main" id="{0CAD30DF-6589-45E7-BC2E-5AEB380F89C4}"/>
-              </a:ext>
-            </a:extLst>
-          </p:cNvPr>
-          <p:cNvPicPr>
-            <a:picLocks noChangeAspect="1"/>
-          </p:cNvPicPr>
-          <p:nvPr/>
-        </p:nvPicPr>
-        <p:blipFill>
-          <a:blip r:embed="rId3">
-            <a:extLst>
-              <a:ext uri="{28A0092B-C50C-407E-A947-70E740481C1C}">
-                <a14:useLocalDpi xmlns:a14="http://schemas.microsoft.com/office/drawing/2010/main" val="0"/>
-              </a:ext>
-            </a:extLst>
-          </a:blip>
-          <a:stretch>
-            <a:fillRect/>
-          </a:stretch>
-        </p:blipFill>
-        <p:spPr>
-          <a:xfrm>
-            <a:off x="548639" y="1753786"/>
-            <a:ext cx="6048104" cy="4369176"/>
-          </a:xfrm>
-          <a:prstGeom prst="rect">
-            <a:avLst/>
-          </a:prstGeom>
-        </p:spPr>
-      </p:pic>
-      <p:pic>
-        <p:nvPicPr>
-          <p:cNvPr id="9" name="Picture 8">
-            <a:extLst>
-              <a:ext uri="{FF2B5EF4-FFF2-40B4-BE49-F238E27FC236}">
-                <a16:creationId xmlns:a16="http://schemas.microsoft.com/office/drawing/2014/main" id="{41E65BB4-69E1-4C76-B287-62E80991284D}"/>
-              </a:ext>
-            </a:extLst>
-          </p:cNvPr>
-          <p:cNvPicPr>
-            <a:picLocks noChangeAspect="1"/>
-          </p:cNvPicPr>
-          <p:nvPr/>
-        </p:nvPicPr>
-        <p:blipFill>
-          <a:blip r:embed="rId4">
-            <a:extLst>
-              <a:ext uri="{28A0092B-C50C-407E-A947-70E740481C1C}">
-                <a14:useLocalDpi xmlns:a14="http://schemas.microsoft.com/office/drawing/2010/main" val="0"/>
-              </a:ext>
-            </a:extLst>
-          </a:blip>
-          <a:stretch>
-            <a:fillRect/>
-          </a:stretch>
-        </p:blipFill>
-        <p:spPr>
-          <a:xfrm>
-            <a:off x="7404104" y="2427538"/>
-            <a:ext cx="3133310" cy="3021672"/>
-          </a:xfrm>
-          <a:prstGeom prst="rect">
-            <a:avLst/>
-          </a:prstGeom>
-        </p:spPr>
-      </p:pic>
-      <p:cxnSp>
-        <p:nvCxnSpPr>
-          <p:cNvPr id="10" name="Straight Arrow Connector 9">
-            <a:extLst>
-              <a:ext uri="{FF2B5EF4-FFF2-40B4-BE49-F238E27FC236}">
-                <a16:creationId xmlns:a16="http://schemas.microsoft.com/office/drawing/2014/main" id="{4B66E0AE-DE96-4899-A9FA-CE8D97728836}"/>
-              </a:ext>
-            </a:extLst>
-          </p:cNvPr>
-          <p:cNvCxnSpPr>
-            <a:cxnSpLocks/>
-            <a:stCxn id="8" idx="3"/>
-            <a:endCxn id="9" idx="1"/>
-          </p:cNvCxnSpPr>
-          <p:nvPr/>
-        </p:nvCxnSpPr>
-        <p:spPr>
-          <a:xfrm>
-            <a:off x="6596743" y="3938374"/>
-            <a:ext cx="807361" cy="0"/>
-          </a:xfrm>
-          <a:prstGeom prst="straightConnector1">
-            <a:avLst/>
-          </a:prstGeom>
-          <a:ln w="76200">
-            <a:solidFill>
-              <a:schemeClr val="bg2">
-                <a:lumMod val="25000"/>
-              </a:schemeClr>
-            </a:solidFill>
-            <a:headEnd type="none"/>
-            <a:tailEnd type="triangle"/>
-          </a:ln>
-        </p:spPr>
-        <p:style>
-          <a:lnRef idx="1">
-            <a:schemeClr val="accent1"/>
-          </a:lnRef>
-          <a:fillRef idx="0">
-            <a:schemeClr val="accent1"/>
-          </a:fillRef>
-          <a:effectRef idx="0">
-            <a:schemeClr val="accent1"/>
-          </a:effectRef>
-          <a:fontRef idx="minor">
-            <a:schemeClr val="tx1"/>
-          </a:fontRef>
-        </p:style>
-      </p:cxnSp>
-    </p:spTree>
-    <p:extLst>
-      <p:ext uri="{BB962C8B-B14F-4D97-AF65-F5344CB8AC3E}">
-        <p14:creationId xmlns:p14="http://schemas.microsoft.com/office/powerpoint/2010/main" val="1023362139"/>
-      </p:ext>
-    </p:extLst>
-  </p:cSld>
-  <p:clrMapOvr>
-    <a:masterClrMapping/>
-  </p:clrMapOvr>
-  <mc:AlternateContent xmlns:mc="http://schemas.openxmlformats.org/markup-compatibility/2006">
-    <mc:Choice xmlns:p14="http://schemas.microsoft.com/office/powerpoint/2010/main" Requires="p14">
-      <p:transition spd="med" p14:dur="700">
-        <p:fade/>
-      </p:transition>
-    </mc:Choice>
-    <mc:Fallback>
-      <p:transition spd="med">
-        <p:fade/>
-      </p:transition>
-    </mc:Fallback>
-  </mc:AlternateContent>
-</p:sld>
-</file>
-
-<file path=ppt/slides/slide28.xml><?xml version="1.0" encoding="utf-8"?>
-<p:sld xmlns:a="http://schemas.openxmlformats.org/drawingml/2006/main" xmlns:r="http://schemas.openxmlformats.org/officeDocument/2006/relationships" xmlns:p="http://schemas.openxmlformats.org/presentationml/2006/main" show="0">
-  <p:cSld>
-    <p:spTree>
-      <p:nvGrpSpPr>
-        <p:cNvPr id="1" name=""/>
-        <p:cNvGrpSpPr/>
-        <p:nvPr/>
-      </p:nvGrpSpPr>
-      <p:grpSpPr>
-        <a:xfrm>
-          <a:off x="0" y="0"/>
-          <a:ext cx="0" cy="0"/>
-          <a:chOff x="0" y="0"/>
-          <a:chExt cx="0" cy="0"/>
-        </a:xfrm>
-      </p:grpSpPr>
-      <p:sp>
-        <p:nvSpPr>
-          <p:cNvPr id="2" name="Title 1"/>
-          <p:cNvSpPr>
-            <a:spLocks noGrp="1"/>
-          </p:cNvSpPr>
-          <p:nvPr>
-            <p:ph type="title"/>
-          </p:nvPr>
-        </p:nvSpPr>
-        <p:spPr/>
-        <p:txBody>
-          <a:bodyPr/>
-          <a:lstStyle/>
-          <a:p>
-            <a:r>
-              <a:rPr lang="en-US" dirty="0"/>
-              <a:t>Running the Configuration</a:t>
-            </a:r>
-          </a:p>
-        </p:txBody>
-      </p:sp>
-      <p:pic>
-        <p:nvPicPr>
-          <p:cNvPr id="4" name="Picture 3"/>
-          <p:cNvPicPr>
-            <a:picLocks noChangeAspect="1"/>
-          </p:cNvPicPr>
-          <p:nvPr/>
-        </p:nvPicPr>
-        <p:blipFill>
-          <a:blip r:embed="rId2">
-            <a:extLst>
-              <a:ext uri="{28A0092B-C50C-407E-A947-70E740481C1C}">
-                <a14:useLocalDpi xmlns:a14="http://schemas.microsoft.com/office/drawing/2010/main" val="0"/>
-              </a:ext>
-            </a:extLst>
-          </a:blip>
-          <a:stretch>
-            <a:fillRect/>
-          </a:stretch>
-        </p:blipFill>
-        <p:spPr>
-          <a:xfrm>
-            <a:off x="991032" y="1962057"/>
-            <a:ext cx="10201469" cy="2861988"/>
-          </a:xfrm>
-          <a:prstGeom prst="rect">
-            <a:avLst/>
-          </a:prstGeom>
-        </p:spPr>
-      </p:pic>
-    </p:spTree>
-    <p:extLst>
-      <p:ext uri="{BB962C8B-B14F-4D97-AF65-F5344CB8AC3E}">
-        <p14:creationId xmlns:p14="http://schemas.microsoft.com/office/powerpoint/2010/main" val="698999797"/>
-      </p:ext>
-    </p:extLst>
-  </p:cSld>
-  <p:clrMapOvr>
-    <a:masterClrMapping/>
-  </p:clrMapOvr>
-</p:sld>
-</file>
-
-<file path=ppt/slides/slide29.xml><?xml version="1.0" encoding="utf-8"?>
+<file path=ppt/slides/slide37.xml><?xml version="1.0" encoding="utf-8"?>
 <p:sld xmlns:a="http://schemas.openxmlformats.org/drawingml/2006/main" xmlns:r="http://schemas.openxmlformats.org/officeDocument/2006/relationships" xmlns:p="http://schemas.openxmlformats.org/presentationml/2006/main">
   <p:cSld>
     <p:spTree>
@@ -34217,136 +35679,7 @@
 </p:sld>
 </file>
 
-<file path=ppt/slides/slide3.xml><?xml version="1.0" encoding="utf-8"?>
-<p:sld xmlns:a="http://schemas.openxmlformats.org/drawingml/2006/main" xmlns:r="http://schemas.openxmlformats.org/officeDocument/2006/relationships" xmlns:p="http://schemas.openxmlformats.org/presentationml/2006/main">
-  <p:cSld>
-    <p:spTree>
-      <p:nvGrpSpPr>
-        <p:cNvPr id="1" name=""/>
-        <p:cNvGrpSpPr/>
-        <p:nvPr/>
-      </p:nvGrpSpPr>
-      <p:grpSpPr>
-        <a:xfrm>
-          <a:off x="0" y="0"/>
-          <a:ext cx="0" cy="0"/>
-          <a:chOff x="0" y="0"/>
-          <a:chExt cx="0" cy="0"/>
-        </a:xfrm>
-      </p:grpSpPr>
-      <p:sp>
-        <p:nvSpPr>
-          <p:cNvPr id="6" name="Title 5"/>
-          <p:cNvSpPr>
-            <a:spLocks noGrp="1"/>
-          </p:cNvSpPr>
-          <p:nvPr>
-            <p:ph type="title"/>
-          </p:nvPr>
-        </p:nvSpPr>
-        <p:spPr/>
-        <p:txBody>
-          <a:bodyPr/>
-          <a:lstStyle/>
-          <a:p>
-            <a:r>
-              <a:rPr lang="en-US" dirty="0"/>
-              <a:t>Agenda</a:t>
-            </a:r>
-          </a:p>
-        </p:txBody>
-      </p:sp>
-      <p:sp>
-        <p:nvSpPr>
-          <p:cNvPr id="7" name="Content Placeholder 6"/>
-          <p:cNvSpPr>
-            <a:spLocks noGrp="1"/>
-          </p:cNvSpPr>
-          <p:nvPr>
-            <p:ph idx="1"/>
-          </p:nvPr>
-        </p:nvSpPr>
-        <p:spPr/>
-        <p:txBody>
-          <a:bodyPr>
-            <a:normAutofit/>
-          </a:bodyPr>
-          <a:lstStyle/>
-          <a:p>
-            <a:r>
-              <a:rPr lang="en-US" sz="2000" dirty="0"/>
-              <a:t>Introduction</a:t>
-            </a:r>
-          </a:p>
-          <a:p>
-            <a:pPr lvl="1"/>
-            <a:r>
-              <a:rPr lang="en-US" sz="2000" dirty="0"/>
-              <a:t>Why should you use DCAF?</a:t>
-            </a:r>
-          </a:p>
-          <a:p>
-            <a:pPr lvl="1"/>
-            <a:r>
-              <a:rPr lang="en-US" sz="2000" dirty="0"/>
-              <a:t>Who should use DCAF?</a:t>
-            </a:r>
-          </a:p>
-          <a:p>
-            <a:r>
-              <a:rPr lang="en-US" sz="2000" dirty="0"/>
-              <a:t>The DCAF Paradigm</a:t>
-            </a:r>
-          </a:p>
-          <a:p>
-            <a:pPr lvl="1"/>
-            <a:r>
-              <a:rPr lang="en-US" sz="2000" dirty="0"/>
-              <a:t>Engine</a:t>
-            </a:r>
-          </a:p>
-          <a:p>
-            <a:pPr lvl="1"/>
-            <a:r>
-              <a:rPr lang="en-US" sz="2000" dirty="0"/>
-              <a:t>Modules</a:t>
-            </a:r>
-          </a:p>
-          <a:p>
-            <a:pPr lvl="1"/>
-            <a:r>
-              <a:rPr lang="en-US" sz="2000" dirty="0"/>
-              <a:t>Configuration Editor</a:t>
-            </a:r>
-          </a:p>
-          <a:p>
-            <a:r>
-              <a:rPr lang="en-US" sz="2000" dirty="0"/>
-              <a:t>Getting Started</a:t>
-            </a:r>
-          </a:p>
-          <a:p>
-            <a:endParaRPr lang="en-US" dirty="0"/>
-          </a:p>
-          <a:p>
-            <a:endParaRPr lang="en-US" dirty="0"/>
-          </a:p>
-        </p:txBody>
-      </p:sp>
-    </p:spTree>
-    <p:extLst>
-      <p:ext uri="{BB962C8B-B14F-4D97-AF65-F5344CB8AC3E}">
-        <p14:creationId xmlns:p14="http://schemas.microsoft.com/office/powerpoint/2010/main" val="353883698"/>
-      </p:ext>
-    </p:extLst>
-  </p:cSld>
-  <p:clrMapOvr>
-    <a:masterClrMapping/>
-  </p:clrMapOvr>
-</p:sld>
-</file>
-
-<file path=ppt/slides/slide30.xml><?xml version="1.0" encoding="utf-8"?>
+<file path=ppt/slides/slide38.xml><?xml version="1.0" encoding="utf-8"?>
 <p:sld xmlns:a="http://schemas.openxmlformats.org/drawingml/2006/main" xmlns:r="http://schemas.openxmlformats.org/officeDocument/2006/relationships" xmlns:p="http://schemas.openxmlformats.org/presentationml/2006/main" show="0">
   <p:cSld>
     <p:spTree>
@@ -34404,7 +35737,7 @@
 </p:sld>
 </file>
 
-<file path=ppt/slides/slide31.xml><?xml version="1.0" encoding="utf-8"?>
+<file path=ppt/slides/slide39.xml><?xml version="1.0" encoding="utf-8"?>
 <p:sld xmlns:a="http://schemas.openxmlformats.org/drawingml/2006/main" xmlns:r="http://schemas.openxmlformats.org/officeDocument/2006/relationships" xmlns:p="http://schemas.openxmlformats.org/presentationml/2006/main" show="0">
   <p:cSld>
     <p:spTree>
@@ -34539,7 +35872,65 @@
 </p:sld>
 </file>
 
-<file path=ppt/slides/slide32.xml><?xml version="1.0" encoding="utf-8"?>
+<file path=ppt/slides/slide4.xml><?xml version="1.0" encoding="utf-8"?>
+<p:sld xmlns:a="http://schemas.openxmlformats.org/drawingml/2006/main" xmlns:r="http://schemas.openxmlformats.org/officeDocument/2006/relationships" xmlns:p="http://schemas.openxmlformats.org/presentationml/2006/main">
+  <p:cSld>
+    <p:spTree>
+      <p:nvGrpSpPr>
+        <p:cNvPr id="1" name=""/>
+        <p:cNvGrpSpPr/>
+        <p:nvPr/>
+      </p:nvGrpSpPr>
+      <p:grpSpPr>
+        <a:xfrm>
+          <a:off x="0" y="0"/>
+          <a:ext cx="0" cy="0"/>
+          <a:chOff x="0" y="0"/>
+          <a:chExt cx="0" cy="0"/>
+        </a:xfrm>
+      </p:grpSpPr>
+      <p:sp>
+        <p:nvSpPr>
+          <p:cNvPr id="7" name="Text Placeholder 6">
+            <a:extLst>
+              <a:ext uri="{FF2B5EF4-FFF2-40B4-BE49-F238E27FC236}">
+                <a16:creationId xmlns:a16="http://schemas.microsoft.com/office/drawing/2014/main" id="{37D7C2E8-B45B-4DFB-91B6-E829B50C5C72}"/>
+              </a:ext>
+            </a:extLst>
+          </p:cNvPr>
+          <p:cNvSpPr>
+            <a:spLocks noGrp="1"/>
+          </p:cNvSpPr>
+          <p:nvPr>
+            <p:ph type="body" sz="quarter" idx="10"/>
+          </p:nvPr>
+        </p:nvSpPr>
+        <p:spPr/>
+        <p:txBody>
+          <a:bodyPr/>
+          <a:lstStyle/>
+          <a:p>
+            <a:r>
+              <a:rPr lang="en-US" dirty="0"/>
+              <a:t>Introduction</a:t>
+            </a:r>
+          </a:p>
+        </p:txBody>
+      </p:sp>
+    </p:spTree>
+    <p:extLst>
+      <p:ext uri="{BB962C8B-B14F-4D97-AF65-F5344CB8AC3E}">
+        <p14:creationId xmlns:p14="http://schemas.microsoft.com/office/powerpoint/2010/main" val="341266986"/>
+      </p:ext>
+    </p:extLst>
+  </p:cSld>
+  <p:clrMapOvr>
+    <a:masterClrMapping/>
+  </p:clrMapOvr>
+</p:sld>
+</file>
+
+<file path=ppt/slides/slide40.xml><?xml version="1.0" encoding="utf-8"?>
 <p:sld xmlns:a="http://schemas.openxmlformats.org/drawingml/2006/main" xmlns:r="http://schemas.openxmlformats.org/officeDocument/2006/relationships" xmlns:p="http://schemas.openxmlformats.org/presentationml/2006/main">
   <p:cSld>
     <p:spTree>
@@ -34597,7 +35988,7 @@
 </p:sld>
 </file>
 
-<file path=ppt/slides/slide33.xml><?xml version="1.0" encoding="utf-8"?>
+<file path=ppt/slides/slide41.xml><?xml version="1.0" encoding="utf-8"?>
 <p:sld xmlns:a="http://schemas.openxmlformats.org/drawingml/2006/main" xmlns:r="http://schemas.openxmlformats.org/officeDocument/2006/relationships" xmlns:p="http://schemas.openxmlformats.org/presentationml/2006/main">
   <p:cSld>
     <p:spTree>
@@ -34719,7 +36110,7 @@
 </p:sld>
 </file>
 
-<file path=ppt/slides/slide34.xml><?xml version="1.0" encoding="utf-8"?>
+<file path=ppt/slides/slide42.xml><?xml version="1.0" encoding="utf-8"?>
 <p:sld xmlns:a="http://schemas.openxmlformats.org/drawingml/2006/main" xmlns:r="http://schemas.openxmlformats.org/officeDocument/2006/relationships" xmlns:p="http://schemas.openxmlformats.org/presentationml/2006/main">
   <p:cSld>
     <p:spTree>
@@ -34841,7 +36232,7 @@
 </p:sld>
 </file>
 
-<file path=ppt/slides/slide35.xml><?xml version="1.0" encoding="utf-8"?>
+<file path=ppt/slides/slide43.xml><?xml version="1.0" encoding="utf-8"?>
 <p:sld xmlns:a="http://schemas.openxmlformats.org/drawingml/2006/main" xmlns:r="http://schemas.openxmlformats.org/officeDocument/2006/relationships" xmlns:p="http://schemas.openxmlformats.org/presentationml/2006/main">
   <p:cSld>
     <p:spTree>
@@ -34955,7 +36346,7 @@
 </p:sld>
 </file>
 
-<file path=ppt/slides/slide36.xml><?xml version="1.0" encoding="utf-8"?>
+<file path=ppt/slides/slide44.xml><?xml version="1.0" encoding="utf-8"?>
 <p:sld xmlns:a="http://schemas.openxmlformats.org/drawingml/2006/main" xmlns:r="http://schemas.openxmlformats.org/officeDocument/2006/relationships" xmlns:p="http://schemas.openxmlformats.org/presentationml/2006/main">
   <p:cSld>
     <p:spTree>
@@ -35069,7 +36460,7 @@
 </p:sld>
 </file>
 
-<file path=ppt/slides/slide37.xml><?xml version="1.0" encoding="utf-8"?>
+<file path=ppt/slides/slide45.xml><?xml version="1.0" encoding="utf-8"?>
 <p:sld xmlns:a="http://schemas.openxmlformats.org/drawingml/2006/main" xmlns:r="http://schemas.openxmlformats.org/officeDocument/2006/relationships" xmlns:p="http://schemas.openxmlformats.org/presentationml/2006/main">
   <p:cSld>
     <p:spTree>
@@ -35183,7 +36574,7 @@
 </p:sld>
 </file>
 
-<file path=ppt/slides/slide38.xml><?xml version="1.0" encoding="utf-8"?>
+<file path=ppt/slides/slide46.xml><?xml version="1.0" encoding="utf-8"?>
 <p:sld xmlns:a="http://schemas.openxmlformats.org/drawingml/2006/main" xmlns:r="http://schemas.openxmlformats.org/officeDocument/2006/relationships" xmlns:p="http://schemas.openxmlformats.org/presentationml/2006/main">
   <p:cSld>
     <p:spTree>
@@ -35297,7 +36688,7 @@
 </p:sld>
 </file>
 
-<file path=ppt/slides/slide39.xml><?xml version="1.0" encoding="utf-8"?>
+<file path=ppt/slides/slide47.xml><?xml version="1.0" encoding="utf-8"?>
 <p:sld xmlns:a="http://schemas.openxmlformats.org/drawingml/2006/main" xmlns:r="http://schemas.openxmlformats.org/officeDocument/2006/relationships" xmlns:p="http://schemas.openxmlformats.org/presentationml/2006/main">
   <p:cSld>
     <p:spTree>
@@ -36095,64 +37486,6 @@
       <p:bldP spid="13" grpId="0" animBg="1"/>
     </p:bldLst>
   </p:timing>
-</p:sld>
-</file>
-
-<file path=ppt/slides/slide4.xml><?xml version="1.0" encoding="utf-8"?>
-<p:sld xmlns:a="http://schemas.openxmlformats.org/drawingml/2006/main" xmlns:r="http://schemas.openxmlformats.org/officeDocument/2006/relationships" xmlns:p="http://schemas.openxmlformats.org/presentationml/2006/main">
-  <p:cSld>
-    <p:spTree>
-      <p:nvGrpSpPr>
-        <p:cNvPr id="1" name=""/>
-        <p:cNvGrpSpPr/>
-        <p:nvPr/>
-      </p:nvGrpSpPr>
-      <p:grpSpPr>
-        <a:xfrm>
-          <a:off x="0" y="0"/>
-          <a:ext cx="0" cy="0"/>
-          <a:chOff x="0" y="0"/>
-          <a:chExt cx="0" cy="0"/>
-        </a:xfrm>
-      </p:grpSpPr>
-      <p:sp>
-        <p:nvSpPr>
-          <p:cNvPr id="7" name="Text Placeholder 6">
-            <a:extLst>
-              <a:ext uri="{FF2B5EF4-FFF2-40B4-BE49-F238E27FC236}">
-                <a16:creationId xmlns:a16="http://schemas.microsoft.com/office/drawing/2014/main" id="{37D7C2E8-B45B-4DFB-91B6-E829B50C5C72}"/>
-              </a:ext>
-            </a:extLst>
-          </p:cNvPr>
-          <p:cNvSpPr>
-            <a:spLocks noGrp="1"/>
-          </p:cNvSpPr>
-          <p:nvPr>
-            <p:ph type="body" sz="quarter" idx="10"/>
-          </p:nvPr>
-        </p:nvSpPr>
-        <p:spPr/>
-        <p:txBody>
-          <a:bodyPr/>
-          <a:lstStyle/>
-          <a:p>
-            <a:r>
-              <a:rPr lang="en-US" dirty="0"/>
-              <a:t>Introduction</a:t>
-            </a:r>
-          </a:p>
-        </p:txBody>
-      </p:sp>
-    </p:spTree>
-    <p:extLst>
-      <p:ext uri="{BB962C8B-B14F-4D97-AF65-F5344CB8AC3E}">
-        <p14:creationId xmlns:p14="http://schemas.microsoft.com/office/powerpoint/2010/main" val="341266986"/>
-      </p:ext>
-    </p:extLst>
-  </p:cSld>
-  <p:clrMapOvr>
-    <a:masterClrMapping/>
-  </p:clrMapOvr>
 </p:sld>
 </file>
 
@@ -38814,6 +40147,138 @@
           <a:p>
             <a:r>
               <a:rPr lang="en-US" dirty="0"/>
+              <a:t>Why did we create the framework?</a:t>
+            </a:r>
+          </a:p>
+        </p:txBody>
+      </p:sp>
+      <p:sp>
+        <p:nvSpPr>
+          <p:cNvPr id="3" name="Content Placeholder 2"/>
+          <p:cNvSpPr>
+            <a:spLocks noGrp="1"/>
+          </p:cNvSpPr>
+          <p:nvPr>
+            <p:ph idx="1"/>
+          </p:nvPr>
+        </p:nvSpPr>
+        <p:spPr/>
+        <p:txBody>
+          <a:bodyPr/>
+          <a:lstStyle/>
+          <a:p>
+            <a:r>
+              <a:rPr lang="en-US" dirty="0"/>
+              <a:t>Writing good embedded applications is </a:t>
+            </a:r>
+            <a:r>
+              <a:rPr lang="en-US" b="1" dirty="0"/>
+              <a:t>Hard</a:t>
+            </a:r>
+          </a:p>
+          <a:p>
+            <a:r>
+              <a:rPr lang="en-US" dirty="0"/>
+              <a:t>Many concepts and good practices are required to write good embedded code</a:t>
+            </a:r>
+          </a:p>
+          <a:p>
+            <a:r>
+              <a:rPr lang="en-US" dirty="0"/>
+              <a:t>Most embedded applications have the same components in common</a:t>
+            </a:r>
+          </a:p>
+          <a:p>
+            <a:r>
+              <a:rPr lang="en-US" dirty="0"/>
+              <a:t>Most embedded applications are dynamic and need configuration</a:t>
+            </a:r>
+          </a:p>
+          <a:p>
+            <a:r>
+              <a:rPr lang="en-US" dirty="0"/>
+              <a:t>All applications need error handling</a:t>
+            </a:r>
+          </a:p>
+          <a:p>
+            <a:pPr marL="0" indent="0">
+              <a:buNone/>
+            </a:pPr>
+            <a:endParaRPr lang="en-US" dirty="0"/>
+          </a:p>
+          <a:p>
+            <a:pPr marL="0" indent="0">
+              <a:buNone/>
+            </a:pPr>
+            <a:endParaRPr lang="en-US" dirty="0"/>
+          </a:p>
+          <a:p>
+            <a:pPr marL="0" indent="0">
+              <a:buNone/>
+            </a:pPr>
+            <a:endParaRPr lang="en-US" dirty="0"/>
+          </a:p>
+          <a:p>
+            <a:pPr marL="0" indent="0">
+              <a:buNone/>
+            </a:pPr>
+            <a:endParaRPr lang="en-US" b="1" dirty="0"/>
+          </a:p>
+          <a:p>
+            <a:pPr marL="469602" lvl="1" indent="0">
+              <a:buNone/>
+            </a:pPr>
+            <a:endParaRPr lang="en-US" dirty="0"/>
+          </a:p>
+        </p:txBody>
+      </p:sp>
+    </p:spTree>
+    <p:extLst>
+      <p:ext uri="{BB962C8B-B14F-4D97-AF65-F5344CB8AC3E}">
+        <p14:creationId xmlns:p14="http://schemas.microsoft.com/office/powerpoint/2010/main" val="3952928051"/>
+      </p:ext>
+    </p:extLst>
+  </p:cSld>
+  <p:clrMapOvr>
+    <a:masterClrMapping/>
+  </p:clrMapOvr>
+</p:sld>
+</file>
+
+<file path=ppt/slides/slide8.xml><?xml version="1.0" encoding="utf-8"?>
+<p:sld xmlns:a="http://schemas.openxmlformats.org/drawingml/2006/main" xmlns:r="http://schemas.openxmlformats.org/officeDocument/2006/relationships" xmlns:p="http://schemas.openxmlformats.org/presentationml/2006/main">
+  <p:cSld>
+    <p:spTree>
+      <p:nvGrpSpPr>
+        <p:cNvPr id="1" name=""/>
+        <p:cNvGrpSpPr/>
+        <p:nvPr/>
+      </p:nvGrpSpPr>
+      <p:grpSpPr>
+        <a:xfrm>
+          <a:off x="0" y="0"/>
+          <a:ext cx="0" cy="0"/>
+          <a:chOff x="0" y="0"/>
+          <a:chExt cx="0" cy="0"/>
+        </a:xfrm>
+      </p:grpSpPr>
+      <p:sp>
+        <p:nvSpPr>
+          <p:cNvPr id="2" name="Title 1"/>
+          <p:cNvSpPr>
+            <a:spLocks noGrp="1"/>
+          </p:cNvSpPr>
+          <p:nvPr>
+            <p:ph type="title"/>
+          </p:nvPr>
+        </p:nvSpPr>
+        <p:spPr/>
+        <p:txBody>
+          <a:bodyPr/>
+          <a:lstStyle/>
+          <a:p>
+            <a:r>
+              <a:rPr lang="en-US" dirty="0"/>
               <a:t>Who should use the framework?</a:t>
             </a:r>
           </a:p>
@@ -39335,7 +40800,7 @@
 </p:sld>
 </file>
 
-<file path=ppt/slides/slide8.xml><?xml version="1.0" encoding="utf-8"?>
+<file path=ppt/slides/slide9.xml><?xml version="1.0" encoding="utf-8"?>
 <p:sld xmlns:a="http://schemas.openxmlformats.org/drawingml/2006/main" xmlns:r="http://schemas.openxmlformats.org/officeDocument/2006/relationships" xmlns:p="http://schemas.openxmlformats.org/presentationml/2006/main">
   <p:cSld>
     <p:spTree>
@@ -39655,76 +41120,18 @@
   <p:clrMapOvr>
     <a:masterClrMapping/>
   </p:clrMapOvr>
-  <mc:AlternateContent xmlns:mc="http://schemas.openxmlformats.org/markup-compatibility/2006">
-    <mc:Choice xmlns:p14="http://schemas.microsoft.com/office/powerpoint/2010/main" Requires="p14">
+  <mc:AlternateContent xmlns:mc="http://schemas.openxmlformats.org/markup-compatibility/2006" xmlns:p14="http://schemas.microsoft.com/office/powerpoint/2010/main">
+    <mc:Choice Requires="p14">
       <p:transition spd="med" p14:dur="700">
         <p:fade/>
       </p:transition>
     </mc:Choice>
-    <mc:Fallback>
+    <mc:Fallback xmlns="">
       <p:transition spd="med">
         <p:fade/>
       </p:transition>
     </mc:Fallback>
   </mc:AlternateContent>
-</p:sld>
-</file>
-
-<file path=ppt/slides/slide9.xml><?xml version="1.0" encoding="utf-8"?>
-<p:sld xmlns:a="http://schemas.openxmlformats.org/drawingml/2006/main" xmlns:r="http://schemas.openxmlformats.org/officeDocument/2006/relationships" xmlns:p="http://schemas.openxmlformats.org/presentationml/2006/main">
-  <p:cSld>
-    <p:spTree>
-      <p:nvGrpSpPr>
-        <p:cNvPr id="1" name=""/>
-        <p:cNvGrpSpPr/>
-        <p:nvPr/>
-      </p:nvGrpSpPr>
-      <p:grpSpPr>
-        <a:xfrm>
-          <a:off x="0" y="0"/>
-          <a:ext cx="0" cy="0"/>
-          <a:chOff x="0" y="0"/>
-          <a:chExt cx="0" cy="0"/>
-        </a:xfrm>
-      </p:grpSpPr>
-      <p:sp>
-        <p:nvSpPr>
-          <p:cNvPr id="3" name="Text Placeholder 2">
-            <a:extLst>
-              <a:ext uri="{FF2B5EF4-FFF2-40B4-BE49-F238E27FC236}">
-                <a16:creationId xmlns:a16="http://schemas.microsoft.com/office/drawing/2014/main" id="{89E24BBD-127E-4044-A78F-A386423ABBE0}"/>
-              </a:ext>
-            </a:extLst>
-          </p:cNvPr>
-          <p:cNvSpPr>
-            <a:spLocks noGrp="1"/>
-          </p:cNvSpPr>
-          <p:nvPr>
-            <p:ph type="body" sz="quarter" idx="10"/>
-          </p:nvPr>
-        </p:nvSpPr>
-        <p:spPr/>
-        <p:txBody>
-          <a:bodyPr/>
-          <a:lstStyle/>
-          <a:p>
-            <a:r>
-              <a:rPr lang="en-US" dirty="0"/>
-              <a:t>The DCAF Paradigm</a:t>
-            </a:r>
-          </a:p>
-        </p:txBody>
-      </p:sp>
-    </p:spTree>
-    <p:extLst>
-      <p:ext uri="{BB962C8B-B14F-4D97-AF65-F5344CB8AC3E}">
-        <p14:creationId xmlns:p14="http://schemas.microsoft.com/office/powerpoint/2010/main" val="3034936698"/>
-      </p:ext>
-    </p:extLst>
-  </p:cSld>
-  <p:clrMapOvr>
-    <a:masterClrMapping/>
-  </p:clrMapOvr>
 </p:sld>
 </file>
 
